--- a/Presentazione_Progetto.pptx
+++ b/Presentazione_Progetto.pptx
@@ -156,17 +156,33 @@
 </p:cmAuthorLst>
 </file>
 
-<file path=ppt/revisionInfo.xml><?xml version="1.0" encoding="utf-8"?>
-<p1510:revInfo xmlns:a="http://schemas.openxmlformats.org/drawingml/2006/main" xmlns:r="http://schemas.openxmlformats.org/officeDocument/2006/relationships" xmlns:p1510="http://schemas.microsoft.com/office/powerpoint/2015/10/main">
-  <p1510:revLst>
-    <p1510:client id="{1FD69C1C-310A-40D4-A9CC-B04C6698A926}" v="3" dt="2022-11-23T11:17:04.198"/>
-    <p1510:client id="{7EF5A1FE-AEB6-47EF-9996-09AD37F9F487}" v="1" dt="2022-06-26T21:31:52.963"/>
-    <p1510:client id="{87F5E3B6-8594-46AB-9A92-FBB681F19472}" v="1" dt="2023-11-29T10:21:28.705"/>
-    <p1510:client id="{A738F553-18BB-461E-A714-879261EB5242}" v="15" dt="2022-09-14T13:38:45.570"/>
-    <p1510:client id="{CCBFE82D-ECBD-47FF-8558-3296B9DF8D06}" v="1" dt="2023-01-10T17:09:41.566"/>
-    <p1510:client id="{F11EADC3-6F7E-4035-9328-1B3212A42083}" v="2" dt="2023-02-27T11:22:25.536"/>
-  </p1510:revLst>
-</p1510:revInfo>
+<file path=ppt/changesInfos/changesInfo1.xml><?xml version="1.0" encoding="utf-8"?>
+<pc:chgInfo xmlns:a="http://schemas.openxmlformats.org/drawingml/2006/main" xmlns:r="http://schemas.openxmlformats.org/officeDocument/2006/relationships" xmlns:ac="http://schemas.microsoft.com/office/drawing/2013/main/command" xmlns:pc="http://schemas.microsoft.com/office/powerpoint/2013/main/command">
+  <pc:docChgLst>
+    <pc:chgData name="Matteo MANGILI" userId="89c7df381375e6aa" providerId="LiveId" clId="{002FC19B-B750-46E5-AE6C-2EDFEC68FEF2}"/>
+    <pc:docChg chg="modSld">
+      <pc:chgData name="Matteo MANGILI" userId="89c7df381375e6aa" providerId="LiveId" clId="{002FC19B-B750-46E5-AE6C-2EDFEC68FEF2}" dt="2023-12-02T11:23:17.777" v="0" actId="20577"/>
+      <pc:docMkLst>
+        <pc:docMk/>
+      </pc:docMkLst>
+      <pc:sldChg chg="modSp mod">
+        <pc:chgData name="Matteo MANGILI" userId="89c7df381375e6aa" providerId="LiveId" clId="{002FC19B-B750-46E5-AE6C-2EDFEC68FEF2}" dt="2023-12-02T11:23:17.777" v="0" actId="20577"/>
+        <pc:sldMkLst>
+          <pc:docMk/>
+          <pc:sldMk cId="3250768115" sldId="296"/>
+        </pc:sldMkLst>
+        <pc:spChg chg="mod">
+          <ac:chgData name="Matteo MANGILI" userId="89c7df381375e6aa" providerId="LiveId" clId="{002FC19B-B750-46E5-AE6C-2EDFEC68FEF2}" dt="2023-12-02T11:23:17.777" v="0" actId="20577"/>
+          <ac:spMkLst>
+            <pc:docMk/>
+            <pc:sldMk cId="3250768115" sldId="296"/>
+            <ac:spMk id="4" creationId="{6EADD32B-2BED-B9CD-8880-5933A888D00B}"/>
+          </ac:spMkLst>
+        </pc:spChg>
+      </pc:sldChg>
+    </pc:docChg>
+  </pc:docChgLst>
+</pc:chgInfo>
 </file>
 
 <file path=ppt/handoutMasters/handoutMaster1.xml><?xml version="1.0" encoding="utf-8"?>
@@ -265,7 +281,7 @@
             <a:pPr rtl="0"/>
             <a:fld id="{DBC54730-5EBA-4920-A6C4-7F8458A7F940}" type="datetime1">
               <a:rPr lang="it-IT" smtClean="0"/>
-              <a:t>01/12/2023</a:t>
+              <a:t>02/12/2023</a:t>
             </a:fld>
             <a:endParaRPr lang="it-IT"/>
           </a:p>
@@ -447,7 +463,7 @@
             <a:fld id="{85EC1C34-318D-43A8-83F5-3AC8647FE75E}" type="datetime1">
               <a:rPr lang="it-IT" smtClean="0"/>
               <a:pPr/>
-              <a:t>01/12/2023</a:t>
+              <a:t>02/12/2023</a:t>
             </a:fld>
             <a:endParaRPr lang="it-IT" dirty="0"/>
           </a:p>
@@ -12983,10 +12999,6 @@
             <a:pPr marL="0" indent="0">
               <a:buNone/>
             </a:pPr>
-            <a:r>
-              <a:rPr lang="it-IT" dirty="0"/>
-              <a:t>Quale è l’obiettivo della vostra applicazione?</a:t>
-            </a:r>
             <a:endParaRPr lang="en-US" dirty="0"/>
           </a:p>
         </p:txBody>
@@ -14828,6 +14840,15 @@
 </file>
 
 <file path=customXml/item1.xml><?xml version="1.0" encoding="utf-8"?>
+<?mso-contentType ?>
+<FormTemplates xmlns="http://schemas.microsoft.com/sharepoint/v3/contenttype/forms">
+  <Display>DocumentLibraryForm</Display>
+  <Edit>DocumentLibraryForm</Edit>
+  <New>DocumentLibraryForm</New>
+</FormTemplates>
+</file>
+
+<file path=customXml/item2.xml><?xml version="1.0" encoding="utf-8"?>
 <ct:contentTypeSchema xmlns:ct="http://schemas.microsoft.com/office/2006/metadata/contentType" xmlns:ma="http://schemas.microsoft.com/office/2006/metadata/properties/metaAttributes" ct:_="" ma:_="" ma:contentTypeName="Documento" ma:contentTypeID="0x0101007CE6213B20D2F945B0D1473923EE410F" ma:contentTypeVersion="7" ma:contentTypeDescription="Creare un nuovo documento." ma:contentTypeScope="" ma:versionID="dc8ac43e96b461727accd63cf925a5cf">
   <xsd:schema xmlns:xsd="http://www.w3.org/2001/XMLSchema" xmlns:xs="http://www.w3.org/2001/XMLSchema" xmlns:p="http://schemas.microsoft.com/office/2006/metadata/properties" xmlns:ns2="243f3390-b919-40e8-8195-3613e8527352" targetNamespace="http://schemas.microsoft.com/office/2006/metadata/properties" ma:root="true" ma:fieldsID="1987007e621e1b24d40e437f012b913d" ns2:_="">
     <xsd:import namespace="243f3390-b919-40e8-8195-3613e8527352"/>
@@ -14989,15 +15010,6 @@
 </ct:contentTypeSchema>
 </file>
 
-<file path=customXml/item2.xml><?xml version="1.0" encoding="utf-8"?>
-<?mso-contentType ?>
-<FormTemplates xmlns="http://schemas.microsoft.com/sharepoint/v3/contenttype/forms">
-  <Display>DocumentLibraryForm</Display>
-  <Edit>DocumentLibraryForm</Edit>
-  <New>DocumentLibraryForm</New>
-</FormTemplates>
-</file>
-
 <file path=customXml/item3.xml><?xml version="1.0" encoding="utf-8"?>
 <p:properties xmlns:p="http://schemas.microsoft.com/office/2006/metadata/properties" xmlns:xsi="http://www.w3.org/2001/XMLSchema-instance" xmlns:pc="http://schemas.microsoft.com/office/infopath/2007/PartnerControls">
   <documentManagement/>
@@ -15005,6 +15017,14 @@
 </file>
 
 <file path=customXml/itemProps1.xml><?xml version="1.0" encoding="utf-8"?>
+<ds:datastoreItem xmlns:ds="http://schemas.openxmlformats.org/officeDocument/2006/customXml" ds:itemID="{42BC90D6-94CF-42F7-AAC4-9CF6824C54D5}">
+  <ds:schemaRefs>
+    <ds:schemaRef ds:uri="http://schemas.microsoft.com/sharepoint/v3/contenttype/forms"/>
+  </ds:schemaRefs>
+</ds:datastoreItem>
+</file>
+
+<file path=customXml/itemProps2.xml><?xml version="1.0" encoding="utf-8"?>
 <ds:datastoreItem xmlns:ds="http://schemas.openxmlformats.org/officeDocument/2006/customXml" ds:itemID="{1A503E23-9696-4358-8F00-F7F66AC755EB}">
   <ds:schemaRefs>
     <ds:schemaRef ds:uri="http://schemas.microsoft.com/office/2006/metadata/contentType"/>
@@ -15018,14 +15038,6 @@
     <ds:schemaRef ds:uri="http://purl.org/dc/elements/1.1/"/>
     <ds:schemaRef ds:uri="http://purl.org/dc/terms/"/>
     <ds:schemaRef ds:uri="http://schemas.microsoft.com/internal/obd"/>
-  </ds:schemaRefs>
-</ds:datastoreItem>
-</file>
-
-<file path=customXml/itemProps2.xml><?xml version="1.0" encoding="utf-8"?>
-<ds:datastoreItem xmlns:ds="http://schemas.openxmlformats.org/officeDocument/2006/customXml" ds:itemID="{42BC90D6-94CF-42F7-AAC4-9CF6824C54D5}">
-  <ds:schemaRefs>
-    <ds:schemaRef ds:uri="http://schemas.microsoft.com/sharepoint/v3/contenttype/forms"/>
   </ds:schemaRefs>
 </ds:datastoreItem>
 </file>

--- a/Presentazione_Progetto.pptx
+++ b/Presentazione_Progetto.pptx
@@ -156,29 +156,297 @@
 </p:cmAuthorLst>
 </file>
 
+<file path=ppt/revisionInfo.xml><?xml version="1.0" encoding="utf-8"?>
+<p1510:revInfo xmlns:a="http://schemas.openxmlformats.org/drawingml/2006/main" xmlns:r="http://schemas.openxmlformats.org/officeDocument/2006/relationships" xmlns:p1510="http://schemas.microsoft.com/office/powerpoint/2015/10/main">
+  <p1510:revLst>
+    <p1510:client id="{002FC19B-B750-46E5-AE6C-2EDFEC68FEF2}" v="1" dt="2023-12-02T11:59:04.942"/>
+  </p1510:revLst>
+</p1510:revInfo>
+</file>
+
 <file path=ppt/changesInfos/changesInfo1.xml><?xml version="1.0" encoding="utf-8"?>
 <pc:chgInfo xmlns:a="http://schemas.openxmlformats.org/drawingml/2006/main" xmlns:r="http://schemas.openxmlformats.org/officeDocument/2006/relationships" xmlns:ac="http://schemas.microsoft.com/office/drawing/2013/main/command" xmlns:pc="http://schemas.microsoft.com/office/powerpoint/2013/main/command">
   <pc:docChgLst>
     <pc:chgData name="Matteo MANGILI" userId="89c7df381375e6aa" providerId="LiveId" clId="{002FC19B-B750-46E5-AE6C-2EDFEC68FEF2}"/>
-    <pc:docChg chg="modSld">
-      <pc:chgData name="Matteo MANGILI" userId="89c7df381375e6aa" providerId="LiveId" clId="{002FC19B-B750-46E5-AE6C-2EDFEC68FEF2}" dt="2023-12-02T11:23:17.777" v="0" actId="20577"/>
+    <pc:docChg chg="undo custSel modSld">
+      <pc:chgData name="Matteo MANGILI" userId="89c7df381375e6aa" providerId="LiveId" clId="{002FC19B-B750-46E5-AE6C-2EDFEC68FEF2}" dt="2023-12-02T12:02:12.680" v="1077" actId="14100"/>
       <pc:docMkLst>
         <pc:docMk/>
       </pc:docMkLst>
-      <pc:sldChg chg="modSp mod">
-        <pc:chgData name="Matteo MANGILI" userId="89c7df381375e6aa" providerId="LiveId" clId="{002FC19B-B750-46E5-AE6C-2EDFEC68FEF2}" dt="2023-12-02T11:23:17.777" v="0" actId="20577"/>
+      <pc:sldChg chg="addSp delSp modSp mod setBg">
+        <pc:chgData name="Matteo MANGILI" userId="89c7df381375e6aa" providerId="LiveId" clId="{002FC19B-B750-46E5-AE6C-2EDFEC68FEF2}" dt="2023-12-02T12:02:12.680" v="1077" actId="14100"/>
+        <pc:sldMkLst>
+          <pc:docMk/>
+          <pc:sldMk cId="1642425379" sldId="256"/>
+        </pc:sldMkLst>
+        <pc:spChg chg="mod">
+          <ac:chgData name="Matteo MANGILI" userId="89c7df381375e6aa" providerId="LiveId" clId="{002FC19B-B750-46E5-AE6C-2EDFEC68FEF2}" dt="2023-12-02T12:01:54.175" v="1071" actId="20577"/>
+          <ac:spMkLst>
+            <pc:docMk/>
+            <pc:sldMk cId="1642425379" sldId="256"/>
+            <ac:spMk id="2" creationId="{216815C6-3AD0-46E6-A74A-1967BD91AF50}"/>
+          </ac:spMkLst>
+        </pc:spChg>
+        <pc:spChg chg="mod">
+          <ac:chgData name="Matteo MANGILI" userId="89c7df381375e6aa" providerId="LiveId" clId="{002FC19B-B750-46E5-AE6C-2EDFEC68FEF2}" dt="2023-12-02T12:02:12.680" v="1077" actId="14100"/>
+          <ac:spMkLst>
+            <pc:docMk/>
+            <pc:sldMk cId="1642425379" sldId="256"/>
+            <ac:spMk id="3" creationId="{1901B20D-4C28-4DA3-ABBD-718C22A5E58B}"/>
+          </ac:spMkLst>
+        </pc:spChg>
+        <pc:spChg chg="add del">
+          <ac:chgData name="Matteo MANGILI" userId="89c7df381375e6aa" providerId="LiveId" clId="{002FC19B-B750-46E5-AE6C-2EDFEC68FEF2}" dt="2023-12-02T12:01:10.159" v="1067" actId="26606"/>
+          <ac:spMkLst>
+            <pc:docMk/>
+            <pc:sldMk cId="1642425379" sldId="256"/>
+            <ac:spMk id="8" creationId="{100EDD19-6802-4EC3-95CE-CFFAB042CFD6}"/>
+          </ac:spMkLst>
+        </pc:spChg>
+        <pc:spChg chg="add del">
+          <ac:chgData name="Matteo MANGILI" userId="89c7df381375e6aa" providerId="LiveId" clId="{002FC19B-B750-46E5-AE6C-2EDFEC68FEF2}" dt="2023-12-02T12:01:10.159" v="1067" actId="26606"/>
+          <ac:spMkLst>
+            <pc:docMk/>
+            <pc:sldMk cId="1642425379" sldId="256"/>
+            <ac:spMk id="10" creationId="{DB17E863-922E-4C26-BD64-E8FD41D28661}"/>
+          </ac:spMkLst>
+        </pc:spChg>
+        <pc:spChg chg="add">
+          <ac:chgData name="Matteo MANGILI" userId="89c7df381375e6aa" providerId="LiveId" clId="{002FC19B-B750-46E5-AE6C-2EDFEC68FEF2}" dt="2023-12-02T12:01:10.159" v="1067" actId="26606"/>
+          <ac:spMkLst>
+            <pc:docMk/>
+            <pc:sldMk cId="1642425379" sldId="256"/>
+            <ac:spMk id="15" creationId="{100EDD19-6802-4EC3-95CE-CFFAB042CFD6}"/>
+          </ac:spMkLst>
+        </pc:spChg>
+        <pc:spChg chg="add del">
+          <ac:chgData name="Matteo MANGILI" userId="89c7df381375e6aa" providerId="LiveId" clId="{002FC19B-B750-46E5-AE6C-2EDFEC68FEF2}" dt="2023-12-02T12:01:10.143" v="1066" actId="26606"/>
+          <ac:spMkLst>
+            <pc:docMk/>
+            <pc:sldMk cId="1642425379" sldId="256"/>
+            <ac:spMk id="17" creationId="{C59AB4C8-9178-4F7A-8404-6890510B5917}"/>
+          </ac:spMkLst>
+        </pc:spChg>
+        <pc:spChg chg="add del">
+          <ac:chgData name="Matteo MANGILI" userId="89c7df381375e6aa" providerId="LiveId" clId="{002FC19B-B750-46E5-AE6C-2EDFEC68FEF2}" dt="2023-12-02T12:01:10.143" v="1066" actId="26606"/>
+          <ac:spMkLst>
+            <pc:docMk/>
+            <pc:sldMk cId="1642425379" sldId="256"/>
+            <ac:spMk id="19" creationId="{4CFDFB37-4BC7-42C6-915D-A6609139BFE7}"/>
+          </ac:spMkLst>
+        </pc:spChg>
+        <pc:spChg chg="add">
+          <ac:chgData name="Matteo MANGILI" userId="89c7df381375e6aa" providerId="LiveId" clId="{002FC19B-B750-46E5-AE6C-2EDFEC68FEF2}" dt="2023-12-02T12:01:10.159" v="1067" actId="26606"/>
+          <ac:spMkLst>
+            <pc:docMk/>
+            <pc:sldMk cId="1642425379" sldId="256"/>
+            <ac:spMk id="21" creationId="{DB17E863-922E-4C26-BD64-E8FD41D28661}"/>
+          </ac:spMkLst>
+        </pc:spChg>
+        <pc:picChg chg="add del">
+          <ac:chgData name="Matteo MANGILI" userId="89c7df381375e6aa" providerId="LiveId" clId="{002FC19B-B750-46E5-AE6C-2EDFEC68FEF2}" dt="2023-12-02T12:01:10.143" v="1066" actId="26606"/>
+          <ac:picMkLst>
+            <pc:docMk/>
+            <pc:sldMk cId="1642425379" sldId="256"/>
+            <ac:picMk id="14" creationId="{4ED1EF2E-06AD-AC22-5646-EDCAB2A5BC9F}"/>
+          </ac:picMkLst>
+        </pc:picChg>
+      </pc:sldChg>
+      <pc:sldChg chg="addSp modSp mod setBg">
+        <pc:chgData name="Matteo MANGILI" userId="89c7df381375e6aa" providerId="LiveId" clId="{002FC19B-B750-46E5-AE6C-2EDFEC68FEF2}" dt="2023-12-02T11:59:10.537" v="1054" actId="26606"/>
         <pc:sldMkLst>
           <pc:docMk/>
           <pc:sldMk cId="3250768115" sldId="296"/>
         </pc:sldMkLst>
         <pc:spChg chg="mod">
-          <ac:chgData name="Matteo MANGILI" userId="89c7df381375e6aa" providerId="LiveId" clId="{002FC19B-B750-46E5-AE6C-2EDFEC68FEF2}" dt="2023-12-02T11:23:17.777" v="0" actId="20577"/>
+          <ac:chgData name="Matteo MANGILI" userId="89c7df381375e6aa" providerId="LiveId" clId="{002FC19B-B750-46E5-AE6C-2EDFEC68FEF2}" dt="2023-12-02T11:59:10.537" v="1054" actId="26606"/>
+          <ac:spMkLst>
+            <pc:docMk/>
+            <pc:sldMk cId="3250768115" sldId="296"/>
+            <ac:spMk id="2" creationId="{75031FE9-9059-4FE8-B4AC-9771F23A1B89}"/>
+          </ac:spMkLst>
+        </pc:spChg>
+        <pc:spChg chg="mod">
+          <ac:chgData name="Matteo MANGILI" userId="89c7df381375e6aa" providerId="LiveId" clId="{002FC19B-B750-46E5-AE6C-2EDFEC68FEF2}" dt="2023-12-02T11:59:10.537" v="1054" actId="26606"/>
           <ac:spMkLst>
             <pc:docMk/>
             <pc:sldMk cId="3250768115" sldId="296"/>
             <ac:spMk id="4" creationId="{6EADD32B-2BED-B9CD-8880-5933A888D00B}"/>
           </ac:spMkLst>
         </pc:spChg>
+        <pc:spChg chg="mod ord">
+          <ac:chgData name="Matteo MANGILI" userId="89c7df381375e6aa" providerId="LiveId" clId="{002FC19B-B750-46E5-AE6C-2EDFEC68FEF2}" dt="2023-12-02T11:59:10.537" v="1054" actId="26606"/>
+          <ac:spMkLst>
+            <pc:docMk/>
+            <pc:sldMk cId="3250768115" sldId="296"/>
+            <ac:spMk id="82" creationId="{CE36A058-BEC2-4BC5-A467-F2EB2A365051}"/>
+          </ac:spMkLst>
+        </pc:spChg>
+        <pc:spChg chg="add">
+          <ac:chgData name="Matteo MANGILI" userId="89c7df381375e6aa" providerId="LiveId" clId="{002FC19B-B750-46E5-AE6C-2EDFEC68FEF2}" dt="2023-12-02T11:59:10.537" v="1054" actId="26606"/>
+          <ac:spMkLst>
+            <pc:docMk/>
+            <pc:sldMk cId="3250768115" sldId="296"/>
+            <ac:spMk id="1031" creationId="{45D37F4E-DDB4-456B-97E0-9937730A039F}"/>
+          </ac:spMkLst>
+        </pc:spChg>
+        <pc:spChg chg="add">
+          <ac:chgData name="Matteo MANGILI" userId="89c7df381375e6aa" providerId="LiveId" clId="{002FC19B-B750-46E5-AE6C-2EDFEC68FEF2}" dt="2023-12-02T11:59:10.537" v="1054" actId="26606"/>
+          <ac:spMkLst>
+            <pc:docMk/>
+            <pc:sldMk cId="3250768115" sldId="296"/>
+            <ac:spMk id="1033" creationId="{B2DD41CD-8F47-4F56-AD12-4E2FF7696987}"/>
+          </ac:spMkLst>
+        </pc:spChg>
+        <pc:picChg chg="add mod">
+          <ac:chgData name="Matteo MANGILI" userId="89c7df381375e6aa" providerId="LiveId" clId="{002FC19B-B750-46E5-AE6C-2EDFEC68FEF2}" dt="2023-12-02T11:59:10.537" v="1054" actId="26606"/>
+          <ac:picMkLst>
+            <pc:docMk/>
+            <pc:sldMk cId="3250768115" sldId="296"/>
+            <ac:picMk id="1026" creationId="{A7F9973B-346C-5A43-7527-B97E92BAF68D}"/>
+          </ac:picMkLst>
+        </pc:picChg>
+      </pc:sldChg>
+      <pc:sldChg chg="addSp delSp modSp mod setBg">
+        <pc:chgData name="Matteo MANGILI" userId="89c7df381375e6aa" providerId="LiveId" clId="{002FC19B-B750-46E5-AE6C-2EDFEC68FEF2}" dt="2023-12-02T11:59:37.124" v="1058" actId="14100"/>
+        <pc:sldMkLst>
+          <pc:docMk/>
+          <pc:sldMk cId="1249612630" sldId="297"/>
+        </pc:sldMkLst>
+        <pc:spChg chg="mod">
+          <ac:chgData name="Matteo MANGILI" userId="89c7df381375e6aa" providerId="LiveId" clId="{002FC19B-B750-46E5-AE6C-2EDFEC68FEF2}" dt="2023-12-02T11:59:37.124" v="1058" actId="14100"/>
+          <ac:spMkLst>
+            <pc:docMk/>
+            <pc:sldMk cId="1249612630" sldId="297"/>
+            <ac:spMk id="2" creationId="{75031FE9-9059-4FE8-B4AC-9771F23A1B89}"/>
+          </ac:spMkLst>
+        </pc:spChg>
+        <pc:spChg chg="mod">
+          <ac:chgData name="Matteo MANGILI" userId="89c7df381375e6aa" providerId="LiveId" clId="{002FC19B-B750-46E5-AE6C-2EDFEC68FEF2}" dt="2023-12-02T11:59:25.128" v="1055" actId="26606"/>
+          <ac:spMkLst>
+            <pc:docMk/>
+            <pc:sldMk cId="1249612630" sldId="297"/>
+            <ac:spMk id="4" creationId="{0B9BE06A-2A10-766E-30FB-68BA1AE33F20}"/>
+          </ac:spMkLst>
+        </pc:spChg>
+        <pc:spChg chg="mod">
+          <ac:chgData name="Matteo MANGILI" userId="89c7df381375e6aa" providerId="LiveId" clId="{002FC19B-B750-46E5-AE6C-2EDFEC68FEF2}" dt="2023-12-02T11:59:25.128" v="1055" actId="26606"/>
+          <ac:spMkLst>
+            <pc:docMk/>
+            <pc:sldMk cId="1249612630" sldId="297"/>
+            <ac:spMk id="82" creationId="{CE36A058-BEC2-4BC5-A467-F2EB2A365051}"/>
+          </ac:spMkLst>
+        </pc:spChg>
+        <pc:spChg chg="add">
+          <ac:chgData name="Matteo MANGILI" userId="89c7df381375e6aa" providerId="LiveId" clId="{002FC19B-B750-46E5-AE6C-2EDFEC68FEF2}" dt="2023-12-02T11:59:25.128" v="1055" actId="26606"/>
+          <ac:spMkLst>
+            <pc:docMk/>
+            <pc:sldMk cId="1249612630" sldId="297"/>
+            <ac:spMk id="88" creationId="{F13C74B1-5B17-4795-BED0-7140497B445A}"/>
+          </ac:spMkLst>
+        </pc:spChg>
+        <pc:spChg chg="add">
+          <ac:chgData name="Matteo MANGILI" userId="89c7df381375e6aa" providerId="LiveId" clId="{002FC19B-B750-46E5-AE6C-2EDFEC68FEF2}" dt="2023-12-02T11:59:25.128" v="1055" actId="26606"/>
+          <ac:spMkLst>
+            <pc:docMk/>
+            <pc:sldMk cId="1249612630" sldId="297"/>
+            <ac:spMk id="90" creationId="{D4974D33-8DC5-464E-8C6D-BE58F0669C17}"/>
+          </ac:spMkLst>
+        </pc:spChg>
+        <pc:picChg chg="add del">
+          <ac:chgData name="Matteo MANGILI" userId="89c7df381375e6aa" providerId="LiveId" clId="{002FC19B-B750-46E5-AE6C-2EDFEC68FEF2}" dt="2023-12-02T11:59:27.133" v="1056" actId="21"/>
+          <ac:picMkLst>
+            <pc:docMk/>
+            <pc:sldMk cId="1249612630" sldId="297"/>
+            <ac:picMk id="84" creationId="{90B7423D-1EFB-47C8-F7C3-493B93417F14}"/>
+          </ac:picMkLst>
+        </pc:picChg>
+      </pc:sldChg>
+      <pc:sldChg chg="delSp modSp mod">
+        <pc:chgData name="Matteo MANGILI" userId="89c7df381375e6aa" providerId="LiveId" clId="{002FC19B-B750-46E5-AE6C-2EDFEC68FEF2}" dt="2023-12-02T11:50:38" v="361" actId="21"/>
+        <pc:sldMkLst>
+          <pc:docMk/>
+          <pc:sldMk cId="3568766427" sldId="306"/>
+        </pc:sldMkLst>
+        <pc:spChg chg="del mod">
+          <ac:chgData name="Matteo MANGILI" userId="89c7df381375e6aa" providerId="LiveId" clId="{002FC19B-B750-46E5-AE6C-2EDFEC68FEF2}" dt="2023-12-02T11:50:38" v="361" actId="21"/>
+          <ac:spMkLst>
+            <pc:docMk/>
+            <pc:sldMk cId="3568766427" sldId="306"/>
+            <ac:spMk id="4" creationId="{94ABEDDF-102F-B18E-CB96-5A4E69301686}"/>
+          </ac:spMkLst>
+        </pc:spChg>
+        <pc:spChg chg="del">
+          <ac:chgData name="Matteo MANGILI" userId="89c7df381375e6aa" providerId="LiveId" clId="{002FC19B-B750-46E5-AE6C-2EDFEC68FEF2}" dt="2023-12-02T11:50:34.236" v="360" actId="21"/>
+          <ac:spMkLst>
+            <pc:docMk/>
+            <pc:sldMk cId="3568766427" sldId="306"/>
+            <ac:spMk id="5" creationId="{E8C4B4D0-88FC-634D-417C-360F7583225D}"/>
+          </ac:spMkLst>
+        </pc:spChg>
+        <pc:spChg chg="mod">
+          <ac:chgData name="Matteo MANGILI" userId="89c7df381375e6aa" providerId="LiveId" clId="{002FC19B-B750-46E5-AE6C-2EDFEC68FEF2}" dt="2023-12-02T11:46:45.366" v="294" actId="113"/>
+          <ac:spMkLst>
+            <pc:docMk/>
+            <pc:sldMk cId="3568766427" sldId="306"/>
+            <ac:spMk id="6" creationId="{366879AD-ECAF-DDDE-26DC-9DD0D10F9AC4}"/>
+          </ac:spMkLst>
+        </pc:spChg>
+      </pc:sldChg>
+      <pc:sldChg chg="addSp delSp modSp mod">
+        <pc:chgData name="Matteo MANGILI" userId="89c7df381375e6aa" providerId="LiveId" clId="{002FC19B-B750-46E5-AE6C-2EDFEC68FEF2}" dt="2023-12-02T11:50:21.092" v="359" actId="21"/>
+        <pc:sldMkLst>
+          <pc:docMk/>
+          <pc:sldMk cId="42136755" sldId="307"/>
+        </pc:sldMkLst>
+        <pc:spChg chg="mod">
+          <ac:chgData name="Matteo MANGILI" userId="89c7df381375e6aa" providerId="LiveId" clId="{002FC19B-B750-46E5-AE6C-2EDFEC68FEF2}" dt="2023-12-02T11:40:37.040" v="2" actId="122"/>
+          <ac:spMkLst>
+            <pc:docMk/>
+            <pc:sldMk cId="42136755" sldId="307"/>
+            <ac:spMk id="2" creationId="{DDB7800B-90D1-8C4B-56B7-FA1626BB1375}"/>
+          </ac:spMkLst>
+        </pc:spChg>
+        <pc:spChg chg="mod">
+          <ac:chgData name="Matteo MANGILI" userId="89c7df381375e6aa" providerId="LiveId" clId="{002FC19B-B750-46E5-AE6C-2EDFEC68FEF2}" dt="2023-12-02T11:43:26.132" v="261" actId="27636"/>
+          <ac:spMkLst>
+            <pc:docMk/>
+            <pc:sldMk cId="42136755" sldId="307"/>
+            <ac:spMk id="3" creationId="{A07BF9D8-A7CB-D3F1-7E12-AD682B8F05A3}"/>
+          </ac:spMkLst>
+        </pc:spChg>
+        <pc:spChg chg="del">
+          <ac:chgData name="Matteo MANGILI" userId="89c7df381375e6aa" providerId="LiveId" clId="{002FC19B-B750-46E5-AE6C-2EDFEC68FEF2}" dt="2023-12-02T11:44:13.866" v="264" actId="478"/>
+          <ac:spMkLst>
+            <pc:docMk/>
+            <pc:sldMk cId="42136755" sldId="307"/>
+            <ac:spMk id="4" creationId="{E013A60F-D1E1-C885-25BD-E37FE9AEAE64}"/>
+          </ac:spMkLst>
+        </pc:spChg>
+        <pc:spChg chg="del mod">
+          <ac:chgData name="Matteo MANGILI" userId="89c7df381375e6aa" providerId="LiveId" clId="{002FC19B-B750-46E5-AE6C-2EDFEC68FEF2}" dt="2023-12-02T11:50:21.092" v="359" actId="21"/>
+          <ac:spMkLst>
+            <pc:docMk/>
+            <pc:sldMk cId="42136755" sldId="307"/>
+            <ac:spMk id="5" creationId="{D19A487B-30BB-D7A9-541E-E171339D4CAA}"/>
+          </ac:spMkLst>
+        </pc:spChg>
+        <pc:spChg chg="mod">
+          <ac:chgData name="Matteo MANGILI" userId="89c7df381375e6aa" providerId="LiveId" clId="{002FC19B-B750-46E5-AE6C-2EDFEC68FEF2}" dt="2023-12-02T11:46:57.571" v="299" actId="20577"/>
+          <ac:spMkLst>
+            <pc:docMk/>
+            <pc:sldMk cId="42136755" sldId="307"/>
+            <ac:spMk id="6" creationId="{07D5F90B-A703-3979-44A8-9125B7AA3463}"/>
+          </ac:spMkLst>
+        </pc:spChg>
+        <pc:cxnChg chg="add del">
+          <ac:chgData name="Matteo MANGILI" userId="89c7df381375e6aa" providerId="LiveId" clId="{002FC19B-B750-46E5-AE6C-2EDFEC68FEF2}" dt="2023-12-02T11:44:10.131" v="263" actId="11529"/>
+          <ac:cxnSpMkLst>
+            <pc:docMk/>
+            <pc:sldMk cId="42136755" sldId="307"/>
+            <ac:cxnSpMk id="8" creationId="{30FE366C-FF6D-9F0A-CA2A-33C80A4DB793}"/>
+          </ac:cxnSpMkLst>
+        </pc:cxnChg>
       </pc:sldChg>
     </pc:docChg>
   </pc:docChgLst>
@@ -12192,6 +12460,14 @@
 <file path=ppt/slides/slide1.xml><?xml version="1.0" encoding="utf-8"?>
 <p:sld xmlns:a="http://schemas.openxmlformats.org/drawingml/2006/main" xmlns:r="http://schemas.openxmlformats.org/officeDocument/2006/relationships" xmlns:p="http://schemas.openxmlformats.org/presentationml/2006/main">
   <p:cSld>
+    <p:bg>
+      <p:bgPr>
+        <a:solidFill>
+          <a:schemeClr val="bg1"/>
+        </a:solidFill>
+        <a:effectLst/>
+      </p:bgPr>
+    </p:bg>
     <p:spTree>
       <p:nvGrpSpPr>
         <p:cNvPr id="1" name=""/>
@@ -12206,6 +12482,66 @@
           <a:chExt cx="0" cy="0"/>
         </a:xfrm>
       </p:grpSpPr>
+      <p:sp useBgFill="1">
+        <p:nvSpPr>
+          <p:cNvPr id="15" name="Rectangle 14">
+            <a:extLst>
+              <a:ext uri="{FF2B5EF4-FFF2-40B4-BE49-F238E27FC236}">
+                <a16:creationId xmlns:a16="http://schemas.microsoft.com/office/drawing/2014/main" id="{100EDD19-6802-4EC3-95CE-CFFAB042CFD6}"/>
+              </a:ext>
+              <a:ext uri="{C183D7F6-B498-43B3-948B-1728B52AA6E4}">
+                <adec:decorative xmlns:adec="http://schemas.microsoft.com/office/drawing/2017/decorative" val="1"/>
+              </a:ext>
+            </a:extLst>
+          </p:cNvPr>
+          <p:cNvSpPr>
+            <a:spLocks noGrp="1" noRot="1" noChangeAspect="1" noMove="1" noResize="1" noEditPoints="1" noAdjustHandles="1" noChangeArrowheads="1" noChangeShapeType="1" noTextEdit="1"/>
+          </p:cNvSpPr>
+          <p:nvPr>
+            <p:extLst>
+              <p:ext uri="{386F3935-93C4-4BCD-93E2-E3B085C9AB24}">
+                <p16:designElem xmlns:p16="http://schemas.microsoft.com/office/powerpoint/2015/main" val="1"/>
+              </p:ext>
+            </p:extLst>
+          </p:nvPr>
+        </p:nvSpPr>
+        <p:spPr>
+          <a:xfrm>
+            <a:off x="0" y="0"/>
+            <a:ext cx="12188952" cy="6858000"/>
+          </a:xfrm>
+          <a:prstGeom prst="rect">
+            <a:avLst/>
+          </a:prstGeom>
+          <a:ln>
+            <a:noFill/>
+          </a:ln>
+        </p:spPr>
+        <p:style>
+          <a:lnRef idx="2">
+            <a:schemeClr val="accent1">
+              <a:shade val="50000"/>
+            </a:schemeClr>
+          </a:lnRef>
+          <a:fillRef idx="1">
+            <a:schemeClr val="accent1"/>
+          </a:fillRef>
+          <a:effectRef idx="0">
+            <a:schemeClr val="accent1"/>
+          </a:effectRef>
+          <a:fontRef idx="minor">
+            <a:schemeClr val="lt1"/>
+          </a:fontRef>
+        </p:style>
+        <p:txBody>
+          <a:bodyPr rtlCol="0" anchor="ctr"/>
+          <a:lstStyle/>
+          <a:p>
+            <a:pPr algn="ctr"/>
+            <a:endParaRPr lang="en-US"/>
+          </a:p>
+        </p:txBody>
+      </p:sp>
       <p:sp>
         <p:nvSpPr>
           <p:cNvPr id="2" name="Titolo 1">
@@ -12222,75 +12558,838 @@
             <p:ph type="ctrTitle"/>
           </p:nvPr>
         </p:nvSpPr>
-        <p:spPr/>
-        <p:txBody>
-          <a:bodyPr rtlCol="0">
-            <a:normAutofit fontScale="90000"/>
-          </a:bodyPr>
-          <a:lstStyle/>
-          <a:p>
-            <a:pPr rtl="0"/>
-            <a:r>
-              <a:rPr lang="it-IT" b="1" dirty="0"/>
-              <a:t>Progetto ingegneria del software</a:t>
-            </a:r>
-            <a:br>
-              <a:rPr lang="it-IT" dirty="0"/>
-            </a:br>
-            <a:r>
-              <a:rPr lang="it-IT" dirty="0" err="1"/>
-              <a:t>CamereOspedale</a:t>
-            </a:r>
-            <a:endParaRPr lang="it-IT" i="1" dirty="0"/>
-          </a:p>
-        </p:txBody>
-      </p:sp>
-      <p:sp>
-        <p:nvSpPr>
-          <p:cNvPr id="3" name="Sottotitolo 2">
-            <a:extLst>
-              <a:ext uri="{FF2B5EF4-FFF2-40B4-BE49-F238E27FC236}">
-                <a16:creationId xmlns:a16="http://schemas.microsoft.com/office/drawing/2014/main" id="{1901B20D-4C28-4DA3-ABBD-718C22A5E58B}"/>
-              </a:ext>
-            </a:extLst>
-          </p:cNvPr>
-          <p:cNvSpPr>
-            <a:spLocks noGrp="1"/>
-          </p:cNvSpPr>
-          <p:nvPr>
-            <p:ph type="subTitle" idx="1"/>
-          </p:nvPr>
-        </p:nvSpPr>
-        <p:spPr/>
-        <p:txBody>
-          <a:bodyPr rtlCol="0">
+        <p:spPr>
+          <a:xfrm>
+            <a:off x="1340358" y="257470"/>
+            <a:ext cx="10515600" cy="2879388"/>
+          </a:xfrm>
+        </p:spPr>
+        <p:txBody>
+          <a:bodyPr vert="horz" lIns="91440" tIns="45720" rIns="91440" bIns="45720" rtlCol="0" anchor="ctr">
             <a:normAutofit/>
           </a:bodyPr>
           <a:lstStyle/>
           <a:p>
-            <a:pPr algn="l" rtl="0"/>
-            <a:r>
-              <a:rPr lang="it-IT" dirty="0"/>
-              <a:t>Nicola Cattaneo</a:t>
-            </a:r>
-          </a:p>
-          <a:p>
-            <a:pPr algn="l" rtl="0"/>
-            <a:r>
-              <a:rPr lang="it-IT" dirty="0"/>
-              <a:t>Matteo Mangili</a:t>
-            </a:r>
-          </a:p>
-          <a:p>
-            <a:pPr algn="l" rtl="0"/>
-            <a:r>
-              <a:rPr lang="it-IT" dirty="0"/>
-              <a:t>Marco Saini</a:t>
-            </a:r>
-          </a:p>
-          <a:p>
-            <a:pPr algn="l" rtl="0"/>
-            <a:endParaRPr lang="it-IT" dirty="0"/>
+            <a:r>
+              <a:rPr lang="en-US" sz="4200" b="1" kern="1200" dirty="0">
+                <a:solidFill>
+                  <a:schemeClr val="tx1"/>
+                </a:solidFill>
+                <a:latin typeface="+mj-lt"/>
+                <a:ea typeface="+mj-ea"/>
+                <a:cs typeface="+mj-cs"/>
+              </a:rPr>
+              <a:t>Progetto </a:t>
+            </a:r>
+            <a:r>
+              <a:rPr lang="en-US" sz="4200" b="1" kern="1200" dirty="0" err="1">
+                <a:solidFill>
+                  <a:schemeClr val="tx1"/>
+                </a:solidFill>
+                <a:latin typeface="+mj-lt"/>
+                <a:ea typeface="+mj-ea"/>
+                <a:cs typeface="+mj-cs"/>
+              </a:rPr>
+              <a:t>Ingegneria</a:t>
+            </a:r>
+            <a:r>
+              <a:rPr lang="en-US" sz="4200" b="1" kern="1200" dirty="0">
+                <a:solidFill>
+                  <a:schemeClr val="tx1"/>
+                </a:solidFill>
+                <a:latin typeface="+mj-lt"/>
+                <a:ea typeface="+mj-ea"/>
+                <a:cs typeface="+mj-cs"/>
+              </a:rPr>
+              <a:t> del Software</a:t>
+            </a:r>
+            <a:br>
+              <a:rPr lang="en-US" sz="4200" b="1" kern="1200" dirty="0">
+                <a:solidFill>
+                  <a:schemeClr val="tx1"/>
+                </a:solidFill>
+                <a:latin typeface="+mj-lt"/>
+                <a:ea typeface="+mj-ea"/>
+                <a:cs typeface="+mj-cs"/>
+              </a:rPr>
+            </a:br>
+            <a:br>
+              <a:rPr lang="en-US" sz="4200" kern="1200" dirty="0">
+                <a:solidFill>
+                  <a:schemeClr val="tx1"/>
+                </a:solidFill>
+                <a:latin typeface="+mj-lt"/>
+                <a:ea typeface="+mj-ea"/>
+                <a:cs typeface="+mj-cs"/>
+              </a:rPr>
+            </a:br>
+            <a:r>
+              <a:rPr lang="en-US" sz="4200" kern="1200" dirty="0" err="1">
+                <a:solidFill>
+                  <a:schemeClr val="tx1"/>
+                </a:solidFill>
+                <a:latin typeface="+mj-lt"/>
+                <a:ea typeface="+mj-ea"/>
+                <a:cs typeface="+mj-cs"/>
+              </a:rPr>
+              <a:t>Camere</a:t>
+            </a:r>
+            <a:r>
+              <a:rPr lang="en-US" sz="4200" kern="1200" dirty="0">
+                <a:solidFill>
+                  <a:schemeClr val="tx1"/>
+                </a:solidFill>
+                <a:latin typeface="+mj-lt"/>
+                <a:ea typeface="+mj-ea"/>
+                <a:cs typeface="+mj-cs"/>
+              </a:rPr>
+              <a:t> </a:t>
+            </a:r>
+            <a:r>
+              <a:rPr lang="en-US" sz="4200" kern="1200" dirty="0" err="1">
+                <a:solidFill>
+                  <a:schemeClr val="tx1"/>
+                </a:solidFill>
+                <a:latin typeface="+mj-lt"/>
+                <a:ea typeface="+mj-ea"/>
+                <a:cs typeface="+mj-cs"/>
+              </a:rPr>
+              <a:t>D’Ospedale</a:t>
+            </a:r>
+            <a:endParaRPr lang="en-US" sz="4200" i="1" kern="1200" dirty="0">
+              <a:solidFill>
+                <a:schemeClr val="tx1"/>
+              </a:solidFill>
+              <a:latin typeface="+mj-lt"/>
+              <a:ea typeface="+mj-ea"/>
+              <a:cs typeface="+mj-cs"/>
+            </a:endParaRPr>
+          </a:p>
+        </p:txBody>
+      </p:sp>
+      <p:sp>
+        <p:nvSpPr>
+          <p:cNvPr id="21" name="sketch line">
+            <a:extLst>
+              <a:ext uri="{FF2B5EF4-FFF2-40B4-BE49-F238E27FC236}">
+                <a16:creationId xmlns:a16="http://schemas.microsoft.com/office/drawing/2014/main" id="{DB17E863-922E-4C26-BD64-E8FD41D28661}"/>
+              </a:ext>
+              <a:ext uri="{C183D7F6-B498-43B3-948B-1728B52AA6E4}">
+                <adec:decorative xmlns:adec="http://schemas.microsoft.com/office/drawing/2017/decorative" val="1"/>
+              </a:ext>
+            </a:extLst>
+          </p:cNvPr>
+          <p:cNvSpPr>
+            <a:spLocks noGrp="1" noRot="1" noChangeAspect="1" noMove="1" noResize="1" noEditPoints="1" noAdjustHandles="1" noChangeArrowheads="1" noChangeShapeType="1" noTextEdit="1"/>
+          </p:cNvSpPr>
+          <p:nvPr>
+            <p:extLst>
+              <p:ext uri="{386F3935-93C4-4BCD-93E2-E3B085C9AB24}">
+                <p16:designElem xmlns:p16="http://schemas.microsoft.com/office/powerpoint/2015/main" val="1"/>
+              </p:ext>
+            </p:extLst>
+          </p:nvPr>
+        </p:nvSpPr>
+        <p:spPr>
+          <a:xfrm>
+            <a:off x="669036" y="1677373"/>
+            <a:ext cx="10853928" cy="18288"/>
+          </a:xfrm>
+          <a:custGeom>
+            <a:avLst/>
+            <a:gdLst>
+              <a:gd name="connsiteX0" fmla="*/ 0 w 10853928"/>
+              <a:gd name="connsiteY0" fmla="*/ 0 h 18288"/>
+              <a:gd name="connsiteX1" fmla="*/ 461292 w 10853928"/>
+              <a:gd name="connsiteY1" fmla="*/ 0 h 18288"/>
+              <a:gd name="connsiteX2" fmla="*/ 1139662 w 10853928"/>
+              <a:gd name="connsiteY2" fmla="*/ 0 h 18288"/>
+              <a:gd name="connsiteX3" fmla="*/ 1926572 w 10853928"/>
+              <a:gd name="connsiteY3" fmla="*/ 0 h 18288"/>
+              <a:gd name="connsiteX4" fmla="*/ 2279325 w 10853928"/>
+              <a:gd name="connsiteY4" fmla="*/ 0 h 18288"/>
+              <a:gd name="connsiteX5" fmla="*/ 2632078 w 10853928"/>
+              <a:gd name="connsiteY5" fmla="*/ 0 h 18288"/>
+              <a:gd name="connsiteX6" fmla="*/ 3527527 w 10853928"/>
+              <a:gd name="connsiteY6" fmla="*/ 0 h 18288"/>
+              <a:gd name="connsiteX7" fmla="*/ 4205897 w 10853928"/>
+              <a:gd name="connsiteY7" fmla="*/ 0 h 18288"/>
+              <a:gd name="connsiteX8" fmla="*/ 4558650 w 10853928"/>
+              <a:gd name="connsiteY8" fmla="*/ 0 h 18288"/>
+              <a:gd name="connsiteX9" fmla="*/ 5237020 w 10853928"/>
+              <a:gd name="connsiteY9" fmla="*/ 0 h 18288"/>
+              <a:gd name="connsiteX10" fmla="*/ 6132469 w 10853928"/>
+              <a:gd name="connsiteY10" fmla="*/ 0 h 18288"/>
+              <a:gd name="connsiteX11" fmla="*/ 6702301 w 10853928"/>
+              <a:gd name="connsiteY11" fmla="*/ 0 h 18288"/>
+              <a:gd name="connsiteX12" fmla="*/ 7272132 w 10853928"/>
+              <a:gd name="connsiteY12" fmla="*/ 0 h 18288"/>
+              <a:gd name="connsiteX13" fmla="*/ 7950502 w 10853928"/>
+              <a:gd name="connsiteY13" fmla="*/ 0 h 18288"/>
+              <a:gd name="connsiteX14" fmla="*/ 8737412 w 10853928"/>
+              <a:gd name="connsiteY14" fmla="*/ 0 h 18288"/>
+              <a:gd name="connsiteX15" fmla="*/ 9524322 w 10853928"/>
+              <a:gd name="connsiteY15" fmla="*/ 0 h 18288"/>
+              <a:gd name="connsiteX16" fmla="*/ 10853928 w 10853928"/>
+              <a:gd name="connsiteY16" fmla="*/ 0 h 18288"/>
+              <a:gd name="connsiteX17" fmla="*/ 10853928 w 10853928"/>
+              <a:gd name="connsiteY17" fmla="*/ 18288 h 18288"/>
+              <a:gd name="connsiteX18" fmla="*/ 10392636 w 10853928"/>
+              <a:gd name="connsiteY18" fmla="*/ 18288 h 18288"/>
+              <a:gd name="connsiteX19" fmla="*/ 9497187 w 10853928"/>
+              <a:gd name="connsiteY19" fmla="*/ 18288 h 18288"/>
+              <a:gd name="connsiteX20" fmla="*/ 8818817 w 10853928"/>
+              <a:gd name="connsiteY20" fmla="*/ 18288 h 18288"/>
+              <a:gd name="connsiteX21" fmla="*/ 8466064 w 10853928"/>
+              <a:gd name="connsiteY21" fmla="*/ 18288 h 18288"/>
+              <a:gd name="connsiteX22" fmla="*/ 7787693 w 10853928"/>
+              <a:gd name="connsiteY22" fmla="*/ 18288 h 18288"/>
+              <a:gd name="connsiteX23" fmla="*/ 7217862 w 10853928"/>
+              <a:gd name="connsiteY23" fmla="*/ 18288 h 18288"/>
+              <a:gd name="connsiteX24" fmla="*/ 6648031 w 10853928"/>
+              <a:gd name="connsiteY24" fmla="*/ 18288 h 18288"/>
+              <a:gd name="connsiteX25" fmla="*/ 6078200 w 10853928"/>
+              <a:gd name="connsiteY25" fmla="*/ 18288 h 18288"/>
+              <a:gd name="connsiteX26" fmla="*/ 5508368 w 10853928"/>
+              <a:gd name="connsiteY26" fmla="*/ 18288 h 18288"/>
+              <a:gd name="connsiteX27" fmla="*/ 4721459 w 10853928"/>
+              <a:gd name="connsiteY27" fmla="*/ 18288 h 18288"/>
+              <a:gd name="connsiteX28" fmla="*/ 4043088 w 10853928"/>
+              <a:gd name="connsiteY28" fmla="*/ 18288 h 18288"/>
+              <a:gd name="connsiteX29" fmla="*/ 3690336 w 10853928"/>
+              <a:gd name="connsiteY29" fmla="*/ 18288 h 18288"/>
+              <a:gd name="connsiteX30" fmla="*/ 3120504 w 10853928"/>
+              <a:gd name="connsiteY30" fmla="*/ 18288 h 18288"/>
+              <a:gd name="connsiteX31" fmla="*/ 2333595 w 10853928"/>
+              <a:gd name="connsiteY31" fmla="*/ 18288 h 18288"/>
+              <a:gd name="connsiteX32" fmla="*/ 1872303 w 10853928"/>
+              <a:gd name="connsiteY32" fmla="*/ 18288 h 18288"/>
+              <a:gd name="connsiteX33" fmla="*/ 976854 w 10853928"/>
+              <a:gd name="connsiteY33" fmla="*/ 18288 h 18288"/>
+              <a:gd name="connsiteX34" fmla="*/ 0 w 10853928"/>
+              <a:gd name="connsiteY34" fmla="*/ 18288 h 18288"/>
+              <a:gd name="connsiteX35" fmla="*/ 0 w 10853928"/>
+              <a:gd name="connsiteY35" fmla="*/ 0 h 18288"/>
+            </a:gdLst>
+            <a:ahLst/>
+            <a:cxnLst>
+              <a:cxn ang="0">
+                <a:pos x="connsiteX0" y="connsiteY0"/>
+              </a:cxn>
+              <a:cxn ang="0">
+                <a:pos x="connsiteX1" y="connsiteY1"/>
+              </a:cxn>
+              <a:cxn ang="0">
+                <a:pos x="connsiteX2" y="connsiteY2"/>
+              </a:cxn>
+              <a:cxn ang="0">
+                <a:pos x="connsiteX3" y="connsiteY3"/>
+              </a:cxn>
+              <a:cxn ang="0">
+                <a:pos x="connsiteX4" y="connsiteY4"/>
+              </a:cxn>
+              <a:cxn ang="0">
+                <a:pos x="connsiteX5" y="connsiteY5"/>
+              </a:cxn>
+              <a:cxn ang="0">
+                <a:pos x="connsiteX6" y="connsiteY6"/>
+              </a:cxn>
+              <a:cxn ang="0">
+                <a:pos x="connsiteX7" y="connsiteY7"/>
+              </a:cxn>
+              <a:cxn ang="0">
+                <a:pos x="connsiteX8" y="connsiteY8"/>
+              </a:cxn>
+              <a:cxn ang="0">
+                <a:pos x="connsiteX9" y="connsiteY9"/>
+              </a:cxn>
+              <a:cxn ang="0">
+                <a:pos x="connsiteX10" y="connsiteY10"/>
+              </a:cxn>
+              <a:cxn ang="0">
+                <a:pos x="connsiteX11" y="connsiteY11"/>
+              </a:cxn>
+              <a:cxn ang="0">
+                <a:pos x="connsiteX12" y="connsiteY12"/>
+              </a:cxn>
+              <a:cxn ang="0">
+                <a:pos x="connsiteX13" y="connsiteY13"/>
+              </a:cxn>
+              <a:cxn ang="0">
+                <a:pos x="connsiteX14" y="connsiteY14"/>
+              </a:cxn>
+              <a:cxn ang="0">
+                <a:pos x="connsiteX15" y="connsiteY15"/>
+              </a:cxn>
+              <a:cxn ang="0">
+                <a:pos x="connsiteX16" y="connsiteY16"/>
+              </a:cxn>
+              <a:cxn ang="0">
+                <a:pos x="connsiteX17" y="connsiteY17"/>
+              </a:cxn>
+              <a:cxn ang="0">
+                <a:pos x="connsiteX18" y="connsiteY18"/>
+              </a:cxn>
+              <a:cxn ang="0">
+                <a:pos x="connsiteX19" y="connsiteY19"/>
+              </a:cxn>
+              <a:cxn ang="0">
+                <a:pos x="connsiteX20" y="connsiteY20"/>
+              </a:cxn>
+              <a:cxn ang="0">
+                <a:pos x="connsiteX21" y="connsiteY21"/>
+              </a:cxn>
+              <a:cxn ang="0">
+                <a:pos x="connsiteX22" y="connsiteY22"/>
+              </a:cxn>
+              <a:cxn ang="0">
+                <a:pos x="connsiteX23" y="connsiteY23"/>
+              </a:cxn>
+              <a:cxn ang="0">
+                <a:pos x="connsiteX24" y="connsiteY24"/>
+              </a:cxn>
+              <a:cxn ang="0">
+                <a:pos x="connsiteX25" y="connsiteY25"/>
+              </a:cxn>
+              <a:cxn ang="0">
+                <a:pos x="connsiteX26" y="connsiteY26"/>
+              </a:cxn>
+              <a:cxn ang="0">
+                <a:pos x="connsiteX27" y="connsiteY27"/>
+              </a:cxn>
+              <a:cxn ang="0">
+                <a:pos x="connsiteX28" y="connsiteY28"/>
+              </a:cxn>
+              <a:cxn ang="0">
+                <a:pos x="connsiteX29" y="connsiteY29"/>
+              </a:cxn>
+              <a:cxn ang="0">
+                <a:pos x="connsiteX30" y="connsiteY30"/>
+              </a:cxn>
+              <a:cxn ang="0">
+                <a:pos x="connsiteX31" y="connsiteY31"/>
+              </a:cxn>
+              <a:cxn ang="0">
+                <a:pos x="connsiteX32" y="connsiteY32"/>
+              </a:cxn>
+              <a:cxn ang="0">
+                <a:pos x="connsiteX33" y="connsiteY33"/>
+              </a:cxn>
+              <a:cxn ang="0">
+                <a:pos x="connsiteX34" y="connsiteY34"/>
+              </a:cxn>
+              <a:cxn ang="0">
+                <a:pos x="connsiteX35" y="connsiteY35"/>
+              </a:cxn>
+            </a:cxnLst>
+            <a:rect l="l" t="t" r="r" b="b"/>
+            <a:pathLst>
+              <a:path w="10853928" h="18288" fill="none" extrusionOk="0">
+                <a:moveTo>
+                  <a:pt x="0" y="0"/>
+                </a:moveTo>
+                <a:cubicBezTo>
+                  <a:pt x="146993" y="-19076"/>
+                  <a:pt x="347684" y="-4790"/>
+                  <a:pt x="461292" y="0"/>
+                </a:cubicBezTo>
+                <a:cubicBezTo>
+                  <a:pt x="574900" y="4790"/>
+                  <a:pt x="808367" y="19821"/>
+                  <a:pt x="1139662" y="0"/>
+                </a:cubicBezTo>
+                <a:cubicBezTo>
+                  <a:pt x="1470957" y="-19821"/>
+                  <a:pt x="1627405" y="5721"/>
+                  <a:pt x="1926572" y="0"/>
+                </a:cubicBezTo>
+                <a:cubicBezTo>
+                  <a:pt x="2225739" y="-5721"/>
+                  <a:pt x="2137730" y="-3235"/>
+                  <a:pt x="2279325" y="0"/>
+                </a:cubicBezTo>
+                <a:cubicBezTo>
+                  <a:pt x="2420920" y="3235"/>
+                  <a:pt x="2456518" y="9685"/>
+                  <a:pt x="2632078" y="0"/>
+                </a:cubicBezTo>
+                <a:cubicBezTo>
+                  <a:pt x="2807638" y="-9685"/>
+                  <a:pt x="3211516" y="-43007"/>
+                  <a:pt x="3527527" y="0"/>
+                </a:cubicBezTo>
+                <a:cubicBezTo>
+                  <a:pt x="3843538" y="43007"/>
+                  <a:pt x="4058833" y="22042"/>
+                  <a:pt x="4205897" y="0"/>
+                </a:cubicBezTo>
+                <a:cubicBezTo>
+                  <a:pt x="4352961" y="-22042"/>
+                  <a:pt x="4474805" y="-11846"/>
+                  <a:pt x="4558650" y="0"/>
+                </a:cubicBezTo>
+                <a:cubicBezTo>
+                  <a:pt x="4642495" y="11846"/>
+                  <a:pt x="5041928" y="-6069"/>
+                  <a:pt x="5237020" y="0"/>
+                </a:cubicBezTo>
+                <a:cubicBezTo>
+                  <a:pt x="5432112" y="6069"/>
+                  <a:pt x="5943266" y="-17479"/>
+                  <a:pt x="6132469" y="0"/>
+                </a:cubicBezTo>
+                <a:cubicBezTo>
+                  <a:pt x="6321672" y="17479"/>
+                  <a:pt x="6483872" y="26234"/>
+                  <a:pt x="6702301" y="0"/>
+                </a:cubicBezTo>
+                <a:cubicBezTo>
+                  <a:pt x="6920730" y="-26234"/>
+                  <a:pt x="6991194" y="-15156"/>
+                  <a:pt x="7272132" y="0"/>
+                </a:cubicBezTo>
+                <a:cubicBezTo>
+                  <a:pt x="7553070" y="15156"/>
+                  <a:pt x="7684444" y="-32961"/>
+                  <a:pt x="7950502" y="0"/>
+                </a:cubicBezTo>
+                <a:cubicBezTo>
+                  <a:pt x="8216560" y="32961"/>
+                  <a:pt x="8493290" y="-10491"/>
+                  <a:pt x="8737412" y="0"/>
+                </a:cubicBezTo>
+                <a:cubicBezTo>
+                  <a:pt x="8981534" y="10491"/>
+                  <a:pt x="9191586" y="-13899"/>
+                  <a:pt x="9524322" y="0"/>
+                </a:cubicBezTo>
+                <a:cubicBezTo>
+                  <a:pt x="9857058" y="13899"/>
+                  <a:pt x="10297509" y="7485"/>
+                  <a:pt x="10853928" y="0"/>
+                </a:cubicBezTo>
+                <a:cubicBezTo>
+                  <a:pt x="10854574" y="4451"/>
+                  <a:pt x="10854418" y="9226"/>
+                  <a:pt x="10853928" y="18288"/>
+                </a:cubicBezTo>
+                <a:cubicBezTo>
+                  <a:pt x="10691638" y="28522"/>
+                  <a:pt x="10574319" y="29578"/>
+                  <a:pt x="10392636" y="18288"/>
+                </a:cubicBezTo>
+                <a:cubicBezTo>
+                  <a:pt x="10210953" y="6998"/>
+                  <a:pt x="9836277" y="-16742"/>
+                  <a:pt x="9497187" y="18288"/>
+                </a:cubicBezTo>
+                <a:cubicBezTo>
+                  <a:pt x="9158097" y="53318"/>
+                  <a:pt x="9119479" y="30714"/>
+                  <a:pt x="8818817" y="18288"/>
+                </a:cubicBezTo>
+                <a:cubicBezTo>
+                  <a:pt x="8518155" y="5863"/>
+                  <a:pt x="8640037" y="6483"/>
+                  <a:pt x="8466064" y="18288"/>
+                </a:cubicBezTo>
+                <a:cubicBezTo>
+                  <a:pt x="8292091" y="30093"/>
+                  <a:pt x="7997656" y="18914"/>
+                  <a:pt x="7787693" y="18288"/>
+                </a:cubicBezTo>
+                <a:cubicBezTo>
+                  <a:pt x="7577730" y="17662"/>
+                  <a:pt x="7412468" y="21416"/>
+                  <a:pt x="7217862" y="18288"/>
+                </a:cubicBezTo>
+                <a:cubicBezTo>
+                  <a:pt x="7023256" y="15160"/>
+                  <a:pt x="6898018" y="14824"/>
+                  <a:pt x="6648031" y="18288"/>
+                </a:cubicBezTo>
+                <a:cubicBezTo>
+                  <a:pt x="6398044" y="21752"/>
+                  <a:pt x="6254402" y="38625"/>
+                  <a:pt x="6078200" y="18288"/>
+                </a:cubicBezTo>
+                <a:cubicBezTo>
+                  <a:pt x="5901998" y="-2049"/>
+                  <a:pt x="5622886" y="3213"/>
+                  <a:pt x="5508368" y="18288"/>
+                </a:cubicBezTo>
+                <a:cubicBezTo>
+                  <a:pt x="5393850" y="33363"/>
+                  <a:pt x="5036260" y="26830"/>
+                  <a:pt x="4721459" y="18288"/>
+                </a:cubicBezTo>
+                <a:cubicBezTo>
+                  <a:pt x="4406658" y="9746"/>
+                  <a:pt x="4239221" y="41551"/>
+                  <a:pt x="4043088" y="18288"/>
+                </a:cubicBezTo>
+                <a:cubicBezTo>
+                  <a:pt x="3846955" y="-4975"/>
+                  <a:pt x="3818802" y="34658"/>
+                  <a:pt x="3690336" y="18288"/>
+                </a:cubicBezTo>
+                <a:cubicBezTo>
+                  <a:pt x="3561870" y="1918"/>
+                  <a:pt x="3265491" y="42194"/>
+                  <a:pt x="3120504" y="18288"/>
+                </a:cubicBezTo>
+                <a:cubicBezTo>
+                  <a:pt x="2975517" y="-5618"/>
+                  <a:pt x="2720254" y="36673"/>
+                  <a:pt x="2333595" y="18288"/>
+                </a:cubicBezTo>
+                <a:cubicBezTo>
+                  <a:pt x="1946936" y="-97"/>
+                  <a:pt x="2097241" y="5776"/>
+                  <a:pt x="1872303" y="18288"/>
+                </a:cubicBezTo>
+                <a:cubicBezTo>
+                  <a:pt x="1647365" y="30800"/>
+                  <a:pt x="1282708" y="45380"/>
+                  <a:pt x="976854" y="18288"/>
+                </a:cubicBezTo>
+                <a:cubicBezTo>
+                  <a:pt x="671000" y="-8804"/>
+                  <a:pt x="408401" y="-12775"/>
+                  <a:pt x="0" y="18288"/>
+                </a:cubicBezTo>
+                <a:cubicBezTo>
+                  <a:pt x="-213" y="9468"/>
+                  <a:pt x="187" y="4459"/>
+                  <a:pt x="0" y="0"/>
+                </a:cubicBezTo>
+                <a:close/>
+              </a:path>
+              <a:path w="10853928" h="18288" stroke="0" extrusionOk="0">
+                <a:moveTo>
+                  <a:pt x="0" y="0"/>
+                </a:moveTo>
+                <a:cubicBezTo>
+                  <a:pt x="267322" y="15284"/>
+                  <a:pt x="415388" y="-21048"/>
+                  <a:pt x="569831" y="0"/>
+                </a:cubicBezTo>
+                <a:cubicBezTo>
+                  <a:pt x="724274" y="21048"/>
+                  <a:pt x="769333" y="-2353"/>
+                  <a:pt x="922584" y="0"/>
+                </a:cubicBezTo>
+                <a:cubicBezTo>
+                  <a:pt x="1075835" y="2353"/>
+                  <a:pt x="1399490" y="-145"/>
+                  <a:pt x="1818033" y="0"/>
+                </a:cubicBezTo>
+                <a:cubicBezTo>
+                  <a:pt x="2236576" y="145"/>
+                  <a:pt x="2145330" y="5482"/>
+                  <a:pt x="2387864" y="0"/>
+                </a:cubicBezTo>
+                <a:cubicBezTo>
+                  <a:pt x="2630398" y="-5482"/>
+                  <a:pt x="2793207" y="18487"/>
+                  <a:pt x="2957695" y="0"/>
+                </a:cubicBezTo>
+                <a:cubicBezTo>
+                  <a:pt x="3122183" y="-18487"/>
+                  <a:pt x="3579141" y="19003"/>
+                  <a:pt x="3853144" y="0"/>
+                </a:cubicBezTo>
+                <a:cubicBezTo>
+                  <a:pt x="4127147" y="-19003"/>
+                  <a:pt x="4209857" y="12211"/>
+                  <a:pt x="4314436" y="0"/>
+                </a:cubicBezTo>
+                <a:cubicBezTo>
+                  <a:pt x="4419015" y="-12211"/>
+                  <a:pt x="4762459" y="-17220"/>
+                  <a:pt x="5209885" y="0"/>
+                </a:cubicBezTo>
+                <a:cubicBezTo>
+                  <a:pt x="5657311" y="17220"/>
+                  <a:pt x="5692663" y="-3290"/>
+                  <a:pt x="6105335" y="0"/>
+                </a:cubicBezTo>
+                <a:cubicBezTo>
+                  <a:pt x="6518007" y="3290"/>
+                  <a:pt x="6455516" y="-5124"/>
+                  <a:pt x="6783705" y="0"/>
+                </a:cubicBezTo>
+                <a:cubicBezTo>
+                  <a:pt x="7111894" y="5124"/>
+                  <a:pt x="7441941" y="-17829"/>
+                  <a:pt x="7679154" y="0"/>
+                </a:cubicBezTo>
+                <a:cubicBezTo>
+                  <a:pt x="7916367" y="17829"/>
+                  <a:pt x="8102967" y="-24363"/>
+                  <a:pt x="8248985" y="0"/>
+                </a:cubicBezTo>
+                <a:cubicBezTo>
+                  <a:pt x="8395003" y="24363"/>
+                  <a:pt x="8552393" y="25505"/>
+                  <a:pt x="8818817" y="0"/>
+                </a:cubicBezTo>
+                <a:cubicBezTo>
+                  <a:pt x="9085241" y="-25505"/>
+                  <a:pt x="9411308" y="38000"/>
+                  <a:pt x="9605726" y="0"/>
+                </a:cubicBezTo>
+                <a:cubicBezTo>
+                  <a:pt x="9800144" y="-38000"/>
+                  <a:pt x="10006468" y="-25741"/>
+                  <a:pt x="10175558" y="0"/>
+                </a:cubicBezTo>
+                <a:cubicBezTo>
+                  <a:pt x="10344648" y="25741"/>
+                  <a:pt x="10696282" y="695"/>
+                  <a:pt x="10853928" y="0"/>
+                </a:cubicBezTo>
+                <a:cubicBezTo>
+                  <a:pt x="10853521" y="8690"/>
+                  <a:pt x="10853774" y="14141"/>
+                  <a:pt x="10853928" y="18288"/>
+                </a:cubicBezTo>
+                <a:cubicBezTo>
+                  <a:pt x="10608124" y="24255"/>
+                  <a:pt x="10343415" y="22307"/>
+                  <a:pt x="10067018" y="18288"/>
+                </a:cubicBezTo>
+                <a:cubicBezTo>
+                  <a:pt x="9790621" y="14270"/>
+                  <a:pt x="9843266" y="3564"/>
+                  <a:pt x="9714266" y="18288"/>
+                </a:cubicBezTo>
+                <a:cubicBezTo>
+                  <a:pt x="9585266" y="33012"/>
+                  <a:pt x="9379484" y="1875"/>
+                  <a:pt x="9252974" y="18288"/>
+                </a:cubicBezTo>
+                <a:cubicBezTo>
+                  <a:pt x="9126464" y="34701"/>
+                  <a:pt x="8580678" y="-4904"/>
+                  <a:pt x="8357525" y="18288"/>
+                </a:cubicBezTo>
+                <a:cubicBezTo>
+                  <a:pt x="8134372" y="41480"/>
+                  <a:pt x="7903199" y="26458"/>
+                  <a:pt x="7679154" y="18288"/>
+                </a:cubicBezTo>
+                <a:cubicBezTo>
+                  <a:pt x="7455109" y="10118"/>
+                  <a:pt x="7435944" y="27109"/>
+                  <a:pt x="7217862" y="18288"/>
+                </a:cubicBezTo>
+                <a:cubicBezTo>
+                  <a:pt x="6999780" y="9467"/>
+                  <a:pt x="6680409" y="18985"/>
+                  <a:pt x="6539492" y="18288"/>
+                </a:cubicBezTo>
+                <a:cubicBezTo>
+                  <a:pt x="6398575" y="17592"/>
+                  <a:pt x="6312077" y="33018"/>
+                  <a:pt x="6186739" y="18288"/>
+                </a:cubicBezTo>
+                <a:cubicBezTo>
+                  <a:pt x="6061401" y="3558"/>
+                  <a:pt x="5947033" y="12075"/>
+                  <a:pt x="5833986" y="18288"/>
+                </a:cubicBezTo>
+                <a:cubicBezTo>
+                  <a:pt x="5720939" y="24501"/>
+                  <a:pt x="5482226" y="8586"/>
+                  <a:pt x="5155616" y="18288"/>
+                </a:cubicBezTo>
+                <a:cubicBezTo>
+                  <a:pt x="4829006" y="27991"/>
+                  <a:pt x="4841274" y="29316"/>
+                  <a:pt x="4694324" y="18288"/>
+                </a:cubicBezTo>
+                <a:cubicBezTo>
+                  <a:pt x="4547374" y="7260"/>
+                  <a:pt x="4077675" y="7013"/>
+                  <a:pt x="3907414" y="18288"/>
+                </a:cubicBezTo>
+                <a:cubicBezTo>
+                  <a:pt x="3737153" y="29564"/>
+                  <a:pt x="3538393" y="21630"/>
+                  <a:pt x="3446122" y="18288"/>
+                </a:cubicBezTo>
+                <a:cubicBezTo>
+                  <a:pt x="3353851" y="14946"/>
+                  <a:pt x="2990320" y="-8091"/>
+                  <a:pt x="2659212" y="18288"/>
+                </a:cubicBezTo>
+                <a:cubicBezTo>
+                  <a:pt x="2328104" y="44667"/>
+                  <a:pt x="2427653" y="9607"/>
+                  <a:pt x="2306460" y="18288"/>
+                </a:cubicBezTo>
+                <a:cubicBezTo>
+                  <a:pt x="2185267" y="26969"/>
+                  <a:pt x="1719763" y="3717"/>
+                  <a:pt x="1519550" y="18288"/>
+                </a:cubicBezTo>
+                <a:cubicBezTo>
+                  <a:pt x="1319337" y="32860"/>
+                  <a:pt x="1167371" y="17040"/>
+                  <a:pt x="1058258" y="18288"/>
+                </a:cubicBezTo>
+                <a:cubicBezTo>
+                  <a:pt x="949145" y="19536"/>
+                  <a:pt x="780234" y="31447"/>
+                  <a:pt x="705505" y="18288"/>
+                </a:cubicBezTo>
+                <a:cubicBezTo>
+                  <a:pt x="630776" y="5129"/>
+                  <a:pt x="215796" y="30056"/>
+                  <a:pt x="0" y="18288"/>
+                </a:cubicBezTo>
+                <a:cubicBezTo>
+                  <a:pt x="-53" y="11301"/>
+                  <a:pt x="-649" y="7756"/>
+                  <a:pt x="0" y="0"/>
+                </a:cubicBezTo>
+                <a:close/>
+              </a:path>
+            </a:pathLst>
+          </a:custGeom>
+          <a:solidFill>
+            <a:schemeClr val="accent2"/>
+          </a:solidFill>
+          <a:ln w="41275" cap="rnd">
+            <a:solidFill>
+              <a:schemeClr val="accent2"/>
+            </a:solidFill>
+            <a:round/>
+            <a:extLst>
+              <a:ext uri="{C807C97D-BFC1-408E-A445-0C87EB9F89A2}">
+                <ask:lineSketchStyleProps xmlns:ask="http://schemas.microsoft.com/office/drawing/2018/sketchyshapes" sd="1219033472">
+                  <a:prstGeom prst="rect">
+                    <a:avLst/>
+                  </a:prstGeom>
+                  <ask:type>
+                    <ask:lineSketchFreehand/>
+                  </ask:type>
+                </ask:lineSketchStyleProps>
+              </a:ext>
+            </a:extLst>
+          </a:ln>
+        </p:spPr>
+        <p:style>
+          <a:lnRef idx="2">
+            <a:schemeClr val="accent1">
+              <a:shade val="50000"/>
+            </a:schemeClr>
+          </a:lnRef>
+          <a:fillRef idx="1">
+            <a:schemeClr val="accent1"/>
+          </a:fillRef>
+          <a:effectRef idx="0">
+            <a:schemeClr val="accent1"/>
+          </a:effectRef>
+          <a:fontRef idx="minor">
+            <a:schemeClr val="lt1"/>
+          </a:fontRef>
+        </p:style>
+        <p:txBody>
+          <a:bodyPr rtlCol="0" anchor="ctr"/>
+          <a:lstStyle/>
+          <a:p>
+            <a:pPr algn="ctr"/>
+            <a:endParaRPr lang="en-US"/>
+          </a:p>
+        </p:txBody>
+      </p:sp>
+      <p:sp>
+        <p:nvSpPr>
+          <p:cNvPr id="3" name="Sottotitolo 2">
+            <a:extLst>
+              <a:ext uri="{FF2B5EF4-FFF2-40B4-BE49-F238E27FC236}">
+                <a16:creationId xmlns:a16="http://schemas.microsoft.com/office/drawing/2014/main" id="{1901B20D-4C28-4DA3-ABBD-718C22A5E58B}"/>
+              </a:ext>
+            </a:extLst>
+          </p:cNvPr>
+          <p:cNvSpPr>
+            <a:spLocks noGrp="1"/>
+          </p:cNvSpPr>
+          <p:nvPr>
+            <p:ph type="subTitle" idx="1"/>
+          </p:nvPr>
+        </p:nvSpPr>
+        <p:spPr>
+          <a:xfrm>
+            <a:off x="838200" y="3283668"/>
+            <a:ext cx="10515600" cy="1792185"/>
+          </a:xfrm>
+        </p:spPr>
+        <p:txBody>
+          <a:bodyPr vert="horz" lIns="91440" tIns="45720" rIns="91440" bIns="45720" rtlCol="0">
+            <a:normAutofit/>
+          </a:bodyPr>
+          <a:lstStyle/>
+          <a:p>
+            <a:r>
+              <a:rPr lang="en-US" sz="2200" dirty="0"/>
+              <a:t>Progetto di:</a:t>
+            </a:r>
+          </a:p>
+          <a:p>
+            <a:pPr marL="342900" indent="-228600">
+              <a:buFont typeface="Arial" panose="020B0604020202020204" pitchFamily="34" charset="0"/>
+              <a:buChar char="•"/>
+            </a:pPr>
+            <a:r>
+              <a:rPr lang="en-US" sz="2200" dirty="0"/>
+              <a:t>Nicola </a:t>
+            </a:r>
+            <a:r>
+              <a:rPr lang="en-US" sz="2200" dirty="0" err="1"/>
+              <a:t>Cattaneo</a:t>
+            </a:r>
+            <a:r>
+              <a:rPr lang="en-US" sz="2200" dirty="0"/>
+              <a:t> 1081073</a:t>
+            </a:r>
+          </a:p>
+          <a:p>
+            <a:pPr marL="342900" indent="-228600">
+              <a:buFont typeface="Arial" panose="020B0604020202020204" pitchFamily="34" charset="0"/>
+              <a:buChar char="•"/>
+            </a:pPr>
+            <a:r>
+              <a:rPr lang="en-US" sz="2200" dirty="0"/>
+              <a:t>Matteo </a:t>
+            </a:r>
+            <a:r>
+              <a:rPr lang="en-US" sz="2200" dirty="0" err="1"/>
+              <a:t>Mangili</a:t>
+            </a:r>
+            <a:r>
+              <a:rPr lang="en-US" sz="2200" dirty="0"/>
+              <a:t> 1074007</a:t>
+            </a:r>
+          </a:p>
+          <a:p>
+            <a:pPr marL="342900" indent="-228600">
+              <a:buFont typeface="Arial" panose="020B0604020202020204" pitchFamily="34" charset="0"/>
+              <a:buChar char="•"/>
+            </a:pPr>
+            <a:r>
+              <a:rPr lang="en-US" sz="2200" dirty="0"/>
+              <a:t>Marco Saini 1080837</a:t>
+            </a:r>
+          </a:p>
+          <a:p>
+            <a:pPr indent="-228600" algn="l">
+              <a:buFont typeface="Arial" panose="020B0604020202020204" pitchFamily="34" charset="0"/>
+              <a:buChar char="•"/>
+            </a:pPr>
+            <a:endParaRPr lang="en-US" sz="2200" dirty="0"/>
           </a:p>
         </p:txBody>
       </p:sp>
@@ -12511,18 +13610,18 @@
       </p:sp>
       <p:sp>
         <p:nvSpPr>
-          <p:cNvPr id="4" name="Date Placeholder 3">
-            <a:extLst>
-              <a:ext uri="{FF2B5EF4-FFF2-40B4-BE49-F238E27FC236}">
-                <a16:creationId xmlns:a16="http://schemas.microsoft.com/office/drawing/2014/main" id="{94ABEDDF-102F-B18E-CB96-5A4E69301686}"/>
-              </a:ext>
-            </a:extLst>
-          </p:cNvPr>
-          <p:cNvSpPr>
-            <a:spLocks noGrp="1"/>
-          </p:cNvSpPr>
-          <p:nvPr>
-            <p:ph type="dt" sz="half" idx="10"/>
+          <p:cNvPr id="6" name="Slide Number Placeholder 5">
+            <a:extLst>
+              <a:ext uri="{FF2B5EF4-FFF2-40B4-BE49-F238E27FC236}">
+                <a16:creationId xmlns:a16="http://schemas.microsoft.com/office/drawing/2014/main" id="{366879AD-ECAF-DDDE-26DC-9DD0D10F9AC4}"/>
+              </a:ext>
+            </a:extLst>
+          </p:cNvPr>
+          <p:cNvSpPr>
+            <a:spLocks noGrp="1"/>
+          </p:cNvSpPr>
+          <p:nvPr>
+            <p:ph type="sldNum" sz="quarter" idx="12"/>
           </p:nvPr>
         </p:nvSpPr>
         <p:spPr/>
@@ -12531,70 +13630,12 @@
           <a:lstStyle/>
           <a:p>
             <a:pPr rtl="0"/>
-            <a:r>
-              <a:rPr lang="it-IT" noProof="0"/>
-              <a:t>20XX</a:t>
-            </a:r>
-          </a:p>
-        </p:txBody>
-      </p:sp>
-      <p:sp>
-        <p:nvSpPr>
-          <p:cNvPr id="5" name="Footer Placeholder 4">
-            <a:extLst>
-              <a:ext uri="{FF2B5EF4-FFF2-40B4-BE49-F238E27FC236}">
-                <a16:creationId xmlns:a16="http://schemas.microsoft.com/office/drawing/2014/main" id="{E8C4B4D0-88FC-634D-417C-360F7583225D}"/>
-              </a:ext>
-            </a:extLst>
-          </p:cNvPr>
-          <p:cNvSpPr>
-            <a:spLocks noGrp="1"/>
-          </p:cNvSpPr>
-          <p:nvPr>
-            <p:ph type="ftr" sz="quarter" idx="11"/>
-          </p:nvPr>
-        </p:nvSpPr>
-        <p:spPr/>
-        <p:txBody>
-          <a:bodyPr/>
-          <a:lstStyle/>
-          <a:p>
-            <a:pPr rtl="0"/>
-            <a:r>
-              <a:rPr lang="it-IT" noProof="0"/>
-              <a:t>Presentazione</a:t>
-            </a:r>
-          </a:p>
-        </p:txBody>
-      </p:sp>
-      <p:sp>
-        <p:nvSpPr>
-          <p:cNvPr id="6" name="Slide Number Placeholder 5">
-            <a:extLst>
-              <a:ext uri="{FF2B5EF4-FFF2-40B4-BE49-F238E27FC236}">
-                <a16:creationId xmlns:a16="http://schemas.microsoft.com/office/drawing/2014/main" id="{366879AD-ECAF-DDDE-26DC-9DD0D10F9AC4}"/>
-              </a:ext>
-            </a:extLst>
-          </p:cNvPr>
-          <p:cNvSpPr>
-            <a:spLocks noGrp="1"/>
-          </p:cNvSpPr>
-          <p:nvPr>
-            <p:ph type="sldNum" sz="quarter" idx="12"/>
-          </p:nvPr>
-        </p:nvSpPr>
-        <p:spPr/>
-        <p:txBody>
-          <a:bodyPr/>
-          <a:lstStyle/>
-          <a:p>
-            <a:pPr rtl="0"/>
             <a:fld id="{B5CEABB6-07DC-46E8-9B57-56EC44A396E5}" type="slidenum">
-              <a:rPr lang="it-IT" noProof="0" smtClean="0"/>
+              <a:rPr lang="it-IT" sz="1800" b="1" noProof="0" smtClean="0"/>
               <a:pPr rtl="0"/>
               <a:t>11</a:t>
             </a:fld>
-            <a:endParaRPr lang="it-IT" noProof="0"/>
+            <a:endParaRPr lang="it-IT" sz="1800" b="1" noProof="0" dirty="0"/>
           </a:p>
         </p:txBody>
       </p:sp>
@@ -12649,6 +13690,7 @@
           <a:bodyPr/>
           <a:lstStyle/>
           <a:p>
+            <a:pPr algn="ctr"/>
             <a:r>
               <a:rPr lang="it-IT" b="1" dirty="0"/>
               <a:t>Modellazione</a:t>
@@ -12675,103 +13717,187 @@
         </p:nvSpPr>
         <p:spPr/>
         <p:txBody>
+          <a:bodyPr>
+            <a:normAutofit lnSpcReduction="10000"/>
+          </a:bodyPr>
+          <a:lstStyle/>
+          <a:p>
+            <a:r>
+              <a:rPr lang="en-US" dirty="0" err="1"/>
+              <a:t>Diagramma</a:t>
+            </a:r>
+            <a:r>
+              <a:rPr lang="en-US" dirty="0"/>
+              <a:t> </a:t>
+            </a:r>
+            <a:r>
+              <a:rPr lang="en-US" dirty="0" err="1"/>
+              <a:t>dei</a:t>
+            </a:r>
+            <a:r>
+              <a:rPr lang="en-US" dirty="0"/>
+              <a:t> </a:t>
+            </a:r>
+            <a:r>
+              <a:rPr lang="en-US" dirty="0" err="1"/>
+              <a:t>casi</a:t>
+            </a:r>
+            <a:r>
+              <a:rPr lang="en-US" dirty="0"/>
+              <a:t> </a:t>
+            </a:r>
+            <a:r>
+              <a:rPr lang="en-US" dirty="0" err="1"/>
+              <a:t>d’uso</a:t>
+            </a:r>
+            <a:r>
+              <a:rPr lang="en-US" dirty="0"/>
+              <a:t> (USE CASE DIAGRAM)</a:t>
+            </a:r>
+          </a:p>
+          <a:p>
+            <a:pPr marL="0" indent="0">
+              <a:buNone/>
+            </a:pPr>
+            <a:endParaRPr lang="en-US" dirty="0"/>
+          </a:p>
+          <a:p>
+            <a:r>
+              <a:rPr lang="en-US" dirty="0" err="1"/>
+              <a:t>Diagramma</a:t>
+            </a:r>
+            <a:r>
+              <a:rPr lang="en-US" dirty="0"/>
+              <a:t> </a:t>
+            </a:r>
+            <a:r>
+              <a:rPr lang="en-US" dirty="0" err="1"/>
+              <a:t>delle</a:t>
+            </a:r>
+            <a:r>
+              <a:rPr lang="en-US" dirty="0"/>
+              <a:t> </a:t>
+            </a:r>
+            <a:r>
+              <a:rPr lang="en-US" dirty="0" err="1"/>
+              <a:t>classi</a:t>
+            </a:r>
+            <a:r>
+              <a:rPr lang="en-US" dirty="0"/>
+              <a:t> (CLASS DIAGRAM)</a:t>
+            </a:r>
+          </a:p>
+          <a:p>
+            <a:pPr marL="0" indent="0">
+              <a:buNone/>
+            </a:pPr>
+            <a:endParaRPr lang="en-US" dirty="0"/>
+          </a:p>
+          <a:p>
+            <a:r>
+              <a:rPr lang="en-US" dirty="0" err="1"/>
+              <a:t>Diagramma</a:t>
+            </a:r>
+            <a:r>
+              <a:rPr lang="en-US" dirty="0"/>
+              <a:t> di </a:t>
+            </a:r>
+            <a:r>
+              <a:rPr lang="en-US" dirty="0" err="1"/>
+              <a:t>stato</a:t>
+            </a:r>
+            <a:r>
+              <a:rPr lang="en-US" dirty="0"/>
+              <a:t> (STATE-CHART DIAGRAM)</a:t>
+            </a:r>
+          </a:p>
+          <a:p>
+            <a:endParaRPr lang="en-US" dirty="0"/>
+          </a:p>
+          <a:p>
+            <a:r>
+              <a:rPr lang="en-US" dirty="0" err="1"/>
+              <a:t>Diagramma</a:t>
+            </a:r>
+            <a:r>
+              <a:rPr lang="en-US" dirty="0"/>
+              <a:t> di </a:t>
+            </a:r>
+            <a:r>
+              <a:rPr lang="en-US" dirty="0" err="1"/>
+              <a:t>sequenza</a:t>
+            </a:r>
+            <a:r>
+              <a:rPr lang="en-US" dirty="0"/>
+              <a:t> (SEQUENCE DIAGRAM)</a:t>
+            </a:r>
+          </a:p>
+          <a:p>
+            <a:endParaRPr lang="en-US" dirty="0"/>
+          </a:p>
+          <a:p>
+            <a:r>
+              <a:rPr lang="en-US" dirty="0" err="1"/>
+              <a:t>Diagramma</a:t>
+            </a:r>
+            <a:r>
+              <a:rPr lang="en-US" dirty="0"/>
+              <a:t> </a:t>
+            </a:r>
+            <a:r>
+              <a:rPr lang="en-US" dirty="0" err="1"/>
+              <a:t>delle</a:t>
+            </a:r>
+            <a:r>
+              <a:rPr lang="en-US" dirty="0"/>
+              <a:t> </a:t>
+            </a:r>
+            <a:r>
+              <a:rPr lang="en-US" dirty="0" err="1"/>
+              <a:t>attività</a:t>
+            </a:r>
+            <a:r>
+              <a:rPr lang="en-US" dirty="0"/>
+              <a:t> (ACTIVITY DIAGRAM)</a:t>
+            </a:r>
+          </a:p>
+        </p:txBody>
+      </p:sp>
+      <p:sp>
+        <p:nvSpPr>
+          <p:cNvPr id="6" name="Slide Number Placeholder 5">
+            <a:extLst>
+              <a:ext uri="{FF2B5EF4-FFF2-40B4-BE49-F238E27FC236}">
+                <a16:creationId xmlns:a16="http://schemas.microsoft.com/office/drawing/2014/main" id="{07D5F90B-A703-3979-44A8-9125B7AA3463}"/>
+              </a:ext>
+            </a:extLst>
+          </p:cNvPr>
+          <p:cNvSpPr>
+            <a:spLocks noGrp="1"/>
+          </p:cNvSpPr>
+          <p:nvPr>
+            <p:ph type="sldNum" sz="quarter" idx="12"/>
+          </p:nvPr>
+        </p:nvSpPr>
+        <p:spPr>
+          <a:xfrm>
+            <a:off x="10730204" y="5868956"/>
+            <a:ext cx="623596" cy="852520"/>
+          </a:xfrm>
+        </p:spPr>
+        <p:txBody>
           <a:bodyPr/>
           <a:lstStyle/>
           <a:p>
-            <a:r>
-              <a:rPr lang="it-IT" dirty="0"/>
-              <a:t>Quali diagrammi UML avete realizzato?</a:t>
-            </a:r>
-            <a:endParaRPr lang="en-US" dirty="0"/>
-          </a:p>
-        </p:txBody>
-      </p:sp>
-      <p:sp>
-        <p:nvSpPr>
-          <p:cNvPr id="4" name="Date Placeholder 3">
-            <a:extLst>
-              <a:ext uri="{FF2B5EF4-FFF2-40B4-BE49-F238E27FC236}">
-                <a16:creationId xmlns:a16="http://schemas.microsoft.com/office/drawing/2014/main" id="{E013A60F-D1E1-C885-25BD-E37FE9AEAE64}"/>
-              </a:ext>
-            </a:extLst>
-          </p:cNvPr>
-          <p:cNvSpPr>
-            <a:spLocks noGrp="1"/>
-          </p:cNvSpPr>
-          <p:nvPr>
-            <p:ph type="dt" sz="half" idx="10"/>
-          </p:nvPr>
-        </p:nvSpPr>
-        <p:spPr/>
-        <p:txBody>
-          <a:bodyPr/>
-          <a:lstStyle/>
-          <a:p>
             <a:pPr rtl="0"/>
-            <a:r>
-              <a:rPr lang="it-IT" noProof="0"/>
-              <a:t>20XX</a:t>
-            </a:r>
-          </a:p>
-        </p:txBody>
-      </p:sp>
-      <p:sp>
-        <p:nvSpPr>
-          <p:cNvPr id="5" name="Footer Placeholder 4">
-            <a:extLst>
-              <a:ext uri="{FF2B5EF4-FFF2-40B4-BE49-F238E27FC236}">
-                <a16:creationId xmlns:a16="http://schemas.microsoft.com/office/drawing/2014/main" id="{D19A487B-30BB-D7A9-541E-E171339D4CAA}"/>
-              </a:ext>
-            </a:extLst>
-          </p:cNvPr>
-          <p:cNvSpPr>
-            <a:spLocks noGrp="1"/>
-          </p:cNvSpPr>
-          <p:nvPr>
-            <p:ph type="ftr" sz="quarter" idx="11"/>
-          </p:nvPr>
-        </p:nvSpPr>
-        <p:spPr/>
-        <p:txBody>
-          <a:bodyPr/>
-          <a:lstStyle/>
+            <a:endParaRPr lang="it-IT" sz="1800" b="1" noProof="0" dirty="0"/>
+          </a:p>
           <a:p>
             <a:pPr rtl="0"/>
             <a:r>
-              <a:rPr lang="it-IT" noProof="0"/>
-              <a:t>Presentazione</a:t>
-            </a:r>
-          </a:p>
-        </p:txBody>
-      </p:sp>
-      <p:sp>
-        <p:nvSpPr>
-          <p:cNvPr id="6" name="Slide Number Placeholder 5">
-            <a:extLst>
-              <a:ext uri="{FF2B5EF4-FFF2-40B4-BE49-F238E27FC236}">
-                <a16:creationId xmlns:a16="http://schemas.microsoft.com/office/drawing/2014/main" id="{07D5F90B-A703-3979-44A8-9125B7AA3463}"/>
-              </a:ext>
-            </a:extLst>
-          </p:cNvPr>
-          <p:cNvSpPr>
-            <a:spLocks noGrp="1"/>
-          </p:cNvSpPr>
-          <p:nvPr>
-            <p:ph type="sldNum" sz="quarter" idx="12"/>
-          </p:nvPr>
-        </p:nvSpPr>
-        <p:spPr/>
-        <p:txBody>
-          <a:bodyPr/>
-          <a:lstStyle/>
-          <a:p>
-            <a:pPr rtl="0"/>
-            <a:fld id="{B5CEABB6-07DC-46E8-9B57-56EC44A396E5}" type="slidenum">
-              <a:rPr lang="it-IT" noProof="0" smtClean="0"/>
-              <a:pPr rtl="0"/>
+              <a:rPr lang="it-IT" sz="1800" b="1" noProof="0" dirty="0"/>
               <a:t>12</a:t>
-            </a:fld>
-            <a:endParaRPr lang="it-IT" noProof="0"/>
+            </a:r>
           </a:p>
         </p:txBody>
       </p:sp>
@@ -12928,6 +14054,14 @@
 <file path=ppt/slides/slide2.xml><?xml version="1.0" encoding="utf-8"?>
 <p:sld xmlns:a="http://schemas.openxmlformats.org/drawingml/2006/main" xmlns:r="http://schemas.openxmlformats.org/officeDocument/2006/relationships" xmlns:p="http://schemas.openxmlformats.org/presentationml/2006/main">
   <p:cSld>
+    <p:bg>
+      <p:bgPr>
+        <a:solidFill>
+          <a:schemeClr val="bg1"/>
+        </a:solidFill>
+        <a:effectLst/>
+      </p:bgPr>
+    </p:bg>
     <p:spTree>
       <p:nvGrpSpPr>
         <p:cNvPr id="1" name=""/>
@@ -12942,6 +14076,66 @@
           <a:chExt cx="0" cy="0"/>
         </a:xfrm>
       </p:grpSpPr>
+      <p:sp useBgFill="1">
+        <p:nvSpPr>
+          <p:cNvPr id="1031" name="Rectangle 1030">
+            <a:extLst>
+              <a:ext uri="{FF2B5EF4-FFF2-40B4-BE49-F238E27FC236}">
+                <a16:creationId xmlns:a16="http://schemas.microsoft.com/office/drawing/2014/main" id="{45D37F4E-DDB4-456B-97E0-9937730A039F}"/>
+              </a:ext>
+              <a:ext uri="{C183D7F6-B498-43B3-948B-1728B52AA6E4}">
+                <adec:decorative xmlns:adec="http://schemas.microsoft.com/office/drawing/2017/decorative" val="1"/>
+              </a:ext>
+            </a:extLst>
+          </p:cNvPr>
+          <p:cNvSpPr>
+            <a:spLocks noGrp="1" noRot="1" noChangeAspect="1" noMove="1" noResize="1" noEditPoints="1" noAdjustHandles="1" noChangeArrowheads="1" noChangeShapeType="1" noTextEdit="1"/>
+          </p:cNvSpPr>
+          <p:nvPr>
+            <p:extLst>
+              <p:ext uri="{386F3935-93C4-4BCD-93E2-E3B085C9AB24}">
+                <p16:designElem xmlns:p16="http://schemas.microsoft.com/office/powerpoint/2015/main" val="1"/>
+              </p:ext>
+            </p:extLst>
+          </p:nvPr>
+        </p:nvSpPr>
+        <p:spPr>
+          <a:xfrm>
+            <a:off x="0" y="0"/>
+            <a:ext cx="12188952" cy="6858000"/>
+          </a:xfrm>
+          <a:prstGeom prst="rect">
+            <a:avLst/>
+          </a:prstGeom>
+          <a:ln>
+            <a:noFill/>
+          </a:ln>
+        </p:spPr>
+        <p:style>
+          <a:lnRef idx="2">
+            <a:schemeClr val="accent1">
+              <a:shade val="50000"/>
+            </a:schemeClr>
+          </a:lnRef>
+          <a:fillRef idx="1">
+            <a:schemeClr val="accent1"/>
+          </a:fillRef>
+          <a:effectRef idx="0">
+            <a:schemeClr val="accent1"/>
+          </a:effectRef>
+          <a:fontRef idx="minor">
+            <a:schemeClr val="lt1"/>
+          </a:fontRef>
+        </p:style>
+        <p:txBody>
+          <a:bodyPr rtlCol="0" anchor="ctr"/>
+          <a:lstStyle/>
+          <a:p>
+            <a:pPr algn="ctr"/>
+            <a:endParaRPr lang="en-US"/>
+          </a:p>
+        </p:txBody>
+      </p:sp>
       <p:sp>
         <p:nvSpPr>
           <p:cNvPr id="2" name="Titolo 1">
@@ -12958,79 +14152,865 @@
             <p:ph type="title"/>
           </p:nvPr>
         </p:nvSpPr>
-        <p:spPr/>
+        <p:spPr>
+          <a:xfrm>
+            <a:off x="572493" y="238539"/>
+            <a:ext cx="11018520" cy="1434415"/>
+          </a:xfrm>
+        </p:spPr>
+        <p:txBody>
+          <a:bodyPr rtlCol="0" anchor="b">
+            <a:normAutofit/>
+          </a:bodyPr>
+          <a:lstStyle/>
+          <a:p>
+            <a:pPr rtl="0"/>
+            <a:r>
+              <a:rPr lang="it-IT" sz="5400" b="1"/>
+              <a:t>Obiettivo</a:t>
+            </a:r>
+          </a:p>
+        </p:txBody>
+      </p:sp>
+      <p:sp>
+        <p:nvSpPr>
+          <p:cNvPr id="1033" name="sketchy line">
+            <a:extLst>
+              <a:ext uri="{FF2B5EF4-FFF2-40B4-BE49-F238E27FC236}">
+                <a16:creationId xmlns:a16="http://schemas.microsoft.com/office/drawing/2014/main" id="{B2DD41CD-8F47-4F56-AD12-4E2FF7696987}"/>
+              </a:ext>
+              <a:ext uri="{C183D7F6-B498-43B3-948B-1728B52AA6E4}">
+                <adec:decorative xmlns:adec="http://schemas.microsoft.com/office/drawing/2017/decorative" val="1"/>
+              </a:ext>
+            </a:extLst>
+          </p:cNvPr>
+          <p:cNvSpPr>
+            <a:spLocks noGrp="1" noRot="1" noChangeAspect="1" noMove="1" noResize="1" noEditPoints="1" noAdjustHandles="1" noChangeArrowheads="1" noChangeShapeType="1" noTextEdit="1"/>
+          </p:cNvSpPr>
+          <p:nvPr>
+            <p:extLst>
+              <p:ext uri="{386F3935-93C4-4BCD-93E2-E3B085C9AB24}">
+                <p16:designElem xmlns:p16="http://schemas.microsoft.com/office/powerpoint/2015/main" val="1"/>
+              </p:ext>
+            </p:extLst>
+          </p:nvPr>
+        </p:nvSpPr>
+        <p:spPr>
+          <a:xfrm>
+            <a:off x="572493" y="1681544"/>
+            <a:ext cx="10972800" cy="18288"/>
+          </a:xfrm>
+          <a:custGeom>
+            <a:avLst/>
+            <a:gdLst>
+              <a:gd name="connsiteX0" fmla="*/ 0 w 10972800"/>
+              <a:gd name="connsiteY0" fmla="*/ 0 h 18288"/>
+              <a:gd name="connsiteX1" fmla="*/ 356616 w 10972800"/>
+              <a:gd name="connsiteY1" fmla="*/ 0 h 18288"/>
+              <a:gd name="connsiteX2" fmla="*/ 1042416 w 10972800"/>
+              <a:gd name="connsiteY2" fmla="*/ 0 h 18288"/>
+              <a:gd name="connsiteX3" fmla="*/ 1947672 w 10972800"/>
+              <a:gd name="connsiteY3" fmla="*/ 0 h 18288"/>
+              <a:gd name="connsiteX4" fmla="*/ 2633472 w 10972800"/>
+              <a:gd name="connsiteY4" fmla="*/ 0 h 18288"/>
+              <a:gd name="connsiteX5" fmla="*/ 2990088 w 10972800"/>
+              <a:gd name="connsiteY5" fmla="*/ 0 h 18288"/>
+              <a:gd name="connsiteX6" fmla="*/ 3456432 w 10972800"/>
+              <a:gd name="connsiteY6" fmla="*/ 0 h 18288"/>
+              <a:gd name="connsiteX7" fmla="*/ 4361688 w 10972800"/>
+              <a:gd name="connsiteY7" fmla="*/ 0 h 18288"/>
+              <a:gd name="connsiteX8" fmla="*/ 5266944 w 10972800"/>
+              <a:gd name="connsiteY8" fmla="*/ 0 h 18288"/>
+              <a:gd name="connsiteX9" fmla="*/ 6172200 w 10972800"/>
+              <a:gd name="connsiteY9" fmla="*/ 0 h 18288"/>
+              <a:gd name="connsiteX10" fmla="*/ 6528816 w 10972800"/>
+              <a:gd name="connsiteY10" fmla="*/ 0 h 18288"/>
+              <a:gd name="connsiteX11" fmla="*/ 7214616 w 10972800"/>
+              <a:gd name="connsiteY11" fmla="*/ 0 h 18288"/>
+              <a:gd name="connsiteX12" fmla="*/ 7790688 w 10972800"/>
+              <a:gd name="connsiteY12" fmla="*/ 0 h 18288"/>
+              <a:gd name="connsiteX13" fmla="*/ 8147304 w 10972800"/>
+              <a:gd name="connsiteY13" fmla="*/ 0 h 18288"/>
+              <a:gd name="connsiteX14" fmla="*/ 9052560 w 10972800"/>
+              <a:gd name="connsiteY14" fmla="*/ 0 h 18288"/>
+              <a:gd name="connsiteX15" fmla="*/ 9409176 w 10972800"/>
+              <a:gd name="connsiteY15" fmla="*/ 0 h 18288"/>
+              <a:gd name="connsiteX16" fmla="*/ 9765792 w 10972800"/>
+              <a:gd name="connsiteY16" fmla="*/ 0 h 18288"/>
+              <a:gd name="connsiteX17" fmla="*/ 10341864 w 10972800"/>
+              <a:gd name="connsiteY17" fmla="*/ 0 h 18288"/>
+              <a:gd name="connsiteX18" fmla="*/ 10972800 w 10972800"/>
+              <a:gd name="connsiteY18" fmla="*/ 0 h 18288"/>
+              <a:gd name="connsiteX19" fmla="*/ 10972800 w 10972800"/>
+              <a:gd name="connsiteY19" fmla="*/ 18288 h 18288"/>
+              <a:gd name="connsiteX20" fmla="*/ 10177272 w 10972800"/>
+              <a:gd name="connsiteY20" fmla="*/ 18288 h 18288"/>
+              <a:gd name="connsiteX21" fmla="*/ 9820656 w 10972800"/>
+              <a:gd name="connsiteY21" fmla="*/ 18288 h 18288"/>
+              <a:gd name="connsiteX22" fmla="*/ 9464040 w 10972800"/>
+              <a:gd name="connsiteY22" fmla="*/ 18288 h 18288"/>
+              <a:gd name="connsiteX23" fmla="*/ 8778240 w 10972800"/>
+              <a:gd name="connsiteY23" fmla="*/ 18288 h 18288"/>
+              <a:gd name="connsiteX24" fmla="*/ 8421624 w 10972800"/>
+              <a:gd name="connsiteY24" fmla="*/ 18288 h 18288"/>
+              <a:gd name="connsiteX25" fmla="*/ 7735824 w 10972800"/>
+              <a:gd name="connsiteY25" fmla="*/ 18288 h 18288"/>
+              <a:gd name="connsiteX26" fmla="*/ 6940296 w 10972800"/>
+              <a:gd name="connsiteY26" fmla="*/ 18288 h 18288"/>
+              <a:gd name="connsiteX27" fmla="*/ 6254496 w 10972800"/>
+              <a:gd name="connsiteY27" fmla="*/ 18288 h 18288"/>
+              <a:gd name="connsiteX28" fmla="*/ 5458968 w 10972800"/>
+              <a:gd name="connsiteY28" fmla="*/ 18288 h 18288"/>
+              <a:gd name="connsiteX29" fmla="*/ 4663440 w 10972800"/>
+              <a:gd name="connsiteY29" fmla="*/ 18288 h 18288"/>
+              <a:gd name="connsiteX30" fmla="*/ 4306824 w 10972800"/>
+              <a:gd name="connsiteY30" fmla="*/ 18288 h 18288"/>
+              <a:gd name="connsiteX31" fmla="*/ 3840480 w 10972800"/>
+              <a:gd name="connsiteY31" fmla="*/ 18288 h 18288"/>
+              <a:gd name="connsiteX32" fmla="*/ 3264408 w 10972800"/>
+              <a:gd name="connsiteY32" fmla="*/ 18288 h 18288"/>
+              <a:gd name="connsiteX33" fmla="*/ 2578608 w 10972800"/>
+              <a:gd name="connsiteY33" fmla="*/ 18288 h 18288"/>
+              <a:gd name="connsiteX34" fmla="*/ 1673352 w 10972800"/>
+              <a:gd name="connsiteY34" fmla="*/ 18288 h 18288"/>
+              <a:gd name="connsiteX35" fmla="*/ 877824 w 10972800"/>
+              <a:gd name="connsiteY35" fmla="*/ 18288 h 18288"/>
+              <a:gd name="connsiteX36" fmla="*/ 0 w 10972800"/>
+              <a:gd name="connsiteY36" fmla="*/ 18288 h 18288"/>
+              <a:gd name="connsiteX37" fmla="*/ 0 w 10972800"/>
+              <a:gd name="connsiteY37" fmla="*/ 0 h 18288"/>
+            </a:gdLst>
+            <a:ahLst/>
+            <a:cxnLst>
+              <a:cxn ang="0">
+                <a:pos x="connsiteX0" y="connsiteY0"/>
+              </a:cxn>
+              <a:cxn ang="0">
+                <a:pos x="connsiteX1" y="connsiteY1"/>
+              </a:cxn>
+              <a:cxn ang="0">
+                <a:pos x="connsiteX2" y="connsiteY2"/>
+              </a:cxn>
+              <a:cxn ang="0">
+                <a:pos x="connsiteX3" y="connsiteY3"/>
+              </a:cxn>
+              <a:cxn ang="0">
+                <a:pos x="connsiteX4" y="connsiteY4"/>
+              </a:cxn>
+              <a:cxn ang="0">
+                <a:pos x="connsiteX5" y="connsiteY5"/>
+              </a:cxn>
+              <a:cxn ang="0">
+                <a:pos x="connsiteX6" y="connsiteY6"/>
+              </a:cxn>
+              <a:cxn ang="0">
+                <a:pos x="connsiteX7" y="connsiteY7"/>
+              </a:cxn>
+              <a:cxn ang="0">
+                <a:pos x="connsiteX8" y="connsiteY8"/>
+              </a:cxn>
+              <a:cxn ang="0">
+                <a:pos x="connsiteX9" y="connsiteY9"/>
+              </a:cxn>
+              <a:cxn ang="0">
+                <a:pos x="connsiteX10" y="connsiteY10"/>
+              </a:cxn>
+              <a:cxn ang="0">
+                <a:pos x="connsiteX11" y="connsiteY11"/>
+              </a:cxn>
+              <a:cxn ang="0">
+                <a:pos x="connsiteX12" y="connsiteY12"/>
+              </a:cxn>
+              <a:cxn ang="0">
+                <a:pos x="connsiteX13" y="connsiteY13"/>
+              </a:cxn>
+              <a:cxn ang="0">
+                <a:pos x="connsiteX14" y="connsiteY14"/>
+              </a:cxn>
+              <a:cxn ang="0">
+                <a:pos x="connsiteX15" y="connsiteY15"/>
+              </a:cxn>
+              <a:cxn ang="0">
+                <a:pos x="connsiteX16" y="connsiteY16"/>
+              </a:cxn>
+              <a:cxn ang="0">
+                <a:pos x="connsiteX17" y="connsiteY17"/>
+              </a:cxn>
+              <a:cxn ang="0">
+                <a:pos x="connsiteX18" y="connsiteY18"/>
+              </a:cxn>
+              <a:cxn ang="0">
+                <a:pos x="connsiteX19" y="connsiteY19"/>
+              </a:cxn>
+              <a:cxn ang="0">
+                <a:pos x="connsiteX20" y="connsiteY20"/>
+              </a:cxn>
+              <a:cxn ang="0">
+                <a:pos x="connsiteX21" y="connsiteY21"/>
+              </a:cxn>
+              <a:cxn ang="0">
+                <a:pos x="connsiteX22" y="connsiteY22"/>
+              </a:cxn>
+              <a:cxn ang="0">
+                <a:pos x="connsiteX23" y="connsiteY23"/>
+              </a:cxn>
+              <a:cxn ang="0">
+                <a:pos x="connsiteX24" y="connsiteY24"/>
+              </a:cxn>
+              <a:cxn ang="0">
+                <a:pos x="connsiteX25" y="connsiteY25"/>
+              </a:cxn>
+              <a:cxn ang="0">
+                <a:pos x="connsiteX26" y="connsiteY26"/>
+              </a:cxn>
+              <a:cxn ang="0">
+                <a:pos x="connsiteX27" y="connsiteY27"/>
+              </a:cxn>
+              <a:cxn ang="0">
+                <a:pos x="connsiteX28" y="connsiteY28"/>
+              </a:cxn>
+              <a:cxn ang="0">
+                <a:pos x="connsiteX29" y="connsiteY29"/>
+              </a:cxn>
+              <a:cxn ang="0">
+                <a:pos x="connsiteX30" y="connsiteY30"/>
+              </a:cxn>
+              <a:cxn ang="0">
+                <a:pos x="connsiteX31" y="connsiteY31"/>
+              </a:cxn>
+              <a:cxn ang="0">
+                <a:pos x="connsiteX32" y="connsiteY32"/>
+              </a:cxn>
+              <a:cxn ang="0">
+                <a:pos x="connsiteX33" y="connsiteY33"/>
+              </a:cxn>
+              <a:cxn ang="0">
+                <a:pos x="connsiteX34" y="connsiteY34"/>
+              </a:cxn>
+              <a:cxn ang="0">
+                <a:pos x="connsiteX35" y="connsiteY35"/>
+              </a:cxn>
+              <a:cxn ang="0">
+                <a:pos x="connsiteX36" y="connsiteY36"/>
+              </a:cxn>
+              <a:cxn ang="0">
+                <a:pos x="connsiteX37" y="connsiteY37"/>
+              </a:cxn>
+            </a:cxnLst>
+            <a:rect l="l" t="t" r="r" b="b"/>
+            <a:pathLst>
+              <a:path w="10972800" h="18288" fill="none" extrusionOk="0">
+                <a:moveTo>
+                  <a:pt x="0" y="0"/>
+                </a:moveTo>
+                <a:cubicBezTo>
+                  <a:pt x="165916" y="-1866"/>
+                  <a:pt x="188720" y="13756"/>
+                  <a:pt x="356616" y="0"/>
+                </a:cubicBezTo>
+                <a:cubicBezTo>
+                  <a:pt x="524512" y="-13756"/>
+                  <a:pt x="734781" y="8922"/>
+                  <a:pt x="1042416" y="0"/>
+                </a:cubicBezTo>
+                <a:cubicBezTo>
+                  <a:pt x="1350051" y="-8922"/>
+                  <a:pt x="1595982" y="-26315"/>
+                  <a:pt x="1947672" y="0"/>
+                </a:cubicBezTo>
+                <a:cubicBezTo>
+                  <a:pt x="2299362" y="26315"/>
+                  <a:pt x="2292691" y="-19526"/>
+                  <a:pt x="2633472" y="0"/>
+                </a:cubicBezTo>
+                <a:cubicBezTo>
+                  <a:pt x="2974253" y="19526"/>
+                  <a:pt x="2857309" y="10773"/>
+                  <a:pt x="2990088" y="0"/>
+                </a:cubicBezTo>
+                <a:cubicBezTo>
+                  <a:pt x="3122867" y="-10773"/>
+                  <a:pt x="3359343" y="7194"/>
+                  <a:pt x="3456432" y="0"/>
+                </a:cubicBezTo>
+                <a:cubicBezTo>
+                  <a:pt x="3553521" y="-7194"/>
+                  <a:pt x="4136258" y="5108"/>
+                  <a:pt x="4361688" y="0"/>
+                </a:cubicBezTo>
+                <a:cubicBezTo>
+                  <a:pt x="4587118" y="-5108"/>
+                  <a:pt x="4992424" y="-42958"/>
+                  <a:pt x="5266944" y="0"/>
+                </a:cubicBezTo>
+                <a:cubicBezTo>
+                  <a:pt x="5541464" y="42958"/>
+                  <a:pt x="5882966" y="-3430"/>
+                  <a:pt x="6172200" y="0"/>
+                </a:cubicBezTo>
+                <a:cubicBezTo>
+                  <a:pt x="6461434" y="3430"/>
+                  <a:pt x="6432127" y="6688"/>
+                  <a:pt x="6528816" y="0"/>
+                </a:cubicBezTo>
+                <a:cubicBezTo>
+                  <a:pt x="6625505" y="-6688"/>
+                  <a:pt x="6916805" y="-436"/>
+                  <a:pt x="7214616" y="0"/>
+                </a:cubicBezTo>
+                <a:cubicBezTo>
+                  <a:pt x="7512427" y="436"/>
+                  <a:pt x="7626159" y="-6909"/>
+                  <a:pt x="7790688" y="0"/>
+                </a:cubicBezTo>
+                <a:cubicBezTo>
+                  <a:pt x="7955217" y="6909"/>
+                  <a:pt x="8048891" y="15307"/>
+                  <a:pt x="8147304" y="0"/>
+                </a:cubicBezTo>
+                <a:cubicBezTo>
+                  <a:pt x="8245717" y="-15307"/>
+                  <a:pt x="8645618" y="-11734"/>
+                  <a:pt x="9052560" y="0"/>
+                </a:cubicBezTo>
+                <a:cubicBezTo>
+                  <a:pt x="9459502" y="11734"/>
+                  <a:pt x="9320584" y="8388"/>
+                  <a:pt x="9409176" y="0"/>
+                </a:cubicBezTo>
+                <a:cubicBezTo>
+                  <a:pt x="9497768" y="-8388"/>
+                  <a:pt x="9644192" y="8379"/>
+                  <a:pt x="9765792" y="0"/>
+                </a:cubicBezTo>
+                <a:cubicBezTo>
+                  <a:pt x="9887392" y="-8379"/>
+                  <a:pt x="10105220" y="-12663"/>
+                  <a:pt x="10341864" y="0"/>
+                </a:cubicBezTo>
+                <a:cubicBezTo>
+                  <a:pt x="10578508" y="12663"/>
+                  <a:pt x="10773103" y="-5786"/>
+                  <a:pt x="10972800" y="0"/>
+                </a:cubicBezTo>
+                <a:cubicBezTo>
+                  <a:pt x="10972146" y="8818"/>
+                  <a:pt x="10972240" y="13823"/>
+                  <a:pt x="10972800" y="18288"/>
+                </a:cubicBezTo>
+                <a:cubicBezTo>
+                  <a:pt x="10588778" y="31598"/>
+                  <a:pt x="10543381" y="-12698"/>
+                  <a:pt x="10177272" y="18288"/>
+                </a:cubicBezTo>
+                <a:cubicBezTo>
+                  <a:pt x="9811163" y="49274"/>
+                  <a:pt x="9996817" y="25662"/>
+                  <a:pt x="9820656" y="18288"/>
+                </a:cubicBezTo>
+                <a:cubicBezTo>
+                  <a:pt x="9644495" y="10914"/>
+                  <a:pt x="9607007" y="31631"/>
+                  <a:pt x="9464040" y="18288"/>
+                </a:cubicBezTo>
+                <a:cubicBezTo>
+                  <a:pt x="9321073" y="4945"/>
+                  <a:pt x="9114189" y="28940"/>
+                  <a:pt x="8778240" y="18288"/>
+                </a:cubicBezTo>
+                <a:cubicBezTo>
+                  <a:pt x="8442291" y="7636"/>
+                  <a:pt x="8594763" y="987"/>
+                  <a:pt x="8421624" y="18288"/>
+                </a:cubicBezTo>
+                <a:cubicBezTo>
+                  <a:pt x="8248485" y="35589"/>
+                  <a:pt x="7929515" y="37573"/>
+                  <a:pt x="7735824" y="18288"/>
+                </a:cubicBezTo>
+                <a:cubicBezTo>
+                  <a:pt x="7542133" y="-997"/>
+                  <a:pt x="7252504" y="33858"/>
+                  <a:pt x="6940296" y="18288"/>
+                </a:cubicBezTo>
+                <a:cubicBezTo>
+                  <a:pt x="6628088" y="2718"/>
+                  <a:pt x="6528503" y="48389"/>
+                  <a:pt x="6254496" y="18288"/>
+                </a:cubicBezTo>
+                <a:cubicBezTo>
+                  <a:pt x="5980489" y="-11813"/>
+                  <a:pt x="5695784" y="-3740"/>
+                  <a:pt x="5458968" y="18288"/>
+                </a:cubicBezTo>
+                <a:cubicBezTo>
+                  <a:pt x="5222152" y="40316"/>
+                  <a:pt x="5010751" y="19095"/>
+                  <a:pt x="4663440" y="18288"/>
+                </a:cubicBezTo>
+                <a:cubicBezTo>
+                  <a:pt x="4316129" y="17481"/>
+                  <a:pt x="4425552" y="1606"/>
+                  <a:pt x="4306824" y="18288"/>
+                </a:cubicBezTo>
+                <a:cubicBezTo>
+                  <a:pt x="4188096" y="34970"/>
+                  <a:pt x="3941535" y="7481"/>
+                  <a:pt x="3840480" y="18288"/>
+                </a:cubicBezTo>
+                <a:cubicBezTo>
+                  <a:pt x="3739425" y="29095"/>
+                  <a:pt x="3402388" y="17641"/>
+                  <a:pt x="3264408" y="18288"/>
+                </a:cubicBezTo>
+                <a:cubicBezTo>
+                  <a:pt x="3126428" y="18935"/>
+                  <a:pt x="2776779" y="9983"/>
+                  <a:pt x="2578608" y="18288"/>
+                </a:cubicBezTo>
+                <a:cubicBezTo>
+                  <a:pt x="2380437" y="26593"/>
+                  <a:pt x="1909468" y="25818"/>
+                  <a:pt x="1673352" y="18288"/>
+                </a:cubicBezTo>
+                <a:cubicBezTo>
+                  <a:pt x="1437236" y="10758"/>
+                  <a:pt x="1131180" y="49884"/>
+                  <a:pt x="877824" y="18288"/>
+                </a:cubicBezTo>
+                <a:cubicBezTo>
+                  <a:pt x="624468" y="-13308"/>
+                  <a:pt x="206753" y="2195"/>
+                  <a:pt x="0" y="18288"/>
+                </a:cubicBezTo>
+                <a:cubicBezTo>
+                  <a:pt x="313" y="10654"/>
+                  <a:pt x="-263" y="4056"/>
+                  <a:pt x="0" y="0"/>
+                </a:cubicBezTo>
+                <a:close/>
+              </a:path>
+              <a:path w="10972800" h="18288" stroke="0" extrusionOk="0">
+                <a:moveTo>
+                  <a:pt x="0" y="0"/>
+                </a:moveTo>
+                <a:cubicBezTo>
+                  <a:pt x="164017" y="-17675"/>
+                  <a:pt x="309425" y="9913"/>
+                  <a:pt x="466344" y="0"/>
+                </a:cubicBezTo>
+                <a:cubicBezTo>
+                  <a:pt x="623263" y="-9913"/>
+                  <a:pt x="659300" y="-14524"/>
+                  <a:pt x="822960" y="0"/>
+                </a:cubicBezTo>
+                <a:cubicBezTo>
+                  <a:pt x="986620" y="14524"/>
+                  <a:pt x="1105222" y="-16481"/>
+                  <a:pt x="1289304" y="0"/>
+                </a:cubicBezTo>
+                <a:cubicBezTo>
+                  <a:pt x="1473386" y="16481"/>
+                  <a:pt x="1693223" y="26161"/>
+                  <a:pt x="1975104" y="0"/>
+                </a:cubicBezTo>
+                <a:cubicBezTo>
+                  <a:pt x="2256985" y="-26161"/>
+                  <a:pt x="2435781" y="23061"/>
+                  <a:pt x="2770632" y="0"/>
+                </a:cubicBezTo>
+                <a:cubicBezTo>
+                  <a:pt x="3105483" y="-23061"/>
+                  <a:pt x="3247479" y="-44011"/>
+                  <a:pt x="3675888" y="0"/>
+                </a:cubicBezTo>
+                <a:cubicBezTo>
+                  <a:pt x="4104297" y="44011"/>
+                  <a:pt x="4280918" y="4017"/>
+                  <a:pt x="4581144" y="0"/>
+                </a:cubicBezTo>
+                <a:cubicBezTo>
+                  <a:pt x="4881370" y="-4017"/>
+                  <a:pt x="5021699" y="-11889"/>
+                  <a:pt x="5157216" y="0"/>
+                </a:cubicBezTo>
+                <a:cubicBezTo>
+                  <a:pt x="5292733" y="11889"/>
+                  <a:pt x="5603398" y="-17698"/>
+                  <a:pt x="5952744" y="0"/>
+                </a:cubicBezTo>
+                <a:cubicBezTo>
+                  <a:pt x="6302090" y="17698"/>
+                  <a:pt x="6353093" y="-11909"/>
+                  <a:pt x="6638544" y="0"/>
+                </a:cubicBezTo>
+                <a:cubicBezTo>
+                  <a:pt x="6923995" y="11909"/>
+                  <a:pt x="7053404" y="21630"/>
+                  <a:pt x="7214616" y="0"/>
+                </a:cubicBezTo>
+                <a:cubicBezTo>
+                  <a:pt x="7375828" y="-21630"/>
+                  <a:pt x="7837963" y="3886"/>
+                  <a:pt x="8010144" y="0"/>
+                </a:cubicBezTo>
+                <a:cubicBezTo>
+                  <a:pt x="8182325" y="-3886"/>
+                  <a:pt x="8224183" y="16009"/>
+                  <a:pt x="8366760" y="0"/>
+                </a:cubicBezTo>
+                <a:cubicBezTo>
+                  <a:pt x="8509337" y="-16009"/>
+                  <a:pt x="8687920" y="-5720"/>
+                  <a:pt x="8942832" y="0"/>
+                </a:cubicBezTo>
+                <a:cubicBezTo>
+                  <a:pt x="9197744" y="5720"/>
+                  <a:pt x="9368437" y="20479"/>
+                  <a:pt x="9628632" y="0"/>
+                </a:cubicBezTo>
+                <a:cubicBezTo>
+                  <a:pt x="9888827" y="-20479"/>
+                  <a:pt x="10560858" y="-20746"/>
+                  <a:pt x="10972800" y="0"/>
+                </a:cubicBezTo>
+                <a:cubicBezTo>
+                  <a:pt x="10972186" y="5722"/>
+                  <a:pt x="10972980" y="12495"/>
+                  <a:pt x="10972800" y="18288"/>
+                </a:cubicBezTo>
+                <a:cubicBezTo>
+                  <a:pt x="10786146" y="12536"/>
+                  <a:pt x="10623717" y="14033"/>
+                  <a:pt x="10506456" y="18288"/>
+                </a:cubicBezTo>
+                <a:cubicBezTo>
+                  <a:pt x="10389195" y="22543"/>
+                  <a:pt x="10296178" y="20107"/>
+                  <a:pt x="10149840" y="18288"/>
+                </a:cubicBezTo>
+                <a:cubicBezTo>
+                  <a:pt x="10003502" y="16469"/>
+                  <a:pt x="9767530" y="28891"/>
+                  <a:pt x="9464040" y="18288"/>
+                </a:cubicBezTo>
+                <a:cubicBezTo>
+                  <a:pt x="9160550" y="7685"/>
+                  <a:pt x="9229050" y="2659"/>
+                  <a:pt x="8997696" y="18288"/>
+                </a:cubicBezTo>
+                <a:cubicBezTo>
+                  <a:pt x="8766342" y="33917"/>
+                  <a:pt x="8340136" y="34864"/>
+                  <a:pt x="8092440" y="18288"/>
+                </a:cubicBezTo>
+                <a:cubicBezTo>
+                  <a:pt x="7844744" y="1712"/>
+                  <a:pt x="7863720" y="27405"/>
+                  <a:pt x="7735824" y="18288"/>
+                </a:cubicBezTo>
+                <a:cubicBezTo>
+                  <a:pt x="7607928" y="9171"/>
+                  <a:pt x="7323619" y="461"/>
+                  <a:pt x="7050024" y="18288"/>
+                </a:cubicBezTo>
+                <a:cubicBezTo>
+                  <a:pt x="6776429" y="36115"/>
+                  <a:pt x="6787899" y="28206"/>
+                  <a:pt x="6693408" y="18288"/>
+                </a:cubicBezTo>
+                <a:cubicBezTo>
+                  <a:pt x="6598917" y="8370"/>
+                  <a:pt x="6395231" y="19114"/>
+                  <a:pt x="6227064" y="18288"/>
+                </a:cubicBezTo>
+                <a:cubicBezTo>
+                  <a:pt x="6058897" y="17462"/>
+                  <a:pt x="5618582" y="1091"/>
+                  <a:pt x="5431536" y="18288"/>
+                </a:cubicBezTo>
+                <a:cubicBezTo>
+                  <a:pt x="5244490" y="35485"/>
+                  <a:pt x="4729797" y="-9650"/>
+                  <a:pt x="4526280" y="18288"/>
+                </a:cubicBezTo>
+                <a:cubicBezTo>
+                  <a:pt x="4322763" y="46226"/>
+                  <a:pt x="4216797" y="756"/>
+                  <a:pt x="4059936" y="18288"/>
+                </a:cubicBezTo>
+                <a:cubicBezTo>
+                  <a:pt x="3903075" y="35820"/>
+                  <a:pt x="3537912" y="42098"/>
+                  <a:pt x="3374136" y="18288"/>
+                </a:cubicBezTo>
+                <a:cubicBezTo>
+                  <a:pt x="3210360" y="-5522"/>
+                  <a:pt x="3126842" y="39135"/>
+                  <a:pt x="2907792" y="18288"/>
+                </a:cubicBezTo>
+                <a:cubicBezTo>
+                  <a:pt x="2688742" y="-2559"/>
+                  <a:pt x="2490436" y="34100"/>
+                  <a:pt x="2112264" y="18288"/>
+                </a:cubicBezTo>
+                <a:cubicBezTo>
+                  <a:pt x="1734092" y="2476"/>
+                  <a:pt x="1744622" y="-7274"/>
+                  <a:pt x="1536192" y="18288"/>
+                </a:cubicBezTo>
+                <a:cubicBezTo>
+                  <a:pt x="1327762" y="43850"/>
+                  <a:pt x="1189025" y="6435"/>
+                  <a:pt x="1069848" y="18288"/>
+                </a:cubicBezTo>
+                <a:cubicBezTo>
+                  <a:pt x="950671" y="30141"/>
+                  <a:pt x="858345" y="33684"/>
+                  <a:pt x="713232" y="18288"/>
+                </a:cubicBezTo>
+                <a:cubicBezTo>
+                  <a:pt x="568119" y="2892"/>
+                  <a:pt x="250292" y="5410"/>
+                  <a:pt x="0" y="18288"/>
+                </a:cubicBezTo>
+                <a:cubicBezTo>
+                  <a:pt x="465" y="13062"/>
+                  <a:pt x="-894" y="9029"/>
+                  <a:pt x="0" y="0"/>
+                </a:cubicBezTo>
+                <a:close/>
+              </a:path>
+            </a:pathLst>
+          </a:custGeom>
+          <a:solidFill>
+            <a:schemeClr val="accent2">
+              <a:alpha val="75000"/>
+            </a:schemeClr>
+          </a:solidFill>
+          <a:ln w="44450" cap="rnd">
+            <a:solidFill>
+              <a:schemeClr val="accent2">
+                <a:alpha val="75000"/>
+              </a:schemeClr>
+            </a:solidFill>
+            <a:round/>
+            <a:extLst>
+              <a:ext uri="{C807C97D-BFC1-408E-A445-0C87EB9F89A2}">
+                <ask:lineSketchStyleProps xmlns:ask="http://schemas.microsoft.com/office/drawing/2018/sketchyshapes" sd="2727557108">
+                  <a:prstGeom prst="rect">
+                    <a:avLst/>
+                  </a:prstGeom>
+                  <ask:type>
+                    <ask:lineSketchFreehand/>
+                  </ask:type>
+                </ask:lineSketchStyleProps>
+              </a:ext>
+            </a:extLst>
+          </a:ln>
+        </p:spPr>
+        <p:style>
+          <a:lnRef idx="2">
+            <a:schemeClr val="accent1">
+              <a:shade val="50000"/>
+            </a:schemeClr>
+          </a:lnRef>
+          <a:fillRef idx="1">
+            <a:schemeClr val="accent1"/>
+          </a:fillRef>
+          <a:effectRef idx="0">
+            <a:schemeClr val="accent1"/>
+          </a:effectRef>
+          <a:fontRef idx="minor">
+            <a:schemeClr val="lt1"/>
+          </a:fontRef>
+        </p:style>
+        <p:txBody>
+          <a:bodyPr rtlCol="0" anchor="ctr"/>
+          <a:lstStyle/>
+          <a:p>
+            <a:pPr algn="ctr"/>
+            <a:endParaRPr lang="en-US"/>
+          </a:p>
+        </p:txBody>
+      </p:sp>
+      <p:sp>
+        <p:nvSpPr>
+          <p:cNvPr id="4" name="Content Placeholder 3">
+            <a:extLst>
+              <a:ext uri="{FF2B5EF4-FFF2-40B4-BE49-F238E27FC236}">
+                <a16:creationId xmlns:a16="http://schemas.microsoft.com/office/drawing/2014/main" id="{6EADD32B-2BED-B9CD-8880-5933A888D00B}"/>
+              </a:ext>
+            </a:extLst>
+          </p:cNvPr>
+          <p:cNvSpPr>
+            <a:spLocks noGrp="1"/>
+          </p:cNvSpPr>
+          <p:nvPr>
+            <p:ph idx="1"/>
+          </p:nvPr>
+        </p:nvSpPr>
+        <p:spPr>
+          <a:xfrm>
+            <a:off x="572493" y="2071316"/>
+            <a:ext cx="6713552" cy="4119172"/>
+          </a:xfrm>
+        </p:spPr>
+        <p:txBody>
+          <a:bodyPr vert="horz" lIns="91440" tIns="45720" rIns="91440" bIns="45720" rtlCol="0" anchor="t">
+            <a:normAutofit/>
+          </a:bodyPr>
+          <a:lstStyle/>
+          <a:p>
+            <a:pPr marL="0" indent="0">
+              <a:buNone/>
+            </a:pPr>
+            <a:r>
+              <a:rPr lang="en-US" sz="2000"/>
+              <a:t>L’obiettivo principale del Progetto è creare un software per la gestione delle camere di un ospedale.</a:t>
+            </a:r>
+          </a:p>
+          <a:p>
+            <a:pPr marL="0" indent="0">
+              <a:buNone/>
+            </a:pPr>
+            <a:r>
+              <a:rPr lang="en-US" sz="2000"/>
+              <a:t> Per la creazione del sisteme, è necessario tenere conto di diveris fattori:</a:t>
+            </a:r>
+          </a:p>
+          <a:p>
+            <a:pPr>
+              <a:buFont typeface="Wingdings" panose="05000000000000000000" pitchFamily="2" charset="2"/>
+              <a:buChar char="§"/>
+            </a:pPr>
+            <a:r>
+              <a:rPr lang="en-US" sz="2000" i="1"/>
+              <a:t>Cartella del paziente, </a:t>
+            </a:r>
+            <a:r>
+              <a:rPr lang="en-US" sz="2000"/>
+              <a:t>contenente l’anagrafica, la diagnosi e il tipo di terapia che deve seguire.</a:t>
+            </a:r>
+          </a:p>
+          <a:p>
+            <a:pPr>
+              <a:buFont typeface="Wingdings" panose="05000000000000000000" pitchFamily="2" charset="2"/>
+              <a:buChar char="§"/>
+            </a:pPr>
+            <a:r>
+              <a:rPr lang="en-US" sz="2000" i="1"/>
+              <a:t>Liste Operatorie, </a:t>
+            </a:r>
+            <a:r>
+              <a:rPr lang="en-US" sz="2000"/>
+              <a:t>contententi i nomi e le informazioni dei pazienti che devono sottoporsi ad un determinato intervento.</a:t>
+            </a:r>
+          </a:p>
+          <a:p>
+            <a:pPr>
+              <a:buFont typeface="Wingdings" panose="05000000000000000000" pitchFamily="2" charset="2"/>
+              <a:buChar char="§"/>
+            </a:pPr>
+            <a:r>
+              <a:rPr lang="en-US" sz="2000" i="1"/>
+              <a:t>Verbale dell’Intervento</a:t>
+            </a:r>
+            <a:r>
+              <a:rPr lang="en-US" sz="2000"/>
+              <a:t>, dove sono riportate le modalità, i tempi e i nomi dell’equipe medica che  hanno operato sull’intervento.</a:t>
+            </a:r>
+          </a:p>
+        </p:txBody>
+      </p:sp>
+      <p:pic>
+        <p:nvPicPr>
+          <p:cNvPr id="1026" name="Picture 2" descr="Viaggio all'interno di un blocco operatorio">
+            <a:extLst>
+              <a:ext uri="{FF2B5EF4-FFF2-40B4-BE49-F238E27FC236}">
+                <a16:creationId xmlns:a16="http://schemas.microsoft.com/office/drawing/2014/main" id="{A7F9973B-346C-5A43-7527-B97E92BAF68D}"/>
+              </a:ext>
+            </a:extLst>
+          </p:cNvPr>
+          <p:cNvPicPr>
+            <a:picLocks noChangeAspect="1" noChangeArrowheads="1"/>
+          </p:cNvPicPr>
+          <p:nvPr/>
+        </p:nvPicPr>
+        <p:blipFill rotWithShape="1">
+          <a:blip r:embed="rId3">
+            <a:extLst>
+              <a:ext uri="{28A0092B-C50C-407E-A947-70E740481C1C}">
+                <a14:useLocalDpi xmlns:a14="http://schemas.microsoft.com/office/drawing/2010/main" val="0"/>
+              </a:ext>
+            </a:extLst>
+          </a:blip>
+          <a:srcRect l="15116" r="20905" b="-3"/>
+          <a:stretch/>
+        </p:blipFill>
+        <p:spPr bwMode="auto">
+          <a:xfrm>
+            <a:off x="7675658" y="2093976"/>
+            <a:ext cx="3941064" cy="4096512"/>
+          </a:xfrm>
+          <a:prstGeom prst="rect">
+            <a:avLst/>
+          </a:prstGeom>
+          <a:noFill/>
+          <a:extLst>
+            <a:ext uri="{909E8E84-426E-40DD-AFC4-6F175D3DCCD1}">
+              <a14:hiddenFill xmlns:a14="http://schemas.microsoft.com/office/drawing/2010/main">
+                <a:solidFill>
+                  <a:srgbClr val="FFFFFF"/>
+                </a:solidFill>
+              </a14:hiddenFill>
+            </a:ext>
+          </a:extLst>
+        </p:spPr>
+      </p:pic>
+      <p:sp>
+        <p:nvSpPr>
+          <p:cNvPr id="82" name="Segnaposto numero diapositiva 81">
+            <a:extLst>
+              <a:ext uri="{FF2B5EF4-FFF2-40B4-BE49-F238E27FC236}">
+                <a16:creationId xmlns:a16="http://schemas.microsoft.com/office/drawing/2014/main" id="{CE36A058-BEC2-4BC5-A467-F2EB2A365051}"/>
+              </a:ext>
+            </a:extLst>
+          </p:cNvPr>
+          <p:cNvSpPr>
+            <a:spLocks noGrp="1"/>
+          </p:cNvSpPr>
+          <p:nvPr>
+            <p:ph type="sldNum" sz="quarter" idx="12"/>
+          </p:nvPr>
+        </p:nvSpPr>
+        <p:spPr>
+          <a:xfrm>
+            <a:off x="8610600" y="6356350"/>
+            <a:ext cx="2743200" cy="365125"/>
+          </a:xfrm>
+        </p:spPr>
         <p:txBody>
           <a:bodyPr rtlCol="0">
             <a:normAutofit/>
           </a:bodyPr>
           <a:lstStyle/>
           <a:p>
-            <a:pPr rtl="0"/>
-            <a:r>
-              <a:rPr lang="it-IT" sz="4400" b="1" dirty="0"/>
-              <a:t>Obiettivo</a:t>
-            </a:r>
-          </a:p>
-        </p:txBody>
-      </p:sp>
-      <p:sp>
-        <p:nvSpPr>
-          <p:cNvPr id="4" name="Content Placeholder 3">
-            <a:extLst>
-              <a:ext uri="{FF2B5EF4-FFF2-40B4-BE49-F238E27FC236}">
-                <a16:creationId xmlns:a16="http://schemas.microsoft.com/office/drawing/2014/main" id="{6EADD32B-2BED-B9CD-8880-5933A888D00B}"/>
-              </a:ext>
-            </a:extLst>
-          </p:cNvPr>
-          <p:cNvSpPr>
-            <a:spLocks noGrp="1"/>
-          </p:cNvSpPr>
-          <p:nvPr>
-            <p:ph idx="1"/>
-          </p:nvPr>
-        </p:nvSpPr>
-        <p:spPr/>
-        <p:txBody>
-          <a:bodyPr vert="horz" lIns="91440" tIns="45720" rIns="91440" bIns="45720" rtlCol="0" anchor="t">
-            <a:normAutofit/>
-          </a:bodyPr>
-          <a:lstStyle/>
-          <a:p>
-            <a:pPr marL="0" indent="0">
-              <a:buNone/>
+            <a:pPr rtl="0">
+              <a:spcAft>
+                <a:spcPts val="600"/>
+              </a:spcAft>
             </a:pPr>
-            <a:endParaRPr lang="en-US" dirty="0"/>
-          </a:p>
-        </p:txBody>
-      </p:sp>
-      <p:sp>
-        <p:nvSpPr>
-          <p:cNvPr id="82" name="Segnaposto numero diapositiva 81">
-            <a:extLst>
-              <a:ext uri="{FF2B5EF4-FFF2-40B4-BE49-F238E27FC236}">
-                <a16:creationId xmlns:a16="http://schemas.microsoft.com/office/drawing/2014/main" id="{CE36A058-BEC2-4BC5-A467-F2EB2A365051}"/>
-              </a:ext>
-            </a:extLst>
-          </p:cNvPr>
-          <p:cNvSpPr>
-            <a:spLocks noGrp="1"/>
-          </p:cNvSpPr>
-          <p:nvPr>
-            <p:ph type="sldNum" sz="quarter" idx="12"/>
-          </p:nvPr>
-        </p:nvSpPr>
-        <p:spPr/>
-        <p:txBody>
-          <a:bodyPr rtlCol="0"/>
-          <a:lstStyle/>
-          <a:p>
-            <a:pPr rtl="0"/>
             <a:fld id="{B5CEABB6-07DC-46E8-9B57-56EC44A396E5}" type="slidenum">
-              <a:rPr lang="it-IT" sz="1800" b="1" smtClean="0"/>
-              <a:pPr rtl="0"/>
+              <a:rPr lang="it-IT" b="1" smtClean="0"/>
+              <a:pPr rtl="0">
+                <a:spcAft>
+                  <a:spcPts val="600"/>
+                </a:spcAft>
+              </a:pPr>
               <a:t>2</a:t>
             </a:fld>
-            <a:endParaRPr lang="it-IT" sz="1800" b="1"/>
+            <a:endParaRPr lang="it-IT" b="1"/>
           </a:p>
         </p:txBody>
       </p:sp>
@@ -13050,6 +15030,14 @@
 <file path=ppt/slides/slide3.xml><?xml version="1.0" encoding="utf-8"?>
 <p:sld xmlns:a="http://schemas.openxmlformats.org/drawingml/2006/main" xmlns:r="http://schemas.openxmlformats.org/officeDocument/2006/relationships" xmlns:p="http://schemas.openxmlformats.org/presentationml/2006/main">
   <p:cSld>
+    <p:bg>
+      <p:bgPr>
+        <a:solidFill>
+          <a:schemeClr val="bg1"/>
+        </a:solidFill>
+        <a:effectLst/>
+      </p:bgPr>
+    </p:bg>
     <p:spTree>
       <p:nvGrpSpPr>
         <p:cNvPr id="1" name=""/>
@@ -13064,6 +15052,66 @@
           <a:chExt cx="0" cy="0"/>
         </a:xfrm>
       </p:grpSpPr>
+      <p:sp useBgFill="1">
+        <p:nvSpPr>
+          <p:cNvPr id="88" name="Rectangle 87">
+            <a:extLst>
+              <a:ext uri="{FF2B5EF4-FFF2-40B4-BE49-F238E27FC236}">
+                <a16:creationId xmlns:a16="http://schemas.microsoft.com/office/drawing/2014/main" id="{F13C74B1-5B17-4795-BED0-7140497B445A}"/>
+              </a:ext>
+              <a:ext uri="{C183D7F6-B498-43B3-948B-1728B52AA6E4}">
+                <adec:decorative xmlns:adec="http://schemas.microsoft.com/office/drawing/2017/decorative" val="1"/>
+              </a:ext>
+            </a:extLst>
+          </p:cNvPr>
+          <p:cNvSpPr>
+            <a:spLocks noGrp="1" noRot="1" noChangeAspect="1" noMove="1" noResize="1" noEditPoints="1" noAdjustHandles="1" noChangeArrowheads="1" noChangeShapeType="1" noTextEdit="1"/>
+          </p:cNvSpPr>
+          <p:nvPr>
+            <p:extLst>
+              <p:ext uri="{386F3935-93C4-4BCD-93E2-E3B085C9AB24}">
+                <p16:designElem xmlns:p16="http://schemas.microsoft.com/office/powerpoint/2015/main" val="1"/>
+              </p:ext>
+            </p:extLst>
+          </p:nvPr>
+        </p:nvSpPr>
+        <p:spPr>
+          <a:xfrm>
+            <a:off x="0" y="0"/>
+            <a:ext cx="12188952" cy="6858000"/>
+          </a:xfrm>
+          <a:prstGeom prst="rect">
+            <a:avLst/>
+          </a:prstGeom>
+          <a:ln>
+            <a:noFill/>
+          </a:ln>
+        </p:spPr>
+        <p:style>
+          <a:lnRef idx="2">
+            <a:schemeClr val="accent1">
+              <a:shade val="50000"/>
+            </a:schemeClr>
+          </a:lnRef>
+          <a:fillRef idx="1">
+            <a:schemeClr val="accent1"/>
+          </a:fillRef>
+          <a:effectRef idx="0">
+            <a:schemeClr val="accent1"/>
+          </a:effectRef>
+          <a:fontRef idx="minor">
+            <a:schemeClr val="lt1"/>
+          </a:fontRef>
+        </p:style>
+        <p:txBody>
+          <a:bodyPr rtlCol="0" anchor="ctr"/>
+          <a:lstStyle/>
+          <a:p>
+            <a:pPr algn="ctr"/>
+            <a:endParaRPr lang="en-US"/>
+          </a:p>
+        </p:txBody>
+      </p:sp>
       <p:sp>
         <p:nvSpPr>
           <p:cNvPr id="2" name="Titolo 1">
@@ -13080,78 +15128,396 @@
             <p:ph type="title"/>
           </p:nvPr>
         </p:nvSpPr>
-        <p:spPr/>
+        <p:spPr>
+          <a:xfrm>
+            <a:off x="444136" y="362536"/>
+            <a:ext cx="8214671" cy="1956841"/>
+          </a:xfrm>
+        </p:spPr>
+        <p:txBody>
+          <a:bodyPr rtlCol="0" anchor="b">
+            <a:normAutofit/>
+          </a:bodyPr>
+          <a:lstStyle/>
+          <a:p>
+            <a:pPr rtl="0"/>
+            <a:r>
+              <a:rPr lang="it-IT" sz="5400" b="1"/>
+              <a:t>Difficoltà incontrate</a:t>
+            </a:r>
+          </a:p>
+        </p:txBody>
+      </p:sp>
+      <p:sp>
+        <p:nvSpPr>
+          <p:cNvPr id="90" name="sketchy line">
+            <a:extLst>
+              <a:ext uri="{FF2B5EF4-FFF2-40B4-BE49-F238E27FC236}">
+                <a16:creationId xmlns:a16="http://schemas.microsoft.com/office/drawing/2014/main" id="{D4974D33-8DC5-464E-8C6D-BE58F0669C17}"/>
+              </a:ext>
+              <a:ext uri="{C183D7F6-B498-43B3-948B-1728B52AA6E4}">
+                <adec:decorative xmlns:adec="http://schemas.microsoft.com/office/drawing/2017/decorative" val="1"/>
+              </a:ext>
+            </a:extLst>
+          </p:cNvPr>
+          <p:cNvSpPr>
+            <a:spLocks noGrp="1" noRot="1" noChangeAspect="1" noMove="1" noResize="1" noEditPoints="1" noAdjustHandles="1" noChangeArrowheads="1" noChangeShapeType="1" noTextEdit="1"/>
+          </p:cNvSpPr>
+          <p:nvPr>
+            <p:extLst>
+              <p:ext uri="{386F3935-93C4-4BCD-93E2-E3B085C9AB24}">
+                <p16:designElem xmlns:p16="http://schemas.microsoft.com/office/powerpoint/2015/main" val="1"/>
+              </p:ext>
+            </p:extLst>
+          </p:nvPr>
+        </p:nvSpPr>
+        <p:spPr>
+          <a:xfrm>
+            <a:off x="640080" y="2586994"/>
+            <a:ext cx="3474720" cy="18288"/>
+          </a:xfrm>
+          <a:custGeom>
+            <a:avLst/>
+            <a:gdLst>
+              <a:gd name="connsiteX0" fmla="*/ 0 w 3474720"/>
+              <a:gd name="connsiteY0" fmla="*/ 0 h 18288"/>
+              <a:gd name="connsiteX1" fmla="*/ 694944 w 3474720"/>
+              <a:gd name="connsiteY1" fmla="*/ 0 h 18288"/>
+              <a:gd name="connsiteX2" fmla="*/ 1355141 w 3474720"/>
+              <a:gd name="connsiteY2" fmla="*/ 0 h 18288"/>
+              <a:gd name="connsiteX3" fmla="*/ 2015338 w 3474720"/>
+              <a:gd name="connsiteY3" fmla="*/ 0 h 18288"/>
+              <a:gd name="connsiteX4" fmla="*/ 2779776 w 3474720"/>
+              <a:gd name="connsiteY4" fmla="*/ 0 h 18288"/>
+              <a:gd name="connsiteX5" fmla="*/ 3474720 w 3474720"/>
+              <a:gd name="connsiteY5" fmla="*/ 0 h 18288"/>
+              <a:gd name="connsiteX6" fmla="*/ 3474720 w 3474720"/>
+              <a:gd name="connsiteY6" fmla="*/ 18288 h 18288"/>
+              <a:gd name="connsiteX7" fmla="*/ 2779776 w 3474720"/>
+              <a:gd name="connsiteY7" fmla="*/ 18288 h 18288"/>
+              <a:gd name="connsiteX8" fmla="*/ 2189074 w 3474720"/>
+              <a:gd name="connsiteY8" fmla="*/ 18288 h 18288"/>
+              <a:gd name="connsiteX9" fmla="*/ 1528877 w 3474720"/>
+              <a:gd name="connsiteY9" fmla="*/ 18288 h 18288"/>
+              <a:gd name="connsiteX10" fmla="*/ 868680 w 3474720"/>
+              <a:gd name="connsiteY10" fmla="*/ 18288 h 18288"/>
+              <a:gd name="connsiteX11" fmla="*/ 0 w 3474720"/>
+              <a:gd name="connsiteY11" fmla="*/ 18288 h 18288"/>
+              <a:gd name="connsiteX12" fmla="*/ 0 w 3474720"/>
+              <a:gd name="connsiteY12" fmla="*/ 0 h 18288"/>
+            </a:gdLst>
+            <a:ahLst/>
+            <a:cxnLst>
+              <a:cxn ang="0">
+                <a:pos x="connsiteX0" y="connsiteY0"/>
+              </a:cxn>
+              <a:cxn ang="0">
+                <a:pos x="connsiteX1" y="connsiteY1"/>
+              </a:cxn>
+              <a:cxn ang="0">
+                <a:pos x="connsiteX2" y="connsiteY2"/>
+              </a:cxn>
+              <a:cxn ang="0">
+                <a:pos x="connsiteX3" y="connsiteY3"/>
+              </a:cxn>
+              <a:cxn ang="0">
+                <a:pos x="connsiteX4" y="connsiteY4"/>
+              </a:cxn>
+              <a:cxn ang="0">
+                <a:pos x="connsiteX5" y="connsiteY5"/>
+              </a:cxn>
+              <a:cxn ang="0">
+                <a:pos x="connsiteX6" y="connsiteY6"/>
+              </a:cxn>
+              <a:cxn ang="0">
+                <a:pos x="connsiteX7" y="connsiteY7"/>
+              </a:cxn>
+              <a:cxn ang="0">
+                <a:pos x="connsiteX8" y="connsiteY8"/>
+              </a:cxn>
+              <a:cxn ang="0">
+                <a:pos x="connsiteX9" y="connsiteY9"/>
+              </a:cxn>
+              <a:cxn ang="0">
+                <a:pos x="connsiteX10" y="connsiteY10"/>
+              </a:cxn>
+              <a:cxn ang="0">
+                <a:pos x="connsiteX11" y="connsiteY11"/>
+              </a:cxn>
+              <a:cxn ang="0">
+                <a:pos x="connsiteX12" y="connsiteY12"/>
+              </a:cxn>
+            </a:cxnLst>
+            <a:rect l="l" t="t" r="r" b="b"/>
+            <a:pathLst>
+              <a:path w="3474720" h="18288" fill="none" extrusionOk="0">
+                <a:moveTo>
+                  <a:pt x="0" y="0"/>
+                </a:moveTo>
+                <a:cubicBezTo>
+                  <a:pt x="224454" y="-14544"/>
+                  <a:pt x="495407" y="26540"/>
+                  <a:pt x="694944" y="0"/>
+                </a:cubicBezTo>
+                <a:cubicBezTo>
+                  <a:pt x="894481" y="-26540"/>
+                  <a:pt x="1130063" y="24713"/>
+                  <a:pt x="1355141" y="0"/>
+                </a:cubicBezTo>
+                <a:cubicBezTo>
+                  <a:pt x="1580219" y="-24713"/>
+                  <a:pt x="1820099" y="26695"/>
+                  <a:pt x="2015338" y="0"/>
+                </a:cubicBezTo>
+                <a:cubicBezTo>
+                  <a:pt x="2210577" y="-26695"/>
+                  <a:pt x="2402045" y="165"/>
+                  <a:pt x="2779776" y="0"/>
+                </a:cubicBezTo>
+                <a:cubicBezTo>
+                  <a:pt x="3157507" y="-165"/>
+                  <a:pt x="3286859" y="-15571"/>
+                  <a:pt x="3474720" y="0"/>
+                </a:cubicBezTo>
+                <a:cubicBezTo>
+                  <a:pt x="3474286" y="7551"/>
+                  <a:pt x="3474253" y="9822"/>
+                  <a:pt x="3474720" y="18288"/>
+                </a:cubicBezTo>
+                <a:cubicBezTo>
+                  <a:pt x="3233904" y="29845"/>
+                  <a:pt x="2945134" y="-5256"/>
+                  <a:pt x="2779776" y="18288"/>
+                </a:cubicBezTo>
+                <a:cubicBezTo>
+                  <a:pt x="2614418" y="41832"/>
+                  <a:pt x="2339768" y="22709"/>
+                  <a:pt x="2189074" y="18288"/>
+                </a:cubicBezTo>
+                <a:cubicBezTo>
+                  <a:pt x="2038380" y="13867"/>
+                  <a:pt x="1817434" y="-4947"/>
+                  <a:pt x="1528877" y="18288"/>
+                </a:cubicBezTo>
+                <a:cubicBezTo>
+                  <a:pt x="1240320" y="41523"/>
+                  <a:pt x="1042447" y="37198"/>
+                  <a:pt x="868680" y="18288"/>
+                </a:cubicBezTo>
+                <a:cubicBezTo>
+                  <a:pt x="694913" y="-622"/>
+                  <a:pt x="233232" y="44909"/>
+                  <a:pt x="0" y="18288"/>
+                </a:cubicBezTo>
+                <a:cubicBezTo>
+                  <a:pt x="60" y="11696"/>
+                  <a:pt x="66" y="3758"/>
+                  <a:pt x="0" y="0"/>
+                </a:cubicBezTo>
+                <a:close/>
+              </a:path>
+              <a:path w="3474720" h="18288" stroke="0" extrusionOk="0">
+                <a:moveTo>
+                  <a:pt x="0" y="0"/>
+                </a:moveTo>
+                <a:cubicBezTo>
+                  <a:pt x="202328" y="-14716"/>
+                  <a:pt x="332722" y="-11499"/>
+                  <a:pt x="625450" y="0"/>
+                </a:cubicBezTo>
+                <a:cubicBezTo>
+                  <a:pt x="918178" y="11499"/>
+                  <a:pt x="1096688" y="5123"/>
+                  <a:pt x="1389888" y="0"/>
+                </a:cubicBezTo>
+                <a:cubicBezTo>
+                  <a:pt x="1683088" y="-5123"/>
+                  <a:pt x="1835981" y="-14038"/>
+                  <a:pt x="1980590" y="0"/>
+                </a:cubicBezTo>
+                <a:cubicBezTo>
+                  <a:pt x="2125199" y="14038"/>
+                  <a:pt x="2396099" y="-7203"/>
+                  <a:pt x="2571293" y="0"/>
+                </a:cubicBezTo>
+                <a:cubicBezTo>
+                  <a:pt x="2746487" y="7203"/>
+                  <a:pt x="3041609" y="-12036"/>
+                  <a:pt x="3474720" y="0"/>
+                </a:cubicBezTo>
+                <a:cubicBezTo>
+                  <a:pt x="3474638" y="4406"/>
+                  <a:pt x="3474631" y="9982"/>
+                  <a:pt x="3474720" y="18288"/>
+                </a:cubicBezTo>
+                <a:cubicBezTo>
+                  <a:pt x="3324873" y="21876"/>
+                  <a:pt x="3136771" y="12587"/>
+                  <a:pt x="2814523" y="18288"/>
+                </a:cubicBezTo>
+                <a:cubicBezTo>
+                  <a:pt x="2492275" y="23989"/>
+                  <a:pt x="2294402" y="47111"/>
+                  <a:pt x="2154326" y="18288"/>
+                </a:cubicBezTo>
+                <a:cubicBezTo>
+                  <a:pt x="2014250" y="-10535"/>
+                  <a:pt x="1820317" y="33903"/>
+                  <a:pt x="1494130" y="18288"/>
+                </a:cubicBezTo>
+                <a:cubicBezTo>
+                  <a:pt x="1167943" y="2673"/>
+                  <a:pt x="948432" y="14868"/>
+                  <a:pt x="729691" y="18288"/>
+                </a:cubicBezTo>
+                <a:cubicBezTo>
+                  <a:pt x="510950" y="21708"/>
+                  <a:pt x="264032" y="24354"/>
+                  <a:pt x="0" y="18288"/>
+                </a:cubicBezTo>
+                <a:cubicBezTo>
+                  <a:pt x="189" y="14288"/>
+                  <a:pt x="-703" y="3747"/>
+                  <a:pt x="0" y="0"/>
+                </a:cubicBezTo>
+                <a:close/>
+              </a:path>
+            </a:pathLst>
+          </a:custGeom>
+          <a:solidFill>
+            <a:schemeClr val="accent2"/>
+          </a:solidFill>
+          <a:ln w="44450" cap="rnd">
+            <a:solidFill>
+              <a:schemeClr val="accent2"/>
+            </a:solidFill>
+            <a:round/>
+            <a:extLst>
+              <a:ext uri="{C807C97D-BFC1-408E-A445-0C87EB9F89A2}">
+                <ask:lineSketchStyleProps xmlns:ask="http://schemas.microsoft.com/office/drawing/2018/sketchyshapes" sd="2863741219">
+                  <a:prstGeom prst="rect">
+                    <a:avLst/>
+                  </a:prstGeom>
+                  <ask:type>
+                    <ask:lineSketchFreehand/>
+                  </ask:type>
+                </ask:lineSketchStyleProps>
+              </a:ext>
+            </a:extLst>
+          </a:ln>
+        </p:spPr>
+        <p:style>
+          <a:lnRef idx="2">
+            <a:schemeClr val="accent1">
+              <a:shade val="50000"/>
+            </a:schemeClr>
+          </a:lnRef>
+          <a:fillRef idx="1">
+            <a:schemeClr val="accent1"/>
+          </a:fillRef>
+          <a:effectRef idx="0">
+            <a:schemeClr val="accent1"/>
+          </a:effectRef>
+          <a:fontRef idx="minor">
+            <a:schemeClr val="lt1"/>
+          </a:fontRef>
+        </p:style>
+        <p:txBody>
+          <a:bodyPr rtlCol="0" anchor="ctr"/>
+          <a:lstStyle/>
+          <a:p>
+            <a:pPr algn="ctr"/>
+            <a:endParaRPr lang="en-US"/>
+          </a:p>
+        </p:txBody>
+      </p:sp>
+      <p:sp>
+        <p:nvSpPr>
+          <p:cNvPr id="4" name="Content Placeholder 3">
+            <a:extLst>
+              <a:ext uri="{FF2B5EF4-FFF2-40B4-BE49-F238E27FC236}">
+                <a16:creationId xmlns:a16="http://schemas.microsoft.com/office/drawing/2014/main" id="{0B9BE06A-2A10-766E-30FB-68BA1AE33F20}"/>
+              </a:ext>
+            </a:extLst>
+          </p:cNvPr>
+          <p:cNvSpPr>
+            <a:spLocks noGrp="1"/>
+          </p:cNvSpPr>
+          <p:nvPr>
+            <p:ph idx="1"/>
+          </p:nvPr>
+        </p:nvSpPr>
+        <p:spPr>
+          <a:xfrm>
+            <a:off x="640080" y="2872899"/>
+            <a:ext cx="4243589" cy="3320668"/>
+          </a:xfrm>
+        </p:spPr>
+        <p:txBody>
+          <a:bodyPr>
+            <a:normAutofit/>
+          </a:bodyPr>
+          <a:lstStyle/>
+          <a:p>
+            <a:r>
+              <a:rPr lang="it-IT" sz="2200"/>
+              <a:t>Quali difficoltà avete incontrato durante il progetto (comunicazione, utilizzo tool,….)</a:t>
+            </a:r>
+            <a:endParaRPr lang="en-US" sz="2200"/>
+          </a:p>
+        </p:txBody>
+      </p:sp>
+      <p:sp>
+        <p:nvSpPr>
+          <p:cNvPr id="82" name="Segnaposto numero diapositiva 81">
+            <a:extLst>
+              <a:ext uri="{FF2B5EF4-FFF2-40B4-BE49-F238E27FC236}">
+                <a16:creationId xmlns:a16="http://schemas.microsoft.com/office/drawing/2014/main" id="{CE36A058-BEC2-4BC5-A467-F2EB2A365051}"/>
+              </a:ext>
+            </a:extLst>
+          </p:cNvPr>
+          <p:cNvSpPr>
+            <a:spLocks noGrp="1"/>
+          </p:cNvSpPr>
+          <p:nvPr>
+            <p:ph type="sldNum" sz="quarter" idx="12"/>
+          </p:nvPr>
+        </p:nvSpPr>
+        <p:spPr>
+          <a:xfrm>
+            <a:off x="10439400" y="6356350"/>
+            <a:ext cx="914400" cy="365125"/>
+          </a:xfrm>
+        </p:spPr>
         <p:txBody>
           <a:bodyPr rtlCol="0">
             <a:normAutofit/>
           </a:bodyPr>
           <a:lstStyle/>
           <a:p>
-            <a:pPr rtl="0"/>
-            <a:r>
-              <a:rPr lang="it-IT" sz="4400" b="1" dirty="0"/>
-              <a:t>Difficoltà incontrate</a:t>
-            </a:r>
-          </a:p>
-        </p:txBody>
-      </p:sp>
-      <p:sp>
-        <p:nvSpPr>
-          <p:cNvPr id="4" name="Content Placeholder 3">
-            <a:extLst>
-              <a:ext uri="{FF2B5EF4-FFF2-40B4-BE49-F238E27FC236}">
-                <a16:creationId xmlns:a16="http://schemas.microsoft.com/office/drawing/2014/main" id="{0B9BE06A-2A10-766E-30FB-68BA1AE33F20}"/>
-              </a:ext>
-            </a:extLst>
-          </p:cNvPr>
-          <p:cNvSpPr>
-            <a:spLocks noGrp="1"/>
-          </p:cNvSpPr>
-          <p:nvPr>
-            <p:ph idx="1"/>
-          </p:nvPr>
-        </p:nvSpPr>
-        <p:spPr/>
-        <p:txBody>
-          <a:bodyPr/>
-          <a:lstStyle/>
-          <a:p>
-            <a:r>
-              <a:rPr lang="it-IT" dirty="0"/>
-              <a:t>Quali difficoltà avete incontrato durante il progetto (comunicazione, utilizzo tool,….)</a:t>
-            </a:r>
-            <a:endParaRPr lang="en-US" dirty="0"/>
-          </a:p>
-        </p:txBody>
-      </p:sp>
-      <p:sp>
-        <p:nvSpPr>
-          <p:cNvPr id="82" name="Segnaposto numero diapositiva 81">
-            <a:extLst>
-              <a:ext uri="{FF2B5EF4-FFF2-40B4-BE49-F238E27FC236}">
-                <a16:creationId xmlns:a16="http://schemas.microsoft.com/office/drawing/2014/main" id="{CE36A058-BEC2-4BC5-A467-F2EB2A365051}"/>
-              </a:ext>
-            </a:extLst>
-          </p:cNvPr>
-          <p:cNvSpPr>
-            <a:spLocks noGrp="1"/>
-          </p:cNvSpPr>
-          <p:nvPr>
-            <p:ph type="sldNum" sz="quarter" idx="12"/>
-          </p:nvPr>
-        </p:nvSpPr>
-        <p:spPr/>
-        <p:txBody>
-          <a:bodyPr rtlCol="0"/>
-          <a:lstStyle/>
-          <a:p>
-            <a:pPr rtl="0"/>
+            <a:pPr rtl="0">
+              <a:spcAft>
+                <a:spcPts val="600"/>
+              </a:spcAft>
+            </a:pPr>
             <a:fld id="{B5CEABB6-07DC-46E8-9B57-56EC44A396E5}" type="slidenum">
-              <a:rPr lang="it-IT" sz="1800" b="1" smtClean="0"/>
-              <a:pPr rtl="0"/>
+              <a:rPr lang="it-IT" b="1">
+                <a:solidFill>
+                  <a:srgbClr val="FFFFFF"/>
+                </a:solidFill>
+              </a:rPr>
+              <a:pPr rtl="0">
+                <a:spcAft>
+                  <a:spcPts val="600"/>
+                </a:spcAft>
+              </a:pPr>
               <a:t>3</a:t>
             </a:fld>
-            <a:endParaRPr lang="it-IT" sz="1800" b="1"/>
+            <a:endParaRPr lang="it-IT" b="1">
+              <a:solidFill>
+                <a:srgbClr val="FFFFFF"/>
+              </a:solidFill>
+            </a:endParaRPr>
           </a:p>
         </p:txBody>
       </p:sp>
@@ -14840,15 +17206,6 @@
 </file>
 
 <file path=customXml/item1.xml><?xml version="1.0" encoding="utf-8"?>
-<?mso-contentType ?>
-<FormTemplates xmlns="http://schemas.microsoft.com/sharepoint/v3/contenttype/forms">
-  <Display>DocumentLibraryForm</Display>
-  <Edit>DocumentLibraryForm</Edit>
-  <New>DocumentLibraryForm</New>
-</FormTemplates>
-</file>
-
-<file path=customXml/item2.xml><?xml version="1.0" encoding="utf-8"?>
 <ct:contentTypeSchema xmlns:ct="http://schemas.microsoft.com/office/2006/metadata/contentType" xmlns:ma="http://schemas.microsoft.com/office/2006/metadata/properties/metaAttributes" ct:_="" ma:_="" ma:contentTypeName="Documento" ma:contentTypeID="0x0101007CE6213B20D2F945B0D1473923EE410F" ma:contentTypeVersion="7" ma:contentTypeDescription="Creare un nuovo documento." ma:contentTypeScope="" ma:versionID="dc8ac43e96b461727accd63cf925a5cf">
   <xsd:schema xmlns:xsd="http://www.w3.org/2001/XMLSchema" xmlns:xs="http://www.w3.org/2001/XMLSchema" xmlns:p="http://schemas.microsoft.com/office/2006/metadata/properties" xmlns:ns2="243f3390-b919-40e8-8195-3613e8527352" targetNamespace="http://schemas.microsoft.com/office/2006/metadata/properties" ma:root="true" ma:fieldsID="1987007e621e1b24d40e437f012b913d" ns2:_="">
     <xsd:import namespace="243f3390-b919-40e8-8195-3613e8527352"/>
@@ -15010,6 +17367,15 @@
 </ct:contentTypeSchema>
 </file>
 
+<file path=customXml/item2.xml><?xml version="1.0" encoding="utf-8"?>
+<?mso-contentType ?>
+<FormTemplates xmlns="http://schemas.microsoft.com/sharepoint/v3/contenttype/forms">
+  <Display>DocumentLibraryForm</Display>
+  <Edit>DocumentLibraryForm</Edit>
+  <New>DocumentLibraryForm</New>
+</FormTemplates>
+</file>
+
 <file path=customXml/item3.xml><?xml version="1.0" encoding="utf-8"?>
 <p:properties xmlns:p="http://schemas.microsoft.com/office/2006/metadata/properties" xmlns:xsi="http://www.w3.org/2001/XMLSchema-instance" xmlns:pc="http://schemas.microsoft.com/office/infopath/2007/PartnerControls">
   <documentManagement/>
@@ -15017,14 +17383,6 @@
 </file>
 
 <file path=customXml/itemProps1.xml><?xml version="1.0" encoding="utf-8"?>
-<ds:datastoreItem xmlns:ds="http://schemas.openxmlformats.org/officeDocument/2006/customXml" ds:itemID="{42BC90D6-94CF-42F7-AAC4-9CF6824C54D5}">
-  <ds:schemaRefs>
-    <ds:schemaRef ds:uri="http://schemas.microsoft.com/sharepoint/v3/contenttype/forms"/>
-  </ds:schemaRefs>
-</ds:datastoreItem>
-</file>
-
-<file path=customXml/itemProps2.xml><?xml version="1.0" encoding="utf-8"?>
 <ds:datastoreItem xmlns:ds="http://schemas.openxmlformats.org/officeDocument/2006/customXml" ds:itemID="{1A503E23-9696-4358-8F00-F7F66AC755EB}">
   <ds:schemaRefs>
     <ds:schemaRef ds:uri="http://schemas.microsoft.com/office/2006/metadata/contentType"/>
@@ -15038,6 +17396,14 @@
     <ds:schemaRef ds:uri="http://purl.org/dc/elements/1.1/"/>
     <ds:schemaRef ds:uri="http://purl.org/dc/terms/"/>
     <ds:schemaRef ds:uri="http://schemas.microsoft.com/internal/obd"/>
+  </ds:schemaRefs>
+</ds:datastoreItem>
+</file>
+
+<file path=customXml/itemProps2.xml><?xml version="1.0" encoding="utf-8"?>
+<ds:datastoreItem xmlns:ds="http://schemas.openxmlformats.org/officeDocument/2006/customXml" ds:itemID="{42BC90D6-94CF-42F7-AAC4-9CF6824C54D5}">
+  <ds:schemaRefs>
+    <ds:schemaRef ds:uri="http://schemas.microsoft.com/sharepoint/v3/contenttype/forms"/>
   </ds:schemaRefs>
 </ds:datastoreItem>
 </file>

--- a/Presentazione_Progetto.pptx
+++ b/Presentazione_Progetto.pptx
@@ -159,7 +159,7 @@
 <file path=ppt/revisionInfo.xml><?xml version="1.0" encoding="utf-8"?>
 <p1510:revInfo xmlns:a="http://schemas.openxmlformats.org/drawingml/2006/main" xmlns:r="http://schemas.openxmlformats.org/officeDocument/2006/relationships" xmlns:p1510="http://schemas.microsoft.com/office/powerpoint/2015/10/main">
   <p1510:revLst>
-    <p1510:client id="{002FC19B-B750-46E5-AE6C-2EDFEC68FEF2}" v="26" dt="2023-12-02T20:24:53.552"/>
+    <p1510:client id="{002FC19B-B750-46E5-AE6C-2EDFEC68FEF2}" v="32" dt="2023-12-02T20:45:59.280"/>
   </p1510:revLst>
 </p1510:revInfo>
 </file>
@@ -169,7 +169,7 @@
   <pc:docChgLst>
     <pc:chgData name="Matteo MANGILI" userId="89c7df381375e6aa" providerId="LiveId" clId="{002FC19B-B750-46E5-AE6C-2EDFEC68FEF2}"/>
     <pc:docChg chg="undo custSel addSld delSld modSld">
-      <pc:chgData name="Matteo MANGILI" userId="89c7df381375e6aa" providerId="LiveId" clId="{002FC19B-B750-46E5-AE6C-2EDFEC68FEF2}" dt="2023-12-02T20:25:10.756" v="1260" actId="255"/>
+      <pc:chgData name="Matteo MANGILI" userId="89c7df381375e6aa" providerId="LiveId" clId="{002FC19B-B750-46E5-AE6C-2EDFEC68FEF2}" dt="2023-12-02T20:53:13.399" v="2415" actId="20577"/>
       <pc:docMkLst>
         <pc:docMk/>
       </pc:docMkLst>
@@ -308,7 +308,7 @@
         </pc:picChg>
       </pc:sldChg>
       <pc:sldChg chg="addSp delSp modSp mod setBg addAnim delAnim modAnim delDesignElem chgLayout">
-        <pc:chgData name="Matteo MANGILI" userId="89c7df381375e6aa" providerId="LiveId" clId="{002FC19B-B750-46E5-AE6C-2EDFEC68FEF2}" dt="2023-12-02T20:24:53.552" v="1257" actId="255"/>
+        <pc:chgData name="Matteo MANGILI" userId="89c7df381375e6aa" providerId="LiveId" clId="{002FC19B-B750-46E5-AE6C-2EDFEC68FEF2}" dt="2023-12-02T20:30:28.135" v="1454" actId="20577"/>
         <pc:sldMkLst>
           <pc:docMk/>
           <pc:sldMk cId="1249612630" sldId="297"/>
@@ -330,7 +330,7 @@
           </ac:spMkLst>
         </pc:spChg>
         <pc:spChg chg="mod ord">
-          <ac:chgData name="Matteo MANGILI" userId="89c7df381375e6aa" providerId="LiveId" clId="{002FC19B-B750-46E5-AE6C-2EDFEC68FEF2}" dt="2023-12-02T20:24:38.848" v="1255" actId="14100"/>
+          <ac:chgData name="Matteo MANGILI" userId="89c7df381375e6aa" providerId="LiveId" clId="{002FC19B-B750-46E5-AE6C-2EDFEC68FEF2}" dt="2023-12-02T20:30:28.135" v="1454" actId="20577"/>
           <ac:spMkLst>
             <pc:docMk/>
             <pc:sldMk cId="1249612630" sldId="297"/>
@@ -555,7 +555,7 @@
         </pc:picChg>
       </pc:sldChg>
       <pc:sldChg chg="addSp modSp mod setBg">
-        <pc:chgData name="Matteo MANGILI" userId="89c7df381375e6aa" providerId="LiveId" clId="{002FC19B-B750-46E5-AE6C-2EDFEC68FEF2}" dt="2023-12-02T20:21:38.395" v="1243" actId="255"/>
+        <pc:chgData name="Matteo MANGILI" userId="89c7df381375e6aa" providerId="LiveId" clId="{002FC19B-B750-46E5-AE6C-2EDFEC68FEF2}" dt="2023-12-02T20:36:50.225" v="1694" actId="20577"/>
         <pc:sldMkLst>
           <pc:docMk/>
           <pc:sldMk cId="3996999348" sldId="298"/>
@@ -569,7 +569,7 @@
           </ac:spMkLst>
         </pc:spChg>
         <pc:spChg chg="mod">
-          <ac:chgData name="Matteo MANGILI" userId="89c7df381375e6aa" providerId="LiveId" clId="{002FC19B-B750-46E5-AE6C-2EDFEC68FEF2}" dt="2023-12-02T20:21:28.075" v="1240" actId="14100"/>
+          <ac:chgData name="Matteo MANGILI" userId="89c7df381375e6aa" providerId="LiveId" clId="{002FC19B-B750-46E5-AE6C-2EDFEC68FEF2}" dt="2023-12-02T20:36:50.225" v="1694" actId="20577"/>
           <ac:spMkLst>
             <pc:docMk/>
             <pc:sldMk cId="3996999348" sldId="298"/>
@@ -720,8 +720,8 @@
           </ac:picMkLst>
         </pc:picChg>
       </pc:sldChg>
-      <pc:sldChg chg="addSp modSp mod setBg addAnim modAnim">
-        <pc:chgData name="Matteo MANGILI" userId="89c7df381375e6aa" providerId="LiveId" clId="{002FC19B-B750-46E5-AE6C-2EDFEC68FEF2}" dt="2023-12-02T20:15:12.489" v="1204" actId="255"/>
+      <pc:sldChg chg="addSp delSp modSp mod setBg addAnim modAnim">
+        <pc:chgData name="Matteo MANGILI" userId="89c7df381375e6aa" providerId="LiveId" clId="{002FC19B-B750-46E5-AE6C-2EDFEC68FEF2}" dt="2023-12-02T20:46:01.316" v="2176" actId="1076"/>
         <pc:sldMkLst>
           <pc:docMk/>
           <pc:sldMk cId="141201089" sldId="302"/>
@@ -734,8 +734,8 @@
             <ac:spMk id="2" creationId="{75031FE9-9059-4FE8-B4AC-9771F23A1B89}"/>
           </ac:spMkLst>
         </pc:spChg>
-        <pc:spChg chg="mod">
-          <ac:chgData name="Matteo MANGILI" userId="89c7df381375e6aa" providerId="LiveId" clId="{002FC19B-B750-46E5-AE6C-2EDFEC68FEF2}" dt="2023-12-02T20:15:04.473" v="1203" actId="14100"/>
+        <pc:spChg chg="del mod">
+          <ac:chgData name="Matteo MANGILI" userId="89c7df381375e6aa" providerId="LiveId" clId="{002FC19B-B750-46E5-AE6C-2EDFEC68FEF2}" dt="2023-12-02T20:45:59.280" v="2175"/>
           <ac:spMkLst>
             <pc:docMk/>
             <pc:sldMk cId="141201089" sldId="302"/>
@@ -766,6 +766,14 @@
             <ac:spMk id="89" creationId="{DB17E863-922E-4C26-BD64-E8FD41D28661}"/>
           </ac:spMkLst>
         </pc:spChg>
+        <pc:picChg chg="add mod">
+          <ac:chgData name="Matteo MANGILI" userId="89c7df381375e6aa" providerId="LiveId" clId="{002FC19B-B750-46E5-AE6C-2EDFEC68FEF2}" dt="2023-12-02T20:46:01.316" v="2176" actId="1076"/>
+          <ac:picMkLst>
+            <pc:docMk/>
+            <pc:sldMk cId="141201089" sldId="302"/>
+            <ac:picMk id="3" creationId="{DF52D774-0AF5-3D21-AF89-908B316763E3}"/>
+          </ac:picMkLst>
+        </pc:picChg>
       </pc:sldChg>
       <pc:sldChg chg="addSp modSp mod setBg">
         <pc:chgData name="Matteo MANGILI" userId="89c7df381375e6aa" providerId="LiveId" clId="{002FC19B-B750-46E5-AE6C-2EDFEC68FEF2}" dt="2023-12-02T20:15:57.660" v="1210" actId="255"/>
@@ -815,7 +823,7 @@
         </pc:spChg>
       </pc:sldChg>
       <pc:sldChg chg="addSp modSp mod setBg">
-        <pc:chgData name="Matteo MANGILI" userId="89c7df381375e6aa" providerId="LiveId" clId="{002FC19B-B750-46E5-AE6C-2EDFEC68FEF2}" dt="2023-12-02T20:15:21.902" v="1206" actId="255"/>
+        <pc:chgData name="Matteo MANGILI" userId="89c7df381375e6aa" providerId="LiveId" clId="{002FC19B-B750-46E5-AE6C-2EDFEC68FEF2}" dt="2023-12-02T20:53:13.399" v="2415" actId="20577"/>
         <pc:sldMkLst>
           <pc:docMk/>
           <pc:sldMk cId="2728347993" sldId="304"/>
@@ -829,7 +837,7 @@
           </ac:spMkLst>
         </pc:spChg>
         <pc:spChg chg="mod">
-          <ac:chgData name="Matteo MANGILI" userId="89c7df381375e6aa" providerId="LiveId" clId="{002FC19B-B750-46E5-AE6C-2EDFEC68FEF2}" dt="2023-12-02T20:15:17.589" v="1205" actId="14100"/>
+          <ac:chgData name="Matteo MANGILI" userId="89c7df381375e6aa" providerId="LiveId" clId="{002FC19B-B750-46E5-AE6C-2EDFEC68FEF2}" dt="2023-12-02T20:53:13.399" v="2415" actId="20577"/>
           <ac:spMkLst>
             <pc:docMk/>
             <pc:sldMk cId="2728347993" sldId="304"/>
@@ -1157,13 +1165,13 @@
         </pc:picChg>
       </pc:sldChg>
       <pc:sldChg chg="addSp delSp modSp mod setBg addAnim modAnim">
-        <pc:chgData name="Matteo MANGILI" userId="89c7df381375e6aa" providerId="LiveId" clId="{002FC19B-B750-46E5-AE6C-2EDFEC68FEF2}" dt="2023-12-02T20:17:41.037" v="1220"/>
+        <pc:chgData name="Matteo MANGILI" userId="89c7df381375e6aa" providerId="LiveId" clId="{002FC19B-B750-46E5-AE6C-2EDFEC68FEF2}" dt="2023-12-02T20:47:36.284" v="2193" actId="20577"/>
         <pc:sldMkLst>
           <pc:docMk/>
           <pc:sldMk cId="3568766427" sldId="306"/>
         </pc:sldMkLst>
         <pc:spChg chg="mod">
-          <ac:chgData name="Matteo MANGILI" userId="89c7df381375e6aa" providerId="LiveId" clId="{002FC19B-B750-46E5-AE6C-2EDFEC68FEF2}" dt="2023-12-02T20:13:21.147" v="1185" actId="113"/>
+          <ac:chgData name="Matteo MANGILI" userId="89c7df381375e6aa" providerId="LiveId" clId="{002FC19B-B750-46E5-AE6C-2EDFEC68FEF2}" dt="2023-12-02T20:47:36.284" v="2193" actId="20577"/>
           <ac:spMkLst>
             <pc:docMk/>
             <pc:sldMk cId="3568766427" sldId="306"/>
@@ -1291,7 +1299,7 @@
         </pc:cxnChg>
       </pc:sldChg>
       <pc:sldChg chg="addSp modSp mod setBg addAnim modAnim">
-        <pc:chgData name="Matteo MANGILI" userId="89c7df381375e6aa" providerId="LiveId" clId="{002FC19B-B750-46E5-AE6C-2EDFEC68FEF2}" dt="2023-12-02T20:17:28.613" v="1219" actId="255"/>
+        <pc:chgData name="Matteo MANGILI" userId="89c7df381375e6aa" providerId="LiveId" clId="{002FC19B-B750-46E5-AE6C-2EDFEC68FEF2}" dt="2023-12-02T20:43:01.618" v="2173" actId="20577"/>
         <pc:sldMkLst>
           <pc:docMk/>
           <pc:sldMk cId="1581940243" sldId="309"/>
@@ -1305,7 +1313,7 @@
           </ac:spMkLst>
         </pc:spChg>
         <pc:spChg chg="mod">
-          <ac:chgData name="Matteo MANGILI" userId="89c7df381375e6aa" providerId="LiveId" clId="{002FC19B-B750-46E5-AE6C-2EDFEC68FEF2}" dt="2023-12-02T20:17:17.863" v="1218" actId="14100"/>
+          <ac:chgData name="Matteo MANGILI" userId="89c7df381375e6aa" providerId="LiveId" clId="{002FC19B-B750-46E5-AE6C-2EDFEC68FEF2}" dt="2023-12-02T20:43:01.618" v="2173" actId="20577"/>
           <ac:spMkLst>
             <pc:docMk/>
             <pc:sldMk cId="1581940243" sldId="309"/>
@@ -1407,26 +1415,34 @@
           </ac:spMkLst>
         </pc:spChg>
       </pc:sldChg>
-      <pc:sldChg chg="modSp add mod">
-        <pc:chgData name="Matteo MANGILI" userId="89c7df381375e6aa" providerId="LiveId" clId="{002FC19B-B750-46E5-AE6C-2EDFEC68FEF2}" dt="2023-12-02T20:25:10.756" v="1260" actId="255"/>
+      <pc:sldChg chg="addSp delSp modSp add mod">
+        <pc:chgData name="Matteo MANGILI" userId="89c7df381375e6aa" providerId="LiveId" clId="{002FC19B-B750-46E5-AE6C-2EDFEC68FEF2}" dt="2023-12-02T20:35:48.435" v="1633" actId="14100"/>
         <pc:sldMkLst>
           <pc:docMk/>
           <pc:sldMk cId="4188911557" sldId="312"/>
         </pc:sldMkLst>
         <pc:spChg chg="mod">
-          <ac:chgData name="Matteo MANGILI" userId="89c7df381375e6aa" providerId="LiveId" clId="{002FC19B-B750-46E5-AE6C-2EDFEC68FEF2}" dt="2023-12-02T20:23:41.274" v="1253" actId="113"/>
+          <ac:chgData name="Matteo MANGILI" userId="89c7df381375e6aa" providerId="LiveId" clId="{002FC19B-B750-46E5-AE6C-2EDFEC68FEF2}" dt="2023-12-02T20:30:41.127" v="1458" actId="20577"/>
           <ac:spMkLst>
             <pc:docMk/>
             <pc:sldMk cId="4188911557" sldId="312"/>
             <ac:spMk id="2" creationId="{75031FE9-9059-4FE8-B4AC-9771F23A1B89}"/>
           </ac:spMkLst>
         </pc:spChg>
-        <pc:spChg chg="mod">
-          <ac:chgData name="Matteo MANGILI" userId="89c7df381375e6aa" providerId="LiveId" clId="{002FC19B-B750-46E5-AE6C-2EDFEC68FEF2}" dt="2023-12-02T20:25:02.034" v="1258" actId="14100"/>
+        <pc:spChg chg="del mod">
+          <ac:chgData name="Matteo MANGILI" userId="89c7df381375e6aa" providerId="LiveId" clId="{002FC19B-B750-46E5-AE6C-2EDFEC68FEF2}" dt="2023-12-02T20:32:43.465" v="1460"/>
           <ac:spMkLst>
             <pc:docMk/>
             <pc:sldMk cId="4188911557" sldId="312"/>
             <ac:spMk id="4" creationId="{0B9BE06A-2A10-766E-30FB-68BA1AE33F20}"/>
+          </ac:spMkLst>
+        </pc:spChg>
+        <pc:spChg chg="add del">
+          <ac:chgData name="Matteo MANGILI" userId="89c7df381375e6aa" providerId="LiveId" clId="{002FC19B-B750-46E5-AE6C-2EDFEC68FEF2}" dt="2023-12-02T20:34:12.655" v="1537"/>
+          <ac:spMkLst>
+            <pc:docMk/>
+            <pc:sldMk cId="4188911557" sldId="312"/>
+            <ac:spMk id="5" creationId="{8FC71FAA-508C-ECF6-B514-FCD4713DBBF1}"/>
           </ac:spMkLst>
         </pc:spChg>
         <pc:spChg chg="mod">
@@ -1437,6 +1453,30 @@
             <ac:spMk id="82" creationId="{CE36A058-BEC2-4BC5-A467-F2EB2A365051}"/>
           </ac:spMkLst>
         </pc:spChg>
+        <pc:picChg chg="add mod">
+          <ac:chgData name="Matteo MANGILI" userId="89c7df381375e6aa" providerId="LiveId" clId="{002FC19B-B750-46E5-AE6C-2EDFEC68FEF2}" dt="2023-12-02T20:34:37.445" v="1549" actId="14100"/>
+          <ac:picMkLst>
+            <pc:docMk/>
+            <pc:sldMk cId="4188911557" sldId="312"/>
+            <ac:picMk id="3" creationId="{B8057E78-C79B-B48E-DB48-B7F3C18B6C3F}"/>
+          </ac:picMkLst>
+        </pc:picChg>
+        <pc:picChg chg="add mod">
+          <ac:chgData name="Matteo MANGILI" userId="89c7df381375e6aa" providerId="LiveId" clId="{002FC19B-B750-46E5-AE6C-2EDFEC68FEF2}" dt="2023-12-02T20:34:23.235" v="1540" actId="1076"/>
+          <ac:picMkLst>
+            <pc:docMk/>
+            <pc:sldMk cId="4188911557" sldId="312"/>
+            <ac:picMk id="6" creationId="{DE0CC97B-A6DE-8CA6-E657-2E691E6C3F77}"/>
+          </ac:picMkLst>
+        </pc:picChg>
+        <pc:picChg chg="add mod">
+          <ac:chgData name="Matteo MANGILI" userId="89c7df381375e6aa" providerId="LiveId" clId="{002FC19B-B750-46E5-AE6C-2EDFEC68FEF2}" dt="2023-12-02T20:35:48.435" v="1633" actId="14100"/>
+          <ac:picMkLst>
+            <pc:docMk/>
+            <pc:sldMk cId="4188911557" sldId="312"/>
+            <ac:picMk id="7" creationId="{7AE3E7A1-BEDB-D97B-216D-E3415BE206FD}"/>
+          </ac:picMkLst>
+        </pc:picChg>
       </pc:sldChg>
     </pc:docChg>
   </pc:docChgLst>
@@ -15183,18 +15223,137 @@
           </a:bodyPr>
           <a:lstStyle/>
           <a:p>
-            <a:r>
-              <a:rPr lang="it-IT" sz="2200"/>
-              <a:t>Cosa avete usato per implementare</a:t>
-            </a:r>
-          </a:p>
-          <a:p>
-            <a:pPr lvl="1"/>
-            <a:r>
-              <a:rPr lang="it-IT" sz="2200"/>
-              <a:t>Quali parti avete implementato e quali no (ad esempio)</a:t>
-            </a:r>
-            <a:endParaRPr lang="en-US" sz="2200"/>
+            <a:pPr marL="0" indent="0">
+              <a:buNone/>
+            </a:pPr>
+            <a:r>
+              <a:rPr lang="en-US" sz="2200" dirty="0"/>
+              <a:t>Per </a:t>
+            </a:r>
+            <a:r>
+              <a:rPr lang="en-US" sz="2200" dirty="0" err="1"/>
+              <a:t>implementare</a:t>
+            </a:r>
+            <a:r>
+              <a:rPr lang="en-US" sz="2200" dirty="0"/>
+              <a:t> il Progetto </a:t>
+            </a:r>
+            <a:r>
+              <a:rPr lang="en-US" sz="2200" dirty="0" err="1"/>
+              <a:t>abbiamo</a:t>
+            </a:r>
+            <a:r>
+              <a:rPr lang="en-US" sz="2200" dirty="0"/>
+              <a:t> </a:t>
+            </a:r>
+            <a:r>
+              <a:rPr lang="en-US" sz="2200" dirty="0" err="1"/>
+              <a:t>dovuto</a:t>
+            </a:r>
+            <a:r>
+              <a:rPr lang="en-US" sz="2200" dirty="0"/>
+              <a:t> </a:t>
+            </a:r>
+            <a:r>
+              <a:rPr lang="en-US" sz="2200" dirty="0" err="1"/>
+              <a:t>specificare</a:t>
+            </a:r>
+            <a:r>
+              <a:rPr lang="en-US" sz="2200" dirty="0"/>
+              <a:t> </a:t>
+            </a:r>
+            <a:r>
+              <a:rPr lang="en-US" sz="2200" dirty="0" err="1"/>
+              <a:t>diversi</a:t>
+            </a:r>
+            <a:r>
+              <a:rPr lang="en-US" sz="2200" dirty="0"/>
+              <a:t> </a:t>
+            </a:r>
+            <a:r>
+              <a:rPr lang="en-US" sz="2200" dirty="0" err="1"/>
+              <a:t>punti</a:t>
+            </a:r>
+            <a:r>
+              <a:rPr lang="en-US" sz="2200" dirty="0"/>
+              <a:t> da </a:t>
+            </a:r>
+            <a:r>
+              <a:rPr lang="en-US" sz="2200" dirty="0" err="1"/>
+              <a:t>soddisfare</a:t>
+            </a:r>
+            <a:r>
+              <a:rPr lang="en-US" sz="2200" dirty="0"/>
+              <a:t> per la </a:t>
+            </a:r>
+            <a:r>
+              <a:rPr lang="en-US" sz="2200" dirty="0" err="1"/>
+              <a:t>riuscita</a:t>
+            </a:r>
+            <a:r>
+              <a:rPr lang="en-US" sz="2200" dirty="0"/>
+              <a:t> del software</a:t>
+            </a:r>
+          </a:p>
+          <a:p>
+            <a:pPr>
+              <a:buFont typeface="Wingdings" panose="05000000000000000000" pitchFamily="2" charset="2"/>
+              <a:buChar char="Ø"/>
+            </a:pPr>
+            <a:r>
+              <a:rPr lang="en-US" sz="2200" dirty="0" err="1"/>
+              <a:t>Registrazione</a:t>
+            </a:r>
+            <a:endParaRPr lang="en-US" sz="2200" dirty="0"/>
+          </a:p>
+          <a:p>
+            <a:pPr>
+              <a:buFont typeface="Wingdings" panose="05000000000000000000" pitchFamily="2" charset="2"/>
+              <a:buChar char="Ø"/>
+            </a:pPr>
+            <a:r>
+              <a:rPr lang="en-US" sz="2200" dirty="0" err="1"/>
+              <a:t>Autentiticazione</a:t>
+            </a:r>
+            <a:endParaRPr lang="en-US" sz="2200" dirty="0"/>
+          </a:p>
+          <a:p>
+            <a:pPr>
+              <a:buFont typeface="Wingdings" panose="05000000000000000000" pitchFamily="2" charset="2"/>
+              <a:buChar char="Ø"/>
+            </a:pPr>
+            <a:r>
+              <a:rPr lang="en-US" sz="2200" dirty="0" err="1"/>
+              <a:t>Iscrizione</a:t>
+            </a:r>
+            <a:r>
+              <a:rPr lang="en-US" sz="2200" dirty="0"/>
+              <a:t> </a:t>
+            </a:r>
+            <a:r>
+              <a:rPr lang="en-US" sz="2200" dirty="0" err="1"/>
+              <a:t>alla</a:t>
+            </a:r>
+            <a:r>
+              <a:rPr lang="en-US" sz="2200" dirty="0"/>
+              <a:t> Lista </a:t>
+            </a:r>
+            <a:r>
+              <a:rPr lang="en-US" sz="2200" dirty="0" err="1"/>
+              <a:t>Graduatoria</a:t>
+            </a:r>
+            <a:endParaRPr lang="en-US" sz="2200" dirty="0"/>
+          </a:p>
+          <a:p>
+            <a:pPr>
+              <a:buFont typeface="Wingdings" panose="05000000000000000000" pitchFamily="2" charset="2"/>
+              <a:buChar char="Ø"/>
+            </a:pPr>
+            <a:r>
+              <a:rPr lang="en-US" sz="2200"/>
+              <a:t>Verbale Medico</a:t>
+            </a:r>
+            <a:endParaRPr lang="en-US" sz="2200" dirty="0"/>
           </a:p>
         </p:txBody>
       </p:sp>
@@ -15371,9 +15530,10 @@
           <a:lstStyle/>
           <a:p>
             <a:r>
-              <a:rPr lang="en-US" sz="5400" b="1" dirty="0"/>
-              <a:t>DEMO</a:t>
-            </a:r>
+              <a:rPr lang="en-US" sz="5400" b="1" dirty="0" err="1"/>
+              <a:t>Dimostrazione</a:t>
+            </a:r>
+            <a:endParaRPr lang="en-US" sz="5400" b="1" dirty="0"/>
           </a:p>
         </p:txBody>
       </p:sp>
@@ -19655,68 +19815,115 @@
           <a:lstStyle/>
           <a:p>
             <a:r>
-              <a:rPr lang="en-US" sz="2200"/>
-              <a:t>Quali</a:t>
+              <a:rPr lang="en-US" sz="2200" dirty="0" err="1"/>
+              <a:t>Coordinamento</a:t>
             </a:r>
             <a:r>
               <a:rPr lang="en-US" sz="2200" dirty="0"/>
               <a:t> </a:t>
             </a:r>
             <a:r>
-              <a:rPr lang="en-US" sz="2200"/>
-              <a:t>difficoltà</a:t>
+              <a:rPr lang="en-US" sz="2200" dirty="0" err="1"/>
+              <a:t>tra</a:t>
             </a:r>
             <a:r>
               <a:rPr lang="en-US" sz="2200" dirty="0"/>
               <a:t> </a:t>
             </a:r>
             <a:r>
-              <a:rPr lang="en-US" sz="2200"/>
-              <a:t>avete</a:t>
+              <a:rPr lang="en-US" sz="2200" dirty="0" err="1"/>
+              <a:t>i</a:t>
+            </a:r>
+            <a:r>
+              <a:rPr lang="en-US" sz="2200" dirty="0"/>
+              <a:t> component del team </a:t>
+            </a:r>
+          </a:p>
+          <a:p>
+            <a:endParaRPr lang="en-US" sz="2200" dirty="0"/>
+          </a:p>
+          <a:p>
+            <a:r>
+              <a:rPr lang="en-US" sz="2200" dirty="0" err="1"/>
+              <a:t>Difficoltà</a:t>
             </a:r>
             <a:r>
               <a:rPr lang="en-US" sz="2200" dirty="0"/>
               <a:t> </a:t>
             </a:r>
             <a:r>
-              <a:rPr lang="en-US" sz="2200"/>
-              <a:t>incontrato</a:t>
+              <a:rPr lang="en-US" sz="2200" dirty="0" err="1"/>
+              <a:t>nell’ottenere</a:t>
+            </a:r>
+            <a:r>
+              <a:rPr lang="en-US" sz="2200" dirty="0"/>
+              <a:t> un </a:t>
+            </a:r>
+            <a:r>
+              <a:rPr lang="en-US" sz="2200" dirty="0" err="1"/>
+              <a:t>programma</a:t>
+            </a:r>
+            <a:r>
+              <a:rPr lang="en-US" sz="2200" dirty="0"/>
+              <a:t> software </a:t>
+            </a:r>
+            <a:r>
+              <a:rPr lang="en-US" sz="2200" dirty="0" err="1"/>
+              <a:t>che</a:t>
             </a:r>
             <a:r>
               <a:rPr lang="en-US" sz="2200" dirty="0"/>
               <a:t> </a:t>
             </a:r>
             <a:r>
-              <a:rPr lang="en-US" sz="2200"/>
-              <a:t>durante</a:t>
+              <a:rPr lang="en-US" sz="2200" dirty="0" err="1"/>
+              <a:t>rispondesse</a:t>
             </a:r>
             <a:r>
               <a:rPr lang="en-US" sz="2200" dirty="0"/>
-              <a:t> il </a:t>
-            </a:r>
-            <a:r>
-              <a:rPr lang="en-US" sz="2200"/>
-              <a:t>progetto</a:t>
+              <a:t> ai </a:t>
+            </a:r>
+            <a:r>
+              <a:rPr lang="en-US" sz="2200" dirty="0" err="1"/>
+              <a:t>vari</a:t>
             </a:r>
             <a:r>
               <a:rPr lang="en-US" sz="2200" dirty="0"/>
-              <a:t> (</a:t>
-            </a:r>
-            <a:r>
-              <a:rPr lang="en-US" sz="2200"/>
-              <a:t>comunicazione</a:t>
+              <a:t> </a:t>
+            </a:r>
+            <a:r>
+              <a:rPr lang="en-US" sz="2200" dirty="0" err="1"/>
+              <a:t>punti</a:t>
             </a:r>
             <a:r>
               <a:rPr lang="en-US" sz="2200" dirty="0"/>
-              <a:t>, </a:t>
-            </a:r>
-            <a:r>
-              <a:rPr lang="en-US" sz="2200"/>
-              <a:t>utilizzo</a:t>
+              <a:t> del </a:t>
+            </a:r>
+            <a:r>
+              <a:rPr lang="en-US" sz="2200" dirty="0" err="1"/>
+              <a:t>problema</a:t>
+            </a:r>
+            <a:endParaRPr lang="en-US" sz="2200" dirty="0"/>
+          </a:p>
+          <a:p>
+            <a:endParaRPr lang="en-US" sz="2200" dirty="0"/>
+          </a:p>
+          <a:p>
+            <a:r>
+              <a:rPr lang="en-US" sz="2200" dirty="0" err="1"/>
+              <a:t>Conflitto</a:t>
             </a:r>
             <a:r>
               <a:rPr lang="en-US" sz="2200" dirty="0"/>
-              <a:t> tool,….)</a:t>
+              <a:t> </a:t>
+            </a:r>
+            <a:r>
+              <a:rPr lang="en-US" sz="2200" dirty="0" err="1"/>
+              <a:t>nell’utilizzo</a:t>
+            </a:r>
+            <a:r>
+              <a:rPr lang="en-US" sz="2200" dirty="0"/>
+              <a:t> di GitHub </a:t>
             </a:r>
           </a:p>
         </p:txBody>
@@ -19889,7 +20096,7 @@
         </p:spPr>
         <p:txBody>
           <a:bodyPr vert="horz" lIns="91440" tIns="45720" rIns="91440" bIns="45720" rtlCol="0">
-            <a:normAutofit fontScale="90000"/>
+            <a:normAutofit/>
           </a:bodyPr>
           <a:lstStyle/>
           <a:p>
@@ -19908,40 +20115,7 @@
                 <a:ea typeface="+mj-ea"/>
                 <a:cs typeface="+mj-cs"/>
               </a:rPr>
-              <a:t>Paradigma di programmazione/</a:t>
-            </a:r>
-            <a:br>
-              <a:rPr kumimoji="0" lang="it-IT" sz="5400" b="1" i="0" u="none" strike="noStrike" kern="1200" cap="none" spc="0" normalizeH="0" baseline="0" noProof="0" dirty="0">
-                <a:ln>
-                  <a:noFill/>
-                </a:ln>
-                <a:solidFill>
-                  <a:prstClr val="black"/>
-                </a:solidFill>
-                <a:effectLst/>
-                <a:uLnTx/>
-                <a:uFillTx/>
-                <a:latin typeface="Calibri Light" panose="020F0302020204030204"/>
-                <a:ea typeface="+mj-ea"/>
-                <a:cs typeface="+mj-cs"/>
-              </a:rPr>
-            </a:br>
-            <a:r>
-              <a:rPr kumimoji="0" lang="it-IT" sz="5400" b="1" i="0" u="none" strike="noStrike" kern="1200" cap="none" spc="0" normalizeH="0" baseline="0" noProof="0" dirty="0">
-                <a:ln>
-                  <a:noFill/>
-                </a:ln>
-                <a:solidFill>
-                  <a:prstClr val="black"/>
-                </a:solidFill>
-                <a:effectLst/>
-                <a:uLnTx/>
-                <a:uFillTx/>
-                <a:latin typeface="Calibri Light" panose="020F0302020204030204"/>
-                <a:ea typeface="+mj-ea"/>
-                <a:cs typeface="+mj-cs"/>
-              </a:rPr>
-              <a:t>modellazione utilizzato e tools</a:t>
+              <a:t>Paradigma di programmazione</a:t>
             </a:r>
             <a:endParaRPr lang="en-US" sz="5400" b="1" dirty="0"/>
           </a:p>
@@ -20585,101 +20759,38 @@
           </a:p>
         </p:txBody>
       </p:sp>
-      <p:sp>
-        <p:nvSpPr>
-          <p:cNvPr id="4" name="Content Placeholder 3">
+      <p:pic>
+        <p:nvPicPr>
+          <p:cNvPr id="3" name="Segnaposto contenuto 2">
             <a:extLst>
               <a:ext uri="{FF2B5EF4-FFF2-40B4-BE49-F238E27FC236}">
-                <a16:creationId xmlns:a16="http://schemas.microsoft.com/office/drawing/2014/main" id="{0B9BE06A-2A10-766E-30FB-68BA1AE33F20}"/>
+                <a16:creationId xmlns:a16="http://schemas.microsoft.com/office/drawing/2014/main" id="{B8057E78-C79B-B48E-DB48-B7F3C18B6C3F}"/>
               </a:ext>
             </a:extLst>
           </p:cNvPr>
-          <p:cNvSpPr>
-            <a:spLocks noGrp="1"/>
-          </p:cNvSpPr>
+          <p:cNvPicPr>
+            <a:picLocks noGrp="1" noChangeAspect="1"/>
+          </p:cNvPicPr>
           <p:nvPr>
             <p:ph idx="1"/>
           </p:nvPr>
-        </p:nvSpPr>
+        </p:nvPicPr>
+        <p:blipFill>
+          <a:blip r:embed="rId3"/>
+          <a:stretch>
+            <a:fillRect/>
+          </a:stretch>
+        </p:blipFill>
         <p:spPr>
           <a:xfrm>
-            <a:off x="838200" y="1929384"/>
-            <a:ext cx="10515600" cy="3977267"/>
+            <a:off x="581899" y="1928061"/>
+            <a:ext cx="2833105" cy="2376000"/>
           </a:xfrm>
+          <a:prstGeom prst="rect">
+            <a:avLst/>
+          </a:prstGeom>
         </p:spPr>
-        <p:txBody>
-          <a:bodyPr vert="horz" lIns="91440" tIns="45720" rIns="91440" bIns="45720" rtlCol="0">
-            <a:normAutofit/>
-          </a:bodyPr>
-          <a:lstStyle/>
-          <a:p>
-            <a:r>
-              <a:rPr lang="en-US" sz="2200"/>
-              <a:t>Quali</a:t>
-            </a:r>
-            <a:r>
-              <a:rPr lang="en-US" sz="2200" dirty="0"/>
-              <a:t> </a:t>
-            </a:r>
-            <a:r>
-              <a:rPr lang="en-US" sz="2200"/>
-              <a:t>difficoltà</a:t>
-            </a:r>
-            <a:r>
-              <a:rPr lang="en-US" sz="2200" dirty="0"/>
-              <a:t> </a:t>
-            </a:r>
-            <a:r>
-              <a:rPr lang="en-US" sz="2200"/>
-              <a:t>avete</a:t>
-            </a:r>
-            <a:r>
-              <a:rPr lang="en-US" sz="2200" dirty="0"/>
-              <a:t> </a:t>
-            </a:r>
-            <a:r>
-              <a:rPr lang="en-US" sz="2200"/>
-              <a:t>incontrato</a:t>
-            </a:r>
-            <a:r>
-              <a:rPr lang="en-US" sz="2200" dirty="0"/>
-              <a:t> </a:t>
-            </a:r>
-            <a:r>
-              <a:rPr lang="en-US" sz="2200"/>
-              <a:t>durante</a:t>
-            </a:r>
-            <a:r>
-              <a:rPr lang="en-US" sz="2200" dirty="0"/>
-              <a:t> il </a:t>
-            </a:r>
-            <a:r>
-              <a:rPr lang="en-US" sz="2200"/>
-              <a:t>progetto</a:t>
-            </a:r>
-            <a:r>
-              <a:rPr lang="en-US" sz="2200" dirty="0"/>
-              <a:t> (</a:t>
-            </a:r>
-            <a:r>
-              <a:rPr lang="en-US" sz="2200"/>
-              <a:t>comunicazione</a:t>
-            </a:r>
-            <a:r>
-              <a:rPr lang="en-US" sz="2200" dirty="0"/>
-              <a:t>, </a:t>
-            </a:r>
-            <a:r>
-              <a:rPr lang="en-US" sz="2200"/>
-              <a:t>utilizzo</a:t>
-            </a:r>
-            <a:r>
-              <a:rPr lang="en-US" sz="2200" dirty="0"/>
-              <a:t> tool,….)</a:t>
-            </a:r>
-          </a:p>
-        </p:txBody>
-      </p:sp>
+      </p:pic>
       <p:sp>
         <p:nvSpPr>
           <p:cNvPr id="82" name="Segnaposto numero diapositiva 81">
@@ -20726,6 +20837,66 @@
           </a:p>
         </p:txBody>
       </p:sp>
+      <p:pic>
+        <p:nvPicPr>
+          <p:cNvPr id="6" name="Immagine 5">
+            <a:extLst>
+              <a:ext uri="{FF2B5EF4-FFF2-40B4-BE49-F238E27FC236}">
+                <a16:creationId xmlns:a16="http://schemas.microsoft.com/office/drawing/2014/main" id="{DE0CC97B-A6DE-8CA6-E657-2E691E6C3F77}"/>
+              </a:ext>
+            </a:extLst>
+          </p:cNvPr>
+          <p:cNvPicPr>
+            <a:picLocks noChangeAspect="1"/>
+          </p:cNvPicPr>
+          <p:nvPr/>
+        </p:nvPicPr>
+        <p:blipFill>
+          <a:blip r:embed="rId4"/>
+          <a:stretch>
+            <a:fillRect/>
+          </a:stretch>
+        </p:blipFill>
+        <p:spPr>
+          <a:xfrm>
+            <a:off x="3901782" y="2057360"/>
+            <a:ext cx="2438400" cy="2438400"/>
+          </a:xfrm>
+          <a:prstGeom prst="rect">
+            <a:avLst/>
+          </a:prstGeom>
+        </p:spPr>
+      </p:pic>
+      <p:pic>
+        <p:nvPicPr>
+          <p:cNvPr id="7" name="Immagine 6">
+            <a:extLst>
+              <a:ext uri="{FF2B5EF4-FFF2-40B4-BE49-F238E27FC236}">
+                <a16:creationId xmlns:a16="http://schemas.microsoft.com/office/drawing/2014/main" id="{7AE3E7A1-BEDB-D97B-216D-E3415BE206FD}"/>
+              </a:ext>
+            </a:extLst>
+          </p:cNvPr>
+          <p:cNvPicPr>
+            <a:picLocks noChangeAspect="1"/>
+          </p:cNvPicPr>
+          <p:nvPr/>
+        </p:nvPicPr>
+        <p:blipFill>
+          <a:blip r:embed="rId5"/>
+          <a:stretch>
+            <a:fillRect/>
+          </a:stretch>
+        </p:blipFill>
+        <p:spPr>
+          <a:xfrm>
+            <a:off x="7389845" y="2000061"/>
+            <a:ext cx="2448000" cy="2448000"/>
+          </a:xfrm>
+          <a:prstGeom prst="rect">
+            <a:avLst/>
+          </a:prstGeom>
+        </p:spPr>
+      </p:pic>
     </p:spTree>
     <p:extLst>
       <p:ext uri="{BB962C8B-B14F-4D97-AF65-F5344CB8AC3E}">
@@ -21526,9 +21697,12 @@
           </a:bodyPr>
           <a:lstStyle/>
           <a:p>
+            <a:pPr marL="0" indent="0">
+              <a:buNone/>
+            </a:pPr>
             <a:r>
               <a:rPr lang="it-IT" sz="2200" dirty="0"/>
-              <a:t>Quale tool avete usato per software </a:t>
+              <a:t>Per il software </a:t>
             </a:r>
             <a:r>
               <a:rPr lang="it-IT" sz="2200" dirty="0" err="1"/>
@@ -21536,15 +21710,8 @@
             </a:r>
             <a:r>
               <a:rPr lang="it-IT" sz="2200" dirty="0"/>
-              <a:t> management (GitHub,….????)</a:t>
-            </a:r>
-          </a:p>
-          <a:p>
-            <a:r>
-              <a:rPr lang="it-IT" sz="2200" dirty="0"/>
-              <a:t>Come lo avete usato?</a:t>
-            </a:r>
-            <a:endParaRPr lang="en-US" sz="2200" dirty="0"/>
+              <a:t> management è stato utilizzato GitHub come programma principale</a:t>
+            </a:r>
           </a:p>
         </p:txBody>
       </p:sp>
@@ -23268,21 +23435,324 @@
         </p:nvSpPr>
         <p:spPr>
           <a:xfrm>
-            <a:off x="838200" y="1929384"/>
-            <a:ext cx="10515600" cy="3729990"/>
+            <a:off x="499872" y="1929384"/>
+            <a:ext cx="10853928" cy="4648698"/>
           </a:xfrm>
         </p:spPr>
         <p:txBody>
           <a:bodyPr vert="horz" lIns="91440" tIns="45720" rIns="91440" bIns="45720" rtlCol="0">
-            <a:normAutofit/>
+            <a:normAutofit lnSpcReduction="10000"/>
           </a:bodyPr>
           <a:lstStyle/>
           <a:p>
-            <a:r>
-              <a:rPr lang="it-IT" sz="2200" dirty="0">
+            <a:pPr marL="0" indent="0">
+              <a:buNone/>
+            </a:pPr>
+            <a:r>
+              <a:rPr lang="en-US" sz="2200" dirty="0">
                 <a:cs typeface="Calibri"/>
               </a:rPr>
-              <a:t>Spiegare come avete estratto i requisiti e dove li avete specificati</a:t>
+              <a:t>Le </a:t>
+            </a:r>
+            <a:r>
+              <a:rPr lang="en-US" sz="2200" dirty="0" err="1">
+                <a:cs typeface="Calibri"/>
+              </a:rPr>
+              <a:t>informazioni</a:t>
+            </a:r>
+            <a:r>
+              <a:rPr lang="en-US" sz="2200" dirty="0">
+                <a:cs typeface="Calibri"/>
+              </a:rPr>
+              <a:t> </a:t>
+            </a:r>
+            <a:r>
+              <a:rPr lang="en-US" sz="2200" dirty="0" err="1">
+                <a:cs typeface="Calibri"/>
+              </a:rPr>
+              <a:t>generali</a:t>
+            </a:r>
+            <a:r>
+              <a:rPr lang="en-US" sz="2200" dirty="0">
+                <a:cs typeface="Calibri"/>
+              </a:rPr>
+              <a:t> per </a:t>
+            </a:r>
+            <a:r>
+              <a:rPr lang="en-US" sz="2200" dirty="0" err="1">
+                <a:cs typeface="Calibri"/>
+              </a:rPr>
+              <a:t>lavorare</a:t>
+            </a:r>
+            <a:r>
+              <a:rPr lang="en-US" sz="2200" dirty="0">
+                <a:cs typeface="Calibri"/>
+              </a:rPr>
+              <a:t> al Sistema le </a:t>
+            </a:r>
+            <a:r>
+              <a:rPr lang="en-US" sz="2200" dirty="0" err="1">
+                <a:cs typeface="Calibri"/>
+              </a:rPr>
+              <a:t>abbiamo</a:t>
+            </a:r>
+            <a:r>
+              <a:rPr lang="en-US" sz="2200" dirty="0">
+                <a:cs typeface="Calibri"/>
+              </a:rPr>
+              <a:t> prese da </a:t>
+            </a:r>
+            <a:r>
+              <a:rPr lang="en-US" sz="2200" dirty="0" err="1">
+                <a:cs typeface="Calibri"/>
+              </a:rPr>
+              <a:t>un’intervista</a:t>
+            </a:r>
+            <a:r>
+              <a:rPr lang="en-US" sz="2200" dirty="0">
+                <a:cs typeface="Calibri"/>
+              </a:rPr>
+              <a:t> </a:t>
+            </a:r>
+            <a:r>
+              <a:rPr lang="en-US" sz="2200" dirty="0" err="1">
+                <a:cs typeface="Calibri"/>
+              </a:rPr>
+              <a:t>effettuata</a:t>
+            </a:r>
+            <a:r>
+              <a:rPr lang="en-US" sz="2200" dirty="0">
+                <a:cs typeface="Calibri"/>
+              </a:rPr>
+              <a:t> dal </a:t>
+            </a:r>
+            <a:r>
+              <a:rPr lang="en-US" sz="2200" dirty="0" err="1">
+                <a:cs typeface="Calibri"/>
+              </a:rPr>
+              <a:t>responsabile</a:t>
+            </a:r>
+            <a:r>
+              <a:rPr lang="en-US" sz="2200" dirty="0">
+                <a:cs typeface="Calibri"/>
+              </a:rPr>
+              <a:t> </a:t>
+            </a:r>
+            <a:r>
+              <a:rPr lang="en-US" sz="2200" dirty="0" err="1">
+                <a:cs typeface="Calibri"/>
+              </a:rPr>
+              <a:t>Cattaneo</a:t>
+            </a:r>
+            <a:r>
+              <a:rPr lang="en-US" sz="2200" dirty="0">
+                <a:cs typeface="Calibri"/>
+              </a:rPr>
+              <a:t> verso </a:t>
+            </a:r>
+            <a:r>
+              <a:rPr lang="en-US" sz="2200" dirty="0" err="1">
+                <a:cs typeface="Calibri"/>
+              </a:rPr>
+              <a:t>un’infermiera</a:t>
+            </a:r>
+            <a:r>
+              <a:rPr lang="en-US" sz="2200" dirty="0">
+                <a:cs typeface="Calibri"/>
+              </a:rPr>
+              <a:t> </a:t>
+            </a:r>
+            <a:r>
+              <a:rPr lang="en-US" sz="2200" dirty="0" err="1">
+                <a:cs typeface="Calibri"/>
+              </a:rPr>
+              <a:t>dell’Ospedale</a:t>
+            </a:r>
+            <a:r>
+              <a:rPr lang="en-US" sz="2200" dirty="0">
+                <a:cs typeface="Calibri"/>
+              </a:rPr>
+              <a:t> Papa Giovanni XXIII di Bergamo (BG).</a:t>
+            </a:r>
+          </a:p>
+          <a:p>
+            <a:pPr marL="0" indent="0">
+              <a:buNone/>
+            </a:pPr>
+            <a:endParaRPr lang="en-US" sz="2200" dirty="0">
+              <a:cs typeface="Calibri"/>
+            </a:endParaRPr>
+          </a:p>
+          <a:p>
+            <a:pPr marL="0" indent="0">
+              <a:buNone/>
+            </a:pPr>
+            <a:r>
+              <a:rPr lang="en-US" sz="2200" b="1" dirty="0" err="1">
+                <a:cs typeface="Calibri"/>
+              </a:rPr>
+              <a:t>Requisiti</a:t>
+            </a:r>
+            <a:r>
+              <a:rPr lang="en-US" sz="2200" b="1" dirty="0">
+                <a:cs typeface="Calibri"/>
+              </a:rPr>
+              <a:t> </a:t>
+            </a:r>
+            <a:r>
+              <a:rPr lang="en-US" sz="2200" b="1" dirty="0" err="1">
+                <a:cs typeface="Calibri"/>
+              </a:rPr>
+              <a:t>funzionali</a:t>
+            </a:r>
+            <a:r>
+              <a:rPr lang="en-US" sz="2200" b="1" dirty="0">
+                <a:cs typeface="Calibri"/>
+              </a:rPr>
+              <a:t>:</a:t>
+            </a:r>
+          </a:p>
+          <a:p>
+            <a:r>
+              <a:rPr lang="en-US" sz="2200" dirty="0" err="1">
+                <a:cs typeface="Calibri"/>
+              </a:rPr>
+              <a:t>Funzionalità</a:t>
+            </a:r>
+            <a:r>
+              <a:rPr lang="en-US" sz="2200" dirty="0">
+                <a:cs typeface="Calibri"/>
+              </a:rPr>
+              <a:t> del Sistema</a:t>
+            </a:r>
+          </a:p>
+          <a:p>
+            <a:r>
+              <a:rPr lang="en-US" sz="2200" dirty="0" err="1">
+                <a:cs typeface="Calibri"/>
+              </a:rPr>
+              <a:t>Corretta</a:t>
+            </a:r>
+            <a:r>
+              <a:rPr lang="en-US" sz="2200" dirty="0">
+                <a:cs typeface="Calibri"/>
+              </a:rPr>
+              <a:t> </a:t>
+            </a:r>
+            <a:r>
+              <a:rPr lang="en-US" sz="2200" dirty="0" err="1">
+                <a:cs typeface="Calibri"/>
+              </a:rPr>
+              <a:t>Correlazione</a:t>
+            </a:r>
+            <a:r>
+              <a:rPr lang="en-US" sz="2200" dirty="0">
+                <a:cs typeface="Calibri"/>
+              </a:rPr>
+              <a:t> </a:t>
+            </a:r>
+            <a:r>
+              <a:rPr lang="en-US" sz="2200" dirty="0" err="1">
+                <a:cs typeface="Calibri"/>
+              </a:rPr>
+              <a:t>tra</a:t>
+            </a:r>
+            <a:r>
+              <a:rPr lang="en-US" sz="2200" dirty="0">
+                <a:cs typeface="Calibri"/>
+              </a:rPr>
+              <a:t> le </a:t>
+            </a:r>
+            <a:r>
+              <a:rPr lang="en-US" sz="2200" dirty="0" err="1">
+                <a:cs typeface="Calibri"/>
+              </a:rPr>
+              <a:t>varie</a:t>
+            </a:r>
+            <a:r>
+              <a:rPr lang="en-US" sz="2200" dirty="0">
+                <a:cs typeface="Calibri"/>
+              </a:rPr>
+              <a:t> </a:t>
+            </a:r>
+            <a:r>
+              <a:rPr lang="en-US" sz="2200" dirty="0" err="1">
+                <a:cs typeface="Calibri"/>
+              </a:rPr>
+              <a:t>classi</a:t>
+            </a:r>
+            <a:r>
+              <a:rPr lang="en-US" sz="2200" dirty="0">
+                <a:cs typeface="Calibri"/>
+              </a:rPr>
+              <a:t> del Sistema</a:t>
+            </a:r>
+          </a:p>
+          <a:p>
+            <a:pPr marL="0" indent="0">
+              <a:buNone/>
+            </a:pPr>
+            <a:endParaRPr lang="en-US" sz="2200" dirty="0">
+              <a:cs typeface="Calibri"/>
+            </a:endParaRPr>
+          </a:p>
+          <a:p>
+            <a:pPr marL="0" indent="0">
+              <a:buNone/>
+            </a:pPr>
+            <a:r>
+              <a:rPr lang="en-US" sz="2200" b="1" dirty="0" err="1">
+                <a:cs typeface="Calibri"/>
+              </a:rPr>
+              <a:t>Requisiti</a:t>
+            </a:r>
+            <a:r>
+              <a:rPr lang="en-US" sz="2200" b="1" dirty="0">
+                <a:cs typeface="Calibri"/>
+              </a:rPr>
+              <a:t> non </a:t>
+            </a:r>
+            <a:r>
+              <a:rPr lang="en-US" sz="2200" b="1" dirty="0" err="1">
+                <a:cs typeface="Calibri"/>
+              </a:rPr>
+              <a:t>funzionali</a:t>
+            </a:r>
+            <a:endParaRPr lang="en-US" sz="2200" b="1" dirty="0">
+              <a:cs typeface="Calibri"/>
+            </a:endParaRPr>
+          </a:p>
+          <a:p>
+            <a:r>
+              <a:rPr lang="en-US" sz="2200" dirty="0" err="1">
+                <a:cs typeface="Calibri"/>
+              </a:rPr>
+              <a:t>Accessibilità</a:t>
+            </a:r>
+            <a:endParaRPr lang="en-US" sz="2200" dirty="0">
+              <a:cs typeface="Calibri"/>
+            </a:endParaRPr>
+          </a:p>
+          <a:p>
+            <a:r>
+              <a:rPr lang="en-US" sz="2200" dirty="0" err="1">
+                <a:cs typeface="Calibri"/>
+              </a:rPr>
+              <a:t>Sicurezza</a:t>
+            </a:r>
+            <a:r>
+              <a:rPr lang="en-US" sz="2200" dirty="0">
+                <a:cs typeface="Calibri"/>
+              </a:rPr>
+              <a:t> del Sistema</a:t>
+            </a:r>
+          </a:p>
+          <a:p>
+            <a:r>
+              <a:rPr lang="en-US" sz="2200" dirty="0" err="1">
+                <a:cs typeface="Calibri"/>
+              </a:rPr>
+              <a:t>Qualità</a:t>
             </a:r>
             <a:endParaRPr lang="en-US" sz="2200" dirty="0">
               <a:cs typeface="Calibri"/>
@@ -24108,42 +24578,38 @@
           </a:p>
         </p:txBody>
       </p:sp>
-      <p:sp>
-        <p:nvSpPr>
-          <p:cNvPr id="4" name="Content Placeholder 3">
+      <p:pic>
+        <p:nvPicPr>
+          <p:cNvPr id="3" name="Segnaposto contenuto 2">
             <a:extLst>
               <a:ext uri="{FF2B5EF4-FFF2-40B4-BE49-F238E27FC236}">
-                <a16:creationId xmlns:a16="http://schemas.microsoft.com/office/drawing/2014/main" id="{49E5AF19-2813-23F3-53D8-44D5983D20DA}"/>
+                <a16:creationId xmlns:a16="http://schemas.microsoft.com/office/drawing/2014/main" id="{DF52D774-0AF5-3D21-AF89-908B316763E3}"/>
               </a:ext>
             </a:extLst>
           </p:cNvPr>
-          <p:cNvSpPr>
-            <a:spLocks noGrp="1"/>
-          </p:cNvSpPr>
+          <p:cNvPicPr>
+            <a:picLocks noGrp="1" noChangeAspect="1"/>
+          </p:cNvPicPr>
           <p:nvPr>
             <p:ph idx="1"/>
           </p:nvPr>
-        </p:nvSpPr>
+        </p:nvPicPr>
+        <p:blipFill>
+          <a:blip r:embed="rId3"/>
+          <a:stretch>
+            <a:fillRect/>
+          </a:stretch>
+        </p:blipFill>
         <p:spPr>
           <a:xfrm>
-            <a:off x="838200" y="1929384"/>
-            <a:ext cx="10515600" cy="3605403"/>
+            <a:off x="838200" y="1978430"/>
+            <a:ext cx="4200525" cy="1714500"/>
           </a:xfrm>
+          <a:prstGeom prst="rect">
+            <a:avLst/>
+          </a:prstGeom>
         </p:spPr>
-        <p:txBody>
-          <a:bodyPr>
-            <a:normAutofit/>
-          </a:bodyPr>
-          <a:lstStyle/>
-          <a:p>
-            <a:r>
-              <a:rPr lang="it-IT" sz="2200" dirty="0"/>
-              <a:t>Spiegare lo stile architetturale utilizzato</a:t>
-            </a:r>
-            <a:endParaRPr lang="en-US" sz="2200" dirty="0"/>
-          </a:p>
-        </p:txBody>
-      </p:sp>
+      </p:pic>
       <p:sp>
         <p:nvSpPr>
           <p:cNvPr id="82" name="Segnaposto numero diapositiva 81">
@@ -25949,15 +26415,6 @@
 </file>
 
 <file path=customXml/item1.xml><?xml version="1.0" encoding="utf-8"?>
-<?mso-contentType ?>
-<FormTemplates xmlns="http://schemas.microsoft.com/sharepoint/v3/contenttype/forms">
-  <Display>DocumentLibraryForm</Display>
-  <Edit>DocumentLibraryForm</Edit>
-  <New>DocumentLibraryForm</New>
-</FormTemplates>
-</file>
-
-<file path=customXml/item2.xml><?xml version="1.0" encoding="utf-8"?>
 <ct:contentTypeSchema xmlns:ct="http://schemas.microsoft.com/office/2006/metadata/contentType" xmlns:ma="http://schemas.microsoft.com/office/2006/metadata/properties/metaAttributes" ct:_="" ma:_="" ma:contentTypeName="Documento" ma:contentTypeID="0x0101007CE6213B20D2F945B0D1473923EE410F" ma:contentTypeVersion="7" ma:contentTypeDescription="Creare un nuovo documento." ma:contentTypeScope="" ma:versionID="dc8ac43e96b461727accd63cf925a5cf">
   <xsd:schema xmlns:xsd="http://www.w3.org/2001/XMLSchema" xmlns:xs="http://www.w3.org/2001/XMLSchema" xmlns:p="http://schemas.microsoft.com/office/2006/metadata/properties" xmlns:ns2="243f3390-b919-40e8-8195-3613e8527352" targetNamespace="http://schemas.microsoft.com/office/2006/metadata/properties" ma:root="true" ma:fieldsID="1987007e621e1b24d40e437f012b913d" ns2:_="">
     <xsd:import namespace="243f3390-b919-40e8-8195-3613e8527352"/>
@@ -26119,6 +26576,15 @@
 </ct:contentTypeSchema>
 </file>
 
+<file path=customXml/item2.xml><?xml version="1.0" encoding="utf-8"?>
+<?mso-contentType ?>
+<FormTemplates xmlns="http://schemas.microsoft.com/sharepoint/v3/contenttype/forms">
+  <Display>DocumentLibraryForm</Display>
+  <Edit>DocumentLibraryForm</Edit>
+  <New>DocumentLibraryForm</New>
+</FormTemplates>
+</file>
+
 <file path=customXml/item3.xml><?xml version="1.0" encoding="utf-8"?>
 <p:properties xmlns:p="http://schemas.microsoft.com/office/2006/metadata/properties" xmlns:xsi="http://www.w3.org/2001/XMLSchema-instance" xmlns:pc="http://schemas.microsoft.com/office/infopath/2007/PartnerControls">
   <documentManagement/>
@@ -26126,14 +26592,6 @@
 </file>
 
 <file path=customXml/itemProps1.xml><?xml version="1.0" encoding="utf-8"?>
-<ds:datastoreItem xmlns:ds="http://schemas.openxmlformats.org/officeDocument/2006/customXml" ds:itemID="{42BC90D6-94CF-42F7-AAC4-9CF6824C54D5}">
-  <ds:schemaRefs>
-    <ds:schemaRef ds:uri="http://schemas.microsoft.com/sharepoint/v3/contenttype/forms"/>
-  </ds:schemaRefs>
-</ds:datastoreItem>
-</file>
-
-<file path=customXml/itemProps2.xml><?xml version="1.0" encoding="utf-8"?>
 <ds:datastoreItem xmlns:ds="http://schemas.openxmlformats.org/officeDocument/2006/customXml" ds:itemID="{1A503E23-9696-4358-8F00-F7F66AC755EB}">
   <ds:schemaRefs>
     <ds:schemaRef ds:uri="http://schemas.microsoft.com/office/2006/metadata/contentType"/>
@@ -26147,6 +26605,14 @@
     <ds:schemaRef ds:uri="http://purl.org/dc/elements/1.1/"/>
     <ds:schemaRef ds:uri="http://purl.org/dc/terms/"/>
     <ds:schemaRef ds:uri="http://schemas.microsoft.com/internal/obd"/>
+  </ds:schemaRefs>
+</ds:datastoreItem>
+</file>
+
+<file path=customXml/itemProps2.xml><?xml version="1.0" encoding="utf-8"?>
+<ds:datastoreItem xmlns:ds="http://schemas.openxmlformats.org/officeDocument/2006/customXml" ds:itemID="{42BC90D6-94CF-42F7-AAC4-9CF6824C54D5}">
+  <ds:schemaRefs>
+    <ds:schemaRef ds:uri="http://schemas.microsoft.com/sharepoint/v3/contenttype/forms"/>
   </ds:schemaRefs>
 </ds:datastoreItem>
 </file>

--- a/Presentazione_Progetto.pptx
+++ b/Presentazione_Progetto.pptx
@@ -169,7 +169,7 @@
   <pc:docChgLst>
     <pc:chgData name="Matteo MANGILI" userId="89c7df381375e6aa" providerId="LiveId" clId="{002FC19B-B750-46E5-AE6C-2EDFEC68FEF2}"/>
     <pc:docChg chg="undo custSel addSld delSld modSld">
-      <pc:chgData name="Matteo MANGILI" userId="89c7df381375e6aa" providerId="LiveId" clId="{002FC19B-B750-46E5-AE6C-2EDFEC68FEF2}" dt="2023-12-02T20:53:13.399" v="2415" actId="20577"/>
+      <pc:chgData name="Matteo MANGILI" userId="89c7df381375e6aa" providerId="LiveId" clId="{002FC19B-B750-46E5-AE6C-2EDFEC68FEF2}" dt="2023-12-07T12:06:51.776" v="2638" actId="20577"/>
       <pc:docMkLst>
         <pc:docMk/>
       </pc:docMkLst>
@@ -253,7 +253,7 @@
         </pc:picChg>
       </pc:sldChg>
       <pc:sldChg chg="addSp delSp modSp mod setBg delDesignElem">
-        <pc:chgData name="Matteo MANGILI" userId="89c7df381375e6aa" providerId="LiveId" clId="{002FC19B-B750-46E5-AE6C-2EDFEC68FEF2}" dt="2023-12-02T20:07:39.883" v="1158"/>
+        <pc:chgData name="Matteo MANGILI" userId="89c7df381375e6aa" providerId="LiveId" clId="{002FC19B-B750-46E5-AE6C-2EDFEC68FEF2}" dt="2023-12-07T12:05:07.525" v="2489" actId="20577"/>
         <pc:sldMkLst>
           <pc:docMk/>
           <pc:sldMk cId="3250768115" sldId="296"/>
@@ -267,7 +267,7 @@
           </ac:spMkLst>
         </pc:spChg>
         <pc:spChg chg="mod">
-          <ac:chgData name="Matteo MANGILI" userId="89c7df381375e6aa" providerId="LiveId" clId="{002FC19B-B750-46E5-AE6C-2EDFEC68FEF2}" dt="2023-12-02T11:59:10.537" v="1054" actId="26606"/>
+          <ac:chgData name="Matteo MANGILI" userId="89c7df381375e6aa" providerId="LiveId" clId="{002FC19B-B750-46E5-AE6C-2EDFEC68FEF2}" dt="2023-12-07T12:05:07.525" v="2489" actId="20577"/>
           <ac:spMkLst>
             <pc:docMk/>
             <pc:sldMk cId="3250768115" sldId="296"/>
@@ -308,7 +308,7 @@
         </pc:picChg>
       </pc:sldChg>
       <pc:sldChg chg="addSp delSp modSp mod setBg addAnim delAnim modAnim delDesignElem chgLayout">
-        <pc:chgData name="Matteo MANGILI" userId="89c7df381375e6aa" providerId="LiveId" clId="{002FC19B-B750-46E5-AE6C-2EDFEC68FEF2}" dt="2023-12-02T20:30:28.135" v="1454" actId="20577"/>
+        <pc:chgData name="Matteo MANGILI" userId="89c7df381375e6aa" providerId="LiveId" clId="{002FC19B-B750-46E5-AE6C-2EDFEC68FEF2}" dt="2023-12-07T12:05:48.228" v="2528" actId="20577"/>
         <pc:sldMkLst>
           <pc:docMk/>
           <pc:sldMk cId="1249612630" sldId="297"/>
@@ -330,7 +330,7 @@
           </ac:spMkLst>
         </pc:spChg>
         <pc:spChg chg="mod ord">
-          <ac:chgData name="Matteo MANGILI" userId="89c7df381375e6aa" providerId="LiveId" clId="{002FC19B-B750-46E5-AE6C-2EDFEC68FEF2}" dt="2023-12-02T20:30:28.135" v="1454" actId="20577"/>
+          <ac:chgData name="Matteo MANGILI" userId="89c7df381375e6aa" providerId="LiveId" clId="{002FC19B-B750-46E5-AE6C-2EDFEC68FEF2}" dt="2023-12-07T12:05:48.228" v="2528" actId="20577"/>
           <ac:spMkLst>
             <pc:docMk/>
             <pc:sldMk cId="1249612630" sldId="297"/>
@@ -823,7 +823,7 @@
         </pc:spChg>
       </pc:sldChg>
       <pc:sldChg chg="addSp modSp mod setBg">
-        <pc:chgData name="Matteo MANGILI" userId="89c7df381375e6aa" providerId="LiveId" clId="{002FC19B-B750-46E5-AE6C-2EDFEC68FEF2}" dt="2023-12-02T20:53:13.399" v="2415" actId="20577"/>
+        <pc:chgData name="Matteo MANGILI" userId="89c7df381375e6aa" providerId="LiveId" clId="{002FC19B-B750-46E5-AE6C-2EDFEC68FEF2}" dt="2023-12-07T12:06:51.776" v="2638" actId="20577"/>
         <pc:sldMkLst>
           <pc:docMk/>
           <pc:sldMk cId="2728347993" sldId="304"/>
@@ -837,7 +837,7 @@
           </ac:spMkLst>
         </pc:spChg>
         <pc:spChg chg="mod">
-          <ac:chgData name="Matteo MANGILI" userId="89c7df381375e6aa" providerId="LiveId" clId="{002FC19B-B750-46E5-AE6C-2EDFEC68FEF2}" dt="2023-12-02T20:53:13.399" v="2415" actId="20577"/>
+          <ac:chgData name="Matteo MANGILI" userId="89c7df381375e6aa" providerId="LiveId" clId="{002FC19B-B750-46E5-AE6C-2EDFEC68FEF2}" dt="2023-12-07T12:06:51.776" v="2638" actId="20577"/>
           <ac:spMkLst>
             <pc:docMk/>
             <pc:sldMk cId="2728347993" sldId="304"/>
@@ -1579,7 +1579,7 @@
             <a:pPr rtl="0"/>
             <a:fld id="{DBC54730-5EBA-4920-A6C4-7F8458A7F940}" type="datetime1">
               <a:rPr lang="it-IT" smtClean="0"/>
-              <a:t>02/12/2023</a:t>
+              <a:t>07/12/2023</a:t>
             </a:fld>
             <a:endParaRPr lang="it-IT"/>
           </a:p>
@@ -1761,7 +1761,7 @@
             <a:fld id="{85EC1C34-318D-43A8-83F5-3AC8647FE75E}" type="datetime1">
               <a:rPr lang="it-IT" smtClean="0"/>
               <a:pPr/>
-              <a:t>02/12/2023</a:t>
+              <a:t>07/12/2023</a:t>
             </a:fld>
             <a:endParaRPr lang="it-IT" dirty="0"/>
           </a:p>
@@ -15350,8 +15350,79 @@
               <a:buChar char="Ø"/>
             </a:pPr>
             <a:r>
+              <a:rPr lang="en-US" sz="2200" dirty="0"/>
+              <a:t>Verbale Medico</a:t>
+            </a:r>
+          </a:p>
+          <a:p>
+            <a:pPr marL="0" indent="0">
+              <a:buNone/>
+            </a:pPr>
+            <a:endParaRPr lang="en-US" sz="2200" dirty="0"/>
+          </a:p>
+          <a:p>
+            <a:pPr marL="0" indent="0">
+              <a:buNone/>
+            </a:pPr>
+            <a:r>
+              <a:rPr lang="en-US" sz="2200" dirty="0"/>
+              <a:t>E’ </a:t>
+            </a:r>
+            <a:r>
+              <a:rPr lang="en-US" sz="2200" dirty="0" err="1"/>
+              <a:t>importante</a:t>
+            </a:r>
+            <a:r>
+              <a:rPr lang="en-US" sz="2200" dirty="0"/>
+              <a:t> </a:t>
+            </a:r>
+            <a:r>
+              <a:rPr lang="en-US" sz="2200" dirty="0" err="1"/>
+              <a:t>poter</a:t>
+            </a:r>
+            <a:r>
+              <a:rPr lang="en-US" sz="2200" dirty="0"/>
+              <a:t> </a:t>
+            </a:r>
+            <a:r>
+              <a:rPr lang="en-US" sz="2200" dirty="0" err="1"/>
+              <a:t>accedere</a:t>
+            </a:r>
+            <a:r>
+              <a:rPr lang="en-US" sz="2200" dirty="0"/>
+              <a:t> alle </a:t>
+            </a:r>
+            <a:r>
+              <a:rPr lang="en-US" sz="2200" dirty="0" err="1"/>
+              <a:t>variee</a:t>
+            </a:r>
+            <a:r>
+              <a:rPr lang="en-US" sz="2200" dirty="0"/>
+              <a:t> </a:t>
+            </a:r>
+            <a:r>
+              <a:rPr lang="en-US" sz="2200" dirty="0" err="1"/>
+              <a:t>liste</a:t>
+            </a:r>
+            <a:r>
+              <a:rPr lang="en-US" sz="2200" dirty="0"/>
+              <a:t> in </a:t>
+            </a:r>
+            <a:r>
+              <a:rPr lang="en-US" sz="2200" dirty="0" err="1"/>
+              <a:t>ogni</a:t>
+            </a:r>
+            <a:r>
+              <a:rPr lang="en-US" sz="2200" dirty="0"/>
+              <a:t> </a:t>
+            </a:r>
+            <a:r>
+              <a:rPr lang="en-US" sz="2200" dirty="0" err="1"/>
+              <a:t>momento</a:t>
+            </a:r>
+            <a:r>
               <a:rPr lang="en-US" sz="2200"/>
-              <a:t>Verbale Medico</a:t>
+              <a:t>.</a:t>
             </a:r>
             <a:endParaRPr lang="en-US" sz="2200" dirty="0"/>
           </a:p>
@@ -18850,7 +18921,7 @@
         </p:spPr>
         <p:txBody>
           <a:bodyPr vert="horz" lIns="91440" tIns="45720" rIns="91440" bIns="45720" rtlCol="0" anchor="t">
-            <a:normAutofit/>
+            <a:normAutofit lnSpcReduction="10000"/>
           </a:bodyPr>
           <a:lstStyle/>
           <a:p>
@@ -18858,8 +18929,60 @@
               <a:buNone/>
             </a:pPr>
             <a:r>
-              <a:rPr lang="en-US" sz="2000"/>
-              <a:t>L’obiettivo principale del Progetto è creare un software per la gestione delle camere di un ospedale.</a:t>
+              <a:rPr lang="en-US" sz="2000" dirty="0" err="1"/>
+              <a:t>L’obiettivo</a:t>
+            </a:r>
+            <a:r>
+              <a:rPr lang="en-US" sz="2000" dirty="0"/>
+              <a:t> </a:t>
+            </a:r>
+            <a:r>
+              <a:rPr lang="en-US" sz="2000" dirty="0" err="1"/>
+              <a:t>principale</a:t>
+            </a:r>
+            <a:r>
+              <a:rPr lang="en-US" sz="2000" dirty="0"/>
+              <a:t> del Progetto è </a:t>
+            </a:r>
+            <a:r>
+              <a:rPr lang="en-US" sz="2000" dirty="0" err="1"/>
+              <a:t>creare</a:t>
+            </a:r>
+            <a:r>
+              <a:rPr lang="en-US" sz="2000" dirty="0"/>
+              <a:t> un software per la </a:t>
+            </a:r>
+            <a:r>
+              <a:rPr lang="en-US" sz="2000" dirty="0" err="1"/>
+              <a:t>gestione</a:t>
+            </a:r>
+            <a:r>
+              <a:rPr lang="en-US" sz="2000" dirty="0"/>
+              <a:t> </a:t>
+            </a:r>
+            <a:r>
+              <a:rPr lang="en-US" sz="2000" dirty="0" err="1"/>
+              <a:t>delle</a:t>
+            </a:r>
+            <a:r>
+              <a:rPr lang="en-US" sz="2000" dirty="0"/>
+              <a:t> </a:t>
+            </a:r>
+            <a:r>
+              <a:rPr lang="en-US" sz="2000" dirty="0" err="1"/>
+              <a:t>camere</a:t>
+            </a:r>
+            <a:r>
+              <a:rPr lang="en-US" sz="2000" dirty="0"/>
+              <a:t> di un </a:t>
+            </a:r>
+            <a:r>
+              <a:rPr lang="en-US" sz="2000" dirty="0" err="1"/>
+              <a:t>ospedale</a:t>
+            </a:r>
+            <a:r>
+              <a:rPr lang="en-US" sz="2000" dirty="0"/>
+              <a:t>.</a:t>
             </a:r>
           </a:p>
           <a:p>
@@ -18867,8 +18990,64 @@
               <a:buNone/>
             </a:pPr>
             <a:r>
-              <a:rPr lang="en-US" sz="2000"/>
-              <a:t> Per la creazione del sisteme, è necessario tenere conto di diveris fattori:</a:t>
+              <a:rPr lang="en-US" sz="2000" dirty="0"/>
+              <a:t> Per la </a:t>
+            </a:r>
+            <a:r>
+              <a:rPr lang="en-US" sz="2000" dirty="0" err="1"/>
+              <a:t>creazione</a:t>
+            </a:r>
+            <a:r>
+              <a:rPr lang="en-US" sz="2000" dirty="0"/>
+              <a:t> del </a:t>
+            </a:r>
+            <a:r>
+              <a:rPr lang="en-US" sz="2000" dirty="0" err="1"/>
+              <a:t>sisteme</a:t>
+            </a:r>
+            <a:r>
+              <a:rPr lang="en-US" sz="2000" dirty="0"/>
+              <a:t>, è </a:t>
+            </a:r>
+            <a:r>
+              <a:rPr lang="en-US" sz="2000" dirty="0" err="1"/>
+              <a:t>necessario</a:t>
+            </a:r>
+            <a:r>
+              <a:rPr lang="en-US" sz="2000" dirty="0"/>
+              <a:t> </a:t>
+            </a:r>
+            <a:r>
+              <a:rPr lang="en-US" sz="2000" dirty="0" err="1"/>
+              <a:t>tenere</a:t>
+            </a:r>
+            <a:r>
+              <a:rPr lang="en-US" sz="2000" dirty="0"/>
+              <a:t> </a:t>
+            </a:r>
+            <a:r>
+              <a:rPr lang="en-US" sz="2000" dirty="0" err="1"/>
+              <a:t>conto</a:t>
+            </a:r>
+            <a:r>
+              <a:rPr lang="en-US" sz="2000" dirty="0"/>
+              <a:t> di </a:t>
+            </a:r>
+            <a:r>
+              <a:rPr lang="en-US" sz="2000" dirty="0" err="1"/>
+              <a:t>diveris</a:t>
+            </a:r>
+            <a:r>
+              <a:rPr lang="en-US" sz="2000" dirty="0"/>
+              <a:t> </a:t>
+            </a:r>
+            <a:r>
+              <a:rPr lang="en-US" sz="2000" dirty="0" err="1"/>
+              <a:t>fattori</a:t>
+            </a:r>
+            <a:r>
+              <a:rPr lang="en-US" sz="2000" dirty="0"/>
+              <a:t>:</a:t>
             </a:r>
           </a:p>
           <a:p>
@@ -18877,12 +19056,140 @@
               <a:buChar char="§"/>
             </a:pPr>
             <a:r>
-              <a:rPr lang="en-US" sz="2000" i="1"/>
-              <a:t>Cartella del paziente, </a:t>
-            </a:r>
-            <a:r>
-              <a:rPr lang="en-US" sz="2000"/>
-              <a:t>contenente l’anagrafica, la diagnosi e il tipo di terapia che deve seguire.</a:t>
+              <a:rPr lang="en-US" sz="2000" i="1" dirty="0" err="1"/>
+              <a:t>Cartella</a:t>
+            </a:r>
+            <a:r>
+              <a:rPr lang="en-US" sz="2000" i="1" dirty="0"/>
+              <a:t> del </a:t>
+            </a:r>
+            <a:r>
+              <a:rPr lang="en-US" sz="2000" i="1" dirty="0" err="1"/>
+              <a:t>paziente</a:t>
+            </a:r>
+            <a:r>
+              <a:rPr lang="en-US" sz="2000" i="1" dirty="0"/>
+              <a:t>, </a:t>
+            </a:r>
+            <a:r>
+              <a:rPr lang="en-US" sz="2000" dirty="0" err="1"/>
+              <a:t>contenente</a:t>
+            </a:r>
+            <a:r>
+              <a:rPr lang="en-US" sz="2000" dirty="0"/>
+              <a:t> </a:t>
+            </a:r>
+            <a:r>
+              <a:rPr lang="en-US" sz="2000" dirty="0" err="1"/>
+              <a:t>l’anagrafica</a:t>
+            </a:r>
+            <a:r>
+              <a:rPr lang="en-US" sz="2000" dirty="0"/>
+              <a:t>, la </a:t>
+            </a:r>
+            <a:r>
+              <a:rPr lang="en-US" sz="2000" dirty="0" err="1"/>
+              <a:t>diagnosi</a:t>
+            </a:r>
+            <a:r>
+              <a:rPr lang="en-US" sz="2000" dirty="0"/>
+              <a:t>, il </a:t>
+            </a:r>
+            <a:r>
+              <a:rPr lang="en-US" sz="2000" dirty="0" err="1"/>
+              <a:t>tipo</a:t>
+            </a:r>
+            <a:r>
+              <a:rPr lang="en-US" sz="2000" dirty="0"/>
+              <a:t> di </a:t>
+            </a:r>
+            <a:r>
+              <a:rPr lang="en-US" sz="2000" dirty="0" err="1"/>
+              <a:t>terapia</a:t>
+            </a:r>
+            <a:r>
+              <a:rPr lang="en-US" sz="2000" dirty="0"/>
+              <a:t> </a:t>
+            </a:r>
+            <a:r>
+              <a:rPr lang="en-US" sz="2000" dirty="0" err="1"/>
+              <a:t>che</a:t>
+            </a:r>
+            <a:r>
+              <a:rPr lang="en-US" sz="2000" dirty="0"/>
+              <a:t> </a:t>
+            </a:r>
+            <a:r>
+              <a:rPr lang="en-US" sz="2000" dirty="0" err="1"/>
+              <a:t>deve</a:t>
+            </a:r>
+            <a:r>
+              <a:rPr lang="en-US" sz="2000" dirty="0"/>
+              <a:t> </a:t>
+            </a:r>
+            <a:r>
+              <a:rPr lang="en-US" sz="2000" dirty="0" err="1"/>
+              <a:t>seguire</a:t>
+            </a:r>
+            <a:r>
+              <a:rPr lang="en-US" sz="2000" dirty="0"/>
+              <a:t> e </a:t>
+            </a:r>
+            <a:r>
+              <a:rPr lang="en-US" sz="2000" dirty="0" err="1"/>
+              <a:t>gli</a:t>
+            </a:r>
+            <a:r>
+              <a:rPr lang="en-US" sz="2000" dirty="0"/>
+              <a:t> </a:t>
+            </a:r>
+            <a:r>
+              <a:rPr lang="en-US" sz="2000" dirty="0" err="1"/>
+              <a:t>esami</a:t>
+            </a:r>
+            <a:r>
+              <a:rPr lang="en-US" sz="2000" dirty="0"/>
+              <a:t> </a:t>
+            </a:r>
+            <a:r>
+              <a:rPr lang="en-US" sz="2000" dirty="0" err="1"/>
+              <a:t>che</a:t>
+            </a:r>
+            <a:r>
+              <a:rPr lang="en-US" sz="2000" dirty="0"/>
+              <a:t> </a:t>
+            </a:r>
+            <a:r>
+              <a:rPr lang="en-US" sz="2000" dirty="0" err="1"/>
+              <a:t>deve</a:t>
+            </a:r>
+            <a:r>
+              <a:rPr lang="en-US" sz="2000" dirty="0"/>
+              <a:t> </a:t>
+            </a:r>
+            <a:r>
+              <a:rPr lang="en-US" sz="2000" dirty="0" err="1"/>
+              <a:t>effettuare</a:t>
+            </a:r>
+            <a:r>
+              <a:rPr lang="en-US" sz="2000" dirty="0"/>
+              <a:t> prima di </a:t>
+            </a:r>
+            <a:r>
+              <a:rPr lang="en-US" sz="2000" dirty="0" err="1"/>
+              <a:t>sottoporsi</a:t>
+            </a:r>
+            <a:r>
+              <a:rPr lang="en-US" sz="2000" dirty="0"/>
+              <a:t> </a:t>
+            </a:r>
+            <a:r>
+              <a:rPr lang="en-US" sz="2000" dirty="0" err="1"/>
+              <a:t>all’intervento</a:t>
+            </a:r>
+            <a:r>
+              <a:rPr lang="en-US" sz="2000" dirty="0"/>
+              <a:t>.</a:t>
             </a:r>
           </a:p>
           <a:p>
@@ -18891,12 +19198,108 @@
               <a:buChar char="§"/>
             </a:pPr>
             <a:r>
-              <a:rPr lang="en-US" sz="2000" i="1"/>
-              <a:t>Liste Operatorie, </a:t>
-            </a:r>
-            <a:r>
-              <a:rPr lang="en-US" sz="2000"/>
-              <a:t>contententi i nomi e le informazioni dei pazienti che devono sottoporsi ad un determinato intervento.</a:t>
+              <a:rPr lang="en-US" sz="2000" i="1" dirty="0" err="1"/>
+              <a:t>Liste</a:t>
+            </a:r>
+            <a:r>
+              <a:rPr lang="en-US" sz="2000" i="1" dirty="0"/>
+              <a:t> </a:t>
+            </a:r>
+            <a:r>
+              <a:rPr lang="en-US" sz="2000" i="1" dirty="0" err="1"/>
+              <a:t>Operatorie</a:t>
+            </a:r>
+            <a:r>
+              <a:rPr lang="en-US" sz="2000" i="1" dirty="0"/>
+              <a:t>, </a:t>
+            </a:r>
+            <a:r>
+              <a:rPr lang="en-US" sz="2000" dirty="0" err="1"/>
+              <a:t>contententi</a:t>
+            </a:r>
+            <a:r>
+              <a:rPr lang="en-US" sz="2000" dirty="0"/>
+              <a:t> </a:t>
+            </a:r>
+            <a:r>
+              <a:rPr lang="en-US" sz="2000" dirty="0" err="1"/>
+              <a:t>i</a:t>
+            </a:r>
+            <a:r>
+              <a:rPr lang="en-US" sz="2000" dirty="0"/>
+              <a:t> </a:t>
+            </a:r>
+            <a:r>
+              <a:rPr lang="en-US" sz="2000" dirty="0" err="1"/>
+              <a:t>nomi</a:t>
+            </a:r>
+            <a:r>
+              <a:rPr lang="en-US" sz="2000" dirty="0"/>
+              <a:t> e le </a:t>
+            </a:r>
+            <a:r>
+              <a:rPr lang="en-US" sz="2000" dirty="0" err="1"/>
+              <a:t>informazioni</a:t>
+            </a:r>
+            <a:r>
+              <a:rPr lang="en-US" sz="2000" dirty="0"/>
+              <a:t> </a:t>
+            </a:r>
+            <a:r>
+              <a:rPr lang="en-US" sz="2000" dirty="0" err="1"/>
+              <a:t>dei</a:t>
+            </a:r>
+            <a:r>
+              <a:rPr lang="en-US" sz="2000" dirty="0"/>
+              <a:t> </a:t>
+            </a:r>
+            <a:r>
+              <a:rPr lang="en-US" sz="2000" dirty="0" err="1"/>
+              <a:t>pazienti</a:t>
+            </a:r>
+            <a:r>
+              <a:rPr lang="en-US" sz="2000" dirty="0"/>
+              <a:t> </a:t>
+            </a:r>
+            <a:r>
+              <a:rPr lang="en-US" sz="2000" dirty="0" err="1"/>
+              <a:t>che</a:t>
+            </a:r>
+            <a:r>
+              <a:rPr lang="en-US" sz="2000" dirty="0"/>
+              <a:t> </a:t>
+            </a:r>
+            <a:r>
+              <a:rPr lang="en-US" sz="2000" dirty="0" err="1"/>
+              <a:t>devono</a:t>
+            </a:r>
+            <a:r>
+              <a:rPr lang="en-US" sz="2000" dirty="0"/>
+              <a:t> </a:t>
+            </a:r>
+            <a:r>
+              <a:rPr lang="en-US" sz="2000" dirty="0" err="1"/>
+              <a:t>sottoporsi</a:t>
+            </a:r>
+            <a:r>
+              <a:rPr lang="en-US" sz="2000" dirty="0"/>
+              <a:t> ad un </a:t>
+            </a:r>
+            <a:r>
+              <a:rPr lang="en-US" sz="2000" dirty="0" err="1"/>
+              <a:t>determinato</a:t>
+            </a:r>
+            <a:r>
+              <a:rPr lang="en-US" sz="2000" dirty="0"/>
+              <a:t> </a:t>
+            </a:r>
+            <a:r>
+              <a:rPr lang="en-US" sz="2000" dirty="0" err="1"/>
+              <a:t>intervento</a:t>
+            </a:r>
+            <a:r>
+              <a:rPr lang="en-US" sz="2000" dirty="0"/>
+              <a:t>.</a:t>
             </a:r>
           </a:p>
           <a:p>
@@ -18905,12 +19308,104 @@
               <a:buChar char="§"/>
             </a:pPr>
             <a:r>
-              <a:rPr lang="en-US" sz="2000" i="1"/>
-              <a:t>Verbale dell’Intervento</a:t>
-            </a:r>
-            <a:r>
-              <a:rPr lang="en-US" sz="2000"/>
-              <a:t>, dove sono riportate le modalità, i tempi e i nomi dell’equipe medica che  hanno operato sull’intervento.</a:t>
+              <a:rPr lang="en-US" sz="2000" i="1" dirty="0"/>
+              <a:t>Verbale </a:t>
+            </a:r>
+            <a:r>
+              <a:rPr lang="en-US" sz="2000" i="1" dirty="0" err="1"/>
+              <a:t>dell’Intervento</a:t>
+            </a:r>
+            <a:r>
+              <a:rPr lang="en-US" sz="2000" dirty="0"/>
+              <a:t>, dove </a:t>
+            </a:r>
+            <a:r>
+              <a:rPr lang="en-US" sz="2000" dirty="0" err="1"/>
+              <a:t>sono</a:t>
+            </a:r>
+            <a:r>
+              <a:rPr lang="en-US" sz="2000" dirty="0"/>
+              <a:t> </a:t>
+            </a:r>
+            <a:r>
+              <a:rPr lang="en-US" sz="2000" dirty="0" err="1"/>
+              <a:t>riportate</a:t>
+            </a:r>
+            <a:r>
+              <a:rPr lang="en-US" sz="2000" dirty="0"/>
+              <a:t> le </a:t>
+            </a:r>
+            <a:r>
+              <a:rPr lang="en-US" sz="2000" dirty="0" err="1"/>
+              <a:t>modalità</a:t>
+            </a:r>
+            <a:r>
+              <a:rPr lang="en-US" sz="2000" dirty="0"/>
+              <a:t>, </a:t>
+            </a:r>
+            <a:r>
+              <a:rPr lang="en-US" sz="2000" dirty="0" err="1"/>
+              <a:t>i</a:t>
+            </a:r>
+            <a:r>
+              <a:rPr lang="en-US" sz="2000" dirty="0"/>
+              <a:t> tempi e </a:t>
+            </a:r>
+            <a:r>
+              <a:rPr lang="en-US" sz="2000" dirty="0" err="1"/>
+              <a:t>i</a:t>
+            </a:r>
+            <a:r>
+              <a:rPr lang="en-US" sz="2000" dirty="0"/>
+              <a:t> </a:t>
+            </a:r>
+            <a:r>
+              <a:rPr lang="en-US" sz="2000" dirty="0" err="1"/>
+              <a:t>nomi</a:t>
+            </a:r>
+            <a:r>
+              <a:rPr lang="en-US" sz="2000" dirty="0"/>
+              <a:t> </a:t>
+            </a:r>
+            <a:r>
+              <a:rPr lang="en-US" sz="2000" dirty="0" err="1"/>
+              <a:t>dell’equipe</a:t>
+            </a:r>
+            <a:r>
+              <a:rPr lang="en-US" sz="2000" dirty="0"/>
+              <a:t> medica </a:t>
+            </a:r>
+            <a:r>
+              <a:rPr lang="en-US" sz="2000" dirty="0" err="1"/>
+              <a:t>che</a:t>
+            </a:r>
+            <a:r>
+              <a:rPr lang="en-US" sz="2000" dirty="0"/>
+              <a:t>  </a:t>
+            </a:r>
+            <a:r>
+              <a:rPr lang="en-US" sz="2000" dirty="0" err="1"/>
+              <a:t>hanno</a:t>
+            </a:r>
+            <a:r>
+              <a:rPr lang="en-US" sz="2000" dirty="0"/>
+              <a:t> </a:t>
+            </a:r>
+            <a:r>
+              <a:rPr lang="en-US" sz="2000" dirty="0" err="1"/>
+              <a:t>operato</a:t>
+            </a:r>
+            <a:r>
+              <a:rPr lang="en-US" sz="2000" dirty="0"/>
+              <a:t> </a:t>
+            </a:r>
+            <a:r>
+              <a:rPr lang="en-US" sz="2000" dirty="0" err="1"/>
+              <a:t>sull’intervento</a:t>
+            </a:r>
+            <a:r>
+              <a:rPr lang="en-US" sz="2000" dirty="0"/>
+              <a:t>.</a:t>
             </a:r>
           </a:p>
         </p:txBody>
@@ -19836,7 +20331,31 @@
             </a:r>
             <a:r>
               <a:rPr lang="en-US" sz="2200" dirty="0"/>
-              <a:t> component del team </a:t>
+              <a:t> component del team, </a:t>
+            </a:r>
+            <a:r>
+              <a:rPr lang="en-US" sz="2200" dirty="0" err="1"/>
+              <a:t>soprattutto</a:t>
+            </a:r>
+            <a:r>
+              <a:rPr lang="en-US" sz="2200" dirty="0"/>
+              <a:t> a </a:t>
+            </a:r>
+            <a:r>
+              <a:rPr lang="en-US" sz="2200" dirty="0" err="1"/>
+              <a:t>livello</a:t>
+            </a:r>
+            <a:r>
+              <a:rPr lang="en-US" sz="2200" dirty="0"/>
+              <a:t> </a:t>
+            </a:r>
+            <a:r>
+              <a:rPr lang="en-US" sz="2200" dirty="0" err="1"/>
+              <a:t>temporale</a:t>
+            </a:r>
+            <a:r>
+              <a:rPr lang="en-US" sz="2200" dirty="0"/>
+              <a:t>. </a:t>
             </a:r>
           </a:p>
           <a:p>
@@ -19903,7 +20422,10 @@
               <a:rPr lang="en-US" sz="2200" dirty="0" err="1"/>
               <a:t>problema</a:t>
             </a:r>
-            <a:endParaRPr lang="en-US" sz="2200" dirty="0"/>
+            <a:r>
+              <a:rPr lang="en-US" sz="2200" dirty="0"/>
+              <a:t>.</a:t>
+            </a:r>
           </a:p>
           <a:p>
             <a:endParaRPr lang="en-US" sz="2200" dirty="0"/>
@@ -19923,7 +20445,7 @@
             </a:r>
             <a:r>
               <a:rPr lang="en-US" sz="2200" dirty="0"/>
-              <a:t> di GitHub </a:t>
+              <a:t> di GitHub.</a:t>
             </a:r>
           </a:p>
         </p:txBody>
@@ -26415,6 +26937,15 @@
 </file>
 
 <file path=customXml/item1.xml><?xml version="1.0" encoding="utf-8"?>
+<?mso-contentType ?>
+<FormTemplates xmlns="http://schemas.microsoft.com/sharepoint/v3/contenttype/forms">
+  <Display>DocumentLibraryForm</Display>
+  <Edit>DocumentLibraryForm</Edit>
+  <New>DocumentLibraryForm</New>
+</FormTemplates>
+</file>
+
+<file path=customXml/item2.xml><?xml version="1.0" encoding="utf-8"?>
 <ct:contentTypeSchema xmlns:ct="http://schemas.microsoft.com/office/2006/metadata/contentType" xmlns:ma="http://schemas.microsoft.com/office/2006/metadata/properties/metaAttributes" ct:_="" ma:_="" ma:contentTypeName="Documento" ma:contentTypeID="0x0101007CE6213B20D2F945B0D1473923EE410F" ma:contentTypeVersion="7" ma:contentTypeDescription="Creare un nuovo documento." ma:contentTypeScope="" ma:versionID="dc8ac43e96b461727accd63cf925a5cf">
   <xsd:schema xmlns:xsd="http://www.w3.org/2001/XMLSchema" xmlns:xs="http://www.w3.org/2001/XMLSchema" xmlns:p="http://schemas.microsoft.com/office/2006/metadata/properties" xmlns:ns2="243f3390-b919-40e8-8195-3613e8527352" targetNamespace="http://schemas.microsoft.com/office/2006/metadata/properties" ma:root="true" ma:fieldsID="1987007e621e1b24d40e437f012b913d" ns2:_="">
     <xsd:import namespace="243f3390-b919-40e8-8195-3613e8527352"/>
@@ -26576,15 +27107,6 @@
 </ct:contentTypeSchema>
 </file>
 
-<file path=customXml/item2.xml><?xml version="1.0" encoding="utf-8"?>
-<?mso-contentType ?>
-<FormTemplates xmlns="http://schemas.microsoft.com/sharepoint/v3/contenttype/forms">
-  <Display>DocumentLibraryForm</Display>
-  <Edit>DocumentLibraryForm</Edit>
-  <New>DocumentLibraryForm</New>
-</FormTemplates>
-</file>
-
 <file path=customXml/item3.xml><?xml version="1.0" encoding="utf-8"?>
 <p:properties xmlns:p="http://schemas.microsoft.com/office/2006/metadata/properties" xmlns:xsi="http://www.w3.org/2001/XMLSchema-instance" xmlns:pc="http://schemas.microsoft.com/office/infopath/2007/PartnerControls">
   <documentManagement/>
@@ -26592,6 +27114,14 @@
 </file>
 
 <file path=customXml/itemProps1.xml><?xml version="1.0" encoding="utf-8"?>
+<ds:datastoreItem xmlns:ds="http://schemas.openxmlformats.org/officeDocument/2006/customXml" ds:itemID="{42BC90D6-94CF-42F7-AAC4-9CF6824C54D5}">
+  <ds:schemaRefs>
+    <ds:schemaRef ds:uri="http://schemas.microsoft.com/sharepoint/v3/contenttype/forms"/>
+  </ds:schemaRefs>
+</ds:datastoreItem>
+</file>
+
+<file path=customXml/itemProps2.xml><?xml version="1.0" encoding="utf-8"?>
 <ds:datastoreItem xmlns:ds="http://schemas.openxmlformats.org/officeDocument/2006/customXml" ds:itemID="{1A503E23-9696-4358-8F00-F7F66AC755EB}">
   <ds:schemaRefs>
     <ds:schemaRef ds:uri="http://schemas.microsoft.com/office/2006/metadata/contentType"/>
@@ -26605,14 +27135,6 @@
     <ds:schemaRef ds:uri="http://purl.org/dc/elements/1.1/"/>
     <ds:schemaRef ds:uri="http://purl.org/dc/terms/"/>
     <ds:schemaRef ds:uri="http://schemas.microsoft.com/internal/obd"/>
-  </ds:schemaRefs>
-</ds:datastoreItem>
-</file>
-
-<file path=customXml/itemProps2.xml><?xml version="1.0" encoding="utf-8"?>
-<ds:datastoreItem xmlns:ds="http://schemas.openxmlformats.org/officeDocument/2006/customXml" ds:itemID="{42BC90D6-94CF-42F7-AAC4-9CF6824C54D5}">
-  <ds:schemaRefs>
-    <ds:schemaRef ds:uri="http://schemas.microsoft.com/sharepoint/v3/contenttype/forms"/>
   </ds:schemaRefs>
 </ds:datastoreItem>
 </file>

--- a/Presentazione_Progetto.pptx
+++ b/Presentazione_Progetto.pptx
@@ -1579,7 +1579,7 @@
             <a:pPr rtl="0"/>
             <a:fld id="{DBC54730-5EBA-4920-A6C4-7F8458A7F940}" type="datetime1">
               <a:rPr lang="it-IT" smtClean="0"/>
-              <a:t>07/12/2023</a:t>
+              <a:t>09/12/2023</a:t>
             </a:fld>
             <a:endParaRPr lang="it-IT"/>
           </a:p>
@@ -1761,7 +1761,7 @@
             <a:fld id="{85EC1C34-318D-43A8-83F5-3AC8647FE75E}" type="datetime1">
               <a:rPr lang="it-IT" smtClean="0"/>
               <a:pPr/>
-              <a:t>07/12/2023</a:t>
+              <a:t>09/12/2023</a:t>
             </a:fld>
             <a:endParaRPr lang="it-IT" dirty="0"/>
           </a:p>
@@ -20637,7 +20637,7 @@
                 <a:ea typeface="+mj-ea"/>
                 <a:cs typeface="+mj-cs"/>
               </a:rPr>
-              <a:t>Paradigma di programmazione</a:t>
+              <a:t>Paradigma di Programmazione</a:t>
             </a:r>
             <a:endParaRPr lang="en-US" sz="5400" b="1" dirty="0"/>
           </a:p>
@@ -21547,8 +21547,16 @@
           <a:p>
             <a:pPr rtl="0"/>
             <a:r>
-              <a:rPr lang="it-IT" sz="5400" b="1"/>
-              <a:t>Software configuration management</a:t>
+              <a:rPr lang="it-IT" sz="5400" b="1" dirty="0"/>
+              <a:t>Software </a:t>
+            </a:r>
+            <a:r>
+              <a:rPr lang="it-IT" sz="5400" b="1" dirty="0" err="1"/>
+              <a:t>Configuration</a:t>
+            </a:r>
+            <a:r>
+              <a:rPr lang="it-IT" sz="5400" b="1" dirty="0"/>
+              <a:t> Management</a:t>
             </a:r>
           </a:p>
         </p:txBody>
@@ -22415,7 +22423,19 @@
                 <a:ea typeface="+mj-ea"/>
                 <a:cs typeface="+mj-cs"/>
               </a:rPr>
-              <a:t>Software life cycle</a:t>
+              <a:t>Software Life </a:t>
+            </a:r>
+            <a:r>
+              <a:rPr lang="en-US" sz="5400" b="1" dirty="0"/>
+              <a:t>C</a:t>
+            </a:r>
+            <a:r>
+              <a:rPr lang="en-US" sz="5400" b="1" kern="1200" dirty="0">
+                <a:latin typeface="+mj-lt"/>
+                <a:ea typeface="+mj-ea"/>
+                <a:cs typeface="+mj-cs"/>
+              </a:rPr>
+              <a:t>ycle</a:t>
             </a:r>
           </a:p>
         </p:txBody>
@@ -25306,8 +25326,8 @@
           <a:p>
             <a:pPr rtl="0"/>
             <a:r>
-              <a:rPr lang="it-IT" sz="5400" b="1"/>
-              <a:t>Design pattern</a:t>
+              <a:rPr lang="it-IT" sz="5400" b="1" dirty="0"/>
+              <a:t>Design Pattern</a:t>
             </a:r>
           </a:p>
         </p:txBody>
@@ -26937,15 +26957,6 @@
 </file>
 
 <file path=customXml/item1.xml><?xml version="1.0" encoding="utf-8"?>
-<?mso-contentType ?>
-<FormTemplates xmlns="http://schemas.microsoft.com/sharepoint/v3/contenttype/forms">
-  <Display>DocumentLibraryForm</Display>
-  <Edit>DocumentLibraryForm</Edit>
-  <New>DocumentLibraryForm</New>
-</FormTemplates>
-</file>
-
-<file path=customXml/item2.xml><?xml version="1.0" encoding="utf-8"?>
 <ct:contentTypeSchema xmlns:ct="http://schemas.microsoft.com/office/2006/metadata/contentType" xmlns:ma="http://schemas.microsoft.com/office/2006/metadata/properties/metaAttributes" ct:_="" ma:_="" ma:contentTypeName="Documento" ma:contentTypeID="0x0101007CE6213B20D2F945B0D1473923EE410F" ma:contentTypeVersion="7" ma:contentTypeDescription="Creare un nuovo documento." ma:contentTypeScope="" ma:versionID="dc8ac43e96b461727accd63cf925a5cf">
   <xsd:schema xmlns:xsd="http://www.w3.org/2001/XMLSchema" xmlns:xs="http://www.w3.org/2001/XMLSchema" xmlns:p="http://schemas.microsoft.com/office/2006/metadata/properties" xmlns:ns2="243f3390-b919-40e8-8195-3613e8527352" targetNamespace="http://schemas.microsoft.com/office/2006/metadata/properties" ma:root="true" ma:fieldsID="1987007e621e1b24d40e437f012b913d" ns2:_="">
     <xsd:import namespace="243f3390-b919-40e8-8195-3613e8527352"/>
@@ -27107,6 +27118,15 @@
 </ct:contentTypeSchema>
 </file>
 
+<file path=customXml/item2.xml><?xml version="1.0" encoding="utf-8"?>
+<?mso-contentType ?>
+<FormTemplates xmlns="http://schemas.microsoft.com/sharepoint/v3/contenttype/forms">
+  <Display>DocumentLibraryForm</Display>
+  <Edit>DocumentLibraryForm</Edit>
+  <New>DocumentLibraryForm</New>
+</FormTemplates>
+</file>
+
 <file path=customXml/item3.xml><?xml version="1.0" encoding="utf-8"?>
 <p:properties xmlns:p="http://schemas.microsoft.com/office/2006/metadata/properties" xmlns:xsi="http://www.w3.org/2001/XMLSchema-instance" xmlns:pc="http://schemas.microsoft.com/office/infopath/2007/PartnerControls">
   <documentManagement/>
@@ -27114,14 +27134,6 @@
 </file>
 
 <file path=customXml/itemProps1.xml><?xml version="1.0" encoding="utf-8"?>
-<ds:datastoreItem xmlns:ds="http://schemas.openxmlformats.org/officeDocument/2006/customXml" ds:itemID="{42BC90D6-94CF-42F7-AAC4-9CF6824C54D5}">
-  <ds:schemaRefs>
-    <ds:schemaRef ds:uri="http://schemas.microsoft.com/sharepoint/v3/contenttype/forms"/>
-  </ds:schemaRefs>
-</ds:datastoreItem>
-</file>
-
-<file path=customXml/itemProps2.xml><?xml version="1.0" encoding="utf-8"?>
 <ds:datastoreItem xmlns:ds="http://schemas.openxmlformats.org/officeDocument/2006/customXml" ds:itemID="{1A503E23-9696-4358-8F00-F7F66AC755EB}">
   <ds:schemaRefs>
     <ds:schemaRef ds:uri="http://schemas.microsoft.com/office/2006/metadata/contentType"/>
@@ -27135,6 +27147,14 @@
     <ds:schemaRef ds:uri="http://purl.org/dc/elements/1.1/"/>
     <ds:schemaRef ds:uri="http://purl.org/dc/terms/"/>
     <ds:schemaRef ds:uri="http://schemas.microsoft.com/internal/obd"/>
+  </ds:schemaRefs>
+</ds:datastoreItem>
+</file>
+
+<file path=customXml/itemProps2.xml><?xml version="1.0" encoding="utf-8"?>
+<ds:datastoreItem xmlns:ds="http://schemas.openxmlformats.org/officeDocument/2006/customXml" ds:itemID="{42BC90D6-94CF-42F7-AAC4-9CF6824C54D5}">
+  <ds:schemaRefs>
+    <ds:schemaRef ds:uri="http://schemas.microsoft.com/sharepoint/v3/contenttype/forms"/>
   </ds:schemaRefs>
 </ds:datastoreItem>
 </file>

--- a/Presentazione_Progetto.pptx
+++ b/Presentazione_Progetto.pptx
@@ -169,7 +169,7 @@
   <pc:docChgLst>
     <pc:chgData name="Matteo MANGILI" userId="89c7df381375e6aa" providerId="LiveId" clId="{002FC19B-B750-46E5-AE6C-2EDFEC68FEF2}"/>
     <pc:docChg chg="undo custSel addSld delSld modSld">
-      <pc:chgData name="Matteo MANGILI" userId="89c7df381375e6aa" providerId="LiveId" clId="{002FC19B-B750-46E5-AE6C-2EDFEC68FEF2}" dt="2023-12-07T12:06:51.776" v="2638" actId="20577"/>
+      <pc:chgData name="Matteo MANGILI" userId="89c7df381375e6aa" providerId="LiveId" clId="{002FC19B-B750-46E5-AE6C-2EDFEC68FEF2}" dt="2023-12-09T09:26:34.583" v="3538" actId="20577"/>
       <pc:docMkLst>
         <pc:docMk/>
       </pc:docMkLst>
@@ -555,7 +555,7 @@
         </pc:picChg>
       </pc:sldChg>
       <pc:sldChg chg="addSp modSp mod setBg">
-        <pc:chgData name="Matteo MANGILI" userId="89c7df381375e6aa" providerId="LiveId" clId="{002FC19B-B750-46E5-AE6C-2EDFEC68FEF2}" dt="2023-12-02T20:36:50.225" v="1694" actId="20577"/>
+        <pc:chgData name="Matteo MANGILI" userId="89c7df381375e6aa" providerId="LiveId" clId="{002FC19B-B750-46E5-AE6C-2EDFEC68FEF2}" dt="2023-12-09T09:26:34.583" v="3538" actId="20577"/>
         <pc:sldMkLst>
           <pc:docMk/>
           <pc:sldMk cId="3996999348" sldId="298"/>
@@ -569,7 +569,7 @@
           </ac:spMkLst>
         </pc:spChg>
         <pc:spChg chg="mod">
-          <ac:chgData name="Matteo MANGILI" userId="89c7df381375e6aa" providerId="LiveId" clId="{002FC19B-B750-46E5-AE6C-2EDFEC68FEF2}" dt="2023-12-02T20:36:50.225" v="1694" actId="20577"/>
+          <ac:chgData name="Matteo MANGILI" userId="89c7df381375e6aa" providerId="LiveId" clId="{002FC19B-B750-46E5-AE6C-2EDFEC68FEF2}" dt="2023-12-09T09:26:34.583" v="3538" actId="20577"/>
           <ac:spMkLst>
             <pc:docMk/>
             <pc:sldMk cId="3996999348" sldId="298"/>
@@ -776,13 +776,13 @@
         </pc:picChg>
       </pc:sldChg>
       <pc:sldChg chg="addSp modSp mod setBg">
-        <pc:chgData name="Matteo MANGILI" userId="89c7df381375e6aa" providerId="LiveId" clId="{002FC19B-B750-46E5-AE6C-2EDFEC68FEF2}" dt="2023-12-02T20:15:57.660" v="1210" actId="255"/>
+        <pc:chgData name="Matteo MANGILI" userId="89c7df381375e6aa" providerId="LiveId" clId="{002FC19B-B750-46E5-AE6C-2EDFEC68FEF2}" dt="2023-12-09T09:19:16.569" v="3380" actId="14100"/>
         <pc:sldMkLst>
           <pc:docMk/>
           <pc:sldMk cId="2944479634" sldId="303"/>
         </pc:sldMkLst>
         <pc:spChg chg="mod">
-          <ac:chgData name="Matteo MANGILI" userId="89c7df381375e6aa" providerId="LiveId" clId="{002FC19B-B750-46E5-AE6C-2EDFEC68FEF2}" dt="2023-12-02T20:13:52.742" v="1188" actId="26606"/>
+          <ac:chgData name="Matteo MANGILI" userId="89c7df381375e6aa" providerId="LiveId" clId="{002FC19B-B750-46E5-AE6C-2EDFEC68FEF2}" dt="2023-12-09T09:04:12.397" v="2640" actId="20577"/>
           <ac:spMkLst>
             <pc:docMk/>
             <pc:sldMk cId="2944479634" sldId="303"/>
@@ -790,7 +790,7 @@
           </ac:spMkLst>
         </pc:spChg>
         <pc:spChg chg="mod">
-          <ac:chgData name="Matteo MANGILI" userId="89c7df381375e6aa" providerId="LiveId" clId="{002FC19B-B750-46E5-AE6C-2EDFEC68FEF2}" dt="2023-12-02T20:15:44.585" v="1209" actId="14100"/>
+          <ac:chgData name="Matteo MANGILI" userId="89c7df381375e6aa" providerId="LiveId" clId="{002FC19B-B750-46E5-AE6C-2EDFEC68FEF2}" dt="2023-12-09T09:19:16.569" v="3380" actId="14100"/>
           <ac:spMkLst>
             <pc:docMk/>
             <pc:sldMk cId="2944479634" sldId="303"/>
@@ -22243,6 +22243,42 @@
               <a:t> management è stato utilizzato GitHub come programma principale</a:t>
             </a:r>
           </a:p>
+          <a:p>
+            <a:pPr marL="0" indent="0">
+              <a:buNone/>
+            </a:pPr>
+            <a:endParaRPr lang="it-IT" sz="2200" dirty="0"/>
+          </a:p>
+          <a:p>
+            <a:pPr marL="0" indent="0">
+              <a:buNone/>
+            </a:pPr>
+            <a:r>
+              <a:rPr lang="it-IT" sz="2200" b="1" dirty="0"/>
+              <a:t>BRANCH </a:t>
+            </a:r>
+            <a:r>
+              <a:rPr lang="it-IT" sz="2200" dirty="0"/>
+              <a:t>creazione di </a:t>
+            </a:r>
+            <a:r>
+              <a:rPr lang="it-IT" sz="2200" dirty="0" err="1"/>
+              <a:t>branch</a:t>
+            </a:r>
+            <a:r>
+              <a:rPr lang="it-IT" sz="2200" dirty="0"/>
+              <a:t> diversi </a:t>
+            </a:r>
+            <a:r>
+              <a:rPr lang="it-IT" sz="2200"/>
+              <a:t>per ottimizzare </a:t>
+            </a:r>
+            <a:r>
+              <a:rPr lang="it-IT" sz="2200" dirty="0"/>
+              <a:t>il lavoro di squadra ed evitare eventuali  incomprensioni</a:t>
+            </a:r>
+            <a:endParaRPr lang="it-IT" sz="2200" b="1" dirty="0"/>
+          </a:p>
         </p:txBody>
       </p:sp>
       <p:sp>
@@ -25989,7 +26025,7 @@
         <p:spPr>
           <a:xfrm>
             <a:off x="838200" y="1929384"/>
-            <a:ext cx="10515600" cy="3776853"/>
+            <a:ext cx="10515600" cy="4421993"/>
           </a:xfrm>
         </p:spPr>
         <p:txBody>
@@ -25998,17 +26034,416 @@
           </a:bodyPr>
           <a:lstStyle/>
           <a:p>
-            <a:r>
-              <a:rPr lang="it-IT" sz="2200" dirty="0"/>
-              <a:t>Quali design pattern avete utilizzato nel progetto</a:t>
-            </a:r>
-          </a:p>
-          <a:p>
-            <a:r>
-              <a:rPr lang="it-IT" sz="2200" dirty="0"/>
-              <a:t>Metriche di qualità del progetto</a:t>
-            </a:r>
-            <a:endParaRPr lang="en-US" sz="2200" dirty="0"/>
+            <a:pPr marL="0" indent="0">
+              <a:buNone/>
+            </a:pPr>
+            <a:r>
+              <a:rPr lang="en-US" sz="2200" dirty="0" err="1"/>
+              <a:t>All’interno</a:t>
+            </a:r>
+            <a:r>
+              <a:rPr lang="en-US" sz="2200" dirty="0"/>
+              <a:t> del nostro Progetto </a:t>
+            </a:r>
+            <a:r>
+              <a:rPr lang="en-US" sz="2200" dirty="0" err="1"/>
+              <a:t>sono</a:t>
+            </a:r>
+            <a:r>
+              <a:rPr lang="en-US" sz="2200" dirty="0"/>
+              <a:t> </a:t>
+            </a:r>
+            <a:r>
+              <a:rPr lang="en-US" sz="2200" dirty="0" err="1"/>
+              <a:t>stati</a:t>
+            </a:r>
+            <a:r>
+              <a:rPr lang="en-US" sz="2200" dirty="0"/>
+              <a:t> </a:t>
+            </a:r>
+            <a:r>
+              <a:rPr lang="en-US" sz="2200" dirty="0" err="1"/>
+              <a:t>utilizzati</a:t>
+            </a:r>
+            <a:r>
+              <a:rPr lang="en-US" sz="2200" dirty="0"/>
+              <a:t> </a:t>
+            </a:r>
+            <a:r>
+              <a:rPr lang="en-US" sz="2200" dirty="0" err="1"/>
+              <a:t>vari</a:t>
+            </a:r>
+            <a:r>
+              <a:rPr lang="en-US" sz="2200" dirty="0"/>
+              <a:t> Design Pattern:</a:t>
+            </a:r>
+          </a:p>
+          <a:p>
+            <a:pPr>
+              <a:buFont typeface="Wingdings" panose="05000000000000000000" pitchFamily="2" charset="2"/>
+              <a:buChar char="§"/>
+            </a:pPr>
+            <a:r>
+              <a:rPr lang="en-US" sz="2200" b="1" dirty="0"/>
+              <a:t>General Hierarchy Pattern</a:t>
+            </a:r>
+            <a:r>
+              <a:rPr lang="en-US" sz="2200" dirty="0"/>
+              <a:t> (per </a:t>
+            </a:r>
+            <a:r>
+              <a:rPr lang="en-US" sz="2200" dirty="0" err="1"/>
+              <a:t>definire</a:t>
+            </a:r>
+            <a:r>
+              <a:rPr lang="en-US" sz="2200" dirty="0"/>
+              <a:t> </a:t>
+            </a:r>
+            <a:r>
+              <a:rPr lang="en-US" sz="2200" dirty="0" err="1"/>
+              <a:t>gerarchie</a:t>
+            </a:r>
+            <a:r>
+              <a:rPr lang="en-US" sz="2200" dirty="0"/>
+              <a:t> </a:t>
+            </a:r>
+            <a:r>
+              <a:rPr lang="en-US" sz="2200" dirty="0" err="1"/>
+              <a:t>tra</a:t>
+            </a:r>
+            <a:r>
+              <a:rPr lang="en-US" sz="2200" dirty="0"/>
+              <a:t> le </a:t>
+            </a:r>
+            <a:r>
+              <a:rPr lang="en-US" sz="2200" dirty="0" err="1"/>
+              <a:t>varie</a:t>
+            </a:r>
+            <a:r>
+              <a:rPr lang="en-US" sz="2200" dirty="0"/>
+              <a:t> </a:t>
+            </a:r>
+            <a:r>
+              <a:rPr lang="en-US" sz="2200" dirty="0" err="1"/>
+              <a:t>classi</a:t>
+            </a:r>
+            <a:r>
+              <a:rPr lang="en-US" sz="2200" dirty="0"/>
+              <a:t>, in </a:t>
+            </a:r>
+            <a:r>
+              <a:rPr lang="en-US" sz="2200" dirty="0" err="1"/>
+              <a:t>particolare</a:t>
+            </a:r>
+            <a:r>
+              <a:rPr lang="en-US" sz="2200" dirty="0"/>
+              <a:t> </a:t>
+            </a:r>
+            <a:r>
+              <a:rPr lang="en-US" sz="2200" dirty="0" err="1"/>
+              <a:t>tra</a:t>
+            </a:r>
+            <a:r>
+              <a:rPr lang="en-US" sz="2200" dirty="0"/>
+              <a:t> </a:t>
+            </a:r>
+            <a:r>
+              <a:rPr lang="en-US" sz="2200" dirty="0" err="1"/>
+              <a:t>i</a:t>
+            </a:r>
+            <a:r>
+              <a:rPr lang="en-US" sz="2200" dirty="0"/>
+              <a:t> </a:t>
+            </a:r>
+            <a:r>
+              <a:rPr lang="en-US" sz="2200" dirty="0" err="1"/>
+              <a:t>medici</a:t>
+            </a:r>
+            <a:r>
+              <a:rPr lang="en-US" sz="2200" dirty="0"/>
+              <a:t> </a:t>
+            </a:r>
+            <a:r>
+              <a:rPr lang="en-US" sz="2200" dirty="0" err="1"/>
+              <a:t>operanti</a:t>
+            </a:r>
+            <a:r>
+              <a:rPr lang="en-US" sz="2200" dirty="0"/>
+              <a:t>)</a:t>
+            </a:r>
+          </a:p>
+          <a:p>
+            <a:pPr>
+              <a:buFont typeface="Wingdings" panose="05000000000000000000" pitchFamily="2" charset="2"/>
+              <a:buChar char="§"/>
+            </a:pPr>
+            <a:r>
+              <a:rPr lang="en-US" sz="2200" b="1" dirty="0"/>
+              <a:t>Delegation Pattern </a:t>
+            </a:r>
+            <a:r>
+              <a:rPr lang="en-US" sz="2200" dirty="0"/>
+              <a:t>(per far </a:t>
+            </a:r>
+            <a:r>
+              <a:rPr lang="en-US" sz="2200" dirty="0" err="1"/>
+              <a:t>svolgere</a:t>
+            </a:r>
+            <a:r>
+              <a:rPr lang="en-US" sz="2200" dirty="0"/>
+              <a:t> </a:t>
+            </a:r>
+            <a:r>
+              <a:rPr lang="en-US" sz="2200" dirty="0" err="1"/>
+              <a:t>alla</a:t>
+            </a:r>
+            <a:r>
+              <a:rPr lang="en-US" sz="2200" dirty="0"/>
+              <a:t> </a:t>
+            </a:r>
+            <a:r>
+              <a:rPr lang="en-US" sz="2200" dirty="0" err="1"/>
+              <a:t>cabina</a:t>
+            </a:r>
+            <a:r>
+              <a:rPr lang="en-US" sz="2200" dirty="0"/>
+              <a:t> di regia I Giusti </a:t>
+            </a:r>
+            <a:r>
+              <a:rPr lang="en-US" sz="2200" dirty="0" err="1"/>
+              <a:t>metodi</a:t>
+            </a:r>
+            <a:r>
+              <a:rPr lang="en-US" sz="2200" dirty="0"/>
+              <a:t>)</a:t>
+            </a:r>
+          </a:p>
+          <a:p>
+            <a:pPr>
+              <a:buFont typeface="Wingdings" panose="05000000000000000000" pitchFamily="2" charset="2"/>
+              <a:buChar char="§"/>
+            </a:pPr>
+            <a:r>
+              <a:rPr lang="en-US" sz="2200" b="1" dirty="0"/>
+              <a:t>Façade Pattern </a:t>
+            </a:r>
+            <a:r>
+              <a:rPr lang="en-US" sz="2200" dirty="0"/>
+              <a:t>(per </a:t>
+            </a:r>
+            <a:r>
+              <a:rPr lang="en-US" sz="2200" dirty="0" err="1"/>
+              <a:t>manipolare</a:t>
+            </a:r>
+            <a:r>
+              <a:rPr lang="en-US" sz="2200" dirty="0"/>
+              <a:t> le diverse </a:t>
+            </a:r>
+            <a:r>
+              <a:rPr lang="en-US" sz="2200" dirty="0" err="1"/>
+              <a:t>classi</a:t>
+            </a:r>
+            <a:r>
+              <a:rPr lang="en-US" sz="2200" dirty="0"/>
+              <a:t>. </a:t>
+            </a:r>
+            <a:r>
+              <a:rPr lang="en-US" sz="2200" dirty="0" err="1"/>
+              <a:t>Interfaccia</a:t>
+            </a:r>
+            <a:r>
+              <a:rPr lang="en-US" sz="2200" dirty="0"/>
+              <a:t> di </a:t>
+            </a:r>
+            <a:r>
+              <a:rPr lang="en-US" sz="2200" dirty="0" err="1"/>
+              <a:t>facciata</a:t>
+            </a:r>
+            <a:r>
+              <a:rPr lang="en-US" sz="2200" dirty="0"/>
+              <a:t> </a:t>
+            </a:r>
+            <a:r>
+              <a:rPr lang="en-US" sz="2200" dirty="0" err="1"/>
+              <a:t>fra</a:t>
+            </a:r>
+            <a:r>
+              <a:rPr lang="en-US" sz="2200" dirty="0"/>
+              <a:t> il </a:t>
+            </a:r>
+            <a:r>
+              <a:rPr lang="en-US" sz="2200" dirty="0" err="1"/>
+              <a:t>cliente</a:t>
+            </a:r>
+            <a:r>
+              <a:rPr lang="en-US" sz="2200" dirty="0"/>
+              <a:t> e il Sistema di </a:t>
+            </a:r>
+            <a:r>
+              <a:rPr lang="en-US" sz="2200" dirty="0" err="1"/>
+              <a:t>prenotazione</a:t>
+            </a:r>
+            <a:r>
+              <a:rPr lang="en-US" sz="2200" dirty="0"/>
+              <a:t> </a:t>
+            </a:r>
+            <a:r>
+              <a:rPr lang="en-US" sz="2200" dirty="0" err="1"/>
+              <a:t>dell’Ospedale</a:t>
+            </a:r>
+            <a:r>
+              <a:rPr lang="en-US" sz="2200" dirty="0"/>
+              <a:t>)</a:t>
+            </a:r>
+          </a:p>
+          <a:p>
+            <a:pPr>
+              <a:buFont typeface="Wingdings" panose="05000000000000000000" pitchFamily="2" charset="2"/>
+              <a:buChar char="§"/>
+            </a:pPr>
+            <a:r>
+              <a:rPr lang="en-US" sz="2200" b="1" dirty="0"/>
+              <a:t>Factory Pattern </a:t>
+            </a:r>
+            <a:r>
+              <a:rPr lang="en-US" sz="2200" dirty="0"/>
+              <a:t>(per </a:t>
+            </a:r>
+            <a:r>
+              <a:rPr lang="en-US" sz="2200" dirty="0" err="1"/>
+              <a:t>implementare</a:t>
+            </a:r>
+            <a:r>
+              <a:rPr lang="en-US" sz="2200" dirty="0"/>
+              <a:t> </a:t>
+            </a:r>
+            <a:r>
+              <a:rPr lang="en-US" sz="2200" dirty="0" err="1"/>
+              <a:t>una</a:t>
+            </a:r>
+            <a:r>
+              <a:rPr lang="en-US" sz="2200" dirty="0"/>
+              <a:t> framework utile </a:t>
+            </a:r>
+            <a:r>
+              <a:rPr lang="en-US" sz="2200" dirty="0" err="1"/>
+              <a:t>alla</a:t>
+            </a:r>
+            <a:r>
+              <a:rPr lang="en-US" sz="2200" dirty="0"/>
+              <a:t> </a:t>
+            </a:r>
+            <a:r>
+              <a:rPr lang="en-US" sz="2200" dirty="0" err="1"/>
+              <a:t>creazione</a:t>
+            </a:r>
+            <a:r>
+              <a:rPr lang="en-US" sz="2200" dirty="0"/>
+              <a:t> di </a:t>
+            </a:r>
+            <a:r>
+              <a:rPr lang="en-US" sz="2200" dirty="0" err="1"/>
+              <a:t>classi</a:t>
+            </a:r>
+            <a:r>
+              <a:rPr lang="en-US" sz="2200" dirty="0"/>
+              <a:t> e </a:t>
+            </a:r>
+            <a:r>
+              <a:rPr lang="en-US" sz="2200" dirty="0" err="1"/>
+              <a:t>oggetti</a:t>
+            </a:r>
+            <a:r>
+              <a:rPr lang="en-US" sz="2200" dirty="0"/>
+              <a:t> </a:t>
+            </a:r>
+            <a:r>
+              <a:rPr lang="en-US" sz="2200" dirty="0" err="1"/>
+              <a:t>dipendenti</a:t>
+            </a:r>
+            <a:r>
+              <a:rPr lang="en-US" sz="2200" dirty="0"/>
+              <a:t> </a:t>
+            </a:r>
+            <a:r>
+              <a:rPr lang="en-US" sz="2200" dirty="0" err="1"/>
+              <a:t>dall’applicazione</a:t>
+            </a:r>
+            <a:r>
+              <a:rPr lang="en-US" sz="2200" dirty="0"/>
+              <a:t>)</a:t>
+            </a:r>
+          </a:p>
+          <a:p>
+            <a:pPr>
+              <a:buFont typeface="Wingdings" panose="05000000000000000000" pitchFamily="2" charset="2"/>
+              <a:buChar char="§"/>
+            </a:pPr>
+            <a:r>
+              <a:rPr lang="en-US" sz="2200" b="1" dirty="0"/>
+              <a:t>Builder Pattern </a:t>
+            </a:r>
+            <a:r>
+              <a:rPr lang="en-US" sz="2200" dirty="0"/>
+              <a:t>(per </a:t>
+            </a:r>
+            <a:r>
+              <a:rPr lang="en-US" sz="2200" dirty="0" err="1"/>
+              <a:t>costruire</a:t>
+            </a:r>
+            <a:r>
+              <a:rPr lang="en-US" sz="2200" dirty="0"/>
+              <a:t> </a:t>
+            </a:r>
+            <a:r>
+              <a:rPr lang="en-US" sz="2200" dirty="0" err="1"/>
+              <a:t>un’applicazione</a:t>
+            </a:r>
+            <a:r>
+              <a:rPr lang="en-US" sz="2200" dirty="0"/>
+              <a:t> </a:t>
+            </a:r>
+            <a:r>
+              <a:rPr lang="en-US" sz="2200" dirty="0" err="1"/>
+              <a:t>complessa</a:t>
+            </a:r>
+            <a:r>
+              <a:rPr lang="en-US" sz="2200" dirty="0"/>
+              <a:t> a </a:t>
+            </a:r>
+            <a:r>
+              <a:rPr lang="en-US" sz="2200" dirty="0" err="1"/>
+              <a:t>partire</a:t>
+            </a:r>
+            <a:r>
+              <a:rPr lang="en-US" sz="2200" dirty="0"/>
+              <a:t> da un </a:t>
+            </a:r>
+            <a:r>
+              <a:rPr lang="en-US" sz="2200" dirty="0" err="1"/>
+              <a:t>insieme</a:t>
+            </a:r>
+            <a:r>
+              <a:rPr lang="en-US" sz="2200" dirty="0"/>
+              <a:t> di </a:t>
+            </a:r>
+            <a:r>
+              <a:rPr lang="en-US" sz="2200" dirty="0" err="1"/>
+              <a:t>componenti</a:t>
+            </a:r>
+            <a:r>
+              <a:rPr lang="en-US" sz="2200" dirty="0"/>
+              <a:t> </a:t>
+            </a:r>
+            <a:r>
+              <a:rPr lang="en-US" sz="2200" dirty="0" err="1"/>
+              <a:t>oggetti</a:t>
+            </a:r>
+            <a:r>
+              <a:rPr lang="en-US" sz="2200" dirty="0"/>
+              <a:t>)</a:t>
+            </a:r>
+            <a:endParaRPr lang="en-US" sz="2200" b="1" dirty="0"/>
           </a:p>
         </p:txBody>
       </p:sp>
@@ -26957,6 +27392,15 @@
 </file>
 
 <file path=customXml/item1.xml><?xml version="1.0" encoding="utf-8"?>
+<?mso-contentType ?>
+<FormTemplates xmlns="http://schemas.microsoft.com/sharepoint/v3/contenttype/forms">
+  <Display>DocumentLibraryForm</Display>
+  <Edit>DocumentLibraryForm</Edit>
+  <New>DocumentLibraryForm</New>
+</FormTemplates>
+</file>
+
+<file path=customXml/item2.xml><?xml version="1.0" encoding="utf-8"?>
 <ct:contentTypeSchema xmlns:ct="http://schemas.microsoft.com/office/2006/metadata/contentType" xmlns:ma="http://schemas.microsoft.com/office/2006/metadata/properties/metaAttributes" ct:_="" ma:_="" ma:contentTypeName="Documento" ma:contentTypeID="0x0101007CE6213B20D2F945B0D1473923EE410F" ma:contentTypeVersion="7" ma:contentTypeDescription="Creare un nuovo documento." ma:contentTypeScope="" ma:versionID="dc8ac43e96b461727accd63cf925a5cf">
   <xsd:schema xmlns:xsd="http://www.w3.org/2001/XMLSchema" xmlns:xs="http://www.w3.org/2001/XMLSchema" xmlns:p="http://schemas.microsoft.com/office/2006/metadata/properties" xmlns:ns2="243f3390-b919-40e8-8195-3613e8527352" targetNamespace="http://schemas.microsoft.com/office/2006/metadata/properties" ma:root="true" ma:fieldsID="1987007e621e1b24d40e437f012b913d" ns2:_="">
     <xsd:import namespace="243f3390-b919-40e8-8195-3613e8527352"/>
@@ -27118,15 +27562,6 @@
 </ct:contentTypeSchema>
 </file>
 
-<file path=customXml/item2.xml><?xml version="1.0" encoding="utf-8"?>
-<?mso-contentType ?>
-<FormTemplates xmlns="http://schemas.microsoft.com/sharepoint/v3/contenttype/forms">
-  <Display>DocumentLibraryForm</Display>
-  <Edit>DocumentLibraryForm</Edit>
-  <New>DocumentLibraryForm</New>
-</FormTemplates>
-</file>
-
 <file path=customXml/item3.xml><?xml version="1.0" encoding="utf-8"?>
 <p:properties xmlns:p="http://schemas.microsoft.com/office/2006/metadata/properties" xmlns:xsi="http://www.w3.org/2001/XMLSchema-instance" xmlns:pc="http://schemas.microsoft.com/office/infopath/2007/PartnerControls">
   <documentManagement/>
@@ -27134,6 +27569,14 @@
 </file>
 
 <file path=customXml/itemProps1.xml><?xml version="1.0" encoding="utf-8"?>
+<ds:datastoreItem xmlns:ds="http://schemas.openxmlformats.org/officeDocument/2006/customXml" ds:itemID="{42BC90D6-94CF-42F7-AAC4-9CF6824C54D5}">
+  <ds:schemaRefs>
+    <ds:schemaRef ds:uri="http://schemas.microsoft.com/sharepoint/v3/contenttype/forms"/>
+  </ds:schemaRefs>
+</ds:datastoreItem>
+</file>
+
+<file path=customXml/itemProps2.xml><?xml version="1.0" encoding="utf-8"?>
 <ds:datastoreItem xmlns:ds="http://schemas.openxmlformats.org/officeDocument/2006/customXml" ds:itemID="{1A503E23-9696-4358-8F00-F7F66AC755EB}">
   <ds:schemaRefs>
     <ds:schemaRef ds:uri="http://schemas.microsoft.com/office/2006/metadata/contentType"/>
@@ -27147,14 +27590,6 @@
     <ds:schemaRef ds:uri="http://purl.org/dc/elements/1.1/"/>
     <ds:schemaRef ds:uri="http://purl.org/dc/terms/"/>
     <ds:schemaRef ds:uri="http://schemas.microsoft.com/internal/obd"/>
-  </ds:schemaRefs>
-</ds:datastoreItem>
-</file>
-
-<file path=customXml/itemProps2.xml><?xml version="1.0" encoding="utf-8"?>
-<ds:datastoreItem xmlns:ds="http://schemas.openxmlformats.org/officeDocument/2006/customXml" ds:itemID="{42BC90D6-94CF-42F7-AAC4-9CF6824C54D5}">
-  <ds:schemaRefs>
-    <ds:schemaRef ds:uri="http://schemas.microsoft.com/sharepoint/v3/contenttype/forms"/>
   </ds:schemaRefs>
 </ds:datastoreItem>
 </file>

--- a/Presentazione_Progetto.pptx
+++ b/Presentazione_Progetto.pptx
@@ -5,10 +5,10 @@
     <p:sldMasterId id="2147483720" r:id="rId4"/>
   </p:sldMasterIdLst>
   <p:notesMasterIdLst>
-    <p:notesMasterId r:id="rId18"/>
+    <p:notesMasterId r:id="rId19"/>
   </p:notesMasterIdLst>
   <p:handoutMasterIdLst>
-    <p:handoutMasterId r:id="rId19"/>
+    <p:handoutMasterId r:id="rId20"/>
   </p:handoutMasterIdLst>
   <p:sldIdLst>
     <p:sldId id="256" r:id="rId5"/>
@@ -18,12 +18,13 @@
     <p:sldId id="298" r:id="rId9"/>
     <p:sldId id="300" r:id="rId10"/>
     <p:sldId id="309" r:id="rId11"/>
-    <p:sldId id="302" r:id="rId12"/>
-    <p:sldId id="303" r:id="rId13"/>
-    <p:sldId id="304" r:id="rId14"/>
-    <p:sldId id="306" r:id="rId15"/>
-    <p:sldId id="307" r:id="rId16"/>
-    <p:sldId id="310" r:id="rId17"/>
+    <p:sldId id="313" r:id="rId12"/>
+    <p:sldId id="302" r:id="rId13"/>
+    <p:sldId id="303" r:id="rId14"/>
+    <p:sldId id="304" r:id="rId15"/>
+    <p:sldId id="306" r:id="rId16"/>
+    <p:sldId id="307" r:id="rId17"/>
+    <p:sldId id="310" r:id="rId18"/>
   </p:sldIdLst>
   <p:sldSz cx="12192000" cy="6858000"/>
   <p:notesSz cx="6858000" cy="9144000"/>
@@ -159,7 +160,7 @@
 <file path=ppt/revisionInfo.xml><?xml version="1.0" encoding="utf-8"?>
 <p1510:revInfo xmlns:a="http://schemas.openxmlformats.org/drawingml/2006/main" xmlns:r="http://schemas.openxmlformats.org/officeDocument/2006/relationships" xmlns:p1510="http://schemas.microsoft.com/office/powerpoint/2015/10/main">
   <p1510:revLst>
-    <p1510:client id="{002FC19B-B750-46E5-AE6C-2EDFEC68FEF2}" v="32" dt="2023-12-02T20:45:59.280"/>
+    <p1510:client id="{002FC19B-B750-46E5-AE6C-2EDFEC68FEF2}" v="37" dt="2023-12-09T11:32:41.521"/>
   </p1510:revLst>
 </p1510:revInfo>
 </file>
@@ -169,18 +170,18 @@
   <pc:docChgLst>
     <pc:chgData name="Matteo MANGILI" userId="89c7df381375e6aa" providerId="LiveId" clId="{002FC19B-B750-46E5-AE6C-2EDFEC68FEF2}"/>
     <pc:docChg chg="undo custSel addSld delSld modSld">
-      <pc:chgData name="Matteo MANGILI" userId="89c7df381375e6aa" providerId="LiveId" clId="{002FC19B-B750-46E5-AE6C-2EDFEC68FEF2}" dt="2023-12-09T09:26:34.583" v="3538" actId="20577"/>
+      <pc:chgData name="Matteo MANGILI" userId="89c7df381375e6aa" providerId="LiveId" clId="{002FC19B-B750-46E5-AE6C-2EDFEC68FEF2}" dt="2023-12-09T11:37:27.128" v="4268" actId="20577"/>
       <pc:docMkLst>
         <pc:docMk/>
       </pc:docMkLst>
       <pc:sldChg chg="addSp delSp modSp mod setBg delDesignElem">
-        <pc:chgData name="Matteo MANGILI" userId="89c7df381375e6aa" providerId="LiveId" clId="{002FC19B-B750-46E5-AE6C-2EDFEC68FEF2}" dt="2023-12-02T20:07:39.883" v="1158"/>
+        <pc:chgData name="Matteo MANGILI" userId="89c7df381375e6aa" providerId="LiveId" clId="{002FC19B-B750-46E5-AE6C-2EDFEC68FEF2}" dt="2023-12-09T11:16:56.082" v="3558" actId="20577"/>
         <pc:sldMkLst>
           <pc:docMk/>
           <pc:sldMk cId="1642425379" sldId="256"/>
         </pc:sldMkLst>
         <pc:spChg chg="mod">
-          <ac:chgData name="Matteo MANGILI" userId="89c7df381375e6aa" providerId="LiveId" clId="{002FC19B-B750-46E5-AE6C-2EDFEC68FEF2}" dt="2023-12-02T19:56:48.628" v="1079" actId="14100"/>
+          <ac:chgData name="Matteo MANGILI" userId="89c7df381375e6aa" providerId="LiveId" clId="{002FC19B-B750-46E5-AE6C-2EDFEC68FEF2}" dt="2023-12-09T11:16:56.082" v="3558" actId="20577"/>
           <ac:spMkLst>
             <pc:docMk/>
             <pc:sldMk cId="1642425379" sldId="256"/>
@@ -253,7 +254,7 @@
         </pc:picChg>
       </pc:sldChg>
       <pc:sldChg chg="addSp delSp modSp mod setBg delDesignElem">
-        <pc:chgData name="Matteo MANGILI" userId="89c7df381375e6aa" providerId="LiveId" clId="{002FC19B-B750-46E5-AE6C-2EDFEC68FEF2}" dt="2023-12-07T12:05:07.525" v="2489" actId="20577"/>
+        <pc:chgData name="Matteo MANGILI" userId="89c7df381375e6aa" providerId="LiveId" clId="{002FC19B-B750-46E5-AE6C-2EDFEC68FEF2}" dt="2023-12-09T11:18:43.129" v="3698" actId="20577"/>
         <pc:sldMkLst>
           <pc:docMk/>
           <pc:sldMk cId="3250768115" sldId="296"/>
@@ -267,7 +268,7 @@
           </ac:spMkLst>
         </pc:spChg>
         <pc:spChg chg="mod">
-          <ac:chgData name="Matteo MANGILI" userId="89c7df381375e6aa" providerId="LiveId" clId="{002FC19B-B750-46E5-AE6C-2EDFEC68FEF2}" dt="2023-12-07T12:05:07.525" v="2489" actId="20577"/>
+          <ac:chgData name="Matteo MANGILI" userId="89c7df381375e6aa" providerId="LiveId" clId="{002FC19B-B750-46E5-AE6C-2EDFEC68FEF2}" dt="2023-12-09T11:18:43.129" v="3698" actId="20577"/>
           <ac:spMkLst>
             <pc:docMk/>
             <pc:sldMk cId="3250768115" sldId="296"/>
@@ -299,7 +300,7 @@
           </ac:spMkLst>
         </pc:spChg>
         <pc:picChg chg="add mod">
-          <ac:chgData name="Matteo MANGILI" userId="89c7df381375e6aa" providerId="LiveId" clId="{002FC19B-B750-46E5-AE6C-2EDFEC68FEF2}" dt="2023-12-02T11:59:10.537" v="1054" actId="26606"/>
+          <ac:chgData name="Matteo MANGILI" userId="89c7df381375e6aa" providerId="LiveId" clId="{002FC19B-B750-46E5-AE6C-2EDFEC68FEF2}" dt="2023-12-09T11:18:07.555" v="3687" actId="14100"/>
           <ac:picMkLst>
             <pc:docMk/>
             <pc:sldMk cId="3250768115" sldId="296"/>
@@ -308,7 +309,7 @@
         </pc:picChg>
       </pc:sldChg>
       <pc:sldChg chg="addSp delSp modSp mod setBg addAnim delAnim modAnim delDesignElem chgLayout">
-        <pc:chgData name="Matteo MANGILI" userId="89c7df381375e6aa" providerId="LiveId" clId="{002FC19B-B750-46E5-AE6C-2EDFEC68FEF2}" dt="2023-12-07T12:05:48.228" v="2528" actId="20577"/>
+        <pc:chgData name="Matteo MANGILI" userId="89c7df381375e6aa" providerId="LiveId" clId="{002FC19B-B750-46E5-AE6C-2EDFEC68FEF2}" dt="2023-12-09T11:19:28.518" v="3741" actId="5793"/>
         <pc:sldMkLst>
           <pc:docMk/>
           <pc:sldMk cId="1249612630" sldId="297"/>
@@ -330,7 +331,7 @@
           </ac:spMkLst>
         </pc:spChg>
         <pc:spChg chg="mod ord">
-          <ac:chgData name="Matteo MANGILI" userId="89c7df381375e6aa" providerId="LiveId" clId="{002FC19B-B750-46E5-AE6C-2EDFEC68FEF2}" dt="2023-12-07T12:05:48.228" v="2528" actId="20577"/>
+          <ac:chgData name="Matteo MANGILI" userId="89c7df381375e6aa" providerId="LiveId" clId="{002FC19B-B750-46E5-AE6C-2EDFEC68FEF2}" dt="2023-12-09T11:19:28.518" v="3741" actId="5793"/>
           <ac:spMkLst>
             <pc:docMk/>
             <pc:sldMk cId="1249612630" sldId="297"/>
@@ -555,7 +556,7 @@
         </pc:picChg>
       </pc:sldChg>
       <pc:sldChg chg="addSp modSp mod setBg">
-        <pc:chgData name="Matteo MANGILI" userId="89c7df381375e6aa" providerId="LiveId" clId="{002FC19B-B750-46E5-AE6C-2EDFEC68FEF2}" dt="2023-12-09T09:26:34.583" v="3538" actId="20577"/>
+        <pc:chgData name="Matteo MANGILI" userId="89c7df381375e6aa" providerId="LiveId" clId="{002FC19B-B750-46E5-AE6C-2EDFEC68FEF2}" dt="2023-12-09T11:21:49.001" v="3911" actId="20577"/>
         <pc:sldMkLst>
           <pc:docMk/>
           <pc:sldMk cId="3996999348" sldId="298"/>
@@ -569,7 +570,7 @@
           </ac:spMkLst>
         </pc:spChg>
         <pc:spChg chg="mod">
-          <ac:chgData name="Matteo MANGILI" userId="89c7df381375e6aa" providerId="LiveId" clId="{002FC19B-B750-46E5-AE6C-2EDFEC68FEF2}" dt="2023-12-09T09:26:34.583" v="3538" actId="20577"/>
+          <ac:chgData name="Matteo MANGILI" userId="89c7df381375e6aa" providerId="LiveId" clId="{002FC19B-B750-46E5-AE6C-2EDFEC68FEF2}" dt="2023-12-09T11:21:49.001" v="3911" actId="20577"/>
           <ac:spMkLst>
             <pc:docMk/>
             <pc:sldMk cId="3996999348" sldId="298"/>
@@ -602,7 +603,7 @@
         </pc:spChg>
       </pc:sldChg>
       <pc:sldChg chg="addSp delSp modSp mod setBg addAnim modAnim">
-        <pc:chgData name="Matteo MANGILI" userId="89c7df381375e6aa" providerId="LiveId" clId="{002FC19B-B750-46E5-AE6C-2EDFEC68FEF2}" dt="2023-12-02T20:21:03.827" v="1238" actId="14100"/>
+        <pc:chgData name="Matteo MANGILI" userId="89c7df381375e6aa" providerId="LiveId" clId="{002FC19B-B750-46E5-AE6C-2EDFEC68FEF2}" dt="2023-12-09T11:25:46.401" v="3916" actId="14100"/>
         <pc:sldMkLst>
           <pc:docMk/>
           <pc:sldMk cId="930824607" sldId="300"/>
@@ -615,8 +616,8 @@
             <ac:spMk id="2" creationId="{75031FE9-9059-4FE8-B4AC-9771F23A1B89}"/>
           </ac:spMkLst>
         </pc:spChg>
-        <pc:spChg chg="mod">
-          <ac:chgData name="Matteo MANGILI" userId="89c7df381375e6aa" providerId="LiveId" clId="{002FC19B-B750-46E5-AE6C-2EDFEC68FEF2}" dt="2023-12-02T20:20:45.042" v="1235" actId="14100"/>
+        <pc:spChg chg="del mod">
+          <ac:chgData name="Matteo MANGILI" userId="89c7df381375e6aa" providerId="LiveId" clId="{002FC19B-B750-46E5-AE6C-2EDFEC68FEF2}" dt="2023-12-09T11:25:32.020" v="3913"/>
           <ac:spMkLst>
             <pc:docMk/>
             <pc:sldMk cId="930824607" sldId="300"/>
@@ -711,6 +712,14 @@
             <ac:spMk id="115" creationId="{DB17E863-922E-4C26-BD64-E8FD41D28661}"/>
           </ac:spMkLst>
         </pc:spChg>
+        <pc:picChg chg="add mod">
+          <ac:chgData name="Matteo MANGILI" userId="89c7df381375e6aa" providerId="LiveId" clId="{002FC19B-B750-46E5-AE6C-2EDFEC68FEF2}" dt="2023-12-09T11:25:46.401" v="3916" actId="14100"/>
+          <ac:picMkLst>
+            <pc:docMk/>
+            <pc:sldMk cId="930824607" sldId="300"/>
+            <ac:picMk id="3" creationId="{4FEB95E3-E64A-1943-6AD8-22923F2676CB}"/>
+          </ac:picMkLst>
+        </pc:picChg>
         <pc:picChg chg="add del">
           <ac:chgData name="Matteo MANGILI" userId="89c7df381375e6aa" providerId="LiveId" clId="{002FC19B-B750-46E5-AE6C-2EDFEC68FEF2}" dt="2023-12-02T20:09:14.933" v="1168" actId="21"/>
           <ac:picMkLst>
@@ -720,18 +729,26 @@
           </ac:picMkLst>
         </pc:picChg>
       </pc:sldChg>
-      <pc:sldChg chg="addSp delSp modSp mod setBg addAnim modAnim">
-        <pc:chgData name="Matteo MANGILI" userId="89c7df381375e6aa" providerId="LiveId" clId="{002FC19B-B750-46E5-AE6C-2EDFEC68FEF2}" dt="2023-12-02T20:46:01.316" v="2176" actId="1076"/>
+      <pc:sldChg chg="addSp delSp modSp mod setBg addAnim modAnim delDesignElem chgLayout">
+        <pc:chgData name="Matteo MANGILI" userId="89c7df381375e6aa" providerId="LiveId" clId="{002FC19B-B750-46E5-AE6C-2EDFEC68FEF2}" dt="2023-12-09T11:32:56.448" v="4159" actId="1076"/>
         <pc:sldMkLst>
           <pc:docMk/>
           <pc:sldMk cId="141201089" sldId="302"/>
         </pc:sldMkLst>
-        <pc:spChg chg="mod">
-          <ac:chgData name="Matteo MANGILI" userId="89c7df381375e6aa" providerId="LiveId" clId="{002FC19B-B750-46E5-AE6C-2EDFEC68FEF2}" dt="2023-12-02T20:13:58.094" v="1189" actId="26606"/>
+        <pc:spChg chg="mod ord">
+          <ac:chgData name="Matteo MANGILI" userId="89c7df381375e6aa" providerId="LiveId" clId="{002FC19B-B750-46E5-AE6C-2EDFEC68FEF2}" dt="2023-12-09T11:29:47.419" v="4035" actId="700"/>
           <ac:spMkLst>
             <pc:docMk/>
             <pc:sldMk cId="141201089" sldId="302"/>
             <ac:spMk id="2" creationId="{75031FE9-9059-4FE8-B4AC-9771F23A1B89}"/>
+          </ac:spMkLst>
+        </pc:spChg>
+        <pc:spChg chg="add del mod ord">
+          <ac:chgData name="Matteo MANGILI" userId="89c7df381375e6aa" providerId="LiveId" clId="{002FC19B-B750-46E5-AE6C-2EDFEC68FEF2}" dt="2023-12-09T11:29:47.419" v="4035" actId="700"/>
+          <ac:spMkLst>
+            <pc:docMk/>
+            <pc:sldMk cId="141201089" sldId="302"/>
+            <ac:spMk id="4" creationId="{0ADD0658-6731-6F96-C053-749A88636CE1}"/>
           </ac:spMkLst>
         </pc:spChg>
         <pc:spChg chg="del mod">
@@ -742,36 +759,172 @@
             <ac:spMk id="4" creationId="{49E5AF19-2813-23F3-53D8-44D5983D20DA}"/>
           </ac:spMkLst>
         </pc:spChg>
-        <pc:spChg chg="mod">
-          <ac:chgData name="Matteo MANGILI" userId="89c7df381375e6aa" providerId="LiveId" clId="{002FC19B-B750-46E5-AE6C-2EDFEC68FEF2}" dt="2023-12-02T20:15:12.489" v="1204" actId="255"/>
+        <pc:spChg chg="add del mod ord">
+          <ac:chgData name="Matteo MANGILI" userId="89c7df381375e6aa" providerId="LiveId" clId="{002FC19B-B750-46E5-AE6C-2EDFEC68FEF2}" dt="2023-12-09T11:29:47.419" v="4035" actId="700"/>
+          <ac:spMkLst>
+            <pc:docMk/>
+            <pc:sldMk cId="141201089" sldId="302"/>
+            <ac:spMk id="5" creationId="{AFAD8D7D-B5A5-6451-7EE4-5AC8E949B0A4}"/>
+          </ac:spMkLst>
+        </pc:spChg>
+        <pc:spChg chg="add del mod ord">
+          <ac:chgData name="Matteo MANGILI" userId="89c7df381375e6aa" providerId="LiveId" clId="{002FC19B-B750-46E5-AE6C-2EDFEC68FEF2}" dt="2023-12-09T11:29:47.419" v="4035" actId="700"/>
+          <ac:spMkLst>
+            <pc:docMk/>
+            <pc:sldMk cId="141201089" sldId="302"/>
+            <ac:spMk id="6" creationId="{61E9E9AB-458C-38A0-8202-CD6368CC0E6F}"/>
+          </ac:spMkLst>
+        </pc:spChg>
+        <pc:spChg chg="add del mod ord">
+          <ac:chgData name="Matteo MANGILI" userId="89c7df381375e6aa" providerId="LiveId" clId="{002FC19B-B750-46E5-AE6C-2EDFEC68FEF2}" dt="2023-12-09T11:29:47.419" v="4035" actId="700"/>
+          <ac:spMkLst>
+            <pc:docMk/>
+            <pc:sldMk cId="141201089" sldId="302"/>
+            <ac:spMk id="7" creationId="{647996D3-0549-F7EC-6BDB-575653046935}"/>
+          </ac:spMkLst>
+        </pc:spChg>
+        <pc:spChg chg="add del mod ord">
+          <ac:chgData name="Matteo MANGILI" userId="89c7df381375e6aa" providerId="LiveId" clId="{002FC19B-B750-46E5-AE6C-2EDFEC68FEF2}" dt="2023-12-09T11:29:47.419" v="4035" actId="700"/>
+          <ac:spMkLst>
+            <pc:docMk/>
+            <pc:sldMk cId="141201089" sldId="302"/>
+            <ac:spMk id="8" creationId="{A6E787C4-D4DF-B7EC-3F9F-8B71249C84A6}"/>
+          </ac:spMkLst>
+        </pc:spChg>
+        <pc:spChg chg="add del mod ord">
+          <ac:chgData name="Matteo MANGILI" userId="89c7df381375e6aa" providerId="LiveId" clId="{002FC19B-B750-46E5-AE6C-2EDFEC68FEF2}" dt="2023-12-09T11:29:47.419" v="4035" actId="700"/>
+          <ac:spMkLst>
+            <pc:docMk/>
+            <pc:sldMk cId="141201089" sldId="302"/>
+            <ac:spMk id="9" creationId="{259E5792-379B-D689-AC25-C5AD38827498}"/>
+          </ac:spMkLst>
+        </pc:spChg>
+        <pc:spChg chg="add del mod ord">
+          <ac:chgData name="Matteo MANGILI" userId="89c7df381375e6aa" providerId="LiveId" clId="{002FC19B-B750-46E5-AE6C-2EDFEC68FEF2}" dt="2023-12-09T11:29:47.419" v="4035" actId="700"/>
+          <ac:spMkLst>
+            <pc:docMk/>
+            <pc:sldMk cId="141201089" sldId="302"/>
+            <ac:spMk id="10" creationId="{ECE4EAAF-A59A-572A-E814-ED5E00FB584B}"/>
+          </ac:spMkLst>
+        </pc:spChg>
+        <pc:spChg chg="add del mod ord">
+          <ac:chgData name="Matteo MANGILI" userId="89c7df381375e6aa" providerId="LiveId" clId="{002FC19B-B750-46E5-AE6C-2EDFEC68FEF2}" dt="2023-12-09T11:29:47.419" v="4035" actId="700"/>
+          <ac:spMkLst>
+            <pc:docMk/>
+            <pc:sldMk cId="141201089" sldId="302"/>
+            <ac:spMk id="11" creationId="{62CD19D9-DC37-CF4B-AB70-20FC1D9AA452}"/>
+          </ac:spMkLst>
+        </pc:spChg>
+        <pc:spChg chg="add del mod ord">
+          <ac:chgData name="Matteo MANGILI" userId="89c7df381375e6aa" providerId="LiveId" clId="{002FC19B-B750-46E5-AE6C-2EDFEC68FEF2}" dt="2023-12-09T11:29:47.419" v="4035" actId="700"/>
+          <ac:spMkLst>
+            <pc:docMk/>
+            <pc:sldMk cId="141201089" sldId="302"/>
+            <ac:spMk id="12" creationId="{7D18FDD6-6A76-9F76-16CA-B946DE318D9E}"/>
+          </ac:spMkLst>
+        </pc:spChg>
+        <pc:spChg chg="add del mod ord">
+          <ac:chgData name="Matteo MANGILI" userId="89c7df381375e6aa" providerId="LiveId" clId="{002FC19B-B750-46E5-AE6C-2EDFEC68FEF2}" dt="2023-12-09T11:29:47.419" v="4035" actId="700"/>
+          <ac:spMkLst>
+            <pc:docMk/>
+            <pc:sldMk cId="141201089" sldId="302"/>
+            <ac:spMk id="13" creationId="{80B9A5D0-3D3E-935F-2E81-F5F0FBB60E1F}"/>
+          </ac:spMkLst>
+        </pc:spChg>
+        <pc:spChg chg="add del mod ord">
+          <ac:chgData name="Matteo MANGILI" userId="89c7df381375e6aa" providerId="LiveId" clId="{002FC19B-B750-46E5-AE6C-2EDFEC68FEF2}" dt="2023-12-09T11:29:47.419" v="4035" actId="700"/>
+          <ac:spMkLst>
+            <pc:docMk/>
+            <pc:sldMk cId="141201089" sldId="302"/>
+            <ac:spMk id="14" creationId="{5C15638A-E45D-9F43-8750-AEBDE9C03312}"/>
+          </ac:spMkLst>
+        </pc:spChg>
+        <pc:spChg chg="add del mod ord">
+          <ac:chgData name="Matteo MANGILI" userId="89c7df381375e6aa" providerId="LiveId" clId="{002FC19B-B750-46E5-AE6C-2EDFEC68FEF2}" dt="2023-12-09T11:29:47.419" v="4035" actId="700"/>
+          <ac:spMkLst>
+            <pc:docMk/>
+            <pc:sldMk cId="141201089" sldId="302"/>
+            <ac:spMk id="15" creationId="{7CC6AE3D-7129-21F5-AA26-C5D8B7983E73}"/>
+          </ac:spMkLst>
+        </pc:spChg>
+        <pc:spChg chg="add del mod ord">
+          <ac:chgData name="Matteo MANGILI" userId="89c7df381375e6aa" providerId="LiveId" clId="{002FC19B-B750-46E5-AE6C-2EDFEC68FEF2}" dt="2023-12-09T11:29:47.419" v="4035" actId="700"/>
+          <ac:spMkLst>
+            <pc:docMk/>
+            <pc:sldMk cId="141201089" sldId="302"/>
+            <ac:spMk id="16" creationId="{11963677-C9BA-0F84-16E6-1CFECB97ECC7}"/>
+          </ac:spMkLst>
+        </pc:spChg>
+        <pc:spChg chg="add del mod ord">
+          <ac:chgData name="Matteo MANGILI" userId="89c7df381375e6aa" providerId="LiveId" clId="{002FC19B-B750-46E5-AE6C-2EDFEC68FEF2}" dt="2023-12-09T11:29:47.419" v="4035" actId="700"/>
+          <ac:spMkLst>
+            <pc:docMk/>
+            <pc:sldMk cId="141201089" sldId="302"/>
+            <ac:spMk id="17" creationId="{3A70D6B6-D42E-B461-EB24-9CC4726297B3}"/>
+          </ac:spMkLst>
+        </pc:spChg>
+        <pc:spChg chg="add del mod ord">
+          <ac:chgData name="Matteo MANGILI" userId="89c7df381375e6aa" providerId="LiveId" clId="{002FC19B-B750-46E5-AE6C-2EDFEC68FEF2}" dt="2023-12-09T11:29:47.419" v="4035" actId="700"/>
+          <ac:spMkLst>
+            <pc:docMk/>
+            <pc:sldMk cId="141201089" sldId="302"/>
+            <ac:spMk id="18" creationId="{57D88225-B572-ADF2-9793-0C37BA9376BD}"/>
+          </ac:spMkLst>
+        </pc:spChg>
+        <pc:spChg chg="add mod">
+          <ac:chgData name="Matteo MANGILI" userId="89c7df381375e6aa" providerId="LiveId" clId="{002FC19B-B750-46E5-AE6C-2EDFEC68FEF2}" dt="2023-12-09T11:30:32.749" v="4073" actId="14100"/>
+          <ac:spMkLst>
+            <pc:docMk/>
+            <pc:sldMk cId="141201089" sldId="302"/>
+            <ac:spMk id="19" creationId="{8B9F0681-6C98-C87F-B39F-F7A05657163C}"/>
+          </ac:spMkLst>
+        </pc:spChg>
+        <pc:spChg chg="add mod">
+          <ac:chgData name="Matteo MANGILI" userId="89c7df381375e6aa" providerId="LiveId" clId="{002FC19B-B750-46E5-AE6C-2EDFEC68FEF2}" dt="2023-12-09T11:31:40.152" v="4133" actId="14100"/>
+          <ac:spMkLst>
+            <pc:docMk/>
+            <pc:sldMk cId="141201089" sldId="302"/>
+            <ac:spMk id="20" creationId="{81FF93F6-1ED9-0763-AF79-4C131175232A}"/>
+          </ac:spMkLst>
+        </pc:spChg>
+        <pc:spChg chg="mod ord">
+          <ac:chgData name="Matteo MANGILI" userId="89c7df381375e6aa" providerId="LiveId" clId="{002FC19B-B750-46E5-AE6C-2EDFEC68FEF2}" dt="2023-12-09T11:29:47.419" v="4035" actId="700"/>
           <ac:spMkLst>
             <pc:docMk/>
             <pc:sldMk cId="141201089" sldId="302"/>
             <ac:spMk id="82" creationId="{CE36A058-BEC2-4BC5-A467-F2EB2A365051}"/>
           </ac:spMkLst>
         </pc:spChg>
-        <pc:spChg chg="add">
-          <ac:chgData name="Matteo MANGILI" userId="89c7df381375e6aa" providerId="LiveId" clId="{002FC19B-B750-46E5-AE6C-2EDFEC68FEF2}" dt="2023-12-02T20:13:58.094" v="1189" actId="26606"/>
+        <pc:spChg chg="add del">
+          <ac:chgData name="Matteo MANGILI" userId="89c7df381375e6aa" providerId="LiveId" clId="{002FC19B-B750-46E5-AE6C-2EDFEC68FEF2}" dt="2023-12-09T11:29:47.419" v="4035" actId="700"/>
           <ac:spMkLst>
             <pc:docMk/>
             <pc:sldMk cId="141201089" sldId="302"/>
             <ac:spMk id="87" creationId="{100EDD19-6802-4EC3-95CE-CFFAB042CFD6}"/>
           </ac:spMkLst>
         </pc:spChg>
-        <pc:spChg chg="add">
-          <ac:chgData name="Matteo MANGILI" userId="89c7df381375e6aa" providerId="LiveId" clId="{002FC19B-B750-46E5-AE6C-2EDFEC68FEF2}" dt="2023-12-02T20:13:58.094" v="1189" actId="26606"/>
+        <pc:spChg chg="add del">
+          <ac:chgData name="Matteo MANGILI" userId="89c7df381375e6aa" providerId="LiveId" clId="{002FC19B-B750-46E5-AE6C-2EDFEC68FEF2}" dt="2023-12-09T11:29:47.419" v="4035" actId="700"/>
           <ac:spMkLst>
             <pc:docMk/>
             <pc:sldMk cId="141201089" sldId="302"/>
             <ac:spMk id="89" creationId="{DB17E863-922E-4C26-BD64-E8FD41D28661}"/>
           </ac:spMkLst>
         </pc:spChg>
-        <pc:picChg chg="add mod">
-          <ac:chgData name="Matteo MANGILI" userId="89c7df381375e6aa" providerId="LiveId" clId="{002FC19B-B750-46E5-AE6C-2EDFEC68FEF2}" dt="2023-12-02T20:46:01.316" v="2176" actId="1076"/>
+        <pc:picChg chg="add mod ord">
+          <ac:chgData name="Matteo MANGILI" userId="89c7df381375e6aa" providerId="LiveId" clId="{002FC19B-B750-46E5-AE6C-2EDFEC68FEF2}" dt="2023-12-09T11:31:45.404" v="4134" actId="1076"/>
           <ac:picMkLst>
             <pc:docMk/>
             <pc:sldMk cId="141201089" sldId="302"/>
             <ac:picMk id="3" creationId="{DF52D774-0AF5-3D21-AF89-908B316763E3}"/>
+          </ac:picMkLst>
+        </pc:picChg>
+        <pc:picChg chg="add mod">
+          <ac:chgData name="Matteo MANGILI" userId="89c7df381375e6aa" providerId="LiveId" clId="{002FC19B-B750-46E5-AE6C-2EDFEC68FEF2}" dt="2023-12-09T11:32:56.448" v="4159" actId="1076"/>
+          <ac:picMkLst>
+            <pc:docMk/>
+            <pc:sldMk cId="141201089" sldId="302"/>
+            <ac:picMk id="21" creationId="{17F74E82-9D2D-6343-03F7-F245968CDF1E}"/>
           </ac:picMkLst>
         </pc:picChg>
       </pc:sldChg>
@@ -823,7 +976,7 @@
         </pc:spChg>
       </pc:sldChg>
       <pc:sldChg chg="addSp modSp mod setBg">
-        <pc:chgData name="Matteo MANGILI" userId="89c7df381375e6aa" providerId="LiveId" clId="{002FC19B-B750-46E5-AE6C-2EDFEC68FEF2}" dt="2023-12-07T12:06:51.776" v="2638" actId="20577"/>
+        <pc:chgData name="Matteo MANGILI" userId="89c7df381375e6aa" providerId="LiveId" clId="{002FC19B-B750-46E5-AE6C-2EDFEC68FEF2}" dt="2023-12-09T11:37:27.128" v="4268" actId="20577"/>
         <pc:sldMkLst>
           <pc:docMk/>
           <pc:sldMk cId="2728347993" sldId="304"/>
@@ -837,7 +990,7 @@
           </ac:spMkLst>
         </pc:spChg>
         <pc:spChg chg="mod">
-          <ac:chgData name="Matteo MANGILI" userId="89c7df381375e6aa" providerId="LiveId" clId="{002FC19B-B750-46E5-AE6C-2EDFEC68FEF2}" dt="2023-12-07T12:06:51.776" v="2638" actId="20577"/>
+          <ac:chgData name="Matteo MANGILI" userId="89c7df381375e6aa" providerId="LiveId" clId="{002FC19B-B750-46E5-AE6C-2EDFEC68FEF2}" dt="2023-12-09T11:37:27.128" v="4268" actId="20577"/>
           <ac:spMkLst>
             <pc:docMk/>
             <pc:sldMk cId="2728347993" sldId="304"/>
@@ -1299,7 +1452,7 @@
         </pc:cxnChg>
       </pc:sldChg>
       <pc:sldChg chg="addSp modSp mod setBg addAnim modAnim">
-        <pc:chgData name="Matteo MANGILI" userId="89c7df381375e6aa" providerId="LiveId" clId="{002FC19B-B750-46E5-AE6C-2EDFEC68FEF2}" dt="2023-12-02T20:43:01.618" v="2173" actId="20577"/>
+        <pc:chgData name="Matteo MANGILI" userId="89c7df381375e6aa" providerId="LiveId" clId="{002FC19B-B750-46E5-AE6C-2EDFEC68FEF2}" dt="2023-12-09T11:27:42.279" v="4012" actId="20577"/>
         <pc:sldMkLst>
           <pc:docMk/>
           <pc:sldMk cId="1581940243" sldId="309"/>
@@ -1313,7 +1466,7 @@
           </ac:spMkLst>
         </pc:spChg>
         <pc:spChg chg="mod">
-          <ac:chgData name="Matteo MANGILI" userId="89c7df381375e6aa" providerId="LiveId" clId="{002FC19B-B750-46E5-AE6C-2EDFEC68FEF2}" dt="2023-12-02T20:43:01.618" v="2173" actId="20577"/>
+          <ac:chgData name="Matteo MANGILI" userId="89c7df381375e6aa" providerId="LiveId" clId="{002FC19B-B750-46E5-AE6C-2EDFEC68FEF2}" dt="2023-12-09T11:27:42.279" v="4012" actId="20577"/>
           <ac:spMkLst>
             <pc:docMk/>
             <pc:sldMk cId="1581940243" sldId="309"/>
@@ -1478,6 +1631,109 @@
           </ac:picMkLst>
         </pc:picChg>
       </pc:sldChg>
+      <pc:sldChg chg="addSp delSp modSp new mod setBg">
+        <pc:chgData name="Matteo MANGILI" userId="89c7df381375e6aa" providerId="LiveId" clId="{002FC19B-B750-46E5-AE6C-2EDFEC68FEF2}" dt="2023-12-09T11:29:03.608" v="4033" actId="20577"/>
+        <pc:sldMkLst>
+          <pc:docMk/>
+          <pc:sldMk cId="3576197673" sldId="313"/>
+        </pc:sldMkLst>
+        <pc:spChg chg="add mod">
+          <ac:chgData name="Matteo MANGILI" userId="89c7df381375e6aa" providerId="LiveId" clId="{002FC19B-B750-46E5-AE6C-2EDFEC68FEF2}" dt="2023-12-09T11:29:03.608" v="4033" actId="20577"/>
+          <ac:spMkLst>
+            <pc:docMk/>
+            <pc:sldMk cId="3576197673" sldId="313"/>
+            <ac:spMk id="2" creationId="{9C02EA9E-627C-1C35-F5DD-BAE1234B2C25}"/>
+          </ac:spMkLst>
+        </pc:spChg>
+        <pc:spChg chg="add">
+          <ac:chgData name="Matteo MANGILI" userId="89c7df381375e6aa" providerId="LiveId" clId="{002FC19B-B750-46E5-AE6C-2EDFEC68FEF2}" dt="2023-12-09T11:28:35.129" v="4015" actId="26606"/>
+          <ac:spMkLst>
+            <pc:docMk/>
+            <pc:sldMk cId="3576197673" sldId="313"/>
+            <ac:spMk id="3" creationId="{F3C45A35-26CF-8F60-DA33-010A0B4D0549}"/>
+          </ac:spMkLst>
+        </pc:spChg>
+        <pc:spChg chg="add">
+          <ac:chgData name="Matteo MANGILI" userId="89c7df381375e6aa" providerId="LiveId" clId="{002FC19B-B750-46E5-AE6C-2EDFEC68FEF2}" dt="2023-12-09T11:28:35.129" v="4015" actId="26606"/>
+          <ac:spMkLst>
+            <pc:docMk/>
+            <pc:sldMk cId="3576197673" sldId="313"/>
+            <ac:spMk id="4" creationId="{AB6B19E2-3410-0DB2-0B4A-ED7B24C9CDE1}"/>
+          </ac:spMkLst>
+        </pc:spChg>
+        <pc:spChg chg="add">
+          <ac:chgData name="Matteo MANGILI" userId="89c7df381375e6aa" providerId="LiveId" clId="{002FC19B-B750-46E5-AE6C-2EDFEC68FEF2}" dt="2023-12-09T11:28:35.129" v="4015" actId="26606"/>
+          <ac:spMkLst>
+            <pc:docMk/>
+            <pc:sldMk cId="3576197673" sldId="313"/>
+            <ac:spMk id="5" creationId="{A2E5A269-6D28-FFBD-D2A8-5A1F47334F91}"/>
+          </ac:spMkLst>
+        </pc:spChg>
+        <pc:spChg chg="add">
+          <ac:chgData name="Matteo MANGILI" userId="89c7df381375e6aa" providerId="LiveId" clId="{002FC19B-B750-46E5-AE6C-2EDFEC68FEF2}" dt="2023-12-09T11:28:35.129" v="4015" actId="26606"/>
+          <ac:spMkLst>
+            <pc:docMk/>
+            <pc:sldMk cId="3576197673" sldId="313"/>
+            <ac:spMk id="6" creationId="{A21CD12A-53B2-6614-9940-D7E125574BDE}"/>
+          </ac:spMkLst>
+        </pc:spChg>
+        <pc:spChg chg="del mod replId">
+          <ac:chgData name="Matteo MANGILI" userId="89c7df381375e6aa" providerId="LiveId" clId="{002FC19B-B750-46E5-AE6C-2EDFEC68FEF2}" dt="2023-12-09T11:28:35.129" v="4015" actId="26606"/>
+          <ac:spMkLst>
+            <pc:docMk/>
+            <pc:sldMk cId="3576197673" sldId="313"/>
+            <ac:spMk id="8" creationId="{D456CDE7-8AED-04C0-566D-71799DF31628}"/>
+          </ac:spMkLst>
+        </pc:spChg>
+        <pc:spChg chg="del mod replId">
+          <ac:chgData name="Matteo MANGILI" userId="89c7df381375e6aa" providerId="LiveId" clId="{002FC19B-B750-46E5-AE6C-2EDFEC68FEF2}" dt="2023-12-09T11:28:35.129" v="4015" actId="26606"/>
+          <ac:spMkLst>
+            <pc:docMk/>
+            <pc:sldMk cId="3576197673" sldId="313"/>
+            <ac:spMk id="9" creationId="{8D2DCF8C-79AA-B6BA-0E7F-0879E36241E1}"/>
+          </ac:spMkLst>
+        </pc:spChg>
+        <pc:spChg chg="del mod replId">
+          <ac:chgData name="Matteo MANGILI" userId="89c7df381375e6aa" providerId="LiveId" clId="{002FC19B-B750-46E5-AE6C-2EDFEC68FEF2}" dt="2023-12-09T11:28:35.129" v="4015" actId="26606"/>
+          <ac:spMkLst>
+            <pc:docMk/>
+            <pc:sldMk cId="3576197673" sldId="313"/>
+            <ac:spMk id="10" creationId="{4A754DE2-0C8F-18D8-27CC-D1316B5E680C}"/>
+          </ac:spMkLst>
+        </pc:spChg>
+        <pc:spChg chg="add">
+          <ac:chgData name="Matteo MANGILI" userId="89c7df381375e6aa" providerId="LiveId" clId="{002FC19B-B750-46E5-AE6C-2EDFEC68FEF2}" dt="2023-12-09T11:28:35.129" v="4015" actId="26606"/>
+          <ac:spMkLst>
+            <pc:docMk/>
+            <pc:sldMk cId="3576197673" sldId="313"/>
+            <ac:spMk id="11" creationId="{100EDD19-6802-4EC3-95CE-CFFAB042CFD6}"/>
+          </ac:spMkLst>
+        </pc:spChg>
+        <pc:spChg chg="del mod replId">
+          <ac:chgData name="Matteo MANGILI" userId="89c7df381375e6aa" providerId="LiveId" clId="{002FC19B-B750-46E5-AE6C-2EDFEC68FEF2}" dt="2023-12-09T11:28:35.129" v="4015" actId="26606"/>
+          <ac:spMkLst>
+            <pc:docMk/>
+            <pc:sldMk cId="3576197673" sldId="313"/>
+            <ac:spMk id="12" creationId="{5F4619BC-8C6A-08A8-1B10-239D15607BCE}"/>
+          </ac:spMkLst>
+        </pc:spChg>
+        <pc:spChg chg="add">
+          <ac:chgData name="Matteo MANGILI" userId="89c7df381375e6aa" providerId="LiveId" clId="{002FC19B-B750-46E5-AE6C-2EDFEC68FEF2}" dt="2023-12-09T11:28:35.129" v="4015" actId="26606"/>
+          <ac:spMkLst>
+            <pc:docMk/>
+            <pc:sldMk cId="3576197673" sldId="313"/>
+            <ac:spMk id="13" creationId="{DB17E863-922E-4C26-BD64-E8FD41D28661}"/>
+          </ac:spMkLst>
+        </pc:spChg>
+        <pc:spChg chg="del mod replId">
+          <ac:chgData name="Matteo MANGILI" userId="89c7df381375e6aa" providerId="LiveId" clId="{002FC19B-B750-46E5-AE6C-2EDFEC68FEF2}" dt="2023-12-09T11:28:35.129" v="4015" actId="26606"/>
+          <ac:spMkLst>
+            <pc:docMk/>
+            <pc:sldMk cId="3576197673" sldId="313"/>
+            <ac:spMk id="14" creationId="{37877047-568D-8624-9544-4628D5D5CD3D}"/>
+          </ac:spMkLst>
+        </pc:spChg>
+      </pc:sldChg>
     </pc:docChg>
   </pc:docChgLst>
 </pc:chgInfo>
@@ -2183,7 +2439,7 @@
             <a:pPr rtl="0"/>
             <a:fld id="{D4B9A9E5-4F7F-4A7D-9DE1-899232329269}" type="slidenum">
               <a:rPr lang="it-IT" smtClean="0"/>
-              <a:t>10</a:t>
+              <a:t>11</a:t>
             </a:fld>
             <a:endParaRPr lang="it-IT"/>
           </a:p>
@@ -2268,7 +2524,7 @@
             <a:pPr rtl="0"/>
             <a:fld id="{D4B9A9E5-4F7F-4A7D-9DE1-899232329269}" type="slidenum">
               <a:rPr lang="it-IT" smtClean="0"/>
-              <a:t>13</a:t>
+              <a:t>14</a:t>
             </a:fld>
             <a:endParaRPr lang="it-IT"/>
           </a:p>
@@ -2863,7 +3119,7 @@
             <a:pPr rtl="0"/>
             <a:fld id="{D4B9A9E5-4F7F-4A7D-9DE1-899232329269}" type="slidenum">
               <a:rPr lang="it-IT" smtClean="0"/>
-              <a:t>8</a:t>
+              <a:t>9</a:t>
             </a:fld>
             <a:endParaRPr lang="it-IT"/>
           </a:p>
@@ -2948,7 +3204,7 @@
             <a:pPr rtl="0"/>
             <a:fld id="{D4B9A9E5-4F7F-4A7D-9DE1-899232329269}" type="slidenum">
               <a:rPr lang="it-IT" smtClean="0"/>
-              <a:t>9</a:t>
+              <a:t>10</a:t>
             </a:fld>
             <a:endParaRPr lang="it-IT"/>
           </a:p>
@@ -13654,6 +13910,14 @@
               </a:rPr>
             </a:br>
             <a:r>
+              <a:rPr lang="en-US" sz="4200" dirty="0" err="1"/>
+              <a:t>Gestione</a:t>
+            </a:r>
+            <a:r>
+              <a:rPr lang="en-US" sz="4200" dirty="0"/>
+              <a:t> </a:t>
+            </a:r>
+            <a:r>
               <a:rPr lang="en-US" sz="4200" kern="1200" dirty="0" err="1">
                 <a:solidFill>
                   <a:schemeClr val="tx1"/>
@@ -13662,29 +13926,7 @@
                 <a:ea typeface="+mj-ea"/>
                 <a:cs typeface="+mj-cs"/>
               </a:rPr>
-              <a:t>Camere</a:t>
-            </a:r>
-            <a:r>
-              <a:rPr lang="en-US" sz="4200" kern="1200" dirty="0">
-                <a:solidFill>
-                  <a:schemeClr val="tx1"/>
-                </a:solidFill>
-                <a:latin typeface="+mj-lt"/>
-                <a:ea typeface="+mj-ea"/>
-                <a:cs typeface="+mj-cs"/>
-              </a:rPr>
-              <a:t> </a:t>
-            </a:r>
-            <a:r>
-              <a:rPr lang="en-US" sz="4200" kern="1200" dirty="0" err="1">
-                <a:solidFill>
-                  <a:schemeClr val="tx1"/>
-                </a:solidFill>
-                <a:latin typeface="+mj-lt"/>
-                <a:ea typeface="+mj-ea"/>
-                <a:cs typeface="+mj-cs"/>
-              </a:rPr>
-              <a:t>D’Ospedale</a:t>
+              <a:t>Ospedale</a:t>
             </a:r>
             <a:endParaRPr lang="en-US" sz="4200" i="1" kern="1200" dirty="0">
               <a:solidFill>
@@ -14551,8 +14793,8 @@
           <a:p>
             <a:pPr rtl="0"/>
             <a:r>
-              <a:rPr lang="it-IT" sz="5400" b="1"/>
-              <a:t>Implementazione</a:t>
+              <a:rPr lang="it-IT" sz="5400" b="1" dirty="0"/>
+              <a:t>Design Pattern</a:t>
             </a:r>
           </a:p>
         </p:txBody>
@@ -15200,7 +15442,7 @@
           <p:cNvPr id="4" name="Content Placeholder 3">
             <a:extLst>
               <a:ext uri="{FF2B5EF4-FFF2-40B4-BE49-F238E27FC236}">
-                <a16:creationId xmlns:a16="http://schemas.microsoft.com/office/drawing/2014/main" id="{E45B50AB-E09E-377A-4B46-AFA47F523EAB}"/>
+                <a16:creationId xmlns:a16="http://schemas.microsoft.com/office/drawing/2014/main" id="{834029E2-3A07-28E1-FE72-E1D9FA770926}"/>
               </a:ext>
             </a:extLst>
           </p:cNvPr>
@@ -15214,7 +15456,7 @@
         <p:spPr>
           <a:xfrm>
             <a:off x="838200" y="1929384"/>
-            <a:ext cx="10515600" cy="3768090"/>
+            <a:ext cx="10515600" cy="4421993"/>
           </a:xfrm>
         </p:spPr>
         <p:txBody>
@@ -15227,8 +15469,276 @@
               <a:buNone/>
             </a:pPr>
             <a:r>
+              <a:rPr lang="en-US" sz="2200" dirty="0" err="1"/>
+              <a:t>All’interno</a:t>
+            </a:r>
+            <a:r>
               <a:rPr lang="en-US" sz="2200" dirty="0"/>
-              <a:t>Per </a:t>
+              <a:t> del nostro Progetto </a:t>
+            </a:r>
+            <a:r>
+              <a:rPr lang="en-US" sz="2200" dirty="0" err="1"/>
+              <a:t>sono</a:t>
+            </a:r>
+            <a:r>
+              <a:rPr lang="en-US" sz="2200" dirty="0"/>
+              <a:t> </a:t>
+            </a:r>
+            <a:r>
+              <a:rPr lang="en-US" sz="2200" dirty="0" err="1"/>
+              <a:t>stati</a:t>
+            </a:r>
+            <a:r>
+              <a:rPr lang="en-US" sz="2200" dirty="0"/>
+              <a:t> </a:t>
+            </a:r>
+            <a:r>
+              <a:rPr lang="en-US" sz="2200" dirty="0" err="1"/>
+              <a:t>utilizzati</a:t>
+            </a:r>
+            <a:r>
+              <a:rPr lang="en-US" sz="2200" dirty="0"/>
+              <a:t> </a:t>
+            </a:r>
+            <a:r>
+              <a:rPr lang="en-US" sz="2200" dirty="0" err="1"/>
+              <a:t>vari</a:t>
+            </a:r>
+            <a:r>
+              <a:rPr lang="en-US" sz="2200" dirty="0"/>
+              <a:t> Design Pattern:</a:t>
+            </a:r>
+          </a:p>
+          <a:p>
+            <a:pPr>
+              <a:buFont typeface="Wingdings" panose="05000000000000000000" pitchFamily="2" charset="2"/>
+              <a:buChar char="§"/>
+            </a:pPr>
+            <a:r>
+              <a:rPr lang="en-US" sz="2200" b="1" dirty="0"/>
+              <a:t>General Hierarchy Pattern</a:t>
+            </a:r>
+            <a:r>
+              <a:rPr lang="en-US" sz="2200" dirty="0"/>
+              <a:t> (per </a:t>
+            </a:r>
+            <a:r>
+              <a:rPr lang="en-US" sz="2200" dirty="0" err="1"/>
+              <a:t>definire</a:t>
+            </a:r>
+            <a:r>
+              <a:rPr lang="en-US" sz="2200" dirty="0"/>
+              <a:t> </a:t>
+            </a:r>
+            <a:r>
+              <a:rPr lang="en-US" sz="2200" dirty="0" err="1"/>
+              <a:t>gerarchie</a:t>
+            </a:r>
+            <a:r>
+              <a:rPr lang="en-US" sz="2200" dirty="0"/>
+              <a:t> </a:t>
+            </a:r>
+            <a:r>
+              <a:rPr lang="en-US" sz="2200" dirty="0" err="1"/>
+              <a:t>tra</a:t>
+            </a:r>
+            <a:r>
+              <a:rPr lang="en-US" sz="2200" dirty="0"/>
+              <a:t> le </a:t>
+            </a:r>
+            <a:r>
+              <a:rPr lang="en-US" sz="2200" dirty="0" err="1"/>
+              <a:t>varie</a:t>
+            </a:r>
+            <a:r>
+              <a:rPr lang="en-US" sz="2200" dirty="0"/>
+              <a:t> </a:t>
+            </a:r>
+            <a:r>
+              <a:rPr lang="en-US" sz="2200" dirty="0" err="1"/>
+              <a:t>classi</a:t>
+            </a:r>
+            <a:r>
+              <a:rPr lang="en-US" sz="2200" dirty="0"/>
+              <a:t>, in </a:t>
+            </a:r>
+            <a:r>
+              <a:rPr lang="en-US" sz="2200" dirty="0" err="1"/>
+              <a:t>particolare</a:t>
+            </a:r>
+            <a:r>
+              <a:rPr lang="en-US" sz="2200" dirty="0"/>
+              <a:t> </a:t>
+            </a:r>
+            <a:r>
+              <a:rPr lang="en-US" sz="2200" dirty="0" err="1"/>
+              <a:t>tra</a:t>
+            </a:r>
+            <a:r>
+              <a:rPr lang="en-US" sz="2200" dirty="0"/>
+              <a:t> </a:t>
+            </a:r>
+            <a:r>
+              <a:rPr lang="en-US" sz="2200" dirty="0" err="1"/>
+              <a:t>i</a:t>
+            </a:r>
+            <a:r>
+              <a:rPr lang="en-US" sz="2200" dirty="0"/>
+              <a:t> </a:t>
+            </a:r>
+            <a:r>
+              <a:rPr lang="en-US" sz="2200" dirty="0" err="1"/>
+              <a:t>medici</a:t>
+            </a:r>
+            <a:r>
+              <a:rPr lang="en-US" sz="2200" dirty="0"/>
+              <a:t> </a:t>
+            </a:r>
+            <a:r>
+              <a:rPr lang="en-US" sz="2200" dirty="0" err="1"/>
+              <a:t>operanti</a:t>
+            </a:r>
+            <a:r>
+              <a:rPr lang="en-US" sz="2200" dirty="0"/>
+              <a:t>)</a:t>
+            </a:r>
+          </a:p>
+          <a:p>
+            <a:pPr>
+              <a:buFont typeface="Wingdings" panose="05000000000000000000" pitchFamily="2" charset="2"/>
+              <a:buChar char="§"/>
+            </a:pPr>
+            <a:r>
+              <a:rPr lang="en-US" sz="2200" b="1" dirty="0"/>
+              <a:t>Delegation Pattern </a:t>
+            </a:r>
+            <a:r>
+              <a:rPr lang="en-US" sz="2200" dirty="0"/>
+              <a:t>(per far </a:t>
+            </a:r>
+            <a:r>
+              <a:rPr lang="en-US" sz="2200" dirty="0" err="1"/>
+              <a:t>svolgere</a:t>
+            </a:r>
+            <a:r>
+              <a:rPr lang="en-US" sz="2200" dirty="0"/>
+              <a:t> </a:t>
+            </a:r>
+            <a:r>
+              <a:rPr lang="en-US" sz="2200" dirty="0" err="1"/>
+              <a:t>alla</a:t>
+            </a:r>
+            <a:r>
+              <a:rPr lang="en-US" sz="2200" dirty="0"/>
+              <a:t> </a:t>
+            </a:r>
+            <a:r>
+              <a:rPr lang="en-US" sz="2200" dirty="0" err="1"/>
+              <a:t>cabina</a:t>
+            </a:r>
+            <a:r>
+              <a:rPr lang="en-US" sz="2200" dirty="0"/>
+              <a:t> di regia I Giusti </a:t>
+            </a:r>
+            <a:r>
+              <a:rPr lang="en-US" sz="2200" dirty="0" err="1"/>
+              <a:t>metodi</a:t>
+            </a:r>
+            <a:r>
+              <a:rPr lang="en-US" sz="2200" dirty="0"/>
+              <a:t>)</a:t>
+            </a:r>
+          </a:p>
+          <a:p>
+            <a:pPr>
+              <a:buFont typeface="Wingdings" panose="05000000000000000000" pitchFamily="2" charset="2"/>
+              <a:buChar char="§"/>
+            </a:pPr>
+            <a:r>
+              <a:rPr lang="en-US" sz="2200" b="1" dirty="0"/>
+              <a:t>Façade Pattern </a:t>
+            </a:r>
+            <a:r>
+              <a:rPr lang="en-US" sz="2200" dirty="0"/>
+              <a:t>(per </a:t>
+            </a:r>
+            <a:r>
+              <a:rPr lang="en-US" sz="2200" dirty="0" err="1"/>
+              <a:t>manipolare</a:t>
+            </a:r>
+            <a:r>
+              <a:rPr lang="en-US" sz="2200" dirty="0"/>
+              <a:t> le diverse </a:t>
+            </a:r>
+            <a:r>
+              <a:rPr lang="en-US" sz="2200" dirty="0" err="1"/>
+              <a:t>classi</a:t>
+            </a:r>
+            <a:r>
+              <a:rPr lang="en-US" sz="2200" dirty="0"/>
+              <a:t>. </a:t>
+            </a:r>
+            <a:r>
+              <a:rPr lang="en-US" sz="2200" dirty="0" err="1"/>
+              <a:t>Interfaccia</a:t>
+            </a:r>
+            <a:r>
+              <a:rPr lang="en-US" sz="2200" dirty="0"/>
+              <a:t> di </a:t>
+            </a:r>
+            <a:r>
+              <a:rPr lang="en-US" sz="2200" dirty="0" err="1"/>
+              <a:t>facciata</a:t>
+            </a:r>
+            <a:r>
+              <a:rPr lang="en-US" sz="2200" dirty="0"/>
+              <a:t> </a:t>
+            </a:r>
+            <a:r>
+              <a:rPr lang="en-US" sz="2200" dirty="0" err="1"/>
+              <a:t>fra</a:t>
+            </a:r>
+            <a:r>
+              <a:rPr lang="en-US" sz="2200" dirty="0"/>
+              <a:t> il </a:t>
+            </a:r>
+            <a:r>
+              <a:rPr lang="en-US" sz="2200" dirty="0" err="1"/>
+              <a:t>cliente</a:t>
+            </a:r>
+            <a:r>
+              <a:rPr lang="en-US" sz="2200" dirty="0"/>
+              <a:t> e il Sistema di </a:t>
+            </a:r>
+            <a:r>
+              <a:rPr lang="en-US" sz="2200" dirty="0" err="1"/>
+              <a:t>prenotazione</a:t>
+            </a:r>
+            <a:r>
+              <a:rPr lang="en-US" sz="2200" dirty="0"/>
+              <a:t> </a:t>
+            </a:r>
+            <a:r>
+              <a:rPr lang="en-US" sz="2200" dirty="0" err="1"/>
+              <a:t>dell’Ospedale</a:t>
+            </a:r>
+            <a:r>
+              <a:rPr lang="en-US" sz="2200" dirty="0"/>
+              <a:t>)</a:t>
+            </a:r>
+          </a:p>
+          <a:p>
+            <a:pPr>
+              <a:buFont typeface="Wingdings" panose="05000000000000000000" pitchFamily="2" charset="2"/>
+              <a:buChar char="§"/>
+            </a:pPr>
+            <a:r>
+              <a:rPr lang="en-US" sz="2200" b="1" dirty="0"/>
+              <a:t>Factory Pattern </a:t>
+            </a:r>
+            <a:r>
+              <a:rPr lang="en-US" sz="2200" dirty="0"/>
+              <a:t>(per </a:t>
             </a:r>
             <a:r>
               <a:rPr lang="en-US" sz="2200" dirty="0" err="1"/>
@@ -15236,11 +15746,19 @@
             </a:r>
             <a:r>
               <a:rPr lang="en-US" sz="2200" dirty="0"/>
-              <a:t> il Progetto </a:t>
+              <a:t> </a:t>
             </a:r>
             <a:r>
               <a:rPr lang="en-US" sz="2200" dirty="0" err="1"/>
-              <a:t>abbiamo</a:t>
+              <a:t>una</a:t>
+            </a:r>
+            <a:r>
+              <a:rPr lang="en-US" sz="2200" dirty="0"/>
+              <a:t> framework utile </a:t>
+            </a:r>
+            <a:r>
+              <a:rPr lang="en-US" sz="2200" dirty="0" err="1"/>
+              <a:t>alla</a:t>
             </a:r>
             <a:r>
               <a:rPr lang="en-US" sz="2200" dirty="0"/>
@@ -15248,7 +15766,23 @@
             </a:r>
             <a:r>
               <a:rPr lang="en-US" sz="2200" dirty="0" err="1"/>
-              <a:t>dovuto</a:t>
+              <a:t>creazione</a:t>
+            </a:r>
+            <a:r>
+              <a:rPr lang="en-US" sz="2200" dirty="0"/>
+              <a:t> di </a:t>
+            </a:r>
+            <a:r>
+              <a:rPr lang="en-US" sz="2200" dirty="0" err="1"/>
+              <a:t>classi</a:t>
+            </a:r>
+            <a:r>
+              <a:rPr lang="en-US" sz="2200" dirty="0"/>
+              <a:t> e </a:t>
+            </a:r>
+            <a:r>
+              <a:rPr lang="en-US" sz="2200" dirty="0" err="1"/>
+              <a:t>oggetti</a:t>
             </a:r>
             <a:r>
               <a:rPr lang="en-US" sz="2200" dirty="0"/>
@@ -15256,7 +15790,7 @@
             </a:r>
             <a:r>
               <a:rPr lang="en-US" sz="2200" dirty="0" err="1"/>
-              <a:t>specificare</a:t>
+              <a:t>dipendenti</a:t>
             </a:r>
             <a:r>
               <a:rPr lang="en-US" sz="2200" dirty="0"/>
@@ -15264,7 +15798,29 @@
             </a:r>
             <a:r>
               <a:rPr lang="en-US" sz="2200" dirty="0" err="1"/>
-              <a:t>diversi</a:t>
+              <a:t>dall’applicazione</a:t>
+            </a:r>
+            <a:r>
+              <a:rPr lang="en-US" sz="2200" dirty="0"/>
+              <a:t>)</a:t>
+            </a:r>
+          </a:p>
+          <a:p>
+            <a:pPr>
+              <a:buFont typeface="Wingdings" panose="05000000000000000000" pitchFamily="2" charset="2"/>
+              <a:buChar char="§"/>
+            </a:pPr>
+            <a:r>
+              <a:rPr lang="en-US" sz="2200" b="1" dirty="0"/>
+              <a:t>Builder Pattern </a:t>
+            </a:r>
+            <a:r>
+              <a:rPr lang="en-US" sz="2200" dirty="0"/>
+              <a:t>(per </a:t>
+            </a:r>
+            <a:r>
+              <a:rPr lang="en-US" sz="2200" dirty="0" err="1"/>
+              <a:t>costruire</a:t>
             </a:r>
             <a:r>
               <a:rPr lang="en-US" sz="2200" dirty="0"/>
@@ -15272,59 +15828,7 @@
             </a:r>
             <a:r>
               <a:rPr lang="en-US" sz="2200" dirty="0" err="1"/>
-              <a:t>punti</a:t>
-            </a:r>
-            <a:r>
-              <a:rPr lang="en-US" sz="2200" dirty="0"/>
-              <a:t> da </a:t>
-            </a:r>
-            <a:r>
-              <a:rPr lang="en-US" sz="2200" dirty="0" err="1"/>
-              <a:t>soddisfare</a:t>
-            </a:r>
-            <a:r>
-              <a:rPr lang="en-US" sz="2200" dirty="0"/>
-              <a:t> per la </a:t>
-            </a:r>
-            <a:r>
-              <a:rPr lang="en-US" sz="2200" dirty="0" err="1"/>
-              <a:t>riuscita</a:t>
-            </a:r>
-            <a:r>
-              <a:rPr lang="en-US" sz="2200" dirty="0"/>
-              <a:t> del software</a:t>
-            </a:r>
-          </a:p>
-          <a:p>
-            <a:pPr>
-              <a:buFont typeface="Wingdings" panose="05000000000000000000" pitchFamily="2" charset="2"/>
-              <a:buChar char="Ø"/>
-            </a:pPr>
-            <a:r>
-              <a:rPr lang="en-US" sz="2200" dirty="0" err="1"/>
-              <a:t>Registrazione</a:t>
-            </a:r>
-            <a:endParaRPr lang="en-US" sz="2200" dirty="0"/>
-          </a:p>
-          <a:p>
-            <a:pPr>
-              <a:buFont typeface="Wingdings" panose="05000000000000000000" pitchFamily="2" charset="2"/>
-              <a:buChar char="Ø"/>
-            </a:pPr>
-            <a:r>
-              <a:rPr lang="en-US" sz="2200" dirty="0" err="1"/>
-              <a:t>Autentiticazione</a:t>
-            </a:r>
-            <a:endParaRPr lang="en-US" sz="2200" dirty="0"/>
-          </a:p>
-          <a:p>
-            <a:pPr>
-              <a:buFont typeface="Wingdings" panose="05000000000000000000" pitchFamily="2" charset="2"/>
-              <a:buChar char="Ø"/>
-            </a:pPr>
-            <a:r>
-              <a:rPr lang="en-US" sz="2200" dirty="0" err="1"/>
-              <a:t>Iscrizione</a:t>
+              <a:t>un’applicazione</a:t>
             </a:r>
             <a:r>
               <a:rPr lang="en-US" sz="2200" dirty="0"/>
@@ -15332,45 +15836,31 @@
             </a:r>
             <a:r>
               <a:rPr lang="en-US" sz="2200" dirty="0" err="1"/>
-              <a:t>alla</a:t>
+              <a:t>complessa</a:t>
             </a:r>
             <a:r>
               <a:rPr lang="en-US" sz="2200" dirty="0"/>
-              <a:t> Lista </a:t>
+              <a:t> a </a:t>
             </a:r>
             <a:r>
               <a:rPr lang="en-US" sz="2200" dirty="0" err="1"/>
-              <a:t>Graduatoria</a:t>
-            </a:r>
-            <a:endParaRPr lang="en-US" sz="2200" dirty="0"/>
-          </a:p>
-          <a:p>
-            <a:pPr>
-              <a:buFont typeface="Wingdings" panose="05000000000000000000" pitchFamily="2" charset="2"/>
-              <a:buChar char="Ø"/>
-            </a:pPr>
+              <a:t>partire</a:t>
+            </a:r>
             <a:r>
               <a:rPr lang="en-US" sz="2200" dirty="0"/>
-              <a:t>Verbale Medico</a:t>
-            </a:r>
-          </a:p>
-          <a:p>
-            <a:pPr marL="0" indent="0">
-              <a:buNone/>
-            </a:pPr>
-            <a:endParaRPr lang="en-US" sz="2200" dirty="0"/>
-          </a:p>
-          <a:p>
-            <a:pPr marL="0" indent="0">
-              <a:buNone/>
-            </a:pPr>
+              <a:t> da un </a:t>
+            </a:r>
+            <a:r>
+              <a:rPr lang="en-US" sz="2200" dirty="0" err="1"/>
+              <a:t>insieme</a:t>
+            </a:r>
             <a:r>
               <a:rPr lang="en-US" sz="2200" dirty="0"/>
-              <a:t>E’ </a:t>
+              <a:t> di </a:t>
             </a:r>
             <a:r>
               <a:rPr lang="en-US" sz="2200" dirty="0" err="1"/>
-              <a:t>importante</a:t>
+              <a:t>componenti</a:t>
             </a:r>
             <a:r>
               <a:rPr lang="en-US" sz="2200" dirty="0"/>
@@ -15378,53 +15868,13 @@
             </a:r>
             <a:r>
               <a:rPr lang="en-US" sz="2200" dirty="0" err="1"/>
-              <a:t>poter</a:t>
+              <a:t>oggetti</a:t>
             </a:r>
             <a:r>
               <a:rPr lang="en-US" sz="2200" dirty="0"/>
-              <a:t> </a:t>
-            </a:r>
-            <a:r>
-              <a:rPr lang="en-US" sz="2200" dirty="0" err="1"/>
-              <a:t>accedere</a:t>
-            </a:r>
-            <a:r>
-              <a:rPr lang="en-US" sz="2200" dirty="0"/>
-              <a:t> alle </a:t>
-            </a:r>
-            <a:r>
-              <a:rPr lang="en-US" sz="2200" dirty="0" err="1"/>
-              <a:t>variee</a:t>
-            </a:r>
-            <a:r>
-              <a:rPr lang="en-US" sz="2200" dirty="0"/>
-              <a:t> </a:t>
-            </a:r>
-            <a:r>
-              <a:rPr lang="en-US" sz="2200" dirty="0" err="1"/>
-              <a:t>liste</a:t>
-            </a:r>
-            <a:r>
-              <a:rPr lang="en-US" sz="2200" dirty="0"/>
-              <a:t> in </a:t>
-            </a:r>
-            <a:r>
-              <a:rPr lang="en-US" sz="2200" dirty="0" err="1"/>
-              <a:t>ogni</a:t>
-            </a:r>
-            <a:r>
-              <a:rPr lang="en-US" sz="2200" dirty="0"/>
-              <a:t> </a:t>
-            </a:r>
-            <a:r>
-              <a:rPr lang="en-US" sz="2200" dirty="0" err="1"/>
-              <a:t>momento</a:t>
-            </a:r>
-            <a:r>
-              <a:rPr lang="en-US" sz="2200"/>
-              <a:t>.</a:t>
-            </a:r>
-            <a:endParaRPr lang="en-US" sz="2200" dirty="0"/>
+              <a:t>)</a:t>
+            </a:r>
+            <a:endParaRPr lang="en-US" sz="2200" b="1" dirty="0"/>
           </a:p>
         </p:txBody>
       </p:sp>
@@ -15477,7 +15927,7 @@
     </p:spTree>
     <p:extLst>
       <p:ext uri="{BB962C8B-B14F-4D97-AF65-F5344CB8AC3E}">
-        <p14:creationId xmlns:p14="http://schemas.microsoft.com/office/powerpoint/2010/main" val="2728347993"/>
+        <p14:creationId xmlns:p14="http://schemas.microsoft.com/office/powerpoint/2010/main" val="2944479634"/>
       </p:ext>
     </p:extLst>
   </p:cSld>
@@ -15514,7 +15964,7 @@
       </p:grpSpPr>
       <p:sp useBgFill="1">
         <p:nvSpPr>
-          <p:cNvPr id="11" name="Rectangle 10">
+          <p:cNvPr id="87" name="Rectangle 86">
             <a:extLst>
               <a:ext uri="{FF2B5EF4-FFF2-40B4-BE49-F238E27FC236}">
                 <a16:creationId xmlns:a16="http://schemas.microsoft.com/office/drawing/2014/main" id="{100EDD19-6802-4EC3-95CE-CFFAB042CFD6}"/>
@@ -15574,10 +16024,10 @@
       </p:sp>
       <p:sp>
         <p:nvSpPr>
-          <p:cNvPr id="2" name="Title 1">
+          <p:cNvPr id="2" name="Titolo 1">
             <a:extLst>
               <a:ext uri="{FF2B5EF4-FFF2-40B4-BE49-F238E27FC236}">
-                <a16:creationId xmlns:a16="http://schemas.microsoft.com/office/drawing/2014/main" id="{806A85A7-2359-50AF-B2C8-F8FBFA3E2B3C}"/>
+                <a16:creationId xmlns:a16="http://schemas.microsoft.com/office/drawing/2014/main" id="{75031FE9-9059-4FE8-B4AC-9771F23A1B89}"/>
               </a:ext>
             </a:extLst>
           </p:cNvPr>
@@ -15595,22 +16045,22 @@
           </a:xfrm>
         </p:spPr>
         <p:txBody>
-          <a:bodyPr>
+          <a:bodyPr rtlCol="0">
             <a:normAutofit/>
           </a:bodyPr>
           <a:lstStyle/>
           <a:p>
-            <a:r>
-              <a:rPr lang="en-US" sz="5400" b="1" dirty="0" err="1"/>
-              <a:t>Dimostrazione</a:t>
-            </a:r>
-            <a:endParaRPr lang="en-US" sz="5400" b="1" dirty="0"/>
+            <a:pPr rtl="0"/>
+            <a:r>
+              <a:rPr lang="it-IT" sz="5400" b="1"/>
+              <a:t>Implementazione</a:t>
+            </a:r>
           </a:p>
         </p:txBody>
       </p:sp>
       <p:sp>
         <p:nvSpPr>
-          <p:cNvPr id="13" name="sketch line">
+          <p:cNvPr id="89" name="sketch line">
             <a:extLst>
               <a:ext uri="{FF2B5EF4-FFF2-40B4-BE49-F238E27FC236}">
                 <a16:creationId xmlns:a16="http://schemas.microsoft.com/office/drawing/2014/main" id="{DB17E863-922E-4C26-BD64-E8FD41D28661}"/>
@@ -16248,10 +16698,10 @@
       </p:sp>
       <p:sp>
         <p:nvSpPr>
-          <p:cNvPr id="3" name="Content Placeholder 2">
+          <p:cNvPr id="4" name="Content Placeholder 3">
             <a:extLst>
               <a:ext uri="{FF2B5EF4-FFF2-40B4-BE49-F238E27FC236}">
-                <a16:creationId xmlns:a16="http://schemas.microsoft.com/office/drawing/2014/main" id="{39198BC0-3DAA-3F78-1CC6-7D92405ED12E}"/>
+                <a16:creationId xmlns:a16="http://schemas.microsoft.com/office/drawing/2014/main" id="{E45B50AB-E09E-377A-4B46-AFA47F523EAB}"/>
               </a:ext>
             </a:extLst>
           </p:cNvPr>
@@ -16265,29 +16715,286 @@
         <p:spPr>
           <a:xfrm>
             <a:off x="838200" y="1929384"/>
-            <a:ext cx="10515600" cy="3957066"/>
+            <a:ext cx="10515600" cy="3768090"/>
           </a:xfrm>
         </p:spPr>
         <p:txBody>
           <a:bodyPr>
-            <a:normAutofit/>
+            <a:normAutofit fontScale="92500" lnSpcReduction="20000"/>
           </a:bodyPr>
           <a:lstStyle/>
           <a:p>
-            <a:r>
-              <a:rPr lang="it-IT" sz="2200" dirty="0"/>
-              <a:t>Fare piccola demo dell’applicazione sviluppata</a:t>
+            <a:pPr marL="0" indent="0">
+              <a:buNone/>
+            </a:pPr>
+            <a:r>
+              <a:rPr lang="en-US" sz="2200" dirty="0"/>
+              <a:t>Per </a:t>
+            </a:r>
+            <a:r>
+              <a:rPr lang="en-US" sz="2200" dirty="0" err="1"/>
+              <a:t>implementare</a:t>
+            </a:r>
+            <a:r>
+              <a:rPr lang="en-US" sz="2200" dirty="0"/>
+              <a:t> il Progetto </a:t>
+            </a:r>
+            <a:r>
+              <a:rPr lang="en-US" sz="2200" dirty="0" err="1"/>
+              <a:t>abbiamo</a:t>
+            </a:r>
+            <a:r>
+              <a:rPr lang="en-US" sz="2200" dirty="0"/>
+              <a:t> </a:t>
+            </a:r>
+            <a:r>
+              <a:rPr lang="en-US" sz="2200" dirty="0" err="1"/>
+              <a:t>dovuto</a:t>
+            </a:r>
+            <a:r>
+              <a:rPr lang="en-US" sz="2200" dirty="0"/>
+              <a:t> </a:t>
+            </a:r>
+            <a:r>
+              <a:rPr lang="en-US" sz="2200" dirty="0" err="1"/>
+              <a:t>specificare</a:t>
+            </a:r>
+            <a:r>
+              <a:rPr lang="en-US" sz="2200" dirty="0"/>
+              <a:t> </a:t>
+            </a:r>
+            <a:r>
+              <a:rPr lang="en-US" sz="2200" dirty="0" err="1"/>
+              <a:t>diversi</a:t>
+            </a:r>
+            <a:r>
+              <a:rPr lang="en-US" sz="2200" dirty="0"/>
+              <a:t> </a:t>
+            </a:r>
+            <a:r>
+              <a:rPr lang="en-US" sz="2200" dirty="0" err="1"/>
+              <a:t>punti</a:t>
+            </a:r>
+            <a:r>
+              <a:rPr lang="en-US" sz="2200" dirty="0"/>
+              <a:t> da </a:t>
+            </a:r>
+            <a:r>
+              <a:rPr lang="en-US" sz="2200" dirty="0" err="1"/>
+              <a:t>soddisfare</a:t>
+            </a:r>
+            <a:r>
+              <a:rPr lang="en-US" sz="2200" dirty="0"/>
+              <a:t> per la </a:t>
+            </a:r>
+            <a:r>
+              <a:rPr lang="en-US" sz="2200" dirty="0" err="1"/>
+              <a:t>riuscita</a:t>
+            </a:r>
+            <a:r>
+              <a:rPr lang="en-US" sz="2200" dirty="0"/>
+              <a:t> del software</a:t>
+            </a:r>
+          </a:p>
+          <a:p>
+            <a:pPr>
+              <a:buFont typeface="Wingdings" panose="05000000000000000000" pitchFamily="2" charset="2"/>
+              <a:buChar char="Ø"/>
+            </a:pPr>
+            <a:r>
+              <a:rPr lang="en-US" sz="2200" dirty="0" err="1"/>
+              <a:t>Registrazione</a:t>
             </a:r>
             <a:endParaRPr lang="en-US" sz="2200" dirty="0"/>
+          </a:p>
+          <a:p>
+            <a:pPr>
+              <a:buFont typeface="Wingdings" panose="05000000000000000000" pitchFamily="2" charset="2"/>
+              <a:buChar char="Ø"/>
+            </a:pPr>
+            <a:r>
+              <a:rPr lang="en-US" sz="2200" dirty="0" err="1"/>
+              <a:t>Autenticazione</a:t>
+            </a:r>
+            <a:endParaRPr lang="en-US" sz="2200" dirty="0"/>
+          </a:p>
+          <a:p>
+            <a:pPr>
+              <a:buFont typeface="Wingdings" panose="05000000000000000000" pitchFamily="2" charset="2"/>
+              <a:buChar char="Ø"/>
+            </a:pPr>
+            <a:r>
+              <a:rPr lang="en-US" sz="2200" dirty="0" err="1"/>
+              <a:t>Effettuare</a:t>
+            </a:r>
+            <a:r>
+              <a:rPr lang="en-US" sz="2200" dirty="0"/>
+              <a:t> </a:t>
+            </a:r>
+            <a:r>
+              <a:rPr lang="en-US" sz="2200" dirty="0" err="1"/>
+              <a:t>Esami</a:t>
+            </a:r>
+            <a:endParaRPr lang="en-US" sz="2200" dirty="0"/>
+          </a:p>
+          <a:p>
+            <a:pPr>
+              <a:buFont typeface="Wingdings" panose="05000000000000000000" pitchFamily="2" charset="2"/>
+              <a:buChar char="Ø"/>
+            </a:pPr>
+            <a:r>
+              <a:rPr lang="en-US" sz="2200" dirty="0" err="1"/>
+              <a:t>Iscrizione</a:t>
+            </a:r>
+            <a:r>
+              <a:rPr lang="en-US" sz="2200" dirty="0"/>
+              <a:t> </a:t>
+            </a:r>
+            <a:r>
+              <a:rPr lang="en-US" sz="2200" dirty="0" err="1"/>
+              <a:t>alla</a:t>
+            </a:r>
+            <a:r>
+              <a:rPr lang="en-US" sz="2200" dirty="0"/>
+              <a:t> Lista </a:t>
+            </a:r>
+            <a:r>
+              <a:rPr lang="en-US" sz="2200" dirty="0" err="1"/>
+              <a:t>Graduatoria</a:t>
+            </a:r>
+            <a:endParaRPr lang="en-US" sz="2200" dirty="0"/>
+          </a:p>
+          <a:p>
+            <a:pPr>
+              <a:buFont typeface="Wingdings" panose="05000000000000000000" pitchFamily="2" charset="2"/>
+              <a:buChar char="Ø"/>
+            </a:pPr>
+            <a:r>
+              <a:rPr lang="en-US" sz="2200" dirty="0"/>
+              <a:t>Verbale Medico</a:t>
+            </a:r>
+          </a:p>
+          <a:p>
+            <a:pPr>
+              <a:buFont typeface="Wingdings" panose="05000000000000000000" pitchFamily="2" charset="2"/>
+              <a:buChar char="Ø"/>
+            </a:pPr>
+            <a:r>
+              <a:rPr lang="en-US" sz="2200" dirty="0"/>
+              <a:t>Stampa</a:t>
+            </a:r>
+          </a:p>
+          <a:p>
+            <a:pPr marL="0" indent="0">
+              <a:buNone/>
+            </a:pPr>
+            <a:endParaRPr lang="en-US" sz="2200" dirty="0"/>
+          </a:p>
+          <a:p>
+            <a:pPr marL="0" indent="0">
+              <a:buNone/>
+            </a:pPr>
+            <a:r>
+              <a:rPr lang="en-US" sz="2200" dirty="0"/>
+              <a:t>E’ </a:t>
+            </a:r>
+            <a:r>
+              <a:rPr lang="en-US" sz="2200" dirty="0" err="1"/>
+              <a:t>importante</a:t>
+            </a:r>
+            <a:r>
+              <a:rPr lang="en-US" sz="2200" dirty="0"/>
+              <a:t> </a:t>
+            </a:r>
+            <a:r>
+              <a:rPr lang="en-US" sz="2200" dirty="0" err="1"/>
+              <a:t>poter</a:t>
+            </a:r>
+            <a:r>
+              <a:rPr lang="en-US" sz="2200" dirty="0"/>
+              <a:t> </a:t>
+            </a:r>
+            <a:r>
+              <a:rPr lang="en-US" sz="2200" dirty="0" err="1"/>
+              <a:t>accedere</a:t>
+            </a:r>
+            <a:r>
+              <a:rPr lang="en-US" sz="2200" dirty="0"/>
+              <a:t> alle </a:t>
+            </a:r>
+            <a:r>
+              <a:rPr lang="en-US" sz="2200" dirty="0" err="1"/>
+              <a:t>varie</a:t>
+            </a:r>
+            <a:r>
+              <a:rPr lang="en-US" sz="2200" dirty="0"/>
+              <a:t> </a:t>
+            </a:r>
+            <a:r>
+              <a:rPr lang="en-US" sz="2200" dirty="0" err="1"/>
+              <a:t>liste</a:t>
+            </a:r>
+            <a:r>
+              <a:rPr lang="en-US" sz="2200" dirty="0"/>
+              <a:t> in </a:t>
+            </a:r>
+            <a:r>
+              <a:rPr lang="en-US" sz="2200" dirty="0" err="1"/>
+              <a:t>ogni</a:t>
+            </a:r>
+            <a:r>
+              <a:rPr lang="en-US" sz="2200" dirty="0"/>
+              <a:t> </a:t>
+            </a:r>
+            <a:r>
+              <a:rPr lang="en-US" sz="2200" dirty="0" err="1"/>
+              <a:t>momento</a:t>
+            </a:r>
+            <a:r>
+              <a:rPr lang="en-US" sz="2200" dirty="0"/>
+              <a:t>, per </a:t>
+            </a:r>
+            <a:r>
+              <a:rPr lang="en-US" sz="2200" dirty="0" err="1"/>
+              <a:t>visualizzare</a:t>
+            </a:r>
+            <a:r>
+              <a:rPr lang="en-US" sz="2200" dirty="0"/>
+              <a:t> </a:t>
+            </a:r>
+            <a:r>
+              <a:rPr lang="en-US" sz="2200" dirty="0" err="1"/>
+              <a:t>informazioni</a:t>
+            </a:r>
+            <a:r>
+              <a:rPr lang="en-US" sz="2200" dirty="0"/>
+              <a:t> o </a:t>
+            </a:r>
+            <a:r>
+              <a:rPr lang="en-US" sz="2200" dirty="0" err="1"/>
+              <a:t>effettuare</a:t>
+            </a:r>
+            <a:r>
+              <a:rPr lang="en-US" sz="2200" dirty="0"/>
+              <a:t> </a:t>
+            </a:r>
+            <a:r>
+              <a:rPr lang="en-US" sz="2200" dirty="0" err="1"/>
+              <a:t>modifiche</a:t>
+            </a:r>
+            <a:r>
+              <a:rPr lang="en-US" sz="2200" dirty="0"/>
+              <a:t>.</a:t>
+            </a:r>
           </a:p>
         </p:txBody>
       </p:sp>
       <p:sp>
         <p:nvSpPr>
-          <p:cNvPr id="6" name="Slide Number Placeholder 5">
+          <p:cNvPr id="82" name="Segnaposto numero diapositiva 81">
             <a:extLst>
               <a:ext uri="{FF2B5EF4-FFF2-40B4-BE49-F238E27FC236}">
-                <a16:creationId xmlns:a16="http://schemas.microsoft.com/office/drawing/2014/main" id="{366879AD-ECAF-DDDE-26DC-9DD0D10F9AC4}"/>
+                <a16:creationId xmlns:a16="http://schemas.microsoft.com/office/drawing/2014/main" id="{CE36A058-BEC2-4BC5-A467-F2EB2A365051}"/>
               </a:ext>
             </a:extLst>
           </p:cNvPr>
@@ -16305,7 +17012,7 @@
           </a:xfrm>
         </p:spPr>
         <p:txBody>
-          <a:bodyPr>
+          <a:bodyPr rtlCol="0">
             <a:noAutofit/>
           </a:bodyPr>
           <a:lstStyle/>
@@ -16316,7 +17023,7 @@
               </a:spcAft>
             </a:pPr>
             <a:fld id="{B5CEABB6-07DC-46E8-9B57-56EC44A396E5}" type="slidenum">
-              <a:rPr lang="it-IT" sz="1800" b="1" noProof="0" smtClean="0"/>
+              <a:rPr lang="it-IT" sz="1800" b="1" smtClean="0"/>
               <a:pPr rtl="0">
                 <a:spcAft>
                   <a:spcPts val="600"/>
@@ -16324,14 +17031,14 @@
               </a:pPr>
               <a:t>11</a:t>
             </a:fld>
-            <a:endParaRPr lang="it-IT" sz="1800" b="1" noProof="0"/>
+            <a:endParaRPr lang="it-IT" sz="1800" b="1"/>
           </a:p>
         </p:txBody>
       </p:sp>
     </p:spTree>
     <p:extLst>
       <p:ext uri="{BB962C8B-B14F-4D97-AF65-F5344CB8AC3E}">
-        <p14:creationId xmlns:p14="http://schemas.microsoft.com/office/powerpoint/2010/main" val="3568766427"/>
+        <p14:creationId xmlns:p14="http://schemas.microsoft.com/office/powerpoint/2010/main" val="2728347993"/>
       </p:ext>
     </p:extLst>
   </p:cSld>
@@ -16431,7 +17138,7 @@
           <p:cNvPr id="2" name="Title 1">
             <a:extLst>
               <a:ext uri="{FF2B5EF4-FFF2-40B4-BE49-F238E27FC236}">
-                <a16:creationId xmlns:a16="http://schemas.microsoft.com/office/drawing/2014/main" id="{DDB7800B-90D1-8C4B-56B7-FA1626BB1375}"/>
+                <a16:creationId xmlns:a16="http://schemas.microsoft.com/office/drawing/2014/main" id="{806A85A7-2359-50AF-B2C8-F8FBFA3E2B3C}"/>
               </a:ext>
             </a:extLst>
           </p:cNvPr>
@@ -16455,10 +17162,10 @@
           <a:lstStyle/>
           <a:p>
             <a:r>
-              <a:rPr lang="it-IT" sz="5400" b="1"/>
-              <a:t>Modellazione</a:t>
-            </a:r>
-            <a:endParaRPr lang="en-US" sz="5400" b="1"/>
+              <a:rPr lang="en-US" sz="5400" b="1" dirty="0" err="1"/>
+              <a:t>Dimostrazione</a:t>
+            </a:r>
+            <a:endParaRPr lang="en-US" sz="5400" b="1" dirty="0"/>
           </a:p>
         </p:txBody>
       </p:sp>
@@ -17105,7 +17812,7 @@
           <p:cNvPr id="3" name="Content Placeholder 2">
             <a:extLst>
               <a:ext uri="{FF2B5EF4-FFF2-40B4-BE49-F238E27FC236}">
-                <a16:creationId xmlns:a16="http://schemas.microsoft.com/office/drawing/2014/main" id="{A07BF9D8-A7CB-D3F1-7E12-AD682B8F05A3}"/>
+                <a16:creationId xmlns:a16="http://schemas.microsoft.com/office/drawing/2014/main" id="{39198BC0-3DAA-3F78-1CC6-7D92405ED12E}"/>
               </a:ext>
             </a:extLst>
           </p:cNvPr>
@@ -17119,7 +17826,7 @@
         <p:spPr>
           <a:xfrm>
             <a:off x="838200" y="1929384"/>
-            <a:ext cx="10515600" cy="3900678"/>
+            <a:ext cx="10515600" cy="3957066"/>
           </a:xfrm>
         </p:spPr>
         <p:txBody>
@@ -17129,51 +17836,10 @@
           <a:lstStyle/>
           <a:p>
             <a:r>
-              <a:rPr lang="en-US" sz="2200"/>
-              <a:t>Diagramma dei casi d’uso (USE CASE DIAGRAM)</a:t>
-            </a:r>
-          </a:p>
-          <a:p>
-            <a:pPr marL="0" indent="0">
-              <a:buNone/>
-            </a:pPr>
-            <a:endParaRPr lang="en-US" sz="2200"/>
-          </a:p>
-          <a:p>
-            <a:r>
-              <a:rPr lang="en-US" sz="2200"/>
-              <a:t>Diagramma delle classi (CLASS DIAGRAM)</a:t>
-            </a:r>
-          </a:p>
-          <a:p>
-            <a:pPr marL="0" indent="0">
-              <a:buNone/>
-            </a:pPr>
-            <a:endParaRPr lang="en-US" sz="2200"/>
-          </a:p>
-          <a:p>
-            <a:r>
-              <a:rPr lang="en-US" sz="2200"/>
-              <a:t>Diagramma di stato (STATE-CHART DIAGRAM)</a:t>
-            </a:r>
-          </a:p>
-          <a:p>
-            <a:endParaRPr lang="en-US" sz="2200"/>
-          </a:p>
-          <a:p>
-            <a:r>
-              <a:rPr lang="en-US" sz="2200"/>
-              <a:t>Diagramma di sequenza (SEQUENCE DIAGRAM)</a:t>
-            </a:r>
-          </a:p>
-          <a:p>
-            <a:endParaRPr lang="en-US" sz="2200"/>
-          </a:p>
-          <a:p>
-            <a:r>
-              <a:rPr lang="en-US" sz="2200"/>
-              <a:t>Diagramma delle attività (ACTIVITY DIAGRAM)</a:t>
-            </a:r>
+              <a:rPr lang="it-IT" sz="2200" dirty="0"/>
+              <a:t>Fare piccola demo dell’applicazione sviluppata</a:t>
+            </a:r>
+            <a:endParaRPr lang="en-US" sz="2200" dirty="0"/>
           </a:p>
         </p:txBody>
       </p:sp>
@@ -17182,7 +17848,7 @@
           <p:cNvPr id="6" name="Slide Number Placeholder 5">
             <a:extLst>
               <a:ext uri="{FF2B5EF4-FFF2-40B4-BE49-F238E27FC236}">
-                <a16:creationId xmlns:a16="http://schemas.microsoft.com/office/drawing/2014/main" id="{07D5F90B-A703-3979-44A8-9125B7AA3463}"/>
+                <a16:creationId xmlns:a16="http://schemas.microsoft.com/office/drawing/2014/main" id="{366879AD-ECAF-DDDE-26DC-9DD0D10F9AC4}"/>
               </a:ext>
             </a:extLst>
           </p:cNvPr>
@@ -17195,8 +17861,8 @@
         </p:nvSpPr>
         <p:spPr>
           <a:xfrm>
-            <a:off x="8610600" y="6191250"/>
-            <a:ext cx="2743200" cy="530225"/>
+            <a:off x="8610600" y="6356350"/>
+            <a:ext cx="2743200" cy="365125"/>
           </a:xfrm>
         </p:spPr>
         <p:txBody>
@@ -17206,35 +17872,27 @@
           <a:lstStyle/>
           <a:p>
             <a:pPr rtl="0">
-              <a:lnSpc>
-                <a:spcPct val="90000"/>
-              </a:lnSpc>
               <a:spcAft>
                 <a:spcPts val="600"/>
               </a:spcAft>
             </a:pPr>
-            <a:endParaRPr lang="it-IT" sz="1800" b="1" noProof="0" dirty="0"/>
-          </a:p>
-          <a:p>
-            <a:pPr rtl="0">
-              <a:lnSpc>
-                <a:spcPct val="90000"/>
-              </a:lnSpc>
-              <a:spcAft>
-                <a:spcPts val="600"/>
-              </a:spcAft>
-            </a:pPr>
-            <a:r>
-              <a:rPr lang="it-IT" sz="1800" b="1" noProof="0" dirty="0"/>
+            <a:fld id="{B5CEABB6-07DC-46E8-9B57-56EC44A396E5}" type="slidenum">
+              <a:rPr lang="it-IT" sz="1800" b="1" noProof="0" smtClean="0"/>
+              <a:pPr rtl="0">
+                <a:spcAft>
+                  <a:spcPts val="600"/>
+                </a:spcAft>
+              </a:pPr>
               <a:t>12</a:t>
-            </a:r>
+            </a:fld>
+            <a:endParaRPr lang="it-IT" sz="1800" b="1" noProof="0"/>
           </a:p>
         </p:txBody>
       </p:sp>
     </p:spTree>
     <p:extLst>
       <p:ext uri="{BB962C8B-B14F-4D97-AF65-F5344CB8AC3E}">
-        <p14:creationId xmlns:p14="http://schemas.microsoft.com/office/powerpoint/2010/main" val="42136755"/>
+        <p14:creationId xmlns:p14="http://schemas.microsoft.com/office/powerpoint/2010/main" val="3568766427"/>
       </p:ext>
     </p:extLst>
   </p:cSld>
@@ -17271,7 +17929,7 @@
       </p:grpSpPr>
       <p:sp useBgFill="1">
         <p:nvSpPr>
-          <p:cNvPr id="87" name="Rectangle 86">
+          <p:cNvPr id="11" name="Rectangle 10">
             <a:extLst>
               <a:ext uri="{FF2B5EF4-FFF2-40B4-BE49-F238E27FC236}">
                 <a16:creationId xmlns:a16="http://schemas.microsoft.com/office/drawing/2014/main" id="{100EDD19-6802-4EC3-95CE-CFFAB042CFD6}"/>
@@ -17331,10 +17989,10 @@
       </p:sp>
       <p:sp>
         <p:nvSpPr>
-          <p:cNvPr id="2" name="Titolo 1">
+          <p:cNvPr id="2" name="Title 1">
             <a:extLst>
               <a:ext uri="{FF2B5EF4-FFF2-40B4-BE49-F238E27FC236}">
-                <a16:creationId xmlns:a16="http://schemas.microsoft.com/office/drawing/2014/main" id="{75031FE9-9059-4FE8-B4AC-9771F23A1B89}"/>
+                <a16:creationId xmlns:a16="http://schemas.microsoft.com/office/drawing/2014/main" id="{DDB7800B-90D1-8C4B-56B7-FA1626BB1375}"/>
               </a:ext>
             </a:extLst>
           </p:cNvPr>
@@ -17352,22 +18010,22 @@
           </a:xfrm>
         </p:spPr>
         <p:txBody>
-          <a:bodyPr rtlCol="0">
+          <a:bodyPr>
             <a:normAutofit/>
           </a:bodyPr>
           <a:lstStyle/>
           <a:p>
-            <a:pPr rtl="0"/>
             <a:r>
               <a:rPr lang="it-IT" sz="5400" b="1"/>
-              <a:t>Testing</a:t>
-            </a:r>
+              <a:t>Modellazione</a:t>
+            </a:r>
+            <a:endParaRPr lang="en-US" sz="5400" b="1"/>
           </a:p>
         </p:txBody>
       </p:sp>
       <p:sp>
         <p:nvSpPr>
-          <p:cNvPr id="89" name="sketch line">
+          <p:cNvPr id="13" name="sketch line">
             <a:extLst>
               <a:ext uri="{FF2B5EF4-FFF2-40B4-BE49-F238E27FC236}">
                 <a16:creationId xmlns:a16="http://schemas.microsoft.com/office/drawing/2014/main" id="{DB17E863-922E-4C26-BD64-E8FD41D28661}"/>
@@ -18005,6 +18663,909 @@
       </p:sp>
       <p:sp>
         <p:nvSpPr>
+          <p:cNvPr id="3" name="Content Placeholder 2">
+            <a:extLst>
+              <a:ext uri="{FF2B5EF4-FFF2-40B4-BE49-F238E27FC236}">
+                <a16:creationId xmlns:a16="http://schemas.microsoft.com/office/drawing/2014/main" id="{A07BF9D8-A7CB-D3F1-7E12-AD682B8F05A3}"/>
+              </a:ext>
+            </a:extLst>
+          </p:cNvPr>
+          <p:cNvSpPr>
+            <a:spLocks noGrp="1"/>
+          </p:cNvSpPr>
+          <p:nvPr>
+            <p:ph idx="1"/>
+          </p:nvPr>
+        </p:nvSpPr>
+        <p:spPr>
+          <a:xfrm>
+            <a:off x="838200" y="1929384"/>
+            <a:ext cx="10515600" cy="3900678"/>
+          </a:xfrm>
+        </p:spPr>
+        <p:txBody>
+          <a:bodyPr>
+            <a:normAutofit/>
+          </a:bodyPr>
+          <a:lstStyle/>
+          <a:p>
+            <a:r>
+              <a:rPr lang="en-US" sz="2200"/>
+              <a:t>Diagramma dei casi d’uso (USE CASE DIAGRAM)</a:t>
+            </a:r>
+          </a:p>
+          <a:p>
+            <a:pPr marL="0" indent="0">
+              <a:buNone/>
+            </a:pPr>
+            <a:endParaRPr lang="en-US" sz="2200"/>
+          </a:p>
+          <a:p>
+            <a:r>
+              <a:rPr lang="en-US" sz="2200"/>
+              <a:t>Diagramma delle classi (CLASS DIAGRAM)</a:t>
+            </a:r>
+          </a:p>
+          <a:p>
+            <a:pPr marL="0" indent="0">
+              <a:buNone/>
+            </a:pPr>
+            <a:endParaRPr lang="en-US" sz="2200"/>
+          </a:p>
+          <a:p>
+            <a:r>
+              <a:rPr lang="en-US" sz="2200"/>
+              <a:t>Diagramma di stato (STATE-CHART DIAGRAM)</a:t>
+            </a:r>
+          </a:p>
+          <a:p>
+            <a:endParaRPr lang="en-US" sz="2200"/>
+          </a:p>
+          <a:p>
+            <a:r>
+              <a:rPr lang="en-US" sz="2200"/>
+              <a:t>Diagramma di sequenza (SEQUENCE DIAGRAM)</a:t>
+            </a:r>
+          </a:p>
+          <a:p>
+            <a:endParaRPr lang="en-US" sz="2200"/>
+          </a:p>
+          <a:p>
+            <a:r>
+              <a:rPr lang="en-US" sz="2200"/>
+              <a:t>Diagramma delle attività (ACTIVITY DIAGRAM)</a:t>
+            </a:r>
+          </a:p>
+        </p:txBody>
+      </p:sp>
+      <p:sp>
+        <p:nvSpPr>
+          <p:cNvPr id="6" name="Slide Number Placeholder 5">
+            <a:extLst>
+              <a:ext uri="{FF2B5EF4-FFF2-40B4-BE49-F238E27FC236}">
+                <a16:creationId xmlns:a16="http://schemas.microsoft.com/office/drawing/2014/main" id="{07D5F90B-A703-3979-44A8-9125B7AA3463}"/>
+              </a:ext>
+            </a:extLst>
+          </p:cNvPr>
+          <p:cNvSpPr>
+            <a:spLocks noGrp="1"/>
+          </p:cNvSpPr>
+          <p:nvPr>
+            <p:ph type="sldNum" sz="quarter" idx="12"/>
+          </p:nvPr>
+        </p:nvSpPr>
+        <p:spPr>
+          <a:xfrm>
+            <a:off x="8610600" y="6191250"/>
+            <a:ext cx="2743200" cy="530225"/>
+          </a:xfrm>
+        </p:spPr>
+        <p:txBody>
+          <a:bodyPr>
+            <a:noAutofit/>
+          </a:bodyPr>
+          <a:lstStyle/>
+          <a:p>
+            <a:pPr rtl="0">
+              <a:lnSpc>
+                <a:spcPct val="90000"/>
+              </a:lnSpc>
+              <a:spcAft>
+                <a:spcPts val="600"/>
+              </a:spcAft>
+            </a:pPr>
+            <a:endParaRPr lang="it-IT" sz="1800" b="1" noProof="0" dirty="0"/>
+          </a:p>
+          <a:p>
+            <a:pPr rtl="0">
+              <a:lnSpc>
+                <a:spcPct val="90000"/>
+              </a:lnSpc>
+              <a:spcAft>
+                <a:spcPts val="600"/>
+              </a:spcAft>
+            </a:pPr>
+            <a:r>
+              <a:rPr lang="it-IT" sz="1800" b="1" noProof="0" dirty="0"/>
+              <a:t>12</a:t>
+            </a:r>
+          </a:p>
+        </p:txBody>
+      </p:sp>
+    </p:spTree>
+    <p:extLst>
+      <p:ext uri="{BB962C8B-B14F-4D97-AF65-F5344CB8AC3E}">
+        <p14:creationId xmlns:p14="http://schemas.microsoft.com/office/powerpoint/2010/main" val="42136755"/>
+      </p:ext>
+    </p:extLst>
+  </p:cSld>
+  <p:clrMapOvr>
+    <a:masterClrMapping/>
+  </p:clrMapOvr>
+</p:sld>
+</file>
+
+<file path=ppt/slides/slide14.xml><?xml version="1.0" encoding="utf-8"?>
+<p:sld xmlns:a="http://schemas.openxmlformats.org/drawingml/2006/main" xmlns:r="http://schemas.openxmlformats.org/officeDocument/2006/relationships" xmlns:p="http://schemas.openxmlformats.org/presentationml/2006/main">
+  <p:cSld>
+    <p:bg>
+      <p:bgPr>
+        <a:solidFill>
+          <a:schemeClr val="bg1"/>
+        </a:solidFill>
+        <a:effectLst/>
+      </p:bgPr>
+    </p:bg>
+    <p:spTree>
+      <p:nvGrpSpPr>
+        <p:cNvPr id="1" name=""/>
+        <p:cNvGrpSpPr/>
+        <p:nvPr/>
+      </p:nvGrpSpPr>
+      <p:grpSpPr>
+        <a:xfrm>
+          <a:off x="0" y="0"/>
+          <a:ext cx="0" cy="0"/>
+          <a:chOff x="0" y="0"/>
+          <a:chExt cx="0" cy="0"/>
+        </a:xfrm>
+      </p:grpSpPr>
+      <p:sp useBgFill="1">
+        <p:nvSpPr>
+          <p:cNvPr id="87" name="Rectangle 86">
+            <a:extLst>
+              <a:ext uri="{FF2B5EF4-FFF2-40B4-BE49-F238E27FC236}">
+                <a16:creationId xmlns:a16="http://schemas.microsoft.com/office/drawing/2014/main" id="{100EDD19-6802-4EC3-95CE-CFFAB042CFD6}"/>
+              </a:ext>
+              <a:ext uri="{C183D7F6-B498-43B3-948B-1728B52AA6E4}">
+                <adec:decorative xmlns:adec="http://schemas.microsoft.com/office/drawing/2017/decorative" val="1"/>
+              </a:ext>
+            </a:extLst>
+          </p:cNvPr>
+          <p:cNvSpPr>
+            <a:spLocks noGrp="1" noRot="1" noChangeAspect="1" noMove="1" noResize="1" noEditPoints="1" noAdjustHandles="1" noChangeArrowheads="1" noChangeShapeType="1" noTextEdit="1"/>
+          </p:cNvSpPr>
+          <p:nvPr>
+            <p:extLst>
+              <p:ext uri="{386F3935-93C4-4BCD-93E2-E3B085C9AB24}">
+                <p16:designElem xmlns:p16="http://schemas.microsoft.com/office/powerpoint/2015/main" val="1"/>
+              </p:ext>
+            </p:extLst>
+          </p:nvPr>
+        </p:nvSpPr>
+        <p:spPr>
+          <a:xfrm>
+            <a:off x="0" y="0"/>
+            <a:ext cx="12188952" cy="6858000"/>
+          </a:xfrm>
+          <a:prstGeom prst="rect">
+            <a:avLst/>
+          </a:prstGeom>
+          <a:ln>
+            <a:noFill/>
+          </a:ln>
+        </p:spPr>
+        <p:style>
+          <a:lnRef idx="2">
+            <a:schemeClr val="accent1">
+              <a:shade val="50000"/>
+            </a:schemeClr>
+          </a:lnRef>
+          <a:fillRef idx="1">
+            <a:schemeClr val="accent1"/>
+          </a:fillRef>
+          <a:effectRef idx="0">
+            <a:schemeClr val="accent1"/>
+          </a:effectRef>
+          <a:fontRef idx="minor">
+            <a:schemeClr val="lt1"/>
+          </a:fontRef>
+        </p:style>
+        <p:txBody>
+          <a:bodyPr rtlCol="0" anchor="ctr"/>
+          <a:lstStyle/>
+          <a:p>
+            <a:pPr algn="ctr"/>
+            <a:endParaRPr lang="en-US"/>
+          </a:p>
+        </p:txBody>
+      </p:sp>
+      <p:sp>
+        <p:nvSpPr>
+          <p:cNvPr id="2" name="Titolo 1">
+            <a:extLst>
+              <a:ext uri="{FF2B5EF4-FFF2-40B4-BE49-F238E27FC236}">
+                <a16:creationId xmlns:a16="http://schemas.microsoft.com/office/drawing/2014/main" id="{75031FE9-9059-4FE8-B4AC-9771F23A1B89}"/>
+              </a:ext>
+            </a:extLst>
+          </p:cNvPr>
+          <p:cNvSpPr>
+            <a:spLocks noGrp="1"/>
+          </p:cNvSpPr>
+          <p:nvPr>
+            <p:ph type="title"/>
+          </p:nvPr>
+        </p:nvSpPr>
+        <p:spPr>
+          <a:xfrm>
+            <a:off x="838200" y="365125"/>
+            <a:ext cx="10515600" cy="1325563"/>
+          </a:xfrm>
+        </p:spPr>
+        <p:txBody>
+          <a:bodyPr rtlCol="0">
+            <a:normAutofit/>
+          </a:bodyPr>
+          <a:lstStyle/>
+          <a:p>
+            <a:pPr rtl="0"/>
+            <a:r>
+              <a:rPr lang="it-IT" sz="5400" b="1"/>
+              <a:t>Testing</a:t>
+            </a:r>
+          </a:p>
+        </p:txBody>
+      </p:sp>
+      <p:sp>
+        <p:nvSpPr>
+          <p:cNvPr id="89" name="sketch line">
+            <a:extLst>
+              <a:ext uri="{FF2B5EF4-FFF2-40B4-BE49-F238E27FC236}">
+                <a16:creationId xmlns:a16="http://schemas.microsoft.com/office/drawing/2014/main" id="{DB17E863-922E-4C26-BD64-E8FD41D28661}"/>
+              </a:ext>
+              <a:ext uri="{C183D7F6-B498-43B3-948B-1728B52AA6E4}">
+                <adec:decorative xmlns:adec="http://schemas.microsoft.com/office/drawing/2017/decorative" val="1"/>
+              </a:ext>
+            </a:extLst>
+          </p:cNvPr>
+          <p:cNvSpPr>
+            <a:spLocks noGrp="1" noRot="1" noChangeAspect="1" noMove="1" noResize="1" noEditPoints="1" noAdjustHandles="1" noChangeArrowheads="1" noChangeShapeType="1" noTextEdit="1"/>
+          </p:cNvSpPr>
+          <p:nvPr>
+            <p:extLst>
+              <p:ext uri="{386F3935-93C4-4BCD-93E2-E3B085C9AB24}">
+                <p16:designElem xmlns:p16="http://schemas.microsoft.com/office/powerpoint/2015/main" val="1"/>
+              </p:ext>
+            </p:extLst>
+          </p:nvPr>
+        </p:nvSpPr>
+        <p:spPr>
+          <a:xfrm>
+            <a:off x="669036" y="1677373"/>
+            <a:ext cx="10853928" cy="18288"/>
+          </a:xfrm>
+          <a:custGeom>
+            <a:avLst/>
+            <a:gdLst>
+              <a:gd name="connsiteX0" fmla="*/ 0 w 10853928"/>
+              <a:gd name="connsiteY0" fmla="*/ 0 h 18288"/>
+              <a:gd name="connsiteX1" fmla="*/ 461292 w 10853928"/>
+              <a:gd name="connsiteY1" fmla="*/ 0 h 18288"/>
+              <a:gd name="connsiteX2" fmla="*/ 1139662 w 10853928"/>
+              <a:gd name="connsiteY2" fmla="*/ 0 h 18288"/>
+              <a:gd name="connsiteX3" fmla="*/ 1926572 w 10853928"/>
+              <a:gd name="connsiteY3" fmla="*/ 0 h 18288"/>
+              <a:gd name="connsiteX4" fmla="*/ 2279325 w 10853928"/>
+              <a:gd name="connsiteY4" fmla="*/ 0 h 18288"/>
+              <a:gd name="connsiteX5" fmla="*/ 2632078 w 10853928"/>
+              <a:gd name="connsiteY5" fmla="*/ 0 h 18288"/>
+              <a:gd name="connsiteX6" fmla="*/ 3527527 w 10853928"/>
+              <a:gd name="connsiteY6" fmla="*/ 0 h 18288"/>
+              <a:gd name="connsiteX7" fmla="*/ 4205897 w 10853928"/>
+              <a:gd name="connsiteY7" fmla="*/ 0 h 18288"/>
+              <a:gd name="connsiteX8" fmla="*/ 4558650 w 10853928"/>
+              <a:gd name="connsiteY8" fmla="*/ 0 h 18288"/>
+              <a:gd name="connsiteX9" fmla="*/ 5237020 w 10853928"/>
+              <a:gd name="connsiteY9" fmla="*/ 0 h 18288"/>
+              <a:gd name="connsiteX10" fmla="*/ 6132469 w 10853928"/>
+              <a:gd name="connsiteY10" fmla="*/ 0 h 18288"/>
+              <a:gd name="connsiteX11" fmla="*/ 6702301 w 10853928"/>
+              <a:gd name="connsiteY11" fmla="*/ 0 h 18288"/>
+              <a:gd name="connsiteX12" fmla="*/ 7272132 w 10853928"/>
+              <a:gd name="connsiteY12" fmla="*/ 0 h 18288"/>
+              <a:gd name="connsiteX13" fmla="*/ 7950502 w 10853928"/>
+              <a:gd name="connsiteY13" fmla="*/ 0 h 18288"/>
+              <a:gd name="connsiteX14" fmla="*/ 8737412 w 10853928"/>
+              <a:gd name="connsiteY14" fmla="*/ 0 h 18288"/>
+              <a:gd name="connsiteX15" fmla="*/ 9524322 w 10853928"/>
+              <a:gd name="connsiteY15" fmla="*/ 0 h 18288"/>
+              <a:gd name="connsiteX16" fmla="*/ 10853928 w 10853928"/>
+              <a:gd name="connsiteY16" fmla="*/ 0 h 18288"/>
+              <a:gd name="connsiteX17" fmla="*/ 10853928 w 10853928"/>
+              <a:gd name="connsiteY17" fmla="*/ 18288 h 18288"/>
+              <a:gd name="connsiteX18" fmla="*/ 10392636 w 10853928"/>
+              <a:gd name="connsiteY18" fmla="*/ 18288 h 18288"/>
+              <a:gd name="connsiteX19" fmla="*/ 9497187 w 10853928"/>
+              <a:gd name="connsiteY19" fmla="*/ 18288 h 18288"/>
+              <a:gd name="connsiteX20" fmla="*/ 8818817 w 10853928"/>
+              <a:gd name="connsiteY20" fmla="*/ 18288 h 18288"/>
+              <a:gd name="connsiteX21" fmla="*/ 8466064 w 10853928"/>
+              <a:gd name="connsiteY21" fmla="*/ 18288 h 18288"/>
+              <a:gd name="connsiteX22" fmla="*/ 7787693 w 10853928"/>
+              <a:gd name="connsiteY22" fmla="*/ 18288 h 18288"/>
+              <a:gd name="connsiteX23" fmla="*/ 7217862 w 10853928"/>
+              <a:gd name="connsiteY23" fmla="*/ 18288 h 18288"/>
+              <a:gd name="connsiteX24" fmla="*/ 6648031 w 10853928"/>
+              <a:gd name="connsiteY24" fmla="*/ 18288 h 18288"/>
+              <a:gd name="connsiteX25" fmla="*/ 6078200 w 10853928"/>
+              <a:gd name="connsiteY25" fmla="*/ 18288 h 18288"/>
+              <a:gd name="connsiteX26" fmla="*/ 5508368 w 10853928"/>
+              <a:gd name="connsiteY26" fmla="*/ 18288 h 18288"/>
+              <a:gd name="connsiteX27" fmla="*/ 4721459 w 10853928"/>
+              <a:gd name="connsiteY27" fmla="*/ 18288 h 18288"/>
+              <a:gd name="connsiteX28" fmla="*/ 4043088 w 10853928"/>
+              <a:gd name="connsiteY28" fmla="*/ 18288 h 18288"/>
+              <a:gd name="connsiteX29" fmla="*/ 3690336 w 10853928"/>
+              <a:gd name="connsiteY29" fmla="*/ 18288 h 18288"/>
+              <a:gd name="connsiteX30" fmla="*/ 3120504 w 10853928"/>
+              <a:gd name="connsiteY30" fmla="*/ 18288 h 18288"/>
+              <a:gd name="connsiteX31" fmla="*/ 2333595 w 10853928"/>
+              <a:gd name="connsiteY31" fmla="*/ 18288 h 18288"/>
+              <a:gd name="connsiteX32" fmla="*/ 1872303 w 10853928"/>
+              <a:gd name="connsiteY32" fmla="*/ 18288 h 18288"/>
+              <a:gd name="connsiteX33" fmla="*/ 976854 w 10853928"/>
+              <a:gd name="connsiteY33" fmla="*/ 18288 h 18288"/>
+              <a:gd name="connsiteX34" fmla="*/ 0 w 10853928"/>
+              <a:gd name="connsiteY34" fmla="*/ 18288 h 18288"/>
+              <a:gd name="connsiteX35" fmla="*/ 0 w 10853928"/>
+              <a:gd name="connsiteY35" fmla="*/ 0 h 18288"/>
+            </a:gdLst>
+            <a:ahLst/>
+            <a:cxnLst>
+              <a:cxn ang="0">
+                <a:pos x="connsiteX0" y="connsiteY0"/>
+              </a:cxn>
+              <a:cxn ang="0">
+                <a:pos x="connsiteX1" y="connsiteY1"/>
+              </a:cxn>
+              <a:cxn ang="0">
+                <a:pos x="connsiteX2" y="connsiteY2"/>
+              </a:cxn>
+              <a:cxn ang="0">
+                <a:pos x="connsiteX3" y="connsiteY3"/>
+              </a:cxn>
+              <a:cxn ang="0">
+                <a:pos x="connsiteX4" y="connsiteY4"/>
+              </a:cxn>
+              <a:cxn ang="0">
+                <a:pos x="connsiteX5" y="connsiteY5"/>
+              </a:cxn>
+              <a:cxn ang="0">
+                <a:pos x="connsiteX6" y="connsiteY6"/>
+              </a:cxn>
+              <a:cxn ang="0">
+                <a:pos x="connsiteX7" y="connsiteY7"/>
+              </a:cxn>
+              <a:cxn ang="0">
+                <a:pos x="connsiteX8" y="connsiteY8"/>
+              </a:cxn>
+              <a:cxn ang="0">
+                <a:pos x="connsiteX9" y="connsiteY9"/>
+              </a:cxn>
+              <a:cxn ang="0">
+                <a:pos x="connsiteX10" y="connsiteY10"/>
+              </a:cxn>
+              <a:cxn ang="0">
+                <a:pos x="connsiteX11" y="connsiteY11"/>
+              </a:cxn>
+              <a:cxn ang="0">
+                <a:pos x="connsiteX12" y="connsiteY12"/>
+              </a:cxn>
+              <a:cxn ang="0">
+                <a:pos x="connsiteX13" y="connsiteY13"/>
+              </a:cxn>
+              <a:cxn ang="0">
+                <a:pos x="connsiteX14" y="connsiteY14"/>
+              </a:cxn>
+              <a:cxn ang="0">
+                <a:pos x="connsiteX15" y="connsiteY15"/>
+              </a:cxn>
+              <a:cxn ang="0">
+                <a:pos x="connsiteX16" y="connsiteY16"/>
+              </a:cxn>
+              <a:cxn ang="0">
+                <a:pos x="connsiteX17" y="connsiteY17"/>
+              </a:cxn>
+              <a:cxn ang="0">
+                <a:pos x="connsiteX18" y="connsiteY18"/>
+              </a:cxn>
+              <a:cxn ang="0">
+                <a:pos x="connsiteX19" y="connsiteY19"/>
+              </a:cxn>
+              <a:cxn ang="0">
+                <a:pos x="connsiteX20" y="connsiteY20"/>
+              </a:cxn>
+              <a:cxn ang="0">
+                <a:pos x="connsiteX21" y="connsiteY21"/>
+              </a:cxn>
+              <a:cxn ang="0">
+                <a:pos x="connsiteX22" y="connsiteY22"/>
+              </a:cxn>
+              <a:cxn ang="0">
+                <a:pos x="connsiteX23" y="connsiteY23"/>
+              </a:cxn>
+              <a:cxn ang="0">
+                <a:pos x="connsiteX24" y="connsiteY24"/>
+              </a:cxn>
+              <a:cxn ang="0">
+                <a:pos x="connsiteX25" y="connsiteY25"/>
+              </a:cxn>
+              <a:cxn ang="0">
+                <a:pos x="connsiteX26" y="connsiteY26"/>
+              </a:cxn>
+              <a:cxn ang="0">
+                <a:pos x="connsiteX27" y="connsiteY27"/>
+              </a:cxn>
+              <a:cxn ang="0">
+                <a:pos x="connsiteX28" y="connsiteY28"/>
+              </a:cxn>
+              <a:cxn ang="0">
+                <a:pos x="connsiteX29" y="connsiteY29"/>
+              </a:cxn>
+              <a:cxn ang="0">
+                <a:pos x="connsiteX30" y="connsiteY30"/>
+              </a:cxn>
+              <a:cxn ang="0">
+                <a:pos x="connsiteX31" y="connsiteY31"/>
+              </a:cxn>
+              <a:cxn ang="0">
+                <a:pos x="connsiteX32" y="connsiteY32"/>
+              </a:cxn>
+              <a:cxn ang="0">
+                <a:pos x="connsiteX33" y="connsiteY33"/>
+              </a:cxn>
+              <a:cxn ang="0">
+                <a:pos x="connsiteX34" y="connsiteY34"/>
+              </a:cxn>
+              <a:cxn ang="0">
+                <a:pos x="connsiteX35" y="connsiteY35"/>
+              </a:cxn>
+            </a:cxnLst>
+            <a:rect l="l" t="t" r="r" b="b"/>
+            <a:pathLst>
+              <a:path w="10853928" h="18288" fill="none" extrusionOk="0">
+                <a:moveTo>
+                  <a:pt x="0" y="0"/>
+                </a:moveTo>
+                <a:cubicBezTo>
+                  <a:pt x="146993" y="-19076"/>
+                  <a:pt x="347684" y="-4790"/>
+                  <a:pt x="461292" y="0"/>
+                </a:cubicBezTo>
+                <a:cubicBezTo>
+                  <a:pt x="574900" y="4790"/>
+                  <a:pt x="808367" y="19821"/>
+                  <a:pt x="1139662" y="0"/>
+                </a:cubicBezTo>
+                <a:cubicBezTo>
+                  <a:pt x="1470957" y="-19821"/>
+                  <a:pt x="1627405" y="5721"/>
+                  <a:pt x="1926572" y="0"/>
+                </a:cubicBezTo>
+                <a:cubicBezTo>
+                  <a:pt x="2225739" y="-5721"/>
+                  <a:pt x="2137730" y="-3235"/>
+                  <a:pt x="2279325" y="0"/>
+                </a:cubicBezTo>
+                <a:cubicBezTo>
+                  <a:pt x="2420920" y="3235"/>
+                  <a:pt x="2456518" y="9685"/>
+                  <a:pt x="2632078" y="0"/>
+                </a:cubicBezTo>
+                <a:cubicBezTo>
+                  <a:pt x="2807638" y="-9685"/>
+                  <a:pt x="3211516" y="-43007"/>
+                  <a:pt x="3527527" y="0"/>
+                </a:cubicBezTo>
+                <a:cubicBezTo>
+                  <a:pt x="3843538" y="43007"/>
+                  <a:pt x="4058833" y="22042"/>
+                  <a:pt x="4205897" y="0"/>
+                </a:cubicBezTo>
+                <a:cubicBezTo>
+                  <a:pt x="4352961" y="-22042"/>
+                  <a:pt x="4474805" y="-11846"/>
+                  <a:pt x="4558650" y="0"/>
+                </a:cubicBezTo>
+                <a:cubicBezTo>
+                  <a:pt x="4642495" y="11846"/>
+                  <a:pt x="5041928" y="-6069"/>
+                  <a:pt x="5237020" y="0"/>
+                </a:cubicBezTo>
+                <a:cubicBezTo>
+                  <a:pt x="5432112" y="6069"/>
+                  <a:pt x="5943266" y="-17479"/>
+                  <a:pt x="6132469" y="0"/>
+                </a:cubicBezTo>
+                <a:cubicBezTo>
+                  <a:pt x="6321672" y="17479"/>
+                  <a:pt x="6483872" y="26234"/>
+                  <a:pt x="6702301" y="0"/>
+                </a:cubicBezTo>
+                <a:cubicBezTo>
+                  <a:pt x="6920730" y="-26234"/>
+                  <a:pt x="6991194" y="-15156"/>
+                  <a:pt x="7272132" y="0"/>
+                </a:cubicBezTo>
+                <a:cubicBezTo>
+                  <a:pt x="7553070" y="15156"/>
+                  <a:pt x="7684444" y="-32961"/>
+                  <a:pt x="7950502" y="0"/>
+                </a:cubicBezTo>
+                <a:cubicBezTo>
+                  <a:pt x="8216560" y="32961"/>
+                  <a:pt x="8493290" y="-10491"/>
+                  <a:pt x="8737412" y="0"/>
+                </a:cubicBezTo>
+                <a:cubicBezTo>
+                  <a:pt x="8981534" y="10491"/>
+                  <a:pt x="9191586" y="-13899"/>
+                  <a:pt x="9524322" y="0"/>
+                </a:cubicBezTo>
+                <a:cubicBezTo>
+                  <a:pt x="9857058" y="13899"/>
+                  <a:pt x="10297509" y="7485"/>
+                  <a:pt x="10853928" y="0"/>
+                </a:cubicBezTo>
+                <a:cubicBezTo>
+                  <a:pt x="10854574" y="4451"/>
+                  <a:pt x="10854418" y="9226"/>
+                  <a:pt x="10853928" y="18288"/>
+                </a:cubicBezTo>
+                <a:cubicBezTo>
+                  <a:pt x="10691638" y="28522"/>
+                  <a:pt x="10574319" y="29578"/>
+                  <a:pt x="10392636" y="18288"/>
+                </a:cubicBezTo>
+                <a:cubicBezTo>
+                  <a:pt x="10210953" y="6998"/>
+                  <a:pt x="9836277" y="-16742"/>
+                  <a:pt x="9497187" y="18288"/>
+                </a:cubicBezTo>
+                <a:cubicBezTo>
+                  <a:pt x="9158097" y="53318"/>
+                  <a:pt x="9119479" y="30714"/>
+                  <a:pt x="8818817" y="18288"/>
+                </a:cubicBezTo>
+                <a:cubicBezTo>
+                  <a:pt x="8518155" y="5863"/>
+                  <a:pt x="8640037" y="6483"/>
+                  <a:pt x="8466064" y="18288"/>
+                </a:cubicBezTo>
+                <a:cubicBezTo>
+                  <a:pt x="8292091" y="30093"/>
+                  <a:pt x="7997656" y="18914"/>
+                  <a:pt x="7787693" y="18288"/>
+                </a:cubicBezTo>
+                <a:cubicBezTo>
+                  <a:pt x="7577730" y="17662"/>
+                  <a:pt x="7412468" y="21416"/>
+                  <a:pt x="7217862" y="18288"/>
+                </a:cubicBezTo>
+                <a:cubicBezTo>
+                  <a:pt x="7023256" y="15160"/>
+                  <a:pt x="6898018" y="14824"/>
+                  <a:pt x="6648031" y="18288"/>
+                </a:cubicBezTo>
+                <a:cubicBezTo>
+                  <a:pt x="6398044" y="21752"/>
+                  <a:pt x="6254402" y="38625"/>
+                  <a:pt x="6078200" y="18288"/>
+                </a:cubicBezTo>
+                <a:cubicBezTo>
+                  <a:pt x="5901998" y="-2049"/>
+                  <a:pt x="5622886" y="3213"/>
+                  <a:pt x="5508368" y="18288"/>
+                </a:cubicBezTo>
+                <a:cubicBezTo>
+                  <a:pt x="5393850" y="33363"/>
+                  <a:pt x="5036260" y="26830"/>
+                  <a:pt x="4721459" y="18288"/>
+                </a:cubicBezTo>
+                <a:cubicBezTo>
+                  <a:pt x="4406658" y="9746"/>
+                  <a:pt x="4239221" y="41551"/>
+                  <a:pt x="4043088" y="18288"/>
+                </a:cubicBezTo>
+                <a:cubicBezTo>
+                  <a:pt x="3846955" y="-4975"/>
+                  <a:pt x="3818802" y="34658"/>
+                  <a:pt x="3690336" y="18288"/>
+                </a:cubicBezTo>
+                <a:cubicBezTo>
+                  <a:pt x="3561870" y="1918"/>
+                  <a:pt x="3265491" y="42194"/>
+                  <a:pt x="3120504" y="18288"/>
+                </a:cubicBezTo>
+                <a:cubicBezTo>
+                  <a:pt x="2975517" y="-5618"/>
+                  <a:pt x="2720254" y="36673"/>
+                  <a:pt x="2333595" y="18288"/>
+                </a:cubicBezTo>
+                <a:cubicBezTo>
+                  <a:pt x="1946936" y="-97"/>
+                  <a:pt x="2097241" y="5776"/>
+                  <a:pt x="1872303" y="18288"/>
+                </a:cubicBezTo>
+                <a:cubicBezTo>
+                  <a:pt x="1647365" y="30800"/>
+                  <a:pt x="1282708" y="45380"/>
+                  <a:pt x="976854" y="18288"/>
+                </a:cubicBezTo>
+                <a:cubicBezTo>
+                  <a:pt x="671000" y="-8804"/>
+                  <a:pt x="408401" y="-12775"/>
+                  <a:pt x="0" y="18288"/>
+                </a:cubicBezTo>
+                <a:cubicBezTo>
+                  <a:pt x="-213" y="9468"/>
+                  <a:pt x="187" y="4459"/>
+                  <a:pt x="0" y="0"/>
+                </a:cubicBezTo>
+                <a:close/>
+              </a:path>
+              <a:path w="10853928" h="18288" stroke="0" extrusionOk="0">
+                <a:moveTo>
+                  <a:pt x="0" y="0"/>
+                </a:moveTo>
+                <a:cubicBezTo>
+                  <a:pt x="267322" y="15284"/>
+                  <a:pt x="415388" y="-21048"/>
+                  <a:pt x="569831" y="0"/>
+                </a:cubicBezTo>
+                <a:cubicBezTo>
+                  <a:pt x="724274" y="21048"/>
+                  <a:pt x="769333" y="-2353"/>
+                  <a:pt x="922584" y="0"/>
+                </a:cubicBezTo>
+                <a:cubicBezTo>
+                  <a:pt x="1075835" y="2353"/>
+                  <a:pt x="1399490" y="-145"/>
+                  <a:pt x="1818033" y="0"/>
+                </a:cubicBezTo>
+                <a:cubicBezTo>
+                  <a:pt x="2236576" y="145"/>
+                  <a:pt x="2145330" y="5482"/>
+                  <a:pt x="2387864" y="0"/>
+                </a:cubicBezTo>
+                <a:cubicBezTo>
+                  <a:pt x="2630398" y="-5482"/>
+                  <a:pt x="2793207" y="18487"/>
+                  <a:pt x="2957695" y="0"/>
+                </a:cubicBezTo>
+                <a:cubicBezTo>
+                  <a:pt x="3122183" y="-18487"/>
+                  <a:pt x="3579141" y="19003"/>
+                  <a:pt x="3853144" y="0"/>
+                </a:cubicBezTo>
+                <a:cubicBezTo>
+                  <a:pt x="4127147" y="-19003"/>
+                  <a:pt x="4209857" y="12211"/>
+                  <a:pt x="4314436" y="0"/>
+                </a:cubicBezTo>
+                <a:cubicBezTo>
+                  <a:pt x="4419015" y="-12211"/>
+                  <a:pt x="4762459" y="-17220"/>
+                  <a:pt x="5209885" y="0"/>
+                </a:cubicBezTo>
+                <a:cubicBezTo>
+                  <a:pt x="5657311" y="17220"/>
+                  <a:pt x="5692663" y="-3290"/>
+                  <a:pt x="6105335" y="0"/>
+                </a:cubicBezTo>
+                <a:cubicBezTo>
+                  <a:pt x="6518007" y="3290"/>
+                  <a:pt x="6455516" y="-5124"/>
+                  <a:pt x="6783705" y="0"/>
+                </a:cubicBezTo>
+                <a:cubicBezTo>
+                  <a:pt x="7111894" y="5124"/>
+                  <a:pt x="7441941" y="-17829"/>
+                  <a:pt x="7679154" y="0"/>
+                </a:cubicBezTo>
+                <a:cubicBezTo>
+                  <a:pt x="7916367" y="17829"/>
+                  <a:pt x="8102967" y="-24363"/>
+                  <a:pt x="8248985" y="0"/>
+                </a:cubicBezTo>
+                <a:cubicBezTo>
+                  <a:pt x="8395003" y="24363"/>
+                  <a:pt x="8552393" y="25505"/>
+                  <a:pt x="8818817" y="0"/>
+                </a:cubicBezTo>
+                <a:cubicBezTo>
+                  <a:pt x="9085241" y="-25505"/>
+                  <a:pt x="9411308" y="38000"/>
+                  <a:pt x="9605726" y="0"/>
+                </a:cubicBezTo>
+                <a:cubicBezTo>
+                  <a:pt x="9800144" y="-38000"/>
+                  <a:pt x="10006468" y="-25741"/>
+                  <a:pt x="10175558" y="0"/>
+                </a:cubicBezTo>
+                <a:cubicBezTo>
+                  <a:pt x="10344648" y="25741"/>
+                  <a:pt x="10696282" y="695"/>
+                  <a:pt x="10853928" y="0"/>
+                </a:cubicBezTo>
+                <a:cubicBezTo>
+                  <a:pt x="10853521" y="8690"/>
+                  <a:pt x="10853774" y="14141"/>
+                  <a:pt x="10853928" y="18288"/>
+                </a:cubicBezTo>
+                <a:cubicBezTo>
+                  <a:pt x="10608124" y="24255"/>
+                  <a:pt x="10343415" y="22307"/>
+                  <a:pt x="10067018" y="18288"/>
+                </a:cubicBezTo>
+                <a:cubicBezTo>
+                  <a:pt x="9790621" y="14270"/>
+                  <a:pt x="9843266" y="3564"/>
+                  <a:pt x="9714266" y="18288"/>
+                </a:cubicBezTo>
+                <a:cubicBezTo>
+                  <a:pt x="9585266" y="33012"/>
+                  <a:pt x="9379484" y="1875"/>
+                  <a:pt x="9252974" y="18288"/>
+                </a:cubicBezTo>
+                <a:cubicBezTo>
+                  <a:pt x="9126464" y="34701"/>
+                  <a:pt x="8580678" y="-4904"/>
+                  <a:pt x="8357525" y="18288"/>
+                </a:cubicBezTo>
+                <a:cubicBezTo>
+                  <a:pt x="8134372" y="41480"/>
+                  <a:pt x="7903199" y="26458"/>
+                  <a:pt x="7679154" y="18288"/>
+                </a:cubicBezTo>
+                <a:cubicBezTo>
+                  <a:pt x="7455109" y="10118"/>
+                  <a:pt x="7435944" y="27109"/>
+                  <a:pt x="7217862" y="18288"/>
+                </a:cubicBezTo>
+                <a:cubicBezTo>
+                  <a:pt x="6999780" y="9467"/>
+                  <a:pt x="6680409" y="18985"/>
+                  <a:pt x="6539492" y="18288"/>
+                </a:cubicBezTo>
+                <a:cubicBezTo>
+                  <a:pt x="6398575" y="17592"/>
+                  <a:pt x="6312077" y="33018"/>
+                  <a:pt x="6186739" y="18288"/>
+                </a:cubicBezTo>
+                <a:cubicBezTo>
+                  <a:pt x="6061401" y="3558"/>
+                  <a:pt x="5947033" y="12075"/>
+                  <a:pt x="5833986" y="18288"/>
+                </a:cubicBezTo>
+                <a:cubicBezTo>
+                  <a:pt x="5720939" y="24501"/>
+                  <a:pt x="5482226" y="8586"/>
+                  <a:pt x="5155616" y="18288"/>
+                </a:cubicBezTo>
+                <a:cubicBezTo>
+                  <a:pt x="4829006" y="27991"/>
+                  <a:pt x="4841274" y="29316"/>
+                  <a:pt x="4694324" y="18288"/>
+                </a:cubicBezTo>
+                <a:cubicBezTo>
+                  <a:pt x="4547374" y="7260"/>
+                  <a:pt x="4077675" y="7013"/>
+                  <a:pt x="3907414" y="18288"/>
+                </a:cubicBezTo>
+                <a:cubicBezTo>
+                  <a:pt x="3737153" y="29564"/>
+                  <a:pt x="3538393" y="21630"/>
+                  <a:pt x="3446122" y="18288"/>
+                </a:cubicBezTo>
+                <a:cubicBezTo>
+                  <a:pt x="3353851" y="14946"/>
+                  <a:pt x="2990320" y="-8091"/>
+                  <a:pt x="2659212" y="18288"/>
+                </a:cubicBezTo>
+                <a:cubicBezTo>
+                  <a:pt x="2328104" y="44667"/>
+                  <a:pt x="2427653" y="9607"/>
+                  <a:pt x="2306460" y="18288"/>
+                </a:cubicBezTo>
+                <a:cubicBezTo>
+                  <a:pt x="2185267" y="26969"/>
+                  <a:pt x="1719763" y="3717"/>
+                  <a:pt x="1519550" y="18288"/>
+                </a:cubicBezTo>
+                <a:cubicBezTo>
+                  <a:pt x="1319337" y="32860"/>
+                  <a:pt x="1167371" y="17040"/>
+                  <a:pt x="1058258" y="18288"/>
+                </a:cubicBezTo>
+                <a:cubicBezTo>
+                  <a:pt x="949145" y="19536"/>
+                  <a:pt x="780234" y="31447"/>
+                  <a:pt x="705505" y="18288"/>
+                </a:cubicBezTo>
+                <a:cubicBezTo>
+                  <a:pt x="630776" y="5129"/>
+                  <a:pt x="215796" y="30056"/>
+                  <a:pt x="0" y="18288"/>
+                </a:cubicBezTo>
+                <a:cubicBezTo>
+                  <a:pt x="-53" y="11301"/>
+                  <a:pt x="-649" y="7756"/>
+                  <a:pt x="0" y="0"/>
+                </a:cubicBezTo>
+                <a:close/>
+              </a:path>
+            </a:pathLst>
+          </a:custGeom>
+          <a:solidFill>
+            <a:schemeClr val="accent2"/>
+          </a:solidFill>
+          <a:ln w="41275" cap="rnd">
+            <a:solidFill>
+              <a:schemeClr val="accent2"/>
+            </a:solidFill>
+            <a:round/>
+            <a:extLst>
+              <a:ext uri="{C807C97D-BFC1-408E-A445-0C87EB9F89A2}">
+                <ask:lineSketchStyleProps xmlns:ask="http://schemas.microsoft.com/office/drawing/2018/sketchyshapes" sd="1219033472">
+                  <a:prstGeom prst="rect">
+                    <a:avLst/>
+                  </a:prstGeom>
+                  <ask:type>
+                    <ask:lineSketchFreehand/>
+                  </ask:type>
+                </ask:lineSketchStyleProps>
+              </a:ext>
+            </a:extLst>
+          </a:ln>
+        </p:spPr>
+        <p:style>
+          <a:lnRef idx="2">
+            <a:schemeClr val="accent1">
+              <a:shade val="50000"/>
+            </a:schemeClr>
+          </a:lnRef>
+          <a:fillRef idx="1">
+            <a:schemeClr val="accent1"/>
+          </a:fillRef>
+          <a:effectRef idx="0">
+            <a:schemeClr val="accent1"/>
+          </a:effectRef>
+          <a:fontRef idx="minor">
+            <a:schemeClr val="lt1"/>
+          </a:fontRef>
+        </p:style>
+        <p:txBody>
+          <a:bodyPr rtlCol="0" anchor="ctr"/>
+          <a:lstStyle/>
+          <a:p>
+            <a:pPr algn="ctr"/>
+            <a:endParaRPr lang="en-US"/>
+          </a:p>
+        </p:txBody>
+      </p:sp>
+      <p:sp>
+        <p:nvSpPr>
           <p:cNvPr id="4" name="Content Placeholder 3">
             <a:extLst>
               <a:ext uri="{FF2B5EF4-FFF2-40B4-BE49-F238E27FC236}">
@@ -18095,7 +19656,7 @@
                   <a:spcPts val="600"/>
                 </a:spcAft>
               </a:pPr>
-              <a:t>13</a:t>
+              <a:t>14</a:t>
             </a:fld>
             <a:endParaRPr lang="it-IT" sz="1800" b="1" dirty="0"/>
           </a:p>
@@ -18915,8 +20476,8 @@
         </p:nvSpPr>
         <p:spPr>
           <a:xfrm>
-            <a:off x="572493" y="2071316"/>
-            <a:ext cx="6713552" cy="4119172"/>
+            <a:off x="572493" y="2071315"/>
+            <a:ext cx="6713552" cy="4404129"/>
           </a:xfrm>
         </p:spPr>
         <p:txBody>
@@ -18958,11 +20519,19 @@
             </a:r>
             <a:r>
               <a:rPr lang="en-US" sz="2000" dirty="0"/>
-              <a:t> </a:t>
+              <a:t> di un </a:t>
             </a:r>
             <a:r>
               <a:rPr lang="en-US" sz="2000" dirty="0" err="1"/>
-              <a:t>delle</a:t>
+              <a:t>ospedale</a:t>
+            </a:r>
+            <a:r>
+              <a:rPr lang="en-US" sz="2000" dirty="0"/>
+              <a:t>, in </a:t>
+            </a:r>
+            <a:r>
+              <a:rPr lang="en-US" sz="2000" dirty="0" err="1"/>
+              <a:t>particolare</a:t>
             </a:r>
             <a:r>
               <a:rPr lang="en-US" sz="2000" dirty="0"/>
@@ -18970,15 +20539,47 @@
             </a:r>
             <a:r>
               <a:rPr lang="en-US" sz="2000" dirty="0" err="1"/>
-              <a:t>camere</a:t>
+              <a:t>tenere</a:t>
             </a:r>
             <a:r>
               <a:rPr lang="en-US" sz="2000" dirty="0"/>
-              <a:t> di un </a:t>
+              <a:t> </a:t>
             </a:r>
             <a:r>
               <a:rPr lang="en-US" sz="2000" dirty="0" err="1"/>
-              <a:t>ospedale</a:t>
+              <a:t>traccia</a:t>
+            </a:r>
+            <a:r>
+              <a:rPr lang="en-US" sz="2000" dirty="0"/>
+              <a:t> </a:t>
+            </a:r>
+            <a:r>
+              <a:rPr lang="en-US" sz="2000" dirty="0" err="1"/>
+              <a:t>dei</a:t>
+            </a:r>
+            <a:r>
+              <a:rPr lang="en-US" sz="2000" dirty="0"/>
+              <a:t> </a:t>
+            </a:r>
+            <a:r>
+              <a:rPr lang="en-US" sz="2000" dirty="0" err="1"/>
+              <a:t>movimenti</a:t>
+            </a:r>
+            <a:r>
+              <a:rPr lang="en-US" sz="2000" dirty="0"/>
+              <a:t> del </a:t>
+            </a:r>
+            <a:r>
+              <a:rPr lang="en-US" sz="2000" dirty="0" err="1"/>
+              <a:t>paziente</a:t>
+            </a:r>
+            <a:r>
+              <a:rPr lang="en-US" sz="2000" dirty="0"/>
+              <a:t> rispetto al Sistema </a:t>
+            </a:r>
+            <a:r>
+              <a:rPr lang="en-US" sz="2000" dirty="0" err="1"/>
+              <a:t>generale</a:t>
             </a:r>
             <a:r>
               <a:rPr lang="en-US" sz="2000" dirty="0"/>
@@ -19003,7 +20604,7 @@
             </a:r>
             <a:r>
               <a:rPr lang="en-US" sz="2000" dirty="0" err="1"/>
-              <a:t>sisteme</a:t>
+              <a:t>sistema</a:t>
             </a:r>
             <a:r>
               <a:rPr lang="en-US" sz="2000" dirty="0"/>
@@ -19035,7 +20636,7 @@
             </a:r>
             <a:r>
               <a:rPr lang="en-US" sz="2000" dirty="0" err="1"/>
-              <a:t>diveris</a:t>
+              <a:t>diversi</a:t>
             </a:r>
             <a:r>
               <a:rPr lang="en-US" sz="2000" dirty="0"/>
@@ -19149,23 +20750,7 @@
             </a:r>
             <a:r>
               <a:rPr lang="en-US" sz="2000" dirty="0"/>
-              <a:t> </a:t>
-            </a:r>
-            <a:r>
-              <a:rPr lang="en-US" sz="2000" dirty="0" err="1"/>
-              <a:t>che</a:t>
-            </a:r>
-            <a:r>
-              <a:rPr lang="en-US" sz="2000" dirty="0"/>
-              <a:t> </a:t>
-            </a:r>
-            <a:r>
-              <a:rPr lang="en-US" sz="2000" dirty="0" err="1"/>
-              <a:t>deve</a:t>
-            </a:r>
-            <a:r>
-              <a:rPr lang="en-US" sz="2000" dirty="0"/>
-              <a:t> </a:t>
+              <a:t> da </a:t>
             </a:r>
             <a:r>
               <a:rPr lang="en-US" sz="2000" dirty="0" err="1"/>
@@ -19438,7 +21023,7 @@
         <p:spPr bwMode="auto">
           <a:xfrm>
             <a:off x="7675658" y="2093976"/>
-            <a:ext cx="3941064" cy="4096512"/>
+            <a:ext cx="3941064" cy="4381468"/>
           </a:xfrm>
           <a:prstGeom prst="rect">
             <a:avLst/>
@@ -20309,6 +21894,50 @@
           </a:bodyPr>
           <a:lstStyle/>
           <a:p>
+            <a:pPr marL="0" indent="0">
+              <a:buNone/>
+            </a:pPr>
+            <a:r>
+              <a:rPr lang="en-US" sz="2200" dirty="0"/>
+              <a:t>Le </a:t>
+            </a:r>
+            <a:r>
+              <a:rPr lang="en-US" sz="2200" dirty="0" err="1"/>
+              <a:t>principali</a:t>
+            </a:r>
+            <a:r>
+              <a:rPr lang="en-US" sz="2200" dirty="0"/>
+              <a:t> </a:t>
+            </a:r>
+            <a:r>
+              <a:rPr lang="en-US" sz="2200" dirty="0" err="1"/>
+              <a:t>difficolà</a:t>
+            </a:r>
+            <a:r>
+              <a:rPr lang="en-US" sz="2200" dirty="0"/>
+              <a:t> </a:t>
+            </a:r>
+            <a:r>
+              <a:rPr lang="en-US" sz="2200" dirty="0" err="1"/>
+              <a:t>incontrate</a:t>
+            </a:r>
+            <a:r>
+              <a:rPr lang="en-US" sz="2200" dirty="0"/>
+              <a:t> </a:t>
+            </a:r>
+            <a:r>
+              <a:rPr lang="en-US" sz="2200" dirty="0" err="1"/>
+              <a:t>sono</a:t>
+            </a:r>
+            <a:r>
+              <a:rPr lang="en-US" sz="2200" dirty="0"/>
+              <a:t>:</a:t>
+            </a:r>
+          </a:p>
+          <a:p>
+            <a:endParaRPr lang="en-US" sz="2200" dirty="0"/>
+          </a:p>
+          <a:p>
             <a:r>
               <a:rPr lang="en-US" sz="2200" dirty="0" err="1"/>
               <a:t>Coordinamento</a:t>
@@ -22267,16 +23896,46 @@
             </a:r>
             <a:r>
               <a:rPr lang="it-IT" sz="2200" dirty="0"/>
-              <a:t> diversi </a:t>
-            </a:r>
-            <a:r>
-              <a:rPr lang="it-IT" sz="2200"/>
-              <a:t>per ottimizzare </a:t>
+              <a:t> diversi per ottimizzare il lavoro di squadra ed evitare eventuali  incomprensioni</a:t>
+            </a:r>
+          </a:p>
+          <a:p>
+            <a:pPr marL="0" indent="0">
+              <a:buNone/>
+            </a:pPr>
+            <a:endParaRPr lang="it-IT" sz="2200" b="1" dirty="0"/>
+          </a:p>
+          <a:p>
+            <a:pPr marL="0" indent="0">
+              <a:buNone/>
+            </a:pPr>
+            <a:r>
+              <a:rPr lang="it-IT" sz="2200" b="1" dirty="0"/>
+              <a:t>ISSUE </a:t>
             </a:r>
             <a:r>
               <a:rPr lang="it-IT" sz="2200" dirty="0"/>
-              <a:t>il lavoro di squadra ed evitare eventuali  incomprensioni</a:t>
-            </a:r>
+              <a:t>Per valutazione del progetto o modifiche importanti sono state attivati </a:t>
+            </a:r>
+            <a:r>
+              <a:rPr lang="it-IT" sz="2200" dirty="0" err="1"/>
+              <a:t>issue</a:t>
+            </a:r>
+            <a:r>
+              <a:rPr lang="it-IT" sz="2200" dirty="0"/>
+              <a:t> corrispondenti</a:t>
+            </a:r>
+          </a:p>
+          <a:p>
+            <a:pPr marL="0" indent="0">
+              <a:buNone/>
+            </a:pPr>
+            <a:endParaRPr lang="it-IT" sz="2200" b="1" dirty="0"/>
+          </a:p>
+          <a:p>
+            <a:pPr marL="0" indent="0">
+              <a:buNone/>
+            </a:pPr>
             <a:endParaRPr lang="it-IT" sz="2200" b="1" dirty="0"/>
           </a:p>
         </p:txBody>
@@ -23114,69 +24773,38 @@
           </a:p>
         </p:txBody>
       </p:sp>
-      <p:sp>
-        <p:nvSpPr>
-          <p:cNvPr id="5" name="Content Placeholder 4">
+      <p:pic>
+        <p:nvPicPr>
+          <p:cNvPr id="3" name="Segnaposto contenuto 2">
             <a:extLst>
               <a:ext uri="{FF2B5EF4-FFF2-40B4-BE49-F238E27FC236}">
-                <a16:creationId xmlns:a16="http://schemas.microsoft.com/office/drawing/2014/main" id="{BE1F23F2-64C7-BE07-E80F-A34081568AA8}"/>
+                <a16:creationId xmlns:a16="http://schemas.microsoft.com/office/drawing/2014/main" id="{4FEB95E3-E64A-1943-6AD8-22923F2676CB}"/>
               </a:ext>
             </a:extLst>
           </p:cNvPr>
-          <p:cNvSpPr>
-            <a:spLocks noGrp="1"/>
-          </p:cNvSpPr>
+          <p:cNvPicPr>
+            <a:picLocks noGrp="1" noChangeAspect="1"/>
+          </p:cNvPicPr>
           <p:nvPr>
             <p:ph idx="1"/>
           </p:nvPr>
-        </p:nvSpPr>
+        </p:nvPicPr>
+        <p:blipFill>
+          <a:blip r:embed="rId3"/>
+          <a:stretch>
+            <a:fillRect/>
+          </a:stretch>
+        </p:blipFill>
         <p:spPr>
           <a:xfrm>
-            <a:off x="838200" y="1929384"/>
-            <a:ext cx="10515600" cy="3414776"/>
+            <a:off x="1632857" y="1983581"/>
+            <a:ext cx="9237306" cy="4259846"/>
           </a:xfrm>
+          <a:prstGeom prst="rect">
+            <a:avLst/>
+          </a:prstGeom>
         </p:spPr>
-        <p:txBody>
-          <a:bodyPr vert="horz" lIns="91440" tIns="45720" rIns="91440" bIns="45720" rtlCol="0">
-            <a:normAutofit/>
-          </a:bodyPr>
-          <a:lstStyle/>
-          <a:p>
-            <a:pPr marL="0" indent="0">
-              <a:buNone/>
-            </a:pPr>
-            <a:r>
-              <a:rPr lang="en-US" sz="2200" kern="1200" dirty="0" err="1">
-                <a:latin typeface="+mn-lt"/>
-                <a:ea typeface="+mn-ea"/>
-                <a:cs typeface="+mn-cs"/>
-              </a:rPr>
-              <a:t>Spiegare</a:t>
-            </a:r>
-            <a:r>
-              <a:rPr lang="en-US" sz="2200" kern="1200" dirty="0">
-                <a:latin typeface="+mn-lt"/>
-                <a:ea typeface="+mn-ea"/>
-                <a:cs typeface="+mn-cs"/>
-              </a:rPr>
-              <a:t> il software life cycle </a:t>
-            </a:r>
-            <a:r>
-              <a:rPr lang="en-US" sz="2200" kern="1200" dirty="0" err="1">
-                <a:latin typeface="+mn-lt"/>
-                <a:ea typeface="+mn-ea"/>
-                <a:cs typeface="+mn-cs"/>
-              </a:rPr>
-              <a:t>utilizzato</a:t>
-            </a:r>
-            <a:endParaRPr lang="en-US" sz="2200" kern="1200" dirty="0">
-              <a:latin typeface="+mn-lt"/>
-              <a:ea typeface="+mn-ea"/>
-              <a:cs typeface="+mn-cs"/>
-            </a:endParaRPr>
-          </a:p>
-        </p:txBody>
-      </p:sp>
+      </p:pic>
       <p:sp>
         <p:nvSpPr>
           <p:cNvPr id="82" name="Segnaposto numero diapositiva 81">
@@ -24019,7 +25647,7 @@
         </p:spPr>
         <p:txBody>
           <a:bodyPr vert="horz" lIns="91440" tIns="45720" rIns="91440" bIns="45720" rtlCol="0">
-            <a:normAutofit lnSpcReduction="10000"/>
+            <a:normAutofit fontScale="92500" lnSpcReduction="10000"/>
           </a:bodyPr>
           <a:lstStyle/>
           <a:p>
@@ -24157,6 +25785,110 @@
             <a:pPr marL="0" indent="0">
               <a:buNone/>
             </a:pPr>
+            <a:r>
+              <a:rPr lang="en-US" sz="2200" dirty="0">
+                <a:cs typeface="Calibri"/>
+              </a:rPr>
+              <a:t>Per la </a:t>
+            </a:r>
+            <a:r>
+              <a:rPr lang="en-US" sz="2200" dirty="0" err="1">
+                <a:cs typeface="Calibri"/>
+              </a:rPr>
+              <a:t>specifica</a:t>
+            </a:r>
+            <a:r>
+              <a:rPr lang="en-US" sz="2200" dirty="0">
+                <a:cs typeface="Calibri"/>
+              </a:rPr>
+              <a:t> </a:t>
+            </a:r>
+            <a:r>
+              <a:rPr lang="en-US" sz="2200" dirty="0" err="1">
+                <a:cs typeface="Calibri"/>
+              </a:rPr>
+              <a:t>dei</a:t>
+            </a:r>
+            <a:r>
+              <a:rPr lang="en-US" sz="2200" dirty="0">
+                <a:cs typeface="Calibri"/>
+              </a:rPr>
+              <a:t> </a:t>
+            </a:r>
+            <a:r>
+              <a:rPr lang="en-US" sz="2200" dirty="0" err="1">
+                <a:cs typeface="Calibri"/>
+              </a:rPr>
+              <a:t>requisiti</a:t>
+            </a:r>
+            <a:r>
+              <a:rPr lang="en-US" sz="2200" dirty="0">
+                <a:cs typeface="Calibri"/>
+              </a:rPr>
+              <a:t> ci </a:t>
+            </a:r>
+            <a:r>
+              <a:rPr lang="en-US" sz="2200" dirty="0" err="1">
+                <a:cs typeface="Calibri"/>
+              </a:rPr>
+              <a:t>siamo</a:t>
+            </a:r>
+            <a:r>
+              <a:rPr lang="en-US" sz="2200" dirty="0">
+                <a:cs typeface="Calibri"/>
+              </a:rPr>
+              <a:t> </a:t>
+            </a:r>
+            <a:r>
+              <a:rPr lang="en-US" sz="2200" dirty="0" err="1">
+                <a:cs typeface="Calibri"/>
+              </a:rPr>
+              <a:t>basati</a:t>
+            </a:r>
+            <a:r>
+              <a:rPr lang="en-US" sz="2200" dirty="0">
+                <a:cs typeface="Calibri"/>
+              </a:rPr>
+              <a:t> </a:t>
+            </a:r>
+            <a:r>
+              <a:rPr lang="en-US" sz="2200" dirty="0" err="1">
+                <a:cs typeface="Calibri"/>
+              </a:rPr>
+              <a:t>sul</a:t>
+            </a:r>
+            <a:r>
+              <a:rPr lang="en-US" sz="2200" dirty="0">
+                <a:cs typeface="Calibri"/>
+              </a:rPr>
+              <a:t> </a:t>
+            </a:r>
+            <a:r>
+              <a:rPr lang="en-US" sz="2200" dirty="0" err="1">
+                <a:cs typeface="Calibri"/>
+              </a:rPr>
+              <a:t>modello</a:t>
+            </a:r>
+            <a:r>
+              <a:rPr lang="en-US" sz="2200" dirty="0">
+                <a:cs typeface="Calibri"/>
+              </a:rPr>
+              <a:t> </a:t>
+            </a:r>
+            <a:r>
+              <a:rPr lang="en-US" sz="2200" b="1" dirty="0">
+                <a:cs typeface="Calibri"/>
+              </a:rPr>
+              <a:t>MOSCOW.</a:t>
+            </a:r>
+            <a:endParaRPr lang="en-US" sz="2200" dirty="0">
+              <a:cs typeface="Calibri"/>
+            </a:endParaRPr>
+          </a:p>
+          <a:p>
+            <a:pPr marL="0" indent="0">
+              <a:buNone/>
+            </a:pPr>
             <a:endParaRPr lang="en-US" sz="2200" dirty="0">
               <a:cs typeface="Calibri"/>
             </a:endParaRPr>
@@ -24221,7 +25953,7 @@
               <a:rPr lang="en-US" sz="2200" dirty="0" err="1">
                 <a:cs typeface="Calibri"/>
               </a:rPr>
-              <a:t>Correlazione</a:t>
+              <a:t>correlazione</a:t>
             </a:r>
             <a:r>
               <a:rPr lang="en-US" sz="2200" dirty="0">
@@ -24332,6 +26064,11 @@
               </a:rPr>
               <a:t>Qualità</a:t>
             </a:r>
+            <a:endParaRPr lang="en-US" sz="2200" dirty="0">
+              <a:cs typeface="Calibri"/>
+            </a:endParaRPr>
+          </a:p>
+          <a:p>
             <a:endParaRPr lang="en-US" sz="2200" dirty="0">
               <a:cs typeface="Calibri"/>
             </a:endParaRPr>
@@ -24424,7 +26161,7 @@
       </p:grpSpPr>
       <p:sp useBgFill="1">
         <p:nvSpPr>
-          <p:cNvPr id="87" name="Rectangle 86">
+          <p:cNvPr id="11" name="Rectangle 10">
             <a:extLst>
               <a:ext uri="{FF2B5EF4-FFF2-40B4-BE49-F238E27FC236}">
                 <a16:creationId xmlns:a16="http://schemas.microsoft.com/office/drawing/2014/main" id="{100EDD19-6802-4EC3-95CE-CFFAB042CFD6}"/>
@@ -24487,7 +26224,7 @@
           <p:cNvPr id="2" name="Titolo 1">
             <a:extLst>
               <a:ext uri="{FF2B5EF4-FFF2-40B4-BE49-F238E27FC236}">
-                <a16:creationId xmlns:a16="http://schemas.microsoft.com/office/drawing/2014/main" id="{75031FE9-9059-4FE8-B4AC-9771F23A1B89}"/>
+                <a16:creationId xmlns:a16="http://schemas.microsoft.com/office/drawing/2014/main" id="{9C02EA9E-627C-1C35-F5DD-BAE1234B2C25}"/>
               </a:ext>
             </a:extLst>
           </p:cNvPr>
@@ -24505,22 +26242,21 @@
           </a:xfrm>
         </p:spPr>
         <p:txBody>
-          <a:bodyPr rtlCol="0">
+          <a:bodyPr>
             <a:normAutofit/>
           </a:bodyPr>
           <a:lstStyle/>
           <a:p>
-            <a:pPr rtl="0"/>
             <a:r>
               <a:rPr lang="it-IT" sz="5400" b="1" dirty="0"/>
-              <a:t>Architettura</a:t>
+              <a:t>Requisiti: MOSCOW</a:t>
             </a:r>
           </a:p>
         </p:txBody>
       </p:sp>
       <p:sp>
         <p:nvSpPr>
-          <p:cNvPr id="89" name="sketch line">
+          <p:cNvPr id="13" name="sketch line">
             <a:extLst>
               <a:ext uri="{FF2B5EF4-FFF2-40B4-BE49-F238E27FC236}">
                 <a16:creationId xmlns:a16="http://schemas.microsoft.com/office/drawing/2014/main" id="{DB17E863-922E-4C26-BD64-E8FD41D28661}"/>
@@ -25156,44 +26892,124 @@
           </a:p>
         </p:txBody>
       </p:sp>
-      <p:pic>
-        <p:nvPicPr>
+      <p:sp>
+        <p:nvSpPr>
           <p:cNvPr id="3" name="Segnaposto contenuto 2">
             <a:extLst>
               <a:ext uri="{FF2B5EF4-FFF2-40B4-BE49-F238E27FC236}">
-                <a16:creationId xmlns:a16="http://schemas.microsoft.com/office/drawing/2014/main" id="{DF52D774-0AF5-3D21-AF89-908B316763E3}"/>
+                <a16:creationId xmlns:a16="http://schemas.microsoft.com/office/drawing/2014/main" id="{F3C45A35-26CF-8F60-DA33-010A0B4D0549}"/>
               </a:ext>
             </a:extLst>
           </p:cNvPr>
-          <p:cNvPicPr>
-            <a:picLocks noGrp="1" noChangeAspect="1"/>
-          </p:cNvPicPr>
+          <p:cNvSpPr>
+            <a:spLocks noGrp="1"/>
+          </p:cNvSpPr>
           <p:nvPr>
             <p:ph idx="1"/>
           </p:nvPr>
-        </p:nvPicPr>
-        <p:blipFill>
-          <a:blip r:embed="rId3"/>
-          <a:stretch>
-            <a:fillRect/>
-          </a:stretch>
-        </p:blipFill>
+        </p:nvSpPr>
         <p:spPr>
           <a:xfrm>
-            <a:off x="838200" y="1978430"/>
-            <a:ext cx="4200525" cy="1714500"/>
+            <a:off x="838200" y="1929384"/>
+            <a:ext cx="10515600" cy="4251960"/>
           </a:xfrm>
-          <a:prstGeom prst="rect">
-            <a:avLst/>
-          </a:prstGeom>
         </p:spPr>
-      </p:pic>
+        <p:txBody>
+          <a:bodyPr>
+            <a:normAutofit/>
+          </a:bodyPr>
+          <a:lstStyle/>
+          <a:p>
+            <a:endParaRPr lang="it-IT" sz="2200" dirty="0"/>
+          </a:p>
+        </p:txBody>
+      </p:sp>
       <p:sp>
         <p:nvSpPr>
-          <p:cNvPr id="82" name="Segnaposto numero diapositiva 81">
+          <p:cNvPr id="4" name="Segnaposto data 3">
             <a:extLst>
               <a:ext uri="{FF2B5EF4-FFF2-40B4-BE49-F238E27FC236}">
-                <a16:creationId xmlns:a16="http://schemas.microsoft.com/office/drawing/2014/main" id="{CE36A058-BEC2-4BC5-A467-F2EB2A365051}"/>
+                <a16:creationId xmlns:a16="http://schemas.microsoft.com/office/drawing/2014/main" id="{AB6B19E2-3410-0DB2-0B4A-ED7B24C9CDE1}"/>
+              </a:ext>
+            </a:extLst>
+          </p:cNvPr>
+          <p:cNvSpPr>
+            <a:spLocks noGrp="1"/>
+          </p:cNvSpPr>
+          <p:nvPr>
+            <p:ph type="dt" sz="half" idx="10"/>
+          </p:nvPr>
+        </p:nvSpPr>
+        <p:spPr>
+          <a:xfrm>
+            <a:off x="838200" y="6356350"/>
+            <a:ext cx="2743200" cy="365125"/>
+          </a:xfrm>
+        </p:spPr>
+        <p:txBody>
+          <a:bodyPr>
+            <a:normAutofit/>
+          </a:bodyPr>
+          <a:lstStyle/>
+          <a:p>
+            <a:pPr rtl="0">
+              <a:spcAft>
+                <a:spcPts val="600"/>
+              </a:spcAft>
+            </a:pPr>
+            <a:r>
+              <a:rPr lang="it-IT" noProof="0"/>
+              <a:t>20XX</a:t>
+            </a:r>
+          </a:p>
+        </p:txBody>
+      </p:sp>
+      <p:sp>
+        <p:nvSpPr>
+          <p:cNvPr id="5" name="Segnaposto piè di pagina 4">
+            <a:extLst>
+              <a:ext uri="{FF2B5EF4-FFF2-40B4-BE49-F238E27FC236}">
+                <a16:creationId xmlns:a16="http://schemas.microsoft.com/office/drawing/2014/main" id="{A2E5A269-6D28-FFBD-D2A8-5A1F47334F91}"/>
+              </a:ext>
+            </a:extLst>
+          </p:cNvPr>
+          <p:cNvSpPr>
+            <a:spLocks noGrp="1"/>
+          </p:cNvSpPr>
+          <p:nvPr>
+            <p:ph type="ftr" sz="quarter" idx="11"/>
+          </p:nvPr>
+        </p:nvSpPr>
+        <p:spPr>
+          <a:xfrm>
+            <a:off x="4038600" y="6356350"/>
+            <a:ext cx="4114800" cy="365125"/>
+          </a:xfrm>
+        </p:spPr>
+        <p:txBody>
+          <a:bodyPr>
+            <a:normAutofit/>
+          </a:bodyPr>
+          <a:lstStyle/>
+          <a:p>
+            <a:pPr rtl="0">
+              <a:spcAft>
+                <a:spcPts val="600"/>
+              </a:spcAft>
+            </a:pPr>
+            <a:r>
+              <a:rPr lang="it-IT" noProof="0"/>
+              <a:t>Presentazione</a:t>
+            </a:r>
+          </a:p>
+        </p:txBody>
+      </p:sp>
+      <p:sp>
+        <p:nvSpPr>
+          <p:cNvPr id="6" name="Segnaposto numero diapositiva 5">
+            <a:extLst>
+              <a:ext uri="{FF2B5EF4-FFF2-40B4-BE49-F238E27FC236}">
+                <a16:creationId xmlns:a16="http://schemas.microsoft.com/office/drawing/2014/main" id="{A21CD12A-53B2-6614-9940-D7E125574BDE}"/>
               </a:ext>
             </a:extLst>
           </p:cNvPr>
@@ -25211,8 +27027,8 @@
           </a:xfrm>
         </p:spPr>
         <p:txBody>
-          <a:bodyPr rtlCol="0">
-            <a:noAutofit/>
+          <a:bodyPr>
+            <a:normAutofit/>
           </a:bodyPr>
           <a:lstStyle/>
           <a:p>
@@ -25222,7 +27038,7 @@
               </a:spcAft>
             </a:pPr>
             <a:fld id="{B5CEABB6-07DC-46E8-9B57-56EC44A396E5}" type="slidenum">
-              <a:rPr lang="it-IT" sz="1800" b="1" smtClean="0"/>
+              <a:rPr lang="it-IT" noProof="0" smtClean="0"/>
               <a:pPr rtl="0">
                 <a:spcAft>
                   <a:spcPts val="600"/>
@@ -25230,14 +27046,14 @@
               </a:pPr>
               <a:t>8</a:t>
             </a:fld>
-            <a:endParaRPr lang="it-IT" sz="1800" b="1"/>
+            <a:endParaRPr lang="it-IT" noProof="0"/>
           </a:p>
         </p:txBody>
       </p:sp>
     </p:spTree>
     <p:extLst>
       <p:ext uri="{BB962C8B-B14F-4D97-AF65-F5344CB8AC3E}">
-        <p14:creationId xmlns:p14="http://schemas.microsoft.com/office/powerpoint/2010/main" val="141201089"/>
+        <p14:creationId xmlns:p14="http://schemas.microsoft.com/office/powerpoint/2010/main" val="3576197673"/>
       </p:ext>
     </p:extLst>
   </p:cSld>
@@ -25363,7 +27179,7 @@
             <a:pPr rtl="0"/>
             <a:r>
               <a:rPr lang="it-IT" sz="5400" b="1" dirty="0"/>
-              <a:t>Design Pattern</a:t>
+              <a:t>Architettura</a:t>
             </a:r>
           </a:p>
         </p:txBody>
@@ -26006,447 +27822,38 @@
           </a:p>
         </p:txBody>
       </p:sp>
-      <p:sp>
-        <p:nvSpPr>
-          <p:cNvPr id="4" name="Content Placeholder 3">
+      <p:pic>
+        <p:nvPicPr>
+          <p:cNvPr id="3" name="Segnaposto contenuto 2">
             <a:extLst>
               <a:ext uri="{FF2B5EF4-FFF2-40B4-BE49-F238E27FC236}">
-                <a16:creationId xmlns:a16="http://schemas.microsoft.com/office/drawing/2014/main" id="{834029E2-3A07-28E1-FE72-E1D9FA770926}"/>
+                <a16:creationId xmlns:a16="http://schemas.microsoft.com/office/drawing/2014/main" id="{DF52D774-0AF5-3D21-AF89-908B316763E3}"/>
               </a:ext>
             </a:extLst>
           </p:cNvPr>
-          <p:cNvSpPr>
-            <a:spLocks noGrp="1"/>
-          </p:cNvSpPr>
+          <p:cNvPicPr>
+            <a:picLocks noGrp="1" noChangeAspect="1"/>
+          </p:cNvPicPr>
           <p:nvPr>
             <p:ph idx="1"/>
           </p:nvPr>
-        </p:nvSpPr>
+        </p:nvPicPr>
+        <p:blipFill>
+          <a:blip r:embed="rId3"/>
+          <a:stretch>
+            <a:fillRect/>
+          </a:stretch>
+        </p:blipFill>
         <p:spPr>
           <a:xfrm>
-            <a:off x="838200" y="1929384"/>
-            <a:ext cx="10515600" cy="4421993"/>
+            <a:off x="474306" y="3242258"/>
+            <a:ext cx="4200525" cy="1714500"/>
           </a:xfrm>
+          <a:prstGeom prst="rect">
+            <a:avLst/>
+          </a:prstGeom>
         </p:spPr>
-        <p:txBody>
-          <a:bodyPr>
-            <a:normAutofit/>
-          </a:bodyPr>
-          <a:lstStyle/>
-          <a:p>
-            <a:pPr marL="0" indent="0">
-              <a:buNone/>
-            </a:pPr>
-            <a:r>
-              <a:rPr lang="en-US" sz="2200" dirty="0" err="1"/>
-              <a:t>All’interno</a:t>
-            </a:r>
-            <a:r>
-              <a:rPr lang="en-US" sz="2200" dirty="0"/>
-              <a:t> del nostro Progetto </a:t>
-            </a:r>
-            <a:r>
-              <a:rPr lang="en-US" sz="2200" dirty="0" err="1"/>
-              <a:t>sono</a:t>
-            </a:r>
-            <a:r>
-              <a:rPr lang="en-US" sz="2200" dirty="0"/>
-              <a:t> </a:t>
-            </a:r>
-            <a:r>
-              <a:rPr lang="en-US" sz="2200" dirty="0" err="1"/>
-              <a:t>stati</a:t>
-            </a:r>
-            <a:r>
-              <a:rPr lang="en-US" sz="2200" dirty="0"/>
-              <a:t> </a:t>
-            </a:r>
-            <a:r>
-              <a:rPr lang="en-US" sz="2200" dirty="0" err="1"/>
-              <a:t>utilizzati</a:t>
-            </a:r>
-            <a:r>
-              <a:rPr lang="en-US" sz="2200" dirty="0"/>
-              <a:t> </a:t>
-            </a:r>
-            <a:r>
-              <a:rPr lang="en-US" sz="2200" dirty="0" err="1"/>
-              <a:t>vari</a:t>
-            </a:r>
-            <a:r>
-              <a:rPr lang="en-US" sz="2200" dirty="0"/>
-              <a:t> Design Pattern:</a:t>
-            </a:r>
-          </a:p>
-          <a:p>
-            <a:pPr>
-              <a:buFont typeface="Wingdings" panose="05000000000000000000" pitchFamily="2" charset="2"/>
-              <a:buChar char="§"/>
-            </a:pPr>
-            <a:r>
-              <a:rPr lang="en-US" sz="2200" b="1" dirty="0"/>
-              <a:t>General Hierarchy Pattern</a:t>
-            </a:r>
-            <a:r>
-              <a:rPr lang="en-US" sz="2200" dirty="0"/>
-              <a:t> (per </a:t>
-            </a:r>
-            <a:r>
-              <a:rPr lang="en-US" sz="2200" dirty="0" err="1"/>
-              <a:t>definire</a:t>
-            </a:r>
-            <a:r>
-              <a:rPr lang="en-US" sz="2200" dirty="0"/>
-              <a:t> </a:t>
-            </a:r>
-            <a:r>
-              <a:rPr lang="en-US" sz="2200" dirty="0" err="1"/>
-              <a:t>gerarchie</a:t>
-            </a:r>
-            <a:r>
-              <a:rPr lang="en-US" sz="2200" dirty="0"/>
-              <a:t> </a:t>
-            </a:r>
-            <a:r>
-              <a:rPr lang="en-US" sz="2200" dirty="0" err="1"/>
-              <a:t>tra</a:t>
-            </a:r>
-            <a:r>
-              <a:rPr lang="en-US" sz="2200" dirty="0"/>
-              <a:t> le </a:t>
-            </a:r>
-            <a:r>
-              <a:rPr lang="en-US" sz="2200" dirty="0" err="1"/>
-              <a:t>varie</a:t>
-            </a:r>
-            <a:r>
-              <a:rPr lang="en-US" sz="2200" dirty="0"/>
-              <a:t> </a:t>
-            </a:r>
-            <a:r>
-              <a:rPr lang="en-US" sz="2200" dirty="0" err="1"/>
-              <a:t>classi</a:t>
-            </a:r>
-            <a:r>
-              <a:rPr lang="en-US" sz="2200" dirty="0"/>
-              <a:t>, in </a:t>
-            </a:r>
-            <a:r>
-              <a:rPr lang="en-US" sz="2200" dirty="0" err="1"/>
-              <a:t>particolare</a:t>
-            </a:r>
-            <a:r>
-              <a:rPr lang="en-US" sz="2200" dirty="0"/>
-              <a:t> </a:t>
-            </a:r>
-            <a:r>
-              <a:rPr lang="en-US" sz="2200" dirty="0" err="1"/>
-              <a:t>tra</a:t>
-            </a:r>
-            <a:r>
-              <a:rPr lang="en-US" sz="2200" dirty="0"/>
-              <a:t> </a:t>
-            </a:r>
-            <a:r>
-              <a:rPr lang="en-US" sz="2200" dirty="0" err="1"/>
-              <a:t>i</a:t>
-            </a:r>
-            <a:r>
-              <a:rPr lang="en-US" sz="2200" dirty="0"/>
-              <a:t> </a:t>
-            </a:r>
-            <a:r>
-              <a:rPr lang="en-US" sz="2200" dirty="0" err="1"/>
-              <a:t>medici</a:t>
-            </a:r>
-            <a:r>
-              <a:rPr lang="en-US" sz="2200" dirty="0"/>
-              <a:t> </a:t>
-            </a:r>
-            <a:r>
-              <a:rPr lang="en-US" sz="2200" dirty="0" err="1"/>
-              <a:t>operanti</a:t>
-            </a:r>
-            <a:r>
-              <a:rPr lang="en-US" sz="2200" dirty="0"/>
-              <a:t>)</a:t>
-            </a:r>
-          </a:p>
-          <a:p>
-            <a:pPr>
-              <a:buFont typeface="Wingdings" panose="05000000000000000000" pitchFamily="2" charset="2"/>
-              <a:buChar char="§"/>
-            </a:pPr>
-            <a:r>
-              <a:rPr lang="en-US" sz="2200" b="1" dirty="0"/>
-              <a:t>Delegation Pattern </a:t>
-            </a:r>
-            <a:r>
-              <a:rPr lang="en-US" sz="2200" dirty="0"/>
-              <a:t>(per far </a:t>
-            </a:r>
-            <a:r>
-              <a:rPr lang="en-US" sz="2200" dirty="0" err="1"/>
-              <a:t>svolgere</a:t>
-            </a:r>
-            <a:r>
-              <a:rPr lang="en-US" sz="2200" dirty="0"/>
-              <a:t> </a:t>
-            </a:r>
-            <a:r>
-              <a:rPr lang="en-US" sz="2200" dirty="0" err="1"/>
-              <a:t>alla</a:t>
-            </a:r>
-            <a:r>
-              <a:rPr lang="en-US" sz="2200" dirty="0"/>
-              <a:t> </a:t>
-            </a:r>
-            <a:r>
-              <a:rPr lang="en-US" sz="2200" dirty="0" err="1"/>
-              <a:t>cabina</a:t>
-            </a:r>
-            <a:r>
-              <a:rPr lang="en-US" sz="2200" dirty="0"/>
-              <a:t> di regia I Giusti </a:t>
-            </a:r>
-            <a:r>
-              <a:rPr lang="en-US" sz="2200" dirty="0" err="1"/>
-              <a:t>metodi</a:t>
-            </a:r>
-            <a:r>
-              <a:rPr lang="en-US" sz="2200" dirty="0"/>
-              <a:t>)</a:t>
-            </a:r>
-          </a:p>
-          <a:p>
-            <a:pPr>
-              <a:buFont typeface="Wingdings" panose="05000000000000000000" pitchFamily="2" charset="2"/>
-              <a:buChar char="§"/>
-            </a:pPr>
-            <a:r>
-              <a:rPr lang="en-US" sz="2200" b="1" dirty="0"/>
-              <a:t>Façade Pattern </a:t>
-            </a:r>
-            <a:r>
-              <a:rPr lang="en-US" sz="2200" dirty="0"/>
-              <a:t>(per </a:t>
-            </a:r>
-            <a:r>
-              <a:rPr lang="en-US" sz="2200" dirty="0" err="1"/>
-              <a:t>manipolare</a:t>
-            </a:r>
-            <a:r>
-              <a:rPr lang="en-US" sz="2200" dirty="0"/>
-              <a:t> le diverse </a:t>
-            </a:r>
-            <a:r>
-              <a:rPr lang="en-US" sz="2200" dirty="0" err="1"/>
-              <a:t>classi</a:t>
-            </a:r>
-            <a:r>
-              <a:rPr lang="en-US" sz="2200" dirty="0"/>
-              <a:t>. </a:t>
-            </a:r>
-            <a:r>
-              <a:rPr lang="en-US" sz="2200" dirty="0" err="1"/>
-              <a:t>Interfaccia</a:t>
-            </a:r>
-            <a:r>
-              <a:rPr lang="en-US" sz="2200" dirty="0"/>
-              <a:t> di </a:t>
-            </a:r>
-            <a:r>
-              <a:rPr lang="en-US" sz="2200" dirty="0" err="1"/>
-              <a:t>facciata</a:t>
-            </a:r>
-            <a:r>
-              <a:rPr lang="en-US" sz="2200" dirty="0"/>
-              <a:t> </a:t>
-            </a:r>
-            <a:r>
-              <a:rPr lang="en-US" sz="2200" dirty="0" err="1"/>
-              <a:t>fra</a:t>
-            </a:r>
-            <a:r>
-              <a:rPr lang="en-US" sz="2200" dirty="0"/>
-              <a:t> il </a:t>
-            </a:r>
-            <a:r>
-              <a:rPr lang="en-US" sz="2200" dirty="0" err="1"/>
-              <a:t>cliente</a:t>
-            </a:r>
-            <a:r>
-              <a:rPr lang="en-US" sz="2200" dirty="0"/>
-              <a:t> e il Sistema di </a:t>
-            </a:r>
-            <a:r>
-              <a:rPr lang="en-US" sz="2200" dirty="0" err="1"/>
-              <a:t>prenotazione</a:t>
-            </a:r>
-            <a:r>
-              <a:rPr lang="en-US" sz="2200" dirty="0"/>
-              <a:t> </a:t>
-            </a:r>
-            <a:r>
-              <a:rPr lang="en-US" sz="2200" dirty="0" err="1"/>
-              <a:t>dell’Ospedale</a:t>
-            </a:r>
-            <a:r>
-              <a:rPr lang="en-US" sz="2200" dirty="0"/>
-              <a:t>)</a:t>
-            </a:r>
-          </a:p>
-          <a:p>
-            <a:pPr>
-              <a:buFont typeface="Wingdings" panose="05000000000000000000" pitchFamily="2" charset="2"/>
-              <a:buChar char="§"/>
-            </a:pPr>
-            <a:r>
-              <a:rPr lang="en-US" sz="2200" b="1" dirty="0"/>
-              <a:t>Factory Pattern </a:t>
-            </a:r>
-            <a:r>
-              <a:rPr lang="en-US" sz="2200" dirty="0"/>
-              <a:t>(per </a:t>
-            </a:r>
-            <a:r>
-              <a:rPr lang="en-US" sz="2200" dirty="0" err="1"/>
-              <a:t>implementare</a:t>
-            </a:r>
-            <a:r>
-              <a:rPr lang="en-US" sz="2200" dirty="0"/>
-              <a:t> </a:t>
-            </a:r>
-            <a:r>
-              <a:rPr lang="en-US" sz="2200" dirty="0" err="1"/>
-              <a:t>una</a:t>
-            </a:r>
-            <a:r>
-              <a:rPr lang="en-US" sz="2200" dirty="0"/>
-              <a:t> framework utile </a:t>
-            </a:r>
-            <a:r>
-              <a:rPr lang="en-US" sz="2200" dirty="0" err="1"/>
-              <a:t>alla</a:t>
-            </a:r>
-            <a:r>
-              <a:rPr lang="en-US" sz="2200" dirty="0"/>
-              <a:t> </a:t>
-            </a:r>
-            <a:r>
-              <a:rPr lang="en-US" sz="2200" dirty="0" err="1"/>
-              <a:t>creazione</a:t>
-            </a:r>
-            <a:r>
-              <a:rPr lang="en-US" sz="2200" dirty="0"/>
-              <a:t> di </a:t>
-            </a:r>
-            <a:r>
-              <a:rPr lang="en-US" sz="2200" dirty="0" err="1"/>
-              <a:t>classi</a:t>
-            </a:r>
-            <a:r>
-              <a:rPr lang="en-US" sz="2200" dirty="0"/>
-              <a:t> e </a:t>
-            </a:r>
-            <a:r>
-              <a:rPr lang="en-US" sz="2200" dirty="0" err="1"/>
-              <a:t>oggetti</a:t>
-            </a:r>
-            <a:r>
-              <a:rPr lang="en-US" sz="2200" dirty="0"/>
-              <a:t> </a:t>
-            </a:r>
-            <a:r>
-              <a:rPr lang="en-US" sz="2200" dirty="0" err="1"/>
-              <a:t>dipendenti</a:t>
-            </a:r>
-            <a:r>
-              <a:rPr lang="en-US" sz="2200" dirty="0"/>
-              <a:t> </a:t>
-            </a:r>
-            <a:r>
-              <a:rPr lang="en-US" sz="2200" dirty="0" err="1"/>
-              <a:t>dall’applicazione</a:t>
-            </a:r>
-            <a:r>
-              <a:rPr lang="en-US" sz="2200" dirty="0"/>
-              <a:t>)</a:t>
-            </a:r>
-          </a:p>
-          <a:p>
-            <a:pPr>
-              <a:buFont typeface="Wingdings" panose="05000000000000000000" pitchFamily="2" charset="2"/>
-              <a:buChar char="§"/>
-            </a:pPr>
-            <a:r>
-              <a:rPr lang="en-US" sz="2200" b="1" dirty="0"/>
-              <a:t>Builder Pattern </a:t>
-            </a:r>
-            <a:r>
-              <a:rPr lang="en-US" sz="2200" dirty="0"/>
-              <a:t>(per </a:t>
-            </a:r>
-            <a:r>
-              <a:rPr lang="en-US" sz="2200" dirty="0" err="1"/>
-              <a:t>costruire</a:t>
-            </a:r>
-            <a:r>
-              <a:rPr lang="en-US" sz="2200" dirty="0"/>
-              <a:t> </a:t>
-            </a:r>
-            <a:r>
-              <a:rPr lang="en-US" sz="2200" dirty="0" err="1"/>
-              <a:t>un’applicazione</a:t>
-            </a:r>
-            <a:r>
-              <a:rPr lang="en-US" sz="2200" dirty="0"/>
-              <a:t> </a:t>
-            </a:r>
-            <a:r>
-              <a:rPr lang="en-US" sz="2200" dirty="0" err="1"/>
-              <a:t>complessa</a:t>
-            </a:r>
-            <a:r>
-              <a:rPr lang="en-US" sz="2200" dirty="0"/>
-              <a:t> a </a:t>
-            </a:r>
-            <a:r>
-              <a:rPr lang="en-US" sz="2200" dirty="0" err="1"/>
-              <a:t>partire</a:t>
-            </a:r>
-            <a:r>
-              <a:rPr lang="en-US" sz="2200" dirty="0"/>
-              <a:t> da un </a:t>
-            </a:r>
-            <a:r>
-              <a:rPr lang="en-US" sz="2200" dirty="0" err="1"/>
-              <a:t>insieme</a:t>
-            </a:r>
-            <a:r>
-              <a:rPr lang="en-US" sz="2200" dirty="0"/>
-              <a:t> di </a:t>
-            </a:r>
-            <a:r>
-              <a:rPr lang="en-US" sz="2200" dirty="0" err="1"/>
-              <a:t>componenti</a:t>
-            </a:r>
-            <a:r>
-              <a:rPr lang="en-US" sz="2200" dirty="0"/>
-              <a:t> </a:t>
-            </a:r>
-            <a:r>
-              <a:rPr lang="en-US" sz="2200" dirty="0" err="1"/>
-              <a:t>oggetti</a:t>
-            </a:r>
-            <a:r>
-              <a:rPr lang="en-US" sz="2200" dirty="0"/>
-              <a:t>)</a:t>
-            </a:r>
-            <a:endParaRPr lang="en-US" sz="2200" b="1" dirty="0"/>
-          </a:p>
-        </p:txBody>
-      </p:sp>
+      </p:pic>
       <p:sp>
         <p:nvSpPr>
           <p:cNvPr id="82" name="Segnaposto numero diapositiva 81">
@@ -26493,10 +27900,118 @@
           </a:p>
         </p:txBody>
       </p:sp>
+      <p:sp>
+        <p:nvSpPr>
+          <p:cNvPr id="19" name="CasellaDiTesto 18">
+            <a:extLst>
+              <a:ext uri="{FF2B5EF4-FFF2-40B4-BE49-F238E27FC236}">
+                <a16:creationId xmlns:a16="http://schemas.microsoft.com/office/drawing/2014/main" id="{8B9F0681-6C98-C87F-B39F-F7A05657163C}"/>
+              </a:ext>
+            </a:extLst>
+          </p:cNvPr>
+          <p:cNvSpPr txBox="1"/>
+          <p:nvPr/>
+        </p:nvSpPr>
+        <p:spPr>
+          <a:xfrm>
+            <a:off x="801751" y="2194286"/>
+            <a:ext cx="3061122" cy="369332"/>
+          </a:xfrm>
+          <a:prstGeom prst="rect">
+            <a:avLst/>
+          </a:prstGeom>
+          <a:noFill/>
+        </p:spPr>
+        <p:txBody>
+          <a:bodyPr wrap="square" rtlCol="0">
+            <a:spAutoFit/>
+          </a:bodyPr>
+          <a:lstStyle/>
+          <a:p>
+            <a:r>
+              <a:rPr lang="it-IT" dirty="0"/>
+              <a:t>Architettura Client-Server</a:t>
+            </a:r>
+          </a:p>
+        </p:txBody>
+      </p:sp>
+      <p:sp>
+        <p:nvSpPr>
+          <p:cNvPr id="20" name="CasellaDiTesto 19">
+            <a:extLst>
+              <a:ext uri="{FF2B5EF4-FFF2-40B4-BE49-F238E27FC236}">
+                <a16:creationId xmlns:a16="http://schemas.microsoft.com/office/drawing/2014/main" id="{81FF93F6-1ED9-0763-AF79-4C131175232A}"/>
+              </a:ext>
+            </a:extLst>
+          </p:cNvPr>
+          <p:cNvSpPr txBox="1"/>
+          <p:nvPr/>
+        </p:nvSpPr>
+        <p:spPr>
+          <a:xfrm>
+            <a:off x="7007288" y="2096027"/>
+            <a:ext cx="4346511" cy="646331"/>
+          </a:xfrm>
+          <a:prstGeom prst="rect">
+            <a:avLst/>
+          </a:prstGeom>
+          <a:noFill/>
+        </p:spPr>
+        <p:txBody>
+          <a:bodyPr wrap="square" rtlCol="0">
+            <a:spAutoFit/>
+          </a:bodyPr>
+          <a:lstStyle/>
+          <a:p>
+            <a:r>
+              <a:rPr lang="it-IT" dirty="0"/>
+              <a:t>Stile Architetturale Model-</a:t>
+            </a:r>
+            <a:r>
+              <a:rPr lang="it-IT" dirty="0" err="1"/>
+              <a:t>View</a:t>
+            </a:r>
+            <a:r>
+              <a:rPr lang="it-IT" dirty="0"/>
+              <a:t>-Controller (MVC)</a:t>
+            </a:r>
+          </a:p>
+        </p:txBody>
+      </p:sp>
+      <p:pic>
+        <p:nvPicPr>
+          <p:cNvPr id="21" name="Immagine 20">
+            <a:extLst>
+              <a:ext uri="{FF2B5EF4-FFF2-40B4-BE49-F238E27FC236}">
+                <a16:creationId xmlns:a16="http://schemas.microsoft.com/office/drawing/2014/main" id="{17F74E82-9D2D-6343-03F7-F245968CDF1E}"/>
+              </a:ext>
+            </a:extLst>
+          </p:cNvPr>
+          <p:cNvPicPr>
+            <a:picLocks noChangeAspect="1"/>
+          </p:cNvPicPr>
+          <p:nvPr/>
+        </p:nvPicPr>
+        <p:blipFill>
+          <a:blip r:embed="rId4"/>
+          <a:stretch>
+            <a:fillRect/>
+          </a:stretch>
+        </p:blipFill>
+        <p:spPr>
+          <a:xfrm>
+            <a:off x="6986586" y="2810487"/>
+            <a:ext cx="4367213" cy="2700000"/>
+          </a:xfrm>
+          <a:prstGeom prst="rect">
+            <a:avLst/>
+          </a:prstGeom>
+        </p:spPr>
+      </p:pic>
     </p:spTree>
     <p:extLst>
       <p:ext uri="{BB962C8B-B14F-4D97-AF65-F5344CB8AC3E}">
-        <p14:creationId xmlns:p14="http://schemas.microsoft.com/office/powerpoint/2010/main" val="2944479634"/>
+        <p14:creationId xmlns:p14="http://schemas.microsoft.com/office/powerpoint/2010/main" val="141201089"/>
       </p:ext>
     </p:extLst>
   </p:cSld>
@@ -27392,15 +28907,6 @@
 </file>
 
 <file path=customXml/item1.xml><?xml version="1.0" encoding="utf-8"?>
-<?mso-contentType ?>
-<FormTemplates xmlns="http://schemas.microsoft.com/sharepoint/v3/contenttype/forms">
-  <Display>DocumentLibraryForm</Display>
-  <Edit>DocumentLibraryForm</Edit>
-  <New>DocumentLibraryForm</New>
-</FormTemplates>
-</file>
-
-<file path=customXml/item2.xml><?xml version="1.0" encoding="utf-8"?>
 <ct:contentTypeSchema xmlns:ct="http://schemas.microsoft.com/office/2006/metadata/contentType" xmlns:ma="http://schemas.microsoft.com/office/2006/metadata/properties/metaAttributes" ct:_="" ma:_="" ma:contentTypeName="Documento" ma:contentTypeID="0x0101007CE6213B20D2F945B0D1473923EE410F" ma:contentTypeVersion="7" ma:contentTypeDescription="Creare un nuovo documento." ma:contentTypeScope="" ma:versionID="dc8ac43e96b461727accd63cf925a5cf">
   <xsd:schema xmlns:xsd="http://www.w3.org/2001/XMLSchema" xmlns:xs="http://www.w3.org/2001/XMLSchema" xmlns:p="http://schemas.microsoft.com/office/2006/metadata/properties" xmlns:ns2="243f3390-b919-40e8-8195-3613e8527352" targetNamespace="http://schemas.microsoft.com/office/2006/metadata/properties" ma:root="true" ma:fieldsID="1987007e621e1b24d40e437f012b913d" ns2:_="">
     <xsd:import namespace="243f3390-b919-40e8-8195-3613e8527352"/>
@@ -27562,6 +29068,15 @@
 </ct:contentTypeSchema>
 </file>
 
+<file path=customXml/item2.xml><?xml version="1.0" encoding="utf-8"?>
+<?mso-contentType ?>
+<FormTemplates xmlns="http://schemas.microsoft.com/sharepoint/v3/contenttype/forms">
+  <Display>DocumentLibraryForm</Display>
+  <Edit>DocumentLibraryForm</Edit>
+  <New>DocumentLibraryForm</New>
+</FormTemplates>
+</file>
+
 <file path=customXml/item3.xml><?xml version="1.0" encoding="utf-8"?>
 <p:properties xmlns:p="http://schemas.microsoft.com/office/2006/metadata/properties" xmlns:xsi="http://www.w3.org/2001/XMLSchema-instance" xmlns:pc="http://schemas.microsoft.com/office/infopath/2007/PartnerControls">
   <documentManagement/>
@@ -27569,14 +29084,6 @@
 </file>
 
 <file path=customXml/itemProps1.xml><?xml version="1.0" encoding="utf-8"?>
-<ds:datastoreItem xmlns:ds="http://schemas.openxmlformats.org/officeDocument/2006/customXml" ds:itemID="{42BC90D6-94CF-42F7-AAC4-9CF6824C54D5}">
-  <ds:schemaRefs>
-    <ds:schemaRef ds:uri="http://schemas.microsoft.com/sharepoint/v3/contenttype/forms"/>
-  </ds:schemaRefs>
-</ds:datastoreItem>
-</file>
-
-<file path=customXml/itemProps2.xml><?xml version="1.0" encoding="utf-8"?>
 <ds:datastoreItem xmlns:ds="http://schemas.openxmlformats.org/officeDocument/2006/customXml" ds:itemID="{1A503E23-9696-4358-8F00-F7F66AC755EB}">
   <ds:schemaRefs>
     <ds:schemaRef ds:uri="http://schemas.microsoft.com/office/2006/metadata/contentType"/>
@@ -27590,6 +29097,14 @@
     <ds:schemaRef ds:uri="http://purl.org/dc/elements/1.1/"/>
     <ds:schemaRef ds:uri="http://purl.org/dc/terms/"/>
     <ds:schemaRef ds:uri="http://schemas.microsoft.com/internal/obd"/>
+  </ds:schemaRefs>
+</ds:datastoreItem>
+</file>
+
+<file path=customXml/itemProps2.xml><?xml version="1.0" encoding="utf-8"?>
+<ds:datastoreItem xmlns:ds="http://schemas.openxmlformats.org/officeDocument/2006/customXml" ds:itemID="{42BC90D6-94CF-42F7-AAC4-9CF6824C54D5}">
+  <ds:schemaRefs>
+    <ds:schemaRef ds:uri="http://schemas.microsoft.com/sharepoint/v3/contenttype/forms"/>
   </ds:schemaRefs>
 </ds:datastoreItem>
 </file>

--- a/Presentazione_Progetto.pptx
+++ b/Presentazione_Progetto.pptx
@@ -160,7 +160,7 @@
 <file path=ppt/revisionInfo.xml><?xml version="1.0" encoding="utf-8"?>
 <p1510:revInfo xmlns:a="http://schemas.openxmlformats.org/drawingml/2006/main" xmlns:r="http://schemas.openxmlformats.org/officeDocument/2006/relationships" xmlns:p1510="http://schemas.microsoft.com/office/powerpoint/2015/10/main">
   <p1510:revLst>
-    <p1510:client id="{002FC19B-B750-46E5-AE6C-2EDFEC68FEF2}" v="37" dt="2023-12-09T11:32:41.521"/>
+    <p1510:client id="{002FC19B-B750-46E5-AE6C-2EDFEC68FEF2}" v="59" dt="2023-12-10T18:34:45.147"/>
   </p1510:revLst>
 </p1510:revInfo>
 </file>
@@ -169,8 +169,8 @@
 <pc:chgInfo xmlns:a="http://schemas.openxmlformats.org/drawingml/2006/main" xmlns:r="http://schemas.openxmlformats.org/officeDocument/2006/relationships" xmlns:ac="http://schemas.microsoft.com/office/drawing/2013/main/command" xmlns:pc="http://schemas.microsoft.com/office/powerpoint/2013/main/command">
   <pc:docChgLst>
     <pc:chgData name="Matteo MANGILI" userId="89c7df381375e6aa" providerId="LiveId" clId="{002FC19B-B750-46E5-AE6C-2EDFEC68FEF2}"/>
-    <pc:docChg chg="undo custSel addSld delSld modSld">
-      <pc:chgData name="Matteo MANGILI" userId="89c7df381375e6aa" providerId="LiveId" clId="{002FC19B-B750-46E5-AE6C-2EDFEC68FEF2}" dt="2023-12-09T11:37:27.128" v="4268" actId="20577"/>
+    <pc:docChg chg="undo redo custSel addSld delSld modSld">
+      <pc:chgData name="Matteo MANGILI" userId="89c7df381375e6aa" providerId="LiveId" clId="{002FC19B-B750-46E5-AE6C-2EDFEC68FEF2}" dt="2023-12-10T18:39:56.220" v="5034" actId="20577"/>
       <pc:docMkLst>
         <pc:docMk/>
       </pc:docMkLst>
@@ -309,7 +309,7 @@
         </pc:picChg>
       </pc:sldChg>
       <pc:sldChg chg="addSp delSp modSp mod setBg addAnim delAnim modAnim delDesignElem chgLayout">
-        <pc:chgData name="Matteo MANGILI" userId="89c7df381375e6aa" providerId="LiveId" clId="{002FC19B-B750-46E5-AE6C-2EDFEC68FEF2}" dt="2023-12-09T11:19:28.518" v="3741" actId="5793"/>
+        <pc:chgData name="Matteo MANGILI" userId="89c7df381375e6aa" providerId="LiveId" clId="{002FC19B-B750-46E5-AE6C-2EDFEC68FEF2}" dt="2023-12-10T18:21:59.525" v="4304" actId="20577"/>
         <pc:sldMkLst>
           <pc:docMk/>
           <pc:sldMk cId="1249612630" sldId="297"/>
@@ -331,7 +331,7 @@
           </ac:spMkLst>
         </pc:spChg>
         <pc:spChg chg="mod ord">
-          <ac:chgData name="Matteo MANGILI" userId="89c7df381375e6aa" providerId="LiveId" clId="{002FC19B-B750-46E5-AE6C-2EDFEC68FEF2}" dt="2023-12-09T11:19:28.518" v="3741" actId="5793"/>
+          <ac:chgData name="Matteo MANGILI" userId="89c7df381375e6aa" providerId="LiveId" clId="{002FC19B-B750-46E5-AE6C-2EDFEC68FEF2}" dt="2023-12-10T18:21:59.525" v="4304" actId="20577"/>
           <ac:spMkLst>
             <pc:docMk/>
             <pc:sldMk cId="1249612630" sldId="297"/>
@@ -556,7 +556,7 @@
         </pc:picChg>
       </pc:sldChg>
       <pc:sldChg chg="addSp modSp mod setBg">
-        <pc:chgData name="Matteo MANGILI" userId="89c7df381375e6aa" providerId="LiveId" clId="{002FC19B-B750-46E5-AE6C-2EDFEC68FEF2}" dt="2023-12-09T11:21:49.001" v="3911" actId="20577"/>
+        <pc:chgData name="Matteo MANGILI" userId="89c7df381375e6aa" providerId="LiveId" clId="{002FC19B-B750-46E5-AE6C-2EDFEC68FEF2}" dt="2023-12-10T18:26:37.679" v="4573" actId="20577"/>
         <pc:sldMkLst>
           <pc:docMk/>
           <pc:sldMk cId="3996999348" sldId="298"/>
@@ -570,7 +570,7 @@
           </ac:spMkLst>
         </pc:spChg>
         <pc:spChg chg="mod">
-          <ac:chgData name="Matteo MANGILI" userId="89c7df381375e6aa" providerId="LiveId" clId="{002FC19B-B750-46E5-AE6C-2EDFEC68FEF2}" dt="2023-12-09T11:21:49.001" v="3911" actId="20577"/>
+          <ac:chgData name="Matteo MANGILI" userId="89c7df381375e6aa" providerId="LiveId" clId="{002FC19B-B750-46E5-AE6C-2EDFEC68FEF2}" dt="2023-12-10T18:26:37.679" v="4573" actId="20577"/>
           <ac:spMkLst>
             <pc:docMk/>
             <pc:sldMk cId="3996999348" sldId="298"/>
@@ -976,7 +976,7 @@
         </pc:spChg>
       </pc:sldChg>
       <pc:sldChg chg="addSp modSp mod setBg">
-        <pc:chgData name="Matteo MANGILI" userId="89c7df381375e6aa" providerId="LiveId" clId="{002FC19B-B750-46E5-AE6C-2EDFEC68FEF2}" dt="2023-12-09T11:37:27.128" v="4268" actId="20577"/>
+        <pc:chgData name="Matteo MANGILI" userId="89c7df381375e6aa" providerId="LiveId" clId="{002FC19B-B750-46E5-AE6C-2EDFEC68FEF2}" dt="2023-12-10T18:39:56.220" v="5034" actId="20577"/>
         <pc:sldMkLst>
           <pc:docMk/>
           <pc:sldMk cId="2728347993" sldId="304"/>
@@ -990,7 +990,7 @@
           </ac:spMkLst>
         </pc:spChg>
         <pc:spChg chg="mod">
-          <ac:chgData name="Matteo MANGILI" userId="89c7df381375e6aa" providerId="LiveId" clId="{002FC19B-B750-46E5-AE6C-2EDFEC68FEF2}" dt="2023-12-09T11:37:27.128" v="4268" actId="20577"/>
+          <ac:chgData name="Matteo MANGILI" userId="89c7df381375e6aa" providerId="LiveId" clId="{002FC19B-B750-46E5-AE6C-2EDFEC68FEF2}" dt="2023-12-10T18:39:56.220" v="5034" actId="20577"/>
           <ac:spMkLst>
             <pc:docMk/>
             <pc:sldMk cId="2728347993" sldId="304"/>
@@ -1569,7 +1569,7 @@
         </pc:spChg>
       </pc:sldChg>
       <pc:sldChg chg="addSp delSp modSp add mod">
-        <pc:chgData name="Matteo MANGILI" userId="89c7df381375e6aa" providerId="LiveId" clId="{002FC19B-B750-46E5-AE6C-2EDFEC68FEF2}" dt="2023-12-02T20:35:48.435" v="1633" actId="14100"/>
+        <pc:chgData name="Matteo MANGILI" userId="89c7df381375e6aa" providerId="LiveId" clId="{002FC19B-B750-46E5-AE6C-2EDFEC68FEF2}" dt="2023-12-10T18:24:33.503" v="4365" actId="21"/>
         <pc:sldMkLst>
           <pc:docMk/>
           <pc:sldMk cId="4188911557" sldId="312"/>
@@ -1590,12 +1590,52 @@
             <ac:spMk id="4" creationId="{0B9BE06A-2A10-766E-30FB-68BA1AE33F20}"/>
           </ac:spMkLst>
         </pc:spChg>
+        <pc:spChg chg="add del mod">
+          <ac:chgData name="Matteo MANGILI" userId="89c7df381375e6aa" providerId="LiveId" clId="{002FC19B-B750-46E5-AE6C-2EDFEC68FEF2}" dt="2023-12-10T18:22:34.858" v="4312"/>
+          <ac:spMkLst>
+            <pc:docMk/>
+            <pc:sldMk cId="4188911557" sldId="312"/>
+            <ac:spMk id="4" creationId="{6923AA3D-9351-7294-10A1-289A71A46C96}"/>
+          </ac:spMkLst>
+        </pc:spChg>
         <pc:spChg chg="add del">
           <ac:chgData name="Matteo MANGILI" userId="89c7df381375e6aa" providerId="LiveId" clId="{002FC19B-B750-46E5-AE6C-2EDFEC68FEF2}" dt="2023-12-02T20:34:12.655" v="1537"/>
           <ac:spMkLst>
             <pc:docMk/>
             <pc:sldMk cId="4188911557" sldId="312"/>
             <ac:spMk id="5" creationId="{8FC71FAA-508C-ECF6-B514-FCD4713DBBF1}"/>
+          </ac:spMkLst>
+        </pc:spChg>
+        <pc:spChg chg="add mod">
+          <ac:chgData name="Matteo MANGILI" userId="89c7df381375e6aa" providerId="LiveId" clId="{002FC19B-B750-46E5-AE6C-2EDFEC68FEF2}" dt="2023-12-10T18:22:59.174" v="4328" actId="14100"/>
+          <ac:spMkLst>
+            <pc:docMk/>
+            <pc:sldMk cId="4188911557" sldId="312"/>
+            <ac:spMk id="5" creationId="{94653B8F-ADAC-D01C-5C88-2E369E0B3234}"/>
+          </ac:spMkLst>
+        </pc:spChg>
+        <pc:spChg chg="add mod">
+          <ac:chgData name="Matteo MANGILI" userId="89c7df381375e6aa" providerId="LiveId" clId="{002FC19B-B750-46E5-AE6C-2EDFEC68FEF2}" dt="2023-12-10T18:23:42.260" v="4345" actId="1076"/>
+          <ac:spMkLst>
+            <pc:docMk/>
+            <pc:sldMk cId="4188911557" sldId="312"/>
+            <ac:spMk id="8" creationId="{364845DF-E527-AE8E-132D-4C86AC60FCAB}"/>
+          </ac:spMkLst>
+        </pc:spChg>
+        <pc:spChg chg="add mod">
+          <ac:chgData name="Matteo MANGILI" userId="89c7df381375e6aa" providerId="LiveId" clId="{002FC19B-B750-46E5-AE6C-2EDFEC68FEF2}" dt="2023-12-10T18:24:29.566" v="4364" actId="6549"/>
+          <ac:spMkLst>
+            <pc:docMk/>
+            <pc:sldMk cId="4188911557" sldId="312"/>
+            <ac:spMk id="9" creationId="{DAA31704-DD1F-62C0-B9AA-B224EB28798B}"/>
+          </ac:spMkLst>
+        </pc:spChg>
+        <pc:spChg chg="add del">
+          <ac:chgData name="Matteo MANGILI" userId="89c7df381375e6aa" providerId="LiveId" clId="{002FC19B-B750-46E5-AE6C-2EDFEC68FEF2}" dt="2023-12-10T18:24:33.503" v="4365" actId="21"/>
+          <ac:spMkLst>
+            <pc:docMk/>
+            <pc:sldMk cId="4188911557" sldId="312"/>
+            <ac:spMk id="11" creationId="{04D23210-DAC7-2F2E-ECF7-0F861DF2CB46}"/>
           </ac:spMkLst>
         </pc:spChg>
         <pc:spChg chg="mod">
@@ -1607,7 +1647,7 @@
           </ac:spMkLst>
         </pc:spChg>
         <pc:picChg chg="add mod">
-          <ac:chgData name="Matteo MANGILI" userId="89c7df381375e6aa" providerId="LiveId" clId="{002FC19B-B750-46E5-AE6C-2EDFEC68FEF2}" dt="2023-12-02T20:34:37.445" v="1549" actId="14100"/>
+          <ac:chgData name="Matteo MANGILI" userId="89c7df381375e6aa" providerId="LiveId" clId="{002FC19B-B750-46E5-AE6C-2EDFEC68FEF2}" dt="2023-12-10T18:22:17.184" v="4307" actId="14100"/>
           <ac:picMkLst>
             <pc:docMk/>
             <pc:sldMk cId="4188911557" sldId="312"/>
@@ -1615,7 +1655,7 @@
           </ac:picMkLst>
         </pc:picChg>
         <pc:picChg chg="add mod">
-          <ac:chgData name="Matteo MANGILI" userId="89c7df381375e6aa" providerId="LiveId" clId="{002FC19B-B750-46E5-AE6C-2EDFEC68FEF2}" dt="2023-12-02T20:34:23.235" v="1540" actId="1076"/>
+          <ac:chgData name="Matteo MANGILI" userId="89c7df381375e6aa" providerId="LiveId" clId="{002FC19B-B750-46E5-AE6C-2EDFEC68FEF2}" dt="2023-12-10T18:22:13.902" v="4306" actId="1076"/>
           <ac:picMkLst>
             <pc:docMk/>
             <pc:sldMk cId="4188911557" sldId="312"/>
@@ -1623,7 +1663,7 @@
           </ac:picMkLst>
         </pc:picChg>
         <pc:picChg chg="add mod">
-          <ac:chgData name="Matteo MANGILI" userId="89c7df381375e6aa" providerId="LiveId" clId="{002FC19B-B750-46E5-AE6C-2EDFEC68FEF2}" dt="2023-12-02T20:35:48.435" v="1633" actId="14100"/>
+          <ac:chgData name="Matteo MANGILI" userId="89c7df381375e6aa" providerId="LiveId" clId="{002FC19B-B750-46E5-AE6C-2EDFEC68FEF2}" dt="2023-12-10T18:22:11.777" v="4305" actId="1076"/>
           <ac:picMkLst>
             <pc:docMk/>
             <pc:sldMk cId="4188911557" sldId="312"/>
@@ -1632,7 +1672,7 @@
         </pc:picChg>
       </pc:sldChg>
       <pc:sldChg chg="addSp delSp modSp new mod setBg">
-        <pc:chgData name="Matteo MANGILI" userId="89c7df381375e6aa" providerId="LiveId" clId="{002FC19B-B750-46E5-AE6C-2EDFEC68FEF2}" dt="2023-12-09T11:29:03.608" v="4033" actId="20577"/>
+        <pc:chgData name="Matteo MANGILI" userId="89c7df381375e6aa" providerId="LiveId" clId="{002FC19B-B750-46E5-AE6C-2EDFEC68FEF2}" dt="2023-12-10T18:37:06.421" v="4984" actId="20577"/>
         <pc:sldMkLst>
           <pc:docMk/>
           <pc:sldMk cId="3576197673" sldId="313"/>
@@ -1645,32 +1685,32 @@
             <ac:spMk id="2" creationId="{9C02EA9E-627C-1C35-F5DD-BAE1234B2C25}"/>
           </ac:spMkLst>
         </pc:spChg>
-        <pc:spChg chg="add">
-          <ac:chgData name="Matteo MANGILI" userId="89c7df381375e6aa" providerId="LiveId" clId="{002FC19B-B750-46E5-AE6C-2EDFEC68FEF2}" dt="2023-12-09T11:28:35.129" v="4015" actId="26606"/>
+        <pc:spChg chg="add del">
+          <ac:chgData name="Matteo MANGILI" userId="89c7df381375e6aa" providerId="LiveId" clId="{002FC19B-B750-46E5-AE6C-2EDFEC68FEF2}" dt="2023-12-10T18:27:51.805" v="4574" actId="3680"/>
           <ac:spMkLst>
             <pc:docMk/>
             <pc:sldMk cId="3576197673" sldId="313"/>
             <ac:spMk id="3" creationId="{F3C45A35-26CF-8F60-DA33-010A0B4D0549}"/>
           </ac:spMkLst>
         </pc:spChg>
-        <pc:spChg chg="add">
-          <ac:chgData name="Matteo MANGILI" userId="89c7df381375e6aa" providerId="LiveId" clId="{002FC19B-B750-46E5-AE6C-2EDFEC68FEF2}" dt="2023-12-09T11:28:35.129" v="4015" actId="26606"/>
+        <pc:spChg chg="add del mod">
+          <ac:chgData name="Matteo MANGILI" userId="89c7df381375e6aa" providerId="LiveId" clId="{002FC19B-B750-46E5-AE6C-2EDFEC68FEF2}" dt="2023-12-10T18:29:04.861" v="4586" actId="21"/>
           <ac:spMkLst>
             <pc:docMk/>
             <pc:sldMk cId="3576197673" sldId="313"/>
             <ac:spMk id="4" creationId="{AB6B19E2-3410-0DB2-0B4A-ED7B24C9CDE1}"/>
           </ac:spMkLst>
         </pc:spChg>
-        <pc:spChg chg="add">
-          <ac:chgData name="Matteo MANGILI" userId="89c7df381375e6aa" providerId="LiveId" clId="{002FC19B-B750-46E5-AE6C-2EDFEC68FEF2}" dt="2023-12-09T11:28:35.129" v="4015" actId="26606"/>
+        <pc:spChg chg="add del mod">
+          <ac:chgData name="Matteo MANGILI" userId="89c7df381375e6aa" providerId="LiveId" clId="{002FC19B-B750-46E5-AE6C-2EDFEC68FEF2}" dt="2023-12-10T18:29:27.822" v="4589" actId="21"/>
           <ac:spMkLst>
             <pc:docMk/>
             <pc:sldMk cId="3576197673" sldId="313"/>
             <ac:spMk id="5" creationId="{A2E5A269-6D28-FFBD-D2A8-5A1F47334F91}"/>
           </ac:spMkLst>
         </pc:spChg>
-        <pc:spChg chg="add">
-          <ac:chgData name="Matteo MANGILI" userId="89c7df381375e6aa" providerId="LiveId" clId="{002FC19B-B750-46E5-AE6C-2EDFEC68FEF2}" dt="2023-12-09T11:28:35.129" v="4015" actId="26606"/>
+        <pc:spChg chg="add mod">
+          <ac:chgData name="Matteo MANGILI" userId="89c7df381375e6aa" providerId="LiveId" clId="{002FC19B-B750-46E5-AE6C-2EDFEC68FEF2}" dt="2023-12-10T18:29:44.420" v="4592" actId="113"/>
           <ac:spMkLst>
             <pc:docMk/>
             <pc:sldMk cId="3576197673" sldId="313"/>
@@ -1733,6 +1773,14 @@
             <ac:spMk id="14" creationId="{37877047-568D-8624-9544-4628D5D5CD3D}"/>
           </ac:spMkLst>
         </pc:spChg>
+        <pc:graphicFrameChg chg="add mod ord modGraphic">
+          <ac:chgData name="Matteo MANGILI" userId="89c7df381375e6aa" providerId="LiveId" clId="{002FC19B-B750-46E5-AE6C-2EDFEC68FEF2}" dt="2023-12-10T18:37:06.421" v="4984" actId="20577"/>
+          <ac:graphicFrameMkLst>
+            <pc:docMk/>
+            <pc:sldMk cId="3576197673" sldId="313"/>
+            <ac:graphicFrameMk id="7" creationId="{27CC74FB-BD97-33CB-0677-7767F0959E2B}"/>
+          </ac:graphicFrameMkLst>
+        </pc:graphicFrameChg>
       </pc:sldChg>
     </pc:docChg>
   </pc:docChgLst>
@@ -1835,7 +1883,7 @@
             <a:pPr rtl="0"/>
             <a:fld id="{DBC54730-5EBA-4920-A6C4-7F8458A7F940}" type="datetime1">
               <a:rPr lang="it-IT" smtClean="0"/>
-              <a:t>09/12/2023</a:t>
+              <a:t>10/12/2023</a:t>
             </a:fld>
             <a:endParaRPr lang="it-IT"/>
           </a:p>
@@ -2017,7 +2065,7 @@
             <a:fld id="{85EC1C34-318D-43A8-83F5-3AC8647FE75E}" type="datetime1">
               <a:rPr lang="it-IT" smtClean="0"/>
               <a:pPr/>
-              <a:t>09/12/2023</a:t>
+              <a:t>10/12/2023</a:t>
             </a:fld>
             <a:endParaRPr lang="it-IT" dirty="0"/>
           </a:p>
@@ -16720,7 +16768,7 @@
         </p:spPr>
         <p:txBody>
           <a:bodyPr>
-            <a:normAutofit fontScale="92500" lnSpcReduction="20000"/>
+            <a:normAutofit fontScale="85000" lnSpcReduction="20000"/>
           </a:bodyPr>
           <a:lstStyle/>
           <a:p>
@@ -16870,9 +16918,10 @@
               <a:buChar char="Ø"/>
             </a:pPr>
             <a:r>
-              <a:rPr lang="en-US" sz="2200" dirty="0"/>
-              <a:t>Verbale Medico</a:t>
-            </a:r>
+              <a:rPr lang="en-US" sz="2200" dirty="0" err="1"/>
+              <a:t>Intervento</a:t>
+            </a:r>
+            <a:endParaRPr lang="en-US" sz="2200" dirty="0"/>
           </a:p>
           <a:p>
             <a:pPr>
@@ -16881,6 +16930,16 @@
             </a:pPr>
             <a:r>
               <a:rPr lang="en-US" sz="2200" dirty="0"/>
+              <a:t>Verbale Medico</a:t>
+            </a:r>
+          </a:p>
+          <a:p>
+            <a:pPr>
+              <a:buFont typeface="Wingdings" panose="05000000000000000000" pitchFamily="2" charset="2"/>
+              <a:buChar char="Ø"/>
+            </a:pPr>
+            <a:r>
+              <a:rPr lang="en-US" sz="2200" dirty="0"/>
               <a:t>Stampa</a:t>
             </a:r>
           </a:p>
@@ -16933,6 +16992,38 @@
             <a:r>
               <a:rPr lang="en-US" sz="2200" dirty="0" err="1"/>
               <a:t>liste</a:t>
+            </a:r>
+            <a:r>
+              <a:rPr lang="en-US" sz="2200" dirty="0"/>
+              <a:t> e </a:t>
+            </a:r>
+            <a:r>
+              <a:rPr lang="en-US" sz="2200" dirty="0" err="1"/>
+              <a:t>alla</a:t>
+            </a:r>
+            <a:r>
+              <a:rPr lang="en-US" sz="2200" dirty="0"/>
+              <a:t> </a:t>
+            </a:r>
+            <a:r>
+              <a:rPr lang="en-US" sz="2200" dirty="0" err="1"/>
+              <a:t>pagina</a:t>
+            </a:r>
+            <a:r>
+              <a:rPr lang="en-US" sz="2200" dirty="0"/>
+              <a:t> </a:t>
+            </a:r>
+            <a:r>
+              <a:rPr lang="en-US" sz="2200" dirty="0" err="1"/>
+              <a:t>anagrafica</a:t>
+            </a:r>
+            <a:r>
+              <a:rPr lang="en-US" sz="2200" dirty="0"/>
+              <a:t> del </a:t>
+            </a:r>
+            <a:r>
+              <a:rPr lang="en-US" sz="2200" dirty="0" err="1"/>
+              <a:t>paziente</a:t>
             </a:r>
             <a:r>
               <a:rPr lang="en-US" sz="2200" dirty="0"/>
@@ -21915,7 +22006,7 @@
             </a:r>
             <a:r>
               <a:rPr lang="en-US" sz="2200" dirty="0"/>
-              <a:t> </a:t>
+              <a:t>, </a:t>
             </a:r>
             <a:r>
               <a:rPr lang="en-US" sz="2200" dirty="0" err="1"/>
@@ -21927,6 +22018,22 @@
             </a:r>
             <a:r>
               <a:rPr lang="en-US" sz="2200" dirty="0" err="1"/>
+              <a:t>durante</a:t>
+            </a:r>
+            <a:r>
+              <a:rPr lang="en-US" sz="2200" dirty="0"/>
+              <a:t> la </a:t>
+            </a:r>
+            <a:r>
+              <a:rPr lang="en-US" sz="2200" dirty="0" err="1"/>
+              <a:t>stesura</a:t>
+            </a:r>
+            <a:r>
+              <a:rPr lang="en-US" sz="2200" dirty="0"/>
+              <a:t> del Progetto, </a:t>
+            </a:r>
+            <a:r>
+              <a:rPr lang="en-US" sz="2200" dirty="0" err="1"/>
               <a:t>sono</a:t>
             </a:r>
             <a:r>
@@ -22074,7 +22181,7 @@
             </a:r>
             <a:r>
               <a:rPr lang="en-US" sz="2200" dirty="0"/>
-              <a:t> di GitHub.</a:t>
+              <a:t> di GitHub</a:t>
             </a:r>
           </a:p>
         </p:txBody>
@@ -22935,7 +23042,7 @@
         <p:spPr>
           <a:xfrm>
             <a:off x="581899" y="1928061"/>
-            <a:ext cx="2833105" cy="2376000"/>
+            <a:ext cx="3355619" cy="2376000"/>
           </a:xfrm>
           <a:prstGeom prst="rect">
             <a:avLst/>
@@ -23010,7 +23117,7 @@
         </p:blipFill>
         <p:spPr>
           <a:xfrm>
-            <a:off x="3901782" y="2057360"/>
+            <a:off x="5105431" y="1985560"/>
             <a:ext cx="2438400" cy="2438400"/>
           </a:xfrm>
           <a:prstGeom prst="rect">
@@ -23040,7 +23147,7 @@
         </p:blipFill>
         <p:spPr>
           <a:xfrm>
-            <a:off x="7389845" y="2000061"/>
+            <a:off x="9017964" y="1892061"/>
             <a:ext cx="2448000" cy="2448000"/>
           </a:xfrm>
           <a:prstGeom prst="rect">
@@ -23048,6 +23155,113 @@
           </a:prstGeom>
         </p:spPr>
       </p:pic>
+      <p:sp>
+        <p:nvSpPr>
+          <p:cNvPr id="5" name="CasellaDiTesto 4">
+            <a:extLst>
+              <a:ext uri="{FF2B5EF4-FFF2-40B4-BE49-F238E27FC236}">
+                <a16:creationId xmlns:a16="http://schemas.microsoft.com/office/drawing/2014/main" id="{94653B8F-ADAC-D01C-5C88-2E369E0B3234}"/>
+              </a:ext>
+            </a:extLst>
+          </p:cNvPr>
+          <p:cNvSpPr txBox="1"/>
+          <p:nvPr/>
+        </p:nvSpPr>
+        <p:spPr>
+          <a:xfrm>
+            <a:off x="1595534" y="4811295"/>
+            <a:ext cx="1073021" cy="369332"/>
+          </a:xfrm>
+          <a:prstGeom prst="rect">
+            <a:avLst/>
+          </a:prstGeom>
+          <a:noFill/>
+        </p:spPr>
+        <p:txBody>
+          <a:bodyPr wrap="square" rtlCol="0">
+            <a:spAutoFit/>
+          </a:bodyPr>
+          <a:lstStyle/>
+          <a:p>
+            <a:r>
+              <a:rPr lang="it-IT" dirty="0" err="1"/>
+              <a:t>StarUML</a:t>
+            </a:r>
+            <a:endParaRPr lang="it-IT" dirty="0"/>
+          </a:p>
+        </p:txBody>
+      </p:sp>
+      <p:sp>
+        <p:nvSpPr>
+          <p:cNvPr id="8" name="CasellaDiTesto 7">
+            <a:extLst>
+              <a:ext uri="{FF2B5EF4-FFF2-40B4-BE49-F238E27FC236}">
+                <a16:creationId xmlns:a16="http://schemas.microsoft.com/office/drawing/2014/main" id="{364845DF-E527-AE8E-132D-4C86AC60FCAB}"/>
+              </a:ext>
+            </a:extLst>
+          </p:cNvPr>
+          <p:cNvSpPr txBox="1"/>
+          <p:nvPr/>
+        </p:nvSpPr>
+        <p:spPr>
+          <a:xfrm>
+            <a:off x="5592178" y="4811295"/>
+            <a:ext cx="1464906" cy="369332"/>
+          </a:xfrm>
+          <a:prstGeom prst="rect">
+            <a:avLst/>
+          </a:prstGeom>
+          <a:noFill/>
+        </p:spPr>
+        <p:txBody>
+          <a:bodyPr wrap="square" rtlCol="0">
+            <a:spAutoFit/>
+          </a:bodyPr>
+          <a:lstStyle/>
+          <a:p>
+            <a:r>
+              <a:rPr lang="it-IT" dirty="0"/>
+              <a:t>Eclipse IDE</a:t>
+            </a:r>
+          </a:p>
+        </p:txBody>
+      </p:sp>
+      <p:sp>
+        <p:nvSpPr>
+          <p:cNvPr id="9" name="CasellaDiTesto 8">
+            <a:extLst>
+              <a:ext uri="{FF2B5EF4-FFF2-40B4-BE49-F238E27FC236}">
+                <a16:creationId xmlns:a16="http://schemas.microsoft.com/office/drawing/2014/main" id="{DAA31704-DD1F-62C0-B9AA-B224EB28798B}"/>
+              </a:ext>
+            </a:extLst>
+          </p:cNvPr>
+          <p:cNvSpPr txBox="1"/>
+          <p:nvPr/>
+        </p:nvSpPr>
+        <p:spPr>
+          <a:xfrm>
+            <a:off x="9187776" y="4811295"/>
+            <a:ext cx="861293" cy="369332"/>
+          </a:xfrm>
+          <a:prstGeom prst="rect">
+            <a:avLst/>
+          </a:prstGeom>
+          <a:noFill/>
+        </p:spPr>
+        <p:txBody>
+          <a:bodyPr wrap="square" rtlCol="0">
+            <a:spAutoFit/>
+          </a:bodyPr>
+          <a:lstStyle/>
+          <a:p>
+            <a:r>
+              <a:rPr lang="it-IT"/>
+              <a:t>GitHub</a:t>
+            </a:r>
+            <a:endParaRPr lang="it-IT" dirty="0"/>
+          </a:p>
+        </p:txBody>
+      </p:sp>
     </p:spTree>
     <p:extLst>
       <p:ext uri="{BB962C8B-B14F-4D97-AF65-F5344CB8AC3E}">
@@ -23847,7 +24061,7 @@
         <p:spPr>
           <a:xfrm>
             <a:off x="838200" y="1929384"/>
-            <a:ext cx="10515600" cy="4038865"/>
+            <a:ext cx="10515600" cy="4563491"/>
           </a:xfrm>
         </p:spPr>
         <p:txBody>
@@ -23925,6 +24139,42 @@
               <a:rPr lang="it-IT" sz="2200" dirty="0"/>
               <a:t> corrispondenti</a:t>
             </a:r>
+          </a:p>
+          <a:p>
+            <a:pPr marL="0" indent="0">
+              <a:buNone/>
+            </a:pPr>
+            <a:endParaRPr lang="it-IT" sz="2200" dirty="0"/>
+          </a:p>
+          <a:p>
+            <a:pPr marL="0" indent="0">
+              <a:buNone/>
+            </a:pPr>
+            <a:r>
+              <a:rPr lang="it-IT" sz="2200" b="1" dirty="0"/>
+              <a:t>PULL REQUEST </a:t>
+            </a:r>
+            <a:r>
+              <a:rPr lang="it-IT" sz="2200" dirty="0"/>
+              <a:t>Per</a:t>
+            </a:r>
+            <a:r>
+              <a:rPr lang="it-IT" sz="2200" b="1" dirty="0"/>
+              <a:t> </a:t>
+            </a:r>
+            <a:r>
+              <a:rPr lang="it-IT" sz="2200" dirty="0"/>
+              <a:t>le modifiche importanti o azioni di merge, sono state create delle pull </a:t>
+            </a:r>
+            <a:r>
+              <a:rPr lang="it-IT" sz="2200" dirty="0" err="1"/>
+              <a:t>request</a:t>
+            </a:r>
+            <a:r>
+              <a:rPr lang="it-IT" sz="2200" dirty="0"/>
+              <a:t>, le quali venivano approvate da tutti i membri del team</a:t>
+            </a:r>
+            <a:endParaRPr lang="it-IT" sz="2200" b="1" dirty="0"/>
           </a:p>
           <a:p>
             <a:pPr marL="0" indent="0">
@@ -26892,118 +27142,544 @@
           </a:p>
         </p:txBody>
       </p:sp>
-      <p:sp>
-        <p:nvSpPr>
-          <p:cNvPr id="3" name="Segnaposto contenuto 2">
+      <p:graphicFrame>
+        <p:nvGraphicFramePr>
+          <p:cNvPr id="7" name="Segnaposto contenuto 6">
             <a:extLst>
               <a:ext uri="{FF2B5EF4-FFF2-40B4-BE49-F238E27FC236}">
-                <a16:creationId xmlns:a16="http://schemas.microsoft.com/office/drawing/2014/main" id="{F3C45A35-26CF-8F60-DA33-010A0B4D0549}"/>
+                <a16:creationId xmlns:a16="http://schemas.microsoft.com/office/drawing/2014/main" id="{27CC74FB-BD97-33CB-0677-7767F0959E2B}"/>
               </a:ext>
             </a:extLst>
           </p:cNvPr>
-          <p:cNvSpPr>
-            <a:spLocks noGrp="1"/>
-          </p:cNvSpPr>
+          <p:cNvGraphicFramePr>
+            <a:graphicFrameLocks noGrp="1"/>
+          </p:cNvGraphicFramePr>
           <p:nvPr>
             <p:ph idx="1"/>
+            <p:extLst>
+              <p:ext uri="{D42A27DB-BD31-4B8C-83A1-F6EECF244321}">
+                <p14:modId xmlns:p14="http://schemas.microsoft.com/office/powerpoint/2010/main" val="3478751295"/>
+              </p:ext>
+            </p:extLst>
           </p:nvPr>
-        </p:nvSpPr>
-        <p:spPr>
-          <a:xfrm>
-            <a:off x="838200" y="1929384"/>
-            <a:ext cx="10515600" cy="4251960"/>
-          </a:xfrm>
-        </p:spPr>
-        <p:txBody>
-          <a:bodyPr>
-            <a:normAutofit/>
-          </a:bodyPr>
-          <a:lstStyle/>
-          <a:p>
-            <a:endParaRPr lang="it-IT" sz="2200" dirty="0"/>
-          </a:p>
-        </p:txBody>
-      </p:sp>
-      <p:sp>
-        <p:nvSpPr>
-          <p:cNvPr id="4" name="Segnaposto data 3">
-            <a:extLst>
-              <a:ext uri="{FF2B5EF4-FFF2-40B4-BE49-F238E27FC236}">
-                <a16:creationId xmlns:a16="http://schemas.microsoft.com/office/drawing/2014/main" id="{AB6B19E2-3410-0DB2-0B4A-ED7B24C9CDE1}"/>
-              </a:ext>
-            </a:extLst>
-          </p:cNvPr>
-          <p:cNvSpPr>
-            <a:spLocks noGrp="1"/>
-          </p:cNvSpPr>
-          <p:nvPr>
-            <p:ph type="dt" sz="half" idx="10"/>
-          </p:nvPr>
-        </p:nvSpPr>
-        <p:spPr>
-          <a:xfrm>
-            <a:off x="838200" y="6356350"/>
-            <a:ext cx="2743200" cy="365125"/>
-          </a:xfrm>
-        </p:spPr>
-        <p:txBody>
-          <a:bodyPr>
-            <a:normAutofit/>
-          </a:bodyPr>
-          <a:lstStyle/>
-          <a:p>
-            <a:pPr rtl="0">
-              <a:spcAft>
-                <a:spcPts val="600"/>
-              </a:spcAft>
-            </a:pPr>
-            <a:r>
-              <a:rPr lang="it-IT" noProof="0"/>
-              <a:t>20XX</a:t>
-            </a:r>
-          </a:p>
-        </p:txBody>
-      </p:sp>
-      <p:sp>
-        <p:nvSpPr>
-          <p:cNvPr id="5" name="Segnaposto piè di pagina 4">
-            <a:extLst>
-              <a:ext uri="{FF2B5EF4-FFF2-40B4-BE49-F238E27FC236}">
-                <a16:creationId xmlns:a16="http://schemas.microsoft.com/office/drawing/2014/main" id="{A2E5A269-6D28-FFBD-D2A8-5A1F47334F91}"/>
-              </a:ext>
-            </a:extLst>
-          </p:cNvPr>
-          <p:cNvSpPr>
-            <a:spLocks noGrp="1"/>
-          </p:cNvSpPr>
-          <p:nvPr>
-            <p:ph type="ftr" sz="quarter" idx="11"/>
-          </p:nvPr>
-        </p:nvSpPr>
-        <p:spPr>
-          <a:xfrm>
-            <a:off x="4038600" y="6356350"/>
-            <a:ext cx="4114800" cy="365125"/>
-          </a:xfrm>
-        </p:spPr>
-        <p:txBody>
-          <a:bodyPr>
-            <a:normAutofit/>
-          </a:bodyPr>
-          <a:lstStyle/>
-          <a:p>
-            <a:pPr rtl="0">
-              <a:spcAft>
-                <a:spcPts val="600"/>
-              </a:spcAft>
-            </a:pPr>
-            <a:r>
-              <a:rPr lang="it-IT" noProof="0"/>
-              <a:t>Presentazione</a:t>
-            </a:r>
-          </a:p>
-        </p:txBody>
-      </p:sp>
+        </p:nvGraphicFramePr>
+        <p:xfrm>
+          <a:off x="838200" y="1825625"/>
+          <a:ext cx="10515600" cy="4271996"/>
+        </p:xfrm>
+        <a:graphic>
+          <a:graphicData uri="http://schemas.openxmlformats.org/drawingml/2006/table">
+            <a:tbl>
+              <a:tblPr>
+                <a:tableStyleId>{073A0DAA-6AF3-43AB-8588-CEC1D06C72B9}</a:tableStyleId>
+              </a:tblPr>
+              <a:tblGrid>
+                <a:gridCol w="5257800">
+                  <a:extLst>
+                    <a:ext uri="{9D8B030D-6E8A-4147-A177-3AD203B41FA5}">
+                      <a16:colId xmlns:a16="http://schemas.microsoft.com/office/drawing/2014/main" val="999764677"/>
+                    </a:ext>
+                  </a:extLst>
+                </a:gridCol>
+                <a:gridCol w="5257800">
+                  <a:extLst>
+                    <a:ext uri="{9D8B030D-6E8A-4147-A177-3AD203B41FA5}">
+                      <a16:colId xmlns:a16="http://schemas.microsoft.com/office/drawing/2014/main" val="942508042"/>
+                    </a:ext>
+                  </a:extLst>
+                </a:gridCol>
+              </a:tblGrid>
+              <a:tr h="1067999">
+                <a:tc>
+                  <a:txBody>
+                    <a:bodyPr/>
+                    <a:lstStyle/>
+                    <a:p>
+                      <a:pPr algn="ctr">
+                        <a:lnSpc>
+                          <a:spcPct val="250000"/>
+                        </a:lnSpc>
+                      </a:pPr>
+                      <a:r>
+                        <a:rPr lang="it-IT" sz="2000" b="1" dirty="0"/>
+                        <a:t>MUST HAVE</a:t>
+                      </a:r>
+                    </a:p>
+                  </a:txBody>
+                  <a:tcPr>
+                    <a:lnL w="12700" cap="flat" cmpd="sng" algn="ctr">
+                      <a:solidFill>
+                        <a:schemeClr val="tx1"/>
+                      </a:solidFill>
+                      <a:prstDash val="solid"/>
+                      <a:round/>
+                      <a:headEnd type="none" w="med" len="med"/>
+                      <a:tailEnd type="none" w="med" len="med"/>
+                    </a:lnL>
+                    <a:lnR w="12700" cap="flat" cmpd="sng" algn="ctr">
+                      <a:solidFill>
+                        <a:schemeClr val="tx1"/>
+                      </a:solidFill>
+                      <a:prstDash val="solid"/>
+                      <a:round/>
+                      <a:headEnd type="none" w="med" len="med"/>
+                      <a:tailEnd type="none" w="med" len="med"/>
+                    </a:lnR>
+                    <a:lnT w="12700" cap="flat" cmpd="sng" algn="ctr">
+                      <a:solidFill>
+                        <a:schemeClr val="tx1"/>
+                      </a:solidFill>
+                      <a:prstDash val="solid"/>
+                      <a:round/>
+                      <a:headEnd type="none" w="med" len="med"/>
+                      <a:tailEnd type="none" w="med" len="med"/>
+                    </a:lnT>
+                    <a:lnB w="12700" cap="flat" cmpd="sng" algn="ctr">
+                      <a:solidFill>
+                        <a:schemeClr val="tx1"/>
+                      </a:solidFill>
+                      <a:prstDash val="solid"/>
+                      <a:round/>
+                      <a:headEnd type="none" w="med" len="med"/>
+                      <a:tailEnd type="none" w="med" len="med"/>
+                    </a:lnB>
+                  </a:tcPr>
+                </a:tc>
+                <a:tc>
+                  <a:txBody>
+                    <a:bodyPr/>
+                    <a:lstStyle/>
+                    <a:p>
+                      <a:pPr marL="171450" indent="-171450">
+                        <a:buFont typeface="Arial" panose="020B0604020202020204" pitchFamily="34" charset="0"/>
+                        <a:buChar char="•"/>
+                      </a:pPr>
+                      <a:r>
+                        <a:rPr lang="it-IT" sz="1600" dirty="0"/>
+                        <a:t>Registrazione nel sistema</a:t>
+                      </a:r>
+                    </a:p>
+                    <a:p>
+                      <a:pPr marL="171450" indent="-171450">
+                        <a:buFont typeface="Arial" panose="020B0604020202020204" pitchFamily="34" charset="0"/>
+                        <a:buChar char="•"/>
+                      </a:pPr>
+                      <a:r>
+                        <a:rPr lang="it-IT" sz="1600" dirty="0"/>
+                        <a:t>Effettuare Esami corrispondenti</a:t>
+                      </a:r>
+                    </a:p>
+                    <a:p>
+                      <a:pPr marL="171450" indent="-171450">
+                        <a:buFont typeface="Arial" panose="020B0604020202020204" pitchFamily="34" charset="0"/>
+                        <a:buChar char="•"/>
+                      </a:pPr>
+                      <a:r>
+                        <a:rPr lang="it-IT" sz="1600" dirty="0"/>
+                        <a:t>Gestione pagina anagrafica paziente</a:t>
+                      </a:r>
+                    </a:p>
+                  </a:txBody>
+                  <a:tcPr>
+                    <a:lnL w="12700" cap="flat" cmpd="sng" algn="ctr">
+                      <a:solidFill>
+                        <a:schemeClr val="tx1"/>
+                      </a:solidFill>
+                      <a:prstDash val="solid"/>
+                      <a:round/>
+                      <a:headEnd type="none" w="med" len="med"/>
+                      <a:tailEnd type="none" w="med" len="med"/>
+                    </a:lnL>
+                    <a:lnR w="12700" cap="flat" cmpd="sng" algn="ctr">
+                      <a:solidFill>
+                        <a:schemeClr val="tx1"/>
+                      </a:solidFill>
+                      <a:prstDash val="solid"/>
+                      <a:round/>
+                      <a:headEnd type="none" w="med" len="med"/>
+                      <a:tailEnd type="none" w="med" len="med"/>
+                    </a:lnR>
+                    <a:lnT w="12700" cap="flat" cmpd="sng" algn="ctr">
+                      <a:solidFill>
+                        <a:schemeClr val="tx1"/>
+                      </a:solidFill>
+                      <a:prstDash val="solid"/>
+                      <a:round/>
+                      <a:headEnd type="none" w="med" len="med"/>
+                      <a:tailEnd type="none" w="med" len="med"/>
+                    </a:lnT>
+                    <a:lnB w="12700" cap="flat" cmpd="sng" algn="ctr">
+                      <a:solidFill>
+                        <a:schemeClr val="tx1"/>
+                      </a:solidFill>
+                      <a:prstDash val="solid"/>
+                      <a:round/>
+                      <a:headEnd type="none" w="med" len="med"/>
+                      <a:tailEnd type="none" w="med" len="med"/>
+                    </a:lnB>
+                  </a:tcPr>
+                </a:tc>
+                <a:extLst>
+                  <a:ext uri="{0D108BD9-81ED-4DB2-BD59-A6C34878D82A}">
+                    <a16:rowId xmlns:a16="http://schemas.microsoft.com/office/drawing/2014/main" val="938852911"/>
+                  </a:ext>
+                </a:extLst>
+              </a:tr>
+              <a:tr h="1067999">
+                <a:tc>
+                  <a:txBody>
+                    <a:bodyPr/>
+                    <a:lstStyle/>
+                    <a:p>
+                      <a:pPr algn="ctr">
+                        <a:lnSpc>
+                          <a:spcPct val="250000"/>
+                        </a:lnSpc>
+                      </a:pPr>
+                      <a:r>
+                        <a:rPr lang="it-IT" b="1" dirty="0"/>
+                        <a:t>SHOULD HAVE</a:t>
+                      </a:r>
+                    </a:p>
+                  </a:txBody>
+                  <a:tcPr>
+                    <a:lnL w="12700" cap="flat" cmpd="sng" algn="ctr">
+                      <a:solidFill>
+                        <a:schemeClr val="tx1"/>
+                      </a:solidFill>
+                      <a:prstDash val="solid"/>
+                      <a:round/>
+                      <a:headEnd type="none" w="med" len="med"/>
+                      <a:tailEnd type="none" w="med" len="med"/>
+                    </a:lnL>
+                    <a:lnR w="12700" cap="flat" cmpd="sng" algn="ctr">
+                      <a:solidFill>
+                        <a:schemeClr val="tx1"/>
+                      </a:solidFill>
+                      <a:prstDash val="solid"/>
+                      <a:round/>
+                      <a:headEnd type="none" w="med" len="med"/>
+                      <a:tailEnd type="none" w="med" len="med"/>
+                    </a:lnR>
+                    <a:lnT w="12700" cap="flat" cmpd="sng" algn="ctr">
+                      <a:solidFill>
+                        <a:schemeClr val="tx1"/>
+                      </a:solidFill>
+                      <a:prstDash val="solid"/>
+                      <a:round/>
+                      <a:headEnd type="none" w="med" len="med"/>
+                      <a:tailEnd type="none" w="med" len="med"/>
+                    </a:lnT>
+                    <a:lnB w="12700" cap="flat" cmpd="sng" algn="ctr">
+                      <a:solidFill>
+                        <a:schemeClr val="tx1"/>
+                      </a:solidFill>
+                      <a:prstDash val="solid"/>
+                      <a:round/>
+                      <a:headEnd type="none" w="med" len="med"/>
+                      <a:tailEnd type="none" w="med" len="med"/>
+                    </a:lnB>
+                  </a:tcPr>
+                </a:tc>
+                <a:tc>
+                  <a:txBody>
+                    <a:bodyPr/>
+                    <a:lstStyle/>
+                    <a:p>
+                      <a:pPr marL="285750" indent="-285750">
+                        <a:buFont typeface="Arial" panose="020B0604020202020204" pitchFamily="34" charset="0"/>
+                        <a:buChar char="•"/>
+                      </a:pPr>
+                      <a:r>
+                        <a:rPr lang="it-IT" sz="1600" dirty="0"/>
+                        <a:t>Iscrizione Lista Graduatoria</a:t>
+                      </a:r>
+                    </a:p>
+                    <a:p>
+                      <a:pPr marL="285750" indent="-285750">
+                        <a:buFont typeface="Arial" panose="020B0604020202020204" pitchFamily="34" charset="0"/>
+                        <a:buChar char="•"/>
+                      </a:pPr>
+                      <a:r>
+                        <a:rPr lang="it-IT" sz="1600" dirty="0"/>
+                        <a:t>Iscrizione Lista Operatoria Intervento specifico</a:t>
+                      </a:r>
+                    </a:p>
+                  </a:txBody>
+                  <a:tcPr>
+                    <a:lnL w="12700" cap="flat" cmpd="sng" algn="ctr">
+                      <a:solidFill>
+                        <a:schemeClr val="tx1"/>
+                      </a:solidFill>
+                      <a:prstDash val="solid"/>
+                      <a:round/>
+                      <a:headEnd type="none" w="med" len="med"/>
+                      <a:tailEnd type="none" w="med" len="med"/>
+                    </a:lnL>
+                    <a:lnR w="12700" cap="flat" cmpd="sng" algn="ctr">
+                      <a:solidFill>
+                        <a:schemeClr val="tx1"/>
+                      </a:solidFill>
+                      <a:prstDash val="solid"/>
+                      <a:round/>
+                      <a:headEnd type="none" w="med" len="med"/>
+                      <a:tailEnd type="none" w="med" len="med"/>
+                    </a:lnR>
+                    <a:lnT w="12700" cap="flat" cmpd="sng" algn="ctr">
+                      <a:solidFill>
+                        <a:schemeClr val="tx1"/>
+                      </a:solidFill>
+                      <a:prstDash val="solid"/>
+                      <a:round/>
+                      <a:headEnd type="none" w="med" len="med"/>
+                      <a:tailEnd type="none" w="med" len="med"/>
+                    </a:lnT>
+                    <a:lnB w="12700" cap="flat" cmpd="sng" algn="ctr">
+                      <a:solidFill>
+                        <a:schemeClr val="tx1"/>
+                      </a:solidFill>
+                      <a:prstDash val="solid"/>
+                      <a:round/>
+                      <a:headEnd type="none" w="med" len="med"/>
+                      <a:tailEnd type="none" w="med" len="med"/>
+                    </a:lnB>
+                  </a:tcPr>
+                </a:tc>
+                <a:extLst>
+                  <a:ext uri="{0D108BD9-81ED-4DB2-BD59-A6C34878D82A}">
+                    <a16:rowId xmlns:a16="http://schemas.microsoft.com/office/drawing/2014/main" val="3315907752"/>
+                  </a:ext>
+                </a:extLst>
+              </a:tr>
+              <a:tr h="1067999">
+                <a:tc>
+                  <a:txBody>
+                    <a:bodyPr/>
+                    <a:lstStyle/>
+                    <a:p>
+                      <a:pPr algn="ctr">
+                        <a:lnSpc>
+                          <a:spcPct val="250000"/>
+                        </a:lnSpc>
+                      </a:pPr>
+                      <a:r>
+                        <a:rPr lang="it-IT" b="1" dirty="0"/>
+                        <a:t>COULD HAVE</a:t>
+                      </a:r>
+                    </a:p>
+                  </a:txBody>
+                  <a:tcPr>
+                    <a:lnL w="12700" cap="flat" cmpd="sng" algn="ctr">
+                      <a:solidFill>
+                        <a:schemeClr val="tx1"/>
+                      </a:solidFill>
+                      <a:prstDash val="solid"/>
+                      <a:round/>
+                      <a:headEnd type="none" w="med" len="med"/>
+                      <a:tailEnd type="none" w="med" len="med"/>
+                    </a:lnL>
+                    <a:lnR w="12700" cap="flat" cmpd="sng" algn="ctr">
+                      <a:solidFill>
+                        <a:schemeClr val="tx1"/>
+                      </a:solidFill>
+                      <a:prstDash val="solid"/>
+                      <a:round/>
+                      <a:headEnd type="none" w="med" len="med"/>
+                      <a:tailEnd type="none" w="med" len="med"/>
+                    </a:lnR>
+                    <a:lnT w="12700" cap="flat" cmpd="sng" algn="ctr">
+                      <a:solidFill>
+                        <a:schemeClr val="tx1"/>
+                      </a:solidFill>
+                      <a:prstDash val="solid"/>
+                      <a:round/>
+                      <a:headEnd type="none" w="med" len="med"/>
+                      <a:tailEnd type="none" w="med" len="med"/>
+                    </a:lnT>
+                    <a:lnB w="12700" cap="flat" cmpd="sng" algn="ctr">
+                      <a:solidFill>
+                        <a:schemeClr val="tx1"/>
+                      </a:solidFill>
+                      <a:prstDash val="solid"/>
+                      <a:round/>
+                      <a:headEnd type="none" w="med" len="med"/>
+                      <a:tailEnd type="none" w="med" len="med"/>
+                    </a:lnB>
+                  </a:tcPr>
+                </a:tc>
+                <a:tc>
+                  <a:txBody>
+                    <a:bodyPr/>
+                    <a:lstStyle/>
+                    <a:p>
+                      <a:pPr marL="285750" indent="-285750">
+                        <a:buFont typeface="Arial" panose="020B0604020202020204" pitchFamily="34" charset="0"/>
+                        <a:buChar char="•"/>
+                      </a:pPr>
+                      <a:r>
+                        <a:rPr lang="it-IT" sz="1600" dirty="0"/>
+                        <a:t>Analisi Rischio sanitario</a:t>
+                      </a:r>
+                    </a:p>
+                  </a:txBody>
+                  <a:tcPr>
+                    <a:lnL w="12700" cap="flat" cmpd="sng" algn="ctr">
+                      <a:solidFill>
+                        <a:schemeClr val="tx1"/>
+                      </a:solidFill>
+                      <a:prstDash val="solid"/>
+                      <a:round/>
+                      <a:headEnd type="none" w="med" len="med"/>
+                      <a:tailEnd type="none" w="med" len="med"/>
+                    </a:lnL>
+                    <a:lnR w="12700" cap="flat" cmpd="sng" algn="ctr">
+                      <a:solidFill>
+                        <a:schemeClr val="tx1"/>
+                      </a:solidFill>
+                      <a:prstDash val="solid"/>
+                      <a:round/>
+                      <a:headEnd type="none" w="med" len="med"/>
+                      <a:tailEnd type="none" w="med" len="med"/>
+                    </a:lnR>
+                    <a:lnT w="12700" cap="flat" cmpd="sng" algn="ctr">
+                      <a:solidFill>
+                        <a:schemeClr val="tx1"/>
+                      </a:solidFill>
+                      <a:prstDash val="solid"/>
+                      <a:round/>
+                      <a:headEnd type="none" w="med" len="med"/>
+                      <a:tailEnd type="none" w="med" len="med"/>
+                    </a:lnT>
+                    <a:lnB w="12700" cap="flat" cmpd="sng" algn="ctr">
+                      <a:solidFill>
+                        <a:schemeClr val="tx1"/>
+                      </a:solidFill>
+                      <a:prstDash val="solid"/>
+                      <a:round/>
+                      <a:headEnd type="none" w="med" len="med"/>
+                      <a:tailEnd type="none" w="med" len="med"/>
+                    </a:lnB>
+                  </a:tcPr>
+                </a:tc>
+                <a:extLst>
+                  <a:ext uri="{0D108BD9-81ED-4DB2-BD59-A6C34878D82A}">
+                    <a16:rowId xmlns:a16="http://schemas.microsoft.com/office/drawing/2014/main" val="4059381850"/>
+                  </a:ext>
+                </a:extLst>
+              </a:tr>
+              <a:tr h="1067999">
+                <a:tc>
+                  <a:txBody>
+                    <a:bodyPr/>
+                    <a:lstStyle/>
+                    <a:p>
+                      <a:pPr algn="ctr">
+                        <a:lnSpc>
+                          <a:spcPct val="250000"/>
+                        </a:lnSpc>
+                      </a:pPr>
+                      <a:r>
+                        <a:rPr lang="it-IT" b="1" dirty="0"/>
+                        <a:t>WON’T HAVE</a:t>
+                      </a:r>
+                    </a:p>
+                  </a:txBody>
+                  <a:tcPr>
+                    <a:lnL w="12700" cap="flat" cmpd="sng" algn="ctr">
+                      <a:solidFill>
+                        <a:schemeClr val="tx1"/>
+                      </a:solidFill>
+                      <a:prstDash val="solid"/>
+                      <a:round/>
+                      <a:headEnd type="none" w="med" len="med"/>
+                      <a:tailEnd type="none" w="med" len="med"/>
+                    </a:lnL>
+                    <a:lnR w="12700" cap="flat" cmpd="sng" algn="ctr">
+                      <a:solidFill>
+                        <a:schemeClr val="tx1"/>
+                      </a:solidFill>
+                      <a:prstDash val="solid"/>
+                      <a:round/>
+                      <a:headEnd type="none" w="med" len="med"/>
+                      <a:tailEnd type="none" w="med" len="med"/>
+                    </a:lnR>
+                    <a:lnT w="12700" cap="flat" cmpd="sng" algn="ctr">
+                      <a:solidFill>
+                        <a:schemeClr val="tx1"/>
+                      </a:solidFill>
+                      <a:prstDash val="solid"/>
+                      <a:round/>
+                      <a:headEnd type="none" w="med" len="med"/>
+                      <a:tailEnd type="none" w="med" len="med"/>
+                    </a:lnT>
+                    <a:lnB w="12700" cap="flat" cmpd="sng" algn="ctr">
+                      <a:solidFill>
+                        <a:schemeClr val="tx1"/>
+                      </a:solidFill>
+                      <a:prstDash val="solid"/>
+                      <a:round/>
+                      <a:headEnd type="none" w="med" len="med"/>
+                      <a:tailEnd type="none" w="med" len="med"/>
+                    </a:lnB>
+                  </a:tcPr>
+                </a:tc>
+                <a:tc>
+                  <a:txBody>
+                    <a:bodyPr/>
+                    <a:lstStyle/>
+                    <a:p>
+                      <a:endParaRPr lang="it-IT" dirty="0"/>
+                    </a:p>
+                  </a:txBody>
+                  <a:tcPr>
+                    <a:lnL w="12700" cap="flat" cmpd="sng" algn="ctr">
+                      <a:solidFill>
+                        <a:schemeClr val="tx1"/>
+                      </a:solidFill>
+                      <a:prstDash val="solid"/>
+                      <a:round/>
+                      <a:headEnd type="none" w="med" len="med"/>
+                      <a:tailEnd type="none" w="med" len="med"/>
+                    </a:lnL>
+                    <a:lnR w="12700" cap="flat" cmpd="sng" algn="ctr">
+                      <a:solidFill>
+                        <a:schemeClr val="tx1"/>
+                      </a:solidFill>
+                      <a:prstDash val="solid"/>
+                      <a:round/>
+                      <a:headEnd type="none" w="med" len="med"/>
+                      <a:tailEnd type="none" w="med" len="med"/>
+                    </a:lnR>
+                    <a:lnT w="12700" cap="flat" cmpd="sng" algn="ctr">
+                      <a:solidFill>
+                        <a:schemeClr val="tx1"/>
+                      </a:solidFill>
+                      <a:prstDash val="solid"/>
+                      <a:round/>
+                      <a:headEnd type="none" w="med" len="med"/>
+                      <a:tailEnd type="none" w="med" len="med"/>
+                    </a:lnT>
+                    <a:lnB w="12700" cap="flat" cmpd="sng" algn="ctr">
+                      <a:solidFill>
+                        <a:schemeClr val="tx1"/>
+                      </a:solidFill>
+                      <a:prstDash val="solid"/>
+                      <a:round/>
+                      <a:headEnd type="none" w="med" len="med"/>
+                      <a:tailEnd type="none" w="med" len="med"/>
+                    </a:lnB>
+                  </a:tcPr>
+                </a:tc>
+                <a:extLst>
+                  <a:ext uri="{0D108BD9-81ED-4DB2-BD59-A6C34878D82A}">
+                    <a16:rowId xmlns:a16="http://schemas.microsoft.com/office/drawing/2014/main" val="3522210190"/>
+                  </a:ext>
+                </a:extLst>
+              </a:tr>
+            </a:tbl>
+          </a:graphicData>
+        </a:graphic>
+      </p:graphicFrame>
       <p:sp>
         <p:nvSpPr>
           <p:cNvPr id="6" name="Segnaposto numero diapositiva 5">
@@ -27022,8 +27698,8 @@
         </p:nvSpPr>
         <p:spPr>
           <a:xfrm>
-            <a:off x="8610600" y="6356350"/>
-            <a:ext cx="2743200" cy="365125"/>
+            <a:off x="8610600" y="6120882"/>
+            <a:ext cx="2743200" cy="600593"/>
           </a:xfrm>
         </p:spPr>
         <p:txBody>
@@ -27038,7 +27714,7 @@
               </a:spcAft>
             </a:pPr>
             <a:fld id="{B5CEABB6-07DC-46E8-9B57-56EC44A396E5}" type="slidenum">
-              <a:rPr lang="it-IT" noProof="0" smtClean="0"/>
+              <a:rPr lang="it-IT" sz="1800" b="1" noProof="0" smtClean="0"/>
               <a:pPr rtl="0">
                 <a:spcAft>
                   <a:spcPts val="600"/>
@@ -27046,7 +27722,7 @@
               </a:pPr>
               <a:t>8</a:t>
             </a:fld>
-            <a:endParaRPr lang="it-IT" noProof="0"/>
+            <a:endParaRPr lang="it-IT" sz="1800" b="1" noProof="0"/>
           </a:p>
         </p:txBody>
       </p:sp>
@@ -28907,6 +29583,15 @@
 </file>
 
 <file path=customXml/item1.xml><?xml version="1.0" encoding="utf-8"?>
+<?mso-contentType ?>
+<FormTemplates xmlns="http://schemas.microsoft.com/sharepoint/v3/contenttype/forms">
+  <Display>DocumentLibraryForm</Display>
+  <Edit>DocumentLibraryForm</Edit>
+  <New>DocumentLibraryForm</New>
+</FormTemplates>
+</file>
+
+<file path=customXml/item2.xml><?xml version="1.0" encoding="utf-8"?>
 <ct:contentTypeSchema xmlns:ct="http://schemas.microsoft.com/office/2006/metadata/contentType" xmlns:ma="http://schemas.microsoft.com/office/2006/metadata/properties/metaAttributes" ct:_="" ma:_="" ma:contentTypeName="Documento" ma:contentTypeID="0x0101007CE6213B20D2F945B0D1473923EE410F" ma:contentTypeVersion="7" ma:contentTypeDescription="Creare un nuovo documento." ma:contentTypeScope="" ma:versionID="dc8ac43e96b461727accd63cf925a5cf">
   <xsd:schema xmlns:xsd="http://www.w3.org/2001/XMLSchema" xmlns:xs="http://www.w3.org/2001/XMLSchema" xmlns:p="http://schemas.microsoft.com/office/2006/metadata/properties" xmlns:ns2="243f3390-b919-40e8-8195-3613e8527352" targetNamespace="http://schemas.microsoft.com/office/2006/metadata/properties" ma:root="true" ma:fieldsID="1987007e621e1b24d40e437f012b913d" ns2:_="">
     <xsd:import namespace="243f3390-b919-40e8-8195-3613e8527352"/>
@@ -29068,15 +29753,6 @@
 </ct:contentTypeSchema>
 </file>
 
-<file path=customXml/item2.xml><?xml version="1.0" encoding="utf-8"?>
-<?mso-contentType ?>
-<FormTemplates xmlns="http://schemas.microsoft.com/sharepoint/v3/contenttype/forms">
-  <Display>DocumentLibraryForm</Display>
-  <Edit>DocumentLibraryForm</Edit>
-  <New>DocumentLibraryForm</New>
-</FormTemplates>
-</file>
-
 <file path=customXml/item3.xml><?xml version="1.0" encoding="utf-8"?>
 <p:properties xmlns:p="http://schemas.microsoft.com/office/2006/metadata/properties" xmlns:xsi="http://www.w3.org/2001/XMLSchema-instance" xmlns:pc="http://schemas.microsoft.com/office/infopath/2007/PartnerControls">
   <documentManagement/>
@@ -29084,6 +29760,14 @@
 </file>
 
 <file path=customXml/itemProps1.xml><?xml version="1.0" encoding="utf-8"?>
+<ds:datastoreItem xmlns:ds="http://schemas.openxmlformats.org/officeDocument/2006/customXml" ds:itemID="{42BC90D6-94CF-42F7-AAC4-9CF6824C54D5}">
+  <ds:schemaRefs>
+    <ds:schemaRef ds:uri="http://schemas.microsoft.com/sharepoint/v3/contenttype/forms"/>
+  </ds:schemaRefs>
+</ds:datastoreItem>
+</file>
+
+<file path=customXml/itemProps2.xml><?xml version="1.0" encoding="utf-8"?>
 <ds:datastoreItem xmlns:ds="http://schemas.openxmlformats.org/officeDocument/2006/customXml" ds:itemID="{1A503E23-9696-4358-8F00-F7F66AC755EB}">
   <ds:schemaRefs>
     <ds:schemaRef ds:uri="http://schemas.microsoft.com/office/2006/metadata/contentType"/>
@@ -29097,14 +29781,6 @@
     <ds:schemaRef ds:uri="http://purl.org/dc/elements/1.1/"/>
     <ds:schemaRef ds:uri="http://purl.org/dc/terms/"/>
     <ds:schemaRef ds:uri="http://schemas.microsoft.com/internal/obd"/>
-  </ds:schemaRefs>
-</ds:datastoreItem>
-</file>
-
-<file path=customXml/itemProps2.xml><?xml version="1.0" encoding="utf-8"?>
-<ds:datastoreItem xmlns:ds="http://schemas.openxmlformats.org/officeDocument/2006/customXml" ds:itemID="{42BC90D6-94CF-42F7-AAC4-9CF6824C54D5}">
-  <ds:schemaRefs>
-    <ds:schemaRef ds:uri="http://schemas.microsoft.com/sharepoint/v3/contenttype/forms"/>
   </ds:schemaRefs>
 </ds:datastoreItem>
 </file>

--- a/Presentazione_Progetto.pptx
+++ b/Presentazione_Progetto.pptx
@@ -160,7 +160,7 @@
 <file path=ppt/revisionInfo.xml><?xml version="1.0" encoding="utf-8"?>
 <p1510:revInfo xmlns:a="http://schemas.openxmlformats.org/drawingml/2006/main" xmlns:r="http://schemas.openxmlformats.org/officeDocument/2006/relationships" xmlns:p1510="http://schemas.microsoft.com/office/powerpoint/2015/10/main">
   <p1510:revLst>
-    <p1510:client id="{002FC19B-B750-46E5-AE6C-2EDFEC68FEF2}" v="59" dt="2023-12-10T18:34:45.147"/>
+    <p1510:client id="{002FC19B-B750-46E5-AE6C-2EDFEC68FEF2}" v="62" dt="2023-12-20T12:57:29.546"/>
   </p1510:revLst>
 </p1510:revInfo>
 </file>
@@ -170,18 +170,18 @@
   <pc:docChgLst>
     <pc:chgData name="Matteo MANGILI" userId="89c7df381375e6aa" providerId="LiveId" clId="{002FC19B-B750-46E5-AE6C-2EDFEC68FEF2}"/>
     <pc:docChg chg="undo redo custSel addSld delSld modSld">
-      <pc:chgData name="Matteo MANGILI" userId="89c7df381375e6aa" providerId="LiveId" clId="{002FC19B-B750-46E5-AE6C-2EDFEC68FEF2}" dt="2023-12-10T18:39:56.220" v="5034" actId="20577"/>
+      <pc:chgData name="Matteo MANGILI" userId="89c7df381375e6aa" providerId="LiveId" clId="{002FC19B-B750-46E5-AE6C-2EDFEC68FEF2}" dt="2023-12-20T13:05:22.331" v="5121" actId="20577"/>
       <pc:docMkLst>
         <pc:docMk/>
       </pc:docMkLst>
       <pc:sldChg chg="addSp delSp modSp mod setBg delDesignElem">
-        <pc:chgData name="Matteo MANGILI" userId="89c7df381375e6aa" providerId="LiveId" clId="{002FC19B-B750-46E5-AE6C-2EDFEC68FEF2}" dt="2023-12-09T11:16:56.082" v="3558" actId="20577"/>
+        <pc:chgData name="Matteo MANGILI" userId="89c7df381375e6aa" providerId="LiveId" clId="{002FC19B-B750-46E5-AE6C-2EDFEC68FEF2}" dt="2023-12-20T12:55:36.955" v="5040" actId="113"/>
         <pc:sldMkLst>
           <pc:docMk/>
           <pc:sldMk cId="1642425379" sldId="256"/>
         </pc:sldMkLst>
         <pc:spChg chg="mod">
-          <ac:chgData name="Matteo MANGILI" userId="89c7df381375e6aa" providerId="LiveId" clId="{002FC19B-B750-46E5-AE6C-2EDFEC68FEF2}" dt="2023-12-09T11:16:56.082" v="3558" actId="20577"/>
+          <ac:chgData name="Matteo MANGILI" userId="89c7df381375e6aa" providerId="LiveId" clId="{002FC19B-B750-46E5-AE6C-2EDFEC68FEF2}" dt="2023-12-20T12:55:36.955" v="5040" actId="113"/>
           <ac:spMkLst>
             <pc:docMk/>
             <pc:sldMk cId="1642425379" sldId="256"/>
@@ -189,7 +189,7 @@
           </ac:spMkLst>
         </pc:spChg>
         <pc:spChg chg="mod">
-          <ac:chgData name="Matteo MANGILI" userId="89c7df381375e6aa" providerId="LiveId" clId="{002FC19B-B750-46E5-AE6C-2EDFEC68FEF2}" dt="2023-12-02T12:02:12.680" v="1077" actId="14100"/>
+          <ac:chgData name="Matteo MANGILI" userId="89c7df381375e6aa" providerId="LiveId" clId="{002FC19B-B750-46E5-AE6C-2EDFEC68FEF2}" dt="2023-12-20T12:55:13.898" v="5037" actId="120"/>
           <ac:spMkLst>
             <pc:docMk/>
             <pc:sldMk cId="1642425379" sldId="256"/>
@@ -254,13 +254,13 @@
         </pc:picChg>
       </pc:sldChg>
       <pc:sldChg chg="addSp delSp modSp mod setBg delDesignElem">
-        <pc:chgData name="Matteo MANGILI" userId="89c7df381375e6aa" providerId="LiveId" clId="{002FC19B-B750-46E5-AE6C-2EDFEC68FEF2}" dt="2023-12-09T11:18:43.129" v="3698" actId="20577"/>
+        <pc:chgData name="Matteo MANGILI" userId="89c7df381375e6aa" providerId="LiveId" clId="{002FC19B-B750-46E5-AE6C-2EDFEC68FEF2}" dt="2023-12-20T12:57:29.546" v="5102"/>
         <pc:sldMkLst>
           <pc:docMk/>
           <pc:sldMk cId="3250768115" sldId="296"/>
         </pc:sldMkLst>
         <pc:spChg chg="mod">
-          <ac:chgData name="Matteo MANGILI" userId="89c7df381375e6aa" providerId="LiveId" clId="{002FC19B-B750-46E5-AE6C-2EDFEC68FEF2}" dt="2023-12-02T11:59:10.537" v="1054" actId="26606"/>
+          <ac:chgData name="Matteo MANGILI" userId="89c7df381375e6aa" providerId="LiveId" clId="{002FC19B-B750-46E5-AE6C-2EDFEC68FEF2}" dt="2023-12-20T12:55:52.770" v="5043" actId="20577"/>
           <ac:spMkLst>
             <pc:docMk/>
             <pc:sldMk cId="3250768115" sldId="296"/>
@@ -268,7 +268,7 @@
           </ac:spMkLst>
         </pc:spChg>
         <pc:spChg chg="mod">
-          <ac:chgData name="Matteo MANGILI" userId="89c7df381375e6aa" providerId="LiveId" clId="{002FC19B-B750-46E5-AE6C-2EDFEC68FEF2}" dt="2023-12-09T11:18:43.129" v="3698" actId="20577"/>
+          <ac:chgData name="Matteo MANGILI" userId="89c7df381375e6aa" providerId="LiveId" clId="{002FC19B-B750-46E5-AE6C-2EDFEC68FEF2}" dt="2023-12-20T12:57:29.546" v="5102"/>
           <ac:spMkLst>
             <pc:docMk/>
             <pc:sldMk cId="3250768115" sldId="296"/>
@@ -929,7 +929,7 @@
         </pc:picChg>
       </pc:sldChg>
       <pc:sldChg chg="addSp modSp mod setBg">
-        <pc:chgData name="Matteo MANGILI" userId="89c7df381375e6aa" providerId="LiveId" clId="{002FC19B-B750-46E5-AE6C-2EDFEC68FEF2}" dt="2023-12-09T09:19:16.569" v="3380" actId="14100"/>
+        <pc:chgData name="Matteo MANGILI" userId="89c7df381375e6aa" providerId="LiveId" clId="{002FC19B-B750-46E5-AE6C-2EDFEC68FEF2}" dt="2023-12-20T13:05:22.331" v="5121" actId="20577"/>
         <pc:sldMkLst>
           <pc:docMk/>
           <pc:sldMk cId="2944479634" sldId="303"/>
@@ -943,7 +943,7 @@
           </ac:spMkLst>
         </pc:spChg>
         <pc:spChg chg="mod">
-          <ac:chgData name="Matteo MANGILI" userId="89c7df381375e6aa" providerId="LiveId" clId="{002FC19B-B750-46E5-AE6C-2EDFEC68FEF2}" dt="2023-12-09T09:19:16.569" v="3380" actId="14100"/>
+          <ac:chgData name="Matteo MANGILI" userId="89c7df381375e6aa" providerId="LiveId" clId="{002FC19B-B750-46E5-AE6C-2EDFEC68FEF2}" dt="2023-12-20T13:05:22.331" v="5121" actId="20577"/>
           <ac:spMkLst>
             <pc:docMk/>
             <pc:sldMk cId="2944479634" sldId="303"/>
@@ -1672,7 +1672,7 @@
         </pc:picChg>
       </pc:sldChg>
       <pc:sldChg chg="addSp delSp modSp new mod setBg">
-        <pc:chgData name="Matteo MANGILI" userId="89c7df381375e6aa" providerId="LiveId" clId="{002FC19B-B750-46E5-AE6C-2EDFEC68FEF2}" dt="2023-12-10T18:37:06.421" v="4984" actId="20577"/>
+        <pc:chgData name="Matteo MANGILI" userId="89c7df381375e6aa" providerId="LiveId" clId="{002FC19B-B750-46E5-AE6C-2EDFEC68FEF2}" dt="2023-12-20T13:04:33.187" v="5110" actId="20577"/>
         <pc:sldMkLst>
           <pc:docMk/>
           <pc:sldMk cId="3576197673" sldId="313"/>
@@ -1774,7 +1774,7 @@
           </ac:spMkLst>
         </pc:spChg>
         <pc:graphicFrameChg chg="add mod ord modGraphic">
-          <ac:chgData name="Matteo MANGILI" userId="89c7df381375e6aa" providerId="LiveId" clId="{002FC19B-B750-46E5-AE6C-2EDFEC68FEF2}" dt="2023-12-10T18:37:06.421" v="4984" actId="20577"/>
+          <ac:chgData name="Matteo MANGILI" userId="89c7df381375e6aa" providerId="LiveId" clId="{002FC19B-B750-46E5-AE6C-2EDFEC68FEF2}" dt="2023-12-20T13:04:33.187" v="5110" actId="20577"/>
           <ac:graphicFrameMkLst>
             <pc:docMk/>
             <pc:sldMk cId="3576197673" sldId="313"/>
@@ -1883,7 +1883,7 @@
             <a:pPr rtl="0"/>
             <a:fld id="{DBC54730-5EBA-4920-A6C4-7F8458A7F940}" type="datetime1">
               <a:rPr lang="it-IT" smtClean="0"/>
-              <a:t>10/12/2023</a:t>
+              <a:t>20/12/2023</a:t>
             </a:fld>
             <a:endParaRPr lang="it-IT"/>
           </a:p>
@@ -2065,7 +2065,7 @@
             <a:fld id="{85EC1C34-318D-43A8-83F5-3AC8647FE75E}" type="datetime1">
               <a:rPr lang="it-IT" smtClean="0"/>
               <a:pPr/>
-              <a:t>10/12/2023</a:t>
+              <a:t>20/12/2023</a:t>
             </a:fld>
             <a:endParaRPr lang="it-IT" dirty="0"/>
           </a:p>
@@ -13895,7 +13895,7 @@
         <p:spPr>
           <a:xfrm>
             <a:off x="401217" y="257470"/>
-            <a:ext cx="11454742" cy="2879388"/>
+            <a:ext cx="11454742" cy="3171530"/>
           </a:xfrm>
         </p:spPr>
         <p:txBody>
@@ -13958,15 +13958,15 @@
               </a:rPr>
             </a:br>
             <a:r>
-              <a:rPr lang="en-US" sz="4200" dirty="0" err="1"/>
+              <a:rPr lang="en-US" sz="4200" b="1" i="1" dirty="0" err="1"/>
               <a:t>Gestione</a:t>
             </a:r>
             <a:r>
-              <a:rPr lang="en-US" sz="4200" dirty="0"/>
+              <a:rPr lang="en-US" sz="4200" b="1" i="1" dirty="0"/>
               <a:t> </a:t>
             </a:r>
             <a:r>
-              <a:rPr lang="en-US" sz="4200" kern="1200" dirty="0" err="1">
+              <a:rPr lang="en-US" sz="4200" b="1" i="1" kern="1200" dirty="0" err="1">
                 <a:solidFill>
                   <a:schemeClr val="tx1"/>
                 </a:solidFill>
@@ -13976,7 +13976,7 @@
               </a:rPr>
               <a:t>Ospedale</a:t>
             </a:r>
-            <a:endParaRPr lang="en-US" sz="4200" i="1" kern="1200" dirty="0">
+            <a:endParaRPr lang="en-US" sz="4200" b="1" i="1" kern="1200" dirty="0">
               <a:solidFill>
                 <a:schemeClr val="tx1"/>
               </a:solidFill>
@@ -14644,22 +14644,23 @@
         <p:spPr>
           <a:xfrm>
             <a:off x="838200" y="3283668"/>
-            <a:ext cx="10515600" cy="1792185"/>
+            <a:ext cx="10515600" cy="3415712"/>
           </a:xfrm>
         </p:spPr>
         <p:txBody>
-          <a:bodyPr vert="horz" lIns="91440" tIns="45720" rIns="91440" bIns="45720" rtlCol="0">
+          <a:bodyPr vert="horz" lIns="91440" tIns="45720" rIns="91440" bIns="45720" rtlCol="0" anchor="b">
             <a:normAutofit/>
           </a:bodyPr>
           <a:lstStyle/>
           <a:p>
+            <a:pPr algn="l"/>
             <a:r>
               <a:rPr lang="en-US" sz="2200" dirty="0"/>
               <a:t>Progetto di:</a:t>
             </a:r>
           </a:p>
           <a:p>
-            <a:pPr marL="342900" indent="-228600">
+            <a:pPr marL="342900" indent="-228600" algn="l">
               <a:buFont typeface="Arial" panose="020B0604020202020204" pitchFamily="34" charset="0"/>
               <a:buChar char="•"/>
             </a:pPr>
@@ -14677,7 +14678,7 @@
             </a:r>
           </a:p>
           <a:p>
-            <a:pPr marL="342900" indent="-228600">
+            <a:pPr marL="342900" indent="-228600" algn="l">
               <a:buFont typeface="Arial" panose="020B0604020202020204" pitchFamily="34" charset="0"/>
               <a:buChar char="•"/>
             </a:pPr>
@@ -14695,7 +14696,7 @@
             </a:r>
           </a:p>
           <a:p>
-            <a:pPr marL="342900" indent="-228600">
+            <a:pPr marL="342900" indent="-228600" algn="l">
               <a:buFont typeface="Arial" panose="020B0604020202020204" pitchFamily="34" charset="0"/>
               <a:buChar char="•"/>
             </a:pPr>
@@ -15686,7 +15687,23 @@
             </a:r>
             <a:r>
               <a:rPr lang="en-US" sz="2200" dirty="0"/>
-              <a:t> di regia I Giusti </a:t>
+              <a:t> di regia </a:t>
+            </a:r>
+            <a:r>
+              <a:rPr lang="en-US" sz="2200" dirty="0" err="1"/>
+              <a:t>i</a:t>
+            </a:r>
+            <a:r>
+              <a:rPr lang="en-US" sz="2200" dirty="0"/>
+              <a:t> </a:t>
+            </a:r>
+            <a:r>
+              <a:rPr lang="en-US" sz="2200" dirty="0" err="1"/>
+              <a:t>giusti</a:t>
+            </a:r>
+            <a:r>
+              <a:rPr lang="en-US" sz="2200" dirty="0"/>
+              <a:t> </a:t>
             </a:r>
             <a:r>
               <a:rPr lang="en-US" sz="2200" dirty="0" err="1"/>
@@ -19881,8 +19898,8 @@
           <a:p>
             <a:pPr rtl="0"/>
             <a:r>
-              <a:rPr lang="it-IT" sz="5400" b="1"/>
-              <a:t>Obiettivo</a:t>
+              <a:rPr lang="it-IT" sz="5400" b="1" dirty="0"/>
+              <a:t>Obbiettivo</a:t>
             </a:r>
           </a:p>
         </p:txBody>
@@ -20582,7 +20599,7 @@
             </a:pPr>
             <a:r>
               <a:rPr lang="en-US" sz="2000" dirty="0" err="1"/>
-              <a:t>L’obiettivo</a:t>
+              <a:t>L’obbiettivo</a:t>
             </a:r>
             <a:r>
               <a:rPr lang="en-US" sz="2000" dirty="0"/>
@@ -20642,7 +20659,15 @@
             </a:r>
             <a:r>
               <a:rPr lang="en-US" sz="2000" dirty="0"/>
-              <a:t> </a:t>
+              <a:t> del </a:t>
+            </a:r>
+            <a:r>
+              <a:rPr lang="en-US" sz="2000" dirty="0" err="1"/>
+              <a:t>paziente</a:t>
+            </a:r>
+            <a:r>
+              <a:rPr lang="en-US" sz="2000" dirty="0"/>
+              <a:t> e </a:t>
             </a:r>
             <a:r>
               <a:rPr lang="en-US" sz="2000" dirty="0" err="1"/>
@@ -20654,19 +20679,19 @@
             </a:r>
             <a:r>
               <a:rPr lang="en-US" sz="2000" dirty="0" err="1"/>
+              <a:t>suoi</a:t>
+            </a:r>
+            <a:r>
+              <a:rPr lang="en-US" sz="2000" dirty="0"/>
+              <a:t> “</a:t>
+            </a:r>
+            <a:r>
+              <a:rPr lang="en-US" sz="2000" dirty="0" err="1"/>
               <a:t>movimenti</a:t>
             </a:r>
             <a:r>
               <a:rPr lang="en-US" sz="2000" dirty="0"/>
-              <a:t> del </a:t>
-            </a:r>
-            <a:r>
-              <a:rPr lang="en-US" sz="2000" dirty="0" err="1"/>
-              <a:t>paziente</a:t>
-            </a:r>
-            <a:r>
-              <a:rPr lang="en-US" sz="2000" dirty="0"/>
-              <a:t> rispetto al Sistema </a:t>
+              <a:t>” rispetto al Sistema </a:t>
             </a:r>
             <a:r>
               <a:rPr lang="en-US" sz="2000" dirty="0" err="1"/>
@@ -20748,15 +20773,39 @@
               <a:buChar char="§"/>
             </a:pPr>
             <a:r>
-              <a:rPr lang="en-US" sz="2000" i="1" dirty="0" err="1"/>
+              <a:rPr lang="en-US" sz="2000" i="1" dirty="0" err="1">
+                <a:effectLst>
+                  <a:outerShdw blurRad="38100" dist="38100" dir="2700000" algn="tl">
+                    <a:srgbClr val="000000">
+                      <a:alpha val="43137"/>
+                    </a:srgbClr>
+                  </a:outerShdw>
+                </a:effectLst>
+              </a:rPr>
               <a:t>Cartella</a:t>
             </a:r>
             <a:r>
-              <a:rPr lang="en-US" sz="2000" i="1" dirty="0"/>
+              <a:rPr lang="en-US" sz="2000" i="1" dirty="0">
+                <a:effectLst>
+                  <a:outerShdw blurRad="38100" dist="38100" dir="2700000" algn="tl">
+                    <a:srgbClr val="000000">
+                      <a:alpha val="43137"/>
+                    </a:srgbClr>
+                  </a:outerShdw>
+                </a:effectLst>
+              </a:rPr>
               <a:t> del </a:t>
             </a:r>
             <a:r>
-              <a:rPr lang="en-US" sz="2000" i="1" dirty="0" err="1"/>
+              <a:rPr lang="en-US" sz="2000" i="1" dirty="0" err="1">
+                <a:effectLst>
+                  <a:outerShdw blurRad="38100" dist="38100" dir="2700000" algn="tl">
+                    <a:srgbClr val="000000">
+                      <a:alpha val="43137"/>
+                    </a:srgbClr>
+                  </a:outerShdw>
+                </a:effectLst>
+              </a:rPr>
               <a:t>paziente</a:t>
             </a:r>
             <a:r>
@@ -20874,15 +20923,39 @@
               <a:buChar char="§"/>
             </a:pPr>
             <a:r>
-              <a:rPr lang="en-US" sz="2000" i="1" dirty="0" err="1"/>
+              <a:rPr lang="en-US" sz="2000" i="1" dirty="0" err="1">
+                <a:effectLst>
+                  <a:outerShdw blurRad="38100" dist="38100" dir="2700000" algn="tl">
+                    <a:srgbClr val="000000">
+                      <a:alpha val="43137"/>
+                    </a:srgbClr>
+                  </a:outerShdw>
+                </a:effectLst>
+              </a:rPr>
               <a:t>Liste</a:t>
             </a:r>
             <a:r>
-              <a:rPr lang="en-US" sz="2000" i="1" dirty="0"/>
+              <a:rPr lang="en-US" sz="2000" i="1" dirty="0">
+                <a:effectLst>
+                  <a:outerShdw blurRad="38100" dist="38100" dir="2700000" algn="tl">
+                    <a:srgbClr val="000000">
+                      <a:alpha val="43137"/>
+                    </a:srgbClr>
+                  </a:outerShdw>
+                </a:effectLst>
+              </a:rPr>
               <a:t> </a:t>
             </a:r>
             <a:r>
-              <a:rPr lang="en-US" sz="2000" i="1" dirty="0" err="1"/>
+              <a:rPr lang="en-US" sz="2000" i="1" dirty="0" err="1">
+                <a:effectLst>
+                  <a:outerShdw blurRad="38100" dist="38100" dir="2700000" algn="tl">
+                    <a:srgbClr val="000000">
+                      <a:alpha val="43137"/>
+                    </a:srgbClr>
+                  </a:outerShdw>
+                </a:effectLst>
+              </a:rPr>
               <a:t>Operatorie</a:t>
             </a:r>
             <a:r>
@@ -20984,11 +21057,27 @@
               <a:buChar char="§"/>
             </a:pPr>
             <a:r>
-              <a:rPr lang="en-US" sz="2000" i="1" dirty="0"/>
+              <a:rPr lang="en-US" sz="2000" i="1" dirty="0">
+                <a:effectLst>
+                  <a:outerShdw blurRad="38100" dist="38100" dir="2700000" algn="tl">
+                    <a:srgbClr val="000000">
+                      <a:alpha val="43137"/>
+                    </a:srgbClr>
+                  </a:outerShdw>
+                </a:effectLst>
+              </a:rPr>
               <a:t>Verbale </a:t>
             </a:r>
             <a:r>
-              <a:rPr lang="en-US" sz="2000" i="1" dirty="0" err="1"/>
+              <a:rPr lang="en-US" sz="2000" i="1" dirty="0" err="1">
+                <a:effectLst>
+                  <a:outerShdw blurRad="38100" dist="38100" dir="2700000" algn="tl">
+                    <a:srgbClr val="000000">
+                      <a:alpha val="43137"/>
+                    </a:srgbClr>
+                  </a:outerShdw>
+                </a:effectLst>
+              </a:rPr>
               <a:t>dell’Intervento</a:t>
             </a:r>
             <a:r>
@@ -27158,7 +27247,7 @@
             <p:ph idx="1"/>
             <p:extLst>
               <p:ext uri="{D42A27DB-BD31-4B8C-83A1-F6EECF244321}">
-                <p14:modId xmlns:p14="http://schemas.microsoft.com/office/powerpoint/2010/main" val="3478751295"/>
+                <p14:modId xmlns:p14="http://schemas.microsoft.com/office/powerpoint/2010/main" val="3426083167"/>
               </p:ext>
             </p:extLst>
           </p:nvPr>
@@ -27276,7 +27365,7 @@
                       </a:pPr>
                       <a:r>
                         <a:rPr lang="it-IT" sz="1600" dirty="0"/>
-                        <a:t>Gestione pagina anagrafica paziente</a:t>
+                        <a:t>Gestione Pagina Anagrafica Paziente</a:t>
                       </a:r>
                     </a:p>
                   </a:txBody>
@@ -29583,15 +29672,6 @@
 </file>
 
 <file path=customXml/item1.xml><?xml version="1.0" encoding="utf-8"?>
-<?mso-contentType ?>
-<FormTemplates xmlns="http://schemas.microsoft.com/sharepoint/v3/contenttype/forms">
-  <Display>DocumentLibraryForm</Display>
-  <Edit>DocumentLibraryForm</Edit>
-  <New>DocumentLibraryForm</New>
-</FormTemplates>
-</file>
-
-<file path=customXml/item2.xml><?xml version="1.0" encoding="utf-8"?>
 <ct:contentTypeSchema xmlns:ct="http://schemas.microsoft.com/office/2006/metadata/contentType" xmlns:ma="http://schemas.microsoft.com/office/2006/metadata/properties/metaAttributes" ct:_="" ma:_="" ma:contentTypeName="Documento" ma:contentTypeID="0x0101007CE6213B20D2F945B0D1473923EE410F" ma:contentTypeVersion="7" ma:contentTypeDescription="Creare un nuovo documento." ma:contentTypeScope="" ma:versionID="dc8ac43e96b461727accd63cf925a5cf">
   <xsd:schema xmlns:xsd="http://www.w3.org/2001/XMLSchema" xmlns:xs="http://www.w3.org/2001/XMLSchema" xmlns:p="http://schemas.microsoft.com/office/2006/metadata/properties" xmlns:ns2="243f3390-b919-40e8-8195-3613e8527352" targetNamespace="http://schemas.microsoft.com/office/2006/metadata/properties" ma:root="true" ma:fieldsID="1987007e621e1b24d40e437f012b913d" ns2:_="">
     <xsd:import namespace="243f3390-b919-40e8-8195-3613e8527352"/>
@@ -29753,6 +29833,15 @@
 </ct:contentTypeSchema>
 </file>
 
+<file path=customXml/item2.xml><?xml version="1.0" encoding="utf-8"?>
+<?mso-contentType ?>
+<FormTemplates xmlns="http://schemas.microsoft.com/sharepoint/v3/contenttype/forms">
+  <Display>DocumentLibraryForm</Display>
+  <Edit>DocumentLibraryForm</Edit>
+  <New>DocumentLibraryForm</New>
+</FormTemplates>
+</file>
+
 <file path=customXml/item3.xml><?xml version="1.0" encoding="utf-8"?>
 <p:properties xmlns:p="http://schemas.microsoft.com/office/2006/metadata/properties" xmlns:xsi="http://www.w3.org/2001/XMLSchema-instance" xmlns:pc="http://schemas.microsoft.com/office/infopath/2007/PartnerControls">
   <documentManagement/>
@@ -29760,14 +29849,6 @@
 </file>
 
 <file path=customXml/itemProps1.xml><?xml version="1.0" encoding="utf-8"?>
-<ds:datastoreItem xmlns:ds="http://schemas.openxmlformats.org/officeDocument/2006/customXml" ds:itemID="{42BC90D6-94CF-42F7-AAC4-9CF6824C54D5}">
-  <ds:schemaRefs>
-    <ds:schemaRef ds:uri="http://schemas.microsoft.com/sharepoint/v3/contenttype/forms"/>
-  </ds:schemaRefs>
-</ds:datastoreItem>
-</file>
-
-<file path=customXml/itemProps2.xml><?xml version="1.0" encoding="utf-8"?>
 <ds:datastoreItem xmlns:ds="http://schemas.openxmlformats.org/officeDocument/2006/customXml" ds:itemID="{1A503E23-9696-4358-8F00-F7F66AC755EB}">
   <ds:schemaRefs>
     <ds:schemaRef ds:uri="http://schemas.microsoft.com/office/2006/metadata/contentType"/>
@@ -29781,6 +29862,14 @@
     <ds:schemaRef ds:uri="http://purl.org/dc/elements/1.1/"/>
     <ds:schemaRef ds:uri="http://purl.org/dc/terms/"/>
     <ds:schemaRef ds:uri="http://schemas.microsoft.com/internal/obd"/>
+  </ds:schemaRefs>
+</ds:datastoreItem>
+</file>
+
+<file path=customXml/itemProps2.xml><?xml version="1.0" encoding="utf-8"?>
+<ds:datastoreItem xmlns:ds="http://schemas.openxmlformats.org/officeDocument/2006/customXml" ds:itemID="{42BC90D6-94CF-42F7-AAC4-9CF6824C54D5}">
+  <ds:schemaRefs>
+    <ds:schemaRef ds:uri="http://schemas.microsoft.com/sharepoint/v3/contenttype/forms"/>
   </ds:schemaRefs>
 </ds:datastoreItem>
 </file>

--- a/Presentazione_Progetto.pptx
+++ b/Presentazione_Progetto.pptx
@@ -1883,7 +1883,7 @@
             <a:pPr rtl="0"/>
             <a:fld id="{DBC54730-5EBA-4920-A6C4-7F8458A7F940}" type="datetime1">
               <a:rPr lang="it-IT" smtClean="0"/>
-              <a:t>20/12/2023</a:t>
+              <a:t>21/12/2023</a:t>
             </a:fld>
             <a:endParaRPr lang="it-IT"/>
           </a:p>
@@ -2065,7 +2065,7 @@
             <a:fld id="{85EC1C34-318D-43A8-83F5-3AC8647FE75E}" type="datetime1">
               <a:rPr lang="it-IT" smtClean="0"/>
               <a:pPr/>
-              <a:t>20/12/2023</a:t>
+              <a:t>21/12/2023</a:t>
             </a:fld>
             <a:endParaRPr lang="it-IT" dirty="0"/>
           </a:p>
@@ -25112,38 +25112,6 @@
           </a:p>
         </p:txBody>
       </p:sp>
-      <p:pic>
-        <p:nvPicPr>
-          <p:cNvPr id="3" name="Segnaposto contenuto 2">
-            <a:extLst>
-              <a:ext uri="{FF2B5EF4-FFF2-40B4-BE49-F238E27FC236}">
-                <a16:creationId xmlns:a16="http://schemas.microsoft.com/office/drawing/2014/main" id="{4FEB95E3-E64A-1943-6AD8-22923F2676CB}"/>
-              </a:ext>
-            </a:extLst>
-          </p:cNvPr>
-          <p:cNvPicPr>
-            <a:picLocks noGrp="1" noChangeAspect="1"/>
-          </p:cNvPicPr>
-          <p:nvPr>
-            <p:ph idx="1"/>
-          </p:nvPr>
-        </p:nvPicPr>
-        <p:blipFill>
-          <a:blip r:embed="rId3"/>
-          <a:stretch>
-            <a:fillRect/>
-          </a:stretch>
-        </p:blipFill>
-        <p:spPr>
-          <a:xfrm>
-            <a:off x="1632857" y="1983581"/>
-            <a:ext cx="9237306" cy="4259846"/>
-          </a:xfrm>
-          <a:prstGeom prst="rect">
-            <a:avLst/>
-          </a:prstGeom>
-        </p:spPr>
-      </p:pic>
       <p:sp>
         <p:nvSpPr>
           <p:cNvPr id="82" name="Segnaposto numero diapositiva 81">
@@ -25187,6 +25155,31 @@
               <a:t>6</a:t>
             </a:fld>
             <a:endParaRPr lang="en-US" sz="1800" b="1" dirty="0"/>
+          </a:p>
+        </p:txBody>
+      </p:sp>
+      <p:sp>
+        <p:nvSpPr>
+          <p:cNvPr id="5" name="Segnaposto contenuto 4">
+            <a:extLst>
+              <a:ext uri="{FF2B5EF4-FFF2-40B4-BE49-F238E27FC236}">
+                <a16:creationId xmlns:a16="http://schemas.microsoft.com/office/drawing/2014/main" id="{B109E6CE-F8BC-64B2-B438-12C7F031917D}"/>
+              </a:ext>
+            </a:extLst>
+          </p:cNvPr>
+          <p:cNvSpPr>
+            <a:spLocks noGrp="1"/>
+          </p:cNvSpPr>
+          <p:nvPr>
+            <p:ph idx="1"/>
+          </p:nvPr>
+        </p:nvSpPr>
+        <p:spPr/>
+        <p:txBody>
+          <a:bodyPr/>
+          <a:lstStyle/>
+          <a:p>
+            <a:endParaRPr lang="it-IT"/>
           </a:p>
         </p:txBody>
       </p:sp>
@@ -29672,6 +29665,15 @@
 </file>
 
 <file path=customXml/item1.xml><?xml version="1.0" encoding="utf-8"?>
+<?mso-contentType ?>
+<FormTemplates xmlns="http://schemas.microsoft.com/sharepoint/v3/contenttype/forms">
+  <Display>DocumentLibraryForm</Display>
+  <Edit>DocumentLibraryForm</Edit>
+  <New>DocumentLibraryForm</New>
+</FormTemplates>
+</file>
+
+<file path=customXml/item2.xml><?xml version="1.0" encoding="utf-8"?>
 <ct:contentTypeSchema xmlns:ct="http://schemas.microsoft.com/office/2006/metadata/contentType" xmlns:ma="http://schemas.microsoft.com/office/2006/metadata/properties/metaAttributes" ct:_="" ma:_="" ma:contentTypeName="Documento" ma:contentTypeID="0x0101007CE6213B20D2F945B0D1473923EE410F" ma:contentTypeVersion="7" ma:contentTypeDescription="Creare un nuovo documento." ma:contentTypeScope="" ma:versionID="dc8ac43e96b461727accd63cf925a5cf">
   <xsd:schema xmlns:xsd="http://www.w3.org/2001/XMLSchema" xmlns:xs="http://www.w3.org/2001/XMLSchema" xmlns:p="http://schemas.microsoft.com/office/2006/metadata/properties" xmlns:ns2="243f3390-b919-40e8-8195-3613e8527352" targetNamespace="http://schemas.microsoft.com/office/2006/metadata/properties" ma:root="true" ma:fieldsID="1987007e621e1b24d40e437f012b913d" ns2:_="">
     <xsd:import namespace="243f3390-b919-40e8-8195-3613e8527352"/>
@@ -29833,15 +29835,6 @@
 </ct:contentTypeSchema>
 </file>
 
-<file path=customXml/item2.xml><?xml version="1.0" encoding="utf-8"?>
-<?mso-contentType ?>
-<FormTemplates xmlns="http://schemas.microsoft.com/sharepoint/v3/contenttype/forms">
-  <Display>DocumentLibraryForm</Display>
-  <Edit>DocumentLibraryForm</Edit>
-  <New>DocumentLibraryForm</New>
-</FormTemplates>
-</file>
-
 <file path=customXml/item3.xml><?xml version="1.0" encoding="utf-8"?>
 <p:properties xmlns:p="http://schemas.microsoft.com/office/2006/metadata/properties" xmlns:xsi="http://www.w3.org/2001/XMLSchema-instance" xmlns:pc="http://schemas.microsoft.com/office/infopath/2007/PartnerControls">
   <documentManagement/>
@@ -29849,6 +29842,14 @@
 </file>
 
 <file path=customXml/itemProps1.xml><?xml version="1.0" encoding="utf-8"?>
+<ds:datastoreItem xmlns:ds="http://schemas.openxmlformats.org/officeDocument/2006/customXml" ds:itemID="{42BC90D6-94CF-42F7-AAC4-9CF6824C54D5}">
+  <ds:schemaRefs>
+    <ds:schemaRef ds:uri="http://schemas.microsoft.com/sharepoint/v3/contenttype/forms"/>
+  </ds:schemaRefs>
+</ds:datastoreItem>
+</file>
+
+<file path=customXml/itemProps2.xml><?xml version="1.0" encoding="utf-8"?>
 <ds:datastoreItem xmlns:ds="http://schemas.openxmlformats.org/officeDocument/2006/customXml" ds:itemID="{1A503E23-9696-4358-8F00-F7F66AC755EB}">
   <ds:schemaRefs>
     <ds:schemaRef ds:uri="http://schemas.microsoft.com/office/2006/metadata/contentType"/>
@@ -29862,14 +29863,6 @@
     <ds:schemaRef ds:uri="http://purl.org/dc/elements/1.1/"/>
     <ds:schemaRef ds:uri="http://purl.org/dc/terms/"/>
     <ds:schemaRef ds:uri="http://schemas.microsoft.com/internal/obd"/>
-  </ds:schemaRefs>
-</ds:datastoreItem>
-</file>
-
-<file path=customXml/itemProps2.xml><?xml version="1.0" encoding="utf-8"?>
-<ds:datastoreItem xmlns:ds="http://schemas.openxmlformats.org/officeDocument/2006/customXml" ds:itemID="{42BC90D6-94CF-42F7-AAC4-9CF6824C54D5}">
-  <ds:schemaRefs>
-    <ds:schemaRef ds:uri="http://schemas.microsoft.com/sharepoint/v3/contenttype/forms"/>
   </ds:schemaRefs>
 </ds:datastoreItem>
 </file>

--- a/Presentazione_Progetto.pptx
+++ b/Presentazione_Progetto.pptx
@@ -5,10 +5,10 @@
     <p:sldMasterId id="2147483720" r:id="rId4"/>
   </p:sldMasterIdLst>
   <p:notesMasterIdLst>
-    <p:notesMasterId r:id="rId19"/>
+    <p:notesMasterId r:id="rId22"/>
   </p:notesMasterIdLst>
   <p:handoutMasterIdLst>
-    <p:handoutMasterId r:id="rId20"/>
+    <p:handoutMasterId r:id="rId23"/>
   </p:handoutMasterIdLst>
   <p:sldIdLst>
     <p:sldId id="256" r:id="rId5"/>
@@ -24,7 +24,10 @@
     <p:sldId id="304" r:id="rId15"/>
     <p:sldId id="306" r:id="rId16"/>
     <p:sldId id="307" r:id="rId17"/>
-    <p:sldId id="310" r:id="rId18"/>
+    <p:sldId id="314" r:id="rId18"/>
+    <p:sldId id="315" r:id="rId19"/>
+    <p:sldId id="316" r:id="rId20"/>
+    <p:sldId id="310" r:id="rId21"/>
   </p:sldIdLst>
   <p:sldSz cx="12192000" cy="6858000"/>
   <p:notesSz cx="6858000" cy="9144000"/>
@@ -160,7 +163,7 @@
 <file path=ppt/revisionInfo.xml><?xml version="1.0" encoding="utf-8"?>
 <p1510:revInfo xmlns:a="http://schemas.openxmlformats.org/drawingml/2006/main" xmlns:r="http://schemas.openxmlformats.org/officeDocument/2006/relationships" xmlns:p1510="http://schemas.microsoft.com/office/powerpoint/2015/10/main">
   <p1510:revLst>
-    <p1510:client id="{002FC19B-B750-46E5-AE6C-2EDFEC68FEF2}" v="62" dt="2023-12-20T12:57:29.546"/>
+    <p1510:client id="{002FC19B-B750-46E5-AE6C-2EDFEC68FEF2}" v="66" dt="2023-12-22T09:37:31.062"/>
   </p1510:revLst>
 </p1510:revInfo>
 </file>
@@ -170,7 +173,7 @@
   <pc:docChgLst>
     <pc:chgData name="Matteo MANGILI" userId="89c7df381375e6aa" providerId="LiveId" clId="{002FC19B-B750-46E5-AE6C-2EDFEC68FEF2}"/>
     <pc:docChg chg="undo redo custSel addSld delSld modSld">
-      <pc:chgData name="Matteo MANGILI" userId="89c7df381375e6aa" providerId="LiveId" clId="{002FC19B-B750-46E5-AE6C-2EDFEC68FEF2}" dt="2023-12-20T13:05:22.331" v="5121" actId="20577"/>
+      <pc:chgData name="Matteo MANGILI" userId="89c7df381375e6aa" providerId="LiveId" clId="{002FC19B-B750-46E5-AE6C-2EDFEC68FEF2}" dt="2023-12-22T09:51:07.044" v="5581" actId="20577"/>
       <pc:docMkLst>
         <pc:docMk/>
       </pc:docMkLst>
@@ -603,7 +606,7 @@
         </pc:spChg>
       </pc:sldChg>
       <pc:sldChg chg="addSp delSp modSp mod setBg addAnim modAnim">
-        <pc:chgData name="Matteo MANGILI" userId="89c7df381375e6aa" providerId="LiveId" clId="{002FC19B-B750-46E5-AE6C-2EDFEC68FEF2}" dt="2023-12-09T11:25:46.401" v="3916" actId="14100"/>
+        <pc:chgData name="Matteo MANGILI" userId="89c7df381375e6aa" providerId="LiveId" clId="{002FC19B-B750-46E5-AE6C-2EDFEC68FEF2}" dt="2023-12-22T09:30:07.489" v="5209" actId="14100"/>
         <pc:sldMkLst>
           <pc:docMk/>
           <pc:sldMk cId="930824607" sldId="300"/>
@@ -614,6 +617,14 @@
             <pc:docMk/>
             <pc:sldMk cId="930824607" sldId="300"/>
             <ac:spMk id="2" creationId="{75031FE9-9059-4FE8-B4AC-9771F23A1B89}"/>
+          </ac:spMkLst>
+        </pc:spChg>
+        <pc:spChg chg="del">
+          <ac:chgData name="Matteo MANGILI" userId="89c7df381375e6aa" providerId="LiveId" clId="{002FC19B-B750-46E5-AE6C-2EDFEC68FEF2}" dt="2023-12-22T09:29:35.246" v="5148"/>
+          <ac:spMkLst>
+            <pc:docMk/>
+            <pc:sldMk cId="930824607" sldId="300"/>
+            <ac:spMk id="5" creationId="{B109E6CE-F8BC-64B2-B438-12C7F031917D}"/>
           </ac:spMkLst>
         </pc:spChg>
         <pc:spChg chg="del mod">
@@ -712,6 +723,14 @@
             <ac:spMk id="115" creationId="{DB17E863-922E-4C26-BD64-E8FD41D28661}"/>
           </ac:spMkLst>
         </pc:spChg>
+        <pc:picChg chg="add mod">
+          <ac:chgData name="Matteo MANGILI" userId="89c7df381375e6aa" providerId="LiveId" clId="{002FC19B-B750-46E5-AE6C-2EDFEC68FEF2}" dt="2023-12-22T09:30:07.489" v="5209" actId="14100"/>
+          <ac:picMkLst>
+            <pc:docMk/>
+            <pc:sldMk cId="930824607" sldId="300"/>
+            <ac:picMk id="3" creationId="{00439959-3544-4100-55BB-F64ED0400005}"/>
+          </ac:picMkLst>
+        </pc:picChg>
         <pc:picChg chg="add mod">
           <ac:chgData name="Matteo MANGILI" userId="89c7df381375e6aa" providerId="LiveId" clId="{002FC19B-B750-46E5-AE6C-2EDFEC68FEF2}" dt="2023-12-09T11:25:46.401" v="3916" actId="14100"/>
           <ac:picMkLst>
@@ -1381,7 +1400,7 @@
         </pc:spChg>
       </pc:sldChg>
       <pc:sldChg chg="addSp delSp modSp mod setBg">
-        <pc:chgData name="Matteo MANGILI" userId="89c7df381375e6aa" providerId="LiveId" clId="{002FC19B-B750-46E5-AE6C-2EDFEC68FEF2}" dt="2023-12-02T20:14:54.281" v="1202" actId="255"/>
+        <pc:chgData name="Matteo MANGILI" userId="89c7df381375e6aa" providerId="LiveId" clId="{002FC19B-B750-46E5-AE6C-2EDFEC68FEF2}" dt="2023-12-22T09:38:03.774" v="5374" actId="20577"/>
         <pc:sldMkLst>
           <pc:docMk/>
           <pc:sldMk cId="42136755" sldId="307"/>
@@ -1419,7 +1438,7 @@
           </ac:spMkLst>
         </pc:spChg>
         <pc:spChg chg="mod">
-          <ac:chgData name="Matteo MANGILI" userId="89c7df381375e6aa" providerId="LiveId" clId="{002FC19B-B750-46E5-AE6C-2EDFEC68FEF2}" dt="2023-12-02T20:14:54.281" v="1202" actId="255"/>
+          <ac:chgData name="Matteo MANGILI" userId="89c7df381375e6aa" providerId="LiveId" clId="{002FC19B-B750-46E5-AE6C-2EDFEC68FEF2}" dt="2023-12-22T09:38:03.774" v="5374" actId="20577"/>
           <ac:spMkLst>
             <pc:docMk/>
             <pc:sldMk cId="42136755" sldId="307"/>
@@ -1672,7 +1691,7 @@
         </pc:picChg>
       </pc:sldChg>
       <pc:sldChg chg="addSp delSp modSp new mod setBg">
-        <pc:chgData name="Matteo MANGILI" userId="89c7df381375e6aa" providerId="LiveId" clId="{002FC19B-B750-46E5-AE6C-2EDFEC68FEF2}" dt="2023-12-20T13:04:33.187" v="5110" actId="20577"/>
+        <pc:chgData name="Matteo MANGILI" userId="89c7df381375e6aa" providerId="LiveId" clId="{002FC19B-B750-46E5-AE6C-2EDFEC68FEF2}" dt="2023-12-22T09:27:02.768" v="5147" actId="20577"/>
         <pc:sldMkLst>
           <pc:docMk/>
           <pc:sldMk cId="3576197673" sldId="313"/>
@@ -1774,13 +1793,233 @@
           </ac:spMkLst>
         </pc:spChg>
         <pc:graphicFrameChg chg="add mod ord modGraphic">
-          <ac:chgData name="Matteo MANGILI" userId="89c7df381375e6aa" providerId="LiveId" clId="{002FC19B-B750-46E5-AE6C-2EDFEC68FEF2}" dt="2023-12-20T13:04:33.187" v="5110" actId="20577"/>
+          <ac:chgData name="Matteo MANGILI" userId="89c7df381375e6aa" providerId="LiveId" clId="{002FC19B-B750-46E5-AE6C-2EDFEC68FEF2}" dt="2023-12-22T09:27:02.768" v="5147" actId="20577"/>
           <ac:graphicFrameMkLst>
             <pc:docMk/>
             <pc:sldMk cId="3576197673" sldId="313"/>
             <ac:graphicFrameMk id="7" creationId="{27CC74FB-BD97-33CB-0677-7767F0959E2B}"/>
           </ac:graphicFrameMkLst>
         </pc:graphicFrameChg>
+      </pc:sldChg>
+      <pc:sldChg chg="new del">
+        <pc:chgData name="Matteo MANGILI" userId="89c7df381375e6aa" providerId="LiveId" clId="{002FC19B-B750-46E5-AE6C-2EDFEC68FEF2}" dt="2023-12-22T09:33:20.813" v="5211" actId="680"/>
+        <pc:sldMkLst>
+          <pc:docMk/>
+          <pc:sldMk cId="1520876206" sldId="314"/>
+        </pc:sldMkLst>
+      </pc:sldChg>
+      <pc:sldChg chg="addSp delSp modSp add mod">
+        <pc:chgData name="Matteo MANGILI" userId="89c7df381375e6aa" providerId="LiveId" clId="{002FC19B-B750-46E5-AE6C-2EDFEC68FEF2}" dt="2023-12-22T09:42:10.589" v="5416" actId="1076"/>
+        <pc:sldMkLst>
+          <pc:docMk/>
+          <pc:sldMk cId="2994462458" sldId="314"/>
+        </pc:sldMkLst>
+        <pc:spChg chg="mod">
+          <ac:chgData name="Matteo MANGILI" userId="89c7df381375e6aa" providerId="LiveId" clId="{002FC19B-B750-46E5-AE6C-2EDFEC68FEF2}" dt="2023-12-22T09:33:34.955" v="5223" actId="20577"/>
+          <ac:spMkLst>
+            <pc:docMk/>
+            <pc:sldMk cId="2994462458" sldId="314"/>
+            <ac:spMk id="2" creationId="{DDB7800B-90D1-8C4B-56B7-FA1626BB1375}"/>
+          </ac:spMkLst>
+        </pc:spChg>
+        <pc:spChg chg="del mod">
+          <ac:chgData name="Matteo MANGILI" userId="89c7df381375e6aa" providerId="LiveId" clId="{002FC19B-B750-46E5-AE6C-2EDFEC68FEF2}" dt="2023-12-22T09:34:01.054" v="5225" actId="931"/>
+          <ac:spMkLst>
+            <pc:docMk/>
+            <pc:sldMk cId="2994462458" sldId="314"/>
+            <ac:spMk id="3" creationId="{A07BF9D8-A7CB-D3F1-7E12-AD682B8F05A3}"/>
+          </ac:spMkLst>
+        </pc:spChg>
+        <pc:spChg chg="mod">
+          <ac:chgData name="Matteo MANGILI" userId="89c7df381375e6aa" providerId="LiveId" clId="{002FC19B-B750-46E5-AE6C-2EDFEC68FEF2}" dt="2023-12-22T09:38:14.645" v="5378" actId="20577"/>
+          <ac:spMkLst>
+            <pc:docMk/>
+            <pc:sldMk cId="2994462458" sldId="314"/>
+            <ac:spMk id="6" creationId="{07D5F90B-A703-3979-44A8-9125B7AA3463}"/>
+          </ac:spMkLst>
+        </pc:spChg>
+        <pc:spChg chg="add mod">
+          <ac:chgData name="Matteo MANGILI" userId="89c7df381375e6aa" providerId="LiveId" clId="{002FC19B-B750-46E5-AE6C-2EDFEC68FEF2}" dt="2023-12-22T09:37:03.498" v="5326" actId="14100"/>
+          <ac:spMkLst>
+            <pc:docMk/>
+            <pc:sldMk cId="2994462458" sldId="314"/>
+            <ac:spMk id="7" creationId="{2F6D6524-8D26-DCE0-C8D6-6656324DC85A}"/>
+          </ac:spMkLst>
+        </pc:spChg>
+        <pc:spChg chg="add mod">
+          <ac:chgData name="Matteo MANGILI" userId="89c7df381375e6aa" providerId="LiveId" clId="{002FC19B-B750-46E5-AE6C-2EDFEC68FEF2}" dt="2023-12-22T09:37:41.965" v="5372" actId="20577"/>
+          <ac:spMkLst>
+            <pc:docMk/>
+            <pc:sldMk cId="2994462458" sldId="314"/>
+            <ac:spMk id="10" creationId="{6A436C8B-00CB-47DF-CE0F-3E6AF627C2BC}"/>
+          </ac:spMkLst>
+        </pc:spChg>
+        <pc:picChg chg="add mod">
+          <ac:chgData name="Matteo MANGILI" userId="89c7df381375e6aa" providerId="LiveId" clId="{002FC19B-B750-46E5-AE6C-2EDFEC68FEF2}" dt="2023-12-22T09:36:53.380" v="5323" actId="1076"/>
+          <ac:picMkLst>
+            <pc:docMk/>
+            <pc:sldMk cId="2994462458" sldId="314"/>
+            <ac:picMk id="5" creationId="{2B1C7207-78AF-C703-0371-186CE2A9C3D6}"/>
+          </ac:picMkLst>
+        </pc:picChg>
+        <pc:picChg chg="add del mod">
+          <ac:chgData name="Matteo MANGILI" userId="89c7df381375e6aa" providerId="LiveId" clId="{002FC19B-B750-46E5-AE6C-2EDFEC68FEF2}" dt="2023-12-22T09:40:26.838" v="5383" actId="21"/>
+          <ac:picMkLst>
+            <pc:docMk/>
+            <pc:sldMk cId="2994462458" sldId="314"/>
+            <ac:picMk id="9" creationId="{197702D7-A684-CE5E-36DE-19C842E9B44E}"/>
+          </ac:picMkLst>
+        </pc:picChg>
+        <pc:picChg chg="add mod modCrop">
+          <ac:chgData name="Matteo MANGILI" userId="89c7df381375e6aa" providerId="LiveId" clId="{002FC19B-B750-46E5-AE6C-2EDFEC68FEF2}" dt="2023-12-22T09:42:10.589" v="5416" actId="1076"/>
+          <ac:picMkLst>
+            <pc:docMk/>
+            <pc:sldMk cId="2994462458" sldId="314"/>
+            <ac:picMk id="14" creationId="{1FFF48D2-F50E-9EA5-159F-A795661EEE68}"/>
+          </ac:picMkLst>
+        </pc:picChg>
+      </pc:sldChg>
+      <pc:sldChg chg="addSp delSp modSp add mod">
+        <pc:chgData name="Matteo MANGILI" userId="89c7df381375e6aa" providerId="LiveId" clId="{002FC19B-B750-46E5-AE6C-2EDFEC68FEF2}" dt="2023-12-22T09:46:48.388" v="5488" actId="20577"/>
+        <pc:sldMkLst>
+          <pc:docMk/>
+          <pc:sldMk cId="1549231609" sldId="315"/>
+        </pc:sldMkLst>
+        <pc:spChg chg="add del mod">
+          <ac:chgData name="Matteo MANGILI" userId="89c7df381375e6aa" providerId="LiveId" clId="{002FC19B-B750-46E5-AE6C-2EDFEC68FEF2}" dt="2023-12-22T09:44:00.786" v="5417" actId="22"/>
+          <ac:spMkLst>
+            <pc:docMk/>
+            <pc:sldMk cId="1549231609" sldId="315"/>
+            <ac:spMk id="4" creationId="{620784DA-007F-FD93-53B3-4310E3E51B2A}"/>
+          </ac:spMkLst>
+        </pc:spChg>
+        <pc:spChg chg="mod">
+          <ac:chgData name="Matteo MANGILI" userId="89c7df381375e6aa" providerId="LiveId" clId="{002FC19B-B750-46E5-AE6C-2EDFEC68FEF2}" dt="2023-12-22T09:38:28.873" v="5381" actId="20577"/>
+          <ac:spMkLst>
+            <pc:docMk/>
+            <pc:sldMk cId="1549231609" sldId="315"/>
+            <ac:spMk id="6" creationId="{07D5F90B-A703-3979-44A8-9125B7AA3463}"/>
+          </ac:spMkLst>
+        </pc:spChg>
+        <pc:spChg chg="mod">
+          <ac:chgData name="Matteo MANGILI" userId="89c7df381375e6aa" providerId="LiveId" clId="{002FC19B-B750-46E5-AE6C-2EDFEC68FEF2}" dt="2023-12-22T09:44:50.759" v="5458" actId="20577"/>
+          <ac:spMkLst>
+            <pc:docMk/>
+            <pc:sldMk cId="1549231609" sldId="315"/>
+            <ac:spMk id="7" creationId="{2F6D6524-8D26-DCE0-C8D6-6656324DC85A}"/>
+          </ac:spMkLst>
+        </pc:spChg>
+        <pc:spChg chg="mod">
+          <ac:chgData name="Matteo MANGILI" userId="89c7df381375e6aa" providerId="LiveId" clId="{002FC19B-B750-46E5-AE6C-2EDFEC68FEF2}" dt="2023-12-22T09:46:48.388" v="5488" actId="20577"/>
+          <ac:spMkLst>
+            <pc:docMk/>
+            <pc:sldMk cId="1549231609" sldId="315"/>
+            <ac:spMk id="10" creationId="{6A436C8B-00CB-47DF-CE0F-3E6AF627C2BC}"/>
+          </ac:spMkLst>
+        </pc:spChg>
+        <pc:picChg chg="del">
+          <ac:chgData name="Matteo MANGILI" userId="89c7df381375e6aa" providerId="LiveId" clId="{002FC19B-B750-46E5-AE6C-2EDFEC68FEF2}" dt="2023-12-22T09:38:40.617" v="5382" actId="21"/>
+          <ac:picMkLst>
+            <pc:docMk/>
+            <pc:sldMk cId="1549231609" sldId="315"/>
+            <ac:picMk id="5" creationId="{2B1C7207-78AF-C703-0371-186CE2A9C3D6}"/>
+          </ac:picMkLst>
+        </pc:picChg>
+        <pc:picChg chg="del">
+          <ac:chgData name="Matteo MANGILI" userId="89c7df381375e6aa" providerId="LiveId" clId="{002FC19B-B750-46E5-AE6C-2EDFEC68FEF2}" dt="2023-12-22T09:44:54.038" v="5459" actId="21"/>
+          <ac:picMkLst>
+            <pc:docMk/>
+            <pc:sldMk cId="1549231609" sldId="315"/>
+            <ac:picMk id="9" creationId="{197702D7-A684-CE5E-36DE-19C842E9B44E}"/>
+          </ac:picMkLst>
+        </pc:picChg>
+        <pc:picChg chg="add mod ord modCrop">
+          <ac:chgData name="Matteo MANGILI" userId="89c7df381375e6aa" providerId="LiveId" clId="{002FC19B-B750-46E5-AE6C-2EDFEC68FEF2}" dt="2023-12-22T09:44:59.061" v="5460" actId="1076"/>
+          <ac:picMkLst>
+            <pc:docMk/>
+            <pc:sldMk cId="1549231609" sldId="315"/>
+            <ac:picMk id="12" creationId="{F10FD7AA-8790-87C5-FE9C-346B2D992897}"/>
+          </ac:picMkLst>
+        </pc:picChg>
+        <pc:picChg chg="add mod modCrop">
+          <ac:chgData name="Matteo MANGILI" userId="89c7df381375e6aa" providerId="LiveId" clId="{002FC19B-B750-46E5-AE6C-2EDFEC68FEF2}" dt="2023-12-22T09:46:33.332" v="5476" actId="1076"/>
+          <ac:picMkLst>
+            <pc:docMk/>
+            <pc:sldMk cId="1549231609" sldId="315"/>
+            <ac:picMk id="15" creationId="{B857A273-6DEB-D710-9311-64C00F4354C4}"/>
+          </ac:picMkLst>
+        </pc:picChg>
+      </pc:sldChg>
+      <pc:sldChg chg="addSp delSp modSp add mod">
+        <pc:chgData name="Matteo MANGILI" userId="89c7df381375e6aa" providerId="LiveId" clId="{002FC19B-B750-46E5-AE6C-2EDFEC68FEF2}" dt="2023-12-22T09:51:07.044" v="5581" actId="20577"/>
+        <pc:sldMkLst>
+          <pc:docMk/>
+          <pc:sldMk cId="1841377636" sldId="316"/>
+        </pc:sldMkLst>
+        <pc:spChg chg="add del mod">
+          <ac:chgData name="Matteo MANGILI" userId="89c7df381375e6aa" providerId="LiveId" clId="{002FC19B-B750-46E5-AE6C-2EDFEC68FEF2}" dt="2023-12-22T09:50:40.455" v="5576" actId="34307"/>
+          <ac:spMkLst>
+            <pc:docMk/>
+            <pc:sldMk cId="1841377636" sldId="316"/>
+            <ac:spMk id="4" creationId="{D1F4F690-13A9-F645-4567-AE91DD04F220}"/>
+          </ac:spMkLst>
+        </pc:spChg>
+        <pc:spChg chg="mod">
+          <ac:chgData name="Matteo MANGILI" userId="89c7df381375e6aa" providerId="LiveId" clId="{002FC19B-B750-46E5-AE6C-2EDFEC68FEF2}" dt="2023-12-22T09:51:07.044" v="5581" actId="20577"/>
+          <ac:spMkLst>
+            <pc:docMk/>
+            <pc:sldMk cId="1841377636" sldId="316"/>
+            <ac:spMk id="6" creationId="{07D5F90B-A703-3979-44A8-9125B7AA3463}"/>
+          </ac:spMkLst>
+        </pc:spChg>
+        <pc:spChg chg="del mod">
+          <ac:chgData name="Matteo MANGILI" userId="89c7df381375e6aa" providerId="LiveId" clId="{002FC19B-B750-46E5-AE6C-2EDFEC68FEF2}" dt="2023-12-22T09:48:18.509" v="5524"/>
+          <ac:spMkLst>
+            <pc:docMk/>
+            <pc:sldMk cId="1841377636" sldId="316"/>
+            <ac:spMk id="7" creationId="{2F6D6524-8D26-DCE0-C8D6-6656324DC85A}"/>
+          </ac:spMkLst>
+        </pc:spChg>
+        <pc:spChg chg="add mod">
+          <ac:chgData name="Matteo MANGILI" userId="89c7df381375e6aa" providerId="LiveId" clId="{002FC19B-B750-46E5-AE6C-2EDFEC68FEF2}" dt="2023-12-22T09:50:52.628" v="5577" actId="21"/>
+          <ac:spMkLst>
+            <pc:docMk/>
+            <pc:sldMk cId="1841377636" sldId="316"/>
+            <ac:spMk id="9" creationId="{093A462C-9B50-FE8F-AD29-63FB46C03202}"/>
+          </ac:spMkLst>
+        </pc:spChg>
+        <pc:spChg chg="mod">
+          <ac:chgData name="Matteo MANGILI" userId="89c7df381375e6aa" providerId="LiveId" clId="{002FC19B-B750-46E5-AE6C-2EDFEC68FEF2}" dt="2023-12-22T09:48:16.128" v="5521" actId="14100"/>
+          <ac:spMkLst>
+            <pc:docMk/>
+            <pc:sldMk cId="1841377636" sldId="316"/>
+            <ac:spMk id="10" creationId="{6A436C8B-00CB-47DF-CE0F-3E6AF627C2BC}"/>
+          </ac:spMkLst>
+        </pc:spChg>
+        <pc:picChg chg="add del mod ord">
+          <ac:chgData name="Matteo MANGILI" userId="89c7df381375e6aa" providerId="LiveId" clId="{002FC19B-B750-46E5-AE6C-2EDFEC68FEF2}" dt="2023-12-22T09:50:52.628" v="5577" actId="21"/>
+          <ac:picMkLst>
+            <pc:docMk/>
+            <pc:sldMk cId="1841377636" sldId="316"/>
+            <ac:picMk id="5" creationId="{D76C9CA7-DD63-7941-ECF9-FCF0C6F35A56}"/>
+          </ac:picMkLst>
+        </pc:picChg>
+        <pc:picChg chg="del">
+          <ac:chgData name="Matteo MANGILI" userId="89c7df381375e6aa" providerId="LiveId" clId="{002FC19B-B750-46E5-AE6C-2EDFEC68FEF2}" dt="2023-12-22T09:48:18.493" v="5522" actId="21"/>
+          <ac:picMkLst>
+            <pc:docMk/>
+            <pc:sldMk cId="1841377636" sldId="316"/>
+            <ac:picMk id="12" creationId="{F10FD7AA-8790-87C5-FE9C-346B2D992897}"/>
+          </ac:picMkLst>
+        </pc:picChg>
+        <pc:picChg chg="del">
+          <ac:chgData name="Matteo MANGILI" userId="89c7df381375e6aa" providerId="LiveId" clId="{002FC19B-B750-46E5-AE6C-2EDFEC68FEF2}" dt="2023-12-22T09:50:39.828" v="5575" actId="21"/>
+          <ac:picMkLst>
+            <pc:docMk/>
+            <pc:sldMk cId="1841377636" sldId="316"/>
+            <ac:picMk id="15" creationId="{B857A273-6DEB-D710-9311-64C00F4354C4}"/>
+          </ac:picMkLst>
+        </pc:picChg>
       </pc:sldChg>
     </pc:docChg>
   </pc:docChgLst>
@@ -1883,7 +2122,7 @@
             <a:pPr rtl="0"/>
             <a:fld id="{DBC54730-5EBA-4920-A6C4-7F8458A7F940}" type="datetime1">
               <a:rPr lang="it-IT" smtClean="0"/>
-              <a:t>21/12/2023</a:t>
+              <a:t>22/12/2023</a:t>
             </a:fld>
             <a:endParaRPr lang="it-IT"/>
           </a:p>
@@ -2065,7 +2304,7 @@
             <a:fld id="{85EC1C34-318D-43A8-83F5-3AC8647FE75E}" type="datetime1">
               <a:rPr lang="it-IT" smtClean="0"/>
               <a:pPr/>
-              <a:t>21/12/2023</a:t>
+              <a:t>22/12/2023</a:t>
             </a:fld>
             <a:endParaRPr lang="it-IT" dirty="0"/>
           </a:p>
@@ -2572,7 +2811,7 @@
             <a:pPr rtl="0"/>
             <a:fld id="{D4B9A9E5-4F7F-4A7D-9DE1-899232329269}" type="slidenum">
               <a:rPr lang="it-IT" smtClean="0"/>
-              <a:t>14</a:t>
+              <a:t>17</a:t>
             </a:fld>
             <a:endParaRPr lang="it-IT"/>
           </a:p>
@@ -18895,7 +19134,7 @@
             </a:pPr>
             <a:r>
               <a:rPr lang="it-IT" sz="1800" b="1" noProof="0" dirty="0"/>
-              <a:t>12</a:t>
+              <a:t>13</a:t>
             </a:r>
           </a:p>
         </p:txBody>
@@ -18940,7 +19179,7 @@
       </p:grpSpPr>
       <p:sp useBgFill="1">
         <p:nvSpPr>
-          <p:cNvPr id="87" name="Rectangle 86">
+          <p:cNvPr id="11" name="Rectangle 10">
             <a:extLst>
               <a:ext uri="{FF2B5EF4-FFF2-40B4-BE49-F238E27FC236}">
                 <a16:creationId xmlns:a16="http://schemas.microsoft.com/office/drawing/2014/main" id="{100EDD19-6802-4EC3-95CE-CFFAB042CFD6}"/>
@@ -19000,10 +19239,10 @@
       </p:sp>
       <p:sp>
         <p:nvSpPr>
-          <p:cNvPr id="2" name="Titolo 1">
+          <p:cNvPr id="2" name="Title 1">
             <a:extLst>
               <a:ext uri="{FF2B5EF4-FFF2-40B4-BE49-F238E27FC236}">
-                <a16:creationId xmlns:a16="http://schemas.microsoft.com/office/drawing/2014/main" id="{75031FE9-9059-4FE8-B4AC-9771F23A1B89}"/>
+                <a16:creationId xmlns:a16="http://schemas.microsoft.com/office/drawing/2014/main" id="{DDB7800B-90D1-8C4B-56B7-FA1626BB1375}"/>
               </a:ext>
             </a:extLst>
           </p:cNvPr>
@@ -19021,22 +19260,22 @@
           </a:xfrm>
         </p:spPr>
         <p:txBody>
-          <a:bodyPr rtlCol="0">
+          <a:bodyPr>
             <a:normAutofit/>
           </a:bodyPr>
           <a:lstStyle/>
           <a:p>
-            <a:pPr rtl="0"/>
-            <a:r>
-              <a:rPr lang="it-IT" sz="5400" b="1"/>
-              <a:t>Testing</a:t>
-            </a:r>
+            <a:r>
+              <a:rPr lang="it-IT" sz="5400" b="1" dirty="0"/>
+              <a:t>Modellazione: Diagrammi</a:t>
+            </a:r>
+            <a:endParaRPr lang="en-US" sz="5400" b="1" dirty="0"/>
           </a:p>
         </p:txBody>
       </p:sp>
       <p:sp>
         <p:nvSpPr>
-          <p:cNvPr id="89" name="sketch line">
+          <p:cNvPr id="13" name="sketch line">
             <a:extLst>
               <a:ext uri="{FF2B5EF4-FFF2-40B4-BE49-F238E27FC236}">
                 <a16:creationId xmlns:a16="http://schemas.microsoft.com/office/drawing/2014/main" id="{DB17E863-922E-4C26-BD64-E8FD41D28661}"/>
@@ -19672,6 +19911,2804 @@
           </a:p>
         </p:txBody>
       </p:sp>
+      <p:pic>
+        <p:nvPicPr>
+          <p:cNvPr id="5" name="Segnaposto contenuto 4" descr="Immagine che contiene testo, diagramma, schizzo, disegno&#10;&#10;Descrizione generata automaticamente">
+            <a:extLst>
+              <a:ext uri="{FF2B5EF4-FFF2-40B4-BE49-F238E27FC236}">
+                <a16:creationId xmlns:a16="http://schemas.microsoft.com/office/drawing/2014/main" id="{2B1C7207-78AF-C703-0371-186CE2A9C3D6}"/>
+              </a:ext>
+            </a:extLst>
+          </p:cNvPr>
+          <p:cNvPicPr>
+            <a:picLocks noGrp="1" noChangeAspect="1"/>
+          </p:cNvPicPr>
+          <p:nvPr>
+            <p:ph idx="1"/>
+          </p:nvPr>
+        </p:nvPicPr>
+        <p:blipFill>
+          <a:blip r:embed="rId2"/>
+          <a:stretch>
+            <a:fillRect/>
+          </a:stretch>
+        </p:blipFill>
+        <p:spPr>
+          <a:xfrm>
+            <a:off x="325017" y="2055813"/>
+            <a:ext cx="4426288" cy="3900487"/>
+          </a:xfrm>
+        </p:spPr>
+      </p:pic>
+      <p:sp>
+        <p:nvSpPr>
+          <p:cNvPr id="6" name="Slide Number Placeholder 5">
+            <a:extLst>
+              <a:ext uri="{FF2B5EF4-FFF2-40B4-BE49-F238E27FC236}">
+                <a16:creationId xmlns:a16="http://schemas.microsoft.com/office/drawing/2014/main" id="{07D5F90B-A703-3979-44A8-9125B7AA3463}"/>
+              </a:ext>
+            </a:extLst>
+          </p:cNvPr>
+          <p:cNvSpPr>
+            <a:spLocks noGrp="1"/>
+          </p:cNvSpPr>
+          <p:nvPr>
+            <p:ph type="sldNum" sz="quarter" idx="12"/>
+          </p:nvPr>
+        </p:nvSpPr>
+        <p:spPr>
+          <a:xfrm>
+            <a:off x="8610600" y="6191250"/>
+            <a:ext cx="2743200" cy="530225"/>
+          </a:xfrm>
+        </p:spPr>
+        <p:txBody>
+          <a:bodyPr>
+            <a:noAutofit/>
+          </a:bodyPr>
+          <a:lstStyle/>
+          <a:p>
+            <a:pPr rtl="0">
+              <a:lnSpc>
+                <a:spcPct val="90000"/>
+              </a:lnSpc>
+              <a:spcAft>
+                <a:spcPts val="600"/>
+              </a:spcAft>
+            </a:pPr>
+            <a:endParaRPr lang="it-IT" sz="1800" b="1" noProof="0" dirty="0"/>
+          </a:p>
+          <a:p>
+            <a:pPr rtl="0">
+              <a:lnSpc>
+                <a:spcPct val="90000"/>
+              </a:lnSpc>
+              <a:spcAft>
+                <a:spcPts val="600"/>
+              </a:spcAft>
+            </a:pPr>
+            <a:r>
+              <a:rPr lang="it-IT" sz="1800" b="1" noProof="0" dirty="0"/>
+              <a:t>14</a:t>
+            </a:r>
+          </a:p>
+        </p:txBody>
+      </p:sp>
+      <p:sp>
+        <p:nvSpPr>
+          <p:cNvPr id="7" name="CasellaDiTesto 6">
+            <a:extLst>
+              <a:ext uri="{FF2B5EF4-FFF2-40B4-BE49-F238E27FC236}">
+                <a16:creationId xmlns:a16="http://schemas.microsoft.com/office/drawing/2014/main" id="{2F6D6524-8D26-DCE0-C8D6-6656324DC85A}"/>
+              </a:ext>
+            </a:extLst>
+          </p:cNvPr>
+          <p:cNvSpPr txBox="1"/>
+          <p:nvPr/>
+        </p:nvSpPr>
+        <p:spPr>
+          <a:xfrm>
+            <a:off x="838200" y="6298163"/>
+            <a:ext cx="2110273" cy="369332"/>
+          </a:xfrm>
+          <a:prstGeom prst="rect">
+            <a:avLst/>
+          </a:prstGeom>
+          <a:noFill/>
+        </p:spPr>
+        <p:txBody>
+          <a:bodyPr wrap="square" rtlCol="0">
+            <a:spAutoFit/>
+          </a:bodyPr>
+          <a:lstStyle/>
+          <a:p>
+            <a:r>
+              <a:rPr lang="it-IT" dirty="0"/>
+              <a:t>USE CASE DIAGRAM</a:t>
+            </a:r>
+          </a:p>
+        </p:txBody>
+      </p:sp>
+      <p:sp>
+        <p:nvSpPr>
+          <p:cNvPr id="10" name="CasellaDiTesto 9">
+            <a:extLst>
+              <a:ext uri="{FF2B5EF4-FFF2-40B4-BE49-F238E27FC236}">
+                <a16:creationId xmlns:a16="http://schemas.microsoft.com/office/drawing/2014/main" id="{6A436C8B-00CB-47DF-CE0F-3E6AF627C2BC}"/>
+              </a:ext>
+            </a:extLst>
+          </p:cNvPr>
+          <p:cNvSpPr txBox="1"/>
+          <p:nvPr/>
+        </p:nvSpPr>
+        <p:spPr>
+          <a:xfrm>
+            <a:off x="6895322" y="6382139"/>
+            <a:ext cx="2341347" cy="369332"/>
+          </a:xfrm>
+          <a:prstGeom prst="rect">
+            <a:avLst/>
+          </a:prstGeom>
+          <a:noFill/>
+        </p:spPr>
+        <p:txBody>
+          <a:bodyPr wrap="none" rtlCol="0">
+            <a:spAutoFit/>
+          </a:bodyPr>
+          <a:lstStyle/>
+          <a:p>
+            <a:r>
+              <a:rPr lang="it-IT" dirty="0"/>
+              <a:t>STATECHART DIAGRAM</a:t>
+            </a:r>
+          </a:p>
+        </p:txBody>
+      </p:sp>
+      <p:pic>
+        <p:nvPicPr>
+          <p:cNvPr id="14" name="Immagine 13">
+            <a:extLst>
+              <a:ext uri="{FF2B5EF4-FFF2-40B4-BE49-F238E27FC236}">
+                <a16:creationId xmlns:a16="http://schemas.microsoft.com/office/drawing/2014/main" id="{1FFF48D2-F50E-9EA5-159F-A795661EEE68}"/>
+              </a:ext>
+            </a:extLst>
+          </p:cNvPr>
+          <p:cNvPicPr>
+            <a:picLocks noChangeAspect="1"/>
+          </p:cNvPicPr>
+          <p:nvPr/>
+        </p:nvPicPr>
+        <p:blipFill rotWithShape="1">
+          <a:blip r:embed="rId3"/>
+          <a:srcRect r="7037"/>
+          <a:stretch/>
+        </p:blipFill>
+        <p:spPr>
+          <a:xfrm>
+            <a:off x="4896810" y="2206056"/>
+            <a:ext cx="7146636" cy="3600000"/>
+          </a:xfrm>
+          <a:prstGeom prst="rect">
+            <a:avLst/>
+          </a:prstGeom>
+        </p:spPr>
+      </p:pic>
+    </p:spTree>
+    <p:extLst>
+      <p:ext uri="{BB962C8B-B14F-4D97-AF65-F5344CB8AC3E}">
+        <p14:creationId xmlns:p14="http://schemas.microsoft.com/office/powerpoint/2010/main" val="2994462458"/>
+      </p:ext>
+    </p:extLst>
+  </p:cSld>
+  <p:clrMapOvr>
+    <a:masterClrMapping/>
+  </p:clrMapOvr>
+</p:sld>
+</file>
+
+<file path=ppt/slides/slide15.xml><?xml version="1.0" encoding="utf-8"?>
+<p:sld xmlns:a="http://schemas.openxmlformats.org/drawingml/2006/main" xmlns:r="http://schemas.openxmlformats.org/officeDocument/2006/relationships" xmlns:p="http://schemas.openxmlformats.org/presentationml/2006/main">
+  <p:cSld>
+    <p:bg>
+      <p:bgPr>
+        <a:solidFill>
+          <a:schemeClr val="bg1"/>
+        </a:solidFill>
+        <a:effectLst/>
+      </p:bgPr>
+    </p:bg>
+    <p:spTree>
+      <p:nvGrpSpPr>
+        <p:cNvPr id="1" name=""/>
+        <p:cNvGrpSpPr/>
+        <p:nvPr/>
+      </p:nvGrpSpPr>
+      <p:grpSpPr>
+        <a:xfrm>
+          <a:off x="0" y="0"/>
+          <a:ext cx="0" cy="0"/>
+          <a:chOff x="0" y="0"/>
+          <a:chExt cx="0" cy="0"/>
+        </a:xfrm>
+      </p:grpSpPr>
+      <p:sp useBgFill="1">
+        <p:nvSpPr>
+          <p:cNvPr id="11" name="Rectangle 10">
+            <a:extLst>
+              <a:ext uri="{FF2B5EF4-FFF2-40B4-BE49-F238E27FC236}">
+                <a16:creationId xmlns:a16="http://schemas.microsoft.com/office/drawing/2014/main" id="{100EDD19-6802-4EC3-95CE-CFFAB042CFD6}"/>
+              </a:ext>
+              <a:ext uri="{C183D7F6-B498-43B3-948B-1728B52AA6E4}">
+                <adec:decorative xmlns:adec="http://schemas.microsoft.com/office/drawing/2017/decorative" val="1"/>
+              </a:ext>
+            </a:extLst>
+          </p:cNvPr>
+          <p:cNvSpPr>
+            <a:spLocks noGrp="1" noRot="1" noChangeAspect="1" noMove="1" noResize="1" noEditPoints="1" noAdjustHandles="1" noChangeArrowheads="1" noChangeShapeType="1" noTextEdit="1"/>
+          </p:cNvSpPr>
+          <p:nvPr>
+            <p:extLst>
+              <p:ext uri="{386F3935-93C4-4BCD-93E2-E3B085C9AB24}">
+                <p16:designElem xmlns:p16="http://schemas.microsoft.com/office/powerpoint/2015/main" val="1"/>
+              </p:ext>
+            </p:extLst>
+          </p:nvPr>
+        </p:nvSpPr>
+        <p:spPr>
+          <a:xfrm>
+            <a:off x="0" y="0"/>
+            <a:ext cx="12188952" cy="6858000"/>
+          </a:xfrm>
+          <a:prstGeom prst="rect">
+            <a:avLst/>
+          </a:prstGeom>
+          <a:ln>
+            <a:noFill/>
+          </a:ln>
+        </p:spPr>
+        <p:style>
+          <a:lnRef idx="2">
+            <a:schemeClr val="accent1">
+              <a:shade val="50000"/>
+            </a:schemeClr>
+          </a:lnRef>
+          <a:fillRef idx="1">
+            <a:schemeClr val="accent1"/>
+          </a:fillRef>
+          <a:effectRef idx="0">
+            <a:schemeClr val="accent1"/>
+          </a:effectRef>
+          <a:fontRef idx="minor">
+            <a:schemeClr val="lt1"/>
+          </a:fontRef>
+        </p:style>
+        <p:txBody>
+          <a:bodyPr rtlCol="0" anchor="ctr"/>
+          <a:lstStyle/>
+          <a:p>
+            <a:pPr algn="ctr"/>
+            <a:endParaRPr lang="en-US"/>
+          </a:p>
+        </p:txBody>
+      </p:sp>
+      <p:sp>
+        <p:nvSpPr>
+          <p:cNvPr id="2" name="Title 1">
+            <a:extLst>
+              <a:ext uri="{FF2B5EF4-FFF2-40B4-BE49-F238E27FC236}">
+                <a16:creationId xmlns:a16="http://schemas.microsoft.com/office/drawing/2014/main" id="{DDB7800B-90D1-8C4B-56B7-FA1626BB1375}"/>
+              </a:ext>
+            </a:extLst>
+          </p:cNvPr>
+          <p:cNvSpPr>
+            <a:spLocks noGrp="1"/>
+          </p:cNvSpPr>
+          <p:nvPr>
+            <p:ph type="title"/>
+          </p:nvPr>
+        </p:nvSpPr>
+        <p:spPr>
+          <a:xfrm>
+            <a:off x="838200" y="365125"/>
+            <a:ext cx="10515600" cy="1325563"/>
+          </a:xfrm>
+        </p:spPr>
+        <p:txBody>
+          <a:bodyPr>
+            <a:normAutofit/>
+          </a:bodyPr>
+          <a:lstStyle/>
+          <a:p>
+            <a:r>
+              <a:rPr lang="it-IT" sz="5400" b="1" dirty="0"/>
+              <a:t>Modellazione: Diagrammi</a:t>
+            </a:r>
+            <a:endParaRPr lang="en-US" sz="5400" b="1" dirty="0"/>
+          </a:p>
+        </p:txBody>
+      </p:sp>
+      <p:sp>
+        <p:nvSpPr>
+          <p:cNvPr id="13" name="sketch line">
+            <a:extLst>
+              <a:ext uri="{FF2B5EF4-FFF2-40B4-BE49-F238E27FC236}">
+                <a16:creationId xmlns:a16="http://schemas.microsoft.com/office/drawing/2014/main" id="{DB17E863-922E-4C26-BD64-E8FD41D28661}"/>
+              </a:ext>
+              <a:ext uri="{C183D7F6-B498-43B3-948B-1728B52AA6E4}">
+                <adec:decorative xmlns:adec="http://schemas.microsoft.com/office/drawing/2017/decorative" val="1"/>
+              </a:ext>
+            </a:extLst>
+          </p:cNvPr>
+          <p:cNvSpPr>
+            <a:spLocks noGrp="1" noRot="1" noChangeAspect="1" noMove="1" noResize="1" noEditPoints="1" noAdjustHandles="1" noChangeArrowheads="1" noChangeShapeType="1" noTextEdit="1"/>
+          </p:cNvSpPr>
+          <p:nvPr>
+            <p:extLst>
+              <p:ext uri="{386F3935-93C4-4BCD-93E2-E3B085C9AB24}">
+                <p16:designElem xmlns:p16="http://schemas.microsoft.com/office/powerpoint/2015/main" val="1"/>
+              </p:ext>
+            </p:extLst>
+          </p:nvPr>
+        </p:nvSpPr>
+        <p:spPr>
+          <a:xfrm>
+            <a:off x="669036" y="1677373"/>
+            <a:ext cx="10853928" cy="18288"/>
+          </a:xfrm>
+          <a:custGeom>
+            <a:avLst/>
+            <a:gdLst>
+              <a:gd name="connsiteX0" fmla="*/ 0 w 10853928"/>
+              <a:gd name="connsiteY0" fmla="*/ 0 h 18288"/>
+              <a:gd name="connsiteX1" fmla="*/ 461292 w 10853928"/>
+              <a:gd name="connsiteY1" fmla="*/ 0 h 18288"/>
+              <a:gd name="connsiteX2" fmla="*/ 1139662 w 10853928"/>
+              <a:gd name="connsiteY2" fmla="*/ 0 h 18288"/>
+              <a:gd name="connsiteX3" fmla="*/ 1926572 w 10853928"/>
+              <a:gd name="connsiteY3" fmla="*/ 0 h 18288"/>
+              <a:gd name="connsiteX4" fmla="*/ 2279325 w 10853928"/>
+              <a:gd name="connsiteY4" fmla="*/ 0 h 18288"/>
+              <a:gd name="connsiteX5" fmla="*/ 2632078 w 10853928"/>
+              <a:gd name="connsiteY5" fmla="*/ 0 h 18288"/>
+              <a:gd name="connsiteX6" fmla="*/ 3527527 w 10853928"/>
+              <a:gd name="connsiteY6" fmla="*/ 0 h 18288"/>
+              <a:gd name="connsiteX7" fmla="*/ 4205897 w 10853928"/>
+              <a:gd name="connsiteY7" fmla="*/ 0 h 18288"/>
+              <a:gd name="connsiteX8" fmla="*/ 4558650 w 10853928"/>
+              <a:gd name="connsiteY8" fmla="*/ 0 h 18288"/>
+              <a:gd name="connsiteX9" fmla="*/ 5237020 w 10853928"/>
+              <a:gd name="connsiteY9" fmla="*/ 0 h 18288"/>
+              <a:gd name="connsiteX10" fmla="*/ 6132469 w 10853928"/>
+              <a:gd name="connsiteY10" fmla="*/ 0 h 18288"/>
+              <a:gd name="connsiteX11" fmla="*/ 6702301 w 10853928"/>
+              <a:gd name="connsiteY11" fmla="*/ 0 h 18288"/>
+              <a:gd name="connsiteX12" fmla="*/ 7272132 w 10853928"/>
+              <a:gd name="connsiteY12" fmla="*/ 0 h 18288"/>
+              <a:gd name="connsiteX13" fmla="*/ 7950502 w 10853928"/>
+              <a:gd name="connsiteY13" fmla="*/ 0 h 18288"/>
+              <a:gd name="connsiteX14" fmla="*/ 8737412 w 10853928"/>
+              <a:gd name="connsiteY14" fmla="*/ 0 h 18288"/>
+              <a:gd name="connsiteX15" fmla="*/ 9524322 w 10853928"/>
+              <a:gd name="connsiteY15" fmla="*/ 0 h 18288"/>
+              <a:gd name="connsiteX16" fmla="*/ 10853928 w 10853928"/>
+              <a:gd name="connsiteY16" fmla="*/ 0 h 18288"/>
+              <a:gd name="connsiteX17" fmla="*/ 10853928 w 10853928"/>
+              <a:gd name="connsiteY17" fmla="*/ 18288 h 18288"/>
+              <a:gd name="connsiteX18" fmla="*/ 10392636 w 10853928"/>
+              <a:gd name="connsiteY18" fmla="*/ 18288 h 18288"/>
+              <a:gd name="connsiteX19" fmla="*/ 9497187 w 10853928"/>
+              <a:gd name="connsiteY19" fmla="*/ 18288 h 18288"/>
+              <a:gd name="connsiteX20" fmla="*/ 8818817 w 10853928"/>
+              <a:gd name="connsiteY20" fmla="*/ 18288 h 18288"/>
+              <a:gd name="connsiteX21" fmla="*/ 8466064 w 10853928"/>
+              <a:gd name="connsiteY21" fmla="*/ 18288 h 18288"/>
+              <a:gd name="connsiteX22" fmla="*/ 7787693 w 10853928"/>
+              <a:gd name="connsiteY22" fmla="*/ 18288 h 18288"/>
+              <a:gd name="connsiteX23" fmla="*/ 7217862 w 10853928"/>
+              <a:gd name="connsiteY23" fmla="*/ 18288 h 18288"/>
+              <a:gd name="connsiteX24" fmla="*/ 6648031 w 10853928"/>
+              <a:gd name="connsiteY24" fmla="*/ 18288 h 18288"/>
+              <a:gd name="connsiteX25" fmla="*/ 6078200 w 10853928"/>
+              <a:gd name="connsiteY25" fmla="*/ 18288 h 18288"/>
+              <a:gd name="connsiteX26" fmla="*/ 5508368 w 10853928"/>
+              <a:gd name="connsiteY26" fmla="*/ 18288 h 18288"/>
+              <a:gd name="connsiteX27" fmla="*/ 4721459 w 10853928"/>
+              <a:gd name="connsiteY27" fmla="*/ 18288 h 18288"/>
+              <a:gd name="connsiteX28" fmla="*/ 4043088 w 10853928"/>
+              <a:gd name="connsiteY28" fmla="*/ 18288 h 18288"/>
+              <a:gd name="connsiteX29" fmla="*/ 3690336 w 10853928"/>
+              <a:gd name="connsiteY29" fmla="*/ 18288 h 18288"/>
+              <a:gd name="connsiteX30" fmla="*/ 3120504 w 10853928"/>
+              <a:gd name="connsiteY30" fmla="*/ 18288 h 18288"/>
+              <a:gd name="connsiteX31" fmla="*/ 2333595 w 10853928"/>
+              <a:gd name="connsiteY31" fmla="*/ 18288 h 18288"/>
+              <a:gd name="connsiteX32" fmla="*/ 1872303 w 10853928"/>
+              <a:gd name="connsiteY32" fmla="*/ 18288 h 18288"/>
+              <a:gd name="connsiteX33" fmla="*/ 976854 w 10853928"/>
+              <a:gd name="connsiteY33" fmla="*/ 18288 h 18288"/>
+              <a:gd name="connsiteX34" fmla="*/ 0 w 10853928"/>
+              <a:gd name="connsiteY34" fmla="*/ 18288 h 18288"/>
+              <a:gd name="connsiteX35" fmla="*/ 0 w 10853928"/>
+              <a:gd name="connsiteY35" fmla="*/ 0 h 18288"/>
+            </a:gdLst>
+            <a:ahLst/>
+            <a:cxnLst>
+              <a:cxn ang="0">
+                <a:pos x="connsiteX0" y="connsiteY0"/>
+              </a:cxn>
+              <a:cxn ang="0">
+                <a:pos x="connsiteX1" y="connsiteY1"/>
+              </a:cxn>
+              <a:cxn ang="0">
+                <a:pos x="connsiteX2" y="connsiteY2"/>
+              </a:cxn>
+              <a:cxn ang="0">
+                <a:pos x="connsiteX3" y="connsiteY3"/>
+              </a:cxn>
+              <a:cxn ang="0">
+                <a:pos x="connsiteX4" y="connsiteY4"/>
+              </a:cxn>
+              <a:cxn ang="0">
+                <a:pos x="connsiteX5" y="connsiteY5"/>
+              </a:cxn>
+              <a:cxn ang="0">
+                <a:pos x="connsiteX6" y="connsiteY6"/>
+              </a:cxn>
+              <a:cxn ang="0">
+                <a:pos x="connsiteX7" y="connsiteY7"/>
+              </a:cxn>
+              <a:cxn ang="0">
+                <a:pos x="connsiteX8" y="connsiteY8"/>
+              </a:cxn>
+              <a:cxn ang="0">
+                <a:pos x="connsiteX9" y="connsiteY9"/>
+              </a:cxn>
+              <a:cxn ang="0">
+                <a:pos x="connsiteX10" y="connsiteY10"/>
+              </a:cxn>
+              <a:cxn ang="0">
+                <a:pos x="connsiteX11" y="connsiteY11"/>
+              </a:cxn>
+              <a:cxn ang="0">
+                <a:pos x="connsiteX12" y="connsiteY12"/>
+              </a:cxn>
+              <a:cxn ang="0">
+                <a:pos x="connsiteX13" y="connsiteY13"/>
+              </a:cxn>
+              <a:cxn ang="0">
+                <a:pos x="connsiteX14" y="connsiteY14"/>
+              </a:cxn>
+              <a:cxn ang="0">
+                <a:pos x="connsiteX15" y="connsiteY15"/>
+              </a:cxn>
+              <a:cxn ang="0">
+                <a:pos x="connsiteX16" y="connsiteY16"/>
+              </a:cxn>
+              <a:cxn ang="0">
+                <a:pos x="connsiteX17" y="connsiteY17"/>
+              </a:cxn>
+              <a:cxn ang="0">
+                <a:pos x="connsiteX18" y="connsiteY18"/>
+              </a:cxn>
+              <a:cxn ang="0">
+                <a:pos x="connsiteX19" y="connsiteY19"/>
+              </a:cxn>
+              <a:cxn ang="0">
+                <a:pos x="connsiteX20" y="connsiteY20"/>
+              </a:cxn>
+              <a:cxn ang="0">
+                <a:pos x="connsiteX21" y="connsiteY21"/>
+              </a:cxn>
+              <a:cxn ang="0">
+                <a:pos x="connsiteX22" y="connsiteY22"/>
+              </a:cxn>
+              <a:cxn ang="0">
+                <a:pos x="connsiteX23" y="connsiteY23"/>
+              </a:cxn>
+              <a:cxn ang="0">
+                <a:pos x="connsiteX24" y="connsiteY24"/>
+              </a:cxn>
+              <a:cxn ang="0">
+                <a:pos x="connsiteX25" y="connsiteY25"/>
+              </a:cxn>
+              <a:cxn ang="0">
+                <a:pos x="connsiteX26" y="connsiteY26"/>
+              </a:cxn>
+              <a:cxn ang="0">
+                <a:pos x="connsiteX27" y="connsiteY27"/>
+              </a:cxn>
+              <a:cxn ang="0">
+                <a:pos x="connsiteX28" y="connsiteY28"/>
+              </a:cxn>
+              <a:cxn ang="0">
+                <a:pos x="connsiteX29" y="connsiteY29"/>
+              </a:cxn>
+              <a:cxn ang="0">
+                <a:pos x="connsiteX30" y="connsiteY30"/>
+              </a:cxn>
+              <a:cxn ang="0">
+                <a:pos x="connsiteX31" y="connsiteY31"/>
+              </a:cxn>
+              <a:cxn ang="0">
+                <a:pos x="connsiteX32" y="connsiteY32"/>
+              </a:cxn>
+              <a:cxn ang="0">
+                <a:pos x="connsiteX33" y="connsiteY33"/>
+              </a:cxn>
+              <a:cxn ang="0">
+                <a:pos x="connsiteX34" y="connsiteY34"/>
+              </a:cxn>
+              <a:cxn ang="0">
+                <a:pos x="connsiteX35" y="connsiteY35"/>
+              </a:cxn>
+            </a:cxnLst>
+            <a:rect l="l" t="t" r="r" b="b"/>
+            <a:pathLst>
+              <a:path w="10853928" h="18288" fill="none" extrusionOk="0">
+                <a:moveTo>
+                  <a:pt x="0" y="0"/>
+                </a:moveTo>
+                <a:cubicBezTo>
+                  <a:pt x="146993" y="-19076"/>
+                  <a:pt x="347684" y="-4790"/>
+                  <a:pt x="461292" y="0"/>
+                </a:cubicBezTo>
+                <a:cubicBezTo>
+                  <a:pt x="574900" y="4790"/>
+                  <a:pt x="808367" y="19821"/>
+                  <a:pt x="1139662" y="0"/>
+                </a:cubicBezTo>
+                <a:cubicBezTo>
+                  <a:pt x="1470957" y="-19821"/>
+                  <a:pt x="1627405" y="5721"/>
+                  <a:pt x="1926572" y="0"/>
+                </a:cubicBezTo>
+                <a:cubicBezTo>
+                  <a:pt x="2225739" y="-5721"/>
+                  <a:pt x="2137730" y="-3235"/>
+                  <a:pt x="2279325" y="0"/>
+                </a:cubicBezTo>
+                <a:cubicBezTo>
+                  <a:pt x="2420920" y="3235"/>
+                  <a:pt x="2456518" y="9685"/>
+                  <a:pt x="2632078" y="0"/>
+                </a:cubicBezTo>
+                <a:cubicBezTo>
+                  <a:pt x="2807638" y="-9685"/>
+                  <a:pt x="3211516" y="-43007"/>
+                  <a:pt x="3527527" y="0"/>
+                </a:cubicBezTo>
+                <a:cubicBezTo>
+                  <a:pt x="3843538" y="43007"/>
+                  <a:pt x="4058833" y="22042"/>
+                  <a:pt x="4205897" y="0"/>
+                </a:cubicBezTo>
+                <a:cubicBezTo>
+                  <a:pt x="4352961" y="-22042"/>
+                  <a:pt x="4474805" y="-11846"/>
+                  <a:pt x="4558650" y="0"/>
+                </a:cubicBezTo>
+                <a:cubicBezTo>
+                  <a:pt x="4642495" y="11846"/>
+                  <a:pt x="5041928" y="-6069"/>
+                  <a:pt x="5237020" y="0"/>
+                </a:cubicBezTo>
+                <a:cubicBezTo>
+                  <a:pt x="5432112" y="6069"/>
+                  <a:pt x="5943266" y="-17479"/>
+                  <a:pt x="6132469" y="0"/>
+                </a:cubicBezTo>
+                <a:cubicBezTo>
+                  <a:pt x="6321672" y="17479"/>
+                  <a:pt x="6483872" y="26234"/>
+                  <a:pt x="6702301" y="0"/>
+                </a:cubicBezTo>
+                <a:cubicBezTo>
+                  <a:pt x="6920730" y="-26234"/>
+                  <a:pt x="6991194" y="-15156"/>
+                  <a:pt x="7272132" y="0"/>
+                </a:cubicBezTo>
+                <a:cubicBezTo>
+                  <a:pt x="7553070" y="15156"/>
+                  <a:pt x="7684444" y="-32961"/>
+                  <a:pt x="7950502" y="0"/>
+                </a:cubicBezTo>
+                <a:cubicBezTo>
+                  <a:pt x="8216560" y="32961"/>
+                  <a:pt x="8493290" y="-10491"/>
+                  <a:pt x="8737412" y="0"/>
+                </a:cubicBezTo>
+                <a:cubicBezTo>
+                  <a:pt x="8981534" y="10491"/>
+                  <a:pt x="9191586" y="-13899"/>
+                  <a:pt x="9524322" y="0"/>
+                </a:cubicBezTo>
+                <a:cubicBezTo>
+                  <a:pt x="9857058" y="13899"/>
+                  <a:pt x="10297509" y="7485"/>
+                  <a:pt x="10853928" y="0"/>
+                </a:cubicBezTo>
+                <a:cubicBezTo>
+                  <a:pt x="10854574" y="4451"/>
+                  <a:pt x="10854418" y="9226"/>
+                  <a:pt x="10853928" y="18288"/>
+                </a:cubicBezTo>
+                <a:cubicBezTo>
+                  <a:pt x="10691638" y="28522"/>
+                  <a:pt x="10574319" y="29578"/>
+                  <a:pt x="10392636" y="18288"/>
+                </a:cubicBezTo>
+                <a:cubicBezTo>
+                  <a:pt x="10210953" y="6998"/>
+                  <a:pt x="9836277" y="-16742"/>
+                  <a:pt x="9497187" y="18288"/>
+                </a:cubicBezTo>
+                <a:cubicBezTo>
+                  <a:pt x="9158097" y="53318"/>
+                  <a:pt x="9119479" y="30714"/>
+                  <a:pt x="8818817" y="18288"/>
+                </a:cubicBezTo>
+                <a:cubicBezTo>
+                  <a:pt x="8518155" y="5863"/>
+                  <a:pt x="8640037" y="6483"/>
+                  <a:pt x="8466064" y="18288"/>
+                </a:cubicBezTo>
+                <a:cubicBezTo>
+                  <a:pt x="8292091" y="30093"/>
+                  <a:pt x="7997656" y="18914"/>
+                  <a:pt x="7787693" y="18288"/>
+                </a:cubicBezTo>
+                <a:cubicBezTo>
+                  <a:pt x="7577730" y="17662"/>
+                  <a:pt x="7412468" y="21416"/>
+                  <a:pt x="7217862" y="18288"/>
+                </a:cubicBezTo>
+                <a:cubicBezTo>
+                  <a:pt x="7023256" y="15160"/>
+                  <a:pt x="6898018" y="14824"/>
+                  <a:pt x="6648031" y="18288"/>
+                </a:cubicBezTo>
+                <a:cubicBezTo>
+                  <a:pt x="6398044" y="21752"/>
+                  <a:pt x="6254402" y="38625"/>
+                  <a:pt x="6078200" y="18288"/>
+                </a:cubicBezTo>
+                <a:cubicBezTo>
+                  <a:pt x="5901998" y="-2049"/>
+                  <a:pt x="5622886" y="3213"/>
+                  <a:pt x="5508368" y="18288"/>
+                </a:cubicBezTo>
+                <a:cubicBezTo>
+                  <a:pt x="5393850" y="33363"/>
+                  <a:pt x="5036260" y="26830"/>
+                  <a:pt x="4721459" y="18288"/>
+                </a:cubicBezTo>
+                <a:cubicBezTo>
+                  <a:pt x="4406658" y="9746"/>
+                  <a:pt x="4239221" y="41551"/>
+                  <a:pt x="4043088" y="18288"/>
+                </a:cubicBezTo>
+                <a:cubicBezTo>
+                  <a:pt x="3846955" y="-4975"/>
+                  <a:pt x="3818802" y="34658"/>
+                  <a:pt x="3690336" y="18288"/>
+                </a:cubicBezTo>
+                <a:cubicBezTo>
+                  <a:pt x="3561870" y="1918"/>
+                  <a:pt x="3265491" y="42194"/>
+                  <a:pt x="3120504" y="18288"/>
+                </a:cubicBezTo>
+                <a:cubicBezTo>
+                  <a:pt x="2975517" y="-5618"/>
+                  <a:pt x="2720254" y="36673"/>
+                  <a:pt x="2333595" y="18288"/>
+                </a:cubicBezTo>
+                <a:cubicBezTo>
+                  <a:pt x="1946936" y="-97"/>
+                  <a:pt x="2097241" y="5776"/>
+                  <a:pt x="1872303" y="18288"/>
+                </a:cubicBezTo>
+                <a:cubicBezTo>
+                  <a:pt x="1647365" y="30800"/>
+                  <a:pt x="1282708" y="45380"/>
+                  <a:pt x="976854" y="18288"/>
+                </a:cubicBezTo>
+                <a:cubicBezTo>
+                  <a:pt x="671000" y="-8804"/>
+                  <a:pt x="408401" y="-12775"/>
+                  <a:pt x="0" y="18288"/>
+                </a:cubicBezTo>
+                <a:cubicBezTo>
+                  <a:pt x="-213" y="9468"/>
+                  <a:pt x="187" y="4459"/>
+                  <a:pt x="0" y="0"/>
+                </a:cubicBezTo>
+                <a:close/>
+              </a:path>
+              <a:path w="10853928" h="18288" stroke="0" extrusionOk="0">
+                <a:moveTo>
+                  <a:pt x="0" y="0"/>
+                </a:moveTo>
+                <a:cubicBezTo>
+                  <a:pt x="267322" y="15284"/>
+                  <a:pt x="415388" y="-21048"/>
+                  <a:pt x="569831" y="0"/>
+                </a:cubicBezTo>
+                <a:cubicBezTo>
+                  <a:pt x="724274" y="21048"/>
+                  <a:pt x="769333" y="-2353"/>
+                  <a:pt x="922584" y="0"/>
+                </a:cubicBezTo>
+                <a:cubicBezTo>
+                  <a:pt x="1075835" y="2353"/>
+                  <a:pt x="1399490" y="-145"/>
+                  <a:pt x="1818033" y="0"/>
+                </a:cubicBezTo>
+                <a:cubicBezTo>
+                  <a:pt x="2236576" y="145"/>
+                  <a:pt x="2145330" y="5482"/>
+                  <a:pt x="2387864" y="0"/>
+                </a:cubicBezTo>
+                <a:cubicBezTo>
+                  <a:pt x="2630398" y="-5482"/>
+                  <a:pt x="2793207" y="18487"/>
+                  <a:pt x="2957695" y="0"/>
+                </a:cubicBezTo>
+                <a:cubicBezTo>
+                  <a:pt x="3122183" y="-18487"/>
+                  <a:pt x="3579141" y="19003"/>
+                  <a:pt x="3853144" y="0"/>
+                </a:cubicBezTo>
+                <a:cubicBezTo>
+                  <a:pt x="4127147" y="-19003"/>
+                  <a:pt x="4209857" y="12211"/>
+                  <a:pt x="4314436" y="0"/>
+                </a:cubicBezTo>
+                <a:cubicBezTo>
+                  <a:pt x="4419015" y="-12211"/>
+                  <a:pt x="4762459" y="-17220"/>
+                  <a:pt x="5209885" y="0"/>
+                </a:cubicBezTo>
+                <a:cubicBezTo>
+                  <a:pt x="5657311" y="17220"/>
+                  <a:pt x="5692663" y="-3290"/>
+                  <a:pt x="6105335" y="0"/>
+                </a:cubicBezTo>
+                <a:cubicBezTo>
+                  <a:pt x="6518007" y="3290"/>
+                  <a:pt x="6455516" y="-5124"/>
+                  <a:pt x="6783705" y="0"/>
+                </a:cubicBezTo>
+                <a:cubicBezTo>
+                  <a:pt x="7111894" y="5124"/>
+                  <a:pt x="7441941" y="-17829"/>
+                  <a:pt x="7679154" y="0"/>
+                </a:cubicBezTo>
+                <a:cubicBezTo>
+                  <a:pt x="7916367" y="17829"/>
+                  <a:pt x="8102967" y="-24363"/>
+                  <a:pt x="8248985" y="0"/>
+                </a:cubicBezTo>
+                <a:cubicBezTo>
+                  <a:pt x="8395003" y="24363"/>
+                  <a:pt x="8552393" y="25505"/>
+                  <a:pt x="8818817" y="0"/>
+                </a:cubicBezTo>
+                <a:cubicBezTo>
+                  <a:pt x="9085241" y="-25505"/>
+                  <a:pt x="9411308" y="38000"/>
+                  <a:pt x="9605726" y="0"/>
+                </a:cubicBezTo>
+                <a:cubicBezTo>
+                  <a:pt x="9800144" y="-38000"/>
+                  <a:pt x="10006468" y="-25741"/>
+                  <a:pt x="10175558" y="0"/>
+                </a:cubicBezTo>
+                <a:cubicBezTo>
+                  <a:pt x="10344648" y="25741"/>
+                  <a:pt x="10696282" y="695"/>
+                  <a:pt x="10853928" y="0"/>
+                </a:cubicBezTo>
+                <a:cubicBezTo>
+                  <a:pt x="10853521" y="8690"/>
+                  <a:pt x="10853774" y="14141"/>
+                  <a:pt x="10853928" y="18288"/>
+                </a:cubicBezTo>
+                <a:cubicBezTo>
+                  <a:pt x="10608124" y="24255"/>
+                  <a:pt x="10343415" y="22307"/>
+                  <a:pt x="10067018" y="18288"/>
+                </a:cubicBezTo>
+                <a:cubicBezTo>
+                  <a:pt x="9790621" y="14270"/>
+                  <a:pt x="9843266" y="3564"/>
+                  <a:pt x="9714266" y="18288"/>
+                </a:cubicBezTo>
+                <a:cubicBezTo>
+                  <a:pt x="9585266" y="33012"/>
+                  <a:pt x="9379484" y="1875"/>
+                  <a:pt x="9252974" y="18288"/>
+                </a:cubicBezTo>
+                <a:cubicBezTo>
+                  <a:pt x="9126464" y="34701"/>
+                  <a:pt x="8580678" y="-4904"/>
+                  <a:pt x="8357525" y="18288"/>
+                </a:cubicBezTo>
+                <a:cubicBezTo>
+                  <a:pt x="8134372" y="41480"/>
+                  <a:pt x="7903199" y="26458"/>
+                  <a:pt x="7679154" y="18288"/>
+                </a:cubicBezTo>
+                <a:cubicBezTo>
+                  <a:pt x="7455109" y="10118"/>
+                  <a:pt x="7435944" y="27109"/>
+                  <a:pt x="7217862" y="18288"/>
+                </a:cubicBezTo>
+                <a:cubicBezTo>
+                  <a:pt x="6999780" y="9467"/>
+                  <a:pt x="6680409" y="18985"/>
+                  <a:pt x="6539492" y="18288"/>
+                </a:cubicBezTo>
+                <a:cubicBezTo>
+                  <a:pt x="6398575" y="17592"/>
+                  <a:pt x="6312077" y="33018"/>
+                  <a:pt x="6186739" y="18288"/>
+                </a:cubicBezTo>
+                <a:cubicBezTo>
+                  <a:pt x="6061401" y="3558"/>
+                  <a:pt x="5947033" y="12075"/>
+                  <a:pt x="5833986" y="18288"/>
+                </a:cubicBezTo>
+                <a:cubicBezTo>
+                  <a:pt x="5720939" y="24501"/>
+                  <a:pt x="5482226" y="8586"/>
+                  <a:pt x="5155616" y="18288"/>
+                </a:cubicBezTo>
+                <a:cubicBezTo>
+                  <a:pt x="4829006" y="27991"/>
+                  <a:pt x="4841274" y="29316"/>
+                  <a:pt x="4694324" y="18288"/>
+                </a:cubicBezTo>
+                <a:cubicBezTo>
+                  <a:pt x="4547374" y="7260"/>
+                  <a:pt x="4077675" y="7013"/>
+                  <a:pt x="3907414" y="18288"/>
+                </a:cubicBezTo>
+                <a:cubicBezTo>
+                  <a:pt x="3737153" y="29564"/>
+                  <a:pt x="3538393" y="21630"/>
+                  <a:pt x="3446122" y="18288"/>
+                </a:cubicBezTo>
+                <a:cubicBezTo>
+                  <a:pt x="3353851" y="14946"/>
+                  <a:pt x="2990320" y="-8091"/>
+                  <a:pt x="2659212" y="18288"/>
+                </a:cubicBezTo>
+                <a:cubicBezTo>
+                  <a:pt x="2328104" y="44667"/>
+                  <a:pt x="2427653" y="9607"/>
+                  <a:pt x="2306460" y="18288"/>
+                </a:cubicBezTo>
+                <a:cubicBezTo>
+                  <a:pt x="2185267" y="26969"/>
+                  <a:pt x="1719763" y="3717"/>
+                  <a:pt x="1519550" y="18288"/>
+                </a:cubicBezTo>
+                <a:cubicBezTo>
+                  <a:pt x="1319337" y="32860"/>
+                  <a:pt x="1167371" y="17040"/>
+                  <a:pt x="1058258" y="18288"/>
+                </a:cubicBezTo>
+                <a:cubicBezTo>
+                  <a:pt x="949145" y="19536"/>
+                  <a:pt x="780234" y="31447"/>
+                  <a:pt x="705505" y="18288"/>
+                </a:cubicBezTo>
+                <a:cubicBezTo>
+                  <a:pt x="630776" y="5129"/>
+                  <a:pt x="215796" y="30056"/>
+                  <a:pt x="0" y="18288"/>
+                </a:cubicBezTo>
+                <a:cubicBezTo>
+                  <a:pt x="-53" y="11301"/>
+                  <a:pt x="-649" y="7756"/>
+                  <a:pt x="0" y="0"/>
+                </a:cubicBezTo>
+                <a:close/>
+              </a:path>
+            </a:pathLst>
+          </a:custGeom>
+          <a:solidFill>
+            <a:schemeClr val="accent2"/>
+          </a:solidFill>
+          <a:ln w="41275" cap="rnd">
+            <a:solidFill>
+              <a:schemeClr val="accent2"/>
+            </a:solidFill>
+            <a:round/>
+            <a:extLst>
+              <a:ext uri="{C807C97D-BFC1-408E-A445-0C87EB9F89A2}">
+                <ask:lineSketchStyleProps xmlns:ask="http://schemas.microsoft.com/office/drawing/2018/sketchyshapes" sd="1219033472">
+                  <a:prstGeom prst="rect">
+                    <a:avLst/>
+                  </a:prstGeom>
+                  <ask:type>
+                    <ask:lineSketchFreehand/>
+                  </ask:type>
+                </ask:lineSketchStyleProps>
+              </a:ext>
+            </a:extLst>
+          </a:ln>
+        </p:spPr>
+        <p:style>
+          <a:lnRef idx="2">
+            <a:schemeClr val="accent1">
+              <a:shade val="50000"/>
+            </a:schemeClr>
+          </a:lnRef>
+          <a:fillRef idx="1">
+            <a:schemeClr val="accent1"/>
+          </a:fillRef>
+          <a:effectRef idx="0">
+            <a:schemeClr val="accent1"/>
+          </a:effectRef>
+          <a:fontRef idx="minor">
+            <a:schemeClr val="lt1"/>
+          </a:fontRef>
+        </p:style>
+        <p:txBody>
+          <a:bodyPr rtlCol="0" anchor="ctr"/>
+          <a:lstStyle/>
+          <a:p>
+            <a:pPr algn="ctr"/>
+            <a:endParaRPr lang="en-US"/>
+          </a:p>
+        </p:txBody>
+      </p:sp>
+      <p:sp>
+        <p:nvSpPr>
+          <p:cNvPr id="6" name="Slide Number Placeholder 5">
+            <a:extLst>
+              <a:ext uri="{FF2B5EF4-FFF2-40B4-BE49-F238E27FC236}">
+                <a16:creationId xmlns:a16="http://schemas.microsoft.com/office/drawing/2014/main" id="{07D5F90B-A703-3979-44A8-9125B7AA3463}"/>
+              </a:ext>
+            </a:extLst>
+          </p:cNvPr>
+          <p:cNvSpPr>
+            <a:spLocks noGrp="1"/>
+          </p:cNvSpPr>
+          <p:nvPr>
+            <p:ph type="sldNum" sz="quarter" idx="12"/>
+          </p:nvPr>
+        </p:nvSpPr>
+        <p:spPr>
+          <a:xfrm>
+            <a:off x="8610600" y="6191250"/>
+            <a:ext cx="2743200" cy="530225"/>
+          </a:xfrm>
+        </p:spPr>
+        <p:txBody>
+          <a:bodyPr>
+            <a:noAutofit/>
+          </a:bodyPr>
+          <a:lstStyle/>
+          <a:p>
+            <a:pPr rtl="0">
+              <a:lnSpc>
+                <a:spcPct val="90000"/>
+              </a:lnSpc>
+              <a:spcAft>
+                <a:spcPts val="600"/>
+              </a:spcAft>
+            </a:pPr>
+            <a:endParaRPr lang="it-IT" sz="1800" b="1" noProof="0" dirty="0"/>
+          </a:p>
+          <a:p>
+            <a:pPr rtl="0">
+              <a:lnSpc>
+                <a:spcPct val="90000"/>
+              </a:lnSpc>
+              <a:spcAft>
+                <a:spcPts val="600"/>
+              </a:spcAft>
+            </a:pPr>
+            <a:r>
+              <a:rPr lang="it-IT" sz="1800" b="1" noProof="0" dirty="0"/>
+              <a:t>15</a:t>
+            </a:r>
+          </a:p>
+        </p:txBody>
+      </p:sp>
+      <p:sp>
+        <p:nvSpPr>
+          <p:cNvPr id="7" name="CasellaDiTesto 6">
+            <a:extLst>
+              <a:ext uri="{FF2B5EF4-FFF2-40B4-BE49-F238E27FC236}">
+                <a16:creationId xmlns:a16="http://schemas.microsoft.com/office/drawing/2014/main" id="{2F6D6524-8D26-DCE0-C8D6-6656324DC85A}"/>
+              </a:ext>
+            </a:extLst>
+          </p:cNvPr>
+          <p:cNvSpPr txBox="1"/>
+          <p:nvPr/>
+        </p:nvSpPr>
+        <p:spPr>
+          <a:xfrm>
+            <a:off x="838200" y="6298163"/>
+            <a:ext cx="2110273" cy="369332"/>
+          </a:xfrm>
+          <a:prstGeom prst="rect">
+            <a:avLst/>
+          </a:prstGeom>
+          <a:noFill/>
+        </p:spPr>
+        <p:txBody>
+          <a:bodyPr wrap="square" rtlCol="0">
+            <a:spAutoFit/>
+          </a:bodyPr>
+          <a:lstStyle/>
+          <a:p>
+            <a:r>
+              <a:rPr lang="it-IT" dirty="0"/>
+              <a:t>CLASS DIAGRAM</a:t>
+            </a:r>
+          </a:p>
+        </p:txBody>
+      </p:sp>
+      <p:sp>
+        <p:nvSpPr>
+          <p:cNvPr id="10" name="CasellaDiTesto 9">
+            <a:extLst>
+              <a:ext uri="{FF2B5EF4-FFF2-40B4-BE49-F238E27FC236}">
+                <a16:creationId xmlns:a16="http://schemas.microsoft.com/office/drawing/2014/main" id="{6A436C8B-00CB-47DF-CE0F-3E6AF627C2BC}"/>
+              </a:ext>
+            </a:extLst>
+          </p:cNvPr>
+          <p:cNvSpPr txBox="1"/>
+          <p:nvPr/>
+        </p:nvSpPr>
+        <p:spPr>
+          <a:xfrm>
+            <a:off x="6895322" y="6382139"/>
+            <a:ext cx="2184765" cy="369332"/>
+          </a:xfrm>
+          <a:prstGeom prst="rect">
+            <a:avLst/>
+          </a:prstGeom>
+          <a:noFill/>
+        </p:spPr>
+        <p:txBody>
+          <a:bodyPr wrap="none" rtlCol="0">
+            <a:spAutoFit/>
+          </a:bodyPr>
+          <a:lstStyle/>
+          <a:p>
+            <a:r>
+              <a:rPr lang="it-IT" dirty="0"/>
+              <a:t>SEQUENCE DIAGRAM</a:t>
+            </a:r>
+          </a:p>
+        </p:txBody>
+      </p:sp>
+      <p:pic>
+        <p:nvPicPr>
+          <p:cNvPr id="12" name="Segnaposto contenuto 11">
+            <a:extLst>
+              <a:ext uri="{FF2B5EF4-FFF2-40B4-BE49-F238E27FC236}">
+                <a16:creationId xmlns:a16="http://schemas.microsoft.com/office/drawing/2014/main" id="{F10FD7AA-8790-87C5-FE9C-346B2D992897}"/>
+              </a:ext>
+            </a:extLst>
+          </p:cNvPr>
+          <p:cNvPicPr>
+            <a:picLocks noGrp="1" noChangeAspect="1"/>
+          </p:cNvPicPr>
+          <p:nvPr>
+            <p:ph idx="1"/>
+          </p:nvPr>
+        </p:nvPicPr>
+        <p:blipFill rotWithShape="1">
+          <a:blip r:embed="rId2"/>
+          <a:srcRect l="1817" t="6982" b="3654"/>
+          <a:stretch/>
+        </p:blipFill>
+        <p:spPr>
+          <a:xfrm>
+            <a:off x="130628" y="2471857"/>
+            <a:ext cx="5849846" cy="3600000"/>
+          </a:xfrm>
+        </p:spPr>
+      </p:pic>
+      <p:pic>
+        <p:nvPicPr>
+          <p:cNvPr id="15" name="Immagine 14">
+            <a:extLst>
+              <a:ext uri="{FF2B5EF4-FFF2-40B4-BE49-F238E27FC236}">
+                <a16:creationId xmlns:a16="http://schemas.microsoft.com/office/drawing/2014/main" id="{B857A273-6DEB-D710-9311-64C00F4354C4}"/>
+              </a:ext>
+            </a:extLst>
+          </p:cNvPr>
+          <p:cNvPicPr>
+            <a:picLocks noChangeAspect="1"/>
+          </p:cNvPicPr>
+          <p:nvPr/>
+        </p:nvPicPr>
+        <p:blipFill rotWithShape="1">
+          <a:blip r:embed="rId3"/>
+          <a:srcRect b="35792"/>
+          <a:stretch/>
+        </p:blipFill>
+        <p:spPr>
+          <a:xfrm>
+            <a:off x="6211528" y="2434961"/>
+            <a:ext cx="5710209" cy="3780000"/>
+          </a:xfrm>
+          <a:prstGeom prst="rect">
+            <a:avLst/>
+          </a:prstGeom>
+        </p:spPr>
+      </p:pic>
+    </p:spTree>
+    <p:extLst>
+      <p:ext uri="{BB962C8B-B14F-4D97-AF65-F5344CB8AC3E}">
+        <p14:creationId xmlns:p14="http://schemas.microsoft.com/office/powerpoint/2010/main" val="1549231609"/>
+      </p:ext>
+    </p:extLst>
+  </p:cSld>
+  <p:clrMapOvr>
+    <a:masterClrMapping/>
+  </p:clrMapOvr>
+</p:sld>
+</file>
+
+<file path=ppt/slides/slide16.xml><?xml version="1.0" encoding="utf-8"?>
+<p:sld xmlns:a="http://schemas.openxmlformats.org/drawingml/2006/main" xmlns:r="http://schemas.openxmlformats.org/officeDocument/2006/relationships" xmlns:p="http://schemas.openxmlformats.org/presentationml/2006/main">
+  <p:cSld>
+    <p:bg>
+      <p:bgPr>
+        <a:solidFill>
+          <a:schemeClr val="bg1"/>
+        </a:solidFill>
+        <a:effectLst/>
+      </p:bgPr>
+    </p:bg>
+    <p:spTree>
+      <p:nvGrpSpPr>
+        <p:cNvPr id="1" name=""/>
+        <p:cNvGrpSpPr/>
+        <p:nvPr/>
+      </p:nvGrpSpPr>
+      <p:grpSpPr>
+        <a:xfrm>
+          <a:off x="0" y="0"/>
+          <a:ext cx="0" cy="0"/>
+          <a:chOff x="0" y="0"/>
+          <a:chExt cx="0" cy="0"/>
+        </a:xfrm>
+      </p:grpSpPr>
+      <p:sp useBgFill="1">
+        <p:nvSpPr>
+          <p:cNvPr id="11" name="Rectangle 10">
+            <a:extLst>
+              <a:ext uri="{FF2B5EF4-FFF2-40B4-BE49-F238E27FC236}">
+                <a16:creationId xmlns:a16="http://schemas.microsoft.com/office/drawing/2014/main" id="{100EDD19-6802-4EC3-95CE-CFFAB042CFD6}"/>
+              </a:ext>
+              <a:ext uri="{C183D7F6-B498-43B3-948B-1728B52AA6E4}">
+                <adec:decorative xmlns:adec="http://schemas.microsoft.com/office/drawing/2017/decorative" val="1"/>
+              </a:ext>
+            </a:extLst>
+          </p:cNvPr>
+          <p:cNvSpPr>
+            <a:spLocks noGrp="1" noRot="1" noChangeAspect="1" noMove="1" noResize="1" noEditPoints="1" noAdjustHandles="1" noChangeArrowheads="1" noChangeShapeType="1" noTextEdit="1"/>
+          </p:cNvSpPr>
+          <p:nvPr>
+            <p:extLst>
+              <p:ext uri="{386F3935-93C4-4BCD-93E2-E3B085C9AB24}">
+                <p16:designElem xmlns:p16="http://schemas.microsoft.com/office/powerpoint/2015/main" val="1"/>
+              </p:ext>
+            </p:extLst>
+          </p:nvPr>
+        </p:nvSpPr>
+        <p:spPr>
+          <a:xfrm>
+            <a:off x="0" y="0"/>
+            <a:ext cx="12188952" cy="6858000"/>
+          </a:xfrm>
+          <a:prstGeom prst="rect">
+            <a:avLst/>
+          </a:prstGeom>
+          <a:ln>
+            <a:noFill/>
+          </a:ln>
+        </p:spPr>
+        <p:style>
+          <a:lnRef idx="2">
+            <a:schemeClr val="accent1">
+              <a:shade val="50000"/>
+            </a:schemeClr>
+          </a:lnRef>
+          <a:fillRef idx="1">
+            <a:schemeClr val="accent1"/>
+          </a:fillRef>
+          <a:effectRef idx="0">
+            <a:schemeClr val="accent1"/>
+          </a:effectRef>
+          <a:fontRef idx="minor">
+            <a:schemeClr val="lt1"/>
+          </a:fontRef>
+        </p:style>
+        <p:txBody>
+          <a:bodyPr rtlCol="0" anchor="ctr"/>
+          <a:lstStyle/>
+          <a:p>
+            <a:pPr algn="ctr"/>
+            <a:endParaRPr lang="en-US"/>
+          </a:p>
+        </p:txBody>
+      </p:sp>
+      <p:sp>
+        <p:nvSpPr>
+          <p:cNvPr id="2" name="Title 1">
+            <a:extLst>
+              <a:ext uri="{FF2B5EF4-FFF2-40B4-BE49-F238E27FC236}">
+                <a16:creationId xmlns:a16="http://schemas.microsoft.com/office/drawing/2014/main" id="{DDB7800B-90D1-8C4B-56B7-FA1626BB1375}"/>
+              </a:ext>
+            </a:extLst>
+          </p:cNvPr>
+          <p:cNvSpPr>
+            <a:spLocks noGrp="1"/>
+          </p:cNvSpPr>
+          <p:nvPr>
+            <p:ph type="title"/>
+          </p:nvPr>
+        </p:nvSpPr>
+        <p:spPr>
+          <a:xfrm>
+            <a:off x="838200" y="365125"/>
+            <a:ext cx="10515600" cy="1325563"/>
+          </a:xfrm>
+        </p:spPr>
+        <p:txBody>
+          <a:bodyPr>
+            <a:normAutofit/>
+          </a:bodyPr>
+          <a:lstStyle/>
+          <a:p>
+            <a:r>
+              <a:rPr lang="it-IT" sz="5400" b="1" dirty="0"/>
+              <a:t>Modellazione: Diagrammi</a:t>
+            </a:r>
+            <a:endParaRPr lang="en-US" sz="5400" b="1" dirty="0"/>
+          </a:p>
+        </p:txBody>
+      </p:sp>
+      <p:sp>
+        <p:nvSpPr>
+          <p:cNvPr id="13" name="sketch line">
+            <a:extLst>
+              <a:ext uri="{FF2B5EF4-FFF2-40B4-BE49-F238E27FC236}">
+                <a16:creationId xmlns:a16="http://schemas.microsoft.com/office/drawing/2014/main" id="{DB17E863-922E-4C26-BD64-E8FD41D28661}"/>
+              </a:ext>
+              <a:ext uri="{C183D7F6-B498-43B3-948B-1728B52AA6E4}">
+                <adec:decorative xmlns:adec="http://schemas.microsoft.com/office/drawing/2017/decorative" val="1"/>
+              </a:ext>
+            </a:extLst>
+          </p:cNvPr>
+          <p:cNvSpPr>
+            <a:spLocks noGrp="1" noRot="1" noChangeAspect="1" noMove="1" noResize="1" noEditPoints="1" noAdjustHandles="1" noChangeArrowheads="1" noChangeShapeType="1" noTextEdit="1"/>
+          </p:cNvSpPr>
+          <p:nvPr>
+            <p:extLst>
+              <p:ext uri="{386F3935-93C4-4BCD-93E2-E3B085C9AB24}">
+                <p16:designElem xmlns:p16="http://schemas.microsoft.com/office/powerpoint/2015/main" val="1"/>
+              </p:ext>
+            </p:extLst>
+          </p:nvPr>
+        </p:nvSpPr>
+        <p:spPr>
+          <a:xfrm>
+            <a:off x="669036" y="1677373"/>
+            <a:ext cx="10853928" cy="18288"/>
+          </a:xfrm>
+          <a:custGeom>
+            <a:avLst/>
+            <a:gdLst>
+              <a:gd name="connsiteX0" fmla="*/ 0 w 10853928"/>
+              <a:gd name="connsiteY0" fmla="*/ 0 h 18288"/>
+              <a:gd name="connsiteX1" fmla="*/ 461292 w 10853928"/>
+              <a:gd name="connsiteY1" fmla="*/ 0 h 18288"/>
+              <a:gd name="connsiteX2" fmla="*/ 1139662 w 10853928"/>
+              <a:gd name="connsiteY2" fmla="*/ 0 h 18288"/>
+              <a:gd name="connsiteX3" fmla="*/ 1926572 w 10853928"/>
+              <a:gd name="connsiteY3" fmla="*/ 0 h 18288"/>
+              <a:gd name="connsiteX4" fmla="*/ 2279325 w 10853928"/>
+              <a:gd name="connsiteY4" fmla="*/ 0 h 18288"/>
+              <a:gd name="connsiteX5" fmla="*/ 2632078 w 10853928"/>
+              <a:gd name="connsiteY5" fmla="*/ 0 h 18288"/>
+              <a:gd name="connsiteX6" fmla="*/ 3527527 w 10853928"/>
+              <a:gd name="connsiteY6" fmla="*/ 0 h 18288"/>
+              <a:gd name="connsiteX7" fmla="*/ 4205897 w 10853928"/>
+              <a:gd name="connsiteY7" fmla="*/ 0 h 18288"/>
+              <a:gd name="connsiteX8" fmla="*/ 4558650 w 10853928"/>
+              <a:gd name="connsiteY8" fmla="*/ 0 h 18288"/>
+              <a:gd name="connsiteX9" fmla="*/ 5237020 w 10853928"/>
+              <a:gd name="connsiteY9" fmla="*/ 0 h 18288"/>
+              <a:gd name="connsiteX10" fmla="*/ 6132469 w 10853928"/>
+              <a:gd name="connsiteY10" fmla="*/ 0 h 18288"/>
+              <a:gd name="connsiteX11" fmla="*/ 6702301 w 10853928"/>
+              <a:gd name="connsiteY11" fmla="*/ 0 h 18288"/>
+              <a:gd name="connsiteX12" fmla="*/ 7272132 w 10853928"/>
+              <a:gd name="connsiteY12" fmla="*/ 0 h 18288"/>
+              <a:gd name="connsiteX13" fmla="*/ 7950502 w 10853928"/>
+              <a:gd name="connsiteY13" fmla="*/ 0 h 18288"/>
+              <a:gd name="connsiteX14" fmla="*/ 8737412 w 10853928"/>
+              <a:gd name="connsiteY14" fmla="*/ 0 h 18288"/>
+              <a:gd name="connsiteX15" fmla="*/ 9524322 w 10853928"/>
+              <a:gd name="connsiteY15" fmla="*/ 0 h 18288"/>
+              <a:gd name="connsiteX16" fmla="*/ 10853928 w 10853928"/>
+              <a:gd name="connsiteY16" fmla="*/ 0 h 18288"/>
+              <a:gd name="connsiteX17" fmla="*/ 10853928 w 10853928"/>
+              <a:gd name="connsiteY17" fmla="*/ 18288 h 18288"/>
+              <a:gd name="connsiteX18" fmla="*/ 10392636 w 10853928"/>
+              <a:gd name="connsiteY18" fmla="*/ 18288 h 18288"/>
+              <a:gd name="connsiteX19" fmla="*/ 9497187 w 10853928"/>
+              <a:gd name="connsiteY19" fmla="*/ 18288 h 18288"/>
+              <a:gd name="connsiteX20" fmla="*/ 8818817 w 10853928"/>
+              <a:gd name="connsiteY20" fmla="*/ 18288 h 18288"/>
+              <a:gd name="connsiteX21" fmla="*/ 8466064 w 10853928"/>
+              <a:gd name="connsiteY21" fmla="*/ 18288 h 18288"/>
+              <a:gd name="connsiteX22" fmla="*/ 7787693 w 10853928"/>
+              <a:gd name="connsiteY22" fmla="*/ 18288 h 18288"/>
+              <a:gd name="connsiteX23" fmla="*/ 7217862 w 10853928"/>
+              <a:gd name="connsiteY23" fmla="*/ 18288 h 18288"/>
+              <a:gd name="connsiteX24" fmla="*/ 6648031 w 10853928"/>
+              <a:gd name="connsiteY24" fmla="*/ 18288 h 18288"/>
+              <a:gd name="connsiteX25" fmla="*/ 6078200 w 10853928"/>
+              <a:gd name="connsiteY25" fmla="*/ 18288 h 18288"/>
+              <a:gd name="connsiteX26" fmla="*/ 5508368 w 10853928"/>
+              <a:gd name="connsiteY26" fmla="*/ 18288 h 18288"/>
+              <a:gd name="connsiteX27" fmla="*/ 4721459 w 10853928"/>
+              <a:gd name="connsiteY27" fmla="*/ 18288 h 18288"/>
+              <a:gd name="connsiteX28" fmla="*/ 4043088 w 10853928"/>
+              <a:gd name="connsiteY28" fmla="*/ 18288 h 18288"/>
+              <a:gd name="connsiteX29" fmla="*/ 3690336 w 10853928"/>
+              <a:gd name="connsiteY29" fmla="*/ 18288 h 18288"/>
+              <a:gd name="connsiteX30" fmla="*/ 3120504 w 10853928"/>
+              <a:gd name="connsiteY30" fmla="*/ 18288 h 18288"/>
+              <a:gd name="connsiteX31" fmla="*/ 2333595 w 10853928"/>
+              <a:gd name="connsiteY31" fmla="*/ 18288 h 18288"/>
+              <a:gd name="connsiteX32" fmla="*/ 1872303 w 10853928"/>
+              <a:gd name="connsiteY32" fmla="*/ 18288 h 18288"/>
+              <a:gd name="connsiteX33" fmla="*/ 976854 w 10853928"/>
+              <a:gd name="connsiteY33" fmla="*/ 18288 h 18288"/>
+              <a:gd name="connsiteX34" fmla="*/ 0 w 10853928"/>
+              <a:gd name="connsiteY34" fmla="*/ 18288 h 18288"/>
+              <a:gd name="connsiteX35" fmla="*/ 0 w 10853928"/>
+              <a:gd name="connsiteY35" fmla="*/ 0 h 18288"/>
+            </a:gdLst>
+            <a:ahLst/>
+            <a:cxnLst>
+              <a:cxn ang="0">
+                <a:pos x="connsiteX0" y="connsiteY0"/>
+              </a:cxn>
+              <a:cxn ang="0">
+                <a:pos x="connsiteX1" y="connsiteY1"/>
+              </a:cxn>
+              <a:cxn ang="0">
+                <a:pos x="connsiteX2" y="connsiteY2"/>
+              </a:cxn>
+              <a:cxn ang="0">
+                <a:pos x="connsiteX3" y="connsiteY3"/>
+              </a:cxn>
+              <a:cxn ang="0">
+                <a:pos x="connsiteX4" y="connsiteY4"/>
+              </a:cxn>
+              <a:cxn ang="0">
+                <a:pos x="connsiteX5" y="connsiteY5"/>
+              </a:cxn>
+              <a:cxn ang="0">
+                <a:pos x="connsiteX6" y="connsiteY6"/>
+              </a:cxn>
+              <a:cxn ang="0">
+                <a:pos x="connsiteX7" y="connsiteY7"/>
+              </a:cxn>
+              <a:cxn ang="0">
+                <a:pos x="connsiteX8" y="connsiteY8"/>
+              </a:cxn>
+              <a:cxn ang="0">
+                <a:pos x="connsiteX9" y="connsiteY9"/>
+              </a:cxn>
+              <a:cxn ang="0">
+                <a:pos x="connsiteX10" y="connsiteY10"/>
+              </a:cxn>
+              <a:cxn ang="0">
+                <a:pos x="connsiteX11" y="connsiteY11"/>
+              </a:cxn>
+              <a:cxn ang="0">
+                <a:pos x="connsiteX12" y="connsiteY12"/>
+              </a:cxn>
+              <a:cxn ang="0">
+                <a:pos x="connsiteX13" y="connsiteY13"/>
+              </a:cxn>
+              <a:cxn ang="0">
+                <a:pos x="connsiteX14" y="connsiteY14"/>
+              </a:cxn>
+              <a:cxn ang="0">
+                <a:pos x="connsiteX15" y="connsiteY15"/>
+              </a:cxn>
+              <a:cxn ang="0">
+                <a:pos x="connsiteX16" y="connsiteY16"/>
+              </a:cxn>
+              <a:cxn ang="0">
+                <a:pos x="connsiteX17" y="connsiteY17"/>
+              </a:cxn>
+              <a:cxn ang="0">
+                <a:pos x="connsiteX18" y="connsiteY18"/>
+              </a:cxn>
+              <a:cxn ang="0">
+                <a:pos x="connsiteX19" y="connsiteY19"/>
+              </a:cxn>
+              <a:cxn ang="0">
+                <a:pos x="connsiteX20" y="connsiteY20"/>
+              </a:cxn>
+              <a:cxn ang="0">
+                <a:pos x="connsiteX21" y="connsiteY21"/>
+              </a:cxn>
+              <a:cxn ang="0">
+                <a:pos x="connsiteX22" y="connsiteY22"/>
+              </a:cxn>
+              <a:cxn ang="0">
+                <a:pos x="connsiteX23" y="connsiteY23"/>
+              </a:cxn>
+              <a:cxn ang="0">
+                <a:pos x="connsiteX24" y="connsiteY24"/>
+              </a:cxn>
+              <a:cxn ang="0">
+                <a:pos x="connsiteX25" y="connsiteY25"/>
+              </a:cxn>
+              <a:cxn ang="0">
+                <a:pos x="connsiteX26" y="connsiteY26"/>
+              </a:cxn>
+              <a:cxn ang="0">
+                <a:pos x="connsiteX27" y="connsiteY27"/>
+              </a:cxn>
+              <a:cxn ang="0">
+                <a:pos x="connsiteX28" y="connsiteY28"/>
+              </a:cxn>
+              <a:cxn ang="0">
+                <a:pos x="connsiteX29" y="connsiteY29"/>
+              </a:cxn>
+              <a:cxn ang="0">
+                <a:pos x="connsiteX30" y="connsiteY30"/>
+              </a:cxn>
+              <a:cxn ang="0">
+                <a:pos x="connsiteX31" y="connsiteY31"/>
+              </a:cxn>
+              <a:cxn ang="0">
+                <a:pos x="connsiteX32" y="connsiteY32"/>
+              </a:cxn>
+              <a:cxn ang="0">
+                <a:pos x="connsiteX33" y="connsiteY33"/>
+              </a:cxn>
+              <a:cxn ang="0">
+                <a:pos x="connsiteX34" y="connsiteY34"/>
+              </a:cxn>
+              <a:cxn ang="0">
+                <a:pos x="connsiteX35" y="connsiteY35"/>
+              </a:cxn>
+            </a:cxnLst>
+            <a:rect l="l" t="t" r="r" b="b"/>
+            <a:pathLst>
+              <a:path w="10853928" h="18288" fill="none" extrusionOk="0">
+                <a:moveTo>
+                  <a:pt x="0" y="0"/>
+                </a:moveTo>
+                <a:cubicBezTo>
+                  <a:pt x="146993" y="-19076"/>
+                  <a:pt x="347684" y="-4790"/>
+                  <a:pt x="461292" y="0"/>
+                </a:cubicBezTo>
+                <a:cubicBezTo>
+                  <a:pt x="574900" y="4790"/>
+                  <a:pt x="808367" y="19821"/>
+                  <a:pt x="1139662" y="0"/>
+                </a:cubicBezTo>
+                <a:cubicBezTo>
+                  <a:pt x="1470957" y="-19821"/>
+                  <a:pt x="1627405" y="5721"/>
+                  <a:pt x="1926572" y="0"/>
+                </a:cubicBezTo>
+                <a:cubicBezTo>
+                  <a:pt x="2225739" y="-5721"/>
+                  <a:pt x="2137730" y="-3235"/>
+                  <a:pt x="2279325" y="0"/>
+                </a:cubicBezTo>
+                <a:cubicBezTo>
+                  <a:pt x="2420920" y="3235"/>
+                  <a:pt x="2456518" y="9685"/>
+                  <a:pt x="2632078" y="0"/>
+                </a:cubicBezTo>
+                <a:cubicBezTo>
+                  <a:pt x="2807638" y="-9685"/>
+                  <a:pt x="3211516" y="-43007"/>
+                  <a:pt x="3527527" y="0"/>
+                </a:cubicBezTo>
+                <a:cubicBezTo>
+                  <a:pt x="3843538" y="43007"/>
+                  <a:pt x="4058833" y="22042"/>
+                  <a:pt x="4205897" y="0"/>
+                </a:cubicBezTo>
+                <a:cubicBezTo>
+                  <a:pt x="4352961" y="-22042"/>
+                  <a:pt x="4474805" y="-11846"/>
+                  <a:pt x="4558650" y="0"/>
+                </a:cubicBezTo>
+                <a:cubicBezTo>
+                  <a:pt x="4642495" y="11846"/>
+                  <a:pt x="5041928" y="-6069"/>
+                  <a:pt x="5237020" y="0"/>
+                </a:cubicBezTo>
+                <a:cubicBezTo>
+                  <a:pt x="5432112" y="6069"/>
+                  <a:pt x="5943266" y="-17479"/>
+                  <a:pt x="6132469" y="0"/>
+                </a:cubicBezTo>
+                <a:cubicBezTo>
+                  <a:pt x="6321672" y="17479"/>
+                  <a:pt x="6483872" y="26234"/>
+                  <a:pt x="6702301" y="0"/>
+                </a:cubicBezTo>
+                <a:cubicBezTo>
+                  <a:pt x="6920730" y="-26234"/>
+                  <a:pt x="6991194" y="-15156"/>
+                  <a:pt x="7272132" y="0"/>
+                </a:cubicBezTo>
+                <a:cubicBezTo>
+                  <a:pt x="7553070" y="15156"/>
+                  <a:pt x="7684444" y="-32961"/>
+                  <a:pt x="7950502" y="0"/>
+                </a:cubicBezTo>
+                <a:cubicBezTo>
+                  <a:pt x="8216560" y="32961"/>
+                  <a:pt x="8493290" y="-10491"/>
+                  <a:pt x="8737412" y="0"/>
+                </a:cubicBezTo>
+                <a:cubicBezTo>
+                  <a:pt x="8981534" y="10491"/>
+                  <a:pt x="9191586" y="-13899"/>
+                  <a:pt x="9524322" y="0"/>
+                </a:cubicBezTo>
+                <a:cubicBezTo>
+                  <a:pt x="9857058" y="13899"/>
+                  <a:pt x="10297509" y="7485"/>
+                  <a:pt x="10853928" y="0"/>
+                </a:cubicBezTo>
+                <a:cubicBezTo>
+                  <a:pt x="10854574" y="4451"/>
+                  <a:pt x="10854418" y="9226"/>
+                  <a:pt x="10853928" y="18288"/>
+                </a:cubicBezTo>
+                <a:cubicBezTo>
+                  <a:pt x="10691638" y="28522"/>
+                  <a:pt x="10574319" y="29578"/>
+                  <a:pt x="10392636" y="18288"/>
+                </a:cubicBezTo>
+                <a:cubicBezTo>
+                  <a:pt x="10210953" y="6998"/>
+                  <a:pt x="9836277" y="-16742"/>
+                  <a:pt x="9497187" y="18288"/>
+                </a:cubicBezTo>
+                <a:cubicBezTo>
+                  <a:pt x="9158097" y="53318"/>
+                  <a:pt x="9119479" y="30714"/>
+                  <a:pt x="8818817" y="18288"/>
+                </a:cubicBezTo>
+                <a:cubicBezTo>
+                  <a:pt x="8518155" y="5863"/>
+                  <a:pt x="8640037" y="6483"/>
+                  <a:pt x="8466064" y="18288"/>
+                </a:cubicBezTo>
+                <a:cubicBezTo>
+                  <a:pt x="8292091" y="30093"/>
+                  <a:pt x="7997656" y="18914"/>
+                  <a:pt x="7787693" y="18288"/>
+                </a:cubicBezTo>
+                <a:cubicBezTo>
+                  <a:pt x="7577730" y="17662"/>
+                  <a:pt x="7412468" y="21416"/>
+                  <a:pt x="7217862" y="18288"/>
+                </a:cubicBezTo>
+                <a:cubicBezTo>
+                  <a:pt x="7023256" y="15160"/>
+                  <a:pt x="6898018" y="14824"/>
+                  <a:pt x="6648031" y="18288"/>
+                </a:cubicBezTo>
+                <a:cubicBezTo>
+                  <a:pt x="6398044" y="21752"/>
+                  <a:pt x="6254402" y="38625"/>
+                  <a:pt x="6078200" y="18288"/>
+                </a:cubicBezTo>
+                <a:cubicBezTo>
+                  <a:pt x="5901998" y="-2049"/>
+                  <a:pt x="5622886" y="3213"/>
+                  <a:pt x="5508368" y="18288"/>
+                </a:cubicBezTo>
+                <a:cubicBezTo>
+                  <a:pt x="5393850" y="33363"/>
+                  <a:pt x="5036260" y="26830"/>
+                  <a:pt x="4721459" y="18288"/>
+                </a:cubicBezTo>
+                <a:cubicBezTo>
+                  <a:pt x="4406658" y="9746"/>
+                  <a:pt x="4239221" y="41551"/>
+                  <a:pt x="4043088" y="18288"/>
+                </a:cubicBezTo>
+                <a:cubicBezTo>
+                  <a:pt x="3846955" y="-4975"/>
+                  <a:pt x="3818802" y="34658"/>
+                  <a:pt x="3690336" y="18288"/>
+                </a:cubicBezTo>
+                <a:cubicBezTo>
+                  <a:pt x="3561870" y="1918"/>
+                  <a:pt x="3265491" y="42194"/>
+                  <a:pt x="3120504" y="18288"/>
+                </a:cubicBezTo>
+                <a:cubicBezTo>
+                  <a:pt x="2975517" y="-5618"/>
+                  <a:pt x="2720254" y="36673"/>
+                  <a:pt x="2333595" y="18288"/>
+                </a:cubicBezTo>
+                <a:cubicBezTo>
+                  <a:pt x="1946936" y="-97"/>
+                  <a:pt x="2097241" y="5776"/>
+                  <a:pt x="1872303" y="18288"/>
+                </a:cubicBezTo>
+                <a:cubicBezTo>
+                  <a:pt x="1647365" y="30800"/>
+                  <a:pt x="1282708" y="45380"/>
+                  <a:pt x="976854" y="18288"/>
+                </a:cubicBezTo>
+                <a:cubicBezTo>
+                  <a:pt x="671000" y="-8804"/>
+                  <a:pt x="408401" y="-12775"/>
+                  <a:pt x="0" y="18288"/>
+                </a:cubicBezTo>
+                <a:cubicBezTo>
+                  <a:pt x="-213" y="9468"/>
+                  <a:pt x="187" y="4459"/>
+                  <a:pt x="0" y="0"/>
+                </a:cubicBezTo>
+                <a:close/>
+              </a:path>
+              <a:path w="10853928" h="18288" stroke="0" extrusionOk="0">
+                <a:moveTo>
+                  <a:pt x="0" y="0"/>
+                </a:moveTo>
+                <a:cubicBezTo>
+                  <a:pt x="267322" y="15284"/>
+                  <a:pt x="415388" y="-21048"/>
+                  <a:pt x="569831" y="0"/>
+                </a:cubicBezTo>
+                <a:cubicBezTo>
+                  <a:pt x="724274" y="21048"/>
+                  <a:pt x="769333" y="-2353"/>
+                  <a:pt x="922584" y="0"/>
+                </a:cubicBezTo>
+                <a:cubicBezTo>
+                  <a:pt x="1075835" y="2353"/>
+                  <a:pt x="1399490" y="-145"/>
+                  <a:pt x="1818033" y="0"/>
+                </a:cubicBezTo>
+                <a:cubicBezTo>
+                  <a:pt x="2236576" y="145"/>
+                  <a:pt x="2145330" y="5482"/>
+                  <a:pt x="2387864" y="0"/>
+                </a:cubicBezTo>
+                <a:cubicBezTo>
+                  <a:pt x="2630398" y="-5482"/>
+                  <a:pt x="2793207" y="18487"/>
+                  <a:pt x="2957695" y="0"/>
+                </a:cubicBezTo>
+                <a:cubicBezTo>
+                  <a:pt x="3122183" y="-18487"/>
+                  <a:pt x="3579141" y="19003"/>
+                  <a:pt x="3853144" y="0"/>
+                </a:cubicBezTo>
+                <a:cubicBezTo>
+                  <a:pt x="4127147" y="-19003"/>
+                  <a:pt x="4209857" y="12211"/>
+                  <a:pt x="4314436" y="0"/>
+                </a:cubicBezTo>
+                <a:cubicBezTo>
+                  <a:pt x="4419015" y="-12211"/>
+                  <a:pt x="4762459" y="-17220"/>
+                  <a:pt x="5209885" y="0"/>
+                </a:cubicBezTo>
+                <a:cubicBezTo>
+                  <a:pt x="5657311" y="17220"/>
+                  <a:pt x="5692663" y="-3290"/>
+                  <a:pt x="6105335" y="0"/>
+                </a:cubicBezTo>
+                <a:cubicBezTo>
+                  <a:pt x="6518007" y="3290"/>
+                  <a:pt x="6455516" y="-5124"/>
+                  <a:pt x="6783705" y="0"/>
+                </a:cubicBezTo>
+                <a:cubicBezTo>
+                  <a:pt x="7111894" y="5124"/>
+                  <a:pt x="7441941" y="-17829"/>
+                  <a:pt x="7679154" y="0"/>
+                </a:cubicBezTo>
+                <a:cubicBezTo>
+                  <a:pt x="7916367" y="17829"/>
+                  <a:pt x="8102967" y="-24363"/>
+                  <a:pt x="8248985" y="0"/>
+                </a:cubicBezTo>
+                <a:cubicBezTo>
+                  <a:pt x="8395003" y="24363"/>
+                  <a:pt x="8552393" y="25505"/>
+                  <a:pt x="8818817" y="0"/>
+                </a:cubicBezTo>
+                <a:cubicBezTo>
+                  <a:pt x="9085241" y="-25505"/>
+                  <a:pt x="9411308" y="38000"/>
+                  <a:pt x="9605726" y="0"/>
+                </a:cubicBezTo>
+                <a:cubicBezTo>
+                  <a:pt x="9800144" y="-38000"/>
+                  <a:pt x="10006468" y="-25741"/>
+                  <a:pt x="10175558" y="0"/>
+                </a:cubicBezTo>
+                <a:cubicBezTo>
+                  <a:pt x="10344648" y="25741"/>
+                  <a:pt x="10696282" y="695"/>
+                  <a:pt x="10853928" y="0"/>
+                </a:cubicBezTo>
+                <a:cubicBezTo>
+                  <a:pt x="10853521" y="8690"/>
+                  <a:pt x="10853774" y="14141"/>
+                  <a:pt x="10853928" y="18288"/>
+                </a:cubicBezTo>
+                <a:cubicBezTo>
+                  <a:pt x="10608124" y="24255"/>
+                  <a:pt x="10343415" y="22307"/>
+                  <a:pt x="10067018" y="18288"/>
+                </a:cubicBezTo>
+                <a:cubicBezTo>
+                  <a:pt x="9790621" y="14270"/>
+                  <a:pt x="9843266" y="3564"/>
+                  <a:pt x="9714266" y="18288"/>
+                </a:cubicBezTo>
+                <a:cubicBezTo>
+                  <a:pt x="9585266" y="33012"/>
+                  <a:pt x="9379484" y="1875"/>
+                  <a:pt x="9252974" y="18288"/>
+                </a:cubicBezTo>
+                <a:cubicBezTo>
+                  <a:pt x="9126464" y="34701"/>
+                  <a:pt x="8580678" y="-4904"/>
+                  <a:pt x="8357525" y="18288"/>
+                </a:cubicBezTo>
+                <a:cubicBezTo>
+                  <a:pt x="8134372" y="41480"/>
+                  <a:pt x="7903199" y="26458"/>
+                  <a:pt x="7679154" y="18288"/>
+                </a:cubicBezTo>
+                <a:cubicBezTo>
+                  <a:pt x="7455109" y="10118"/>
+                  <a:pt x="7435944" y="27109"/>
+                  <a:pt x="7217862" y="18288"/>
+                </a:cubicBezTo>
+                <a:cubicBezTo>
+                  <a:pt x="6999780" y="9467"/>
+                  <a:pt x="6680409" y="18985"/>
+                  <a:pt x="6539492" y="18288"/>
+                </a:cubicBezTo>
+                <a:cubicBezTo>
+                  <a:pt x="6398575" y="17592"/>
+                  <a:pt x="6312077" y="33018"/>
+                  <a:pt x="6186739" y="18288"/>
+                </a:cubicBezTo>
+                <a:cubicBezTo>
+                  <a:pt x="6061401" y="3558"/>
+                  <a:pt x="5947033" y="12075"/>
+                  <a:pt x="5833986" y="18288"/>
+                </a:cubicBezTo>
+                <a:cubicBezTo>
+                  <a:pt x="5720939" y="24501"/>
+                  <a:pt x="5482226" y="8586"/>
+                  <a:pt x="5155616" y="18288"/>
+                </a:cubicBezTo>
+                <a:cubicBezTo>
+                  <a:pt x="4829006" y="27991"/>
+                  <a:pt x="4841274" y="29316"/>
+                  <a:pt x="4694324" y="18288"/>
+                </a:cubicBezTo>
+                <a:cubicBezTo>
+                  <a:pt x="4547374" y="7260"/>
+                  <a:pt x="4077675" y="7013"/>
+                  <a:pt x="3907414" y="18288"/>
+                </a:cubicBezTo>
+                <a:cubicBezTo>
+                  <a:pt x="3737153" y="29564"/>
+                  <a:pt x="3538393" y="21630"/>
+                  <a:pt x="3446122" y="18288"/>
+                </a:cubicBezTo>
+                <a:cubicBezTo>
+                  <a:pt x="3353851" y="14946"/>
+                  <a:pt x="2990320" y="-8091"/>
+                  <a:pt x="2659212" y="18288"/>
+                </a:cubicBezTo>
+                <a:cubicBezTo>
+                  <a:pt x="2328104" y="44667"/>
+                  <a:pt x="2427653" y="9607"/>
+                  <a:pt x="2306460" y="18288"/>
+                </a:cubicBezTo>
+                <a:cubicBezTo>
+                  <a:pt x="2185267" y="26969"/>
+                  <a:pt x="1719763" y="3717"/>
+                  <a:pt x="1519550" y="18288"/>
+                </a:cubicBezTo>
+                <a:cubicBezTo>
+                  <a:pt x="1319337" y="32860"/>
+                  <a:pt x="1167371" y="17040"/>
+                  <a:pt x="1058258" y="18288"/>
+                </a:cubicBezTo>
+                <a:cubicBezTo>
+                  <a:pt x="949145" y="19536"/>
+                  <a:pt x="780234" y="31447"/>
+                  <a:pt x="705505" y="18288"/>
+                </a:cubicBezTo>
+                <a:cubicBezTo>
+                  <a:pt x="630776" y="5129"/>
+                  <a:pt x="215796" y="30056"/>
+                  <a:pt x="0" y="18288"/>
+                </a:cubicBezTo>
+                <a:cubicBezTo>
+                  <a:pt x="-53" y="11301"/>
+                  <a:pt x="-649" y="7756"/>
+                  <a:pt x="0" y="0"/>
+                </a:cubicBezTo>
+                <a:close/>
+              </a:path>
+            </a:pathLst>
+          </a:custGeom>
+          <a:solidFill>
+            <a:schemeClr val="accent2"/>
+          </a:solidFill>
+          <a:ln w="41275" cap="rnd">
+            <a:solidFill>
+              <a:schemeClr val="accent2"/>
+            </a:solidFill>
+            <a:round/>
+            <a:extLst>
+              <a:ext uri="{C807C97D-BFC1-408E-A445-0C87EB9F89A2}">
+                <ask:lineSketchStyleProps xmlns:ask="http://schemas.microsoft.com/office/drawing/2018/sketchyshapes" sd="1219033472">
+                  <a:prstGeom prst="rect">
+                    <a:avLst/>
+                  </a:prstGeom>
+                  <ask:type>
+                    <ask:lineSketchFreehand/>
+                  </ask:type>
+                </ask:lineSketchStyleProps>
+              </a:ext>
+            </a:extLst>
+          </a:ln>
+        </p:spPr>
+        <p:style>
+          <a:lnRef idx="2">
+            <a:schemeClr val="accent1">
+              <a:shade val="50000"/>
+            </a:schemeClr>
+          </a:lnRef>
+          <a:fillRef idx="1">
+            <a:schemeClr val="accent1"/>
+          </a:fillRef>
+          <a:effectRef idx="0">
+            <a:schemeClr val="accent1"/>
+          </a:effectRef>
+          <a:fontRef idx="minor">
+            <a:schemeClr val="lt1"/>
+          </a:fontRef>
+        </p:style>
+        <p:txBody>
+          <a:bodyPr rtlCol="0" anchor="ctr"/>
+          <a:lstStyle/>
+          <a:p>
+            <a:pPr algn="ctr"/>
+            <a:endParaRPr lang="en-US"/>
+          </a:p>
+        </p:txBody>
+      </p:sp>
+      <p:sp>
+        <p:nvSpPr>
+          <p:cNvPr id="6" name="Slide Number Placeholder 5">
+            <a:extLst>
+              <a:ext uri="{FF2B5EF4-FFF2-40B4-BE49-F238E27FC236}">
+                <a16:creationId xmlns:a16="http://schemas.microsoft.com/office/drawing/2014/main" id="{07D5F90B-A703-3979-44A8-9125B7AA3463}"/>
+              </a:ext>
+            </a:extLst>
+          </p:cNvPr>
+          <p:cNvSpPr>
+            <a:spLocks noGrp="1"/>
+          </p:cNvSpPr>
+          <p:nvPr>
+            <p:ph type="sldNum" sz="quarter" idx="12"/>
+          </p:nvPr>
+        </p:nvSpPr>
+        <p:spPr>
+          <a:xfrm>
+            <a:off x="8610600" y="6191250"/>
+            <a:ext cx="2743200" cy="530225"/>
+          </a:xfrm>
+        </p:spPr>
+        <p:txBody>
+          <a:bodyPr>
+            <a:noAutofit/>
+          </a:bodyPr>
+          <a:lstStyle/>
+          <a:p>
+            <a:pPr rtl="0">
+              <a:lnSpc>
+                <a:spcPct val="90000"/>
+              </a:lnSpc>
+              <a:spcAft>
+                <a:spcPts val="600"/>
+              </a:spcAft>
+            </a:pPr>
+            <a:endParaRPr lang="it-IT" sz="1800" b="1" noProof="0" dirty="0"/>
+          </a:p>
+          <a:p>
+            <a:pPr rtl="0">
+              <a:lnSpc>
+                <a:spcPct val="90000"/>
+              </a:lnSpc>
+              <a:spcAft>
+                <a:spcPts val="600"/>
+              </a:spcAft>
+            </a:pPr>
+            <a:r>
+              <a:rPr lang="it-IT" sz="1800" b="1" noProof="0" dirty="0"/>
+              <a:t>1</a:t>
+            </a:r>
+            <a:r>
+              <a:rPr lang="it-IT" sz="1800" b="1" dirty="0"/>
+              <a:t>6</a:t>
+            </a:r>
+            <a:endParaRPr lang="it-IT" sz="1800" b="1" noProof="0" dirty="0"/>
+          </a:p>
+        </p:txBody>
+      </p:sp>
+      <p:sp>
+        <p:nvSpPr>
+          <p:cNvPr id="10" name="CasellaDiTesto 9">
+            <a:extLst>
+              <a:ext uri="{FF2B5EF4-FFF2-40B4-BE49-F238E27FC236}">
+                <a16:creationId xmlns:a16="http://schemas.microsoft.com/office/drawing/2014/main" id="{6A436C8B-00CB-47DF-CE0F-3E6AF627C2BC}"/>
+              </a:ext>
+            </a:extLst>
+          </p:cNvPr>
+          <p:cNvSpPr txBox="1"/>
+          <p:nvPr/>
+        </p:nvSpPr>
+        <p:spPr>
+          <a:xfrm>
+            <a:off x="4142791" y="6382139"/>
+            <a:ext cx="2230017" cy="369332"/>
+          </a:xfrm>
+          <a:prstGeom prst="rect">
+            <a:avLst/>
+          </a:prstGeom>
+          <a:noFill/>
+        </p:spPr>
+        <p:txBody>
+          <a:bodyPr wrap="square" rtlCol="0">
+            <a:spAutoFit/>
+          </a:bodyPr>
+          <a:lstStyle/>
+          <a:p>
+            <a:r>
+              <a:rPr lang="it-IT" dirty="0"/>
+              <a:t>SEQUENCE DIAGRAM</a:t>
+            </a:r>
+          </a:p>
+        </p:txBody>
+      </p:sp>
+      <p:sp>
+        <p:nvSpPr>
+          <p:cNvPr id="9" name="Segnaposto contenuto 8">
+            <a:extLst>
+              <a:ext uri="{FF2B5EF4-FFF2-40B4-BE49-F238E27FC236}">
+                <a16:creationId xmlns:a16="http://schemas.microsoft.com/office/drawing/2014/main" id="{093A462C-9B50-FE8F-AD29-63FB46C03202}"/>
+              </a:ext>
+            </a:extLst>
+          </p:cNvPr>
+          <p:cNvSpPr>
+            <a:spLocks noGrp="1"/>
+          </p:cNvSpPr>
+          <p:nvPr>
+            <p:ph idx="1"/>
+          </p:nvPr>
+        </p:nvSpPr>
+        <p:spPr/>
+        <p:txBody>
+          <a:bodyPr/>
+          <a:lstStyle/>
+          <a:p>
+            <a:endParaRPr lang="it-IT"/>
+          </a:p>
+        </p:txBody>
+      </p:sp>
+    </p:spTree>
+    <p:extLst>
+      <p:ext uri="{BB962C8B-B14F-4D97-AF65-F5344CB8AC3E}">
+        <p14:creationId xmlns:p14="http://schemas.microsoft.com/office/powerpoint/2010/main" val="1841377636"/>
+      </p:ext>
+    </p:extLst>
+  </p:cSld>
+  <p:clrMapOvr>
+    <a:masterClrMapping/>
+  </p:clrMapOvr>
+</p:sld>
+</file>
+
+<file path=ppt/slides/slide17.xml><?xml version="1.0" encoding="utf-8"?>
+<p:sld xmlns:a="http://schemas.openxmlformats.org/drawingml/2006/main" xmlns:r="http://schemas.openxmlformats.org/officeDocument/2006/relationships" xmlns:p="http://schemas.openxmlformats.org/presentationml/2006/main">
+  <p:cSld>
+    <p:bg>
+      <p:bgPr>
+        <a:solidFill>
+          <a:schemeClr val="bg1"/>
+        </a:solidFill>
+        <a:effectLst/>
+      </p:bgPr>
+    </p:bg>
+    <p:spTree>
+      <p:nvGrpSpPr>
+        <p:cNvPr id="1" name=""/>
+        <p:cNvGrpSpPr/>
+        <p:nvPr/>
+      </p:nvGrpSpPr>
+      <p:grpSpPr>
+        <a:xfrm>
+          <a:off x="0" y="0"/>
+          <a:ext cx="0" cy="0"/>
+          <a:chOff x="0" y="0"/>
+          <a:chExt cx="0" cy="0"/>
+        </a:xfrm>
+      </p:grpSpPr>
+      <p:sp useBgFill="1">
+        <p:nvSpPr>
+          <p:cNvPr id="87" name="Rectangle 86">
+            <a:extLst>
+              <a:ext uri="{FF2B5EF4-FFF2-40B4-BE49-F238E27FC236}">
+                <a16:creationId xmlns:a16="http://schemas.microsoft.com/office/drawing/2014/main" id="{100EDD19-6802-4EC3-95CE-CFFAB042CFD6}"/>
+              </a:ext>
+              <a:ext uri="{C183D7F6-B498-43B3-948B-1728B52AA6E4}">
+                <adec:decorative xmlns:adec="http://schemas.microsoft.com/office/drawing/2017/decorative" val="1"/>
+              </a:ext>
+            </a:extLst>
+          </p:cNvPr>
+          <p:cNvSpPr>
+            <a:spLocks noGrp="1" noRot="1" noChangeAspect="1" noMove="1" noResize="1" noEditPoints="1" noAdjustHandles="1" noChangeArrowheads="1" noChangeShapeType="1" noTextEdit="1"/>
+          </p:cNvSpPr>
+          <p:nvPr>
+            <p:extLst>
+              <p:ext uri="{386F3935-93C4-4BCD-93E2-E3B085C9AB24}">
+                <p16:designElem xmlns:p16="http://schemas.microsoft.com/office/powerpoint/2015/main" val="1"/>
+              </p:ext>
+            </p:extLst>
+          </p:nvPr>
+        </p:nvSpPr>
+        <p:spPr>
+          <a:xfrm>
+            <a:off x="0" y="0"/>
+            <a:ext cx="12188952" cy="6858000"/>
+          </a:xfrm>
+          <a:prstGeom prst="rect">
+            <a:avLst/>
+          </a:prstGeom>
+          <a:ln>
+            <a:noFill/>
+          </a:ln>
+        </p:spPr>
+        <p:style>
+          <a:lnRef idx="2">
+            <a:schemeClr val="accent1">
+              <a:shade val="50000"/>
+            </a:schemeClr>
+          </a:lnRef>
+          <a:fillRef idx="1">
+            <a:schemeClr val="accent1"/>
+          </a:fillRef>
+          <a:effectRef idx="0">
+            <a:schemeClr val="accent1"/>
+          </a:effectRef>
+          <a:fontRef idx="minor">
+            <a:schemeClr val="lt1"/>
+          </a:fontRef>
+        </p:style>
+        <p:txBody>
+          <a:bodyPr rtlCol="0" anchor="ctr"/>
+          <a:lstStyle/>
+          <a:p>
+            <a:pPr algn="ctr"/>
+            <a:endParaRPr lang="en-US"/>
+          </a:p>
+        </p:txBody>
+      </p:sp>
+      <p:sp>
+        <p:nvSpPr>
+          <p:cNvPr id="2" name="Titolo 1">
+            <a:extLst>
+              <a:ext uri="{FF2B5EF4-FFF2-40B4-BE49-F238E27FC236}">
+                <a16:creationId xmlns:a16="http://schemas.microsoft.com/office/drawing/2014/main" id="{75031FE9-9059-4FE8-B4AC-9771F23A1B89}"/>
+              </a:ext>
+            </a:extLst>
+          </p:cNvPr>
+          <p:cNvSpPr>
+            <a:spLocks noGrp="1"/>
+          </p:cNvSpPr>
+          <p:nvPr>
+            <p:ph type="title"/>
+          </p:nvPr>
+        </p:nvSpPr>
+        <p:spPr>
+          <a:xfrm>
+            <a:off x="838200" y="365125"/>
+            <a:ext cx="10515600" cy="1325563"/>
+          </a:xfrm>
+        </p:spPr>
+        <p:txBody>
+          <a:bodyPr rtlCol="0">
+            <a:normAutofit/>
+          </a:bodyPr>
+          <a:lstStyle/>
+          <a:p>
+            <a:pPr rtl="0"/>
+            <a:r>
+              <a:rPr lang="it-IT" sz="5400" b="1"/>
+              <a:t>Testing</a:t>
+            </a:r>
+          </a:p>
+        </p:txBody>
+      </p:sp>
+      <p:sp>
+        <p:nvSpPr>
+          <p:cNvPr id="89" name="sketch line">
+            <a:extLst>
+              <a:ext uri="{FF2B5EF4-FFF2-40B4-BE49-F238E27FC236}">
+                <a16:creationId xmlns:a16="http://schemas.microsoft.com/office/drawing/2014/main" id="{DB17E863-922E-4C26-BD64-E8FD41D28661}"/>
+              </a:ext>
+              <a:ext uri="{C183D7F6-B498-43B3-948B-1728B52AA6E4}">
+                <adec:decorative xmlns:adec="http://schemas.microsoft.com/office/drawing/2017/decorative" val="1"/>
+              </a:ext>
+            </a:extLst>
+          </p:cNvPr>
+          <p:cNvSpPr>
+            <a:spLocks noGrp="1" noRot="1" noChangeAspect="1" noMove="1" noResize="1" noEditPoints="1" noAdjustHandles="1" noChangeArrowheads="1" noChangeShapeType="1" noTextEdit="1"/>
+          </p:cNvSpPr>
+          <p:nvPr>
+            <p:extLst>
+              <p:ext uri="{386F3935-93C4-4BCD-93E2-E3B085C9AB24}">
+                <p16:designElem xmlns:p16="http://schemas.microsoft.com/office/powerpoint/2015/main" val="1"/>
+              </p:ext>
+            </p:extLst>
+          </p:nvPr>
+        </p:nvSpPr>
+        <p:spPr>
+          <a:xfrm>
+            <a:off x="669036" y="1677373"/>
+            <a:ext cx="10853928" cy="18288"/>
+          </a:xfrm>
+          <a:custGeom>
+            <a:avLst/>
+            <a:gdLst>
+              <a:gd name="connsiteX0" fmla="*/ 0 w 10853928"/>
+              <a:gd name="connsiteY0" fmla="*/ 0 h 18288"/>
+              <a:gd name="connsiteX1" fmla="*/ 461292 w 10853928"/>
+              <a:gd name="connsiteY1" fmla="*/ 0 h 18288"/>
+              <a:gd name="connsiteX2" fmla="*/ 1139662 w 10853928"/>
+              <a:gd name="connsiteY2" fmla="*/ 0 h 18288"/>
+              <a:gd name="connsiteX3" fmla="*/ 1926572 w 10853928"/>
+              <a:gd name="connsiteY3" fmla="*/ 0 h 18288"/>
+              <a:gd name="connsiteX4" fmla="*/ 2279325 w 10853928"/>
+              <a:gd name="connsiteY4" fmla="*/ 0 h 18288"/>
+              <a:gd name="connsiteX5" fmla="*/ 2632078 w 10853928"/>
+              <a:gd name="connsiteY5" fmla="*/ 0 h 18288"/>
+              <a:gd name="connsiteX6" fmla="*/ 3527527 w 10853928"/>
+              <a:gd name="connsiteY6" fmla="*/ 0 h 18288"/>
+              <a:gd name="connsiteX7" fmla="*/ 4205897 w 10853928"/>
+              <a:gd name="connsiteY7" fmla="*/ 0 h 18288"/>
+              <a:gd name="connsiteX8" fmla="*/ 4558650 w 10853928"/>
+              <a:gd name="connsiteY8" fmla="*/ 0 h 18288"/>
+              <a:gd name="connsiteX9" fmla="*/ 5237020 w 10853928"/>
+              <a:gd name="connsiteY9" fmla="*/ 0 h 18288"/>
+              <a:gd name="connsiteX10" fmla="*/ 6132469 w 10853928"/>
+              <a:gd name="connsiteY10" fmla="*/ 0 h 18288"/>
+              <a:gd name="connsiteX11" fmla="*/ 6702301 w 10853928"/>
+              <a:gd name="connsiteY11" fmla="*/ 0 h 18288"/>
+              <a:gd name="connsiteX12" fmla="*/ 7272132 w 10853928"/>
+              <a:gd name="connsiteY12" fmla="*/ 0 h 18288"/>
+              <a:gd name="connsiteX13" fmla="*/ 7950502 w 10853928"/>
+              <a:gd name="connsiteY13" fmla="*/ 0 h 18288"/>
+              <a:gd name="connsiteX14" fmla="*/ 8737412 w 10853928"/>
+              <a:gd name="connsiteY14" fmla="*/ 0 h 18288"/>
+              <a:gd name="connsiteX15" fmla="*/ 9524322 w 10853928"/>
+              <a:gd name="connsiteY15" fmla="*/ 0 h 18288"/>
+              <a:gd name="connsiteX16" fmla="*/ 10853928 w 10853928"/>
+              <a:gd name="connsiteY16" fmla="*/ 0 h 18288"/>
+              <a:gd name="connsiteX17" fmla="*/ 10853928 w 10853928"/>
+              <a:gd name="connsiteY17" fmla="*/ 18288 h 18288"/>
+              <a:gd name="connsiteX18" fmla="*/ 10392636 w 10853928"/>
+              <a:gd name="connsiteY18" fmla="*/ 18288 h 18288"/>
+              <a:gd name="connsiteX19" fmla="*/ 9497187 w 10853928"/>
+              <a:gd name="connsiteY19" fmla="*/ 18288 h 18288"/>
+              <a:gd name="connsiteX20" fmla="*/ 8818817 w 10853928"/>
+              <a:gd name="connsiteY20" fmla="*/ 18288 h 18288"/>
+              <a:gd name="connsiteX21" fmla="*/ 8466064 w 10853928"/>
+              <a:gd name="connsiteY21" fmla="*/ 18288 h 18288"/>
+              <a:gd name="connsiteX22" fmla="*/ 7787693 w 10853928"/>
+              <a:gd name="connsiteY22" fmla="*/ 18288 h 18288"/>
+              <a:gd name="connsiteX23" fmla="*/ 7217862 w 10853928"/>
+              <a:gd name="connsiteY23" fmla="*/ 18288 h 18288"/>
+              <a:gd name="connsiteX24" fmla="*/ 6648031 w 10853928"/>
+              <a:gd name="connsiteY24" fmla="*/ 18288 h 18288"/>
+              <a:gd name="connsiteX25" fmla="*/ 6078200 w 10853928"/>
+              <a:gd name="connsiteY25" fmla="*/ 18288 h 18288"/>
+              <a:gd name="connsiteX26" fmla="*/ 5508368 w 10853928"/>
+              <a:gd name="connsiteY26" fmla="*/ 18288 h 18288"/>
+              <a:gd name="connsiteX27" fmla="*/ 4721459 w 10853928"/>
+              <a:gd name="connsiteY27" fmla="*/ 18288 h 18288"/>
+              <a:gd name="connsiteX28" fmla="*/ 4043088 w 10853928"/>
+              <a:gd name="connsiteY28" fmla="*/ 18288 h 18288"/>
+              <a:gd name="connsiteX29" fmla="*/ 3690336 w 10853928"/>
+              <a:gd name="connsiteY29" fmla="*/ 18288 h 18288"/>
+              <a:gd name="connsiteX30" fmla="*/ 3120504 w 10853928"/>
+              <a:gd name="connsiteY30" fmla="*/ 18288 h 18288"/>
+              <a:gd name="connsiteX31" fmla="*/ 2333595 w 10853928"/>
+              <a:gd name="connsiteY31" fmla="*/ 18288 h 18288"/>
+              <a:gd name="connsiteX32" fmla="*/ 1872303 w 10853928"/>
+              <a:gd name="connsiteY32" fmla="*/ 18288 h 18288"/>
+              <a:gd name="connsiteX33" fmla="*/ 976854 w 10853928"/>
+              <a:gd name="connsiteY33" fmla="*/ 18288 h 18288"/>
+              <a:gd name="connsiteX34" fmla="*/ 0 w 10853928"/>
+              <a:gd name="connsiteY34" fmla="*/ 18288 h 18288"/>
+              <a:gd name="connsiteX35" fmla="*/ 0 w 10853928"/>
+              <a:gd name="connsiteY35" fmla="*/ 0 h 18288"/>
+            </a:gdLst>
+            <a:ahLst/>
+            <a:cxnLst>
+              <a:cxn ang="0">
+                <a:pos x="connsiteX0" y="connsiteY0"/>
+              </a:cxn>
+              <a:cxn ang="0">
+                <a:pos x="connsiteX1" y="connsiteY1"/>
+              </a:cxn>
+              <a:cxn ang="0">
+                <a:pos x="connsiteX2" y="connsiteY2"/>
+              </a:cxn>
+              <a:cxn ang="0">
+                <a:pos x="connsiteX3" y="connsiteY3"/>
+              </a:cxn>
+              <a:cxn ang="0">
+                <a:pos x="connsiteX4" y="connsiteY4"/>
+              </a:cxn>
+              <a:cxn ang="0">
+                <a:pos x="connsiteX5" y="connsiteY5"/>
+              </a:cxn>
+              <a:cxn ang="0">
+                <a:pos x="connsiteX6" y="connsiteY6"/>
+              </a:cxn>
+              <a:cxn ang="0">
+                <a:pos x="connsiteX7" y="connsiteY7"/>
+              </a:cxn>
+              <a:cxn ang="0">
+                <a:pos x="connsiteX8" y="connsiteY8"/>
+              </a:cxn>
+              <a:cxn ang="0">
+                <a:pos x="connsiteX9" y="connsiteY9"/>
+              </a:cxn>
+              <a:cxn ang="0">
+                <a:pos x="connsiteX10" y="connsiteY10"/>
+              </a:cxn>
+              <a:cxn ang="0">
+                <a:pos x="connsiteX11" y="connsiteY11"/>
+              </a:cxn>
+              <a:cxn ang="0">
+                <a:pos x="connsiteX12" y="connsiteY12"/>
+              </a:cxn>
+              <a:cxn ang="0">
+                <a:pos x="connsiteX13" y="connsiteY13"/>
+              </a:cxn>
+              <a:cxn ang="0">
+                <a:pos x="connsiteX14" y="connsiteY14"/>
+              </a:cxn>
+              <a:cxn ang="0">
+                <a:pos x="connsiteX15" y="connsiteY15"/>
+              </a:cxn>
+              <a:cxn ang="0">
+                <a:pos x="connsiteX16" y="connsiteY16"/>
+              </a:cxn>
+              <a:cxn ang="0">
+                <a:pos x="connsiteX17" y="connsiteY17"/>
+              </a:cxn>
+              <a:cxn ang="0">
+                <a:pos x="connsiteX18" y="connsiteY18"/>
+              </a:cxn>
+              <a:cxn ang="0">
+                <a:pos x="connsiteX19" y="connsiteY19"/>
+              </a:cxn>
+              <a:cxn ang="0">
+                <a:pos x="connsiteX20" y="connsiteY20"/>
+              </a:cxn>
+              <a:cxn ang="0">
+                <a:pos x="connsiteX21" y="connsiteY21"/>
+              </a:cxn>
+              <a:cxn ang="0">
+                <a:pos x="connsiteX22" y="connsiteY22"/>
+              </a:cxn>
+              <a:cxn ang="0">
+                <a:pos x="connsiteX23" y="connsiteY23"/>
+              </a:cxn>
+              <a:cxn ang="0">
+                <a:pos x="connsiteX24" y="connsiteY24"/>
+              </a:cxn>
+              <a:cxn ang="0">
+                <a:pos x="connsiteX25" y="connsiteY25"/>
+              </a:cxn>
+              <a:cxn ang="0">
+                <a:pos x="connsiteX26" y="connsiteY26"/>
+              </a:cxn>
+              <a:cxn ang="0">
+                <a:pos x="connsiteX27" y="connsiteY27"/>
+              </a:cxn>
+              <a:cxn ang="0">
+                <a:pos x="connsiteX28" y="connsiteY28"/>
+              </a:cxn>
+              <a:cxn ang="0">
+                <a:pos x="connsiteX29" y="connsiteY29"/>
+              </a:cxn>
+              <a:cxn ang="0">
+                <a:pos x="connsiteX30" y="connsiteY30"/>
+              </a:cxn>
+              <a:cxn ang="0">
+                <a:pos x="connsiteX31" y="connsiteY31"/>
+              </a:cxn>
+              <a:cxn ang="0">
+                <a:pos x="connsiteX32" y="connsiteY32"/>
+              </a:cxn>
+              <a:cxn ang="0">
+                <a:pos x="connsiteX33" y="connsiteY33"/>
+              </a:cxn>
+              <a:cxn ang="0">
+                <a:pos x="connsiteX34" y="connsiteY34"/>
+              </a:cxn>
+              <a:cxn ang="0">
+                <a:pos x="connsiteX35" y="connsiteY35"/>
+              </a:cxn>
+            </a:cxnLst>
+            <a:rect l="l" t="t" r="r" b="b"/>
+            <a:pathLst>
+              <a:path w="10853928" h="18288" fill="none" extrusionOk="0">
+                <a:moveTo>
+                  <a:pt x="0" y="0"/>
+                </a:moveTo>
+                <a:cubicBezTo>
+                  <a:pt x="146993" y="-19076"/>
+                  <a:pt x="347684" y="-4790"/>
+                  <a:pt x="461292" y="0"/>
+                </a:cubicBezTo>
+                <a:cubicBezTo>
+                  <a:pt x="574900" y="4790"/>
+                  <a:pt x="808367" y="19821"/>
+                  <a:pt x="1139662" y="0"/>
+                </a:cubicBezTo>
+                <a:cubicBezTo>
+                  <a:pt x="1470957" y="-19821"/>
+                  <a:pt x="1627405" y="5721"/>
+                  <a:pt x="1926572" y="0"/>
+                </a:cubicBezTo>
+                <a:cubicBezTo>
+                  <a:pt x="2225739" y="-5721"/>
+                  <a:pt x="2137730" y="-3235"/>
+                  <a:pt x="2279325" y="0"/>
+                </a:cubicBezTo>
+                <a:cubicBezTo>
+                  <a:pt x="2420920" y="3235"/>
+                  <a:pt x="2456518" y="9685"/>
+                  <a:pt x="2632078" y="0"/>
+                </a:cubicBezTo>
+                <a:cubicBezTo>
+                  <a:pt x="2807638" y="-9685"/>
+                  <a:pt x="3211516" y="-43007"/>
+                  <a:pt x="3527527" y="0"/>
+                </a:cubicBezTo>
+                <a:cubicBezTo>
+                  <a:pt x="3843538" y="43007"/>
+                  <a:pt x="4058833" y="22042"/>
+                  <a:pt x="4205897" y="0"/>
+                </a:cubicBezTo>
+                <a:cubicBezTo>
+                  <a:pt x="4352961" y="-22042"/>
+                  <a:pt x="4474805" y="-11846"/>
+                  <a:pt x="4558650" y="0"/>
+                </a:cubicBezTo>
+                <a:cubicBezTo>
+                  <a:pt x="4642495" y="11846"/>
+                  <a:pt x="5041928" y="-6069"/>
+                  <a:pt x="5237020" y="0"/>
+                </a:cubicBezTo>
+                <a:cubicBezTo>
+                  <a:pt x="5432112" y="6069"/>
+                  <a:pt x="5943266" y="-17479"/>
+                  <a:pt x="6132469" y="0"/>
+                </a:cubicBezTo>
+                <a:cubicBezTo>
+                  <a:pt x="6321672" y="17479"/>
+                  <a:pt x="6483872" y="26234"/>
+                  <a:pt x="6702301" y="0"/>
+                </a:cubicBezTo>
+                <a:cubicBezTo>
+                  <a:pt x="6920730" y="-26234"/>
+                  <a:pt x="6991194" y="-15156"/>
+                  <a:pt x="7272132" y="0"/>
+                </a:cubicBezTo>
+                <a:cubicBezTo>
+                  <a:pt x="7553070" y="15156"/>
+                  <a:pt x="7684444" y="-32961"/>
+                  <a:pt x="7950502" y="0"/>
+                </a:cubicBezTo>
+                <a:cubicBezTo>
+                  <a:pt x="8216560" y="32961"/>
+                  <a:pt x="8493290" y="-10491"/>
+                  <a:pt x="8737412" y="0"/>
+                </a:cubicBezTo>
+                <a:cubicBezTo>
+                  <a:pt x="8981534" y="10491"/>
+                  <a:pt x="9191586" y="-13899"/>
+                  <a:pt x="9524322" y="0"/>
+                </a:cubicBezTo>
+                <a:cubicBezTo>
+                  <a:pt x="9857058" y="13899"/>
+                  <a:pt x="10297509" y="7485"/>
+                  <a:pt x="10853928" y="0"/>
+                </a:cubicBezTo>
+                <a:cubicBezTo>
+                  <a:pt x="10854574" y="4451"/>
+                  <a:pt x="10854418" y="9226"/>
+                  <a:pt x="10853928" y="18288"/>
+                </a:cubicBezTo>
+                <a:cubicBezTo>
+                  <a:pt x="10691638" y="28522"/>
+                  <a:pt x="10574319" y="29578"/>
+                  <a:pt x="10392636" y="18288"/>
+                </a:cubicBezTo>
+                <a:cubicBezTo>
+                  <a:pt x="10210953" y="6998"/>
+                  <a:pt x="9836277" y="-16742"/>
+                  <a:pt x="9497187" y="18288"/>
+                </a:cubicBezTo>
+                <a:cubicBezTo>
+                  <a:pt x="9158097" y="53318"/>
+                  <a:pt x="9119479" y="30714"/>
+                  <a:pt x="8818817" y="18288"/>
+                </a:cubicBezTo>
+                <a:cubicBezTo>
+                  <a:pt x="8518155" y="5863"/>
+                  <a:pt x="8640037" y="6483"/>
+                  <a:pt x="8466064" y="18288"/>
+                </a:cubicBezTo>
+                <a:cubicBezTo>
+                  <a:pt x="8292091" y="30093"/>
+                  <a:pt x="7997656" y="18914"/>
+                  <a:pt x="7787693" y="18288"/>
+                </a:cubicBezTo>
+                <a:cubicBezTo>
+                  <a:pt x="7577730" y="17662"/>
+                  <a:pt x="7412468" y="21416"/>
+                  <a:pt x="7217862" y="18288"/>
+                </a:cubicBezTo>
+                <a:cubicBezTo>
+                  <a:pt x="7023256" y="15160"/>
+                  <a:pt x="6898018" y="14824"/>
+                  <a:pt x="6648031" y="18288"/>
+                </a:cubicBezTo>
+                <a:cubicBezTo>
+                  <a:pt x="6398044" y="21752"/>
+                  <a:pt x="6254402" y="38625"/>
+                  <a:pt x="6078200" y="18288"/>
+                </a:cubicBezTo>
+                <a:cubicBezTo>
+                  <a:pt x="5901998" y="-2049"/>
+                  <a:pt x="5622886" y="3213"/>
+                  <a:pt x="5508368" y="18288"/>
+                </a:cubicBezTo>
+                <a:cubicBezTo>
+                  <a:pt x="5393850" y="33363"/>
+                  <a:pt x="5036260" y="26830"/>
+                  <a:pt x="4721459" y="18288"/>
+                </a:cubicBezTo>
+                <a:cubicBezTo>
+                  <a:pt x="4406658" y="9746"/>
+                  <a:pt x="4239221" y="41551"/>
+                  <a:pt x="4043088" y="18288"/>
+                </a:cubicBezTo>
+                <a:cubicBezTo>
+                  <a:pt x="3846955" y="-4975"/>
+                  <a:pt x="3818802" y="34658"/>
+                  <a:pt x="3690336" y="18288"/>
+                </a:cubicBezTo>
+                <a:cubicBezTo>
+                  <a:pt x="3561870" y="1918"/>
+                  <a:pt x="3265491" y="42194"/>
+                  <a:pt x="3120504" y="18288"/>
+                </a:cubicBezTo>
+                <a:cubicBezTo>
+                  <a:pt x="2975517" y="-5618"/>
+                  <a:pt x="2720254" y="36673"/>
+                  <a:pt x="2333595" y="18288"/>
+                </a:cubicBezTo>
+                <a:cubicBezTo>
+                  <a:pt x="1946936" y="-97"/>
+                  <a:pt x="2097241" y="5776"/>
+                  <a:pt x="1872303" y="18288"/>
+                </a:cubicBezTo>
+                <a:cubicBezTo>
+                  <a:pt x="1647365" y="30800"/>
+                  <a:pt x="1282708" y="45380"/>
+                  <a:pt x="976854" y="18288"/>
+                </a:cubicBezTo>
+                <a:cubicBezTo>
+                  <a:pt x="671000" y="-8804"/>
+                  <a:pt x="408401" y="-12775"/>
+                  <a:pt x="0" y="18288"/>
+                </a:cubicBezTo>
+                <a:cubicBezTo>
+                  <a:pt x="-213" y="9468"/>
+                  <a:pt x="187" y="4459"/>
+                  <a:pt x="0" y="0"/>
+                </a:cubicBezTo>
+                <a:close/>
+              </a:path>
+              <a:path w="10853928" h="18288" stroke="0" extrusionOk="0">
+                <a:moveTo>
+                  <a:pt x="0" y="0"/>
+                </a:moveTo>
+                <a:cubicBezTo>
+                  <a:pt x="267322" y="15284"/>
+                  <a:pt x="415388" y="-21048"/>
+                  <a:pt x="569831" y="0"/>
+                </a:cubicBezTo>
+                <a:cubicBezTo>
+                  <a:pt x="724274" y="21048"/>
+                  <a:pt x="769333" y="-2353"/>
+                  <a:pt x="922584" y="0"/>
+                </a:cubicBezTo>
+                <a:cubicBezTo>
+                  <a:pt x="1075835" y="2353"/>
+                  <a:pt x="1399490" y="-145"/>
+                  <a:pt x="1818033" y="0"/>
+                </a:cubicBezTo>
+                <a:cubicBezTo>
+                  <a:pt x="2236576" y="145"/>
+                  <a:pt x="2145330" y="5482"/>
+                  <a:pt x="2387864" y="0"/>
+                </a:cubicBezTo>
+                <a:cubicBezTo>
+                  <a:pt x="2630398" y="-5482"/>
+                  <a:pt x="2793207" y="18487"/>
+                  <a:pt x="2957695" y="0"/>
+                </a:cubicBezTo>
+                <a:cubicBezTo>
+                  <a:pt x="3122183" y="-18487"/>
+                  <a:pt x="3579141" y="19003"/>
+                  <a:pt x="3853144" y="0"/>
+                </a:cubicBezTo>
+                <a:cubicBezTo>
+                  <a:pt x="4127147" y="-19003"/>
+                  <a:pt x="4209857" y="12211"/>
+                  <a:pt x="4314436" y="0"/>
+                </a:cubicBezTo>
+                <a:cubicBezTo>
+                  <a:pt x="4419015" y="-12211"/>
+                  <a:pt x="4762459" y="-17220"/>
+                  <a:pt x="5209885" y="0"/>
+                </a:cubicBezTo>
+                <a:cubicBezTo>
+                  <a:pt x="5657311" y="17220"/>
+                  <a:pt x="5692663" y="-3290"/>
+                  <a:pt x="6105335" y="0"/>
+                </a:cubicBezTo>
+                <a:cubicBezTo>
+                  <a:pt x="6518007" y="3290"/>
+                  <a:pt x="6455516" y="-5124"/>
+                  <a:pt x="6783705" y="0"/>
+                </a:cubicBezTo>
+                <a:cubicBezTo>
+                  <a:pt x="7111894" y="5124"/>
+                  <a:pt x="7441941" y="-17829"/>
+                  <a:pt x="7679154" y="0"/>
+                </a:cubicBezTo>
+                <a:cubicBezTo>
+                  <a:pt x="7916367" y="17829"/>
+                  <a:pt x="8102967" y="-24363"/>
+                  <a:pt x="8248985" y="0"/>
+                </a:cubicBezTo>
+                <a:cubicBezTo>
+                  <a:pt x="8395003" y="24363"/>
+                  <a:pt x="8552393" y="25505"/>
+                  <a:pt x="8818817" y="0"/>
+                </a:cubicBezTo>
+                <a:cubicBezTo>
+                  <a:pt x="9085241" y="-25505"/>
+                  <a:pt x="9411308" y="38000"/>
+                  <a:pt x="9605726" y="0"/>
+                </a:cubicBezTo>
+                <a:cubicBezTo>
+                  <a:pt x="9800144" y="-38000"/>
+                  <a:pt x="10006468" y="-25741"/>
+                  <a:pt x="10175558" y="0"/>
+                </a:cubicBezTo>
+                <a:cubicBezTo>
+                  <a:pt x="10344648" y="25741"/>
+                  <a:pt x="10696282" y="695"/>
+                  <a:pt x="10853928" y="0"/>
+                </a:cubicBezTo>
+                <a:cubicBezTo>
+                  <a:pt x="10853521" y="8690"/>
+                  <a:pt x="10853774" y="14141"/>
+                  <a:pt x="10853928" y="18288"/>
+                </a:cubicBezTo>
+                <a:cubicBezTo>
+                  <a:pt x="10608124" y="24255"/>
+                  <a:pt x="10343415" y="22307"/>
+                  <a:pt x="10067018" y="18288"/>
+                </a:cubicBezTo>
+                <a:cubicBezTo>
+                  <a:pt x="9790621" y="14270"/>
+                  <a:pt x="9843266" y="3564"/>
+                  <a:pt x="9714266" y="18288"/>
+                </a:cubicBezTo>
+                <a:cubicBezTo>
+                  <a:pt x="9585266" y="33012"/>
+                  <a:pt x="9379484" y="1875"/>
+                  <a:pt x="9252974" y="18288"/>
+                </a:cubicBezTo>
+                <a:cubicBezTo>
+                  <a:pt x="9126464" y="34701"/>
+                  <a:pt x="8580678" y="-4904"/>
+                  <a:pt x="8357525" y="18288"/>
+                </a:cubicBezTo>
+                <a:cubicBezTo>
+                  <a:pt x="8134372" y="41480"/>
+                  <a:pt x="7903199" y="26458"/>
+                  <a:pt x="7679154" y="18288"/>
+                </a:cubicBezTo>
+                <a:cubicBezTo>
+                  <a:pt x="7455109" y="10118"/>
+                  <a:pt x="7435944" y="27109"/>
+                  <a:pt x="7217862" y="18288"/>
+                </a:cubicBezTo>
+                <a:cubicBezTo>
+                  <a:pt x="6999780" y="9467"/>
+                  <a:pt x="6680409" y="18985"/>
+                  <a:pt x="6539492" y="18288"/>
+                </a:cubicBezTo>
+                <a:cubicBezTo>
+                  <a:pt x="6398575" y="17592"/>
+                  <a:pt x="6312077" y="33018"/>
+                  <a:pt x="6186739" y="18288"/>
+                </a:cubicBezTo>
+                <a:cubicBezTo>
+                  <a:pt x="6061401" y="3558"/>
+                  <a:pt x="5947033" y="12075"/>
+                  <a:pt x="5833986" y="18288"/>
+                </a:cubicBezTo>
+                <a:cubicBezTo>
+                  <a:pt x="5720939" y="24501"/>
+                  <a:pt x="5482226" y="8586"/>
+                  <a:pt x="5155616" y="18288"/>
+                </a:cubicBezTo>
+                <a:cubicBezTo>
+                  <a:pt x="4829006" y="27991"/>
+                  <a:pt x="4841274" y="29316"/>
+                  <a:pt x="4694324" y="18288"/>
+                </a:cubicBezTo>
+                <a:cubicBezTo>
+                  <a:pt x="4547374" y="7260"/>
+                  <a:pt x="4077675" y="7013"/>
+                  <a:pt x="3907414" y="18288"/>
+                </a:cubicBezTo>
+                <a:cubicBezTo>
+                  <a:pt x="3737153" y="29564"/>
+                  <a:pt x="3538393" y="21630"/>
+                  <a:pt x="3446122" y="18288"/>
+                </a:cubicBezTo>
+                <a:cubicBezTo>
+                  <a:pt x="3353851" y="14946"/>
+                  <a:pt x="2990320" y="-8091"/>
+                  <a:pt x="2659212" y="18288"/>
+                </a:cubicBezTo>
+                <a:cubicBezTo>
+                  <a:pt x="2328104" y="44667"/>
+                  <a:pt x="2427653" y="9607"/>
+                  <a:pt x="2306460" y="18288"/>
+                </a:cubicBezTo>
+                <a:cubicBezTo>
+                  <a:pt x="2185267" y="26969"/>
+                  <a:pt x="1719763" y="3717"/>
+                  <a:pt x="1519550" y="18288"/>
+                </a:cubicBezTo>
+                <a:cubicBezTo>
+                  <a:pt x="1319337" y="32860"/>
+                  <a:pt x="1167371" y="17040"/>
+                  <a:pt x="1058258" y="18288"/>
+                </a:cubicBezTo>
+                <a:cubicBezTo>
+                  <a:pt x="949145" y="19536"/>
+                  <a:pt x="780234" y="31447"/>
+                  <a:pt x="705505" y="18288"/>
+                </a:cubicBezTo>
+                <a:cubicBezTo>
+                  <a:pt x="630776" y="5129"/>
+                  <a:pt x="215796" y="30056"/>
+                  <a:pt x="0" y="18288"/>
+                </a:cubicBezTo>
+                <a:cubicBezTo>
+                  <a:pt x="-53" y="11301"/>
+                  <a:pt x="-649" y="7756"/>
+                  <a:pt x="0" y="0"/>
+                </a:cubicBezTo>
+                <a:close/>
+              </a:path>
+            </a:pathLst>
+          </a:custGeom>
+          <a:solidFill>
+            <a:schemeClr val="accent2"/>
+          </a:solidFill>
+          <a:ln w="41275" cap="rnd">
+            <a:solidFill>
+              <a:schemeClr val="accent2"/>
+            </a:solidFill>
+            <a:round/>
+            <a:extLst>
+              <a:ext uri="{C807C97D-BFC1-408E-A445-0C87EB9F89A2}">
+                <ask:lineSketchStyleProps xmlns:ask="http://schemas.microsoft.com/office/drawing/2018/sketchyshapes" sd="1219033472">
+                  <a:prstGeom prst="rect">
+                    <a:avLst/>
+                  </a:prstGeom>
+                  <ask:type>
+                    <ask:lineSketchFreehand/>
+                  </ask:type>
+                </ask:lineSketchStyleProps>
+              </a:ext>
+            </a:extLst>
+          </a:ln>
+        </p:spPr>
+        <p:style>
+          <a:lnRef idx="2">
+            <a:schemeClr val="accent1">
+              <a:shade val="50000"/>
+            </a:schemeClr>
+          </a:lnRef>
+          <a:fillRef idx="1">
+            <a:schemeClr val="accent1"/>
+          </a:fillRef>
+          <a:effectRef idx="0">
+            <a:schemeClr val="accent1"/>
+          </a:effectRef>
+          <a:fontRef idx="minor">
+            <a:schemeClr val="lt1"/>
+          </a:fontRef>
+        </p:style>
+        <p:txBody>
+          <a:bodyPr rtlCol="0" anchor="ctr"/>
+          <a:lstStyle/>
+          <a:p>
+            <a:pPr algn="ctr"/>
+            <a:endParaRPr lang="en-US"/>
+          </a:p>
+        </p:txBody>
+      </p:sp>
       <p:sp>
         <p:nvSpPr>
           <p:cNvPr id="4" name="Content Placeholder 3">
@@ -19764,7 +22801,7 @@
                   <a:spcPts val="600"/>
                 </a:spcAft>
               </a:pPr>
-              <a:t>14</a:t>
+              <a:t>17</a:t>
             </a:fld>
             <a:endParaRPr lang="it-IT" sz="1800" b="1" dirty="0"/>
           </a:p>
@@ -25158,31 +28195,38 @@
           </a:p>
         </p:txBody>
       </p:sp>
-      <p:sp>
-        <p:nvSpPr>
-          <p:cNvPr id="5" name="Segnaposto contenuto 4">
+      <p:pic>
+        <p:nvPicPr>
+          <p:cNvPr id="3" name="Segnaposto contenuto 2">
             <a:extLst>
               <a:ext uri="{FF2B5EF4-FFF2-40B4-BE49-F238E27FC236}">
-                <a16:creationId xmlns:a16="http://schemas.microsoft.com/office/drawing/2014/main" id="{B109E6CE-F8BC-64B2-B438-12C7F031917D}"/>
+                <a16:creationId xmlns:a16="http://schemas.microsoft.com/office/drawing/2014/main" id="{00439959-3544-4100-55BB-F64ED0400005}"/>
               </a:ext>
             </a:extLst>
           </p:cNvPr>
-          <p:cNvSpPr>
-            <a:spLocks noGrp="1"/>
-          </p:cNvSpPr>
+          <p:cNvPicPr>
+            <a:picLocks noGrp="1" noChangeAspect="1"/>
+          </p:cNvPicPr>
           <p:nvPr>
             <p:ph idx="1"/>
           </p:nvPr>
-        </p:nvSpPr>
-        <p:spPr/>
-        <p:txBody>
-          <a:bodyPr/>
-          <a:lstStyle/>
-          <a:p>
-            <a:endParaRPr lang="it-IT"/>
-          </a:p>
-        </p:txBody>
-      </p:sp>
+        </p:nvPicPr>
+        <p:blipFill>
+          <a:blip r:embed="rId3"/>
+          <a:stretch>
+            <a:fillRect/>
+          </a:stretch>
+        </p:blipFill>
+        <p:spPr>
+          <a:xfrm>
+            <a:off x="2469882" y="1825625"/>
+            <a:ext cx="7655245" cy="4644000"/>
+          </a:xfrm>
+          <a:prstGeom prst="rect">
+            <a:avLst/>
+          </a:prstGeom>
+        </p:spPr>
+      </p:pic>
     </p:spTree>
     <p:extLst>
       <p:ext uri="{BB962C8B-B14F-4D97-AF65-F5344CB8AC3E}">
@@ -27240,7 +30284,7 @@
             <p:ph idx="1"/>
             <p:extLst>
               <p:ext uri="{D42A27DB-BD31-4B8C-83A1-F6EECF244321}">
-                <p14:modId xmlns:p14="http://schemas.microsoft.com/office/powerpoint/2010/main" val="3426083167"/>
+                <p14:modId xmlns:p14="http://schemas.microsoft.com/office/powerpoint/2010/main" val="2740833751"/>
               </p:ext>
             </p:extLst>
           </p:nvPr>
@@ -27710,7 +30754,14 @@
                     <a:bodyPr/>
                     <a:lstStyle/>
                     <a:p>
-                      <a:endParaRPr lang="it-IT" dirty="0"/>
+                      <a:pPr marL="285750" indent="-285750">
+                        <a:buFont typeface="Arial" panose="020B0604020202020204" pitchFamily="34" charset="0"/>
+                        <a:buChar char="•"/>
+                      </a:pPr>
+                      <a:r>
+                        <a:rPr lang="it-IT" dirty="0"/>
+                        <a:t>Stampa del Verbale medico</a:t>
+                      </a:r>
                     </a:p>
                   </a:txBody>
                   <a:tcPr>
@@ -29665,15 +32716,6 @@
 </file>
 
 <file path=customXml/item1.xml><?xml version="1.0" encoding="utf-8"?>
-<?mso-contentType ?>
-<FormTemplates xmlns="http://schemas.microsoft.com/sharepoint/v3/contenttype/forms">
-  <Display>DocumentLibraryForm</Display>
-  <Edit>DocumentLibraryForm</Edit>
-  <New>DocumentLibraryForm</New>
-</FormTemplates>
-</file>
-
-<file path=customXml/item2.xml><?xml version="1.0" encoding="utf-8"?>
 <ct:contentTypeSchema xmlns:ct="http://schemas.microsoft.com/office/2006/metadata/contentType" xmlns:ma="http://schemas.microsoft.com/office/2006/metadata/properties/metaAttributes" ct:_="" ma:_="" ma:contentTypeName="Documento" ma:contentTypeID="0x0101007CE6213B20D2F945B0D1473923EE410F" ma:contentTypeVersion="7" ma:contentTypeDescription="Creare un nuovo documento." ma:contentTypeScope="" ma:versionID="dc8ac43e96b461727accd63cf925a5cf">
   <xsd:schema xmlns:xsd="http://www.w3.org/2001/XMLSchema" xmlns:xs="http://www.w3.org/2001/XMLSchema" xmlns:p="http://schemas.microsoft.com/office/2006/metadata/properties" xmlns:ns2="243f3390-b919-40e8-8195-3613e8527352" targetNamespace="http://schemas.microsoft.com/office/2006/metadata/properties" ma:root="true" ma:fieldsID="1987007e621e1b24d40e437f012b913d" ns2:_="">
     <xsd:import namespace="243f3390-b919-40e8-8195-3613e8527352"/>
@@ -29835,6 +32877,15 @@
 </ct:contentTypeSchema>
 </file>
 
+<file path=customXml/item2.xml><?xml version="1.0" encoding="utf-8"?>
+<?mso-contentType ?>
+<FormTemplates xmlns="http://schemas.microsoft.com/sharepoint/v3/contenttype/forms">
+  <Display>DocumentLibraryForm</Display>
+  <Edit>DocumentLibraryForm</Edit>
+  <New>DocumentLibraryForm</New>
+</FormTemplates>
+</file>
+
 <file path=customXml/item3.xml><?xml version="1.0" encoding="utf-8"?>
 <p:properties xmlns:p="http://schemas.microsoft.com/office/2006/metadata/properties" xmlns:xsi="http://www.w3.org/2001/XMLSchema-instance" xmlns:pc="http://schemas.microsoft.com/office/infopath/2007/PartnerControls">
   <documentManagement/>
@@ -29842,14 +32893,6 @@
 </file>
 
 <file path=customXml/itemProps1.xml><?xml version="1.0" encoding="utf-8"?>
-<ds:datastoreItem xmlns:ds="http://schemas.openxmlformats.org/officeDocument/2006/customXml" ds:itemID="{42BC90D6-94CF-42F7-AAC4-9CF6824C54D5}">
-  <ds:schemaRefs>
-    <ds:schemaRef ds:uri="http://schemas.microsoft.com/sharepoint/v3/contenttype/forms"/>
-  </ds:schemaRefs>
-</ds:datastoreItem>
-</file>
-
-<file path=customXml/itemProps2.xml><?xml version="1.0" encoding="utf-8"?>
 <ds:datastoreItem xmlns:ds="http://schemas.openxmlformats.org/officeDocument/2006/customXml" ds:itemID="{1A503E23-9696-4358-8F00-F7F66AC755EB}">
   <ds:schemaRefs>
     <ds:schemaRef ds:uri="http://schemas.microsoft.com/office/2006/metadata/contentType"/>
@@ -29863,6 +32906,14 @@
     <ds:schemaRef ds:uri="http://purl.org/dc/elements/1.1/"/>
     <ds:schemaRef ds:uri="http://purl.org/dc/terms/"/>
     <ds:schemaRef ds:uri="http://schemas.microsoft.com/internal/obd"/>
+  </ds:schemaRefs>
+</ds:datastoreItem>
+</file>
+
+<file path=customXml/itemProps2.xml><?xml version="1.0" encoding="utf-8"?>
+<ds:datastoreItem xmlns:ds="http://schemas.openxmlformats.org/officeDocument/2006/customXml" ds:itemID="{42BC90D6-94CF-42F7-AAC4-9CF6824C54D5}">
+  <ds:schemaRefs>
+    <ds:schemaRef ds:uri="http://schemas.microsoft.com/sharepoint/v3/contenttype/forms"/>
   </ds:schemaRefs>
 </ds:datastoreItem>
 </file>

--- a/Presentazione_Progetto.pptx
+++ b/Presentazione_Progetto.pptx
@@ -173,18 +173,18 @@
   <pc:docChgLst>
     <pc:chgData name="Matteo MANGILI" userId="89c7df381375e6aa" providerId="LiveId" clId="{002FC19B-B750-46E5-AE6C-2EDFEC68FEF2}"/>
     <pc:docChg chg="undo redo custSel addSld delSld modSld">
-      <pc:chgData name="Matteo MANGILI" userId="89c7df381375e6aa" providerId="LiveId" clId="{002FC19B-B750-46E5-AE6C-2EDFEC68FEF2}" dt="2023-12-22T09:51:07.044" v="5581" actId="20577"/>
+      <pc:chgData name="Matteo MANGILI" userId="89c7df381375e6aa" providerId="LiveId" clId="{002FC19B-B750-46E5-AE6C-2EDFEC68FEF2}" dt="2023-12-22T13:39:49.871" v="5583" actId="255"/>
       <pc:docMkLst>
         <pc:docMk/>
       </pc:docMkLst>
       <pc:sldChg chg="addSp delSp modSp mod setBg delDesignElem">
-        <pc:chgData name="Matteo MANGILI" userId="89c7df381375e6aa" providerId="LiveId" clId="{002FC19B-B750-46E5-AE6C-2EDFEC68FEF2}" dt="2023-12-20T12:55:36.955" v="5040" actId="113"/>
+        <pc:chgData name="Matteo MANGILI" userId="89c7df381375e6aa" providerId="LiveId" clId="{002FC19B-B750-46E5-AE6C-2EDFEC68FEF2}" dt="2023-12-22T13:39:49.871" v="5583" actId="255"/>
         <pc:sldMkLst>
           <pc:docMk/>
           <pc:sldMk cId="1642425379" sldId="256"/>
         </pc:sldMkLst>
         <pc:spChg chg="mod">
-          <ac:chgData name="Matteo MANGILI" userId="89c7df381375e6aa" providerId="LiveId" clId="{002FC19B-B750-46E5-AE6C-2EDFEC68FEF2}" dt="2023-12-20T12:55:36.955" v="5040" actId="113"/>
+          <ac:chgData name="Matteo MANGILI" userId="89c7df381375e6aa" providerId="LiveId" clId="{002FC19B-B750-46E5-AE6C-2EDFEC68FEF2}" dt="2023-12-22T13:39:49.871" v="5583" actId="255"/>
           <ac:spMkLst>
             <pc:docMk/>
             <pc:sldMk cId="1642425379" sldId="256"/>
@@ -14144,7 +14144,7 @@
           <a:lstStyle/>
           <a:p>
             <a:r>
-              <a:rPr lang="en-US" sz="4200" b="1" kern="1200" dirty="0">
+              <a:rPr lang="en-US" sz="5400" b="1" kern="1200" dirty="0">
                 <a:solidFill>
                   <a:schemeClr val="tx1"/>
                 </a:solidFill>
@@ -14155,7 +14155,7 @@
               <a:t>Progetto </a:t>
             </a:r>
             <a:r>
-              <a:rPr lang="en-US" sz="4200" b="1" kern="1200" dirty="0" err="1">
+              <a:rPr lang="en-US" sz="5400" b="1" kern="1200" dirty="0" err="1">
                 <a:solidFill>
                   <a:schemeClr val="tx1"/>
                 </a:solidFill>
@@ -14166,7 +14166,7 @@
               <a:t>Ingegneria</a:t>
             </a:r>
             <a:r>
-              <a:rPr lang="en-US" sz="4200" b="1" kern="1200" dirty="0">
+              <a:rPr lang="en-US" sz="5400" b="1" kern="1200" dirty="0">
                 <a:solidFill>
                   <a:schemeClr val="tx1"/>
                 </a:solidFill>
@@ -14197,15 +14197,15 @@
               </a:rPr>
             </a:br>
             <a:r>
-              <a:rPr lang="en-US" sz="4200" b="1" i="1" dirty="0" err="1"/>
+              <a:rPr lang="en-US" sz="5400" b="1" i="1" dirty="0" err="1"/>
               <a:t>Gestione</a:t>
             </a:r>
             <a:r>
-              <a:rPr lang="en-US" sz="4200" b="1" i="1" dirty="0"/>
+              <a:rPr lang="en-US" sz="5400" b="1" i="1" dirty="0"/>
               <a:t> </a:t>
             </a:r>
             <a:r>
-              <a:rPr lang="en-US" sz="4200" b="1" i="1" kern="1200" dirty="0" err="1">
+              <a:rPr lang="en-US" sz="5400" b="1" i="1" kern="1200" dirty="0" err="1">
                 <a:solidFill>
                   <a:schemeClr val="tx1"/>
                 </a:solidFill>
@@ -14215,7 +14215,7 @@
               </a:rPr>
               <a:t>Ospedale</a:t>
             </a:r>
-            <a:endParaRPr lang="en-US" sz="4200" b="1" i="1" kern="1200" dirty="0">
+            <a:endParaRPr lang="en-US" sz="5400" b="1" i="1" kern="1200" dirty="0">
               <a:solidFill>
                 <a:schemeClr val="tx1"/>
               </a:solidFill>
@@ -32716,6 +32716,15 @@
 </file>
 
 <file path=customXml/item1.xml><?xml version="1.0" encoding="utf-8"?>
+<?mso-contentType ?>
+<FormTemplates xmlns="http://schemas.microsoft.com/sharepoint/v3/contenttype/forms">
+  <Display>DocumentLibraryForm</Display>
+  <Edit>DocumentLibraryForm</Edit>
+  <New>DocumentLibraryForm</New>
+</FormTemplates>
+</file>
+
+<file path=customXml/item2.xml><?xml version="1.0" encoding="utf-8"?>
 <ct:contentTypeSchema xmlns:ct="http://schemas.microsoft.com/office/2006/metadata/contentType" xmlns:ma="http://schemas.microsoft.com/office/2006/metadata/properties/metaAttributes" ct:_="" ma:_="" ma:contentTypeName="Documento" ma:contentTypeID="0x0101007CE6213B20D2F945B0D1473923EE410F" ma:contentTypeVersion="7" ma:contentTypeDescription="Creare un nuovo documento." ma:contentTypeScope="" ma:versionID="dc8ac43e96b461727accd63cf925a5cf">
   <xsd:schema xmlns:xsd="http://www.w3.org/2001/XMLSchema" xmlns:xs="http://www.w3.org/2001/XMLSchema" xmlns:p="http://schemas.microsoft.com/office/2006/metadata/properties" xmlns:ns2="243f3390-b919-40e8-8195-3613e8527352" targetNamespace="http://schemas.microsoft.com/office/2006/metadata/properties" ma:root="true" ma:fieldsID="1987007e621e1b24d40e437f012b913d" ns2:_="">
     <xsd:import namespace="243f3390-b919-40e8-8195-3613e8527352"/>
@@ -32877,15 +32886,6 @@
 </ct:contentTypeSchema>
 </file>
 
-<file path=customXml/item2.xml><?xml version="1.0" encoding="utf-8"?>
-<?mso-contentType ?>
-<FormTemplates xmlns="http://schemas.microsoft.com/sharepoint/v3/contenttype/forms">
-  <Display>DocumentLibraryForm</Display>
-  <Edit>DocumentLibraryForm</Edit>
-  <New>DocumentLibraryForm</New>
-</FormTemplates>
-</file>
-
 <file path=customXml/item3.xml><?xml version="1.0" encoding="utf-8"?>
 <p:properties xmlns:p="http://schemas.microsoft.com/office/2006/metadata/properties" xmlns:xsi="http://www.w3.org/2001/XMLSchema-instance" xmlns:pc="http://schemas.microsoft.com/office/infopath/2007/PartnerControls">
   <documentManagement/>
@@ -32893,6 +32893,14 @@
 </file>
 
 <file path=customXml/itemProps1.xml><?xml version="1.0" encoding="utf-8"?>
+<ds:datastoreItem xmlns:ds="http://schemas.openxmlformats.org/officeDocument/2006/customXml" ds:itemID="{42BC90D6-94CF-42F7-AAC4-9CF6824C54D5}">
+  <ds:schemaRefs>
+    <ds:schemaRef ds:uri="http://schemas.microsoft.com/sharepoint/v3/contenttype/forms"/>
+  </ds:schemaRefs>
+</ds:datastoreItem>
+</file>
+
+<file path=customXml/itemProps2.xml><?xml version="1.0" encoding="utf-8"?>
 <ds:datastoreItem xmlns:ds="http://schemas.openxmlformats.org/officeDocument/2006/customXml" ds:itemID="{1A503E23-9696-4358-8F00-F7F66AC755EB}">
   <ds:schemaRefs>
     <ds:schemaRef ds:uri="http://schemas.microsoft.com/office/2006/metadata/contentType"/>
@@ -32906,14 +32914,6 @@
     <ds:schemaRef ds:uri="http://purl.org/dc/elements/1.1/"/>
     <ds:schemaRef ds:uri="http://purl.org/dc/terms/"/>
     <ds:schemaRef ds:uri="http://schemas.microsoft.com/internal/obd"/>
-  </ds:schemaRefs>
-</ds:datastoreItem>
-</file>
-
-<file path=customXml/itemProps2.xml><?xml version="1.0" encoding="utf-8"?>
-<ds:datastoreItem xmlns:ds="http://schemas.openxmlformats.org/officeDocument/2006/customXml" ds:itemID="{42BC90D6-94CF-42F7-AAC4-9CF6824C54D5}">
-  <ds:schemaRefs>
-    <ds:schemaRef ds:uri="http://schemas.microsoft.com/sharepoint/v3/contenttype/forms"/>
   </ds:schemaRefs>
 </ds:datastoreItem>
 </file>

--- a/Presentazione_Progetto.pptx
+++ b/Presentazione_Progetto.pptx
@@ -5,10 +5,10 @@
     <p:sldMasterId id="2147483720" r:id="rId4"/>
   </p:sldMasterIdLst>
   <p:notesMasterIdLst>
-    <p:notesMasterId r:id="rId22"/>
+    <p:notesMasterId r:id="rId23"/>
   </p:notesMasterIdLst>
   <p:handoutMasterIdLst>
-    <p:handoutMasterId r:id="rId23"/>
+    <p:handoutMasterId r:id="rId24"/>
   </p:handoutMasterIdLst>
   <p:sldIdLst>
     <p:sldId id="256" r:id="rId5"/>
@@ -17,17 +17,18 @@
     <p:sldId id="312" r:id="rId8"/>
     <p:sldId id="298" r:id="rId9"/>
     <p:sldId id="300" r:id="rId10"/>
-    <p:sldId id="309" r:id="rId11"/>
-    <p:sldId id="313" r:id="rId12"/>
-    <p:sldId id="302" r:id="rId13"/>
-    <p:sldId id="303" r:id="rId14"/>
-    <p:sldId id="304" r:id="rId15"/>
-    <p:sldId id="306" r:id="rId16"/>
+    <p:sldId id="317" r:id="rId11"/>
+    <p:sldId id="309" r:id="rId12"/>
+    <p:sldId id="313" r:id="rId13"/>
+    <p:sldId id="302" r:id="rId14"/>
+    <p:sldId id="303" r:id="rId15"/>
+    <p:sldId id="304" r:id="rId16"/>
     <p:sldId id="307" r:id="rId17"/>
     <p:sldId id="314" r:id="rId18"/>
     <p:sldId id="315" r:id="rId19"/>
     <p:sldId id="316" r:id="rId20"/>
-    <p:sldId id="310" r:id="rId21"/>
+    <p:sldId id="306" r:id="rId21"/>
+    <p:sldId id="310" r:id="rId22"/>
   </p:sldIdLst>
   <p:sldSz cx="12192000" cy="6858000"/>
   <p:notesSz cx="6858000" cy="9144000"/>
@@ -163,7 +164,7 @@
 <file path=ppt/revisionInfo.xml><?xml version="1.0" encoding="utf-8"?>
 <p1510:revInfo xmlns:a="http://schemas.openxmlformats.org/drawingml/2006/main" xmlns:r="http://schemas.openxmlformats.org/officeDocument/2006/relationships" xmlns:p1510="http://schemas.microsoft.com/office/powerpoint/2015/10/main">
   <p1510:revLst>
-    <p1510:client id="{002FC19B-B750-46E5-AE6C-2EDFEC68FEF2}" v="66" dt="2023-12-22T09:37:31.062"/>
+    <p1510:client id="{002FC19B-B750-46E5-AE6C-2EDFEC68FEF2}" v="244" dt="2024-01-03T18:23:58.289"/>
   </p1510:revLst>
 </p1510:revInfo>
 </file>
@@ -172,8 +173,8 @@
 <pc:chgInfo xmlns:a="http://schemas.openxmlformats.org/drawingml/2006/main" xmlns:r="http://schemas.openxmlformats.org/officeDocument/2006/relationships" xmlns:ac="http://schemas.microsoft.com/office/drawing/2013/main/command" xmlns:pc="http://schemas.microsoft.com/office/powerpoint/2013/main/command">
   <pc:docChgLst>
     <pc:chgData name="Matteo MANGILI" userId="89c7df381375e6aa" providerId="LiveId" clId="{002FC19B-B750-46E5-AE6C-2EDFEC68FEF2}"/>
-    <pc:docChg chg="undo redo custSel addSld delSld modSld">
-      <pc:chgData name="Matteo MANGILI" userId="89c7df381375e6aa" providerId="LiveId" clId="{002FC19B-B750-46E5-AE6C-2EDFEC68FEF2}" dt="2023-12-22T13:39:49.871" v="5583" actId="255"/>
+    <pc:docChg chg="undo redo custSel addSld delSld modSld sldOrd">
+      <pc:chgData name="Matteo MANGILI" userId="89c7df381375e6aa" providerId="LiveId" clId="{002FC19B-B750-46E5-AE6C-2EDFEC68FEF2}" dt="2024-01-03T18:24:23.438" v="6484" actId="20577"/>
       <pc:docMkLst>
         <pc:docMk/>
       </pc:docMkLst>
@@ -257,7 +258,7 @@
         </pc:picChg>
       </pc:sldChg>
       <pc:sldChg chg="addSp delSp modSp mod setBg delDesignElem">
-        <pc:chgData name="Matteo MANGILI" userId="89c7df381375e6aa" providerId="LiveId" clId="{002FC19B-B750-46E5-AE6C-2EDFEC68FEF2}" dt="2023-12-20T12:57:29.546" v="5102"/>
+        <pc:chgData name="Matteo MANGILI" userId="89c7df381375e6aa" providerId="LiveId" clId="{002FC19B-B750-46E5-AE6C-2EDFEC68FEF2}" dt="2024-01-03T18:24:23.438" v="6484" actId="20577"/>
         <pc:sldMkLst>
           <pc:docMk/>
           <pc:sldMk cId="3250768115" sldId="296"/>
@@ -271,7 +272,7 @@
           </ac:spMkLst>
         </pc:spChg>
         <pc:spChg chg="mod">
-          <ac:chgData name="Matteo MANGILI" userId="89c7df381375e6aa" providerId="LiveId" clId="{002FC19B-B750-46E5-AE6C-2EDFEC68FEF2}" dt="2023-12-20T12:57:29.546" v="5102"/>
+          <ac:chgData name="Matteo MANGILI" userId="89c7df381375e6aa" providerId="LiveId" clId="{002FC19B-B750-46E5-AE6C-2EDFEC68FEF2}" dt="2024-01-03T17:42:25.481" v="5712" actId="20577"/>
           <ac:spMkLst>
             <pc:docMk/>
             <pc:sldMk cId="3250768115" sldId="296"/>
@@ -279,7 +280,7 @@
           </ac:spMkLst>
         </pc:spChg>
         <pc:spChg chg="mod ord">
-          <ac:chgData name="Matteo MANGILI" userId="89c7df381375e6aa" providerId="LiveId" clId="{002FC19B-B750-46E5-AE6C-2EDFEC68FEF2}" dt="2023-12-02T20:07:39.883" v="1158"/>
+          <ac:chgData name="Matteo MANGILI" userId="89c7df381375e6aa" providerId="LiveId" clId="{002FC19B-B750-46E5-AE6C-2EDFEC68FEF2}" dt="2024-01-03T18:24:23.438" v="6484" actId="20577"/>
           <ac:spMkLst>
             <pc:docMk/>
             <pc:sldMk cId="3250768115" sldId="296"/>
@@ -303,7 +304,7 @@
           </ac:spMkLst>
         </pc:spChg>
         <pc:picChg chg="add mod">
-          <ac:chgData name="Matteo MANGILI" userId="89c7df381375e6aa" providerId="LiveId" clId="{002FC19B-B750-46E5-AE6C-2EDFEC68FEF2}" dt="2023-12-09T11:18:07.555" v="3687" actId="14100"/>
+          <ac:chgData name="Matteo MANGILI" userId="89c7df381375e6aa" providerId="LiveId" clId="{002FC19B-B750-46E5-AE6C-2EDFEC68FEF2}" dt="2024-01-03T18:23:58.289" v="6478" actId="1076"/>
           <ac:picMkLst>
             <pc:docMk/>
             <pc:sldMk cId="3250768115" sldId="296"/>
@@ -312,13 +313,13 @@
         </pc:picChg>
       </pc:sldChg>
       <pc:sldChg chg="addSp delSp modSp mod setBg addAnim delAnim modAnim delDesignElem chgLayout">
-        <pc:chgData name="Matteo MANGILI" userId="89c7df381375e6aa" providerId="LiveId" clId="{002FC19B-B750-46E5-AE6C-2EDFEC68FEF2}" dt="2023-12-10T18:21:59.525" v="4304" actId="20577"/>
+        <pc:chgData name="Matteo MANGILI" userId="89c7df381375e6aa" providerId="LiveId" clId="{002FC19B-B750-46E5-AE6C-2EDFEC68FEF2}" dt="2024-01-03T17:40:25.826" v="5596" actId="20577"/>
         <pc:sldMkLst>
           <pc:docMk/>
           <pc:sldMk cId="1249612630" sldId="297"/>
         </pc:sldMkLst>
         <pc:spChg chg="mod ord">
-          <ac:chgData name="Matteo MANGILI" userId="89c7df381375e6aa" providerId="LiveId" clId="{002FC19B-B750-46E5-AE6C-2EDFEC68FEF2}" dt="2023-12-02T20:22:50.686" v="1244" actId="26606"/>
+          <ac:chgData name="Matteo MANGILI" userId="89c7df381375e6aa" providerId="LiveId" clId="{002FC19B-B750-46E5-AE6C-2EDFEC68FEF2}" dt="2024-01-03T17:40:25.826" v="5596" actId="20577"/>
           <ac:spMkLst>
             <pc:docMk/>
             <pc:sldMk cId="1249612630" sldId="297"/>
@@ -334,7 +335,7 @@
           </ac:spMkLst>
         </pc:spChg>
         <pc:spChg chg="mod ord">
-          <ac:chgData name="Matteo MANGILI" userId="89c7df381375e6aa" providerId="LiveId" clId="{002FC19B-B750-46E5-AE6C-2EDFEC68FEF2}" dt="2023-12-10T18:21:59.525" v="4304" actId="20577"/>
+          <ac:chgData name="Matteo MANGILI" userId="89c7df381375e6aa" providerId="LiveId" clId="{002FC19B-B750-46E5-AE6C-2EDFEC68FEF2}" dt="2024-01-03T17:39:54.441" v="5592" actId="20577"/>
           <ac:spMkLst>
             <pc:docMk/>
             <pc:sldMk cId="1249612630" sldId="297"/>
@@ -559,7 +560,7 @@
         </pc:picChg>
       </pc:sldChg>
       <pc:sldChg chg="addSp modSp mod setBg">
-        <pc:chgData name="Matteo MANGILI" userId="89c7df381375e6aa" providerId="LiveId" clId="{002FC19B-B750-46E5-AE6C-2EDFEC68FEF2}" dt="2023-12-10T18:26:37.679" v="4573" actId="20577"/>
+        <pc:chgData name="Matteo MANGILI" userId="89c7df381375e6aa" providerId="LiveId" clId="{002FC19B-B750-46E5-AE6C-2EDFEC68FEF2}" dt="2024-01-03T17:41:48.125" v="5706" actId="20577"/>
         <pc:sldMkLst>
           <pc:docMk/>
           <pc:sldMk cId="3996999348" sldId="298"/>
@@ -573,7 +574,7 @@
           </ac:spMkLst>
         </pc:spChg>
         <pc:spChg chg="mod">
-          <ac:chgData name="Matteo MANGILI" userId="89c7df381375e6aa" providerId="LiveId" clId="{002FC19B-B750-46E5-AE6C-2EDFEC68FEF2}" dt="2023-12-10T18:26:37.679" v="4573" actId="20577"/>
+          <ac:chgData name="Matteo MANGILI" userId="89c7df381375e6aa" providerId="LiveId" clId="{002FC19B-B750-46E5-AE6C-2EDFEC68FEF2}" dt="2024-01-03T17:41:48.125" v="5706" actId="20577"/>
           <ac:spMkLst>
             <pc:docMk/>
             <pc:sldMk cId="3996999348" sldId="298"/>
@@ -606,7 +607,7 @@
         </pc:spChg>
       </pc:sldChg>
       <pc:sldChg chg="addSp delSp modSp mod setBg addAnim modAnim">
-        <pc:chgData name="Matteo MANGILI" userId="89c7df381375e6aa" providerId="LiveId" clId="{002FC19B-B750-46E5-AE6C-2EDFEC68FEF2}" dt="2023-12-22T09:30:07.489" v="5209" actId="14100"/>
+        <pc:chgData name="Matteo MANGILI" userId="89c7df381375e6aa" providerId="LiveId" clId="{002FC19B-B750-46E5-AE6C-2EDFEC68FEF2}" dt="2024-01-03T17:43:24.624" v="5715" actId="732"/>
         <pc:sldMkLst>
           <pc:docMk/>
           <pc:sldMk cId="930824607" sldId="300"/>
@@ -617,6 +618,14 @@
             <pc:docMk/>
             <pc:sldMk cId="930824607" sldId="300"/>
             <ac:spMk id="2" creationId="{75031FE9-9059-4FE8-B4AC-9771F23A1B89}"/>
+          </ac:spMkLst>
+        </pc:spChg>
+        <pc:spChg chg="add del mod">
+          <ac:chgData name="Matteo MANGILI" userId="89c7df381375e6aa" providerId="LiveId" clId="{002FC19B-B750-46E5-AE6C-2EDFEC68FEF2}" dt="2024-01-03T17:43:09.494" v="5714" actId="21"/>
+          <ac:spMkLst>
+            <pc:docMk/>
+            <pc:sldMk cId="930824607" sldId="300"/>
+            <ac:spMk id="5" creationId="{81E6C30C-1B08-0066-A077-921DFA82D426}"/>
           </ac:spMkLst>
         </pc:spChg>
         <pc:spChg chg="del">
@@ -723,8 +732,8 @@
             <ac:spMk id="115" creationId="{DB17E863-922E-4C26-BD64-E8FD41D28661}"/>
           </ac:spMkLst>
         </pc:spChg>
-        <pc:picChg chg="add mod">
-          <ac:chgData name="Matteo MANGILI" userId="89c7df381375e6aa" providerId="LiveId" clId="{002FC19B-B750-46E5-AE6C-2EDFEC68FEF2}" dt="2023-12-22T09:30:07.489" v="5209" actId="14100"/>
+        <pc:picChg chg="add del mod modCrop">
+          <ac:chgData name="Matteo MANGILI" userId="89c7df381375e6aa" providerId="LiveId" clId="{002FC19B-B750-46E5-AE6C-2EDFEC68FEF2}" dt="2024-01-03T17:43:24.624" v="5715" actId="732"/>
           <ac:picMkLst>
             <pc:docMk/>
             <pc:sldMk cId="930824607" sldId="300"/>
@@ -995,7 +1004,7 @@
         </pc:spChg>
       </pc:sldChg>
       <pc:sldChg chg="addSp modSp mod setBg">
-        <pc:chgData name="Matteo MANGILI" userId="89c7df381375e6aa" providerId="LiveId" clId="{002FC19B-B750-46E5-AE6C-2EDFEC68FEF2}" dt="2023-12-10T18:39:56.220" v="5034" actId="20577"/>
+        <pc:chgData name="Matteo MANGILI" userId="89c7df381375e6aa" providerId="LiveId" clId="{002FC19B-B750-46E5-AE6C-2EDFEC68FEF2}" dt="2024-01-03T18:13:47.439" v="6474" actId="27636"/>
         <pc:sldMkLst>
           <pc:docMk/>
           <pc:sldMk cId="2728347993" sldId="304"/>
@@ -1009,7 +1018,7 @@
           </ac:spMkLst>
         </pc:spChg>
         <pc:spChg chg="mod">
-          <ac:chgData name="Matteo MANGILI" userId="89c7df381375e6aa" providerId="LiveId" clId="{002FC19B-B750-46E5-AE6C-2EDFEC68FEF2}" dt="2023-12-10T18:39:56.220" v="5034" actId="20577"/>
+          <ac:chgData name="Matteo MANGILI" userId="89c7df381375e6aa" providerId="LiveId" clId="{002FC19B-B750-46E5-AE6C-2EDFEC68FEF2}" dt="2024-01-03T18:13:47.439" v="6474" actId="27636"/>
           <ac:spMkLst>
             <pc:docMk/>
             <pc:sldMk cId="2728347993" sldId="304"/>
@@ -1336,8 +1345,8 @@
           </ac:picMkLst>
         </pc:picChg>
       </pc:sldChg>
-      <pc:sldChg chg="addSp delSp modSp mod setBg addAnim modAnim">
-        <pc:chgData name="Matteo MANGILI" userId="89c7df381375e6aa" providerId="LiveId" clId="{002FC19B-B750-46E5-AE6C-2EDFEC68FEF2}" dt="2023-12-02T20:47:36.284" v="2193" actId="20577"/>
+      <pc:sldChg chg="addSp delSp modSp mod ord setBg addAnim modAnim">
+        <pc:chgData name="Matteo MANGILI" userId="89c7df381375e6aa" providerId="LiveId" clId="{002FC19B-B750-46E5-AE6C-2EDFEC68FEF2}" dt="2024-01-03T18:21:12.180" v="6476"/>
         <pc:sldMkLst>
           <pc:docMk/>
           <pc:sldMk cId="3568766427" sldId="306"/>
@@ -1471,7 +1480,7 @@
         </pc:cxnChg>
       </pc:sldChg>
       <pc:sldChg chg="addSp modSp mod setBg addAnim modAnim">
-        <pc:chgData name="Matteo MANGILI" userId="89c7df381375e6aa" providerId="LiveId" clId="{002FC19B-B750-46E5-AE6C-2EDFEC68FEF2}" dt="2023-12-09T11:27:42.279" v="4012" actId="20577"/>
+        <pc:chgData name="Matteo MANGILI" userId="89c7df381375e6aa" providerId="LiveId" clId="{002FC19B-B750-46E5-AE6C-2EDFEC68FEF2}" dt="2024-01-03T18:12:46.316" v="6470" actId="20577"/>
         <pc:sldMkLst>
           <pc:docMk/>
           <pc:sldMk cId="1581940243" sldId="309"/>
@@ -1485,7 +1494,7 @@
           </ac:spMkLst>
         </pc:spChg>
         <pc:spChg chg="mod">
-          <ac:chgData name="Matteo MANGILI" userId="89c7df381375e6aa" providerId="LiveId" clId="{002FC19B-B750-46E5-AE6C-2EDFEC68FEF2}" dt="2023-12-09T11:27:42.279" v="4012" actId="20577"/>
+          <ac:chgData name="Matteo MANGILI" userId="89c7df381375e6aa" providerId="LiveId" clId="{002FC19B-B750-46E5-AE6C-2EDFEC68FEF2}" dt="2024-01-03T18:12:46.316" v="6470" actId="20577"/>
           <ac:spMkLst>
             <pc:docMk/>
             <pc:sldMk cId="1581940243" sldId="309"/>
@@ -1691,7 +1700,7 @@
         </pc:picChg>
       </pc:sldChg>
       <pc:sldChg chg="addSp delSp modSp new mod setBg">
-        <pc:chgData name="Matteo MANGILI" userId="89c7df381375e6aa" providerId="LiveId" clId="{002FC19B-B750-46E5-AE6C-2EDFEC68FEF2}" dt="2023-12-22T09:27:02.768" v="5147" actId="20577"/>
+        <pc:chgData name="Matteo MANGILI" userId="89c7df381375e6aa" providerId="LiveId" clId="{002FC19B-B750-46E5-AE6C-2EDFEC68FEF2}" dt="2024-01-03T18:13:10.429" v="6472" actId="20577"/>
         <pc:sldMkLst>
           <pc:docMk/>
           <pc:sldMk cId="3576197673" sldId="313"/>
@@ -1793,7 +1802,7 @@
           </ac:spMkLst>
         </pc:spChg>
         <pc:graphicFrameChg chg="add mod ord modGraphic">
-          <ac:chgData name="Matteo MANGILI" userId="89c7df381375e6aa" providerId="LiveId" clId="{002FC19B-B750-46E5-AE6C-2EDFEC68FEF2}" dt="2023-12-22T09:27:02.768" v="5147" actId="20577"/>
+          <ac:chgData name="Matteo MANGILI" userId="89c7df381375e6aa" providerId="LiveId" clId="{002FC19B-B750-46E5-AE6C-2EDFEC68FEF2}" dt="2024-01-03T18:13:10.429" v="6472" actId="20577"/>
           <ac:graphicFrameMkLst>
             <pc:docMk/>
             <pc:sldMk cId="3576197673" sldId="313"/>
@@ -2021,6 +2030,52 @@
           </ac:picMkLst>
         </pc:picChg>
       </pc:sldChg>
+      <pc:sldChg chg="addSp delSp modSp add mod">
+        <pc:chgData name="Matteo MANGILI" userId="89c7df381375e6aa" providerId="LiveId" clId="{002FC19B-B750-46E5-AE6C-2EDFEC68FEF2}" dt="2024-01-03T18:07:25.164" v="6225" actId="27636"/>
+        <pc:sldMkLst>
+          <pc:docMk/>
+          <pc:sldMk cId="1634375711" sldId="317"/>
+        </pc:sldMkLst>
+        <pc:spChg chg="mod">
+          <ac:chgData name="Matteo MANGILI" userId="89c7df381375e6aa" providerId="LiveId" clId="{002FC19B-B750-46E5-AE6C-2EDFEC68FEF2}" dt="2024-01-03T18:07:25.164" v="6225" actId="27636"/>
+          <ac:spMkLst>
+            <pc:docMk/>
+            <pc:sldMk cId="1634375711" sldId="317"/>
+            <ac:spMk id="2" creationId="{75031FE9-9059-4FE8-B4AC-9771F23A1B89}"/>
+          </ac:spMkLst>
+        </pc:spChg>
+        <pc:spChg chg="add del mod">
+          <ac:chgData name="Matteo MANGILI" userId="89c7df381375e6aa" providerId="LiveId" clId="{002FC19B-B750-46E5-AE6C-2EDFEC68FEF2}" dt="2024-01-03T18:03:18.333" v="5968" actId="3680"/>
+          <ac:spMkLst>
+            <pc:docMk/>
+            <pc:sldMk cId="1634375711" sldId="317"/>
+            <ac:spMk id="5" creationId="{74EB91FD-8E62-D21F-F5A0-5CDE558350D6}"/>
+          </ac:spMkLst>
+        </pc:spChg>
+        <pc:graphicFrameChg chg="add mod ord modGraphic">
+          <ac:chgData name="Matteo MANGILI" userId="89c7df381375e6aa" providerId="LiveId" clId="{002FC19B-B750-46E5-AE6C-2EDFEC68FEF2}" dt="2024-01-03T18:06:58.999" v="6217" actId="20577"/>
+          <ac:graphicFrameMkLst>
+            <pc:docMk/>
+            <pc:sldMk cId="1634375711" sldId="317"/>
+            <ac:graphicFrameMk id="6" creationId="{D4C19112-8E86-20DC-4B1E-612DCB806B9E}"/>
+          </ac:graphicFrameMkLst>
+        </pc:graphicFrameChg>
+        <pc:picChg chg="del">
+          <ac:chgData name="Matteo MANGILI" userId="89c7df381375e6aa" providerId="LiveId" clId="{002FC19B-B750-46E5-AE6C-2EDFEC68FEF2}" dt="2024-01-03T17:58:16.848" v="5740" actId="21"/>
+          <ac:picMkLst>
+            <pc:docMk/>
+            <pc:sldMk cId="1634375711" sldId="317"/>
+            <ac:picMk id="3" creationId="{00439959-3544-4100-55BB-F64ED0400005}"/>
+          </ac:picMkLst>
+        </pc:picChg>
+      </pc:sldChg>
+      <pc:sldChg chg="new del">
+        <pc:chgData name="Matteo MANGILI" userId="89c7df381375e6aa" providerId="LiveId" clId="{002FC19B-B750-46E5-AE6C-2EDFEC68FEF2}" dt="2024-01-03T17:57:43.667" v="5717" actId="680"/>
+        <pc:sldMkLst>
+          <pc:docMk/>
+          <pc:sldMk cId="2590598759" sldId="317"/>
+        </pc:sldMkLst>
+      </pc:sldChg>
     </pc:docChg>
   </pc:docChgLst>
 </pc:chgInfo>
@@ -2082,7 +2137,7 @@
           </a:lstStyle>
           <a:p>
             <a:pPr rtl="0"/>
-            <a:endParaRPr lang="it-IT"/>
+            <a:endParaRPr lang="it-IT" dirty="0"/>
           </a:p>
         </p:txBody>
       </p:sp>
@@ -2122,9 +2177,9 @@
             <a:pPr rtl="0"/>
             <a:fld id="{DBC54730-5EBA-4920-A6C4-7F8458A7F940}" type="datetime1">
               <a:rPr lang="it-IT" smtClean="0"/>
-              <a:t>22/12/2023</a:t>
+              <a:t>03/01/2024</a:t>
             </a:fld>
-            <a:endParaRPr lang="it-IT"/>
+            <a:endParaRPr lang="it-IT" dirty="0"/>
           </a:p>
         </p:txBody>
       </p:sp>
@@ -2162,7 +2217,7 @@
           </a:lstStyle>
           <a:p>
             <a:pPr rtl="0"/>
-            <a:endParaRPr lang="it-IT"/>
+            <a:endParaRPr lang="it-IT" dirty="0"/>
           </a:p>
         </p:txBody>
       </p:sp>
@@ -2204,7 +2259,7 @@
               <a:rPr lang="it-IT" smtClean="0"/>
               <a:t>‹N›</a:t>
             </a:fld>
-            <a:endParaRPr lang="it-IT"/>
+            <a:endParaRPr lang="it-IT" dirty="0"/>
           </a:p>
         </p:txBody>
       </p:sp>
@@ -2270,7 +2325,7 @@
           </a:lstStyle>
           <a:p>
             <a:pPr rtl="0"/>
-            <a:endParaRPr lang="it-IT" noProof="0"/>
+            <a:endParaRPr lang="it-IT" noProof="0" dirty="0"/>
           </a:p>
         </p:txBody>
       </p:sp>
@@ -2304,7 +2359,7 @@
             <a:fld id="{85EC1C34-318D-43A8-83F5-3AC8647FE75E}" type="datetime1">
               <a:rPr lang="it-IT" smtClean="0"/>
               <a:pPr/>
-              <a:t>22/12/2023</a:t>
+              <a:t>03/01/2024</a:t>
             </a:fld>
             <a:endParaRPr lang="it-IT" dirty="0"/>
           </a:p>
@@ -2340,7 +2395,7 @@
           <a:lstStyle/>
           <a:p>
             <a:pPr rtl="0"/>
-            <a:endParaRPr lang="it-IT" noProof="0"/>
+            <a:endParaRPr lang="it-IT" noProof="0" dirty="0"/>
           </a:p>
         </p:txBody>
       </p:sp>
@@ -2431,7 +2486,7 @@
           </a:lstStyle>
           <a:p>
             <a:pPr rtl="0"/>
-            <a:endParaRPr lang="it-IT" noProof="0"/>
+            <a:endParaRPr lang="it-IT" noProof="0" dirty="0"/>
           </a:p>
         </p:txBody>
       </p:sp>
@@ -2467,7 +2522,7 @@
               <a:rPr lang="it-IT" noProof="0" smtClean="0"/>
               <a:t>‹N›</a:t>
             </a:fld>
-            <a:endParaRPr lang="it-IT" noProof="0"/>
+            <a:endParaRPr lang="it-IT" noProof="0" dirty="0"/>
           </a:p>
         </p:txBody>
       </p:sp>
@@ -2619,7 +2674,7 @@
           <a:bodyPr/>
           <a:lstStyle/>
           <a:p>
-            <a:endParaRPr lang="it-IT"/>
+            <a:endParaRPr lang="it-IT" dirty="0"/>
           </a:p>
         </p:txBody>
       </p:sp>
@@ -2643,7 +2698,7 @@
               <a:rPr lang="it-IT" smtClean="0"/>
               <a:t>1</a:t>
             </a:fld>
-            <a:endParaRPr lang="it-IT"/>
+            <a:endParaRPr lang="it-IT" dirty="0"/>
           </a:p>
         </p:txBody>
       </p:sp>
@@ -2704,7 +2759,7 @@
           <a:bodyPr/>
           <a:lstStyle/>
           <a:p>
-            <a:endParaRPr lang="it-IT"/>
+            <a:endParaRPr lang="it-IT" dirty="0"/>
           </a:p>
         </p:txBody>
       </p:sp>
@@ -2728,14 +2783,14 @@
               <a:rPr lang="it-IT" smtClean="0"/>
               <a:t>11</a:t>
             </a:fld>
-            <a:endParaRPr lang="it-IT"/>
+            <a:endParaRPr lang="it-IT" dirty="0"/>
           </a:p>
         </p:txBody>
       </p:sp>
     </p:spTree>
     <p:extLst>
       <p:ext uri="{BB962C8B-B14F-4D97-AF65-F5344CB8AC3E}">
-        <p14:creationId xmlns:p14="http://schemas.microsoft.com/office/powerpoint/2010/main" val="2000366706"/>
+        <p14:creationId xmlns:p14="http://schemas.microsoft.com/office/powerpoint/2010/main" val="3760930360"/>
       </p:ext>
     </p:extLst>
   </p:cSld>
@@ -2789,7 +2844,7 @@
           <a:bodyPr/>
           <a:lstStyle/>
           <a:p>
-            <a:endParaRPr lang="it-IT"/>
+            <a:endParaRPr lang="it-IT" dirty="0"/>
           </a:p>
         </p:txBody>
       </p:sp>
@@ -2811,9 +2866,94 @@
             <a:pPr rtl="0"/>
             <a:fld id="{D4B9A9E5-4F7F-4A7D-9DE1-899232329269}" type="slidenum">
               <a:rPr lang="it-IT" smtClean="0"/>
-              <a:t>17</a:t>
+              <a:t>12</a:t>
             </a:fld>
-            <a:endParaRPr lang="it-IT"/>
+            <a:endParaRPr lang="it-IT" dirty="0"/>
+          </a:p>
+        </p:txBody>
+      </p:sp>
+    </p:spTree>
+    <p:extLst>
+      <p:ext uri="{BB962C8B-B14F-4D97-AF65-F5344CB8AC3E}">
+        <p14:creationId xmlns:p14="http://schemas.microsoft.com/office/powerpoint/2010/main" val="2000366706"/>
+      </p:ext>
+    </p:extLst>
+  </p:cSld>
+  <p:clrMapOvr>
+    <a:masterClrMapping/>
+  </p:clrMapOvr>
+</p:notes>
+</file>
+
+<file path=ppt/notesSlides/notesSlide12.xml><?xml version="1.0" encoding="utf-8"?>
+<p:notes xmlns:a="http://schemas.openxmlformats.org/drawingml/2006/main" xmlns:r="http://schemas.openxmlformats.org/officeDocument/2006/relationships" xmlns:p="http://schemas.openxmlformats.org/presentationml/2006/main">
+  <p:cSld>
+    <p:spTree>
+      <p:nvGrpSpPr>
+        <p:cNvPr id="1" name=""/>
+        <p:cNvGrpSpPr/>
+        <p:nvPr/>
+      </p:nvGrpSpPr>
+      <p:grpSpPr>
+        <a:xfrm>
+          <a:off x="0" y="0"/>
+          <a:ext cx="0" cy="0"/>
+          <a:chOff x="0" y="0"/>
+          <a:chExt cx="0" cy="0"/>
+        </a:xfrm>
+      </p:grpSpPr>
+      <p:sp>
+        <p:nvSpPr>
+          <p:cNvPr id="2" name="Segnaposto immagine diapositiva 1"/>
+          <p:cNvSpPr>
+            <a:spLocks noGrp="1" noRot="1" noChangeAspect="1"/>
+          </p:cNvSpPr>
+          <p:nvPr>
+            <p:ph type="sldImg"/>
+          </p:nvPr>
+        </p:nvSpPr>
+        <p:spPr/>
+      </p:sp>
+      <p:sp>
+        <p:nvSpPr>
+          <p:cNvPr id="3" name="Segnaposto note 2"/>
+          <p:cNvSpPr>
+            <a:spLocks noGrp="1"/>
+          </p:cNvSpPr>
+          <p:nvPr>
+            <p:ph type="body" idx="1"/>
+          </p:nvPr>
+        </p:nvSpPr>
+        <p:spPr/>
+        <p:txBody>
+          <a:bodyPr/>
+          <a:lstStyle/>
+          <a:p>
+            <a:endParaRPr lang="it-IT" dirty="0"/>
+          </a:p>
+        </p:txBody>
+      </p:sp>
+      <p:sp>
+        <p:nvSpPr>
+          <p:cNvPr id="4" name="Segnaposto numero diapositiva 3"/>
+          <p:cNvSpPr>
+            <a:spLocks noGrp="1"/>
+          </p:cNvSpPr>
+          <p:nvPr>
+            <p:ph type="sldNum" sz="quarter" idx="5"/>
+          </p:nvPr>
+        </p:nvSpPr>
+        <p:spPr/>
+        <p:txBody>
+          <a:bodyPr/>
+          <a:lstStyle/>
+          <a:p>
+            <a:pPr rtl="0"/>
+            <a:fld id="{D4B9A9E5-4F7F-4A7D-9DE1-899232329269}" type="slidenum">
+              <a:rPr lang="it-IT" smtClean="0"/>
+              <a:t>18</a:t>
+            </a:fld>
+            <a:endParaRPr lang="it-IT" dirty="0"/>
           </a:p>
         </p:txBody>
       </p:sp>
@@ -2874,7 +3014,7 @@
           <a:bodyPr/>
           <a:lstStyle/>
           <a:p>
-            <a:endParaRPr lang="it-IT"/>
+            <a:endParaRPr lang="it-IT" dirty="0"/>
           </a:p>
         </p:txBody>
       </p:sp>
@@ -2898,7 +3038,7 @@
               <a:rPr lang="it-IT" smtClean="0"/>
               <a:t>2</a:t>
             </a:fld>
-            <a:endParaRPr lang="it-IT"/>
+            <a:endParaRPr lang="it-IT" dirty="0"/>
           </a:p>
         </p:txBody>
       </p:sp>
@@ -2959,7 +3099,7 @@
           <a:bodyPr/>
           <a:lstStyle/>
           <a:p>
-            <a:endParaRPr lang="it-IT"/>
+            <a:endParaRPr lang="it-IT" dirty="0"/>
           </a:p>
         </p:txBody>
       </p:sp>
@@ -2983,7 +3123,7 @@
               <a:rPr lang="it-IT" smtClean="0"/>
               <a:t>3</a:t>
             </a:fld>
-            <a:endParaRPr lang="it-IT"/>
+            <a:endParaRPr lang="it-IT" dirty="0"/>
           </a:p>
         </p:txBody>
       </p:sp>
@@ -3044,7 +3184,7 @@
           <a:bodyPr/>
           <a:lstStyle/>
           <a:p>
-            <a:endParaRPr lang="it-IT"/>
+            <a:endParaRPr lang="it-IT" dirty="0"/>
           </a:p>
         </p:txBody>
       </p:sp>
@@ -3068,7 +3208,7 @@
               <a:rPr lang="it-IT" smtClean="0"/>
               <a:t>4</a:t>
             </a:fld>
-            <a:endParaRPr lang="it-IT"/>
+            <a:endParaRPr lang="it-IT" dirty="0"/>
           </a:p>
         </p:txBody>
       </p:sp>
@@ -3129,7 +3269,7 @@
           <a:bodyPr/>
           <a:lstStyle/>
           <a:p>
-            <a:endParaRPr lang="it-IT"/>
+            <a:endParaRPr lang="it-IT" dirty="0"/>
           </a:p>
         </p:txBody>
       </p:sp>
@@ -3153,7 +3293,7 @@
               <a:rPr lang="it-IT" smtClean="0"/>
               <a:t>5</a:t>
             </a:fld>
-            <a:endParaRPr lang="it-IT"/>
+            <a:endParaRPr lang="it-IT" dirty="0"/>
           </a:p>
         </p:txBody>
       </p:sp>
@@ -3214,7 +3354,7 @@
           <a:bodyPr/>
           <a:lstStyle/>
           <a:p>
-            <a:endParaRPr lang="it-IT"/>
+            <a:endParaRPr lang="it-IT" dirty="0"/>
           </a:p>
         </p:txBody>
       </p:sp>
@@ -3238,7 +3378,7 @@
               <a:rPr lang="it-IT" smtClean="0"/>
               <a:t>6</a:t>
             </a:fld>
-            <a:endParaRPr lang="it-IT"/>
+            <a:endParaRPr lang="it-IT" dirty="0"/>
           </a:p>
         </p:txBody>
       </p:sp>
@@ -3299,7 +3439,7 @@
           <a:bodyPr/>
           <a:lstStyle/>
           <a:p>
-            <a:endParaRPr lang="it-IT"/>
+            <a:endParaRPr lang="it-IT" dirty="0"/>
           </a:p>
         </p:txBody>
       </p:sp>
@@ -3323,14 +3463,14 @@
               <a:rPr lang="it-IT" smtClean="0"/>
               <a:t>7</a:t>
             </a:fld>
-            <a:endParaRPr lang="it-IT"/>
+            <a:endParaRPr lang="it-IT" dirty="0"/>
           </a:p>
         </p:txBody>
       </p:sp>
     </p:spTree>
     <p:extLst>
       <p:ext uri="{BB962C8B-B14F-4D97-AF65-F5344CB8AC3E}">
-        <p14:creationId xmlns:p14="http://schemas.microsoft.com/office/powerpoint/2010/main" val="3054411599"/>
+        <p14:creationId xmlns:p14="http://schemas.microsoft.com/office/powerpoint/2010/main" val="4163758333"/>
       </p:ext>
     </p:extLst>
   </p:cSld>
@@ -3384,7 +3524,7 @@
           <a:bodyPr/>
           <a:lstStyle/>
           <a:p>
-            <a:endParaRPr lang="it-IT"/>
+            <a:endParaRPr lang="it-IT" dirty="0"/>
           </a:p>
         </p:txBody>
       </p:sp>
@@ -3406,16 +3546,16 @@
             <a:pPr rtl="0"/>
             <a:fld id="{D4B9A9E5-4F7F-4A7D-9DE1-899232329269}" type="slidenum">
               <a:rPr lang="it-IT" smtClean="0"/>
-              <a:t>9</a:t>
+              <a:t>8</a:t>
             </a:fld>
-            <a:endParaRPr lang="it-IT"/>
+            <a:endParaRPr lang="it-IT" dirty="0"/>
           </a:p>
         </p:txBody>
       </p:sp>
     </p:spTree>
     <p:extLst>
       <p:ext uri="{BB962C8B-B14F-4D97-AF65-F5344CB8AC3E}">
-        <p14:creationId xmlns:p14="http://schemas.microsoft.com/office/powerpoint/2010/main" val="579736977"/>
+        <p14:creationId xmlns:p14="http://schemas.microsoft.com/office/powerpoint/2010/main" val="3054411599"/>
       </p:ext>
     </p:extLst>
   </p:cSld>
@@ -3469,7 +3609,7 @@
           <a:bodyPr/>
           <a:lstStyle/>
           <a:p>
-            <a:endParaRPr lang="it-IT"/>
+            <a:endParaRPr lang="it-IT" dirty="0"/>
           </a:p>
         </p:txBody>
       </p:sp>
@@ -3493,14 +3633,14 @@
               <a:rPr lang="it-IT" smtClean="0"/>
               <a:t>10</a:t>
             </a:fld>
-            <a:endParaRPr lang="it-IT"/>
+            <a:endParaRPr lang="it-IT" dirty="0"/>
           </a:p>
         </p:txBody>
       </p:sp>
     </p:spTree>
     <p:extLst>
       <p:ext uri="{BB962C8B-B14F-4D97-AF65-F5344CB8AC3E}">
-        <p14:creationId xmlns:p14="http://schemas.microsoft.com/office/powerpoint/2010/main" val="3760930360"/>
+        <p14:creationId xmlns:p14="http://schemas.microsoft.com/office/powerpoint/2010/main" val="579736977"/>
       </p:ext>
     </p:extLst>
   </p:cSld>
@@ -3657,7 +3797,7 @@
           <a:p>
             <a:pPr rtl="0"/>
             <a:r>
-              <a:rPr lang="it-IT" noProof="0"/>
+              <a:rPr lang="it-IT" noProof="0" dirty="0"/>
               <a:t>20XX</a:t>
             </a:r>
           </a:p>
@@ -3686,7 +3826,7 @@
           <a:p>
             <a:pPr rtl="0"/>
             <a:r>
-              <a:rPr lang="it-IT" noProof="0"/>
+              <a:rPr lang="it-IT" noProof="0" dirty="0"/>
               <a:t>Presentazione</a:t>
             </a:r>
           </a:p>
@@ -3719,7 +3859,7 @@
               <a:pPr rtl="0"/>
               <a:t>‹N›</a:t>
             </a:fld>
-            <a:endParaRPr lang="it-IT" noProof="0"/>
+            <a:endParaRPr lang="it-IT" noProof="0" dirty="0"/>
           </a:p>
         </p:txBody>
       </p:sp>
@@ -3862,7 +4002,7 @@
           <a:p>
             <a:pPr rtl="0"/>
             <a:r>
-              <a:rPr lang="it-IT" noProof="0"/>
+              <a:rPr lang="it-IT" noProof="0" dirty="0"/>
               <a:t>20XX</a:t>
             </a:r>
           </a:p>
@@ -3891,7 +4031,7 @@
           <a:p>
             <a:pPr rtl="0"/>
             <a:r>
-              <a:rPr lang="it-IT" noProof="0"/>
+              <a:rPr lang="it-IT" noProof="0" dirty="0"/>
               <a:t>Presentazione</a:t>
             </a:r>
           </a:p>
@@ -3924,7 +4064,7 @@
               <a:pPr rtl="0"/>
               <a:t>‹N›</a:t>
             </a:fld>
-            <a:endParaRPr lang="it-IT" noProof="0"/>
+            <a:endParaRPr lang="it-IT" noProof="0" dirty="0"/>
           </a:p>
         </p:txBody>
       </p:sp>
@@ -4077,7 +4217,7 @@
           <a:p>
             <a:pPr rtl="0"/>
             <a:r>
-              <a:rPr lang="it-IT" noProof="0"/>
+              <a:rPr lang="it-IT" noProof="0" dirty="0"/>
               <a:t>20XX</a:t>
             </a:r>
           </a:p>
@@ -4106,7 +4246,7 @@
           <a:p>
             <a:pPr rtl="0"/>
             <a:r>
-              <a:rPr lang="it-IT" noProof="0"/>
+              <a:rPr lang="it-IT" noProof="0" dirty="0"/>
               <a:t>Presentazione</a:t>
             </a:r>
           </a:p>
@@ -4139,7 +4279,7 @@
               <a:pPr rtl="0"/>
               <a:t>‹N›</a:t>
             </a:fld>
-            <a:endParaRPr lang="it-IT" noProof="0"/>
+            <a:endParaRPr lang="it-IT" noProof="0" dirty="0"/>
           </a:p>
         </p:txBody>
       </p:sp>
@@ -4694,7 +4834,7 @@
           <a:p>
             <a:pPr rtl="0"/>
             <a:r>
-              <a:rPr lang="it-IT" noProof="0"/>
+              <a:rPr lang="it-IT" noProof="0" dirty="0"/>
               <a:t>20XX</a:t>
             </a:r>
           </a:p>
@@ -4723,7 +4863,7 @@
           <a:p>
             <a:pPr rtl="0"/>
             <a:r>
-              <a:rPr lang="it-IT" noProof="0"/>
+              <a:rPr lang="it-IT" noProof="0" dirty="0"/>
               <a:t>Presentazione</a:t>
             </a:r>
           </a:p>
@@ -4755,7 +4895,7 @@
               <a:rPr lang="it-IT" noProof="0" smtClean="0"/>
               <a:t>‹N›</a:t>
             </a:fld>
-            <a:endParaRPr lang="it-IT" noProof="0"/>
+            <a:endParaRPr lang="it-IT" noProof="0" dirty="0"/>
           </a:p>
         </p:txBody>
       </p:sp>
@@ -5451,7 +5591,7 @@
           <a:p>
             <a:pPr rtl="0"/>
             <a:r>
-              <a:rPr lang="it-IT" noProof="0"/>
+              <a:rPr lang="it-IT" noProof="0" dirty="0"/>
               <a:t>20XX</a:t>
             </a:r>
           </a:p>
@@ -5489,7 +5629,7 @@
           <a:p>
             <a:pPr rtl="0"/>
             <a:r>
-              <a:rPr lang="it-IT" noProof="0"/>
+              <a:rPr lang="it-IT" noProof="0" dirty="0"/>
               <a:t>Presentazione</a:t>
             </a:r>
           </a:p>
@@ -5531,7 +5671,7 @@
               <a:pPr rtl="0"/>
               <a:t>‹N›</a:t>
             </a:fld>
-            <a:endParaRPr lang="it-IT" noProof="0"/>
+            <a:endParaRPr lang="it-IT" noProof="0" dirty="0"/>
           </a:p>
         </p:txBody>
       </p:sp>
@@ -6194,7 +6334,7 @@
           <a:p>
             <a:pPr rtl="0"/>
             <a:r>
-              <a:rPr lang="it-IT" noProof="0"/>
+              <a:rPr lang="it-IT" noProof="0" dirty="0"/>
               <a:t>20XX</a:t>
             </a:r>
           </a:p>
@@ -6232,7 +6372,7 @@
           <a:p>
             <a:pPr rtl="0"/>
             <a:r>
-              <a:rPr lang="it-IT" noProof="0"/>
+              <a:rPr lang="it-IT" noProof="0" dirty="0"/>
               <a:t>Presentazione</a:t>
             </a:r>
           </a:p>
@@ -6274,7 +6414,7 @@
               <a:pPr rtl="0"/>
               <a:t>‹N›</a:t>
             </a:fld>
-            <a:endParaRPr lang="it-IT" noProof="0"/>
+            <a:endParaRPr lang="it-IT" noProof="0" dirty="0"/>
           </a:p>
         </p:txBody>
       </p:sp>
@@ -7336,7 +7476,7 @@
           <a:p>
             <a:pPr rtl="0"/>
             <a:r>
-              <a:rPr lang="it-IT" noProof="0"/>
+              <a:rPr lang="it-IT" noProof="0" dirty="0"/>
               <a:t>20XX</a:t>
             </a:r>
           </a:p>
@@ -7369,7 +7509,7 @@
           <a:p>
             <a:pPr rtl="0"/>
             <a:r>
-              <a:rPr lang="it-IT" noProof="0"/>
+              <a:rPr lang="it-IT" noProof="0" dirty="0"/>
               <a:t>Presentazione</a:t>
             </a:r>
           </a:p>
@@ -7405,7 +7545,7 @@
               <a:rPr lang="it-IT" noProof="0" smtClean="0"/>
               <a:t>‹N›</a:t>
             </a:fld>
-            <a:endParaRPr lang="it-IT" noProof="0"/>
+            <a:endParaRPr lang="it-IT" noProof="0" dirty="0"/>
           </a:p>
         </p:txBody>
       </p:sp>
@@ -7911,7 +8051,7 @@
           <a:p>
             <a:pPr rtl="0"/>
             <a:r>
-              <a:rPr lang="it-IT" noProof="0"/>
+              <a:rPr lang="it-IT" noProof="0" dirty="0"/>
               <a:t>20XX</a:t>
             </a:r>
           </a:p>
@@ -7949,7 +8089,7 @@
           <a:p>
             <a:pPr rtl="0"/>
             <a:r>
-              <a:rPr lang="it-IT" noProof="0"/>
+              <a:rPr lang="it-IT" noProof="0" dirty="0"/>
               <a:t>Presentazione</a:t>
             </a:r>
           </a:p>
@@ -7990,7 +8130,7 @@
               <a:rPr lang="it-IT" noProof="0" smtClean="0"/>
               <a:t>‹N›</a:t>
             </a:fld>
-            <a:endParaRPr lang="it-IT" noProof="0"/>
+            <a:endParaRPr lang="it-IT" noProof="0" dirty="0"/>
           </a:p>
         </p:txBody>
       </p:sp>
@@ -8080,7 +8220,7 @@
           <a:lstStyle/>
           <a:p>
             <a:pPr algn="ctr" rtl="0"/>
-            <a:endParaRPr lang="it-IT" noProof="0">
+            <a:endParaRPr lang="it-IT" noProof="0" dirty="0">
               <a:solidFill>
                 <a:schemeClr val="tx1">
                   <a:lumMod val="75000"/>
@@ -9432,7 +9572,7 @@
           <a:lstStyle/>
           <a:p>
             <a:pPr algn="ctr" rtl="0"/>
-            <a:endParaRPr lang="it-IT" noProof="0">
+            <a:endParaRPr lang="it-IT" noProof="0" dirty="0">
               <a:solidFill>
                 <a:schemeClr val="tx1">
                   <a:lumMod val="75000"/>
@@ -9475,7 +9615,7 @@
           <a:p>
             <a:pPr rtl="0"/>
             <a:r>
-              <a:rPr lang="it-IT" noProof="0"/>
+              <a:rPr lang="it-IT" noProof="0" dirty="0"/>
               <a:t>20XX</a:t>
             </a:r>
           </a:p>
@@ -9513,7 +9653,7 @@
           <a:p>
             <a:pPr rtl="0"/>
             <a:r>
-              <a:rPr lang="it-IT" noProof="0"/>
+              <a:rPr lang="it-IT" noProof="0" dirty="0"/>
               <a:t>Presentazione</a:t>
             </a:r>
           </a:p>
@@ -9554,7 +9694,7 @@
               <a:rPr lang="it-IT" noProof="0" smtClean="0"/>
               <a:t>‹N›</a:t>
             </a:fld>
-            <a:endParaRPr lang="it-IT" noProof="0"/>
+            <a:endParaRPr lang="it-IT" noProof="0" dirty="0"/>
           </a:p>
         </p:txBody>
       </p:sp>
@@ -9632,7 +9772,7 @@
           <a:p>
             <a:pPr rtl="0"/>
             <a:r>
-              <a:rPr lang="it-IT" noProof="0"/>
+              <a:rPr lang="it-IT" noProof="0" dirty="0"/>
               <a:t>Fai clic sull'icona per aggiungere l'elemento grafico SmartArt</a:t>
             </a:r>
           </a:p>
@@ -9710,7 +9850,7 @@
           <a:p>
             <a:pPr rtl="0"/>
             <a:r>
-              <a:rPr lang="it-IT" noProof="0"/>
+              <a:rPr lang="it-IT" noProof="0" dirty="0"/>
               <a:t>20XX</a:t>
             </a:r>
           </a:p>
@@ -9743,7 +9883,7 @@
           <a:p>
             <a:pPr rtl="0"/>
             <a:r>
-              <a:rPr lang="it-IT" noProof="0"/>
+              <a:rPr lang="it-IT" noProof="0" dirty="0"/>
               <a:t>Presentazione</a:t>
             </a:r>
           </a:p>
@@ -9869,7 +10009,7 @@
               <a:rPr lang="it-IT" noProof="0" smtClean="0"/>
               <a:t>‹N›</a:t>
             </a:fld>
-            <a:endParaRPr lang="it-IT" noProof="0"/>
+            <a:endParaRPr lang="it-IT" noProof="0" dirty="0"/>
           </a:p>
         </p:txBody>
       </p:sp>
@@ -10011,7 +10151,7 @@
           <a:p>
             <a:pPr rtl="0"/>
             <a:r>
-              <a:rPr lang="it-IT" noProof="0"/>
+              <a:rPr lang="it-IT" noProof="0" dirty="0"/>
               <a:t>20XX</a:t>
             </a:r>
           </a:p>
@@ -10040,7 +10180,7 @@
           <a:p>
             <a:pPr rtl="0"/>
             <a:r>
-              <a:rPr lang="it-IT" noProof="0"/>
+              <a:rPr lang="it-IT" noProof="0" dirty="0"/>
               <a:t>Presentazione</a:t>
             </a:r>
           </a:p>
@@ -10073,7 +10213,7 @@
               <a:pPr rtl="0"/>
               <a:t>‹N›</a:t>
             </a:fld>
-            <a:endParaRPr lang="it-IT" noProof="0"/>
+            <a:endParaRPr lang="it-IT" noProof="0" dirty="0"/>
           </a:p>
         </p:txBody>
       </p:sp>
@@ -11506,7 +11646,7 @@
           <a:p>
             <a:pPr rtl="0"/>
             <a:r>
-              <a:rPr lang="it-IT" noProof="0"/>
+              <a:rPr lang="it-IT" noProof="0" dirty="0"/>
               <a:t>20XX</a:t>
             </a:r>
           </a:p>
@@ -11539,7 +11679,7 @@
           <a:p>
             <a:pPr rtl="0"/>
             <a:r>
-              <a:rPr lang="it-IT" noProof="0"/>
+              <a:rPr lang="it-IT" noProof="0" dirty="0"/>
               <a:t>Presentazione</a:t>
             </a:r>
           </a:p>
@@ -11575,7 +11715,7 @@
               <a:rPr lang="it-IT" noProof="0" smtClean="0"/>
               <a:t>‹N›</a:t>
             </a:fld>
-            <a:endParaRPr lang="it-IT" noProof="0"/>
+            <a:endParaRPr lang="it-IT" noProof="0" dirty="0"/>
           </a:p>
         </p:txBody>
       </p:sp>
@@ -11794,7 +11934,7 @@
           <a:p>
             <a:pPr rtl="0"/>
             <a:r>
-              <a:rPr lang="it-IT" noProof="0"/>
+              <a:rPr lang="it-IT" noProof="0" dirty="0"/>
               <a:t>20XX</a:t>
             </a:r>
           </a:p>
@@ -11823,7 +11963,7 @@
           <a:p>
             <a:pPr rtl="0"/>
             <a:r>
-              <a:rPr lang="it-IT" noProof="0"/>
+              <a:rPr lang="it-IT" noProof="0" dirty="0"/>
               <a:t>Presentazione</a:t>
             </a:r>
           </a:p>
@@ -11856,7 +11996,7 @@
               <a:pPr rtl="0"/>
               <a:t>‹N›</a:t>
             </a:fld>
-            <a:endParaRPr lang="it-IT" noProof="0"/>
+            <a:endParaRPr lang="it-IT" noProof="0" dirty="0"/>
           </a:p>
         </p:txBody>
       </p:sp>
@@ -12066,7 +12206,7 @@
           <a:p>
             <a:pPr rtl="0"/>
             <a:r>
-              <a:rPr lang="it-IT" noProof="0"/>
+              <a:rPr lang="it-IT" noProof="0" dirty="0"/>
               <a:t>20XX</a:t>
             </a:r>
           </a:p>
@@ -12095,7 +12235,7 @@
           <a:p>
             <a:pPr rtl="0"/>
             <a:r>
-              <a:rPr lang="it-IT" noProof="0"/>
+              <a:rPr lang="it-IT" noProof="0" dirty="0"/>
               <a:t>Presentazione</a:t>
             </a:r>
           </a:p>
@@ -12128,7 +12268,7 @@
               <a:pPr rtl="0"/>
               <a:t>‹N›</a:t>
             </a:fld>
-            <a:endParaRPr lang="it-IT" noProof="0"/>
+            <a:endParaRPr lang="it-IT" noProof="0" dirty="0"/>
           </a:p>
         </p:txBody>
       </p:sp>
@@ -12485,7 +12625,7 @@
           <a:p>
             <a:pPr rtl="0"/>
             <a:r>
-              <a:rPr lang="it-IT" noProof="0"/>
+              <a:rPr lang="it-IT" noProof="0" dirty="0"/>
               <a:t>20XX</a:t>
             </a:r>
           </a:p>
@@ -12514,7 +12654,7 @@
           <a:p>
             <a:pPr rtl="0"/>
             <a:r>
-              <a:rPr lang="it-IT" noProof="0"/>
+              <a:rPr lang="it-IT" noProof="0" dirty="0"/>
               <a:t>Presentazione</a:t>
             </a:r>
           </a:p>
@@ -12547,7 +12687,7 @@
               <a:pPr rtl="0"/>
               <a:t>‹N›</a:t>
             </a:fld>
-            <a:endParaRPr lang="it-IT" noProof="0"/>
+            <a:endParaRPr lang="it-IT" noProof="0" dirty="0"/>
           </a:p>
         </p:txBody>
       </p:sp>
@@ -12633,7 +12773,7 @@
           <a:p>
             <a:pPr rtl="0"/>
             <a:r>
-              <a:rPr lang="it-IT" noProof="0"/>
+              <a:rPr lang="it-IT" noProof="0" dirty="0"/>
               <a:t>20XX</a:t>
             </a:r>
           </a:p>
@@ -12662,7 +12802,7 @@
           <a:p>
             <a:pPr rtl="0"/>
             <a:r>
-              <a:rPr lang="it-IT" noProof="0"/>
+              <a:rPr lang="it-IT" noProof="0" dirty="0"/>
               <a:t>Presentazione</a:t>
             </a:r>
           </a:p>
@@ -12695,7 +12835,7 @@
               <a:pPr rtl="0"/>
               <a:t>‹N›</a:t>
             </a:fld>
-            <a:endParaRPr lang="it-IT" noProof="0"/>
+            <a:endParaRPr lang="it-IT" noProof="0" dirty="0"/>
           </a:p>
         </p:txBody>
       </p:sp>
@@ -12753,7 +12893,7 @@
           <a:p>
             <a:pPr rtl="0"/>
             <a:r>
-              <a:rPr lang="it-IT" noProof="0"/>
+              <a:rPr lang="it-IT" noProof="0" dirty="0"/>
               <a:t>20XX</a:t>
             </a:r>
           </a:p>
@@ -12782,7 +12922,7 @@
           <a:p>
             <a:pPr rtl="0"/>
             <a:r>
-              <a:rPr lang="it-IT" noProof="0"/>
+              <a:rPr lang="it-IT" noProof="0" dirty="0"/>
               <a:t>Presentazione</a:t>
             </a:r>
           </a:p>
@@ -12815,7 +12955,7 @@
               <a:pPr rtl="0"/>
               <a:t>‹N›</a:t>
             </a:fld>
-            <a:endParaRPr lang="it-IT" noProof="0"/>
+            <a:endParaRPr lang="it-IT" noProof="0" dirty="0"/>
           </a:p>
         </p:txBody>
       </p:sp>
@@ -13071,7 +13211,7 @@
           <a:p>
             <a:pPr rtl="0"/>
             <a:r>
-              <a:rPr lang="it-IT" noProof="0"/>
+              <a:rPr lang="it-IT" noProof="0" dirty="0"/>
               <a:t>20XX</a:t>
             </a:r>
           </a:p>
@@ -13100,7 +13240,7 @@
           <a:p>
             <a:pPr rtl="0"/>
             <a:r>
-              <a:rPr lang="it-IT" noProof="0"/>
+              <a:rPr lang="it-IT" noProof="0" dirty="0"/>
               <a:t>Presentazione</a:t>
             </a:r>
           </a:p>
@@ -13133,7 +13273,7 @@
               <a:pPr rtl="0"/>
               <a:t>‹N›</a:t>
             </a:fld>
-            <a:endParaRPr lang="it-IT" noProof="0"/>
+            <a:endParaRPr lang="it-IT" noProof="0" dirty="0"/>
           </a:p>
         </p:txBody>
       </p:sp>
@@ -13268,7 +13408,7 @@
             </a:lvl9pPr>
           </a:lstStyle>
           <a:p>
-            <a:endParaRPr lang="en-US"/>
+            <a:endParaRPr lang="en-US" dirty="0"/>
           </a:p>
         </p:txBody>
       </p:sp>
@@ -13366,7 +13506,7 @@
           <a:p>
             <a:pPr rtl="0"/>
             <a:r>
-              <a:rPr lang="it-IT" noProof="0"/>
+              <a:rPr lang="it-IT" noProof="0" dirty="0"/>
               <a:t>20XX</a:t>
             </a:r>
           </a:p>
@@ -13395,7 +13535,7 @@
           <a:p>
             <a:pPr rtl="0"/>
             <a:r>
-              <a:rPr lang="it-IT" noProof="0"/>
+              <a:rPr lang="it-IT" noProof="0" dirty="0"/>
               <a:t>Presentazione</a:t>
             </a:r>
           </a:p>
@@ -13428,7 +13568,7 @@
               <a:pPr rtl="0"/>
               <a:t>‹N›</a:t>
             </a:fld>
-            <a:endParaRPr lang="it-IT" noProof="0"/>
+            <a:endParaRPr lang="it-IT" noProof="0" dirty="0"/>
           </a:p>
         </p:txBody>
       </p:sp>
@@ -13614,7 +13754,7 @@
           <a:p>
             <a:pPr rtl="0"/>
             <a:r>
-              <a:rPr lang="it-IT" noProof="0"/>
+              <a:rPr lang="it-IT" noProof="0" dirty="0"/>
               <a:t>20XX</a:t>
             </a:r>
           </a:p>
@@ -13661,7 +13801,7 @@
           <a:p>
             <a:pPr rtl="0"/>
             <a:r>
-              <a:rPr lang="it-IT" noProof="0"/>
+              <a:rPr lang="it-IT" noProof="0" dirty="0"/>
               <a:t>Presentazione</a:t>
             </a:r>
           </a:p>
@@ -13712,7 +13852,7 @@
               <a:pPr rtl="0"/>
               <a:t>‹N›</a:t>
             </a:fld>
-            <a:endParaRPr lang="it-IT" noProof="0"/>
+            <a:endParaRPr lang="it-IT" noProof="0" dirty="0"/>
           </a:p>
         </p:txBody>
       </p:sp>
@@ -14111,7 +14251,7 @@
           <a:lstStyle/>
           <a:p>
             <a:pPr algn="ctr"/>
-            <a:endParaRPr lang="en-US"/>
+            <a:endParaRPr lang="en-US" dirty="0"/>
           </a:p>
         </p:txBody>
       </p:sp>
@@ -14152,29 +14292,7 @@
                 <a:ea typeface="+mj-ea"/>
                 <a:cs typeface="+mj-cs"/>
               </a:rPr>
-              <a:t>Progetto </a:t>
-            </a:r>
-            <a:r>
-              <a:rPr lang="en-US" sz="5400" b="1" kern="1200" dirty="0" err="1">
-                <a:solidFill>
-                  <a:schemeClr val="tx1"/>
-                </a:solidFill>
-                <a:latin typeface="+mj-lt"/>
-                <a:ea typeface="+mj-ea"/>
-                <a:cs typeface="+mj-cs"/>
-              </a:rPr>
-              <a:t>Ingegneria</a:t>
-            </a:r>
-            <a:r>
-              <a:rPr lang="en-US" sz="5400" b="1" kern="1200" dirty="0">
-                <a:solidFill>
-                  <a:schemeClr val="tx1"/>
-                </a:solidFill>
-                <a:latin typeface="+mj-lt"/>
-                <a:ea typeface="+mj-ea"/>
-                <a:cs typeface="+mj-cs"/>
-              </a:rPr>
-              <a:t> del Software</a:t>
+              <a:t>Progetto Ingegneria del Software</a:t>
             </a:r>
             <a:br>
               <a:rPr lang="en-US" sz="4200" b="1" kern="1200" dirty="0">
@@ -14197,15 +14315,11 @@
               </a:rPr>
             </a:br>
             <a:r>
-              <a:rPr lang="en-US" sz="5400" b="1" i="1" dirty="0" err="1"/>
-              <a:t>Gestione</a:t>
+              <a:rPr lang="en-US" sz="5400" b="1" i="1" dirty="0"/>
+              <a:t>Gestione </a:t>
             </a:r>
             <a:r>
-              <a:rPr lang="en-US" sz="5400" b="1" i="1" dirty="0"/>
-              <a:t> </a:t>
-            </a:r>
-            <a:r>
-              <a:rPr lang="en-US" sz="5400" b="1" i="1" kern="1200" dirty="0" err="1">
+              <a:rPr lang="en-US" sz="5400" b="1" i="1" kern="1200" dirty="0">
                 <a:solidFill>
                   <a:schemeClr val="tx1"/>
                 </a:solidFill>
@@ -14215,14 +14329,6 @@
               </a:rPr>
               <a:t>Ospedale</a:t>
             </a:r>
-            <a:endParaRPr lang="en-US" sz="5400" b="1" i="1" kern="1200" dirty="0">
-              <a:solidFill>
-                <a:schemeClr val="tx1"/>
-              </a:solidFill>
-              <a:latin typeface="+mj-lt"/>
-              <a:ea typeface="+mj-ea"/>
-              <a:cs typeface="+mj-cs"/>
-            </a:endParaRPr>
           </a:p>
         </p:txBody>
       </p:sp>
@@ -14860,7 +14966,7 @@
           <a:lstStyle/>
           <a:p>
             <a:pPr algn="ctr"/>
-            <a:endParaRPr lang="en-US"/>
+            <a:endParaRPr lang="en-US" dirty="0"/>
           </a:p>
         </p:txBody>
       </p:sp>
@@ -14905,15 +15011,7 @@
             </a:pPr>
             <a:r>
               <a:rPr lang="en-US" sz="2200" dirty="0"/>
-              <a:t>Nicola </a:t>
-            </a:r>
-            <a:r>
-              <a:rPr lang="en-US" sz="2200" dirty="0" err="1"/>
-              <a:t>Cattaneo</a:t>
-            </a:r>
-            <a:r>
-              <a:rPr lang="en-US" sz="2200" dirty="0"/>
-              <a:t> 1081073</a:t>
+              <a:t>Nicola Cattaneo 1081073</a:t>
             </a:r>
           </a:p>
           <a:p>
@@ -14923,15 +15021,7 @@
             </a:pPr>
             <a:r>
               <a:rPr lang="en-US" sz="2200" dirty="0"/>
-              <a:t>Matteo </a:t>
-            </a:r>
-            <a:r>
-              <a:rPr lang="en-US" sz="2200" dirty="0" err="1"/>
-              <a:t>Mangili</a:t>
-            </a:r>
-            <a:r>
-              <a:rPr lang="en-US" sz="2200" dirty="0"/>
-              <a:t> 1074007</a:t>
+              <a:t>Matteo Mangili 1074007</a:t>
             </a:r>
           </a:p>
           <a:p>
@@ -15047,7 +15137,7 @@
           <a:lstStyle/>
           <a:p>
             <a:pPr algn="ctr"/>
-            <a:endParaRPr lang="en-US"/>
+            <a:endParaRPr lang="en-US" dirty="0"/>
           </a:p>
         </p:txBody>
       </p:sp>
@@ -15082,7 +15172,7 @@
             <a:pPr rtl="0"/>
             <a:r>
               <a:rPr lang="it-IT" sz="5400" b="1" dirty="0"/>
-              <a:t>Design Pattern</a:t>
+              <a:t>Architettura</a:t>
             </a:r>
           </a:p>
         </p:txBody>
@@ -15721,467 +15811,42 @@
           <a:lstStyle/>
           <a:p>
             <a:pPr algn="ctr"/>
-            <a:endParaRPr lang="en-US"/>
+            <a:endParaRPr lang="en-US" dirty="0"/>
           </a:p>
         </p:txBody>
       </p:sp>
-      <p:sp>
-        <p:nvSpPr>
-          <p:cNvPr id="4" name="Content Placeholder 3">
+      <p:pic>
+        <p:nvPicPr>
+          <p:cNvPr id="3" name="Segnaposto contenuto 2">
             <a:extLst>
               <a:ext uri="{FF2B5EF4-FFF2-40B4-BE49-F238E27FC236}">
-                <a16:creationId xmlns:a16="http://schemas.microsoft.com/office/drawing/2014/main" id="{834029E2-3A07-28E1-FE72-E1D9FA770926}"/>
+                <a16:creationId xmlns:a16="http://schemas.microsoft.com/office/drawing/2014/main" id="{DF52D774-0AF5-3D21-AF89-908B316763E3}"/>
               </a:ext>
             </a:extLst>
           </p:cNvPr>
-          <p:cNvSpPr>
-            <a:spLocks noGrp="1"/>
-          </p:cNvSpPr>
+          <p:cNvPicPr>
+            <a:picLocks noGrp="1" noChangeAspect="1"/>
+          </p:cNvPicPr>
           <p:nvPr>
             <p:ph idx="1"/>
           </p:nvPr>
-        </p:nvSpPr>
+        </p:nvPicPr>
+        <p:blipFill>
+          <a:blip r:embed="rId3"/>
+          <a:stretch>
+            <a:fillRect/>
+          </a:stretch>
+        </p:blipFill>
         <p:spPr>
           <a:xfrm>
-            <a:off x="838200" y="1929384"/>
-            <a:ext cx="10515600" cy="4421993"/>
+            <a:off x="474306" y="3242258"/>
+            <a:ext cx="4200525" cy="1714500"/>
           </a:xfrm>
+          <a:prstGeom prst="rect">
+            <a:avLst/>
+          </a:prstGeom>
         </p:spPr>
-        <p:txBody>
-          <a:bodyPr>
-            <a:normAutofit/>
-          </a:bodyPr>
-          <a:lstStyle/>
-          <a:p>
-            <a:pPr marL="0" indent="0">
-              <a:buNone/>
-            </a:pPr>
-            <a:r>
-              <a:rPr lang="en-US" sz="2200" dirty="0" err="1"/>
-              <a:t>All’interno</a:t>
-            </a:r>
-            <a:r>
-              <a:rPr lang="en-US" sz="2200" dirty="0"/>
-              <a:t> del nostro Progetto </a:t>
-            </a:r>
-            <a:r>
-              <a:rPr lang="en-US" sz="2200" dirty="0" err="1"/>
-              <a:t>sono</a:t>
-            </a:r>
-            <a:r>
-              <a:rPr lang="en-US" sz="2200" dirty="0"/>
-              <a:t> </a:t>
-            </a:r>
-            <a:r>
-              <a:rPr lang="en-US" sz="2200" dirty="0" err="1"/>
-              <a:t>stati</a:t>
-            </a:r>
-            <a:r>
-              <a:rPr lang="en-US" sz="2200" dirty="0"/>
-              <a:t> </a:t>
-            </a:r>
-            <a:r>
-              <a:rPr lang="en-US" sz="2200" dirty="0" err="1"/>
-              <a:t>utilizzati</a:t>
-            </a:r>
-            <a:r>
-              <a:rPr lang="en-US" sz="2200" dirty="0"/>
-              <a:t> </a:t>
-            </a:r>
-            <a:r>
-              <a:rPr lang="en-US" sz="2200" dirty="0" err="1"/>
-              <a:t>vari</a:t>
-            </a:r>
-            <a:r>
-              <a:rPr lang="en-US" sz="2200" dirty="0"/>
-              <a:t> Design Pattern:</a:t>
-            </a:r>
-          </a:p>
-          <a:p>
-            <a:pPr>
-              <a:buFont typeface="Wingdings" panose="05000000000000000000" pitchFamily="2" charset="2"/>
-              <a:buChar char="§"/>
-            </a:pPr>
-            <a:r>
-              <a:rPr lang="en-US" sz="2200" b="1" dirty="0"/>
-              <a:t>General Hierarchy Pattern</a:t>
-            </a:r>
-            <a:r>
-              <a:rPr lang="en-US" sz="2200" dirty="0"/>
-              <a:t> (per </a:t>
-            </a:r>
-            <a:r>
-              <a:rPr lang="en-US" sz="2200" dirty="0" err="1"/>
-              <a:t>definire</a:t>
-            </a:r>
-            <a:r>
-              <a:rPr lang="en-US" sz="2200" dirty="0"/>
-              <a:t> </a:t>
-            </a:r>
-            <a:r>
-              <a:rPr lang="en-US" sz="2200" dirty="0" err="1"/>
-              <a:t>gerarchie</a:t>
-            </a:r>
-            <a:r>
-              <a:rPr lang="en-US" sz="2200" dirty="0"/>
-              <a:t> </a:t>
-            </a:r>
-            <a:r>
-              <a:rPr lang="en-US" sz="2200" dirty="0" err="1"/>
-              <a:t>tra</a:t>
-            </a:r>
-            <a:r>
-              <a:rPr lang="en-US" sz="2200" dirty="0"/>
-              <a:t> le </a:t>
-            </a:r>
-            <a:r>
-              <a:rPr lang="en-US" sz="2200" dirty="0" err="1"/>
-              <a:t>varie</a:t>
-            </a:r>
-            <a:r>
-              <a:rPr lang="en-US" sz="2200" dirty="0"/>
-              <a:t> </a:t>
-            </a:r>
-            <a:r>
-              <a:rPr lang="en-US" sz="2200" dirty="0" err="1"/>
-              <a:t>classi</a:t>
-            </a:r>
-            <a:r>
-              <a:rPr lang="en-US" sz="2200" dirty="0"/>
-              <a:t>, in </a:t>
-            </a:r>
-            <a:r>
-              <a:rPr lang="en-US" sz="2200" dirty="0" err="1"/>
-              <a:t>particolare</a:t>
-            </a:r>
-            <a:r>
-              <a:rPr lang="en-US" sz="2200" dirty="0"/>
-              <a:t> </a:t>
-            </a:r>
-            <a:r>
-              <a:rPr lang="en-US" sz="2200" dirty="0" err="1"/>
-              <a:t>tra</a:t>
-            </a:r>
-            <a:r>
-              <a:rPr lang="en-US" sz="2200" dirty="0"/>
-              <a:t> </a:t>
-            </a:r>
-            <a:r>
-              <a:rPr lang="en-US" sz="2200" dirty="0" err="1"/>
-              <a:t>i</a:t>
-            </a:r>
-            <a:r>
-              <a:rPr lang="en-US" sz="2200" dirty="0"/>
-              <a:t> </a:t>
-            </a:r>
-            <a:r>
-              <a:rPr lang="en-US" sz="2200" dirty="0" err="1"/>
-              <a:t>medici</a:t>
-            </a:r>
-            <a:r>
-              <a:rPr lang="en-US" sz="2200" dirty="0"/>
-              <a:t> </a:t>
-            </a:r>
-            <a:r>
-              <a:rPr lang="en-US" sz="2200" dirty="0" err="1"/>
-              <a:t>operanti</a:t>
-            </a:r>
-            <a:r>
-              <a:rPr lang="en-US" sz="2200" dirty="0"/>
-              <a:t>)</a:t>
-            </a:r>
-          </a:p>
-          <a:p>
-            <a:pPr>
-              <a:buFont typeface="Wingdings" panose="05000000000000000000" pitchFamily="2" charset="2"/>
-              <a:buChar char="§"/>
-            </a:pPr>
-            <a:r>
-              <a:rPr lang="en-US" sz="2200" b="1" dirty="0"/>
-              <a:t>Delegation Pattern </a:t>
-            </a:r>
-            <a:r>
-              <a:rPr lang="en-US" sz="2200" dirty="0"/>
-              <a:t>(per far </a:t>
-            </a:r>
-            <a:r>
-              <a:rPr lang="en-US" sz="2200" dirty="0" err="1"/>
-              <a:t>svolgere</a:t>
-            </a:r>
-            <a:r>
-              <a:rPr lang="en-US" sz="2200" dirty="0"/>
-              <a:t> </a:t>
-            </a:r>
-            <a:r>
-              <a:rPr lang="en-US" sz="2200" dirty="0" err="1"/>
-              <a:t>alla</a:t>
-            </a:r>
-            <a:r>
-              <a:rPr lang="en-US" sz="2200" dirty="0"/>
-              <a:t> </a:t>
-            </a:r>
-            <a:r>
-              <a:rPr lang="en-US" sz="2200" dirty="0" err="1"/>
-              <a:t>cabina</a:t>
-            </a:r>
-            <a:r>
-              <a:rPr lang="en-US" sz="2200" dirty="0"/>
-              <a:t> di regia </a:t>
-            </a:r>
-            <a:r>
-              <a:rPr lang="en-US" sz="2200" dirty="0" err="1"/>
-              <a:t>i</a:t>
-            </a:r>
-            <a:r>
-              <a:rPr lang="en-US" sz="2200" dirty="0"/>
-              <a:t> </a:t>
-            </a:r>
-            <a:r>
-              <a:rPr lang="en-US" sz="2200" dirty="0" err="1"/>
-              <a:t>giusti</a:t>
-            </a:r>
-            <a:r>
-              <a:rPr lang="en-US" sz="2200" dirty="0"/>
-              <a:t> </a:t>
-            </a:r>
-            <a:r>
-              <a:rPr lang="en-US" sz="2200" dirty="0" err="1"/>
-              <a:t>metodi</a:t>
-            </a:r>
-            <a:r>
-              <a:rPr lang="en-US" sz="2200" dirty="0"/>
-              <a:t>)</a:t>
-            </a:r>
-          </a:p>
-          <a:p>
-            <a:pPr>
-              <a:buFont typeface="Wingdings" panose="05000000000000000000" pitchFamily="2" charset="2"/>
-              <a:buChar char="§"/>
-            </a:pPr>
-            <a:r>
-              <a:rPr lang="en-US" sz="2200" b="1" dirty="0"/>
-              <a:t>Façade Pattern </a:t>
-            </a:r>
-            <a:r>
-              <a:rPr lang="en-US" sz="2200" dirty="0"/>
-              <a:t>(per </a:t>
-            </a:r>
-            <a:r>
-              <a:rPr lang="en-US" sz="2200" dirty="0" err="1"/>
-              <a:t>manipolare</a:t>
-            </a:r>
-            <a:r>
-              <a:rPr lang="en-US" sz="2200" dirty="0"/>
-              <a:t> le diverse </a:t>
-            </a:r>
-            <a:r>
-              <a:rPr lang="en-US" sz="2200" dirty="0" err="1"/>
-              <a:t>classi</a:t>
-            </a:r>
-            <a:r>
-              <a:rPr lang="en-US" sz="2200" dirty="0"/>
-              <a:t>. </a:t>
-            </a:r>
-            <a:r>
-              <a:rPr lang="en-US" sz="2200" dirty="0" err="1"/>
-              <a:t>Interfaccia</a:t>
-            </a:r>
-            <a:r>
-              <a:rPr lang="en-US" sz="2200" dirty="0"/>
-              <a:t> di </a:t>
-            </a:r>
-            <a:r>
-              <a:rPr lang="en-US" sz="2200" dirty="0" err="1"/>
-              <a:t>facciata</a:t>
-            </a:r>
-            <a:r>
-              <a:rPr lang="en-US" sz="2200" dirty="0"/>
-              <a:t> </a:t>
-            </a:r>
-            <a:r>
-              <a:rPr lang="en-US" sz="2200" dirty="0" err="1"/>
-              <a:t>fra</a:t>
-            </a:r>
-            <a:r>
-              <a:rPr lang="en-US" sz="2200" dirty="0"/>
-              <a:t> il </a:t>
-            </a:r>
-            <a:r>
-              <a:rPr lang="en-US" sz="2200" dirty="0" err="1"/>
-              <a:t>cliente</a:t>
-            </a:r>
-            <a:r>
-              <a:rPr lang="en-US" sz="2200" dirty="0"/>
-              <a:t> e il Sistema di </a:t>
-            </a:r>
-            <a:r>
-              <a:rPr lang="en-US" sz="2200" dirty="0" err="1"/>
-              <a:t>prenotazione</a:t>
-            </a:r>
-            <a:r>
-              <a:rPr lang="en-US" sz="2200" dirty="0"/>
-              <a:t> </a:t>
-            </a:r>
-            <a:r>
-              <a:rPr lang="en-US" sz="2200" dirty="0" err="1"/>
-              <a:t>dell’Ospedale</a:t>
-            </a:r>
-            <a:r>
-              <a:rPr lang="en-US" sz="2200" dirty="0"/>
-              <a:t>)</a:t>
-            </a:r>
-          </a:p>
-          <a:p>
-            <a:pPr>
-              <a:buFont typeface="Wingdings" panose="05000000000000000000" pitchFamily="2" charset="2"/>
-              <a:buChar char="§"/>
-            </a:pPr>
-            <a:r>
-              <a:rPr lang="en-US" sz="2200" b="1" dirty="0"/>
-              <a:t>Factory Pattern </a:t>
-            </a:r>
-            <a:r>
-              <a:rPr lang="en-US" sz="2200" dirty="0"/>
-              <a:t>(per </a:t>
-            </a:r>
-            <a:r>
-              <a:rPr lang="en-US" sz="2200" dirty="0" err="1"/>
-              <a:t>implementare</a:t>
-            </a:r>
-            <a:r>
-              <a:rPr lang="en-US" sz="2200" dirty="0"/>
-              <a:t> </a:t>
-            </a:r>
-            <a:r>
-              <a:rPr lang="en-US" sz="2200" dirty="0" err="1"/>
-              <a:t>una</a:t>
-            </a:r>
-            <a:r>
-              <a:rPr lang="en-US" sz="2200" dirty="0"/>
-              <a:t> framework utile </a:t>
-            </a:r>
-            <a:r>
-              <a:rPr lang="en-US" sz="2200" dirty="0" err="1"/>
-              <a:t>alla</a:t>
-            </a:r>
-            <a:r>
-              <a:rPr lang="en-US" sz="2200" dirty="0"/>
-              <a:t> </a:t>
-            </a:r>
-            <a:r>
-              <a:rPr lang="en-US" sz="2200" dirty="0" err="1"/>
-              <a:t>creazione</a:t>
-            </a:r>
-            <a:r>
-              <a:rPr lang="en-US" sz="2200" dirty="0"/>
-              <a:t> di </a:t>
-            </a:r>
-            <a:r>
-              <a:rPr lang="en-US" sz="2200" dirty="0" err="1"/>
-              <a:t>classi</a:t>
-            </a:r>
-            <a:r>
-              <a:rPr lang="en-US" sz="2200" dirty="0"/>
-              <a:t> e </a:t>
-            </a:r>
-            <a:r>
-              <a:rPr lang="en-US" sz="2200" dirty="0" err="1"/>
-              <a:t>oggetti</a:t>
-            </a:r>
-            <a:r>
-              <a:rPr lang="en-US" sz="2200" dirty="0"/>
-              <a:t> </a:t>
-            </a:r>
-            <a:r>
-              <a:rPr lang="en-US" sz="2200" dirty="0" err="1"/>
-              <a:t>dipendenti</a:t>
-            </a:r>
-            <a:r>
-              <a:rPr lang="en-US" sz="2200" dirty="0"/>
-              <a:t> </a:t>
-            </a:r>
-            <a:r>
-              <a:rPr lang="en-US" sz="2200" dirty="0" err="1"/>
-              <a:t>dall’applicazione</a:t>
-            </a:r>
-            <a:r>
-              <a:rPr lang="en-US" sz="2200" dirty="0"/>
-              <a:t>)</a:t>
-            </a:r>
-          </a:p>
-          <a:p>
-            <a:pPr>
-              <a:buFont typeface="Wingdings" panose="05000000000000000000" pitchFamily="2" charset="2"/>
-              <a:buChar char="§"/>
-            </a:pPr>
-            <a:r>
-              <a:rPr lang="en-US" sz="2200" b="1" dirty="0"/>
-              <a:t>Builder Pattern </a:t>
-            </a:r>
-            <a:r>
-              <a:rPr lang="en-US" sz="2200" dirty="0"/>
-              <a:t>(per </a:t>
-            </a:r>
-            <a:r>
-              <a:rPr lang="en-US" sz="2200" dirty="0" err="1"/>
-              <a:t>costruire</a:t>
-            </a:r>
-            <a:r>
-              <a:rPr lang="en-US" sz="2200" dirty="0"/>
-              <a:t> </a:t>
-            </a:r>
-            <a:r>
-              <a:rPr lang="en-US" sz="2200" dirty="0" err="1"/>
-              <a:t>un’applicazione</a:t>
-            </a:r>
-            <a:r>
-              <a:rPr lang="en-US" sz="2200" dirty="0"/>
-              <a:t> </a:t>
-            </a:r>
-            <a:r>
-              <a:rPr lang="en-US" sz="2200" dirty="0" err="1"/>
-              <a:t>complessa</a:t>
-            </a:r>
-            <a:r>
-              <a:rPr lang="en-US" sz="2200" dirty="0"/>
-              <a:t> a </a:t>
-            </a:r>
-            <a:r>
-              <a:rPr lang="en-US" sz="2200" dirty="0" err="1"/>
-              <a:t>partire</a:t>
-            </a:r>
-            <a:r>
-              <a:rPr lang="en-US" sz="2200" dirty="0"/>
-              <a:t> da un </a:t>
-            </a:r>
-            <a:r>
-              <a:rPr lang="en-US" sz="2200" dirty="0" err="1"/>
-              <a:t>insieme</a:t>
-            </a:r>
-            <a:r>
-              <a:rPr lang="en-US" sz="2200" dirty="0"/>
-              <a:t> di </a:t>
-            </a:r>
-            <a:r>
-              <a:rPr lang="en-US" sz="2200" dirty="0" err="1"/>
-              <a:t>componenti</a:t>
-            </a:r>
-            <a:r>
-              <a:rPr lang="en-US" sz="2200" dirty="0"/>
-              <a:t> </a:t>
-            </a:r>
-            <a:r>
-              <a:rPr lang="en-US" sz="2200" dirty="0" err="1"/>
-              <a:t>oggetti</a:t>
-            </a:r>
-            <a:r>
-              <a:rPr lang="en-US" sz="2200" dirty="0"/>
-              <a:t>)</a:t>
-            </a:r>
-            <a:endParaRPr lang="en-US" sz="2200" b="1" dirty="0"/>
-          </a:p>
-        </p:txBody>
-      </p:sp>
+      </p:pic>
       <p:sp>
         <p:nvSpPr>
           <p:cNvPr id="82" name="Segnaposto numero diapositiva 81">
@@ -16224,14 +15889,114 @@
               </a:pPr>
               <a:t>10</a:t>
             </a:fld>
-            <a:endParaRPr lang="it-IT" sz="1800" b="1"/>
+            <a:endParaRPr lang="it-IT" sz="1800" b="1" dirty="0"/>
           </a:p>
         </p:txBody>
       </p:sp>
+      <p:sp>
+        <p:nvSpPr>
+          <p:cNvPr id="19" name="CasellaDiTesto 18">
+            <a:extLst>
+              <a:ext uri="{FF2B5EF4-FFF2-40B4-BE49-F238E27FC236}">
+                <a16:creationId xmlns:a16="http://schemas.microsoft.com/office/drawing/2014/main" id="{8B9F0681-6C98-C87F-B39F-F7A05657163C}"/>
+              </a:ext>
+            </a:extLst>
+          </p:cNvPr>
+          <p:cNvSpPr txBox="1"/>
+          <p:nvPr/>
+        </p:nvSpPr>
+        <p:spPr>
+          <a:xfrm>
+            <a:off x="801751" y="2194286"/>
+            <a:ext cx="3061122" cy="369332"/>
+          </a:xfrm>
+          <a:prstGeom prst="rect">
+            <a:avLst/>
+          </a:prstGeom>
+          <a:noFill/>
+        </p:spPr>
+        <p:txBody>
+          <a:bodyPr wrap="square" rtlCol="0">
+            <a:spAutoFit/>
+          </a:bodyPr>
+          <a:lstStyle/>
+          <a:p>
+            <a:r>
+              <a:rPr lang="it-IT" dirty="0"/>
+              <a:t>Architettura Client-Server</a:t>
+            </a:r>
+          </a:p>
+        </p:txBody>
+      </p:sp>
+      <p:sp>
+        <p:nvSpPr>
+          <p:cNvPr id="20" name="CasellaDiTesto 19">
+            <a:extLst>
+              <a:ext uri="{FF2B5EF4-FFF2-40B4-BE49-F238E27FC236}">
+                <a16:creationId xmlns:a16="http://schemas.microsoft.com/office/drawing/2014/main" id="{81FF93F6-1ED9-0763-AF79-4C131175232A}"/>
+              </a:ext>
+            </a:extLst>
+          </p:cNvPr>
+          <p:cNvSpPr txBox="1"/>
+          <p:nvPr/>
+        </p:nvSpPr>
+        <p:spPr>
+          <a:xfrm>
+            <a:off x="7007288" y="2096027"/>
+            <a:ext cx="4346511" cy="646331"/>
+          </a:xfrm>
+          <a:prstGeom prst="rect">
+            <a:avLst/>
+          </a:prstGeom>
+          <a:noFill/>
+        </p:spPr>
+        <p:txBody>
+          <a:bodyPr wrap="square" rtlCol="0">
+            <a:spAutoFit/>
+          </a:bodyPr>
+          <a:lstStyle/>
+          <a:p>
+            <a:r>
+              <a:rPr lang="it-IT" dirty="0"/>
+              <a:t>Stile Architetturale Model-View-Controller (MVC)</a:t>
+            </a:r>
+          </a:p>
+        </p:txBody>
+      </p:sp>
+      <p:pic>
+        <p:nvPicPr>
+          <p:cNvPr id="21" name="Immagine 20">
+            <a:extLst>
+              <a:ext uri="{FF2B5EF4-FFF2-40B4-BE49-F238E27FC236}">
+                <a16:creationId xmlns:a16="http://schemas.microsoft.com/office/drawing/2014/main" id="{17F74E82-9D2D-6343-03F7-F245968CDF1E}"/>
+              </a:ext>
+            </a:extLst>
+          </p:cNvPr>
+          <p:cNvPicPr>
+            <a:picLocks noChangeAspect="1"/>
+          </p:cNvPicPr>
+          <p:nvPr/>
+        </p:nvPicPr>
+        <p:blipFill>
+          <a:blip r:embed="rId4"/>
+          <a:stretch>
+            <a:fillRect/>
+          </a:stretch>
+        </p:blipFill>
+        <p:spPr>
+          <a:xfrm>
+            <a:off x="6986586" y="2810487"/>
+            <a:ext cx="4367213" cy="2700000"/>
+          </a:xfrm>
+          <a:prstGeom prst="rect">
+            <a:avLst/>
+          </a:prstGeom>
+        </p:spPr>
+      </p:pic>
     </p:spTree>
     <p:extLst>
       <p:ext uri="{BB962C8B-B14F-4D97-AF65-F5344CB8AC3E}">
-        <p14:creationId xmlns:p14="http://schemas.microsoft.com/office/powerpoint/2010/main" val="2944479634"/>
+        <p14:creationId xmlns:p14="http://schemas.microsoft.com/office/powerpoint/2010/main" val="141201089"/>
       </p:ext>
     </p:extLst>
   </p:cSld>
@@ -16322,7 +16087,7 @@
           <a:lstStyle/>
           <a:p>
             <a:pPr algn="ctr"/>
-            <a:endParaRPr lang="en-US"/>
+            <a:endParaRPr lang="en-US" dirty="0"/>
           </a:p>
         </p:txBody>
       </p:sp>
@@ -16356,8 +16121,8 @@
           <a:p>
             <a:pPr rtl="0"/>
             <a:r>
-              <a:rPr lang="it-IT" sz="5400" b="1"/>
-              <a:t>Implementazione</a:t>
+              <a:rPr lang="it-IT" sz="5400" b="1" dirty="0"/>
+              <a:t>Design Pattern</a:t>
             </a:r>
           </a:p>
         </p:txBody>
@@ -16996,7 +16761,7 @@
           <a:lstStyle/>
           <a:p>
             <a:pPr algn="ctr"/>
-            <a:endParaRPr lang="en-US"/>
+            <a:endParaRPr lang="en-US" dirty="0"/>
           </a:p>
         </p:txBody>
       </p:sp>
@@ -17005,7 +16770,7 @@
           <p:cNvPr id="4" name="Content Placeholder 3">
             <a:extLst>
               <a:ext uri="{FF2B5EF4-FFF2-40B4-BE49-F238E27FC236}">
-                <a16:creationId xmlns:a16="http://schemas.microsoft.com/office/drawing/2014/main" id="{E45B50AB-E09E-377A-4B46-AFA47F523EAB}"/>
+                <a16:creationId xmlns:a16="http://schemas.microsoft.com/office/drawing/2014/main" id="{834029E2-3A07-28E1-FE72-E1D9FA770926}"/>
               </a:ext>
             </a:extLst>
           </p:cNvPr>
@@ -17019,12 +16784,12 @@
         <p:spPr>
           <a:xfrm>
             <a:off x="838200" y="1929384"/>
-            <a:ext cx="10515600" cy="3768090"/>
+            <a:ext cx="10515600" cy="4421993"/>
           </a:xfrm>
         </p:spPr>
         <p:txBody>
           <a:bodyPr>
-            <a:normAutofit fontScale="85000" lnSpcReduction="20000"/>
+            <a:normAutofit/>
           </a:bodyPr>
           <a:lstStyle/>
           <a:p>
@@ -17033,306 +16798,79 @@
             </a:pPr>
             <a:r>
               <a:rPr lang="en-US" sz="2200" dirty="0"/>
-              <a:t>Per </a:t>
+              <a:t>All’interno del nostro Progetto sono stati utilizzati vari Design Pattern:</a:t>
             </a:r>
+          </a:p>
+          <a:p>
+            <a:pPr>
+              <a:buFont typeface="Wingdings" panose="05000000000000000000" pitchFamily="2" charset="2"/>
+              <a:buChar char="§"/>
+            </a:pPr>
             <a:r>
-              <a:rPr lang="en-US" sz="2200" dirty="0" err="1"/>
-              <a:t>implementare</a:t>
+              <a:rPr lang="en-US" sz="2200" b="1" dirty="0"/>
+              <a:t>General Hierarchy Pattern</a:t>
             </a:r>
             <a:r>
               <a:rPr lang="en-US" sz="2200" dirty="0"/>
-              <a:t> il Progetto </a:t>
+              <a:t> (per definire gerarchie tra le varie classi, in particolare tra i medici operanti)</a:t>
             </a:r>
+          </a:p>
+          <a:p>
+            <a:pPr>
+              <a:buFont typeface="Wingdings" panose="05000000000000000000" pitchFamily="2" charset="2"/>
+              <a:buChar char="§"/>
+            </a:pPr>
             <a:r>
-              <a:rPr lang="en-US" sz="2200" dirty="0" err="1"/>
-              <a:t>abbiamo</a:t>
+              <a:rPr lang="en-US" sz="2200" b="1" dirty="0"/>
+              <a:t>Delegation Pattern </a:t>
             </a:r>
             <a:r>
               <a:rPr lang="en-US" sz="2200" dirty="0"/>
-              <a:t> </a:t>
+              <a:t>(per far svolgere alla cabina di regia i giusti metodi)</a:t>
             </a:r>
+          </a:p>
+          <a:p>
+            <a:pPr>
+              <a:buFont typeface="Wingdings" panose="05000000000000000000" pitchFamily="2" charset="2"/>
+              <a:buChar char="§"/>
+            </a:pPr>
             <a:r>
-              <a:rPr lang="en-US" sz="2200" dirty="0" err="1"/>
-              <a:t>dovuto</a:t>
+              <a:rPr lang="en-US" sz="2200" b="1" dirty="0"/>
+              <a:t>Façade Pattern </a:t>
             </a:r>
             <a:r>
               <a:rPr lang="en-US" sz="2200" dirty="0"/>
-              <a:t> </a:t>
+              <a:t>(per manipolare le diverse classi. Interfaccia di facciata fra il cliente e il Sistema di prenotazione dell’Ospedale)</a:t>
             </a:r>
+          </a:p>
+          <a:p>
+            <a:pPr>
+              <a:buFont typeface="Wingdings" panose="05000000000000000000" pitchFamily="2" charset="2"/>
+              <a:buChar char="§"/>
+            </a:pPr>
             <a:r>
-              <a:rPr lang="en-US" sz="2200" dirty="0" err="1"/>
-              <a:t>specificare</a:t>
+              <a:rPr lang="en-US" sz="2200" b="1" dirty="0"/>
+              <a:t>Factory Pattern </a:t>
             </a:r>
             <a:r>
               <a:rPr lang="en-US" sz="2200" dirty="0"/>
-              <a:t> </a:t>
+              <a:t>(per implementare una framework utile alla creazione di classi e oggetti dipendenti dall’applicazione)</a:t>
             </a:r>
+          </a:p>
+          <a:p>
+            <a:pPr>
+              <a:buFont typeface="Wingdings" panose="05000000000000000000" pitchFamily="2" charset="2"/>
+              <a:buChar char="§"/>
+            </a:pPr>
             <a:r>
-              <a:rPr lang="en-US" sz="2200" dirty="0" err="1"/>
-              <a:t>diversi</a:t>
+              <a:rPr lang="en-US" sz="2200" b="1" dirty="0"/>
+              <a:t>Builder Pattern </a:t>
             </a:r>
             <a:r>
               <a:rPr lang="en-US" sz="2200" dirty="0"/>
-              <a:t> </a:t>
+              <a:t>(per costruire un’applicazione complessa a partire da un insieme di componenti oggetti)</a:t>
             </a:r>
-            <a:r>
-              <a:rPr lang="en-US" sz="2200" dirty="0" err="1"/>
-              <a:t>punti</a:t>
-            </a:r>
-            <a:r>
-              <a:rPr lang="en-US" sz="2200" dirty="0"/>
-              <a:t> da </a:t>
-            </a:r>
-            <a:r>
-              <a:rPr lang="en-US" sz="2200" dirty="0" err="1"/>
-              <a:t>soddisfare</a:t>
-            </a:r>
-            <a:r>
-              <a:rPr lang="en-US" sz="2200" dirty="0"/>
-              <a:t> per la </a:t>
-            </a:r>
-            <a:r>
-              <a:rPr lang="en-US" sz="2200" dirty="0" err="1"/>
-              <a:t>riuscita</a:t>
-            </a:r>
-            <a:r>
-              <a:rPr lang="en-US" sz="2200" dirty="0"/>
-              <a:t> del software</a:t>
-            </a:r>
-          </a:p>
-          <a:p>
-            <a:pPr>
-              <a:buFont typeface="Wingdings" panose="05000000000000000000" pitchFamily="2" charset="2"/>
-              <a:buChar char="Ø"/>
-            </a:pPr>
-            <a:r>
-              <a:rPr lang="en-US" sz="2200" dirty="0" err="1"/>
-              <a:t>Registrazione</a:t>
-            </a:r>
-            <a:endParaRPr lang="en-US" sz="2200" dirty="0"/>
-          </a:p>
-          <a:p>
-            <a:pPr>
-              <a:buFont typeface="Wingdings" panose="05000000000000000000" pitchFamily="2" charset="2"/>
-              <a:buChar char="Ø"/>
-            </a:pPr>
-            <a:r>
-              <a:rPr lang="en-US" sz="2200" dirty="0" err="1"/>
-              <a:t>Autenticazione</a:t>
-            </a:r>
-            <a:endParaRPr lang="en-US" sz="2200" dirty="0"/>
-          </a:p>
-          <a:p>
-            <a:pPr>
-              <a:buFont typeface="Wingdings" panose="05000000000000000000" pitchFamily="2" charset="2"/>
-              <a:buChar char="Ø"/>
-            </a:pPr>
-            <a:r>
-              <a:rPr lang="en-US" sz="2200" dirty="0" err="1"/>
-              <a:t>Effettuare</a:t>
-            </a:r>
-            <a:r>
-              <a:rPr lang="en-US" sz="2200" dirty="0"/>
-              <a:t> </a:t>
-            </a:r>
-            <a:r>
-              <a:rPr lang="en-US" sz="2200" dirty="0" err="1"/>
-              <a:t>Esami</a:t>
-            </a:r>
-            <a:endParaRPr lang="en-US" sz="2200" dirty="0"/>
-          </a:p>
-          <a:p>
-            <a:pPr>
-              <a:buFont typeface="Wingdings" panose="05000000000000000000" pitchFamily="2" charset="2"/>
-              <a:buChar char="Ø"/>
-            </a:pPr>
-            <a:r>
-              <a:rPr lang="en-US" sz="2200" dirty="0" err="1"/>
-              <a:t>Iscrizione</a:t>
-            </a:r>
-            <a:r>
-              <a:rPr lang="en-US" sz="2200" dirty="0"/>
-              <a:t> </a:t>
-            </a:r>
-            <a:r>
-              <a:rPr lang="en-US" sz="2200" dirty="0" err="1"/>
-              <a:t>alla</a:t>
-            </a:r>
-            <a:r>
-              <a:rPr lang="en-US" sz="2200" dirty="0"/>
-              <a:t> Lista </a:t>
-            </a:r>
-            <a:r>
-              <a:rPr lang="en-US" sz="2200" dirty="0" err="1"/>
-              <a:t>Graduatoria</a:t>
-            </a:r>
-            <a:endParaRPr lang="en-US" sz="2200" dirty="0"/>
-          </a:p>
-          <a:p>
-            <a:pPr>
-              <a:buFont typeface="Wingdings" panose="05000000000000000000" pitchFamily="2" charset="2"/>
-              <a:buChar char="Ø"/>
-            </a:pPr>
-            <a:r>
-              <a:rPr lang="en-US" sz="2200" dirty="0" err="1"/>
-              <a:t>Intervento</a:t>
-            </a:r>
-            <a:endParaRPr lang="en-US" sz="2200" dirty="0"/>
-          </a:p>
-          <a:p>
-            <a:pPr>
-              <a:buFont typeface="Wingdings" panose="05000000000000000000" pitchFamily="2" charset="2"/>
-              <a:buChar char="Ø"/>
-            </a:pPr>
-            <a:r>
-              <a:rPr lang="en-US" sz="2200" dirty="0"/>
-              <a:t>Verbale Medico</a:t>
-            </a:r>
-          </a:p>
-          <a:p>
-            <a:pPr>
-              <a:buFont typeface="Wingdings" panose="05000000000000000000" pitchFamily="2" charset="2"/>
-              <a:buChar char="Ø"/>
-            </a:pPr>
-            <a:r>
-              <a:rPr lang="en-US" sz="2200" dirty="0"/>
-              <a:t>Stampa</a:t>
-            </a:r>
-          </a:p>
-          <a:p>
-            <a:pPr marL="0" indent="0">
-              <a:buNone/>
-            </a:pPr>
-            <a:endParaRPr lang="en-US" sz="2200" dirty="0"/>
-          </a:p>
-          <a:p>
-            <a:pPr marL="0" indent="0">
-              <a:buNone/>
-            </a:pPr>
-            <a:r>
-              <a:rPr lang="en-US" sz="2200" dirty="0"/>
-              <a:t>E’ </a:t>
-            </a:r>
-            <a:r>
-              <a:rPr lang="en-US" sz="2200" dirty="0" err="1"/>
-              <a:t>importante</a:t>
-            </a:r>
-            <a:r>
-              <a:rPr lang="en-US" sz="2200" dirty="0"/>
-              <a:t> </a:t>
-            </a:r>
-            <a:r>
-              <a:rPr lang="en-US" sz="2200" dirty="0" err="1"/>
-              <a:t>poter</a:t>
-            </a:r>
-            <a:r>
-              <a:rPr lang="en-US" sz="2200" dirty="0"/>
-              <a:t> </a:t>
-            </a:r>
-            <a:r>
-              <a:rPr lang="en-US" sz="2200" dirty="0" err="1"/>
-              <a:t>accedere</a:t>
-            </a:r>
-            <a:r>
-              <a:rPr lang="en-US" sz="2200" dirty="0"/>
-              <a:t> alle </a:t>
-            </a:r>
-            <a:r>
-              <a:rPr lang="en-US" sz="2200" dirty="0" err="1"/>
-              <a:t>varie</a:t>
-            </a:r>
-            <a:r>
-              <a:rPr lang="en-US" sz="2200" dirty="0"/>
-              <a:t> </a:t>
-            </a:r>
-            <a:r>
-              <a:rPr lang="en-US" sz="2200" dirty="0" err="1"/>
-              <a:t>liste</a:t>
-            </a:r>
-            <a:r>
-              <a:rPr lang="en-US" sz="2200" dirty="0"/>
-              <a:t> e </a:t>
-            </a:r>
-            <a:r>
-              <a:rPr lang="en-US" sz="2200" dirty="0" err="1"/>
-              <a:t>alla</a:t>
-            </a:r>
-            <a:r>
-              <a:rPr lang="en-US" sz="2200" dirty="0"/>
-              <a:t> </a:t>
-            </a:r>
-            <a:r>
-              <a:rPr lang="en-US" sz="2200" dirty="0" err="1"/>
-              <a:t>pagina</a:t>
-            </a:r>
-            <a:r>
-              <a:rPr lang="en-US" sz="2200" dirty="0"/>
-              <a:t> </a:t>
-            </a:r>
-            <a:r>
-              <a:rPr lang="en-US" sz="2200" dirty="0" err="1"/>
-              <a:t>anagrafica</a:t>
-            </a:r>
-            <a:r>
-              <a:rPr lang="en-US" sz="2200" dirty="0"/>
-              <a:t> del </a:t>
-            </a:r>
-            <a:r>
-              <a:rPr lang="en-US" sz="2200" dirty="0" err="1"/>
-              <a:t>paziente</a:t>
-            </a:r>
-            <a:r>
-              <a:rPr lang="en-US" sz="2200" dirty="0"/>
-              <a:t> in </a:t>
-            </a:r>
-            <a:r>
-              <a:rPr lang="en-US" sz="2200" dirty="0" err="1"/>
-              <a:t>ogni</a:t>
-            </a:r>
-            <a:r>
-              <a:rPr lang="en-US" sz="2200" dirty="0"/>
-              <a:t> </a:t>
-            </a:r>
-            <a:r>
-              <a:rPr lang="en-US" sz="2200" dirty="0" err="1"/>
-              <a:t>momento</a:t>
-            </a:r>
-            <a:r>
-              <a:rPr lang="en-US" sz="2200" dirty="0"/>
-              <a:t>, per </a:t>
-            </a:r>
-            <a:r>
-              <a:rPr lang="en-US" sz="2200" dirty="0" err="1"/>
-              <a:t>visualizzare</a:t>
-            </a:r>
-            <a:r>
-              <a:rPr lang="en-US" sz="2200" dirty="0"/>
-              <a:t> </a:t>
-            </a:r>
-            <a:r>
-              <a:rPr lang="en-US" sz="2200" dirty="0" err="1"/>
-              <a:t>informazioni</a:t>
-            </a:r>
-            <a:r>
-              <a:rPr lang="en-US" sz="2200" dirty="0"/>
-              <a:t> o </a:t>
-            </a:r>
-            <a:r>
-              <a:rPr lang="en-US" sz="2200" dirty="0" err="1"/>
-              <a:t>effettuare</a:t>
-            </a:r>
-            <a:r>
-              <a:rPr lang="en-US" sz="2200" dirty="0"/>
-              <a:t> </a:t>
-            </a:r>
-            <a:r>
-              <a:rPr lang="en-US" sz="2200" dirty="0" err="1"/>
-              <a:t>modifiche</a:t>
-            </a:r>
-            <a:r>
-              <a:rPr lang="en-US" sz="2200" dirty="0"/>
-              <a:t>.</a:t>
-            </a:r>
+            <a:endParaRPr lang="en-US" sz="2200" b="1" dirty="0"/>
           </a:p>
         </p:txBody>
       </p:sp>
@@ -17378,14 +16916,14 @@
               </a:pPr>
               <a:t>11</a:t>
             </a:fld>
-            <a:endParaRPr lang="it-IT" sz="1800" b="1"/>
+            <a:endParaRPr lang="it-IT" sz="1800" b="1" dirty="0"/>
           </a:p>
         </p:txBody>
       </p:sp>
     </p:spTree>
     <p:extLst>
       <p:ext uri="{BB962C8B-B14F-4D97-AF65-F5344CB8AC3E}">
-        <p14:creationId xmlns:p14="http://schemas.microsoft.com/office/powerpoint/2010/main" val="2728347993"/>
+        <p14:creationId xmlns:p14="http://schemas.microsoft.com/office/powerpoint/2010/main" val="2944479634"/>
       </p:ext>
     </p:extLst>
   </p:cSld>
@@ -17422,7 +16960,7 @@
       </p:grpSpPr>
       <p:sp useBgFill="1">
         <p:nvSpPr>
-          <p:cNvPr id="11" name="Rectangle 10">
+          <p:cNvPr id="87" name="Rectangle 86">
             <a:extLst>
               <a:ext uri="{FF2B5EF4-FFF2-40B4-BE49-F238E27FC236}">
                 <a16:creationId xmlns:a16="http://schemas.microsoft.com/office/drawing/2014/main" id="{100EDD19-6802-4EC3-95CE-CFFAB042CFD6}"/>
@@ -17476,16 +17014,16 @@
           <a:lstStyle/>
           <a:p>
             <a:pPr algn="ctr"/>
-            <a:endParaRPr lang="en-US"/>
+            <a:endParaRPr lang="en-US" dirty="0"/>
           </a:p>
         </p:txBody>
       </p:sp>
       <p:sp>
         <p:nvSpPr>
-          <p:cNvPr id="2" name="Title 1">
+          <p:cNvPr id="2" name="Titolo 1">
             <a:extLst>
               <a:ext uri="{FF2B5EF4-FFF2-40B4-BE49-F238E27FC236}">
-                <a16:creationId xmlns:a16="http://schemas.microsoft.com/office/drawing/2014/main" id="{806A85A7-2359-50AF-B2C8-F8FBFA3E2B3C}"/>
+                <a16:creationId xmlns:a16="http://schemas.microsoft.com/office/drawing/2014/main" id="{75031FE9-9059-4FE8-B4AC-9771F23A1B89}"/>
               </a:ext>
             </a:extLst>
           </p:cNvPr>
@@ -17503,22 +17041,22 @@
           </a:xfrm>
         </p:spPr>
         <p:txBody>
-          <a:bodyPr>
+          <a:bodyPr rtlCol="0">
             <a:normAutofit/>
           </a:bodyPr>
           <a:lstStyle/>
           <a:p>
+            <a:pPr rtl="0"/>
             <a:r>
-              <a:rPr lang="en-US" sz="5400" b="1" dirty="0" err="1"/>
-              <a:t>Dimostrazione</a:t>
+              <a:rPr lang="it-IT" sz="5400" b="1" dirty="0"/>
+              <a:t>Implementazione</a:t>
             </a:r>
-            <a:endParaRPr lang="en-US" sz="5400" b="1" dirty="0"/>
           </a:p>
         </p:txBody>
       </p:sp>
       <p:sp>
         <p:nvSpPr>
-          <p:cNvPr id="13" name="sketch line">
+          <p:cNvPr id="89" name="sketch line">
             <a:extLst>
               <a:ext uri="{FF2B5EF4-FFF2-40B4-BE49-F238E27FC236}">
                 <a16:creationId xmlns:a16="http://schemas.microsoft.com/office/drawing/2014/main" id="{DB17E863-922E-4C26-BD64-E8FD41D28661}"/>
@@ -18150,16 +17688,16 @@
           <a:lstStyle/>
           <a:p>
             <a:pPr algn="ctr"/>
-            <a:endParaRPr lang="en-US"/>
+            <a:endParaRPr lang="en-US" dirty="0"/>
           </a:p>
         </p:txBody>
       </p:sp>
       <p:sp>
         <p:nvSpPr>
-          <p:cNvPr id="3" name="Content Placeholder 2">
+          <p:cNvPr id="4" name="Content Placeholder 3">
             <a:extLst>
               <a:ext uri="{FF2B5EF4-FFF2-40B4-BE49-F238E27FC236}">
-                <a16:creationId xmlns:a16="http://schemas.microsoft.com/office/drawing/2014/main" id="{39198BC0-3DAA-3F78-1CC6-7D92405ED12E}"/>
+                <a16:creationId xmlns:a16="http://schemas.microsoft.com/office/drawing/2014/main" id="{E45B50AB-E09E-377A-4B46-AFA47F523EAB}"/>
               </a:ext>
             </a:extLst>
           </p:cNvPr>
@@ -18173,29 +17711,116 @@
         <p:spPr>
           <a:xfrm>
             <a:off x="838200" y="1929384"/>
-            <a:ext cx="10515600" cy="3957066"/>
+            <a:ext cx="10515600" cy="4272152"/>
           </a:xfrm>
         </p:spPr>
         <p:txBody>
           <a:bodyPr>
-            <a:normAutofit/>
+            <a:normAutofit fontScale="92500" lnSpcReduction="10000"/>
           </a:bodyPr>
           <a:lstStyle/>
           <a:p>
+            <a:pPr marL="0" indent="0">
+              <a:buNone/>
+            </a:pPr>
             <a:r>
-              <a:rPr lang="it-IT" sz="2200" dirty="0"/>
-              <a:t>Fare piccola demo dell’applicazione sviluppata</a:t>
+              <a:rPr lang="en-US" sz="2200" dirty="0"/>
+              <a:t>Per implementare il Progetto abbiamo dovuto specificare diversi punti da soddisfare per la riuscita del software</a:t>
             </a:r>
+          </a:p>
+          <a:p>
+            <a:pPr>
+              <a:buFont typeface="Wingdings" panose="05000000000000000000" pitchFamily="2" charset="2"/>
+              <a:buChar char="Ø"/>
+            </a:pPr>
+            <a:r>
+              <a:rPr lang="en-US" sz="2200" dirty="0"/>
+              <a:t>Registrazione</a:t>
+            </a:r>
+          </a:p>
+          <a:p>
+            <a:pPr>
+              <a:buFont typeface="Wingdings" panose="05000000000000000000" pitchFamily="2" charset="2"/>
+              <a:buChar char="Ø"/>
+            </a:pPr>
+            <a:r>
+              <a:rPr lang="en-US" sz="2200" dirty="0"/>
+              <a:t>Autenticazione</a:t>
+            </a:r>
+          </a:p>
+          <a:p>
+            <a:pPr>
+              <a:buFont typeface="Wingdings" panose="05000000000000000000" pitchFamily="2" charset="2"/>
+              <a:buChar char="Ø"/>
+            </a:pPr>
+            <a:r>
+              <a:rPr lang="en-US" sz="2200" dirty="0"/>
+              <a:t>Effettuare Esami</a:t>
+            </a:r>
+          </a:p>
+          <a:p>
+            <a:pPr>
+              <a:buFont typeface="Wingdings" panose="05000000000000000000" pitchFamily="2" charset="2"/>
+              <a:buChar char="Ø"/>
+            </a:pPr>
+            <a:r>
+              <a:rPr lang="en-US" sz="2200" dirty="0"/>
+              <a:t>Iscrizione alla Lista Graduatoria</a:t>
+            </a:r>
+          </a:p>
+          <a:p>
+            <a:pPr>
+              <a:buFont typeface="Wingdings" panose="05000000000000000000" pitchFamily="2" charset="2"/>
+              <a:buChar char="Ø"/>
+            </a:pPr>
+            <a:r>
+              <a:rPr lang="en-US" sz="2200" dirty="0"/>
+              <a:t>Intervento</a:t>
+            </a:r>
+          </a:p>
+          <a:p>
+            <a:pPr>
+              <a:buFont typeface="Wingdings" panose="05000000000000000000" pitchFamily="2" charset="2"/>
+              <a:buChar char="Ø"/>
+            </a:pPr>
+            <a:r>
+              <a:rPr lang="en-US" sz="2200" dirty="0"/>
+              <a:t>Verbale Medico</a:t>
+            </a:r>
+          </a:p>
+          <a:p>
+            <a:pPr>
+              <a:buFont typeface="Wingdings" panose="05000000000000000000" pitchFamily="2" charset="2"/>
+              <a:buChar char="Ø"/>
+            </a:pPr>
+            <a:r>
+              <a:rPr lang="en-US" sz="2200" dirty="0"/>
+              <a:t>Stampa</a:t>
+            </a:r>
+          </a:p>
+          <a:p>
+            <a:pPr marL="0" indent="0">
+              <a:buNone/>
+            </a:pPr>
             <a:endParaRPr lang="en-US" sz="2200" dirty="0"/>
+          </a:p>
+          <a:p>
+            <a:pPr marL="0" indent="0">
+              <a:buNone/>
+            </a:pPr>
+            <a:r>
+              <a:rPr lang="en-US" sz="2200" dirty="0"/>
+              <a:t>E’ importante poter accedere alle varie liste e alla pagina anagrafica del paziente in ogni momento, per visualizzare informazioni o effettuare modifiche.</a:t>
+            </a:r>
           </a:p>
         </p:txBody>
       </p:sp>
       <p:sp>
         <p:nvSpPr>
-          <p:cNvPr id="6" name="Slide Number Placeholder 5">
+          <p:cNvPr id="82" name="Segnaposto numero diapositiva 81">
             <a:extLst>
               <a:ext uri="{FF2B5EF4-FFF2-40B4-BE49-F238E27FC236}">
-                <a16:creationId xmlns:a16="http://schemas.microsoft.com/office/drawing/2014/main" id="{366879AD-ECAF-DDDE-26DC-9DD0D10F9AC4}"/>
+                <a16:creationId xmlns:a16="http://schemas.microsoft.com/office/drawing/2014/main" id="{CE36A058-BEC2-4BC5-A467-F2EB2A365051}"/>
               </a:ext>
             </a:extLst>
           </p:cNvPr>
@@ -18213,7 +17838,7 @@
           </a:xfrm>
         </p:spPr>
         <p:txBody>
-          <a:bodyPr>
+          <a:bodyPr rtlCol="0">
             <a:noAutofit/>
           </a:bodyPr>
           <a:lstStyle/>
@@ -18224,7 +17849,7 @@
               </a:spcAft>
             </a:pPr>
             <a:fld id="{B5CEABB6-07DC-46E8-9B57-56EC44A396E5}" type="slidenum">
-              <a:rPr lang="it-IT" sz="1800" b="1" noProof="0" smtClean="0"/>
+              <a:rPr lang="it-IT" sz="1800" b="1" smtClean="0"/>
               <a:pPr rtl="0">
                 <a:spcAft>
                   <a:spcPts val="600"/>
@@ -18232,14 +17857,14 @@
               </a:pPr>
               <a:t>12</a:t>
             </a:fld>
-            <a:endParaRPr lang="it-IT" sz="1800" b="1" noProof="0"/>
+            <a:endParaRPr lang="it-IT" sz="1800" b="1" dirty="0"/>
           </a:p>
         </p:txBody>
       </p:sp>
     </p:spTree>
     <p:extLst>
       <p:ext uri="{BB962C8B-B14F-4D97-AF65-F5344CB8AC3E}">
-        <p14:creationId xmlns:p14="http://schemas.microsoft.com/office/powerpoint/2010/main" val="3568766427"/>
+        <p14:creationId xmlns:p14="http://schemas.microsoft.com/office/powerpoint/2010/main" val="2728347993"/>
       </p:ext>
     </p:extLst>
   </p:cSld>
@@ -18330,7 +17955,7 @@
           <a:lstStyle/>
           <a:p>
             <a:pPr algn="ctr"/>
-            <a:endParaRPr lang="en-US"/>
+            <a:endParaRPr lang="en-US" dirty="0"/>
           </a:p>
         </p:txBody>
       </p:sp>
@@ -18363,10 +17988,10 @@
           <a:lstStyle/>
           <a:p>
             <a:r>
-              <a:rPr lang="it-IT" sz="5400" b="1"/>
+              <a:rPr lang="it-IT" sz="5400" b="1" dirty="0"/>
               <a:t>Modellazione</a:t>
             </a:r>
-            <a:endParaRPr lang="en-US" sz="5400" b="1"/>
+            <a:endParaRPr lang="en-US" sz="5400" b="1" dirty="0"/>
           </a:p>
         </p:txBody>
       </p:sp>
@@ -19004,7 +18629,7 @@
           <a:lstStyle/>
           <a:p>
             <a:pPr algn="ctr"/>
-            <a:endParaRPr lang="en-US"/>
+            <a:endParaRPr lang="en-US" dirty="0"/>
           </a:p>
         </p:txBody>
       </p:sp>
@@ -19037,7 +18662,7 @@
           <a:lstStyle/>
           <a:p>
             <a:r>
-              <a:rPr lang="en-US" sz="2200"/>
+              <a:rPr lang="en-US" sz="2200" dirty="0"/>
               <a:t>Diagramma dei casi d’uso (USE CASE DIAGRAM)</a:t>
             </a:r>
           </a:p>
@@ -19045,11 +18670,11 @@
             <a:pPr marL="0" indent="0">
               <a:buNone/>
             </a:pPr>
-            <a:endParaRPr lang="en-US" sz="2200"/>
+            <a:endParaRPr lang="en-US" sz="2200" dirty="0"/>
           </a:p>
           <a:p>
             <a:r>
-              <a:rPr lang="en-US" sz="2200"/>
+              <a:rPr lang="en-US" sz="2200" dirty="0"/>
               <a:t>Diagramma delle classi (CLASS DIAGRAM)</a:t>
             </a:r>
           </a:p>
@@ -19057,29 +18682,29 @@
             <a:pPr marL="0" indent="0">
               <a:buNone/>
             </a:pPr>
-            <a:endParaRPr lang="en-US" sz="2200"/>
+            <a:endParaRPr lang="en-US" sz="2200" dirty="0"/>
           </a:p>
           <a:p>
             <a:r>
-              <a:rPr lang="en-US" sz="2200"/>
+              <a:rPr lang="en-US" sz="2200" dirty="0"/>
               <a:t>Diagramma di stato (STATE-CHART DIAGRAM)</a:t>
             </a:r>
           </a:p>
           <a:p>
-            <a:endParaRPr lang="en-US" sz="2200"/>
+            <a:endParaRPr lang="en-US" sz="2200" dirty="0"/>
           </a:p>
           <a:p>
             <a:r>
-              <a:rPr lang="en-US" sz="2200"/>
+              <a:rPr lang="en-US" sz="2200" dirty="0"/>
               <a:t>Diagramma di sequenza (SEQUENCE DIAGRAM)</a:t>
             </a:r>
           </a:p>
           <a:p>
-            <a:endParaRPr lang="en-US" sz="2200"/>
+            <a:endParaRPr lang="en-US" sz="2200" dirty="0"/>
           </a:p>
           <a:p>
             <a:r>
-              <a:rPr lang="en-US" sz="2200"/>
+              <a:rPr lang="en-US" sz="2200" dirty="0"/>
               <a:t>Diagramma delle attività (ACTIVITY DIAGRAM)</a:t>
             </a:r>
           </a:p>
@@ -19233,7 +18858,7 @@
           <a:lstStyle/>
           <a:p>
             <a:pPr algn="ctr"/>
-            <a:endParaRPr lang="en-US"/>
+            <a:endParaRPr lang="en-US" dirty="0"/>
           </a:p>
         </p:txBody>
       </p:sp>
@@ -19907,7 +19532,7 @@
           <a:lstStyle/>
           <a:p>
             <a:pPr algn="ctr"/>
-            <a:endParaRPr lang="en-US"/>
+            <a:endParaRPr lang="en-US" dirty="0"/>
           </a:p>
         </p:txBody>
       </p:sp>
@@ -20187,7 +19812,7 @@
           <a:lstStyle/>
           <a:p>
             <a:pPr algn="ctr"/>
-            <a:endParaRPr lang="en-US"/>
+            <a:endParaRPr lang="en-US" dirty="0"/>
           </a:p>
         </p:txBody>
       </p:sp>
@@ -20861,7 +20486,7 @@
           <a:lstStyle/>
           <a:p>
             <a:pPr algn="ctr"/>
-            <a:endParaRPr lang="en-US"/>
+            <a:endParaRPr lang="en-US" dirty="0"/>
           </a:p>
         </p:txBody>
       </p:sp>
@@ -21140,7 +20765,7 @@
           <a:lstStyle/>
           <a:p>
             <a:pPr algn="ctr"/>
-            <a:endParaRPr lang="en-US"/>
+            <a:endParaRPr lang="en-US" dirty="0"/>
           </a:p>
         </p:txBody>
       </p:sp>
@@ -21814,7 +21439,7 @@
           <a:lstStyle/>
           <a:p>
             <a:pPr algn="ctr"/>
-            <a:endParaRPr lang="en-US"/>
+            <a:endParaRPr lang="en-US" dirty="0"/>
           </a:p>
         </p:txBody>
       </p:sp>
@@ -21933,7 +21558,7 @@
           <a:bodyPr/>
           <a:lstStyle/>
           <a:p>
-            <a:endParaRPr lang="it-IT"/>
+            <a:endParaRPr lang="it-IT" dirty="0"/>
           </a:p>
         </p:txBody>
       </p:sp>
@@ -21977,7 +21602,7 @@
       </p:grpSpPr>
       <p:sp useBgFill="1">
         <p:nvSpPr>
-          <p:cNvPr id="87" name="Rectangle 86">
+          <p:cNvPr id="11" name="Rectangle 10">
             <a:extLst>
               <a:ext uri="{FF2B5EF4-FFF2-40B4-BE49-F238E27FC236}">
                 <a16:creationId xmlns:a16="http://schemas.microsoft.com/office/drawing/2014/main" id="{100EDD19-6802-4EC3-95CE-CFFAB042CFD6}"/>
@@ -22031,16 +21656,16 @@
           <a:lstStyle/>
           <a:p>
             <a:pPr algn="ctr"/>
-            <a:endParaRPr lang="en-US"/>
+            <a:endParaRPr lang="en-US" dirty="0"/>
           </a:p>
         </p:txBody>
       </p:sp>
       <p:sp>
         <p:nvSpPr>
-          <p:cNvPr id="2" name="Titolo 1">
+          <p:cNvPr id="2" name="Title 1">
             <a:extLst>
               <a:ext uri="{FF2B5EF4-FFF2-40B4-BE49-F238E27FC236}">
-                <a16:creationId xmlns:a16="http://schemas.microsoft.com/office/drawing/2014/main" id="{75031FE9-9059-4FE8-B4AC-9771F23A1B89}"/>
+                <a16:creationId xmlns:a16="http://schemas.microsoft.com/office/drawing/2014/main" id="{806A85A7-2359-50AF-B2C8-F8FBFA3E2B3C}"/>
               </a:ext>
             </a:extLst>
           </p:cNvPr>
@@ -22058,22 +21683,21 @@
           </a:xfrm>
         </p:spPr>
         <p:txBody>
-          <a:bodyPr rtlCol="0">
+          <a:bodyPr>
             <a:normAutofit/>
           </a:bodyPr>
           <a:lstStyle/>
           <a:p>
-            <a:pPr rtl="0"/>
             <a:r>
-              <a:rPr lang="it-IT" sz="5400" b="1"/>
-              <a:t>Testing</a:t>
+              <a:rPr lang="en-US" sz="5400" b="1" dirty="0"/>
+              <a:t>Dimostrazione</a:t>
             </a:r>
           </a:p>
         </p:txBody>
       </p:sp>
       <p:sp>
         <p:nvSpPr>
-          <p:cNvPr id="89" name="sketch line">
+          <p:cNvPr id="13" name="sketch line">
             <a:extLst>
               <a:ext uri="{FF2B5EF4-FFF2-40B4-BE49-F238E27FC236}">
                 <a16:creationId xmlns:a16="http://schemas.microsoft.com/office/drawing/2014/main" id="{DB17E863-922E-4C26-BD64-E8FD41D28661}"/>
@@ -22705,7 +22329,861 @@
           <a:lstStyle/>
           <a:p>
             <a:pPr algn="ctr"/>
-            <a:endParaRPr lang="en-US"/>
+            <a:endParaRPr lang="en-US" dirty="0"/>
+          </a:p>
+        </p:txBody>
+      </p:sp>
+      <p:sp>
+        <p:nvSpPr>
+          <p:cNvPr id="3" name="Content Placeholder 2">
+            <a:extLst>
+              <a:ext uri="{FF2B5EF4-FFF2-40B4-BE49-F238E27FC236}">
+                <a16:creationId xmlns:a16="http://schemas.microsoft.com/office/drawing/2014/main" id="{39198BC0-3DAA-3F78-1CC6-7D92405ED12E}"/>
+              </a:ext>
+            </a:extLst>
+          </p:cNvPr>
+          <p:cNvSpPr>
+            <a:spLocks noGrp="1"/>
+          </p:cNvSpPr>
+          <p:nvPr>
+            <p:ph idx="1"/>
+          </p:nvPr>
+        </p:nvSpPr>
+        <p:spPr>
+          <a:xfrm>
+            <a:off x="838200" y="1929384"/>
+            <a:ext cx="10515600" cy="3957066"/>
+          </a:xfrm>
+        </p:spPr>
+        <p:txBody>
+          <a:bodyPr>
+            <a:normAutofit/>
+          </a:bodyPr>
+          <a:lstStyle/>
+          <a:p>
+            <a:r>
+              <a:rPr lang="it-IT" sz="2200" dirty="0"/>
+              <a:t>Fare piccola demo dell’applicazione sviluppata</a:t>
+            </a:r>
+            <a:endParaRPr lang="en-US" sz="2200" dirty="0"/>
+          </a:p>
+        </p:txBody>
+      </p:sp>
+      <p:sp>
+        <p:nvSpPr>
+          <p:cNvPr id="6" name="Slide Number Placeholder 5">
+            <a:extLst>
+              <a:ext uri="{FF2B5EF4-FFF2-40B4-BE49-F238E27FC236}">
+                <a16:creationId xmlns:a16="http://schemas.microsoft.com/office/drawing/2014/main" id="{366879AD-ECAF-DDDE-26DC-9DD0D10F9AC4}"/>
+              </a:ext>
+            </a:extLst>
+          </p:cNvPr>
+          <p:cNvSpPr>
+            <a:spLocks noGrp="1"/>
+          </p:cNvSpPr>
+          <p:nvPr>
+            <p:ph type="sldNum" sz="quarter" idx="12"/>
+          </p:nvPr>
+        </p:nvSpPr>
+        <p:spPr>
+          <a:xfrm>
+            <a:off x="8610600" y="6356350"/>
+            <a:ext cx="2743200" cy="365125"/>
+          </a:xfrm>
+        </p:spPr>
+        <p:txBody>
+          <a:bodyPr>
+            <a:noAutofit/>
+          </a:bodyPr>
+          <a:lstStyle/>
+          <a:p>
+            <a:pPr rtl="0">
+              <a:spcAft>
+                <a:spcPts val="600"/>
+              </a:spcAft>
+            </a:pPr>
+            <a:fld id="{B5CEABB6-07DC-46E8-9B57-56EC44A396E5}" type="slidenum">
+              <a:rPr lang="it-IT" sz="1800" b="1" noProof="0" smtClean="0"/>
+              <a:pPr rtl="0">
+                <a:spcAft>
+                  <a:spcPts val="600"/>
+                </a:spcAft>
+              </a:pPr>
+              <a:t>17</a:t>
+            </a:fld>
+            <a:endParaRPr lang="it-IT" sz="1800" b="1" noProof="0" dirty="0"/>
+          </a:p>
+        </p:txBody>
+      </p:sp>
+    </p:spTree>
+    <p:extLst>
+      <p:ext uri="{BB962C8B-B14F-4D97-AF65-F5344CB8AC3E}">
+        <p14:creationId xmlns:p14="http://schemas.microsoft.com/office/powerpoint/2010/main" val="3568766427"/>
+      </p:ext>
+    </p:extLst>
+  </p:cSld>
+  <p:clrMapOvr>
+    <a:masterClrMapping/>
+  </p:clrMapOvr>
+</p:sld>
+</file>
+
+<file path=ppt/slides/slide18.xml><?xml version="1.0" encoding="utf-8"?>
+<p:sld xmlns:a="http://schemas.openxmlformats.org/drawingml/2006/main" xmlns:r="http://schemas.openxmlformats.org/officeDocument/2006/relationships" xmlns:p="http://schemas.openxmlformats.org/presentationml/2006/main">
+  <p:cSld>
+    <p:bg>
+      <p:bgPr>
+        <a:solidFill>
+          <a:schemeClr val="bg1"/>
+        </a:solidFill>
+        <a:effectLst/>
+      </p:bgPr>
+    </p:bg>
+    <p:spTree>
+      <p:nvGrpSpPr>
+        <p:cNvPr id="1" name=""/>
+        <p:cNvGrpSpPr/>
+        <p:nvPr/>
+      </p:nvGrpSpPr>
+      <p:grpSpPr>
+        <a:xfrm>
+          <a:off x="0" y="0"/>
+          <a:ext cx="0" cy="0"/>
+          <a:chOff x="0" y="0"/>
+          <a:chExt cx="0" cy="0"/>
+        </a:xfrm>
+      </p:grpSpPr>
+      <p:sp useBgFill="1">
+        <p:nvSpPr>
+          <p:cNvPr id="87" name="Rectangle 86">
+            <a:extLst>
+              <a:ext uri="{FF2B5EF4-FFF2-40B4-BE49-F238E27FC236}">
+                <a16:creationId xmlns:a16="http://schemas.microsoft.com/office/drawing/2014/main" id="{100EDD19-6802-4EC3-95CE-CFFAB042CFD6}"/>
+              </a:ext>
+              <a:ext uri="{C183D7F6-B498-43B3-948B-1728B52AA6E4}">
+                <adec:decorative xmlns:adec="http://schemas.microsoft.com/office/drawing/2017/decorative" val="1"/>
+              </a:ext>
+            </a:extLst>
+          </p:cNvPr>
+          <p:cNvSpPr>
+            <a:spLocks noGrp="1" noRot="1" noChangeAspect="1" noMove="1" noResize="1" noEditPoints="1" noAdjustHandles="1" noChangeArrowheads="1" noChangeShapeType="1" noTextEdit="1"/>
+          </p:cNvSpPr>
+          <p:nvPr>
+            <p:extLst>
+              <p:ext uri="{386F3935-93C4-4BCD-93E2-E3B085C9AB24}">
+                <p16:designElem xmlns:p16="http://schemas.microsoft.com/office/powerpoint/2015/main" val="1"/>
+              </p:ext>
+            </p:extLst>
+          </p:nvPr>
+        </p:nvSpPr>
+        <p:spPr>
+          <a:xfrm>
+            <a:off x="0" y="0"/>
+            <a:ext cx="12188952" cy="6858000"/>
+          </a:xfrm>
+          <a:prstGeom prst="rect">
+            <a:avLst/>
+          </a:prstGeom>
+          <a:ln>
+            <a:noFill/>
+          </a:ln>
+        </p:spPr>
+        <p:style>
+          <a:lnRef idx="2">
+            <a:schemeClr val="accent1">
+              <a:shade val="50000"/>
+            </a:schemeClr>
+          </a:lnRef>
+          <a:fillRef idx="1">
+            <a:schemeClr val="accent1"/>
+          </a:fillRef>
+          <a:effectRef idx="0">
+            <a:schemeClr val="accent1"/>
+          </a:effectRef>
+          <a:fontRef idx="minor">
+            <a:schemeClr val="lt1"/>
+          </a:fontRef>
+        </p:style>
+        <p:txBody>
+          <a:bodyPr rtlCol="0" anchor="ctr"/>
+          <a:lstStyle/>
+          <a:p>
+            <a:pPr algn="ctr"/>
+            <a:endParaRPr lang="en-US" dirty="0"/>
+          </a:p>
+        </p:txBody>
+      </p:sp>
+      <p:sp>
+        <p:nvSpPr>
+          <p:cNvPr id="2" name="Titolo 1">
+            <a:extLst>
+              <a:ext uri="{FF2B5EF4-FFF2-40B4-BE49-F238E27FC236}">
+                <a16:creationId xmlns:a16="http://schemas.microsoft.com/office/drawing/2014/main" id="{75031FE9-9059-4FE8-B4AC-9771F23A1B89}"/>
+              </a:ext>
+            </a:extLst>
+          </p:cNvPr>
+          <p:cNvSpPr>
+            <a:spLocks noGrp="1"/>
+          </p:cNvSpPr>
+          <p:nvPr>
+            <p:ph type="title"/>
+          </p:nvPr>
+        </p:nvSpPr>
+        <p:spPr>
+          <a:xfrm>
+            <a:off x="838200" y="365125"/>
+            <a:ext cx="10515600" cy="1325563"/>
+          </a:xfrm>
+        </p:spPr>
+        <p:txBody>
+          <a:bodyPr rtlCol="0">
+            <a:normAutofit/>
+          </a:bodyPr>
+          <a:lstStyle/>
+          <a:p>
+            <a:pPr rtl="0"/>
+            <a:r>
+              <a:rPr lang="it-IT" sz="5400" b="1" dirty="0"/>
+              <a:t>Testing</a:t>
+            </a:r>
+          </a:p>
+        </p:txBody>
+      </p:sp>
+      <p:sp>
+        <p:nvSpPr>
+          <p:cNvPr id="89" name="sketch line">
+            <a:extLst>
+              <a:ext uri="{FF2B5EF4-FFF2-40B4-BE49-F238E27FC236}">
+                <a16:creationId xmlns:a16="http://schemas.microsoft.com/office/drawing/2014/main" id="{DB17E863-922E-4C26-BD64-E8FD41D28661}"/>
+              </a:ext>
+              <a:ext uri="{C183D7F6-B498-43B3-948B-1728B52AA6E4}">
+                <adec:decorative xmlns:adec="http://schemas.microsoft.com/office/drawing/2017/decorative" val="1"/>
+              </a:ext>
+            </a:extLst>
+          </p:cNvPr>
+          <p:cNvSpPr>
+            <a:spLocks noGrp="1" noRot="1" noChangeAspect="1" noMove="1" noResize="1" noEditPoints="1" noAdjustHandles="1" noChangeArrowheads="1" noChangeShapeType="1" noTextEdit="1"/>
+          </p:cNvSpPr>
+          <p:nvPr>
+            <p:extLst>
+              <p:ext uri="{386F3935-93C4-4BCD-93E2-E3B085C9AB24}">
+                <p16:designElem xmlns:p16="http://schemas.microsoft.com/office/powerpoint/2015/main" val="1"/>
+              </p:ext>
+            </p:extLst>
+          </p:nvPr>
+        </p:nvSpPr>
+        <p:spPr>
+          <a:xfrm>
+            <a:off x="669036" y="1677373"/>
+            <a:ext cx="10853928" cy="18288"/>
+          </a:xfrm>
+          <a:custGeom>
+            <a:avLst/>
+            <a:gdLst>
+              <a:gd name="connsiteX0" fmla="*/ 0 w 10853928"/>
+              <a:gd name="connsiteY0" fmla="*/ 0 h 18288"/>
+              <a:gd name="connsiteX1" fmla="*/ 461292 w 10853928"/>
+              <a:gd name="connsiteY1" fmla="*/ 0 h 18288"/>
+              <a:gd name="connsiteX2" fmla="*/ 1139662 w 10853928"/>
+              <a:gd name="connsiteY2" fmla="*/ 0 h 18288"/>
+              <a:gd name="connsiteX3" fmla="*/ 1926572 w 10853928"/>
+              <a:gd name="connsiteY3" fmla="*/ 0 h 18288"/>
+              <a:gd name="connsiteX4" fmla="*/ 2279325 w 10853928"/>
+              <a:gd name="connsiteY4" fmla="*/ 0 h 18288"/>
+              <a:gd name="connsiteX5" fmla="*/ 2632078 w 10853928"/>
+              <a:gd name="connsiteY5" fmla="*/ 0 h 18288"/>
+              <a:gd name="connsiteX6" fmla="*/ 3527527 w 10853928"/>
+              <a:gd name="connsiteY6" fmla="*/ 0 h 18288"/>
+              <a:gd name="connsiteX7" fmla="*/ 4205897 w 10853928"/>
+              <a:gd name="connsiteY7" fmla="*/ 0 h 18288"/>
+              <a:gd name="connsiteX8" fmla="*/ 4558650 w 10853928"/>
+              <a:gd name="connsiteY8" fmla="*/ 0 h 18288"/>
+              <a:gd name="connsiteX9" fmla="*/ 5237020 w 10853928"/>
+              <a:gd name="connsiteY9" fmla="*/ 0 h 18288"/>
+              <a:gd name="connsiteX10" fmla="*/ 6132469 w 10853928"/>
+              <a:gd name="connsiteY10" fmla="*/ 0 h 18288"/>
+              <a:gd name="connsiteX11" fmla="*/ 6702301 w 10853928"/>
+              <a:gd name="connsiteY11" fmla="*/ 0 h 18288"/>
+              <a:gd name="connsiteX12" fmla="*/ 7272132 w 10853928"/>
+              <a:gd name="connsiteY12" fmla="*/ 0 h 18288"/>
+              <a:gd name="connsiteX13" fmla="*/ 7950502 w 10853928"/>
+              <a:gd name="connsiteY13" fmla="*/ 0 h 18288"/>
+              <a:gd name="connsiteX14" fmla="*/ 8737412 w 10853928"/>
+              <a:gd name="connsiteY14" fmla="*/ 0 h 18288"/>
+              <a:gd name="connsiteX15" fmla="*/ 9524322 w 10853928"/>
+              <a:gd name="connsiteY15" fmla="*/ 0 h 18288"/>
+              <a:gd name="connsiteX16" fmla="*/ 10853928 w 10853928"/>
+              <a:gd name="connsiteY16" fmla="*/ 0 h 18288"/>
+              <a:gd name="connsiteX17" fmla="*/ 10853928 w 10853928"/>
+              <a:gd name="connsiteY17" fmla="*/ 18288 h 18288"/>
+              <a:gd name="connsiteX18" fmla="*/ 10392636 w 10853928"/>
+              <a:gd name="connsiteY18" fmla="*/ 18288 h 18288"/>
+              <a:gd name="connsiteX19" fmla="*/ 9497187 w 10853928"/>
+              <a:gd name="connsiteY19" fmla="*/ 18288 h 18288"/>
+              <a:gd name="connsiteX20" fmla="*/ 8818817 w 10853928"/>
+              <a:gd name="connsiteY20" fmla="*/ 18288 h 18288"/>
+              <a:gd name="connsiteX21" fmla="*/ 8466064 w 10853928"/>
+              <a:gd name="connsiteY21" fmla="*/ 18288 h 18288"/>
+              <a:gd name="connsiteX22" fmla="*/ 7787693 w 10853928"/>
+              <a:gd name="connsiteY22" fmla="*/ 18288 h 18288"/>
+              <a:gd name="connsiteX23" fmla="*/ 7217862 w 10853928"/>
+              <a:gd name="connsiteY23" fmla="*/ 18288 h 18288"/>
+              <a:gd name="connsiteX24" fmla="*/ 6648031 w 10853928"/>
+              <a:gd name="connsiteY24" fmla="*/ 18288 h 18288"/>
+              <a:gd name="connsiteX25" fmla="*/ 6078200 w 10853928"/>
+              <a:gd name="connsiteY25" fmla="*/ 18288 h 18288"/>
+              <a:gd name="connsiteX26" fmla="*/ 5508368 w 10853928"/>
+              <a:gd name="connsiteY26" fmla="*/ 18288 h 18288"/>
+              <a:gd name="connsiteX27" fmla="*/ 4721459 w 10853928"/>
+              <a:gd name="connsiteY27" fmla="*/ 18288 h 18288"/>
+              <a:gd name="connsiteX28" fmla="*/ 4043088 w 10853928"/>
+              <a:gd name="connsiteY28" fmla="*/ 18288 h 18288"/>
+              <a:gd name="connsiteX29" fmla="*/ 3690336 w 10853928"/>
+              <a:gd name="connsiteY29" fmla="*/ 18288 h 18288"/>
+              <a:gd name="connsiteX30" fmla="*/ 3120504 w 10853928"/>
+              <a:gd name="connsiteY30" fmla="*/ 18288 h 18288"/>
+              <a:gd name="connsiteX31" fmla="*/ 2333595 w 10853928"/>
+              <a:gd name="connsiteY31" fmla="*/ 18288 h 18288"/>
+              <a:gd name="connsiteX32" fmla="*/ 1872303 w 10853928"/>
+              <a:gd name="connsiteY32" fmla="*/ 18288 h 18288"/>
+              <a:gd name="connsiteX33" fmla="*/ 976854 w 10853928"/>
+              <a:gd name="connsiteY33" fmla="*/ 18288 h 18288"/>
+              <a:gd name="connsiteX34" fmla="*/ 0 w 10853928"/>
+              <a:gd name="connsiteY34" fmla="*/ 18288 h 18288"/>
+              <a:gd name="connsiteX35" fmla="*/ 0 w 10853928"/>
+              <a:gd name="connsiteY35" fmla="*/ 0 h 18288"/>
+            </a:gdLst>
+            <a:ahLst/>
+            <a:cxnLst>
+              <a:cxn ang="0">
+                <a:pos x="connsiteX0" y="connsiteY0"/>
+              </a:cxn>
+              <a:cxn ang="0">
+                <a:pos x="connsiteX1" y="connsiteY1"/>
+              </a:cxn>
+              <a:cxn ang="0">
+                <a:pos x="connsiteX2" y="connsiteY2"/>
+              </a:cxn>
+              <a:cxn ang="0">
+                <a:pos x="connsiteX3" y="connsiteY3"/>
+              </a:cxn>
+              <a:cxn ang="0">
+                <a:pos x="connsiteX4" y="connsiteY4"/>
+              </a:cxn>
+              <a:cxn ang="0">
+                <a:pos x="connsiteX5" y="connsiteY5"/>
+              </a:cxn>
+              <a:cxn ang="0">
+                <a:pos x="connsiteX6" y="connsiteY6"/>
+              </a:cxn>
+              <a:cxn ang="0">
+                <a:pos x="connsiteX7" y="connsiteY7"/>
+              </a:cxn>
+              <a:cxn ang="0">
+                <a:pos x="connsiteX8" y="connsiteY8"/>
+              </a:cxn>
+              <a:cxn ang="0">
+                <a:pos x="connsiteX9" y="connsiteY9"/>
+              </a:cxn>
+              <a:cxn ang="0">
+                <a:pos x="connsiteX10" y="connsiteY10"/>
+              </a:cxn>
+              <a:cxn ang="0">
+                <a:pos x="connsiteX11" y="connsiteY11"/>
+              </a:cxn>
+              <a:cxn ang="0">
+                <a:pos x="connsiteX12" y="connsiteY12"/>
+              </a:cxn>
+              <a:cxn ang="0">
+                <a:pos x="connsiteX13" y="connsiteY13"/>
+              </a:cxn>
+              <a:cxn ang="0">
+                <a:pos x="connsiteX14" y="connsiteY14"/>
+              </a:cxn>
+              <a:cxn ang="0">
+                <a:pos x="connsiteX15" y="connsiteY15"/>
+              </a:cxn>
+              <a:cxn ang="0">
+                <a:pos x="connsiteX16" y="connsiteY16"/>
+              </a:cxn>
+              <a:cxn ang="0">
+                <a:pos x="connsiteX17" y="connsiteY17"/>
+              </a:cxn>
+              <a:cxn ang="0">
+                <a:pos x="connsiteX18" y="connsiteY18"/>
+              </a:cxn>
+              <a:cxn ang="0">
+                <a:pos x="connsiteX19" y="connsiteY19"/>
+              </a:cxn>
+              <a:cxn ang="0">
+                <a:pos x="connsiteX20" y="connsiteY20"/>
+              </a:cxn>
+              <a:cxn ang="0">
+                <a:pos x="connsiteX21" y="connsiteY21"/>
+              </a:cxn>
+              <a:cxn ang="0">
+                <a:pos x="connsiteX22" y="connsiteY22"/>
+              </a:cxn>
+              <a:cxn ang="0">
+                <a:pos x="connsiteX23" y="connsiteY23"/>
+              </a:cxn>
+              <a:cxn ang="0">
+                <a:pos x="connsiteX24" y="connsiteY24"/>
+              </a:cxn>
+              <a:cxn ang="0">
+                <a:pos x="connsiteX25" y="connsiteY25"/>
+              </a:cxn>
+              <a:cxn ang="0">
+                <a:pos x="connsiteX26" y="connsiteY26"/>
+              </a:cxn>
+              <a:cxn ang="0">
+                <a:pos x="connsiteX27" y="connsiteY27"/>
+              </a:cxn>
+              <a:cxn ang="0">
+                <a:pos x="connsiteX28" y="connsiteY28"/>
+              </a:cxn>
+              <a:cxn ang="0">
+                <a:pos x="connsiteX29" y="connsiteY29"/>
+              </a:cxn>
+              <a:cxn ang="0">
+                <a:pos x="connsiteX30" y="connsiteY30"/>
+              </a:cxn>
+              <a:cxn ang="0">
+                <a:pos x="connsiteX31" y="connsiteY31"/>
+              </a:cxn>
+              <a:cxn ang="0">
+                <a:pos x="connsiteX32" y="connsiteY32"/>
+              </a:cxn>
+              <a:cxn ang="0">
+                <a:pos x="connsiteX33" y="connsiteY33"/>
+              </a:cxn>
+              <a:cxn ang="0">
+                <a:pos x="connsiteX34" y="connsiteY34"/>
+              </a:cxn>
+              <a:cxn ang="0">
+                <a:pos x="connsiteX35" y="connsiteY35"/>
+              </a:cxn>
+            </a:cxnLst>
+            <a:rect l="l" t="t" r="r" b="b"/>
+            <a:pathLst>
+              <a:path w="10853928" h="18288" fill="none" extrusionOk="0">
+                <a:moveTo>
+                  <a:pt x="0" y="0"/>
+                </a:moveTo>
+                <a:cubicBezTo>
+                  <a:pt x="146993" y="-19076"/>
+                  <a:pt x="347684" y="-4790"/>
+                  <a:pt x="461292" y="0"/>
+                </a:cubicBezTo>
+                <a:cubicBezTo>
+                  <a:pt x="574900" y="4790"/>
+                  <a:pt x="808367" y="19821"/>
+                  <a:pt x="1139662" y="0"/>
+                </a:cubicBezTo>
+                <a:cubicBezTo>
+                  <a:pt x="1470957" y="-19821"/>
+                  <a:pt x="1627405" y="5721"/>
+                  <a:pt x="1926572" y="0"/>
+                </a:cubicBezTo>
+                <a:cubicBezTo>
+                  <a:pt x="2225739" y="-5721"/>
+                  <a:pt x="2137730" y="-3235"/>
+                  <a:pt x="2279325" y="0"/>
+                </a:cubicBezTo>
+                <a:cubicBezTo>
+                  <a:pt x="2420920" y="3235"/>
+                  <a:pt x="2456518" y="9685"/>
+                  <a:pt x="2632078" y="0"/>
+                </a:cubicBezTo>
+                <a:cubicBezTo>
+                  <a:pt x="2807638" y="-9685"/>
+                  <a:pt x="3211516" y="-43007"/>
+                  <a:pt x="3527527" y="0"/>
+                </a:cubicBezTo>
+                <a:cubicBezTo>
+                  <a:pt x="3843538" y="43007"/>
+                  <a:pt x="4058833" y="22042"/>
+                  <a:pt x="4205897" y="0"/>
+                </a:cubicBezTo>
+                <a:cubicBezTo>
+                  <a:pt x="4352961" y="-22042"/>
+                  <a:pt x="4474805" y="-11846"/>
+                  <a:pt x="4558650" y="0"/>
+                </a:cubicBezTo>
+                <a:cubicBezTo>
+                  <a:pt x="4642495" y="11846"/>
+                  <a:pt x="5041928" y="-6069"/>
+                  <a:pt x="5237020" y="0"/>
+                </a:cubicBezTo>
+                <a:cubicBezTo>
+                  <a:pt x="5432112" y="6069"/>
+                  <a:pt x="5943266" y="-17479"/>
+                  <a:pt x="6132469" y="0"/>
+                </a:cubicBezTo>
+                <a:cubicBezTo>
+                  <a:pt x="6321672" y="17479"/>
+                  <a:pt x="6483872" y="26234"/>
+                  <a:pt x="6702301" y="0"/>
+                </a:cubicBezTo>
+                <a:cubicBezTo>
+                  <a:pt x="6920730" y="-26234"/>
+                  <a:pt x="6991194" y="-15156"/>
+                  <a:pt x="7272132" y="0"/>
+                </a:cubicBezTo>
+                <a:cubicBezTo>
+                  <a:pt x="7553070" y="15156"/>
+                  <a:pt x="7684444" y="-32961"/>
+                  <a:pt x="7950502" y="0"/>
+                </a:cubicBezTo>
+                <a:cubicBezTo>
+                  <a:pt x="8216560" y="32961"/>
+                  <a:pt x="8493290" y="-10491"/>
+                  <a:pt x="8737412" y="0"/>
+                </a:cubicBezTo>
+                <a:cubicBezTo>
+                  <a:pt x="8981534" y="10491"/>
+                  <a:pt x="9191586" y="-13899"/>
+                  <a:pt x="9524322" y="0"/>
+                </a:cubicBezTo>
+                <a:cubicBezTo>
+                  <a:pt x="9857058" y="13899"/>
+                  <a:pt x="10297509" y="7485"/>
+                  <a:pt x="10853928" y="0"/>
+                </a:cubicBezTo>
+                <a:cubicBezTo>
+                  <a:pt x="10854574" y="4451"/>
+                  <a:pt x="10854418" y="9226"/>
+                  <a:pt x="10853928" y="18288"/>
+                </a:cubicBezTo>
+                <a:cubicBezTo>
+                  <a:pt x="10691638" y="28522"/>
+                  <a:pt x="10574319" y="29578"/>
+                  <a:pt x="10392636" y="18288"/>
+                </a:cubicBezTo>
+                <a:cubicBezTo>
+                  <a:pt x="10210953" y="6998"/>
+                  <a:pt x="9836277" y="-16742"/>
+                  <a:pt x="9497187" y="18288"/>
+                </a:cubicBezTo>
+                <a:cubicBezTo>
+                  <a:pt x="9158097" y="53318"/>
+                  <a:pt x="9119479" y="30714"/>
+                  <a:pt x="8818817" y="18288"/>
+                </a:cubicBezTo>
+                <a:cubicBezTo>
+                  <a:pt x="8518155" y="5863"/>
+                  <a:pt x="8640037" y="6483"/>
+                  <a:pt x="8466064" y="18288"/>
+                </a:cubicBezTo>
+                <a:cubicBezTo>
+                  <a:pt x="8292091" y="30093"/>
+                  <a:pt x="7997656" y="18914"/>
+                  <a:pt x="7787693" y="18288"/>
+                </a:cubicBezTo>
+                <a:cubicBezTo>
+                  <a:pt x="7577730" y="17662"/>
+                  <a:pt x="7412468" y="21416"/>
+                  <a:pt x="7217862" y="18288"/>
+                </a:cubicBezTo>
+                <a:cubicBezTo>
+                  <a:pt x="7023256" y="15160"/>
+                  <a:pt x="6898018" y="14824"/>
+                  <a:pt x="6648031" y="18288"/>
+                </a:cubicBezTo>
+                <a:cubicBezTo>
+                  <a:pt x="6398044" y="21752"/>
+                  <a:pt x="6254402" y="38625"/>
+                  <a:pt x="6078200" y="18288"/>
+                </a:cubicBezTo>
+                <a:cubicBezTo>
+                  <a:pt x="5901998" y="-2049"/>
+                  <a:pt x="5622886" y="3213"/>
+                  <a:pt x="5508368" y="18288"/>
+                </a:cubicBezTo>
+                <a:cubicBezTo>
+                  <a:pt x="5393850" y="33363"/>
+                  <a:pt x="5036260" y="26830"/>
+                  <a:pt x="4721459" y="18288"/>
+                </a:cubicBezTo>
+                <a:cubicBezTo>
+                  <a:pt x="4406658" y="9746"/>
+                  <a:pt x="4239221" y="41551"/>
+                  <a:pt x="4043088" y="18288"/>
+                </a:cubicBezTo>
+                <a:cubicBezTo>
+                  <a:pt x="3846955" y="-4975"/>
+                  <a:pt x="3818802" y="34658"/>
+                  <a:pt x="3690336" y="18288"/>
+                </a:cubicBezTo>
+                <a:cubicBezTo>
+                  <a:pt x="3561870" y="1918"/>
+                  <a:pt x="3265491" y="42194"/>
+                  <a:pt x="3120504" y="18288"/>
+                </a:cubicBezTo>
+                <a:cubicBezTo>
+                  <a:pt x="2975517" y="-5618"/>
+                  <a:pt x="2720254" y="36673"/>
+                  <a:pt x="2333595" y="18288"/>
+                </a:cubicBezTo>
+                <a:cubicBezTo>
+                  <a:pt x="1946936" y="-97"/>
+                  <a:pt x="2097241" y="5776"/>
+                  <a:pt x="1872303" y="18288"/>
+                </a:cubicBezTo>
+                <a:cubicBezTo>
+                  <a:pt x="1647365" y="30800"/>
+                  <a:pt x="1282708" y="45380"/>
+                  <a:pt x="976854" y="18288"/>
+                </a:cubicBezTo>
+                <a:cubicBezTo>
+                  <a:pt x="671000" y="-8804"/>
+                  <a:pt x="408401" y="-12775"/>
+                  <a:pt x="0" y="18288"/>
+                </a:cubicBezTo>
+                <a:cubicBezTo>
+                  <a:pt x="-213" y="9468"/>
+                  <a:pt x="187" y="4459"/>
+                  <a:pt x="0" y="0"/>
+                </a:cubicBezTo>
+                <a:close/>
+              </a:path>
+              <a:path w="10853928" h="18288" stroke="0" extrusionOk="0">
+                <a:moveTo>
+                  <a:pt x="0" y="0"/>
+                </a:moveTo>
+                <a:cubicBezTo>
+                  <a:pt x="267322" y="15284"/>
+                  <a:pt x="415388" y="-21048"/>
+                  <a:pt x="569831" y="0"/>
+                </a:cubicBezTo>
+                <a:cubicBezTo>
+                  <a:pt x="724274" y="21048"/>
+                  <a:pt x="769333" y="-2353"/>
+                  <a:pt x="922584" y="0"/>
+                </a:cubicBezTo>
+                <a:cubicBezTo>
+                  <a:pt x="1075835" y="2353"/>
+                  <a:pt x="1399490" y="-145"/>
+                  <a:pt x="1818033" y="0"/>
+                </a:cubicBezTo>
+                <a:cubicBezTo>
+                  <a:pt x="2236576" y="145"/>
+                  <a:pt x="2145330" y="5482"/>
+                  <a:pt x="2387864" y="0"/>
+                </a:cubicBezTo>
+                <a:cubicBezTo>
+                  <a:pt x="2630398" y="-5482"/>
+                  <a:pt x="2793207" y="18487"/>
+                  <a:pt x="2957695" y="0"/>
+                </a:cubicBezTo>
+                <a:cubicBezTo>
+                  <a:pt x="3122183" y="-18487"/>
+                  <a:pt x="3579141" y="19003"/>
+                  <a:pt x="3853144" y="0"/>
+                </a:cubicBezTo>
+                <a:cubicBezTo>
+                  <a:pt x="4127147" y="-19003"/>
+                  <a:pt x="4209857" y="12211"/>
+                  <a:pt x="4314436" y="0"/>
+                </a:cubicBezTo>
+                <a:cubicBezTo>
+                  <a:pt x="4419015" y="-12211"/>
+                  <a:pt x="4762459" y="-17220"/>
+                  <a:pt x="5209885" y="0"/>
+                </a:cubicBezTo>
+                <a:cubicBezTo>
+                  <a:pt x="5657311" y="17220"/>
+                  <a:pt x="5692663" y="-3290"/>
+                  <a:pt x="6105335" y="0"/>
+                </a:cubicBezTo>
+                <a:cubicBezTo>
+                  <a:pt x="6518007" y="3290"/>
+                  <a:pt x="6455516" y="-5124"/>
+                  <a:pt x="6783705" y="0"/>
+                </a:cubicBezTo>
+                <a:cubicBezTo>
+                  <a:pt x="7111894" y="5124"/>
+                  <a:pt x="7441941" y="-17829"/>
+                  <a:pt x="7679154" y="0"/>
+                </a:cubicBezTo>
+                <a:cubicBezTo>
+                  <a:pt x="7916367" y="17829"/>
+                  <a:pt x="8102967" y="-24363"/>
+                  <a:pt x="8248985" y="0"/>
+                </a:cubicBezTo>
+                <a:cubicBezTo>
+                  <a:pt x="8395003" y="24363"/>
+                  <a:pt x="8552393" y="25505"/>
+                  <a:pt x="8818817" y="0"/>
+                </a:cubicBezTo>
+                <a:cubicBezTo>
+                  <a:pt x="9085241" y="-25505"/>
+                  <a:pt x="9411308" y="38000"/>
+                  <a:pt x="9605726" y="0"/>
+                </a:cubicBezTo>
+                <a:cubicBezTo>
+                  <a:pt x="9800144" y="-38000"/>
+                  <a:pt x="10006468" y="-25741"/>
+                  <a:pt x="10175558" y="0"/>
+                </a:cubicBezTo>
+                <a:cubicBezTo>
+                  <a:pt x="10344648" y="25741"/>
+                  <a:pt x="10696282" y="695"/>
+                  <a:pt x="10853928" y="0"/>
+                </a:cubicBezTo>
+                <a:cubicBezTo>
+                  <a:pt x="10853521" y="8690"/>
+                  <a:pt x="10853774" y="14141"/>
+                  <a:pt x="10853928" y="18288"/>
+                </a:cubicBezTo>
+                <a:cubicBezTo>
+                  <a:pt x="10608124" y="24255"/>
+                  <a:pt x="10343415" y="22307"/>
+                  <a:pt x="10067018" y="18288"/>
+                </a:cubicBezTo>
+                <a:cubicBezTo>
+                  <a:pt x="9790621" y="14270"/>
+                  <a:pt x="9843266" y="3564"/>
+                  <a:pt x="9714266" y="18288"/>
+                </a:cubicBezTo>
+                <a:cubicBezTo>
+                  <a:pt x="9585266" y="33012"/>
+                  <a:pt x="9379484" y="1875"/>
+                  <a:pt x="9252974" y="18288"/>
+                </a:cubicBezTo>
+                <a:cubicBezTo>
+                  <a:pt x="9126464" y="34701"/>
+                  <a:pt x="8580678" y="-4904"/>
+                  <a:pt x="8357525" y="18288"/>
+                </a:cubicBezTo>
+                <a:cubicBezTo>
+                  <a:pt x="8134372" y="41480"/>
+                  <a:pt x="7903199" y="26458"/>
+                  <a:pt x="7679154" y="18288"/>
+                </a:cubicBezTo>
+                <a:cubicBezTo>
+                  <a:pt x="7455109" y="10118"/>
+                  <a:pt x="7435944" y="27109"/>
+                  <a:pt x="7217862" y="18288"/>
+                </a:cubicBezTo>
+                <a:cubicBezTo>
+                  <a:pt x="6999780" y="9467"/>
+                  <a:pt x="6680409" y="18985"/>
+                  <a:pt x="6539492" y="18288"/>
+                </a:cubicBezTo>
+                <a:cubicBezTo>
+                  <a:pt x="6398575" y="17592"/>
+                  <a:pt x="6312077" y="33018"/>
+                  <a:pt x="6186739" y="18288"/>
+                </a:cubicBezTo>
+                <a:cubicBezTo>
+                  <a:pt x="6061401" y="3558"/>
+                  <a:pt x="5947033" y="12075"/>
+                  <a:pt x="5833986" y="18288"/>
+                </a:cubicBezTo>
+                <a:cubicBezTo>
+                  <a:pt x="5720939" y="24501"/>
+                  <a:pt x="5482226" y="8586"/>
+                  <a:pt x="5155616" y="18288"/>
+                </a:cubicBezTo>
+                <a:cubicBezTo>
+                  <a:pt x="4829006" y="27991"/>
+                  <a:pt x="4841274" y="29316"/>
+                  <a:pt x="4694324" y="18288"/>
+                </a:cubicBezTo>
+                <a:cubicBezTo>
+                  <a:pt x="4547374" y="7260"/>
+                  <a:pt x="4077675" y="7013"/>
+                  <a:pt x="3907414" y="18288"/>
+                </a:cubicBezTo>
+                <a:cubicBezTo>
+                  <a:pt x="3737153" y="29564"/>
+                  <a:pt x="3538393" y="21630"/>
+                  <a:pt x="3446122" y="18288"/>
+                </a:cubicBezTo>
+                <a:cubicBezTo>
+                  <a:pt x="3353851" y="14946"/>
+                  <a:pt x="2990320" y="-8091"/>
+                  <a:pt x="2659212" y="18288"/>
+                </a:cubicBezTo>
+                <a:cubicBezTo>
+                  <a:pt x="2328104" y="44667"/>
+                  <a:pt x="2427653" y="9607"/>
+                  <a:pt x="2306460" y="18288"/>
+                </a:cubicBezTo>
+                <a:cubicBezTo>
+                  <a:pt x="2185267" y="26969"/>
+                  <a:pt x="1719763" y="3717"/>
+                  <a:pt x="1519550" y="18288"/>
+                </a:cubicBezTo>
+                <a:cubicBezTo>
+                  <a:pt x="1319337" y="32860"/>
+                  <a:pt x="1167371" y="17040"/>
+                  <a:pt x="1058258" y="18288"/>
+                </a:cubicBezTo>
+                <a:cubicBezTo>
+                  <a:pt x="949145" y="19536"/>
+                  <a:pt x="780234" y="31447"/>
+                  <a:pt x="705505" y="18288"/>
+                </a:cubicBezTo>
+                <a:cubicBezTo>
+                  <a:pt x="630776" y="5129"/>
+                  <a:pt x="215796" y="30056"/>
+                  <a:pt x="0" y="18288"/>
+                </a:cubicBezTo>
+                <a:cubicBezTo>
+                  <a:pt x="-53" y="11301"/>
+                  <a:pt x="-649" y="7756"/>
+                  <a:pt x="0" y="0"/>
+                </a:cubicBezTo>
+                <a:close/>
+              </a:path>
+            </a:pathLst>
+          </a:custGeom>
+          <a:solidFill>
+            <a:schemeClr val="accent2"/>
+          </a:solidFill>
+          <a:ln w="41275" cap="rnd">
+            <a:solidFill>
+              <a:schemeClr val="accent2"/>
+            </a:solidFill>
+            <a:round/>
+            <a:extLst>
+              <a:ext uri="{C807C97D-BFC1-408E-A445-0C87EB9F89A2}">
+                <ask:lineSketchStyleProps xmlns:ask="http://schemas.microsoft.com/office/drawing/2018/sketchyshapes" sd="1219033472">
+                  <a:prstGeom prst="rect">
+                    <a:avLst/>
+                  </a:prstGeom>
+                  <ask:type>
+                    <ask:lineSketchFreehand/>
+                  </ask:type>
+                </ask:lineSketchStyleProps>
+              </a:ext>
+            </a:extLst>
+          </a:ln>
+        </p:spPr>
+        <p:style>
+          <a:lnRef idx="2">
+            <a:schemeClr val="accent1">
+              <a:shade val="50000"/>
+            </a:schemeClr>
+          </a:lnRef>
+          <a:fillRef idx="1">
+            <a:schemeClr val="accent1"/>
+          </a:fillRef>
+          <a:effectRef idx="0">
+            <a:schemeClr val="accent1"/>
+          </a:effectRef>
+          <a:fontRef idx="minor">
+            <a:schemeClr val="lt1"/>
+          </a:fontRef>
+        </p:style>
+        <p:txBody>
+          <a:bodyPr rtlCol="0" anchor="ctr"/>
+          <a:lstStyle/>
+          <a:p>
+            <a:pPr algn="ctr"/>
+            <a:endParaRPr lang="en-US" dirty="0"/>
           </a:p>
         </p:txBody>
       </p:sp>
@@ -22738,26 +23216,26 @@
           <a:lstStyle/>
           <a:p>
             <a:r>
-              <a:rPr lang="it-IT" sz="2200"/>
+              <a:rPr lang="it-IT" sz="2200" dirty="0"/>
               <a:t>Cosa avete usato per fare testing</a:t>
             </a:r>
           </a:p>
           <a:p>
             <a:pPr lvl="1"/>
             <a:r>
-              <a:rPr lang="it-IT" sz="2200"/>
+              <a:rPr lang="it-IT" sz="2200" dirty="0"/>
               <a:t>Manuale o automatico?</a:t>
             </a:r>
           </a:p>
           <a:p>
             <a:r>
-              <a:rPr lang="it-IT" sz="2200"/>
+              <a:rPr lang="it-IT" sz="2200" dirty="0"/>
               <a:t>Quali risultati avete ottenuto con l’attività di testing</a:t>
             </a:r>
           </a:p>
           <a:p>
             <a:pPr lvl="1"/>
-            <a:endParaRPr lang="en-US" sz="2200"/>
+            <a:endParaRPr lang="en-US" sz="2200" dirty="0"/>
           </a:p>
         </p:txBody>
       </p:sp>
@@ -22801,7 +23279,7 @@
                   <a:spcPts val="600"/>
                 </a:spcAft>
               </a:pPr>
-              <a:t>17</a:t>
+              <a:t>18</a:t>
             </a:fld>
             <a:endParaRPr lang="it-IT" sz="1800" b="1" dirty="0"/>
           </a:p>
@@ -22901,7 +23379,7 @@
           <a:lstStyle/>
           <a:p>
             <a:pPr algn="ctr"/>
-            <a:endParaRPr lang="en-US"/>
+            <a:endParaRPr lang="en-US" dirty="0"/>
           </a:p>
         </p:txBody>
       </p:sp>
@@ -23599,7 +24077,7 @@
           <a:lstStyle/>
           <a:p>
             <a:pPr algn="ctr"/>
-            <a:endParaRPr lang="en-US"/>
+            <a:endParaRPr lang="en-US" dirty="0"/>
           </a:p>
         </p:txBody>
       </p:sp>
@@ -23622,12 +24100,12 @@
         <p:spPr>
           <a:xfrm>
             <a:off x="572493" y="2071315"/>
-            <a:ext cx="6713552" cy="4404129"/>
+            <a:ext cx="6713552" cy="4721371"/>
           </a:xfrm>
         </p:spPr>
         <p:txBody>
           <a:bodyPr vert="horz" lIns="91440" tIns="45720" rIns="91440" bIns="45720" rtlCol="0" anchor="t">
-            <a:normAutofit lnSpcReduction="10000"/>
+            <a:noAutofit/>
           </a:bodyPr>
           <a:lstStyle/>
           <a:p>
@@ -23635,173 +24113,8 @@
               <a:buNone/>
             </a:pPr>
             <a:r>
-              <a:rPr lang="en-US" sz="2000" dirty="0" err="1"/>
-              <a:t>L’obbiettivo</a:t>
-            </a:r>
-            <a:r>
-              <a:rPr lang="en-US" sz="2000" dirty="0"/>
-              <a:t> </a:t>
-            </a:r>
-            <a:r>
-              <a:rPr lang="en-US" sz="2000" dirty="0" err="1"/>
-              <a:t>principale</a:t>
-            </a:r>
-            <a:r>
-              <a:rPr lang="en-US" sz="2000" dirty="0"/>
-              <a:t> del Progetto è </a:t>
-            </a:r>
-            <a:r>
-              <a:rPr lang="en-US" sz="2000" dirty="0" err="1"/>
-              <a:t>creare</a:t>
-            </a:r>
-            <a:r>
-              <a:rPr lang="en-US" sz="2000" dirty="0"/>
-              <a:t> un software per la </a:t>
-            </a:r>
-            <a:r>
-              <a:rPr lang="en-US" sz="2000" dirty="0" err="1"/>
-              <a:t>gestione</a:t>
-            </a:r>
-            <a:r>
-              <a:rPr lang="en-US" sz="2000" dirty="0"/>
-              <a:t> di un </a:t>
-            </a:r>
-            <a:r>
-              <a:rPr lang="en-US" sz="2000" dirty="0" err="1"/>
-              <a:t>ospedale</a:t>
-            </a:r>
-            <a:r>
-              <a:rPr lang="en-US" sz="2000" dirty="0"/>
-              <a:t>, in </a:t>
-            </a:r>
-            <a:r>
-              <a:rPr lang="en-US" sz="2000" dirty="0" err="1"/>
-              <a:t>particolare</a:t>
-            </a:r>
-            <a:r>
-              <a:rPr lang="en-US" sz="2000" dirty="0"/>
-              <a:t> </a:t>
-            </a:r>
-            <a:r>
-              <a:rPr lang="en-US" sz="2000" dirty="0" err="1"/>
-              <a:t>tenere</a:t>
-            </a:r>
-            <a:r>
-              <a:rPr lang="en-US" sz="2000" dirty="0"/>
-              <a:t> </a:t>
-            </a:r>
-            <a:r>
-              <a:rPr lang="en-US" sz="2000" dirty="0" err="1"/>
-              <a:t>traccia</a:t>
-            </a:r>
-            <a:r>
-              <a:rPr lang="en-US" sz="2000" dirty="0"/>
-              <a:t> del </a:t>
-            </a:r>
-            <a:r>
-              <a:rPr lang="en-US" sz="2000" dirty="0" err="1"/>
-              <a:t>paziente</a:t>
-            </a:r>
-            <a:r>
-              <a:rPr lang="en-US" sz="2000" dirty="0"/>
-              <a:t> e </a:t>
-            </a:r>
-            <a:r>
-              <a:rPr lang="en-US" sz="2000" dirty="0" err="1"/>
-              <a:t>dei</a:t>
-            </a:r>
-            <a:r>
-              <a:rPr lang="en-US" sz="2000" dirty="0"/>
-              <a:t> </a:t>
-            </a:r>
-            <a:r>
-              <a:rPr lang="en-US" sz="2000" dirty="0" err="1"/>
-              <a:t>suoi</a:t>
-            </a:r>
-            <a:r>
-              <a:rPr lang="en-US" sz="2000" dirty="0"/>
-              <a:t> “</a:t>
-            </a:r>
-            <a:r>
-              <a:rPr lang="en-US" sz="2000" dirty="0" err="1"/>
-              <a:t>movimenti</a:t>
-            </a:r>
-            <a:r>
-              <a:rPr lang="en-US" sz="2000" dirty="0"/>
-              <a:t>” rispetto al Sistema </a:t>
-            </a:r>
-            <a:r>
-              <a:rPr lang="en-US" sz="2000" dirty="0" err="1"/>
-              <a:t>generale</a:t>
-            </a:r>
-            <a:r>
-              <a:rPr lang="en-US" sz="2000" dirty="0"/>
-              <a:t>.</a:t>
-            </a:r>
-          </a:p>
-          <a:p>
-            <a:pPr marL="0" indent="0">
-              <a:buNone/>
-            </a:pPr>
-            <a:r>
-              <a:rPr lang="en-US" sz="2000" dirty="0"/>
-              <a:t> Per la </a:t>
-            </a:r>
-            <a:r>
-              <a:rPr lang="en-US" sz="2000" dirty="0" err="1"/>
-              <a:t>creazione</a:t>
-            </a:r>
-            <a:r>
-              <a:rPr lang="en-US" sz="2000" dirty="0"/>
-              <a:t> del </a:t>
-            </a:r>
-            <a:r>
-              <a:rPr lang="en-US" sz="2000" dirty="0" err="1"/>
-              <a:t>sistema</a:t>
-            </a:r>
-            <a:r>
-              <a:rPr lang="en-US" sz="2000" dirty="0"/>
-              <a:t>, è </a:t>
-            </a:r>
-            <a:r>
-              <a:rPr lang="en-US" sz="2000" dirty="0" err="1"/>
-              <a:t>necessario</a:t>
-            </a:r>
-            <a:r>
-              <a:rPr lang="en-US" sz="2000" dirty="0"/>
-              <a:t> </a:t>
-            </a:r>
-            <a:r>
-              <a:rPr lang="en-US" sz="2000" dirty="0" err="1"/>
-              <a:t>tenere</a:t>
-            </a:r>
-            <a:r>
-              <a:rPr lang="en-US" sz="2000" dirty="0"/>
-              <a:t> </a:t>
-            </a:r>
-            <a:r>
-              <a:rPr lang="en-US" sz="2000" dirty="0" err="1"/>
-              <a:t>conto</a:t>
-            </a:r>
-            <a:r>
-              <a:rPr lang="en-US" sz="2000" dirty="0"/>
-              <a:t> di </a:t>
-            </a:r>
-            <a:r>
-              <a:rPr lang="en-US" sz="2000" dirty="0" err="1"/>
-              <a:t>diversi</a:t>
-            </a:r>
-            <a:r>
-              <a:rPr lang="en-US" sz="2000" dirty="0"/>
-              <a:t> </a:t>
-            </a:r>
-            <a:r>
-              <a:rPr lang="en-US" sz="2000" dirty="0" err="1"/>
-              <a:t>fattori</a:t>
-            </a:r>
-            <a:r>
-              <a:rPr lang="en-US" sz="2000" dirty="0"/>
-              <a:t>:</a:t>
+              <a:rPr lang="en-US" sz="2200" dirty="0"/>
+              <a:t>L’obbiettivo principale del Progetto è creare un software per la gestione di un ospedale, in particolare tenere traccia del paziente e dei suoi “movimenti” rispetto al Sistema generale. Per la creazione del sistema, è necessario tenere conto di diversi fattori:</a:t>
             </a:r>
           </a:p>
           <a:p>
@@ -23810,7 +24123,7 @@
               <a:buChar char="§"/>
             </a:pPr>
             <a:r>
-              <a:rPr lang="en-US" sz="2000" i="1" dirty="0" err="1">
+              <a:rPr lang="en-US" sz="2200" i="1" dirty="0">
                 <a:effectLst>
                   <a:outerShdw blurRad="38100" dist="38100" dir="2700000" algn="tl">
                     <a:srgbClr val="000000">
@@ -23819,10 +24132,24 @@
                   </a:outerShdw>
                 </a:effectLst>
               </a:rPr>
-              <a:t>Cartella</a:t>
+              <a:t>Cartella del Paziente</a:t>
             </a:r>
             <a:r>
-              <a:rPr lang="en-US" sz="2000" i="1" dirty="0">
+              <a:rPr lang="en-US" sz="2200" i="1" dirty="0"/>
+              <a:t>, </a:t>
+            </a:r>
+            <a:r>
+              <a:rPr lang="en-US" sz="2200" dirty="0"/>
+              <a:t>contenente l’anagrafica, la diagnosi, il tipo di terapia che deve seguire e gli esami da effettuare prima di sottoporsi all’intervento.</a:t>
+            </a:r>
+          </a:p>
+          <a:p>
+            <a:pPr>
+              <a:buFont typeface="Wingdings" panose="05000000000000000000" pitchFamily="2" charset="2"/>
+              <a:buChar char="§"/>
+            </a:pPr>
+            <a:r>
+              <a:rPr lang="en-US" sz="2200" i="1" dirty="0">
                 <a:effectLst>
                   <a:outerShdw blurRad="38100" dist="38100" dir="2700000" algn="tl">
                     <a:srgbClr val="000000">
@@ -23831,10 +24158,24 @@
                   </a:outerShdw>
                 </a:effectLst>
               </a:rPr>
-              <a:t> del </a:t>
+              <a:t>Liste Operatorie</a:t>
             </a:r>
             <a:r>
-              <a:rPr lang="en-US" sz="2000" i="1" dirty="0" err="1">
+              <a:rPr lang="en-US" sz="2200" i="1" dirty="0"/>
+              <a:t>, </a:t>
+            </a:r>
+            <a:r>
+              <a:rPr lang="en-US" sz="2200" dirty="0"/>
+              <a:t>contententi i nomi e le informazioni dei pazienti che devono sottoporsi ad un determinato intervento.</a:t>
+            </a:r>
+          </a:p>
+          <a:p>
+            <a:pPr>
+              <a:buFont typeface="Wingdings" panose="05000000000000000000" pitchFamily="2" charset="2"/>
+              <a:buChar char="§"/>
+            </a:pPr>
+            <a:r>
+              <a:rPr lang="en-US" sz="2200" i="1" dirty="0">
                 <a:effectLst>
                   <a:outerShdw blurRad="38100" dist="38100" dir="2700000" algn="tl">
                     <a:srgbClr val="000000">
@@ -23843,371 +24184,11 @@
                   </a:outerShdw>
                 </a:effectLst>
               </a:rPr>
-              <a:t>paziente</a:t>
+              <a:t>Verbale dell’Intervento</a:t>
             </a:r>
             <a:r>
-              <a:rPr lang="en-US" sz="2000" i="1" dirty="0"/>
-              <a:t>, </a:t>
-            </a:r>
-            <a:r>
-              <a:rPr lang="en-US" sz="2000" dirty="0" err="1"/>
-              <a:t>contenente</a:t>
-            </a:r>
-            <a:r>
-              <a:rPr lang="en-US" sz="2000" dirty="0"/>
-              <a:t> </a:t>
-            </a:r>
-            <a:r>
-              <a:rPr lang="en-US" sz="2000" dirty="0" err="1"/>
-              <a:t>l’anagrafica</a:t>
-            </a:r>
-            <a:r>
-              <a:rPr lang="en-US" sz="2000" dirty="0"/>
-              <a:t>, la </a:t>
-            </a:r>
-            <a:r>
-              <a:rPr lang="en-US" sz="2000" dirty="0" err="1"/>
-              <a:t>diagnosi</a:t>
-            </a:r>
-            <a:r>
-              <a:rPr lang="en-US" sz="2000" dirty="0"/>
-              <a:t>, il </a:t>
-            </a:r>
-            <a:r>
-              <a:rPr lang="en-US" sz="2000" dirty="0" err="1"/>
-              <a:t>tipo</a:t>
-            </a:r>
-            <a:r>
-              <a:rPr lang="en-US" sz="2000" dirty="0"/>
-              <a:t> di </a:t>
-            </a:r>
-            <a:r>
-              <a:rPr lang="en-US" sz="2000" dirty="0" err="1"/>
-              <a:t>terapia</a:t>
-            </a:r>
-            <a:r>
-              <a:rPr lang="en-US" sz="2000" dirty="0"/>
-              <a:t> </a:t>
-            </a:r>
-            <a:r>
-              <a:rPr lang="en-US" sz="2000" dirty="0" err="1"/>
-              <a:t>che</a:t>
-            </a:r>
-            <a:r>
-              <a:rPr lang="en-US" sz="2000" dirty="0"/>
-              <a:t> </a:t>
-            </a:r>
-            <a:r>
-              <a:rPr lang="en-US" sz="2000" dirty="0" err="1"/>
-              <a:t>deve</a:t>
-            </a:r>
-            <a:r>
-              <a:rPr lang="en-US" sz="2000" dirty="0"/>
-              <a:t> </a:t>
-            </a:r>
-            <a:r>
-              <a:rPr lang="en-US" sz="2000" dirty="0" err="1"/>
-              <a:t>seguire</a:t>
-            </a:r>
-            <a:r>
-              <a:rPr lang="en-US" sz="2000" dirty="0"/>
-              <a:t> e </a:t>
-            </a:r>
-            <a:r>
-              <a:rPr lang="en-US" sz="2000" dirty="0" err="1"/>
-              <a:t>gli</a:t>
-            </a:r>
-            <a:r>
-              <a:rPr lang="en-US" sz="2000" dirty="0"/>
-              <a:t> </a:t>
-            </a:r>
-            <a:r>
-              <a:rPr lang="en-US" sz="2000" dirty="0" err="1"/>
-              <a:t>esami</a:t>
-            </a:r>
-            <a:r>
-              <a:rPr lang="en-US" sz="2000" dirty="0"/>
-              <a:t> da </a:t>
-            </a:r>
-            <a:r>
-              <a:rPr lang="en-US" sz="2000" dirty="0" err="1"/>
-              <a:t>effettuare</a:t>
-            </a:r>
-            <a:r>
-              <a:rPr lang="en-US" sz="2000" dirty="0"/>
-              <a:t> prima di </a:t>
-            </a:r>
-            <a:r>
-              <a:rPr lang="en-US" sz="2000" dirty="0" err="1"/>
-              <a:t>sottoporsi</a:t>
-            </a:r>
-            <a:r>
-              <a:rPr lang="en-US" sz="2000" dirty="0"/>
-              <a:t> </a:t>
-            </a:r>
-            <a:r>
-              <a:rPr lang="en-US" sz="2000" dirty="0" err="1"/>
-              <a:t>all’intervento</a:t>
-            </a:r>
-            <a:r>
-              <a:rPr lang="en-US" sz="2000" dirty="0"/>
-              <a:t>.</a:t>
-            </a:r>
-          </a:p>
-          <a:p>
-            <a:pPr>
-              <a:buFont typeface="Wingdings" panose="05000000000000000000" pitchFamily="2" charset="2"/>
-              <a:buChar char="§"/>
-            </a:pPr>
-            <a:r>
-              <a:rPr lang="en-US" sz="2000" i="1" dirty="0" err="1">
-                <a:effectLst>
-                  <a:outerShdw blurRad="38100" dist="38100" dir="2700000" algn="tl">
-                    <a:srgbClr val="000000">
-                      <a:alpha val="43137"/>
-                    </a:srgbClr>
-                  </a:outerShdw>
-                </a:effectLst>
-              </a:rPr>
-              <a:t>Liste</a:t>
-            </a:r>
-            <a:r>
-              <a:rPr lang="en-US" sz="2000" i="1" dirty="0">
-                <a:effectLst>
-                  <a:outerShdw blurRad="38100" dist="38100" dir="2700000" algn="tl">
-                    <a:srgbClr val="000000">
-                      <a:alpha val="43137"/>
-                    </a:srgbClr>
-                  </a:outerShdw>
-                </a:effectLst>
-              </a:rPr>
-              <a:t> </a:t>
-            </a:r>
-            <a:r>
-              <a:rPr lang="en-US" sz="2000" i="1" dirty="0" err="1">
-                <a:effectLst>
-                  <a:outerShdw blurRad="38100" dist="38100" dir="2700000" algn="tl">
-                    <a:srgbClr val="000000">
-                      <a:alpha val="43137"/>
-                    </a:srgbClr>
-                  </a:outerShdw>
-                </a:effectLst>
-              </a:rPr>
-              <a:t>Operatorie</a:t>
-            </a:r>
-            <a:r>
-              <a:rPr lang="en-US" sz="2000" i="1" dirty="0"/>
-              <a:t>, </a:t>
-            </a:r>
-            <a:r>
-              <a:rPr lang="en-US" sz="2000" dirty="0" err="1"/>
-              <a:t>contententi</a:t>
-            </a:r>
-            <a:r>
-              <a:rPr lang="en-US" sz="2000" dirty="0"/>
-              <a:t> </a:t>
-            </a:r>
-            <a:r>
-              <a:rPr lang="en-US" sz="2000" dirty="0" err="1"/>
-              <a:t>i</a:t>
-            </a:r>
-            <a:r>
-              <a:rPr lang="en-US" sz="2000" dirty="0"/>
-              <a:t> </a:t>
-            </a:r>
-            <a:r>
-              <a:rPr lang="en-US" sz="2000" dirty="0" err="1"/>
-              <a:t>nomi</a:t>
-            </a:r>
-            <a:r>
-              <a:rPr lang="en-US" sz="2000" dirty="0"/>
-              <a:t> e le </a:t>
-            </a:r>
-            <a:r>
-              <a:rPr lang="en-US" sz="2000" dirty="0" err="1"/>
-              <a:t>informazioni</a:t>
-            </a:r>
-            <a:r>
-              <a:rPr lang="en-US" sz="2000" dirty="0"/>
-              <a:t> </a:t>
-            </a:r>
-            <a:r>
-              <a:rPr lang="en-US" sz="2000" dirty="0" err="1"/>
-              <a:t>dei</a:t>
-            </a:r>
-            <a:r>
-              <a:rPr lang="en-US" sz="2000" dirty="0"/>
-              <a:t> </a:t>
-            </a:r>
-            <a:r>
-              <a:rPr lang="en-US" sz="2000" dirty="0" err="1"/>
-              <a:t>pazienti</a:t>
-            </a:r>
-            <a:r>
-              <a:rPr lang="en-US" sz="2000" dirty="0"/>
-              <a:t> </a:t>
-            </a:r>
-            <a:r>
-              <a:rPr lang="en-US" sz="2000" dirty="0" err="1"/>
-              <a:t>che</a:t>
-            </a:r>
-            <a:r>
-              <a:rPr lang="en-US" sz="2000" dirty="0"/>
-              <a:t> </a:t>
-            </a:r>
-            <a:r>
-              <a:rPr lang="en-US" sz="2000" dirty="0" err="1"/>
-              <a:t>devono</a:t>
-            </a:r>
-            <a:r>
-              <a:rPr lang="en-US" sz="2000" dirty="0"/>
-              <a:t> </a:t>
-            </a:r>
-            <a:r>
-              <a:rPr lang="en-US" sz="2000" dirty="0" err="1"/>
-              <a:t>sottoporsi</a:t>
-            </a:r>
-            <a:r>
-              <a:rPr lang="en-US" sz="2000" dirty="0"/>
-              <a:t> ad un </a:t>
-            </a:r>
-            <a:r>
-              <a:rPr lang="en-US" sz="2000" dirty="0" err="1"/>
-              <a:t>determinato</a:t>
-            </a:r>
-            <a:r>
-              <a:rPr lang="en-US" sz="2000" dirty="0"/>
-              <a:t> </a:t>
-            </a:r>
-            <a:r>
-              <a:rPr lang="en-US" sz="2000" dirty="0" err="1"/>
-              <a:t>intervento</a:t>
-            </a:r>
-            <a:r>
-              <a:rPr lang="en-US" sz="2000" dirty="0"/>
-              <a:t>.</a:t>
-            </a:r>
-          </a:p>
-          <a:p>
-            <a:pPr>
-              <a:buFont typeface="Wingdings" panose="05000000000000000000" pitchFamily="2" charset="2"/>
-              <a:buChar char="§"/>
-            </a:pPr>
-            <a:r>
-              <a:rPr lang="en-US" sz="2000" i="1" dirty="0">
-                <a:effectLst>
-                  <a:outerShdw blurRad="38100" dist="38100" dir="2700000" algn="tl">
-                    <a:srgbClr val="000000">
-                      <a:alpha val="43137"/>
-                    </a:srgbClr>
-                  </a:outerShdw>
-                </a:effectLst>
-              </a:rPr>
-              <a:t>Verbale </a:t>
-            </a:r>
-            <a:r>
-              <a:rPr lang="en-US" sz="2000" i="1" dirty="0" err="1">
-                <a:effectLst>
-                  <a:outerShdw blurRad="38100" dist="38100" dir="2700000" algn="tl">
-                    <a:srgbClr val="000000">
-                      <a:alpha val="43137"/>
-                    </a:srgbClr>
-                  </a:outerShdw>
-                </a:effectLst>
-              </a:rPr>
-              <a:t>dell’Intervento</a:t>
-            </a:r>
-            <a:r>
-              <a:rPr lang="en-US" sz="2000" dirty="0"/>
-              <a:t>, dove </a:t>
-            </a:r>
-            <a:r>
-              <a:rPr lang="en-US" sz="2000" dirty="0" err="1"/>
-              <a:t>sono</a:t>
-            </a:r>
-            <a:r>
-              <a:rPr lang="en-US" sz="2000" dirty="0"/>
-              <a:t> </a:t>
-            </a:r>
-            <a:r>
-              <a:rPr lang="en-US" sz="2000" dirty="0" err="1"/>
-              <a:t>riportate</a:t>
-            </a:r>
-            <a:r>
-              <a:rPr lang="en-US" sz="2000" dirty="0"/>
-              <a:t> le </a:t>
-            </a:r>
-            <a:r>
-              <a:rPr lang="en-US" sz="2000" dirty="0" err="1"/>
-              <a:t>modalità</a:t>
-            </a:r>
-            <a:r>
-              <a:rPr lang="en-US" sz="2000" dirty="0"/>
-              <a:t>, </a:t>
-            </a:r>
-            <a:r>
-              <a:rPr lang="en-US" sz="2000" dirty="0" err="1"/>
-              <a:t>i</a:t>
-            </a:r>
-            <a:r>
-              <a:rPr lang="en-US" sz="2000" dirty="0"/>
-              <a:t> tempi e </a:t>
-            </a:r>
-            <a:r>
-              <a:rPr lang="en-US" sz="2000" dirty="0" err="1"/>
-              <a:t>i</a:t>
-            </a:r>
-            <a:r>
-              <a:rPr lang="en-US" sz="2000" dirty="0"/>
-              <a:t> </a:t>
-            </a:r>
-            <a:r>
-              <a:rPr lang="en-US" sz="2000" dirty="0" err="1"/>
-              <a:t>nomi</a:t>
-            </a:r>
-            <a:r>
-              <a:rPr lang="en-US" sz="2000" dirty="0"/>
-              <a:t> </a:t>
-            </a:r>
-            <a:r>
-              <a:rPr lang="en-US" sz="2000" dirty="0" err="1"/>
-              <a:t>dell’equipe</a:t>
-            </a:r>
-            <a:r>
-              <a:rPr lang="en-US" sz="2000" dirty="0"/>
-              <a:t> medica </a:t>
-            </a:r>
-            <a:r>
-              <a:rPr lang="en-US" sz="2000" dirty="0" err="1"/>
-              <a:t>che</a:t>
-            </a:r>
-            <a:r>
-              <a:rPr lang="en-US" sz="2000" dirty="0"/>
-              <a:t>  </a:t>
-            </a:r>
-            <a:r>
-              <a:rPr lang="en-US" sz="2000" dirty="0" err="1"/>
-              <a:t>hanno</a:t>
-            </a:r>
-            <a:r>
-              <a:rPr lang="en-US" sz="2000" dirty="0"/>
-              <a:t> </a:t>
-            </a:r>
-            <a:r>
-              <a:rPr lang="en-US" sz="2000" dirty="0" err="1"/>
-              <a:t>operato</a:t>
-            </a:r>
-            <a:r>
-              <a:rPr lang="en-US" sz="2000" dirty="0"/>
-              <a:t> </a:t>
-            </a:r>
-            <a:r>
-              <a:rPr lang="en-US" sz="2000" dirty="0" err="1"/>
-              <a:t>sull’intervento</a:t>
-            </a:r>
-            <a:r>
-              <a:rPr lang="en-US" sz="2000" dirty="0"/>
-              <a:t>.</a:t>
+              <a:rPr lang="en-US" sz="2200" dirty="0"/>
+              <a:t>, dove sono riportate le modalità, i tempi e i nomi dell’equipe medica che  hanno operato sull’intervento.</a:t>
             </a:r>
           </a:p>
         </p:txBody>
@@ -24239,8 +24220,8 @@
         </p:blipFill>
         <p:spPr bwMode="auto">
           <a:xfrm>
-            <a:off x="7675658" y="2093976"/>
-            <a:ext cx="3941064" cy="4381468"/>
+            <a:off x="7604229" y="1799148"/>
+            <a:ext cx="3941064" cy="4404129"/>
           </a:xfrm>
           <a:prstGeom prst="rect">
             <a:avLst/>
@@ -24275,13 +24256,13 @@
         </p:nvSpPr>
         <p:spPr>
           <a:xfrm>
-            <a:off x="8610600" y="6356350"/>
+            <a:off x="8610600" y="6392442"/>
             <a:ext cx="2743200" cy="365125"/>
           </a:xfrm>
         </p:spPr>
         <p:txBody>
           <a:bodyPr rtlCol="0">
-            <a:normAutofit/>
+            <a:noAutofit/>
           </a:bodyPr>
           <a:lstStyle/>
           <a:p>
@@ -24290,16 +24271,11 @@
                 <a:spcPts val="600"/>
               </a:spcAft>
             </a:pPr>
-            <a:fld id="{B5CEABB6-07DC-46E8-9B57-56EC44A396E5}" type="slidenum">
-              <a:rPr lang="it-IT" b="1" smtClean="0"/>
-              <a:pPr rtl="0">
-                <a:spcAft>
-                  <a:spcPts val="600"/>
-                </a:spcAft>
-              </a:pPr>
+            <a:r>
+              <a:rPr lang="it-IT" sz="1800" b="1"/>
               <a:t>2</a:t>
-            </a:fld>
-            <a:endParaRPr lang="it-IT" b="1"/>
+            </a:r>
+            <a:endParaRPr lang="it-IT" sz="1800" b="1" dirty="0"/>
           </a:p>
         </p:txBody>
       </p:sp>
@@ -24397,7 +24373,7 @@
           <a:lstStyle/>
           <a:p>
             <a:pPr algn="ctr"/>
-            <a:endParaRPr lang="en-US"/>
+            <a:endParaRPr lang="en-US" dirty="0"/>
           </a:p>
         </p:txBody>
       </p:sp>
@@ -24430,18 +24406,9 @@
           <a:lstStyle/>
           <a:p>
             <a:r>
-              <a:rPr lang="en-US" sz="5400" b="1" dirty="0" err="1"/>
-              <a:t>Difficoltà</a:t>
+              <a:rPr lang="en-US" sz="5400" b="1" dirty="0"/>
+              <a:t>Difficoltà Incontrate</a:t>
             </a:r>
-            <a:r>
-              <a:rPr lang="en-US" sz="5400" b="1" dirty="0"/>
-              <a:t> </a:t>
-            </a:r>
-            <a:r>
-              <a:rPr lang="en-US" sz="5400" b="1" dirty="0" err="1"/>
-              <a:t>incontrate</a:t>
-            </a:r>
-            <a:endParaRPr lang="en-US" sz="5400" b="1" dirty="0"/>
           </a:p>
         </p:txBody>
       </p:sp>
@@ -25079,7 +25046,7 @@
           <a:lstStyle/>
           <a:p>
             <a:pPr algn="ctr"/>
-            <a:endParaRPr lang="en-US"/>
+            <a:endParaRPr lang="en-US" dirty="0"/>
           </a:p>
         </p:txBody>
       </p:sp>
@@ -25116,198 +25083,37 @@
             </a:pPr>
             <a:r>
               <a:rPr lang="en-US" sz="2200" dirty="0"/>
-              <a:t>Le </a:t>
+              <a:t>Le principali difficolà, incontrate durante la stesura del Progetto, sono:</a:t>
             </a:r>
-            <a:r>
-              <a:rPr lang="en-US" sz="2200" dirty="0" err="1"/>
-              <a:t>principali</a:t>
-            </a:r>
+          </a:p>
+          <a:p>
+            <a:pPr marL="0" indent="0">
+              <a:buNone/>
+            </a:pPr>
+            <a:endParaRPr lang="en-US" sz="2200" dirty="0"/>
+          </a:p>
+          <a:p>
             <a:r>
               <a:rPr lang="en-US" sz="2200" dirty="0"/>
-              <a:t> </a:t>
+              <a:t>Coordinamento tra i componenti del team, soprattutto a livello temporale. </a:t>
             </a:r>
-            <a:r>
-              <a:rPr lang="en-US" sz="2200" dirty="0" err="1"/>
-              <a:t>difficolà</a:t>
-            </a:r>
+          </a:p>
+          <a:p>
+            <a:endParaRPr lang="en-US" sz="2200" dirty="0"/>
+          </a:p>
+          <a:p>
             <a:r>
               <a:rPr lang="en-US" sz="2200" dirty="0"/>
-              <a:t>, </a:t>
+              <a:t>Difficoltà nell’ottenere un programma software che rispondesse ai vari punti del problema.</a:t>
             </a:r>
-            <a:r>
-              <a:rPr lang="en-US" sz="2200" dirty="0" err="1"/>
-              <a:t>incontrate</a:t>
-            </a:r>
+          </a:p>
+          <a:p>
+            <a:endParaRPr lang="en-US" sz="2200" dirty="0"/>
+          </a:p>
+          <a:p>
             <a:r>
               <a:rPr lang="en-US" sz="2200" dirty="0"/>
-              <a:t> </a:t>
-            </a:r>
-            <a:r>
-              <a:rPr lang="en-US" sz="2200" dirty="0" err="1"/>
-              <a:t>durante</a:t>
-            </a:r>
-            <a:r>
-              <a:rPr lang="en-US" sz="2200" dirty="0"/>
-              <a:t> la </a:t>
-            </a:r>
-            <a:r>
-              <a:rPr lang="en-US" sz="2200" dirty="0" err="1"/>
-              <a:t>stesura</a:t>
-            </a:r>
-            <a:r>
-              <a:rPr lang="en-US" sz="2200" dirty="0"/>
-              <a:t> del Progetto, </a:t>
-            </a:r>
-            <a:r>
-              <a:rPr lang="en-US" sz="2200" dirty="0" err="1"/>
-              <a:t>sono</a:t>
-            </a:r>
-            <a:r>
-              <a:rPr lang="en-US" sz="2200" dirty="0"/>
-              <a:t>:</a:t>
-            </a:r>
-          </a:p>
-          <a:p>
-            <a:endParaRPr lang="en-US" sz="2200" dirty="0"/>
-          </a:p>
-          <a:p>
-            <a:r>
-              <a:rPr lang="en-US" sz="2200" dirty="0" err="1"/>
-              <a:t>Coordinamento</a:t>
-            </a:r>
-            <a:r>
-              <a:rPr lang="en-US" sz="2200" dirty="0"/>
-              <a:t> </a:t>
-            </a:r>
-            <a:r>
-              <a:rPr lang="en-US" sz="2200" dirty="0" err="1"/>
-              <a:t>tra</a:t>
-            </a:r>
-            <a:r>
-              <a:rPr lang="en-US" sz="2200" dirty="0"/>
-              <a:t> </a:t>
-            </a:r>
-            <a:r>
-              <a:rPr lang="en-US" sz="2200" dirty="0" err="1"/>
-              <a:t>i</a:t>
-            </a:r>
-            <a:r>
-              <a:rPr lang="en-US" sz="2200" dirty="0"/>
-              <a:t> component del team, </a:t>
-            </a:r>
-            <a:r>
-              <a:rPr lang="en-US" sz="2200" dirty="0" err="1"/>
-              <a:t>soprattutto</a:t>
-            </a:r>
-            <a:r>
-              <a:rPr lang="en-US" sz="2200" dirty="0"/>
-              <a:t> a </a:t>
-            </a:r>
-            <a:r>
-              <a:rPr lang="en-US" sz="2200" dirty="0" err="1"/>
-              <a:t>livello</a:t>
-            </a:r>
-            <a:r>
-              <a:rPr lang="en-US" sz="2200" dirty="0"/>
-              <a:t> </a:t>
-            </a:r>
-            <a:r>
-              <a:rPr lang="en-US" sz="2200" dirty="0" err="1"/>
-              <a:t>temporale</a:t>
-            </a:r>
-            <a:r>
-              <a:rPr lang="en-US" sz="2200" dirty="0"/>
-              <a:t>. </a:t>
-            </a:r>
-          </a:p>
-          <a:p>
-            <a:endParaRPr lang="en-US" sz="2200" dirty="0"/>
-          </a:p>
-          <a:p>
-            <a:r>
-              <a:rPr lang="en-US" sz="2200" dirty="0" err="1"/>
-              <a:t>Difficoltà</a:t>
-            </a:r>
-            <a:r>
-              <a:rPr lang="en-US" sz="2200" dirty="0"/>
-              <a:t> </a:t>
-            </a:r>
-            <a:r>
-              <a:rPr lang="en-US" sz="2200" dirty="0" err="1"/>
-              <a:t>nell’ottenere</a:t>
-            </a:r>
-            <a:r>
-              <a:rPr lang="en-US" sz="2200" dirty="0"/>
-              <a:t> un </a:t>
-            </a:r>
-            <a:r>
-              <a:rPr lang="en-US" sz="2200" dirty="0" err="1"/>
-              <a:t>programma</a:t>
-            </a:r>
-            <a:r>
-              <a:rPr lang="en-US" sz="2200" dirty="0"/>
-              <a:t> software </a:t>
-            </a:r>
-            <a:r>
-              <a:rPr lang="en-US" sz="2200" dirty="0" err="1"/>
-              <a:t>che</a:t>
-            </a:r>
-            <a:r>
-              <a:rPr lang="en-US" sz="2200" dirty="0"/>
-              <a:t> </a:t>
-            </a:r>
-            <a:r>
-              <a:rPr lang="en-US" sz="2200" dirty="0" err="1"/>
-              <a:t>rispondesse</a:t>
-            </a:r>
-            <a:r>
-              <a:rPr lang="en-US" sz="2200" dirty="0"/>
-              <a:t> ai </a:t>
-            </a:r>
-            <a:r>
-              <a:rPr lang="en-US" sz="2200" dirty="0" err="1"/>
-              <a:t>vari</a:t>
-            </a:r>
-            <a:r>
-              <a:rPr lang="en-US" sz="2200" dirty="0"/>
-              <a:t> </a:t>
-            </a:r>
-            <a:r>
-              <a:rPr lang="en-US" sz="2200" dirty="0" err="1"/>
-              <a:t>punti</a:t>
-            </a:r>
-            <a:r>
-              <a:rPr lang="en-US" sz="2200" dirty="0"/>
-              <a:t> del </a:t>
-            </a:r>
-            <a:r>
-              <a:rPr lang="en-US" sz="2200" dirty="0" err="1"/>
-              <a:t>problema</a:t>
-            </a:r>
-            <a:r>
-              <a:rPr lang="en-US" sz="2200" dirty="0"/>
-              <a:t>.</a:t>
-            </a:r>
-          </a:p>
-          <a:p>
-            <a:endParaRPr lang="en-US" sz="2200" dirty="0"/>
-          </a:p>
-          <a:p>
-            <a:r>
-              <a:rPr lang="en-US" sz="2200" dirty="0" err="1"/>
-              <a:t>Conflitto</a:t>
-            </a:r>
-            <a:r>
-              <a:rPr lang="en-US" sz="2200" dirty="0"/>
-              <a:t> </a:t>
-            </a:r>
-            <a:r>
-              <a:rPr lang="en-US" sz="2200" dirty="0" err="1"/>
-              <a:t>nell’utilizzo</a:t>
-            </a:r>
-            <a:r>
-              <a:rPr lang="en-US" sz="2200" dirty="0"/>
-              <a:t> di GitHub</a:t>
+              <a:t>Conflitto nell’utilizzo di GitHub</a:t>
             </a:r>
           </a:p>
         </p:txBody>
@@ -25354,7 +25160,7 @@
               </a:pPr>
               <a:t>3</a:t>
             </a:fld>
-            <a:endParaRPr lang="en-US" sz="1800"/>
+            <a:endParaRPr lang="en-US" sz="1800" dirty="0"/>
           </a:p>
         </p:txBody>
       </p:sp>
@@ -25452,7 +25258,7 @@
           <a:lstStyle/>
           <a:p>
             <a:pPr algn="ctr"/>
-            <a:endParaRPr lang="en-US"/>
+            <a:endParaRPr lang="en-US" dirty="0"/>
           </a:p>
         </p:txBody>
       </p:sp>
@@ -26139,7 +25945,7 @@
           <a:lstStyle/>
           <a:p>
             <a:pPr algn="ctr"/>
-            <a:endParaRPr lang="en-US"/>
+            <a:endParaRPr lang="en-US" dirty="0"/>
           </a:p>
         </p:txBody>
       </p:sp>
@@ -26217,7 +26023,7 @@
               </a:pPr>
               <a:t>4</a:t>
             </a:fld>
-            <a:endParaRPr lang="en-US" sz="1800"/>
+            <a:endParaRPr lang="en-US" sz="1800" dirty="0"/>
           </a:p>
         </p:txBody>
       </p:sp>
@@ -26310,10 +26116,9 @@
           <a:lstStyle/>
           <a:p>
             <a:r>
-              <a:rPr lang="it-IT" dirty="0" err="1"/>
+              <a:rPr lang="it-IT" dirty="0"/>
               <a:t>StarUML</a:t>
             </a:r>
-            <a:endParaRPr lang="it-IT" dirty="0"/>
           </a:p>
         </p:txBody>
       </p:sp>
@@ -26381,10 +26186,9 @@
           <a:lstStyle/>
           <a:p>
             <a:r>
-              <a:rPr lang="it-IT"/>
+              <a:rPr lang="it-IT" dirty="0"/>
               <a:t>GitHub</a:t>
             </a:r>
-            <a:endParaRPr lang="it-IT" dirty="0"/>
           </a:p>
         </p:txBody>
       </p:sp>
@@ -26482,7 +26286,7 @@
           <a:lstStyle/>
           <a:p>
             <a:pPr algn="ctr"/>
-            <a:endParaRPr lang="en-US"/>
+            <a:endParaRPr lang="en-US" dirty="0"/>
           </a:p>
         </p:txBody>
       </p:sp>
@@ -26517,15 +26321,7 @@
             <a:pPr rtl="0"/>
             <a:r>
               <a:rPr lang="it-IT" sz="5400" b="1" dirty="0"/>
-              <a:t>Software </a:t>
-            </a:r>
-            <a:r>
-              <a:rPr lang="it-IT" sz="5400" b="1" dirty="0" err="1"/>
-              <a:t>Configuration</a:t>
-            </a:r>
-            <a:r>
-              <a:rPr lang="it-IT" sz="5400" b="1" dirty="0"/>
-              <a:t> Management</a:t>
+              <a:t>Software Configuration Management</a:t>
             </a:r>
           </a:p>
         </p:txBody>
@@ -27164,7 +26960,7 @@
           <a:lstStyle/>
           <a:p>
             <a:pPr algn="ctr"/>
-            <a:endParaRPr lang="en-US"/>
+            <a:endParaRPr lang="en-US" dirty="0"/>
           </a:p>
         </p:txBody>
       </p:sp>
@@ -27201,15 +26997,7 @@
             </a:pPr>
             <a:r>
               <a:rPr lang="it-IT" sz="2200" dirty="0"/>
-              <a:t>Per il software </a:t>
-            </a:r>
-            <a:r>
-              <a:rPr lang="it-IT" sz="2200" dirty="0" err="1"/>
-              <a:t>configuration</a:t>
-            </a:r>
-            <a:r>
-              <a:rPr lang="it-IT" sz="2200" dirty="0"/>
-              <a:t> management è stato utilizzato GitHub come programma principale</a:t>
+              <a:t>Per il software configuration management è stato utilizzato GitHub come programma principale</a:t>
             </a:r>
           </a:p>
           <a:p>
@@ -27228,15 +27016,7 @@
             </a:r>
             <a:r>
               <a:rPr lang="it-IT" sz="2200" dirty="0"/>
-              <a:t>creazione di </a:t>
-            </a:r>
-            <a:r>
-              <a:rPr lang="it-IT" sz="2200" dirty="0" err="1"/>
-              <a:t>branch</a:t>
-            </a:r>
-            <a:r>
-              <a:rPr lang="it-IT" sz="2200" dirty="0"/>
-              <a:t> diversi per ottimizzare il lavoro di squadra ed evitare eventuali  incomprensioni</a:t>
+              <a:t>creazione di branch diversi per ottimizzare il lavoro di squadra ed evitare eventuali  incomprensioni</a:t>
             </a:r>
           </a:p>
           <a:p>
@@ -27255,15 +27035,7 @@
             </a:r>
             <a:r>
               <a:rPr lang="it-IT" sz="2200" dirty="0"/>
-              <a:t>Per valutazione del progetto o modifiche importanti sono state attivati </a:t>
-            </a:r>
-            <a:r>
-              <a:rPr lang="it-IT" sz="2200" dirty="0" err="1"/>
-              <a:t>issue</a:t>
-            </a:r>
-            <a:r>
-              <a:rPr lang="it-IT" sz="2200" dirty="0"/>
-              <a:t> corrispondenti</a:t>
+              <a:t>Per valutazione del progetto o modifiche importanti sono state attivati issue corrispondenti. Le varie issue vengono affidate ad uno o a tutti i membri del team e devono essere portate a compimento.</a:t>
             </a:r>
           </a:p>
           <a:p>
@@ -27290,15 +27062,7 @@
             </a:r>
             <a:r>
               <a:rPr lang="it-IT" sz="2200" dirty="0"/>
-              <a:t>le modifiche importanti o azioni di merge, sono state create delle pull </a:t>
-            </a:r>
-            <a:r>
-              <a:rPr lang="it-IT" sz="2200" dirty="0" err="1"/>
-              <a:t>request</a:t>
-            </a:r>
-            <a:r>
-              <a:rPr lang="it-IT" sz="2200" dirty="0"/>
-              <a:t>, le quali venivano approvate da tutti i membri del team</a:t>
+              <a:t>le modifiche importanti o azioni di merge, sono state create delle pull request, le quali venivano approvate da tutti i membri del team</a:t>
             </a:r>
             <a:endParaRPr lang="it-IT" sz="2200" b="1" dirty="0"/>
           </a:p>
@@ -27358,7 +27122,7 @@
               </a:pPr>
               <a:t>5</a:t>
             </a:fld>
-            <a:endParaRPr lang="it-IT" sz="1800" b="1"/>
+            <a:endParaRPr lang="it-IT" sz="1800" b="1" dirty="0"/>
           </a:p>
         </p:txBody>
       </p:sp>
@@ -27456,7 +27220,7 @@
           <a:lstStyle/>
           <a:p>
             <a:pPr algn="ctr"/>
-            <a:endParaRPr lang="en-US"/>
+            <a:endParaRPr lang="en-US" dirty="0"/>
           </a:p>
         </p:txBody>
       </p:sp>
@@ -28145,7 +27909,7 @@
           <a:lstStyle/>
           <a:p>
             <a:pPr algn="ctr"/>
-            <a:endParaRPr lang="en-US"/>
+            <a:endParaRPr lang="en-US" dirty="0"/>
           </a:p>
         </p:txBody>
       </p:sp>
@@ -28211,16 +27975,15 @@
             <p:ph idx="1"/>
           </p:nvPr>
         </p:nvPicPr>
-        <p:blipFill>
+        <p:blipFill rotWithShape="1">
           <a:blip r:embed="rId3"/>
-          <a:stretch>
-            <a:fillRect/>
-          </a:stretch>
+          <a:srcRect b="12934"/>
+          <a:stretch/>
         </p:blipFill>
         <p:spPr>
           <a:xfrm>
             <a:off x="2469882" y="1825625"/>
-            <a:ext cx="7655245" cy="4644000"/>
+            <a:ext cx="7655245" cy="4043330"/>
           </a:xfrm>
           <a:prstGeom prst="rect">
             <a:avLst/>
@@ -28267,7 +28030,7 @@
       </p:grpSpPr>
       <p:sp useBgFill="1">
         <p:nvSpPr>
-          <p:cNvPr id="87" name="Rectangle 86">
+          <p:cNvPr id="113" name="Rectangle 112">
             <a:extLst>
               <a:ext uri="{FF2B5EF4-FFF2-40B4-BE49-F238E27FC236}">
                 <a16:creationId xmlns:a16="http://schemas.microsoft.com/office/drawing/2014/main" id="{100EDD19-6802-4EC3-95CE-CFFAB042CFD6}"/>
@@ -28321,7 +28084,7 @@
           <a:lstStyle/>
           <a:p>
             <a:pPr algn="ctr"/>
-            <a:endParaRPr lang="en-US"/>
+            <a:endParaRPr lang="en-US" dirty="0"/>
           </a:p>
         </p:txBody>
       </p:sp>
@@ -28348,22 +28111,25 @@
           </a:xfrm>
         </p:spPr>
         <p:txBody>
-          <a:bodyPr rtlCol="0">
+          <a:bodyPr vert="horz" lIns="91440" tIns="45720" rIns="91440" bIns="45720" rtlCol="0">
             <a:normAutofit/>
           </a:bodyPr>
           <a:lstStyle/>
           <a:p>
-            <a:pPr rtl="0"/>
             <a:r>
-              <a:rPr lang="it-IT" sz="5400" b="1" dirty="0"/>
-              <a:t>Requisiti</a:t>
+              <a:rPr lang="en-US" sz="5400" b="1" kern="1200" dirty="0">
+                <a:latin typeface="+mj-lt"/>
+                <a:ea typeface="+mj-ea"/>
+                <a:cs typeface="+mj-cs"/>
+              </a:rPr>
+              <a:t>Qualità del Software</a:t>
             </a:r>
           </a:p>
         </p:txBody>
       </p:sp>
       <p:sp>
         <p:nvSpPr>
-          <p:cNvPr id="89" name="sketch line">
+          <p:cNvPr id="115" name="sketch line">
             <a:extLst>
               <a:ext uri="{FF2B5EF4-FFF2-40B4-BE49-F238E27FC236}">
                 <a16:creationId xmlns:a16="http://schemas.microsoft.com/office/drawing/2014/main" id="{DB17E863-922E-4C26-BD64-E8FD41D28661}"/>
@@ -28995,459 +28761,7 @@
           <a:lstStyle/>
           <a:p>
             <a:pPr algn="ctr"/>
-            <a:endParaRPr lang="en-US"/>
-          </a:p>
-        </p:txBody>
-      </p:sp>
-      <p:sp>
-        <p:nvSpPr>
-          <p:cNvPr id="5" name="Content Placeholder 4">
-            <a:extLst>
-              <a:ext uri="{FF2B5EF4-FFF2-40B4-BE49-F238E27FC236}">
-                <a16:creationId xmlns:a16="http://schemas.microsoft.com/office/drawing/2014/main" id="{BE1F23F2-64C7-BE07-E80F-A34081568AA8}"/>
-              </a:ext>
-            </a:extLst>
-          </p:cNvPr>
-          <p:cNvSpPr>
-            <a:spLocks noGrp="1"/>
-          </p:cNvSpPr>
-          <p:nvPr>
-            <p:ph idx="1"/>
-          </p:nvPr>
-        </p:nvSpPr>
-        <p:spPr>
-          <a:xfrm>
-            <a:off x="499872" y="1929384"/>
-            <a:ext cx="10853928" cy="4648698"/>
-          </a:xfrm>
-        </p:spPr>
-        <p:txBody>
-          <a:bodyPr vert="horz" lIns="91440" tIns="45720" rIns="91440" bIns="45720" rtlCol="0">
-            <a:normAutofit fontScale="92500" lnSpcReduction="10000"/>
-          </a:bodyPr>
-          <a:lstStyle/>
-          <a:p>
-            <a:pPr marL="0" indent="0">
-              <a:buNone/>
-            </a:pPr>
-            <a:r>
-              <a:rPr lang="en-US" sz="2200" dirty="0">
-                <a:cs typeface="Calibri"/>
-              </a:rPr>
-              <a:t>Le </a:t>
-            </a:r>
-            <a:r>
-              <a:rPr lang="en-US" sz="2200" dirty="0" err="1">
-                <a:cs typeface="Calibri"/>
-              </a:rPr>
-              <a:t>informazioni</a:t>
-            </a:r>
-            <a:r>
-              <a:rPr lang="en-US" sz="2200" dirty="0">
-                <a:cs typeface="Calibri"/>
-              </a:rPr>
-              <a:t> </a:t>
-            </a:r>
-            <a:r>
-              <a:rPr lang="en-US" sz="2200" dirty="0" err="1">
-                <a:cs typeface="Calibri"/>
-              </a:rPr>
-              <a:t>generali</a:t>
-            </a:r>
-            <a:r>
-              <a:rPr lang="en-US" sz="2200" dirty="0">
-                <a:cs typeface="Calibri"/>
-              </a:rPr>
-              <a:t> per </a:t>
-            </a:r>
-            <a:r>
-              <a:rPr lang="en-US" sz="2200" dirty="0" err="1">
-                <a:cs typeface="Calibri"/>
-              </a:rPr>
-              <a:t>lavorare</a:t>
-            </a:r>
-            <a:r>
-              <a:rPr lang="en-US" sz="2200" dirty="0">
-                <a:cs typeface="Calibri"/>
-              </a:rPr>
-              <a:t> al Sistema le </a:t>
-            </a:r>
-            <a:r>
-              <a:rPr lang="en-US" sz="2200" dirty="0" err="1">
-                <a:cs typeface="Calibri"/>
-              </a:rPr>
-              <a:t>abbiamo</a:t>
-            </a:r>
-            <a:r>
-              <a:rPr lang="en-US" sz="2200" dirty="0">
-                <a:cs typeface="Calibri"/>
-              </a:rPr>
-              <a:t> prese da </a:t>
-            </a:r>
-            <a:r>
-              <a:rPr lang="en-US" sz="2200" dirty="0" err="1">
-                <a:cs typeface="Calibri"/>
-              </a:rPr>
-              <a:t>un’intervista</a:t>
-            </a:r>
-            <a:r>
-              <a:rPr lang="en-US" sz="2200" dirty="0">
-                <a:cs typeface="Calibri"/>
-              </a:rPr>
-              <a:t> </a:t>
-            </a:r>
-            <a:r>
-              <a:rPr lang="en-US" sz="2200" dirty="0" err="1">
-                <a:cs typeface="Calibri"/>
-              </a:rPr>
-              <a:t>effettuata</a:t>
-            </a:r>
-            <a:r>
-              <a:rPr lang="en-US" sz="2200" dirty="0">
-                <a:cs typeface="Calibri"/>
-              </a:rPr>
-              <a:t> dal </a:t>
-            </a:r>
-            <a:r>
-              <a:rPr lang="en-US" sz="2200" dirty="0" err="1">
-                <a:cs typeface="Calibri"/>
-              </a:rPr>
-              <a:t>responsabile</a:t>
-            </a:r>
-            <a:r>
-              <a:rPr lang="en-US" sz="2200" dirty="0">
-                <a:cs typeface="Calibri"/>
-              </a:rPr>
-              <a:t> </a:t>
-            </a:r>
-            <a:r>
-              <a:rPr lang="en-US" sz="2200" dirty="0" err="1">
-                <a:cs typeface="Calibri"/>
-              </a:rPr>
-              <a:t>Cattaneo</a:t>
-            </a:r>
-            <a:r>
-              <a:rPr lang="en-US" sz="2200" dirty="0">
-                <a:cs typeface="Calibri"/>
-              </a:rPr>
-              <a:t> verso </a:t>
-            </a:r>
-            <a:r>
-              <a:rPr lang="en-US" sz="2200" dirty="0" err="1">
-                <a:cs typeface="Calibri"/>
-              </a:rPr>
-              <a:t>un’infermiera</a:t>
-            </a:r>
-            <a:r>
-              <a:rPr lang="en-US" sz="2200" dirty="0">
-                <a:cs typeface="Calibri"/>
-              </a:rPr>
-              <a:t> </a:t>
-            </a:r>
-            <a:r>
-              <a:rPr lang="en-US" sz="2200" dirty="0" err="1">
-                <a:cs typeface="Calibri"/>
-              </a:rPr>
-              <a:t>dell’Ospedale</a:t>
-            </a:r>
-            <a:r>
-              <a:rPr lang="en-US" sz="2200" dirty="0">
-                <a:cs typeface="Calibri"/>
-              </a:rPr>
-              <a:t> Papa Giovanni XXIII di Bergamo (BG).</a:t>
-            </a:r>
-          </a:p>
-          <a:p>
-            <a:pPr marL="0" indent="0">
-              <a:buNone/>
-            </a:pPr>
-            <a:r>
-              <a:rPr lang="en-US" sz="2200" dirty="0">
-                <a:cs typeface="Calibri"/>
-              </a:rPr>
-              <a:t>Per la </a:t>
-            </a:r>
-            <a:r>
-              <a:rPr lang="en-US" sz="2200" dirty="0" err="1">
-                <a:cs typeface="Calibri"/>
-              </a:rPr>
-              <a:t>specifica</a:t>
-            </a:r>
-            <a:r>
-              <a:rPr lang="en-US" sz="2200" dirty="0">
-                <a:cs typeface="Calibri"/>
-              </a:rPr>
-              <a:t> </a:t>
-            </a:r>
-            <a:r>
-              <a:rPr lang="en-US" sz="2200" dirty="0" err="1">
-                <a:cs typeface="Calibri"/>
-              </a:rPr>
-              <a:t>dei</a:t>
-            </a:r>
-            <a:r>
-              <a:rPr lang="en-US" sz="2200" dirty="0">
-                <a:cs typeface="Calibri"/>
-              </a:rPr>
-              <a:t> </a:t>
-            </a:r>
-            <a:r>
-              <a:rPr lang="en-US" sz="2200" dirty="0" err="1">
-                <a:cs typeface="Calibri"/>
-              </a:rPr>
-              <a:t>requisiti</a:t>
-            </a:r>
-            <a:r>
-              <a:rPr lang="en-US" sz="2200" dirty="0">
-                <a:cs typeface="Calibri"/>
-              </a:rPr>
-              <a:t> ci </a:t>
-            </a:r>
-            <a:r>
-              <a:rPr lang="en-US" sz="2200" dirty="0" err="1">
-                <a:cs typeface="Calibri"/>
-              </a:rPr>
-              <a:t>siamo</a:t>
-            </a:r>
-            <a:r>
-              <a:rPr lang="en-US" sz="2200" dirty="0">
-                <a:cs typeface="Calibri"/>
-              </a:rPr>
-              <a:t> </a:t>
-            </a:r>
-            <a:r>
-              <a:rPr lang="en-US" sz="2200" dirty="0" err="1">
-                <a:cs typeface="Calibri"/>
-              </a:rPr>
-              <a:t>basati</a:t>
-            </a:r>
-            <a:r>
-              <a:rPr lang="en-US" sz="2200" dirty="0">
-                <a:cs typeface="Calibri"/>
-              </a:rPr>
-              <a:t> </a:t>
-            </a:r>
-            <a:r>
-              <a:rPr lang="en-US" sz="2200" dirty="0" err="1">
-                <a:cs typeface="Calibri"/>
-              </a:rPr>
-              <a:t>sul</a:t>
-            </a:r>
-            <a:r>
-              <a:rPr lang="en-US" sz="2200" dirty="0">
-                <a:cs typeface="Calibri"/>
-              </a:rPr>
-              <a:t> </a:t>
-            </a:r>
-            <a:r>
-              <a:rPr lang="en-US" sz="2200" dirty="0" err="1">
-                <a:cs typeface="Calibri"/>
-              </a:rPr>
-              <a:t>modello</a:t>
-            </a:r>
-            <a:r>
-              <a:rPr lang="en-US" sz="2200" dirty="0">
-                <a:cs typeface="Calibri"/>
-              </a:rPr>
-              <a:t> </a:t>
-            </a:r>
-            <a:r>
-              <a:rPr lang="en-US" sz="2200" b="1" dirty="0">
-                <a:cs typeface="Calibri"/>
-              </a:rPr>
-              <a:t>MOSCOW.</a:t>
-            </a:r>
-            <a:endParaRPr lang="en-US" sz="2200" dirty="0">
-              <a:cs typeface="Calibri"/>
-            </a:endParaRPr>
-          </a:p>
-          <a:p>
-            <a:pPr marL="0" indent="0">
-              <a:buNone/>
-            </a:pPr>
-            <a:endParaRPr lang="en-US" sz="2200" dirty="0">
-              <a:cs typeface="Calibri"/>
-            </a:endParaRPr>
-          </a:p>
-          <a:p>
-            <a:pPr marL="0" indent="0">
-              <a:buNone/>
-            </a:pPr>
-            <a:r>
-              <a:rPr lang="en-US" sz="2200" b="1" dirty="0" err="1">
-                <a:cs typeface="Calibri"/>
-              </a:rPr>
-              <a:t>Requisiti</a:t>
-            </a:r>
-            <a:r>
-              <a:rPr lang="en-US" sz="2200" b="1" dirty="0">
-                <a:cs typeface="Calibri"/>
-              </a:rPr>
-              <a:t> </a:t>
-            </a:r>
-            <a:r>
-              <a:rPr lang="en-US" sz="2200" b="1" dirty="0" err="1">
-                <a:cs typeface="Calibri"/>
-              </a:rPr>
-              <a:t>funzionali</a:t>
-            </a:r>
-            <a:r>
-              <a:rPr lang="en-US" sz="2200" b="1" dirty="0">
-                <a:cs typeface="Calibri"/>
-              </a:rPr>
-              <a:t>:</a:t>
-            </a:r>
-          </a:p>
-          <a:p>
-            <a:r>
-              <a:rPr lang="en-US" sz="2200" dirty="0" err="1">
-                <a:cs typeface="Calibri"/>
-              </a:rPr>
-              <a:t>Funzionalità</a:t>
-            </a:r>
-            <a:r>
-              <a:rPr lang="en-US" sz="2200" dirty="0">
-                <a:cs typeface="Calibri"/>
-              </a:rPr>
-              <a:t> del Sistema</a:t>
-            </a:r>
-          </a:p>
-          <a:p>
-            <a:r>
-              <a:rPr lang="en-US" sz="2200" dirty="0" err="1">
-                <a:cs typeface="Calibri"/>
-              </a:rPr>
-              <a:t>Corretta</a:t>
-            </a:r>
-            <a:r>
-              <a:rPr lang="en-US" sz="2200" dirty="0">
-                <a:cs typeface="Calibri"/>
-              </a:rPr>
-              <a:t> </a:t>
-            </a:r>
-            <a:r>
-              <a:rPr lang="en-US" sz="2200" dirty="0" err="1">
-                <a:cs typeface="Calibri"/>
-              </a:rPr>
-              <a:t>correlazione</a:t>
-            </a:r>
-            <a:r>
-              <a:rPr lang="en-US" sz="2200" dirty="0">
-                <a:cs typeface="Calibri"/>
-              </a:rPr>
-              <a:t> </a:t>
-            </a:r>
-            <a:r>
-              <a:rPr lang="en-US" sz="2200" dirty="0" err="1">
-                <a:cs typeface="Calibri"/>
-              </a:rPr>
-              <a:t>tra</a:t>
-            </a:r>
-            <a:r>
-              <a:rPr lang="en-US" sz="2200" dirty="0">
-                <a:cs typeface="Calibri"/>
-              </a:rPr>
-              <a:t> le </a:t>
-            </a:r>
-            <a:r>
-              <a:rPr lang="en-US" sz="2200" dirty="0" err="1">
-                <a:cs typeface="Calibri"/>
-              </a:rPr>
-              <a:t>varie</a:t>
-            </a:r>
-            <a:r>
-              <a:rPr lang="en-US" sz="2200" dirty="0">
-                <a:cs typeface="Calibri"/>
-              </a:rPr>
-              <a:t> </a:t>
-            </a:r>
-            <a:r>
-              <a:rPr lang="en-US" sz="2200" dirty="0" err="1">
-                <a:cs typeface="Calibri"/>
-              </a:rPr>
-              <a:t>classi</a:t>
-            </a:r>
-            <a:r>
-              <a:rPr lang="en-US" sz="2200" dirty="0">
-                <a:cs typeface="Calibri"/>
-              </a:rPr>
-              <a:t> del Sistema</a:t>
-            </a:r>
-          </a:p>
-          <a:p>
-            <a:pPr marL="0" indent="0">
-              <a:buNone/>
-            </a:pPr>
-            <a:endParaRPr lang="en-US" sz="2200" dirty="0">
-              <a:cs typeface="Calibri"/>
-            </a:endParaRPr>
-          </a:p>
-          <a:p>
-            <a:pPr marL="0" indent="0">
-              <a:buNone/>
-            </a:pPr>
-            <a:r>
-              <a:rPr lang="en-US" sz="2200" b="1" dirty="0" err="1">
-                <a:cs typeface="Calibri"/>
-              </a:rPr>
-              <a:t>Requisiti</a:t>
-            </a:r>
-            <a:r>
-              <a:rPr lang="en-US" sz="2200" b="1" dirty="0">
-                <a:cs typeface="Calibri"/>
-              </a:rPr>
-              <a:t> non </a:t>
-            </a:r>
-            <a:r>
-              <a:rPr lang="en-US" sz="2200" b="1" dirty="0" err="1">
-                <a:cs typeface="Calibri"/>
-              </a:rPr>
-              <a:t>funzionali</a:t>
-            </a:r>
-            <a:endParaRPr lang="en-US" sz="2200" b="1" dirty="0">
-              <a:cs typeface="Calibri"/>
-            </a:endParaRPr>
-          </a:p>
-          <a:p>
-            <a:r>
-              <a:rPr lang="en-US" sz="2200" dirty="0" err="1">
-                <a:cs typeface="Calibri"/>
-              </a:rPr>
-              <a:t>Accessibilità</a:t>
-            </a:r>
-            <a:endParaRPr lang="en-US" sz="2200" dirty="0">
-              <a:cs typeface="Calibri"/>
-            </a:endParaRPr>
-          </a:p>
-          <a:p>
-            <a:r>
-              <a:rPr lang="en-US" sz="2200" dirty="0" err="1">
-                <a:cs typeface="Calibri"/>
-              </a:rPr>
-              <a:t>Sicurezza</a:t>
-            </a:r>
-            <a:r>
-              <a:rPr lang="en-US" sz="2200" dirty="0">
-                <a:cs typeface="Calibri"/>
-              </a:rPr>
-              <a:t> del Sistema</a:t>
-            </a:r>
-          </a:p>
-          <a:p>
-            <a:r>
-              <a:rPr lang="en-US" sz="2200" dirty="0" err="1">
-                <a:cs typeface="Calibri"/>
-              </a:rPr>
-              <a:t>Qualità</a:t>
-            </a:r>
-            <a:endParaRPr lang="en-US" sz="2200" dirty="0">
-              <a:cs typeface="Calibri"/>
-            </a:endParaRPr>
-          </a:p>
-          <a:p>
-            <a:endParaRPr lang="en-US" sz="2200" dirty="0">
-              <a:cs typeface="Calibri"/>
-            </a:endParaRPr>
+            <a:endParaRPr lang="en-US" dirty="0"/>
           </a:p>
         </p:txBody>
       </p:sp>
@@ -29469,38 +28783,280 @@
         </p:nvSpPr>
         <p:spPr>
           <a:xfrm>
-            <a:off x="8610600" y="6356350"/>
-            <a:ext cx="2743200" cy="365125"/>
+            <a:off x="8610600" y="6248400"/>
+            <a:ext cx="2743200" cy="473075"/>
           </a:xfrm>
         </p:spPr>
         <p:txBody>
-          <a:bodyPr rtlCol="0">
-            <a:noAutofit/>
+          <a:bodyPr vert="horz" lIns="91440" tIns="45720" rIns="91440" bIns="45720" rtlCol="0">
+            <a:normAutofit/>
           </a:bodyPr>
           <a:lstStyle/>
           <a:p>
-            <a:pPr rtl="0">
+            <a:pPr>
               <a:spcAft>
                 <a:spcPts val="600"/>
               </a:spcAft>
             </a:pPr>
             <a:fld id="{B5CEABB6-07DC-46E8-9B57-56EC44A396E5}" type="slidenum">
-              <a:rPr lang="it-IT" sz="1800" b="1" smtClean="0"/>
-              <a:pPr rtl="0">
+              <a:rPr lang="en-US" sz="1800" b="1"/>
+              <a:pPr>
                 <a:spcAft>
                   <a:spcPts val="600"/>
                 </a:spcAft>
               </a:pPr>
               <a:t>7</a:t>
             </a:fld>
-            <a:endParaRPr lang="it-IT" sz="1800" b="1" dirty="0"/>
+            <a:endParaRPr lang="en-US" sz="1800" b="1" dirty="0"/>
           </a:p>
         </p:txBody>
       </p:sp>
+      <p:graphicFrame>
+        <p:nvGraphicFramePr>
+          <p:cNvPr id="6" name="Segnaposto contenuto 5">
+            <a:extLst>
+              <a:ext uri="{FF2B5EF4-FFF2-40B4-BE49-F238E27FC236}">
+                <a16:creationId xmlns:a16="http://schemas.microsoft.com/office/drawing/2014/main" id="{D4C19112-8E86-20DC-4B1E-612DCB806B9E}"/>
+              </a:ext>
+            </a:extLst>
+          </p:cNvPr>
+          <p:cNvGraphicFramePr>
+            <a:graphicFrameLocks noGrp="1"/>
+          </p:cNvGraphicFramePr>
+          <p:nvPr>
+            <p:ph idx="1"/>
+            <p:extLst>
+              <p:ext uri="{D42A27DB-BD31-4B8C-83A1-F6EECF244321}">
+                <p14:modId xmlns:p14="http://schemas.microsoft.com/office/powerpoint/2010/main" val="220860933"/>
+              </p:ext>
+            </p:extLst>
+          </p:nvPr>
+        </p:nvGraphicFramePr>
+        <p:xfrm>
+          <a:off x="648820" y="1946923"/>
+          <a:ext cx="10515597" cy="2011680"/>
+        </p:xfrm>
+        <a:graphic>
+          <a:graphicData uri="http://schemas.openxmlformats.org/drawingml/2006/table">
+            <a:tbl>
+              <a:tblPr firstRow="1" bandRow="1">
+                <a:tableStyleId>{21E4AEA4-8DFA-4A89-87EB-49C32662AFE0}</a:tableStyleId>
+              </a:tblPr>
+              <a:tblGrid>
+                <a:gridCol w="3505199">
+                  <a:extLst>
+                    <a:ext uri="{9D8B030D-6E8A-4147-A177-3AD203B41FA5}">
+                      <a16:colId xmlns:a16="http://schemas.microsoft.com/office/drawing/2014/main" val="2118300434"/>
+                    </a:ext>
+                  </a:extLst>
+                </a:gridCol>
+                <a:gridCol w="3505199">
+                  <a:extLst>
+                    <a:ext uri="{9D8B030D-6E8A-4147-A177-3AD203B41FA5}">
+                      <a16:colId xmlns:a16="http://schemas.microsoft.com/office/drawing/2014/main" val="3583236644"/>
+                    </a:ext>
+                  </a:extLst>
+                </a:gridCol>
+                <a:gridCol w="3505199">
+                  <a:extLst>
+                    <a:ext uri="{9D8B030D-6E8A-4147-A177-3AD203B41FA5}">
+                      <a16:colId xmlns:a16="http://schemas.microsoft.com/office/drawing/2014/main" val="383665298"/>
+                    </a:ext>
+                  </a:extLst>
+                </a:gridCol>
+              </a:tblGrid>
+              <a:tr h="370840">
+                <a:tc>
+                  <a:txBody>
+                    <a:bodyPr/>
+                    <a:lstStyle/>
+                    <a:p>
+                      <a:r>
+                        <a:rPr lang="it-IT" sz="2000" dirty="0"/>
+                        <a:t>Funzionamento del Prodotto</a:t>
+                      </a:r>
+                    </a:p>
+                  </a:txBody>
+                  <a:tcPr/>
+                </a:tc>
+                <a:tc>
+                  <a:txBody>
+                    <a:bodyPr/>
+                    <a:lstStyle/>
+                    <a:p>
+                      <a:r>
+                        <a:rPr lang="it-IT" sz="2000" dirty="0"/>
+                        <a:t>Revisione del Prodotto</a:t>
+                      </a:r>
+                    </a:p>
+                  </a:txBody>
+                  <a:tcPr/>
+                </a:tc>
+                <a:tc>
+                  <a:txBody>
+                    <a:bodyPr/>
+                    <a:lstStyle/>
+                    <a:p>
+                      <a:r>
+                        <a:rPr lang="it-IT" sz="2000" dirty="0"/>
+                        <a:t>Transizione del Prodotto</a:t>
+                      </a:r>
+                    </a:p>
+                  </a:txBody>
+                  <a:tcPr/>
+                </a:tc>
+                <a:extLst>
+                  <a:ext uri="{0D108BD9-81ED-4DB2-BD59-A6C34878D82A}">
+                    <a16:rowId xmlns:a16="http://schemas.microsoft.com/office/drawing/2014/main" val="861850672"/>
+                  </a:ext>
+                </a:extLst>
+              </a:tr>
+              <a:tr h="370840">
+                <a:tc>
+                  <a:txBody>
+                    <a:bodyPr/>
+                    <a:lstStyle/>
+                    <a:p>
+                      <a:pPr marL="342900" indent="-342900">
+                        <a:buFont typeface="Arial" panose="020B0604020202020204" pitchFamily="34" charset="0"/>
+                        <a:buChar char="•"/>
+                      </a:pPr>
+                      <a:r>
+                        <a:rPr lang="it-IT" sz="2000" dirty="0"/>
+                        <a:t>Reliability</a:t>
+                      </a:r>
+                    </a:p>
+                    <a:p>
+                      <a:pPr marL="342900" indent="-342900">
+                        <a:buFont typeface="Arial" panose="020B0604020202020204" pitchFamily="34" charset="0"/>
+                        <a:buChar char="•"/>
+                      </a:pPr>
+                      <a:r>
+                        <a:rPr lang="it-IT" sz="2000" dirty="0"/>
+                        <a:t>Efficiency</a:t>
+                      </a:r>
+                    </a:p>
+                    <a:p>
+                      <a:pPr marL="342900" indent="-342900">
+                        <a:buFont typeface="Arial" panose="020B0604020202020204" pitchFamily="34" charset="0"/>
+                        <a:buChar char="•"/>
+                      </a:pPr>
+                      <a:r>
+                        <a:rPr lang="it-IT" sz="2000" dirty="0"/>
+                        <a:t>Integrity</a:t>
+                      </a:r>
+                    </a:p>
+                    <a:p>
+                      <a:pPr marL="342900" indent="-342900">
+                        <a:buFont typeface="Arial" panose="020B0604020202020204" pitchFamily="34" charset="0"/>
+                        <a:buChar char="•"/>
+                      </a:pPr>
+                      <a:r>
+                        <a:rPr lang="it-IT" sz="2000" dirty="0"/>
+                        <a:t>Usability</a:t>
+                      </a:r>
+                    </a:p>
+                    <a:p>
+                      <a:pPr marL="342900" indent="-342900">
+                        <a:buFont typeface="Arial" panose="020B0604020202020204" pitchFamily="34" charset="0"/>
+                        <a:buChar char="•"/>
+                      </a:pPr>
+                      <a:r>
+                        <a:rPr lang="it-IT" sz="2000" dirty="0"/>
+                        <a:t>Correctness</a:t>
+                      </a:r>
+                    </a:p>
+                  </a:txBody>
+                  <a:tcPr/>
+                </a:tc>
+                <a:tc>
+                  <a:txBody>
+                    <a:bodyPr/>
+                    <a:lstStyle/>
+                    <a:p>
+                      <a:pPr marL="342900" indent="-342900">
+                        <a:buFont typeface="Arial" panose="020B0604020202020204" pitchFamily="34" charset="0"/>
+                        <a:buChar char="•"/>
+                      </a:pPr>
+                      <a:r>
+                        <a:rPr lang="it-IT" sz="2000" dirty="0"/>
+                        <a:t>Maintainability</a:t>
+                      </a:r>
+                    </a:p>
+                    <a:p>
+                      <a:pPr marL="342900" indent="-342900">
+                        <a:buFont typeface="Arial" panose="020B0604020202020204" pitchFamily="34" charset="0"/>
+                        <a:buChar char="•"/>
+                      </a:pPr>
+                      <a:r>
+                        <a:rPr lang="it-IT" sz="2000" dirty="0"/>
+                        <a:t>Testability</a:t>
+                      </a:r>
+                    </a:p>
+                    <a:p>
+                      <a:pPr marL="342900" indent="-342900">
+                        <a:buFont typeface="Arial" panose="020B0604020202020204" pitchFamily="34" charset="0"/>
+                        <a:buChar char="•"/>
+                      </a:pPr>
+                      <a:r>
+                        <a:rPr lang="it-IT" sz="2000" dirty="0"/>
+                        <a:t>Flexibility</a:t>
+                      </a:r>
+                    </a:p>
+                  </a:txBody>
+                  <a:tcPr/>
+                </a:tc>
+                <a:tc>
+                  <a:txBody>
+                    <a:bodyPr/>
+                    <a:lstStyle/>
+                    <a:p>
+                      <a:pPr marL="342900" indent="-342900">
+                        <a:buFont typeface="Arial" panose="020B0604020202020204" pitchFamily="34" charset="0"/>
+                        <a:buChar char="•"/>
+                      </a:pPr>
+                      <a:r>
+                        <a:rPr lang="it-IT" sz="2000" dirty="0"/>
+                        <a:t>Portability</a:t>
+                      </a:r>
+                    </a:p>
+                    <a:p>
+                      <a:pPr marL="342900" indent="-342900">
+                        <a:buFont typeface="Arial" panose="020B0604020202020204" pitchFamily="34" charset="0"/>
+                        <a:buChar char="•"/>
+                      </a:pPr>
+                      <a:r>
+                        <a:rPr lang="it-IT" sz="2000" dirty="0"/>
+                        <a:t>Reusability</a:t>
+                      </a:r>
+                    </a:p>
+                    <a:p>
+                      <a:pPr marL="342900" indent="-342900">
+                        <a:buFont typeface="Arial" panose="020B0604020202020204" pitchFamily="34" charset="0"/>
+                        <a:buChar char="•"/>
+                      </a:pPr>
+                      <a:r>
+                        <a:rPr lang="it-IT" sz="2000" dirty="0"/>
+                        <a:t>Interoperability</a:t>
+                      </a:r>
+                    </a:p>
+                  </a:txBody>
+                  <a:tcPr/>
+                </a:tc>
+                <a:extLst>
+                  <a:ext uri="{0D108BD9-81ED-4DB2-BD59-A6C34878D82A}">
+                    <a16:rowId xmlns:a16="http://schemas.microsoft.com/office/drawing/2014/main" val="3972584351"/>
+                  </a:ext>
+                </a:extLst>
+              </a:tr>
+            </a:tbl>
+          </a:graphicData>
+        </a:graphic>
+      </p:graphicFrame>
     </p:spTree>
     <p:extLst>
       <p:ext uri="{BB962C8B-B14F-4D97-AF65-F5344CB8AC3E}">
-        <p14:creationId xmlns:p14="http://schemas.microsoft.com/office/powerpoint/2010/main" val="1581940243"/>
+        <p14:creationId xmlns:p14="http://schemas.microsoft.com/office/powerpoint/2010/main" val="1634375711"/>
       </p:ext>
     </p:extLst>
   </p:cSld>
@@ -29537,7 +29093,7 @@
       </p:grpSpPr>
       <p:sp useBgFill="1">
         <p:nvSpPr>
-          <p:cNvPr id="11" name="Rectangle 10">
+          <p:cNvPr id="87" name="Rectangle 86">
             <a:extLst>
               <a:ext uri="{FF2B5EF4-FFF2-40B4-BE49-F238E27FC236}">
                 <a16:creationId xmlns:a16="http://schemas.microsoft.com/office/drawing/2014/main" id="{100EDD19-6802-4EC3-95CE-CFFAB042CFD6}"/>
@@ -29591,7 +29147,7 @@
           <a:lstStyle/>
           <a:p>
             <a:pPr algn="ctr"/>
-            <a:endParaRPr lang="en-US"/>
+            <a:endParaRPr lang="en-US" dirty="0"/>
           </a:p>
         </p:txBody>
       </p:sp>
@@ -29600,7 +29156,7 @@
           <p:cNvPr id="2" name="Titolo 1">
             <a:extLst>
               <a:ext uri="{FF2B5EF4-FFF2-40B4-BE49-F238E27FC236}">
-                <a16:creationId xmlns:a16="http://schemas.microsoft.com/office/drawing/2014/main" id="{9C02EA9E-627C-1C35-F5DD-BAE1234B2C25}"/>
+                <a16:creationId xmlns:a16="http://schemas.microsoft.com/office/drawing/2014/main" id="{75031FE9-9059-4FE8-B4AC-9771F23A1B89}"/>
               </a:ext>
             </a:extLst>
           </p:cNvPr>
@@ -29618,21 +29174,22 @@
           </a:xfrm>
         </p:spPr>
         <p:txBody>
-          <a:bodyPr>
+          <a:bodyPr rtlCol="0">
             <a:normAutofit/>
           </a:bodyPr>
           <a:lstStyle/>
           <a:p>
+            <a:pPr rtl="0"/>
             <a:r>
               <a:rPr lang="it-IT" sz="5400" b="1" dirty="0"/>
-              <a:t>Requisiti: MOSCOW</a:t>
+              <a:t>Requisiti</a:t>
             </a:r>
           </a:p>
         </p:txBody>
       </p:sp>
       <p:sp>
         <p:nvSpPr>
-          <p:cNvPr id="13" name="sketch line">
+          <p:cNvPr id="89" name="sketch line">
             <a:extLst>
               <a:ext uri="{FF2B5EF4-FFF2-40B4-BE49-F238E27FC236}">
                 <a16:creationId xmlns:a16="http://schemas.microsoft.com/office/drawing/2014/main" id="{DB17E863-922E-4C26-BD64-E8FD41D28661}"/>
@@ -30264,7 +29821,967 @@
           <a:lstStyle/>
           <a:p>
             <a:pPr algn="ctr"/>
-            <a:endParaRPr lang="en-US"/>
+            <a:endParaRPr lang="en-US" dirty="0"/>
+          </a:p>
+        </p:txBody>
+      </p:sp>
+      <p:sp>
+        <p:nvSpPr>
+          <p:cNvPr id="5" name="Content Placeholder 4">
+            <a:extLst>
+              <a:ext uri="{FF2B5EF4-FFF2-40B4-BE49-F238E27FC236}">
+                <a16:creationId xmlns:a16="http://schemas.microsoft.com/office/drawing/2014/main" id="{BE1F23F2-64C7-BE07-E80F-A34081568AA8}"/>
+              </a:ext>
+            </a:extLst>
+          </p:cNvPr>
+          <p:cNvSpPr>
+            <a:spLocks noGrp="1"/>
+          </p:cNvSpPr>
+          <p:nvPr>
+            <p:ph idx="1"/>
+          </p:nvPr>
+        </p:nvSpPr>
+        <p:spPr>
+          <a:xfrm>
+            <a:off x="499872" y="1929384"/>
+            <a:ext cx="10853928" cy="4648698"/>
+          </a:xfrm>
+        </p:spPr>
+        <p:txBody>
+          <a:bodyPr vert="horz" lIns="91440" tIns="45720" rIns="91440" bIns="45720" rtlCol="0">
+            <a:normAutofit fontScale="92500" lnSpcReduction="10000"/>
+          </a:bodyPr>
+          <a:lstStyle/>
+          <a:p>
+            <a:pPr marL="0" indent="0">
+              <a:buNone/>
+            </a:pPr>
+            <a:r>
+              <a:rPr lang="en-US" sz="2200" dirty="0">
+                <a:cs typeface="Calibri"/>
+              </a:rPr>
+              <a:t>Le informazioni generali per lavorare al Sistema le abbiamo prese da un’intervista effettuata dal responsabile Cattaneo verso un’infermiera dell’Ospedale Papa Giovanni XXIII di Bergamo (BG).</a:t>
+            </a:r>
+          </a:p>
+          <a:p>
+            <a:pPr marL="0" indent="0">
+              <a:buNone/>
+            </a:pPr>
+            <a:r>
+              <a:rPr lang="en-US" sz="2200" dirty="0">
+                <a:cs typeface="Calibri"/>
+              </a:rPr>
+              <a:t>Per la specifica dei requisiti ci siamo basati sul modello </a:t>
+            </a:r>
+            <a:r>
+              <a:rPr lang="en-US" sz="2200" b="1" dirty="0">
+                <a:cs typeface="Calibri"/>
+              </a:rPr>
+              <a:t>MOSCOW.</a:t>
+            </a:r>
+            <a:endParaRPr lang="en-US" sz="2200" dirty="0">
+              <a:cs typeface="Calibri"/>
+            </a:endParaRPr>
+          </a:p>
+          <a:p>
+            <a:pPr marL="0" indent="0">
+              <a:buNone/>
+            </a:pPr>
+            <a:endParaRPr lang="en-US" sz="2200" dirty="0">
+              <a:cs typeface="Calibri"/>
+            </a:endParaRPr>
+          </a:p>
+          <a:p>
+            <a:pPr marL="0" indent="0">
+              <a:buNone/>
+            </a:pPr>
+            <a:r>
+              <a:rPr lang="en-US" sz="2200" b="1" dirty="0">
+                <a:cs typeface="Calibri"/>
+              </a:rPr>
+              <a:t>Requisiti funzionali (riguardano le funzionalità del Sistema):</a:t>
+            </a:r>
+          </a:p>
+          <a:p>
+            <a:r>
+              <a:rPr lang="en-US" sz="2200" dirty="0">
+                <a:cs typeface="Calibri"/>
+              </a:rPr>
+              <a:t>Funzionalità del Sistema</a:t>
+            </a:r>
+          </a:p>
+          <a:p>
+            <a:r>
+              <a:rPr lang="en-US" sz="2200" dirty="0">
+                <a:cs typeface="Calibri"/>
+              </a:rPr>
+              <a:t>Corretta correlazione tra le varie classi del Sistema</a:t>
+            </a:r>
+          </a:p>
+          <a:p>
+            <a:pPr marL="0" indent="0">
+              <a:buNone/>
+            </a:pPr>
+            <a:endParaRPr lang="en-US" sz="2200" dirty="0">
+              <a:cs typeface="Calibri"/>
+            </a:endParaRPr>
+          </a:p>
+          <a:p>
+            <a:pPr marL="0" indent="0">
+              <a:buNone/>
+            </a:pPr>
+            <a:r>
+              <a:rPr lang="en-US" sz="2200" b="1" dirty="0">
+                <a:cs typeface="Calibri"/>
+              </a:rPr>
+              <a:t>Requisiti non funzionali (linee guida da rispettare):</a:t>
+            </a:r>
+          </a:p>
+          <a:p>
+            <a:r>
+              <a:rPr lang="en-US" sz="2200" dirty="0">
+                <a:cs typeface="Calibri"/>
+              </a:rPr>
+              <a:t>Accessibilità</a:t>
+            </a:r>
+          </a:p>
+          <a:p>
+            <a:r>
+              <a:rPr lang="en-US" sz="2200" dirty="0">
+                <a:cs typeface="Calibri"/>
+              </a:rPr>
+              <a:t>Sicurezza del Sistema</a:t>
+            </a:r>
+          </a:p>
+          <a:p>
+            <a:r>
+              <a:rPr lang="en-US" sz="2200" dirty="0">
+                <a:cs typeface="Calibri"/>
+              </a:rPr>
+              <a:t>Qualità</a:t>
+            </a:r>
+          </a:p>
+          <a:p>
+            <a:endParaRPr lang="en-US" sz="2200" dirty="0">
+              <a:cs typeface="Calibri"/>
+            </a:endParaRPr>
+          </a:p>
+        </p:txBody>
+      </p:sp>
+      <p:sp>
+        <p:nvSpPr>
+          <p:cNvPr id="82" name="Segnaposto numero diapositiva 81">
+            <a:extLst>
+              <a:ext uri="{FF2B5EF4-FFF2-40B4-BE49-F238E27FC236}">
+                <a16:creationId xmlns:a16="http://schemas.microsoft.com/office/drawing/2014/main" id="{CE36A058-BEC2-4BC5-A467-F2EB2A365051}"/>
+              </a:ext>
+            </a:extLst>
+          </p:cNvPr>
+          <p:cNvSpPr>
+            <a:spLocks noGrp="1"/>
+          </p:cNvSpPr>
+          <p:nvPr>
+            <p:ph type="sldNum" sz="quarter" idx="12"/>
+          </p:nvPr>
+        </p:nvSpPr>
+        <p:spPr>
+          <a:xfrm>
+            <a:off x="8610600" y="6356350"/>
+            <a:ext cx="2743200" cy="365125"/>
+          </a:xfrm>
+        </p:spPr>
+        <p:txBody>
+          <a:bodyPr rtlCol="0">
+            <a:noAutofit/>
+          </a:bodyPr>
+          <a:lstStyle/>
+          <a:p>
+            <a:pPr rtl="0">
+              <a:spcAft>
+                <a:spcPts val="600"/>
+              </a:spcAft>
+            </a:pPr>
+            <a:fld id="{B5CEABB6-07DC-46E8-9B57-56EC44A396E5}" type="slidenum">
+              <a:rPr lang="it-IT" sz="1800" b="1" smtClean="0"/>
+              <a:pPr rtl="0">
+                <a:spcAft>
+                  <a:spcPts val="600"/>
+                </a:spcAft>
+              </a:pPr>
+              <a:t>8</a:t>
+            </a:fld>
+            <a:endParaRPr lang="it-IT" sz="1800" b="1" dirty="0"/>
+          </a:p>
+        </p:txBody>
+      </p:sp>
+    </p:spTree>
+    <p:extLst>
+      <p:ext uri="{BB962C8B-B14F-4D97-AF65-F5344CB8AC3E}">
+        <p14:creationId xmlns:p14="http://schemas.microsoft.com/office/powerpoint/2010/main" val="1581940243"/>
+      </p:ext>
+    </p:extLst>
+  </p:cSld>
+  <p:clrMapOvr>
+    <a:masterClrMapping/>
+  </p:clrMapOvr>
+</p:sld>
+</file>
+
+<file path=ppt/slides/slide9.xml><?xml version="1.0" encoding="utf-8"?>
+<p:sld xmlns:a="http://schemas.openxmlformats.org/drawingml/2006/main" xmlns:r="http://schemas.openxmlformats.org/officeDocument/2006/relationships" xmlns:p="http://schemas.openxmlformats.org/presentationml/2006/main">
+  <p:cSld>
+    <p:bg>
+      <p:bgPr>
+        <a:solidFill>
+          <a:schemeClr val="bg1"/>
+        </a:solidFill>
+        <a:effectLst/>
+      </p:bgPr>
+    </p:bg>
+    <p:spTree>
+      <p:nvGrpSpPr>
+        <p:cNvPr id="1" name=""/>
+        <p:cNvGrpSpPr/>
+        <p:nvPr/>
+      </p:nvGrpSpPr>
+      <p:grpSpPr>
+        <a:xfrm>
+          <a:off x="0" y="0"/>
+          <a:ext cx="0" cy="0"/>
+          <a:chOff x="0" y="0"/>
+          <a:chExt cx="0" cy="0"/>
+        </a:xfrm>
+      </p:grpSpPr>
+      <p:sp useBgFill="1">
+        <p:nvSpPr>
+          <p:cNvPr id="11" name="Rectangle 10">
+            <a:extLst>
+              <a:ext uri="{FF2B5EF4-FFF2-40B4-BE49-F238E27FC236}">
+                <a16:creationId xmlns:a16="http://schemas.microsoft.com/office/drawing/2014/main" id="{100EDD19-6802-4EC3-95CE-CFFAB042CFD6}"/>
+              </a:ext>
+              <a:ext uri="{C183D7F6-B498-43B3-948B-1728B52AA6E4}">
+                <adec:decorative xmlns:adec="http://schemas.microsoft.com/office/drawing/2017/decorative" val="1"/>
+              </a:ext>
+            </a:extLst>
+          </p:cNvPr>
+          <p:cNvSpPr>
+            <a:spLocks noGrp="1" noRot="1" noChangeAspect="1" noMove="1" noResize="1" noEditPoints="1" noAdjustHandles="1" noChangeArrowheads="1" noChangeShapeType="1" noTextEdit="1"/>
+          </p:cNvSpPr>
+          <p:nvPr>
+            <p:extLst>
+              <p:ext uri="{386F3935-93C4-4BCD-93E2-E3B085C9AB24}">
+                <p16:designElem xmlns:p16="http://schemas.microsoft.com/office/powerpoint/2015/main" val="1"/>
+              </p:ext>
+            </p:extLst>
+          </p:nvPr>
+        </p:nvSpPr>
+        <p:spPr>
+          <a:xfrm>
+            <a:off x="0" y="0"/>
+            <a:ext cx="12188952" cy="6858000"/>
+          </a:xfrm>
+          <a:prstGeom prst="rect">
+            <a:avLst/>
+          </a:prstGeom>
+          <a:ln>
+            <a:noFill/>
+          </a:ln>
+        </p:spPr>
+        <p:style>
+          <a:lnRef idx="2">
+            <a:schemeClr val="accent1">
+              <a:shade val="50000"/>
+            </a:schemeClr>
+          </a:lnRef>
+          <a:fillRef idx="1">
+            <a:schemeClr val="accent1"/>
+          </a:fillRef>
+          <a:effectRef idx="0">
+            <a:schemeClr val="accent1"/>
+          </a:effectRef>
+          <a:fontRef idx="minor">
+            <a:schemeClr val="lt1"/>
+          </a:fontRef>
+        </p:style>
+        <p:txBody>
+          <a:bodyPr rtlCol="0" anchor="ctr"/>
+          <a:lstStyle/>
+          <a:p>
+            <a:pPr algn="ctr"/>
+            <a:endParaRPr lang="en-US" dirty="0"/>
+          </a:p>
+        </p:txBody>
+      </p:sp>
+      <p:sp>
+        <p:nvSpPr>
+          <p:cNvPr id="2" name="Titolo 1">
+            <a:extLst>
+              <a:ext uri="{FF2B5EF4-FFF2-40B4-BE49-F238E27FC236}">
+                <a16:creationId xmlns:a16="http://schemas.microsoft.com/office/drawing/2014/main" id="{9C02EA9E-627C-1C35-F5DD-BAE1234B2C25}"/>
+              </a:ext>
+            </a:extLst>
+          </p:cNvPr>
+          <p:cNvSpPr>
+            <a:spLocks noGrp="1"/>
+          </p:cNvSpPr>
+          <p:nvPr>
+            <p:ph type="title"/>
+          </p:nvPr>
+        </p:nvSpPr>
+        <p:spPr>
+          <a:xfrm>
+            <a:off x="838200" y="365125"/>
+            <a:ext cx="10515600" cy="1325563"/>
+          </a:xfrm>
+        </p:spPr>
+        <p:txBody>
+          <a:bodyPr>
+            <a:normAutofit/>
+          </a:bodyPr>
+          <a:lstStyle/>
+          <a:p>
+            <a:r>
+              <a:rPr lang="it-IT" sz="5400" b="1" dirty="0"/>
+              <a:t>Requisiti: MOSCOW</a:t>
+            </a:r>
+          </a:p>
+        </p:txBody>
+      </p:sp>
+      <p:sp>
+        <p:nvSpPr>
+          <p:cNvPr id="13" name="sketch line">
+            <a:extLst>
+              <a:ext uri="{FF2B5EF4-FFF2-40B4-BE49-F238E27FC236}">
+                <a16:creationId xmlns:a16="http://schemas.microsoft.com/office/drawing/2014/main" id="{DB17E863-922E-4C26-BD64-E8FD41D28661}"/>
+              </a:ext>
+              <a:ext uri="{C183D7F6-B498-43B3-948B-1728B52AA6E4}">
+                <adec:decorative xmlns:adec="http://schemas.microsoft.com/office/drawing/2017/decorative" val="1"/>
+              </a:ext>
+            </a:extLst>
+          </p:cNvPr>
+          <p:cNvSpPr>
+            <a:spLocks noGrp="1" noRot="1" noChangeAspect="1" noMove="1" noResize="1" noEditPoints="1" noAdjustHandles="1" noChangeArrowheads="1" noChangeShapeType="1" noTextEdit="1"/>
+          </p:cNvSpPr>
+          <p:nvPr>
+            <p:extLst>
+              <p:ext uri="{386F3935-93C4-4BCD-93E2-E3B085C9AB24}">
+                <p16:designElem xmlns:p16="http://schemas.microsoft.com/office/powerpoint/2015/main" val="1"/>
+              </p:ext>
+            </p:extLst>
+          </p:nvPr>
+        </p:nvSpPr>
+        <p:spPr>
+          <a:xfrm>
+            <a:off x="669036" y="1677373"/>
+            <a:ext cx="10853928" cy="18288"/>
+          </a:xfrm>
+          <a:custGeom>
+            <a:avLst/>
+            <a:gdLst>
+              <a:gd name="connsiteX0" fmla="*/ 0 w 10853928"/>
+              <a:gd name="connsiteY0" fmla="*/ 0 h 18288"/>
+              <a:gd name="connsiteX1" fmla="*/ 461292 w 10853928"/>
+              <a:gd name="connsiteY1" fmla="*/ 0 h 18288"/>
+              <a:gd name="connsiteX2" fmla="*/ 1139662 w 10853928"/>
+              <a:gd name="connsiteY2" fmla="*/ 0 h 18288"/>
+              <a:gd name="connsiteX3" fmla="*/ 1926572 w 10853928"/>
+              <a:gd name="connsiteY3" fmla="*/ 0 h 18288"/>
+              <a:gd name="connsiteX4" fmla="*/ 2279325 w 10853928"/>
+              <a:gd name="connsiteY4" fmla="*/ 0 h 18288"/>
+              <a:gd name="connsiteX5" fmla="*/ 2632078 w 10853928"/>
+              <a:gd name="connsiteY5" fmla="*/ 0 h 18288"/>
+              <a:gd name="connsiteX6" fmla="*/ 3527527 w 10853928"/>
+              <a:gd name="connsiteY6" fmla="*/ 0 h 18288"/>
+              <a:gd name="connsiteX7" fmla="*/ 4205897 w 10853928"/>
+              <a:gd name="connsiteY7" fmla="*/ 0 h 18288"/>
+              <a:gd name="connsiteX8" fmla="*/ 4558650 w 10853928"/>
+              <a:gd name="connsiteY8" fmla="*/ 0 h 18288"/>
+              <a:gd name="connsiteX9" fmla="*/ 5237020 w 10853928"/>
+              <a:gd name="connsiteY9" fmla="*/ 0 h 18288"/>
+              <a:gd name="connsiteX10" fmla="*/ 6132469 w 10853928"/>
+              <a:gd name="connsiteY10" fmla="*/ 0 h 18288"/>
+              <a:gd name="connsiteX11" fmla="*/ 6702301 w 10853928"/>
+              <a:gd name="connsiteY11" fmla="*/ 0 h 18288"/>
+              <a:gd name="connsiteX12" fmla="*/ 7272132 w 10853928"/>
+              <a:gd name="connsiteY12" fmla="*/ 0 h 18288"/>
+              <a:gd name="connsiteX13" fmla="*/ 7950502 w 10853928"/>
+              <a:gd name="connsiteY13" fmla="*/ 0 h 18288"/>
+              <a:gd name="connsiteX14" fmla="*/ 8737412 w 10853928"/>
+              <a:gd name="connsiteY14" fmla="*/ 0 h 18288"/>
+              <a:gd name="connsiteX15" fmla="*/ 9524322 w 10853928"/>
+              <a:gd name="connsiteY15" fmla="*/ 0 h 18288"/>
+              <a:gd name="connsiteX16" fmla="*/ 10853928 w 10853928"/>
+              <a:gd name="connsiteY16" fmla="*/ 0 h 18288"/>
+              <a:gd name="connsiteX17" fmla="*/ 10853928 w 10853928"/>
+              <a:gd name="connsiteY17" fmla="*/ 18288 h 18288"/>
+              <a:gd name="connsiteX18" fmla="*/ 10392636 w 10853928"/>
+              <a:gd name="connsiteY18" fmla="*/ 18288 h 18288"/>
+              <a:gd name="connsiteX19" fmla="*/ 9497187 w 10853928"/>
+              <a:gd name="connsiteY19" fmla="*/ 18288 h 18288"/>
+              <a:gd name="connsiteX20" fmla="*/ 8818817 w 10853928"/>
+              <a:gd name="connsiteY20" fmla="*/ 18288 h 18288"/>
+              <a:gd name="connsiteX21" fmla="*/ 8466064 w 10853928"/>
+              <a:gd name="connsiteY21" fmla="*/ 18288 h 18288"/>
+              <a:gd name="connsiteX22" fmla="*/ 7787693 w 10853928"/>
+              <a:gd name="connsiteY22" fmla="*/ 18288 h 18288"/>
+              <a:gd name="connsiteX23" fmla="*/ 7217862 w 10853928"/>
+              <a:gd name="connsiteY23" fmla="*/ 18288 h 18288"/>
+              <a:gd name="connsiteX24" fmla="*/ 6648031 w 10853928"/>
+              <a:gd name="connsiteY24" fmla="*/ 18288 h 18288"/>
+              <a:gd name="connsiteX25" fmla="*/ 6078200 w 10853928"/>
+              <a:gd name="connsiteY25" fmla="*/ 18288 h 18288"/>
+              <a:gd name="connsiteX26" fmla="*/ 5508368 w 10853928"/>
+              <a:gd name="connsiteY26" fmla="*/ 18288 h 18288"/>
+              <a:gd name="connsiteX27" fmla="*/ 4721459 w 10853928"/>
+              <a:gd name="connsiteY27" fmla="*/ 18288 h 18288"/>
+              <a:gd name="connsiteX28" fmla="*/ 4043088 w 10853928"/>
+              <a:gd name="connsiteY28" fmla="*/ 18288 h 18288"/>
+              <a:gd name="connsiteX29" fmla="*/ 3690336 w 10853928"/>
+              <a:gd name="connsiteY29" fmla="*/ 18288 h 18288"/>
+              <a:gd name="connsiteX30" fmla="*/ 3120504 w 10853928"/>
+              <a:gd name="connsiteY30" fmla="*/ 18288 h 18288"/>
+              <a:gd name="connsiteX31" fmla="*/ 2333595 w 10853928"/>
+              <a:gd name="connsiteY31" fmla="*/ 18288 h 18288"/>
+              <a:gd name="connsiteX32" fmla="*/ 1872303 w 10853928"/>
+              <a:gd name="connsiteY32" fmla="*/ 18288 h 18288"/>
+              <a:gd name="connsiteX33" fmla="*/ 976854 w 10853928"/>
+              <a:gd name="connsiteY33" fmla="*/ 18288 h 18288"/>
+              <a:gd name="connsiteX34" fmla="*/ 0 w 10853928"/>
+              <a:gd name="connsiteY34" fmla="*/ 18288 h 18288"/>
+              <a:gd name="connsiteX35" fmla="*/ 0 w 10853928"/>
+              <a:gd name="connsiteY35" fmla="*/ 0 h 18288"/>
+            </a:gdLst>
+            <a:ahLst/>
+            <a:cxnLst>
+              <a:cxn ang="0">
+                <a:pos x="connsiteX0" y="connsiteY0"/>
+              </a:cxn>
+              <a:cxn ang="0">
+                <a:pos x="connsiteX1" y="connsiteY1"/>
+              </a:cxn>
+              <a:cxn ang="0">
+                <a:pos x="connsiteX2" y="connsiteY2"/>
+              </a:cxn>
+              <a:cxn ang="0">
+                <a:pos x="connsiteX3" y="connsiteY3"/>
+              </a:cxn>
+              <a:cxn ang="0">
+                <a:pos x="connsiteX4" y="connsiteY4"/>
+              </a:cxn>
+              <a:cxn ang="0">
+                <a:pos x="connsiteX5" y="connsiteY5"/>
+              </a:cxn>
+              <a:cxn ang="0">
+                <a:pos x="connsiteX6" y="connsiteY6"/>
+              </a:cxn>
+              <a:cxn ang="0">
+                <a:pos x="connsiteX7" y="connsiteY7"/>
+              </a:cxn>
+              <a:cxn ang="0">
+                <a:pos x="connsiteX8" y="connsiteY8"/>
+              </a:cxn>
+              <a:cxn ang="0">
+                <a:pos x="connsiteX9" y="connsiteY9"/>
+              </a:cxn>
+              <a:cxn ang="0">
+                <a:pos x="connsiteX10" y="connsiteY10"/>
+              </a:cxn>
+              <a:cxn ang="0">
+                <a:pos x="connsiteX11" y="connsiteY11"/>
+              </a:cxn>
+              <a:cxn ang="0">
+                <a:pos x="connsiteX12" y="connsiteY12"/>
+              </a:cxn>
+              <a:cxn ang="0">
+                <a:pos x="connsiteX13" y="connsiteY13"/>
+              </a:cxn>
+              <a:cxn ang="0">
+                <a:pos x="connsiteX14" y="connsiteY14"/>
+              </a:cxn>
+              <a:cxn ang="0">
+                <a:pos x="connsiteX15" y="connsiteY15"/>
+              </a:cxn>
+              <a:cxn ang="0">
+                <a:pos x="connsiteX16" y="connsiteY16"/>
+              </a:cxn>
+              <a:cxn ang="0">
+                <a:pos x="connsiteX17" y="connsiteY17"/>
+              </a:cxn>
+              <a:cxn ang="0">
+                <a:pos x="connsiteX18" y="connsiteY18"/>
+              </a:cxn>
+              <a:cxn ang="0">
+                <a:pos x="connsiteX19" y="connsiteY19"/>
+              </a:cxn>
+              <a:cxn ang="0">
+                <a:pos x="connsiteX20" y="connsiteY20"/>
+              </a:cxn>
+              <a:cxn ang="0">
+                <a:pos x="connsiteX21" y="connsiteY21"/>
+              </a:cxn>
+              <a:cxn ang="0">
+                <a:pos x="connsiteX22" y="connsiteY22"/>
+              </a:cxn>
+              <a:cxn ang="0">
+                <a:pos x="connsiteX23" y="connsiteY23"/>
+              </a:cxn>
+              <a:cxn ang="0">
+                <a:pos x="connsiteX24" y="connsiteY24"/>
+              </a:cxn>
+              <a:cxn ang="0">
+                <a:pos x="connsiteX25" y="connsiteY25"/>
+              </a:cxn>
+              <a:cxn ang="0">
+                <a:pos x="connsiteX26" y="connsiteY26"/>
+              </a:cxn>
+              <a:cxn ang="0">
+                <a:pos x="connsiteX27" y="connsiteY27"/>
+              </a:cxn>
+              <a:cxn ang="0">
+                <a:pos x="connsiteX28" y="connsiteY28"/>
+              </a:cxn>
+              <a:cxn ang="0">
+                <a:pos x="connsiteX29" y="connsiteY29"/>
+              </a:cxn>
+              <a:cxn ang="0">
+                <a:pos x="connsiteX30" y="connsiteY30"/>
+              </a:cxn>
+              <a:cxn ang="0">
+                <a:pos x="connsiteX31" y="connsiteY31"/>
+              </a:cxn>
+              <a:cxn ang="0">
+                <a:pos x="connsiteX32" y="connsiteY32"/>
+              </a:cxn>
+              <a:cxn ang="0">
+                <a:pos x="connsiteX33" y="connsiteY33"/>
+              </a:cxn>
+              <a:cxn ang="0">
+                <a:pos x="connsiteX34" y="connsiteY34"/>
+              </a:cxn>
+              <a:cxn ang="0">
+                <a:pos x="connsiteX35" y="connsiteY35"/>
+              </a:cxn>
+            </a:cxnLst>
+            <a:rect l="l" t="t" r="r" b="b"/>
+            <a:pathLst>
+              <a:path w="10853928" h="18288" fill="none" extrusionOk="0">
+                <a:moveTo>
+                  <a:pt x="0" y="0"/>
+                </a:moveTo>
+                <a:cubicBezTo>
+                  <a:pt x="146993" y="-19076"/>
+                  <a:pt x="347684" y="-4790"/>
+                  <a:pt x="461292" y="0"/>
+                </a:cubicBezTo>
+                <a:cubicBezTo>
+                  <a:pt x="574900" y="4790"/>
+                  <a:pt x="808367" y="19821"/>
+                  <a:pt x="1139662" y="0"/>
+                </a:cubicBezTo>
+                <a:cubicBezTo>
+                  <a:pt x="1470957" y="-19821"/>
+                  <a:pt x="1627405" y="5721"/>
+                  <a:pt x="1926572" y="0"/>
+                </a:cubicBezTo>
+                <a:cubicBezTo>
+                  <a:pt x="2225739" y="-5721"/>
+                  <a:pt x="2137730" y="-3235"/>
+                  <a:pt x="2279325" y="0"/>
+                </a:cubicBezTo>
+                <a:cubicBezTo>
+                  <a:pt x="2420920" y="3235"/>
+                  <a:pt x="2456518" y="9685"/>
+                  <a:pt x="2632078" y="0"/>
+                </a:cubicBezTo>
+                <a:cubicBezTo>
+                  <a:pt x="2807638" y="-9685"/>
+                  <a:pt x="3211516" y="-43007"/>
+                  <a:pt x="3527527" y="0"/>
+                </a:cubicBezTo>
+                <a:cubicBezTo>
+                  <a:pt x="3843538" y="43007"/>
+                  <a:pt x="4058833" y="22042"/>
+                  <a:pt x="4205897" y="0"/>
+                </a:cubicBezTo>
+                <a:cubicBezTo>
+                  <a:pt x="4352961" y="-22042"/>
+                  <a:pt x="4474805" y="-11846"/>
+                  <a:pt x="4558650" y="0"/>
+                </a:cubicBezTo>
+                <a:cubicBezTo>
+                  <a:pt x="4642495" y="11846"/>
+                  <a:pt x="5041928" y="-6069"/>
+                  <a:pt x="5237020" y="0"/>
+                </a:cubicBezTo>
+                <a:cubicBezTo>
+                  <a:pt x="5432112" y="6069"/>
+                  <a:pt x="5943266" y="-17479"/>
+                  <a:pt x="6132469" y="0"/>
+                </a:cubicBezTo>
+                <a:cubicBezTo>
+                  <a:pt x="6321672" y="17479"/>
+                  <a:pt x="6483872" y="26234"/>
+                  <a:pt x="6702301" y="0"/>
+                </a:cubicBezTo>
+                <a:cubicBezTo>
+                  <a:pt x="6920730" y="-26234"/>
+                  <a:pt x="6991194" y="-15156"/>
+                  <a:pt x="7272132" y="0"/>
+                </a:cubicBezTo>
+                <a:cubicBezTo>
+                  <a:pt x="7553070" y="15156"/>
+                  <a:pt x="7684444" y="-32961"/>
+                  <a:pt x="7950502" y="0"/>
+                </a:cubicBezTo>
+                <a:cubicBezTo>
+                  <a:pt x="8216560" y="32961"/>
+                  <a:pt x="8493290" y="-10491"/>
+                  <a:pt x="8737412" y="0"/>
+                </a:cubicBezTo>
+                <a:cubicBezTo>
+                  <a:pt x="8981534" y="10491"/>
+                  <a:pt x="9191586" y="-13899"/>
+                  <a:pt x="9524322" y="0"/>
+                </a:cubicBezTo>
+                <a:cubicBezTo>
+                  <a:pt x="9857058" y="13899"/>
+                  <a:pt x="10297509" y="7485"/>
+                  <a:pt x="10853928" y="0"/>
+                </a:cubicBezTo>
+                <a:cubicBezTo>
+                  <a:pt x="10854574" y="4451"/>
+                  <a:pt x="10854418" y="9226"/>
+                  <a:pt x="10853928" y="18288"/>
+                </a:cubicBezTo>
+                <a:cubicBezTo>
+                  <a:pt x="10691638" y="28522"/>
+                  <a:pt x="10574319" y="29578"/>
+                  <a:pt x="10392636" y="18288"/>
+                </a:cubicBezTo>
+                <a:cubicBezTo>
+                  <a:pt x="10210953" y="6998"/>
+                  <a:pt x="9836277" y="-16742"/>
+                  <a:pt x="9497187" y="18288"/>
+                </a:cubicBezTo>
+                <a:cubicBezTo>
+                  <a:pt x="9158097" y="53318"/>
+                  <a:pt x="9119479" y="30714"/>
+                  <a:pt x="8818817" y="18288"/>
+                </a:cubicBezTo>
+                <a:cubicBezTo>
+                  <a:pt x="8518155" y="5863"/>
+                  <a:pt x="8640037" y="6483"/>
+                  <a:pt x="8466064" y="18288"/>
+                </a:cubicBezTo>
+                <a:cubicBezTo>
+                  <a:pt x="8292091" y="30093"/>
+                  <a:pt x="7997656" y="18914"/>
+                  <a:pt x="7787693" y="18288"/>
+                </a:cubicBezTo>
+                <a:cubicBezTo>
+                  <a:pt x="7577730" y="17662"/>
+                  <a:pt x="7412468" y="21416"/>
+                  <a:pt x="7217862" y="18288"/>
+                </a:cubicBezTo>
+                <a:cubicBezTo>
+                  <a:pt x="7023256" y="15160"/>
+                  <a:pt x="6898018" y="14824"/>
+                  <a:pt x="6648031" y="18288"/>
+                </a:cubicBezTo>
+                <a:cubicBezTo>
+                  <a:pt x="6398044" y="21752"/>
+                  <a:pt x="6254402" y="38625"/>
+                  <a:pt x="6078200" y="18288"/>
+                </a:cubicBezTo>
+                <a:cubicBezTo>
+                  <a:pt x="5901998" y="-2049"/>
+                  <a:pt x="5622886" y="3213"/>
+                  <a:pt x="5508368" y="18288"/>
+                </a:cubicBezTo>
+                <a:cubicBezTo>
+                  <a:pt x="5393850" y="33363"/>
+                  <a:pt x="5036260" y="26830"/>
+                  <a:pt x="4721459" y="18288"/>
+                </a:cubicBezTo>
+                <a:cubicBezTo>
+                  <a:pt x="4406658" y="9746"/>
+                  <a:pt x="4239221" y="41551"/>
+                  <a:pt x="4043088" y="18288"/>
+                </a:cubicBezTo>
+                <a:cubicBezTo>
+                  <a:pt x="3846955" y="-4975"/>
+                  <a:pt x="3818802" y="34658"/>
+                  <a:pt x="3690336" y="18288"/>
+                </a:cubicBezTo>
+                <a:cubicBezTo>
+                  <a:pt x="3561870" y="1918"/>
+                  <a:pt x="3265491" y="42194"/>
+                  <a:pt x="3120504" y="18288"/>
+                </a:cubicBezTo>
+                <a:cubicBezTo>
+                  <a:pt x="2975517" y="-5618"/>
+                  <a:pt x="2720254" y="36673"/>
+                  <a:pt x="2333595" y="18288"/>
+                </a:cubicBezTo>
+                <a:cubicBezTo>
+                  <a:pt x="1946936" y="-97"/>
+                  <a:pt x="2097241" y="5776"/>
+                  <a:pt x="1872303" y="18288"/>
+                </a:cubicBezTo>
+                <a:cubicBezTo>
+                  <a:pt x="1647365" y="30800"/>
+                  <a:pt x="1282708" y="45380"/>
+                  <a:pt x="976854" y="18288"/>
+                </a:cubicBezTo>
+                <a:cubicBezTo>
+                  <a:pt x="671000" y="-8804"/>
+                  <a:pt x="408401" y="-12775"/>
+                  <a:pt x="0" y="18288"/>
+                </a:cubicBezTo>
+                <a:cubicBezTo>
+                  <a:pt x="-213" y="9468"/>
+                  <a:pt x="187" y="4459"/>
+                  <a:pt x="0" y="0"/>
+                </a:cubicBezTo>
+                <a:close/>
+              </a:path>
+              <a:path w="10853928" h="18288" stroke="0" extrusionOk="0">
+                <a:moveTo>
+                  <a:pt x="0" y="0"/>
+                </a:moveTo>
+                <a:cubicBezTo>
+                  <a:pt x="267322" y="15284"/>
+                  <a:pt x="415388" y="-21048"/>
+                  <a:pt x="569831" y="0"/>
+                </a:cubicBezTo>
+                <a:cubicBezTo>
+                  <a:pt x="724274" y="21048"/>
+                  <a:pt x="769333" y="-2353"/>
+                  <a:pt x="922584" y="0"/>
+                </a:cubicBezTo>
+                <a:cubicBezTo>
+                  <a:pt x="1075835" y="2353"/>
+                  <a:pt x="1399490" y="-145"/>
+                  <a:pt x="1818033" y="0"/>
+                </a:cubicBezTo>
+                <a:cubicBezTo>
+                  <a:pt x="2236576" y="145"/>
+                  <a:pt x="2145330" y="5482"/>
+                  <a:pt x="2387864" y="0"/>
+                </a:cubicBezTo>
+                <a:cubicBezTo>
+                  <a:pt x="2630398" y="-5482"/>
+                  <a:pt x="2793207" y="18487"/>
+                  <a:pt x="2957695" y="0"/>
+                </a:cubicBezTo>
+                <a:cubicBezTo>
+                  <a:pt x="3122183" y="-18487"/>
+                  <a:pt x="3579141" y="19003"/>
+                  <a:pt x="3853144" y="0"/>
+                </a:cubicBezTo>
+                <a:cubicBezTo>
+                  <a:pt x="4127147" y="-19003"/>
+                  <a:pt x="4209857" y="12211"/>
+                  <a:pt x="4314436" y="0"/>
+                </a:cubicBezTo>
+                <a:cubicBezTo>
+                  <a:pt x="4419015" y="-12211"/>
+                  <a:pt x="4762459" y="-17220"/>
+                  <a:pt x="5209885" y="0"/>
+                </a:cubicBezTo>
+                <a:cubicBezTo>
+                  <a:pt x="5657311" y="17220"/>
+                  <a:pt x="5692663" y="-3290"/>
+                  <a:pt x="6105335" y="0"/>
+                </a:cubicBezTo>
+                <a:cubicBezTo>
+                  <a:pt x="6518007" y="3290"/>
+                  <a:pt x="6455516" y="-5124"/>
+                  <a:pt x="6783705" y="0"/>
+                </a:cubicBezTo>
+                <a:cubicBezTo>
+                  <a:pt x="7111894" y="5124"/>
+                  <a:pt x="7441941" y="-17829"/>
+                  <a:pt x="7679154" y="0"/>
+                </a:cubicBezTo>
+                <a:cubicBezTo>
+                  <a:pt x="7916367" y="17829"/>
+                  <a:pt x="8102967" y="-24363"/>
+                  <a:pt x="8248985" y="0"/>
+                </a:cubicBezTo>
+                <a:cubicBezTo>
+                  <a:pt x="8395003" y="24363"/>
+                  <a:pt x="8552393" y="25505"/>
+                  <a:pt x="8818817" y="0"/>
+                </a:cubicBezTo>
+                <a:cubicBezTo>
+                  <a:pt x="9085241" y="-25505"/>
+                  <a:pt x="9411308" y="38000"/>
+                  <a:pt x="9605726" y="0"/>
+                </a:cubicBezTo>
+                <a:cubicBezTo>
+                  <a:pt x="9800144" y="-38000"/>
+                  <a:pt x="10006468" y="-25741"/>
+                  <a:pt x="10175558" y="0"/>
+                </a:cubicBezTo>
+                <a:cubicBezTo>
+                  <a:pt x="10344648" y="25741"/>
+                  <a:pt x="10696282" y="695"/>
+                  <a:pt x="10853928" y="0"/>
+                </a:cubicBezTo>
+                <a:cubicBezTo>
+                  <a:pt x="10853521" y="8690"/>
+                  <a:pt x="10853774" y="14141"/>
+                  <a:pt x="10853928" y="18288"/>
+                </a:cubicBezTo>
+                <a:cubicBezTo>
+                  <a:pt x="10608124" y="24255"/>
+                  <a:pt x="10343415" y="22307"/>
+                  <a:pt x="10067018" y="18288"/>
+                </a:cubicBezTo>
+                <a:cubicBezTo>
+                  <a:pt x="9790621" y="14270"/>
+                  <a:pt x="9843266" y="3564"/>
+                  <a:pt x="9714266" y="18288"/>
+                </a:cubicBezTo>
+                <a:cubicBezTo>
+                  <a:pt x="9585266" y="33012"/>
+                  <a:pt x="9379484" y="1875"/>
+                  <a:pt x="9252974" y="18288"/>
+                </a:cubicBezTo>
+                <a:cubicBezTo>
+                  <a:pt x="9126464" y="34701"/>
+                  <a:pt x="8580678" y="-4904"/>
+                  <a:pt x="8357525" y="18288"/>
+                </a:cubicBezTo>
+                <a:cubicBezTo>
+                  <a:pt x="8134372" y="41480"/>
+                  <a:pt x="7903199" y="26458"/>
+                  <a:pt x="7679154" y="18288"/>
+                </a:cubicBezTo>
+                <a:cubicBezTo>
+                  <a:pt x="7455109" y="10118"/>
+                  <a:pt x="7435944" y="27109"/>
+                  <a:pt x="7217862" y="18288"/>
+                </a:cubicBezTo>
+                <a:cubicBezTo>
+                  <a:pt x="6999780" y="9467"/>
+                  <a:pt x="6680409" y="18985"/>
+                  <a:pt x="6539492" y="18288"/>
+                </a:cubicBezTo>
+                <a:cubicBezTo>
+                  <a:pt x="6398575" y="17592"/>
+                  <a:pt x="6312077" y="33018"/>
+                  <a:pt x="6186739" y="18288"/>
+                </a:cubicBezTo>
+                <a:cubicBezTo>
+                  <a:pt x="6061401" y="3558"/>
+                  <a:pt x="5947033" y="12075"/>
+                  <a:pt x="5833986" y="18288"/>
+                </a:cubicBezTo>
+                <a:cubicBezTo>
+                  <a:pt x="5720939" y="24501"/>
+                  <a:pt x="5482226" y="8586"/>
+                  <a:pt x="5155616" y="18288"/>
+                </a:cubicBezTo>
+                <a:cubicBezTo>
+                  <a:pt x="4829006" y="27991"/>
+                  <a:pt x="4841274" y="29316"/>
+                  <a:pt x="4694324" y="18288"/>
+                </a:cubicBezTo>
+                <a:cubicBezTo>
+                  <a:pt x="4547374" y="7260"/>
+                  <a:pt x="4077675" y="7013"/>
+                  <a:pt x="3907414" y="18288"/>
+                </a:cubicBezTo>
+                <a:cubicBezTo>
+                  <a:pt x="3737153" y="29564"/>
+                  <a:pt x="3538393" y="21630"/>
+                  <a:pt x="3446122" y="18288"/>
+                </a:cubicBezTo>
+                <a:cubicBezTo>
+                  <a:pt x="3353851" y="14946"/>
+                  <a:pt x="2990320" y="-8091"/>
+                  <a:pt x="2659212" y="18288"/>
+                </a:cubicBezTo>
+                <a:cubicBezTo>
+                  <a:pt x="2328104" y="44667"/>
+                  <a:pt x="2427653" y="9607"/>
+                  <a:pt x="2306460" y="18288"/>
+                </a:cubicBezTo>
+                <a:cubicBezTo>
+                  <a:pt x="2185267" y="26969"/>
+                  <a:pt x="1719763" y="3717"/>
+                  <a:pt x="1519550" y="18288"/>
+                </a:cubicBezTo>
+                <a:cubicBezTo>
+                  <a:pt x="1319337" y="32860"/>
+                  <a:pt x="1167371" y="17040"/>
+                  <a:pt x="1058258" y="18288"/>
+                </a:cubicBezTo>
+                <a:cubicBezTo>
+                  <a:pt x="949145" y="19536"/>
+                  <a:pt x="780234" y="31447"/>
+                  <a:pt x="705505" y="18288"/>
+                </a:cubicBezTo>
+                <a:cubicBezTo>
+                  <a:pt x="630776" y="5129"/>
+                  <a:pt x="215796" y="30056"/>
+                  <a:pt x="0" y="18288"/>
+                </a:cubicBezTo>
+                <a:cubicBezTo>
+                  <a:pt x="-53" y="11301"/>
+                  <a:pt x="-649" y="7756"/>
+                  <a:pt x="0" y="0"/>
+                </a:cubicBezTo>
+                <a:close/>
+              </a:path>
+            </a:pathLst>
+          </a:custGeom>
+          <a:solidFill>
+            <a:schemeClr val="accent2"/>
+          </a:solidFill>
+          <a:ln w="41275" cap="rnd">
+            <a:solidFill>
+              <a:schemeClr val="accent2"/>
+            </a:solidFill>
+            <a:round/>
+            <a:extLst>
+              <a:ext uri="{C807C97D-BFC1-408E-A445-0C87EB9F89A2}">
+                <ask:lineSketchStyleProps xmlns:ask="http://schemas.microsoft.com/office/drawing/2018/sketchyshapes" sd="1219033472">
+                  <a:prstGeom prst="rect">
+                    <a:avLst/>
+                  </a:prstGeom>
+                  <ask:type>
+                    <ask:lineSketchFreehand/>
+                  </ask:type>
+                </ask:lineSketchStyleProps>
+              </a:ext>
+            </a:extLst>
+          </a:ln>
+        </p:spPr>
+        <p:style>
+          <a:lnRef idx="2">
+            <a:schemeClr val="accent1">
+              <a:shade val="50000"/>
+            </a:schemeClr>
+          </a:lnRef>
+          <a:fillRef idx="1">
+            <a:schemeClr val="accent1"/>
+          </a:fillRef>
+          <a:effectRef idx="0">
+            <a:schemeClr val="accent1"/>
+          </a:effectRef>
+          <a:fontRef idx="minor">
+            <a:schemeClr val="lt1"/>
+          </a:fontRef>
+        </p:style>
+        <p:txBody>
+          <a:bodyPr rtlCol="0" anchor="ctr"/>
+          <a:lstStyle/>
+          <a:p>
+            <a:pPr algn="ctr"/>
+            <a:endParaRPr lang="en-US" dirty="0"/>
           </a:p>
         </p:txBody>
       </p:sp>
@@ -30284,7 +30801,7 @@
             <p:ph idx="1"/>
             <p:extLst>
               <p:ext uri="{D42A27DB-BD31-4B8C-83A1-F6EECF244321}">
-                <p14:modId xmlns:p14="http://schemas.microsoft.com/office/powerpoint/2010/main" val="2740833751"/>
+                <p14:modId xmlns:p14="http://schemas.microsoft.com/office/powerpoint/2010/main" val="1005261092"/>
               </p:ext>
             </p:extLst>
           </p:nvPr>
@@ -30382,7 +30899,7 @@
                       </a:pPr>
                       <a:r>
                         <a:rPr lang="it-IT" sz="1600" dirty="0"/>
-                        <a:t>Registrazione nel sistema</a:t>
+                        <a:t>Registrazione nel Sistema</a:t>
                       </a:r>
                     </a:p>
                     <a:p>
@@ -30853,9 +31370,9 @@
                   <a:spcPts val="600"/>
                 </a:spcAft>
               </a:pPr>
-              <a:t>8</a:t>
+              <a:t>9</a:t>
             </a:fld>
-            <a:endParaRPr lang="it-IT" sz="1800" b="1" noProof="0"/>
+            <a:endParaRPr lang="it-IT" sz="1800" b="1" noProof="0" dirty="0"/>
           </a:p>
         </p:txBody>
       </p:sp>
@@ -30863,964 +31380,6 @@
     <p:extLst>
       <p:ext uri="{BB962C8B-B14F-4D97-AF65-F5344CB8AC3E}">
         <p14:creationId xmlns:p14="http://schemas.microsoft.com/office/powerpoint/2010/main" val="3576197673"/>
-      </p:ext>
-    </p:extLst>
-  </p:cSld>
-  <p:clrMapOvr>
-    <a:masterClrMapping/>
-  </p:clrMapOvr>
-</p:sld>
-</file>
-
-<file path=ppt/slides/slide9.xml><?xml version="1.0" encoding="utf-8"?>
-<p:sld xmlns:a="http://schemas.openxmlformats.org/drawingml/2006/main" xmlns:r="http://schemas.openxmlformats.org/officeDocument/2006/relationships" xmlns:p="http://schemas.openxmlformats.org/presentationml/2006/main">
-  <p:cSld>
-    <p:bg>
-      <p:bgPr>
-        <a:solidFill>
-          <a:schemeClr val="bg1"/>
-        </a:solidFill>
-        <a:effectLst/>
-      </p:bgPr>
-    </p:bg>
-    <p:spTree>
-      <p:nvGrpSpPr>
-        <p:cNvPr id="1" name=""/>
-        <p:cNvGrpSpPr/>
-        <p:nvPr/>
-      </p:nvGrpSpPr>
-      <p:grpSpPr>
-        <a:xfrm>
-          <a:off x="0" y="0"/>
-          <a:ext cx="0" cy="0"/>
-          <a:chOff x="0" y="0"/>
-          <a:chExt cx="0" cy="0"/>
-        </a:xfrm>
-      </p:grpSpPr>
-      <p:sp useBgFill="1">
-        <p:nvSpPr>
-          <p:cNvPr id="87" name="Rectangle 86">
-            <a:extLst>
-              <a:ext uri="{FF2B5EF4-FFF2-40B4-BE49-F238E27FC236}">
-                <a16:creationId xmlns:a16="http://schemas.microsoft.com/office/drawing/2014/main" id="{100EDD19-6802-4EC3-95CE-CFFAB042CFD6}"/>
-              </a:ext>
-              <a:ext uri="{C183D7F6-B498-43B3-948B-1728B52AA6E4}">
-                <adec:decorative xmlns:adec="http://schemas.microsoft.com/office/drawing/2017/decorative" val="1"/>
-              </a:ext>
-            </a:extLst>
-          </p:cNvPr>
-          <p:cNvSpPr>
-            <a:spLocks noGrp="1" noRot="1" noChangeAspect="1" noMove="1" noResize="1" noEditPoints="1" noAdjustHandles="1" noChangeArrowheads="1" noChangeShapeType="1" noTextEdit="1"/>
-          </p:cNvSpPr>
-          <p:nvPr>
-            <p:extLst>
-              <p:ext uri="{386F3935-93C4-4BCD-93E2-E3B085C9AB24}">
-                <p16:designElem xmlns:p16="http://schemas.microsoft.com/office/powerpoint/2015/main" val="1"/>
-              </p:ext>
-            </p:extLst>
-          </p:nvPr>
-        </p:nvSpPr>
-        <p:spPr>
-          <a:xfrm>
-            <a:off x="0" y="0"/>
-            <a:ext cx="12188952" cy="6858000"/>
-          </a:xfrm>
-          <a:prstGeom prst="rect">
-            <a:avLst/>
-          </a:prstGeom>
-          <a:ln>
-            <a:noFill/>
-          </a:ln>
-        </p:spPr>
-        <p:style>
-          <a:lnRef idx="2">
-            <a:schemeClr val="accent1">
-              <a:shade val="50000"/>
-            </a:schemeClr>
-          </a:lnRef>
-          <a:fillRef idx="1">
-            <a:schemeClr val="accent1"/>
-          </a:fillRef>
-          <a:effectRef idx="0">
-            <a:schemeClr val="accent1"/>
-          </a:effectRef>
-          <a:fontRef idx="minor">
-            <a:schemeClr val="lt1"/>
-          </a:fontRef>
-        </p:style>
-        <p:txBody>
-          <a:bodyPr rtlCol="0" anchor="ctr"/>
-          <a:lstStyle/>
-          <a:p>
-            <a:pPr algn="ctr"/>
-            <a:endParaRPr lang="en-US"/>
-          </a:p>
-        </p:txBody>
-      </p:sp>
-      <p:sp>
-        <p:nvSpPr>
-          <p:cNvPr id="2" name="Titolo 1">
-            <a:extLst>
-              <a:ext uri="{FF2B5EF4-FFF2-40B4-BE49-F238E27FC236}">
-                <a16:creationId xmlns:a16="http://schemas.microsoft.com/office/drawing/2014/main" id="{75031FE9-9059-4FE8-B4AC-9771F23A1B89}"/>
-              </a:ext>
-            </a:extLst>
-          </p:cNvPr>
-          <p:cNvSpPr>
-            <a:spLocks noGrp="1"/>
-          </p:cNvSpPr>
-          <p:nvPr>
-            <p:ph type="title"/>
-          </p:nvPr>
-        </p:nvSpPr>
-        <p:spPr>
-          <a:xfrm>
-            <a:off x="838200" y="365125"/>
-            <a:ext cx="10515600" cy="1325563"/>
-          </a:xfrm>
-        </p:spPr>
-        <p:txBody>
-          <a:bodyPr rtlCol="0">
-            <a:normAutofit/>
-          </a:bodyPr>
-          <a:lstStyle/>
-          <a:p>
-            <a:pPr rtl="0"/>
-            <a:r>
-              <a:rPr lang="it-IT" sz="5400" b="1" dirty="0"/>
-              <a:t>Architettura</a:t>
-            </a:r>
-          </a:p>
-        </p:txBody>
-      </p:sp>
-      <p:sp>
-        <p:nvSpPr>
-          <p:cNvPr id="89" name="sketch line">
-            <a:extLst>
-              <a:ext uri="{FF2B5EF4-FFF2-40B4-BE49-F238E27FC236}">
-                <a16:creationId xmlns:a16="http://schemas.microsoft.com/office/drawing/2014/main" id="{DB17E863-922E-4C26-BD64-E8FD41D28661}"/>
-              </a:ext>
-              <a:ext uri="{C183D7F6-B498-43B3-948B-1728B52AA6E4}">
-                <adec:decorative xmlns:adec="http://schemas.microsoft.com/office/drawing/2017/decorative" val="1"/>
-              </a:ext>
-            </a:extLst>
-          </p:cNvPr>
-          <p:cNvSpPr>
-            <a:spLocks noGrp="1" noRot="1" noChangeAspect="1" noMove="1" noResize="1" noEditPoints="1" noAdjustHandles="1" noChangeArrowheads="1" noChangeShapeType="1" noTextEdit="1"/>
-          </p:cNvSpPr>
-          <p:nvPr>
-            <p:extLst>
-              <p:ext uri="{386F3935-93C4-4BCD-93E2-E3B085C9AB24}">
-                <p16:designElem xmlns:p16="http://schemas.microsoft.com/office/powerpoint/2015/main" val="1"/>
-              </p:ext>
-            </p:extLst>
-          </p:nvPr>
-        </p:nvSpPr>
-        <p:spPr>
-          <a:xfrm>
-            <a:off x="669036" y="1677373"/>
-            <a:ext cx="10853928" cy="18288"/>
-          </a:xfrm>
-          <a:custGeom>
-            <a:avLst/>
-            <a:gdLst>
-              <a:gd name="connsiteX0" fmla="*/ 0 w 10853928"/>
-              <a:gd name="connsiteY0" fmla="*/ 0 h 18288"/>
-              <a:gd name="connsiteX1" fmla="*/ 461292 w 10853928"/>
-              <a:gd name="connsiteY1" fmla="*/ 0 h 18288"/>
-              <a:gd name="connsiteX2" fmla="*/ 1139662 w 10853928"/>
-              <a:gd name="connsiteY2" fmla="*/ 0 h 18288"/>
-              <a:gd name="connsiteX3" fmla="*/ 1926572 w 10853928"/>
-              <a:gd name="connsiteY3" fmla="*/ 0 h 18288"/>
-              <a:gd name="connsiteX4" fmla="*/ 2279325 w 10853928"/>
-              <a:gd name="connsiteY4" fmla="*/ 0 h 18288"/>
-              <a:gd name="connsiteX5" fmla="*/ 2632078 w 10853928"/>
-              <a:gd name="connsiteY5" fmla="*/ 0 h 18288"/>
-              <a:gd name="connsiteX6" fmla="*/ 3527527 w 10853928"/>
-              <a:gd name="connsiteY6" fmla="*/ 0 h 18288"/>
-              <a:gd name="connsiteX7" fmla="*/ 4205897 w 10853928"/>
-              <a:gd name="connsiteY7" fmla="*/ 0 h 18288"/>
-              <a:gd name="connsiteX8" fmla="*/ 4558650 w 10853928"/>
-              <a:gd name="connsiteY8" fmla="*/ 0 h 18288"/>
-              <a:gd name="connsiteX9" fmla="*/ 5237020 w 10853928"/>
-              <a:gd name="connsiteY9" fmla="*/ 0 h 18288"/>
-              <a:gd name="connsiteX10" fmla="*/ 6132469 w 10853928"/>
-              <a:gd name="connsiteY10" fmla="*/ 0 h 18288"/>
-              <a:gd name="connsiteX11" fmla="*/ 6702301 w 10853928"/>
-              <a:gd name="connsiteY11" fmla="*/ 0 h 18288"/>
-              <a:gd name="connsiteX12" fmla="*/ 7272132 w 10853928"/>
-              <a:gd name="connsiteY12" fmla="*/ 0 h 18288"/>
-              <a:gd name="connsiteX13" fmla="*/ 7950502 w 10853928"/>
-              <a:gd name="connsiteY13" fmla="*/ 0 h 18288"/>
-              <a:gd name="connsiteX14" fmla="*/ 8737412 w 10853928"/>
-              <a:gd name="connsiteY14" fmla="*/ 0 h 18288"/>
-              <a:gd name="connsiteX15" fmla="*/ 9524322 w 10853928"/>
-              <a:gd name="connsiteY15" fmla="*/ 0 h 18288"/>
-              <a:gd name="connsiteX16" fmla="*/ 10853928 w 10853928"/>
-              <a:gd name="connsiteY16" fmla="*/ 0 h 18288"/>
-              <a:gd name="connsiteX17" fmla="*/ 10853928 w 10853928"/>
-              <a:gd name="connsiteY17" fmla="*/ 18288 h 18288"/>
-              <a:gd name="connsiteX18" fmla="*/ 10392636 w 10853928"/>
-              <a:gd name="connsiteY18" fmla="*/ 18288 h 18288"/>
-              <a:gd name="connsiteX19" fmla="*/ 9497187 w 10853928"/>
-              <a:gd name="connsiteY19" fmla="*/ 18288 h 18288"/>
-              <a:gd name="connsiteX20" fmla="*/ 8818817 w 10853928"/>
-              <a:gd name="connsiteY20" fmla="*/ 18288 h 18288"/>
-              <a:gd name="connsiteX21" fmla="*/ 8466064 w 10853928"/>
-              <a:gd name="connsiteY21" fmla="*/ 18288 h 18288"/>
-              <a:gd name="connsiteX22" fmla="*/ 7787693 w 10853928"/>
-              <a:gd name="connsiteY22" fmla="*/ 18288 h 18288"/>
-              <a:gd name="connsiteX23" fmla="*/ 7217862 w 10853928"/>
-              <a:gd name="connsiteY23" fmla="*/ 18288 h 18288"/>
-              <a:gd name="connsiteX24" fmla="*/ 6648031 w 10853928"/>
-              <a:gd name="connsiteY24" fmla="*/ 18288 h 18288"/>
-              <a:gd name="connsiteX25" fmla="*/ 6078200 w 10853928"/>
-              <a:gd name="connsiteY25" fmla="*/ 18288 h 18288"/>
-              <a:gd name="connsiteX26" fmla="*/ 5508368 w 10853928"/>
-              <a:gd name="connsiteY26" fmla="*/ 18288 h 18288"/>
-              <a:gd name="connsiteX27" fmla="*/ 4721459 w 10853928"/>
-              <a:gd name="connsiteY27" fmla="*/ 18288 h 18288"/>
-              <a:gd name="connsiteX28" fmla="*/ 4043088 w 10853928"/>
-              <a:gd name="connsiteY28" fmla="*/ 18288 h 18288"/>
-              <a:gd name="connsiteX29" fmla="*/ 3690336 w 10853928"/>
-              <a:gd name="connsiteY29" fmla="*/ 18288 h 18288"/>
-              <a:gd name="connsiteX30" fmla="*/ 3120504 w 10853928"/>
-              <a:gd name="connsiteY30" fmla="*/ 18288 h 18288"/>
-              <a:gd name="connsiteX31" fmla="*/ 2333595 w 10853928"/>
-              <a:gd name="connsiteY31" fmla="*/ 18288 h 18288"/>
-              <a:gd name="connsiteX32" fmla="*/ 1872303 w 10853928"/>
-              <a:gd name="connsiteY32" fmla="*/ 18288 h 18288"/>
-              <a:gd name="connsiteX33" fmla="*/ 976854 w 10853928"/>
-              <a:gd name="connsiteY33" fmla="*/ 18288 h 18288"/>
-              <a:gd name="connsiteX34" fmla="*/ 0 w 10853928"/>
-              <a:gd name="connsiteY34" fmla="*/ 18288 h 18288"/>
-              <a:gd name="connsiteX35" fmla="*/ 0 w 10853928"/>
-              <a:gd name="connsiteY35" fmla="*/ 0 h 18288"/>
-            </a:gdLst>
-            <a:ahLst/>
-            <a:cxnLst>
-              <a:cxn ang="0">
-                <a:pos x="connsiteX0" y="connsiteY0"/>
-              </a:cxn>
-              <a:cxn ang="0">
-                <a:pos x="connsiteX1" y="connsiteY1"/>
-              </a:cxn>
-              <a:cxn ang="0">
-                <a:pos x="connsiteX2" y="connsiteY2"/>
-              </a:cxn>
-              <a:cxn ang="0">
-                <a:pos x="connsiteX3" y="connsiteY3"/>
-              </a:cxn>
-              <a:cxn ang="0">
-                <a:pos x="connsiteX4" y="connsiteY4"/>
-              </a:cxn>
-              <a:cxn ang="0">
-                <a:pos x="connsiteX5" y="connsiteY5"/>
-              </a:cxn>
-              <a:cxn ang="0">
-                <a:pos x="connsiteX6" y="connsiteY6"/>
-              </a:cxn>
-              <a:cxn ang="0">
-                <a:pos x="connsiteX7" y="connsiteY7"/>
-              </a:cxn>
-              <a:cxn ang="0">
-                <a:pos x="connsiteX8" y="connsiteY8"/>
-              </a:cxn>
-              <a:cxn ang="0">
-                <a:pos x="connsiteX9" y="connsiteY9"/>
-              </a:cxn>
-              <a:cxn ang="0">
-                <a:pos x="connsiteX10" y="connsiteY10"/>
-              </a:cxn>
-              <a:cxn ang="0">
-                <a:pos x="connsiteX11" y="connsiteY11"/>
-              </a:cxn>
-              <a:cxn ang="0">
-                <a:pos x="connsiteX12" y="connsiteY12"/>
-              </a:cxn>
-              <a:cxn ang="0">
-                <a:pos x="connsiteX13" y="connsiteY13"/>
-              </a:cxn>
-              <a:cxn ang="0">
-                <a:pos x="connsiteX14" y="connsiteY14"/>
-              </a:cxn>
-              <a:cxn ang="0">
-                <a:pos x="connsiteX15" y="connsiteY15"/>
-              </a:cxn>
-              <a:cxn ang="0">
-                <a:pos x="connsiteX16" y="connsiteY16"/>
-              </a:cxn>
-              <a:cxn ang="0">
-                <a:pos x="connsiteX17" y="connsiteY17"/>
-              </a:cxn>
-              <a:cxn ang="0">
-                <a:pos x="connsiteX18" y="connsiteY18"/>
-              </a:cxn>
-              <a:cxn ang="0">
-                <a:pos x="connsiteX19" y="connsiteY19"/>
-              </a:cxn>
-              <a:cxn ang="0">
-                <a:pos x="connsiteX20" y="connsiteY20"/>
-              </a:cxn>
-              <a:cxn ang="0">
-                <a:pos x="connsiteX21" y="connsiteY21"/>
-              </a:cxn>
-              <a:cxn ang="0">
-                <a:pos x="connsiteX22" y="connsiteY22"/>
-              </a:cxn>
-              <a:cxn ang="0">
-                <a:pos x="connsiteX23" y="connsiteY23"/>
-              </a:cxn>
-              <a:cxn ang="0">
-                <a:pos x="connsiteX24" y="connsiteY24"/>
-              </a:cxn>
-              <a:cxn ang="0">
-                <a:pos x="connsiteX25" y="connsiteY25"/>
-              </a:cxn>
-              <a:cxn ang="0">
-                <a:pos x="connsiteX26" y="connsiteY26"/>
-              </a:cxn>
-              <a:cxn ang="0">
-                <a:pos x="connsiteX27" y="connsiteY27"/>
-              </a:cxn>
-              <a:cxn ang="0">
-                <a:pos x="connsiteX28" y="connsiteY28"/>
-              </a:cxn>
-              <a:cxn ang="0">
-                <a:pos x="connsiteX29" y="connsiteY29"/>
-              </a:cxn>
-              <a:cxn ang="0">
-                <a:pos x="connsiteX30" y="connsiteY30"/>
-              </a:cxn>
-              <a:cxn ang="0">
-                <a:pos x="connsiteX31" y="connsiteY31"/>
-              </a:cxn>
-              <a:cxn ang="0">
-                <a:pos x="connsiteX32" y="connsiteY32"/>
-              </a:cxn>
-              <a:cxn ang="0">
-                <a:pos x="connsiteX33" y="connsiteY33"/>
-              </a:cxn>
-              <a:cxn ang="0">
-                <a:pos x="connsiteX34" y="connsiteY34"/>
-              </a:cxn>
-              <a:cxn ang="0">
-                <a:pos x="connsiteX35" y="connsiteY35"/>
-              </a:cxn>
-            </a:cxnLst>
-            <a:rect l="l" t="t" r="r" b="b"/>
-            <a:pathLst>
-              <a:path w="10853928" h="18288" fill="none" extrusionOk="0">
-                <a:moveTo>
-                  <a:pt x="0" y="0"/>
-                </a:moveTo>
-                <a:cubicBezTo>
-                  <a:pt x="146993" y="-19076"/>
-                  <a:pt x="347684" y="-4790"/>
-                  <a:pt x="461292" y="0"/>
-                </a:cubicBezTo>
-                <a:cubicBezTo>
-                  <a:pt x="574900" y="4790"/>
-                  <a:pt x="808367" y="19821"/>
-                  <a:pt x="1139662" y="0"/>
-                </a:cubicBezTo>
-                <a:cubicBezTo>
-                  <a:pt x="1470957" y="-19821"/>
-                  <a:pt x="1627405" y="5721"/>
-                  <a:pt x="1926572" y="0"/>
-                </a:cubicBezTo>
-                <a:cubicBezTo>
-                  <a:pt x="2225739" y="-5721"/>
-                  <a:pt x="2137730" y="-3235"/>
-                  <a:pt x="2279325" y="0"/>
-                </a:cubicBezTo>
-                <a:cubicBezTo>
-                  <a:pt x="2420920" y="3235"/>
-                  <a:pt x="2456518" y="9685"/>
-                  <a:pt x="2632078" y="0"/>
-                </a:cubicBezTo>
-                <a:cubicBezTo>
-                  <a:pt x="2807638" y="-9685"/>
-                  <a:pt x="3211516" y="-43007"/>
-                  <a:pt x="3527527" y="0"/>
-                </a:cubicBezTo>
-                <a:cubicBezTo>
-                  <a:pt x="3843538" y="43007"/>
-                  <a:pt x="4058833" y="22042"/>
-                  <a:pt x="4205897" y="0"/>
-                </a:cubicBezTo>
-                <a:cubicBezTo>
-                  <a:pt x="4352961" y="-22042"/>
-                  <a:pt x="4474805" y="-11846"/>
-                  <a:pt x="4558650" y="0"/>
-                </a:cubicBezTo>
-                <a:cubicBezTo>
-                  <a:pt x="4642495" y="11846"/>
-                  <a:pt x="5041928" y="-6069"/>
-                  <a:pt x="5237020" y="0"/>
-                </a:cubicBezTo>
-                <a:cubicBezTo>
-                  <a:pt x="5432112" y="6069"/>
-                  <a:pt x="5943266" y="-17479"/>
-                  <a:pt x="6132469" y="0"/>
-                </a:cubicBezTo>
-                <a:cubicBezTo>
-                  <a:pt x="6321672" y="17479"/>
-                  <a:pt x="6483872" y="26234"/>
-                  <a:pt x="6702301" y="0"/>
-                </a:cubicBezTo>
-                <a:cubicBezTo>
-                  <a:pt x="6920730" y="-26234"/>
-                  <a:pt x="6991194" y="-15156"/>
-                  <a:pt x="7272132" y="0"/>
-                </a:cubicBezTo>
-                <a:cubicBezTo>
-                  <a:pt x="7553070" y="15156"/>
-                  <a:pt x="7684444" y="-32961"/>
-                  <a:pt x="7950502" y="0"/>
-                </a:cubicBezTo>
-                <a:cubicBezTo>
-                  <a:pt x="8216560" y="32961"/>
-                  <a:pt x="8493290" y="-10491"/>
-                  <a:pt x="8737412" y="0"/>
-                </a:cubicBezTo>
-                <a:cubicBezTo>
-                  <a:pt x="8981534" y="10491"/>
-                  <a:pt x="9191586" y="-13899"/>
-                  <a:pt x="9524322" y="0"/>
-                </a:cubicBezTo>
-                <a:cubicBezTo>
-                  <a:pt x="9857058" y="13899"/>
-                  <a:pt x="10297509" y="7485"/>
-                  <a:pt x="10853928" y="0"/>
-                </a:cubicBezTo>
-                <a:cubicBezTo>
-                  <a:pt x="10854574" y="4451"/>
-                  <a:pt x="10854418" y="9226"/>
-                  <a:pt x="10853928" y="18288"/>
-                </a:cubicBezTo>
-                <a:cubicBezTo>
-                  <a:pt x="10691638" y="28522"/>
-                  <a:pt x="10574319" y="29578"/>
-                  <a:pt x="10392636" y="18288"/>
-                </a:cubicBezTo>
-                <a:cubicBezTo>
-                  <a:pt x="10210953" y="6998"/>
-                  <a:pt x="9836277" y="-16742"/>
-                  <a:pt x="9497187" y="18288"/>
-                </a:cubicBezTo>
-                <a:cubicBezTo>
-                  <a:pt x="9158097" y="53318"/>
-                  <a:pt x="9119479" y="30714"/>
-                  <a:pt x="8818817" y="18288"/>
-                </a:cubicBezTo>
-                <a:cubicBezTo>
-                  <a:pt x="8518155" y="5863"/>
-                  <a:pt x="8640037" y="6483"/>
-                  <a:pt x="8466064" y="18288"/>
-                </a:cubicBezTo>
-                <a:cubicBezTo>
-                  <a:pt x="8292091" y="30093"/>
-                  <a:pt x="7997656" y="18914"/>
-                  <a:pt x="7787693" y="18288"/>
-                </a:cubicBezTo>
-                <a:cubicBezTo>
-                  <a:pt x="7577730" y="17662"/>
-                  <a:pt x="7412468" y="21416"/>
-                  <a:pt x="7217862" y="18288"/>
-                </a:cubicBezTo>
-                <a:cubicBezTo>
-                  <a:pt x="7023256" y="15160"/>
-                  <a:pt x="6898018" y="14824"/>
-                  <a:pt x="6648031" y="18288"/>
-                </a:cubicBezTo>
-                <a:cubicBezTo>
-                  <a:pt x="6398044" y="21752"/>
-                  <a:pt x="6254402" y="38625"/>
-                  <a:pt x="6078200" y="18288"/>
-                </a:cubicBezTo>
-                <a:cubicBezTo>
-                  <a:pt x="5901998" y="-2049"/>
-                  <a:pt x="5622886" y="3213"/>
-                  <a:pt x="5508368" y="18288"/>
-                </a:cubicBezTo>
-                <a:cubicBezTo>
-                  <a:pt x="5393850" y="33363"/>
-                  <a:pt x="5036260" y="26830"/>
-                  <a:pt x="4721459" y="18288"/>
-                </a:cubicBezTo>
-                <a:cubicBezTo>
-                  <a:pt x="4406658" y="9746"/>
-                  <a:pt x="4239221" y="41551"/>
-                  <a:pt x="4043088" y="18288"/>
-                </a:cubicBezTo>
-                <a:cubicBezTo>
-                  <a:pt x="3846955" y="-4975"/>
-                  <a:pt x="3818802" y="34658"/>
-                  <a:pt x="3690336" y="18288"/>
-                </a:cubicBezTo>
-                <a:cubicBezTo>
-                  <a:pt x="3561870" y="1918"/>
-                  <a:pt x="3265491" y="42194"/>
-                  <a:pt x="3120504" y="18288"/>
-                </a:cubicBezTo>
-                <a:cubicBezTo>
-                  <a:pt x="2975517" y="-5618"/>
-                  <a:pt x="2720254" y="36673"/>
-                  <a:pt x="2333595" y="18288"/>
-                </a:cubicBezTo>
-                <a:cubicBezTo>
-                  <a:pt x="1946936" y="-97"/>
-                  <a:pt x="2097241" y="5776"/>
-                  <a:pt x="1872303" y="18288"/>
-                </a:cubicBezTo>
-                <a:cubicBezTo>
-                  <a:pt x="1647365" y="30800"/>
-                  <a:pt x="1282708" y="45380"/>
-                  <a:pt x="976854" y="18288"/>
-                </a:cubicBezTo>
-                <a:cubicBezTo>
-                  <a:pt x="671000" y="-8804"/>
-                  <a:pt x="408401" y="-12775"/>
-                  <a:pt x="0" y="18288"/>
-                </a:cubicBezTo>
-                <a:cubicBezTo>
-                  <a:pt x="-213" y="9468"/>
-                  <a:pt x="187" y="4459"/>
-                  <a:pt x="0" y="0"/>
-                </a:cubicBezTo>
-                <a:close/>
-              </a:path>
-              <a:path w="10853928" h="18288" stroke="0" extrusionOk="0">
-                <a:moveTo>
-                  <a:pt x="0" y="0"/>
-                </a:moveTo>
-                <a:cubicBezTo>
-                  <a:pt x="267322" y="15284"/>
-                  <a:pt x="415388" y="-21048"/>
-                  <a:pt x="569831" y="0"/>
-                </a:cubicBezTo>
-                <a:cubicBezTo>
-                  <a:pt x="724274" y="21048"/>
-                  <a:pt x="769333" y="-2353"/>
-                  <a:pt x="922584" y="0"/>
-                </a:cubicBezTo>
-                <a:cubicBezTo>
-                  <a:pt x="1075835" y="2353"/>
-                  <a:pt x="1399490" y="-145"/>
-                  <a:pt x="1818033" y="0"/>
-                </a:cubicBezTo>
-                <a:cubicBezTo>
-                  <a:pt x="2236576" y="145"/>
-                  <a:pt x="2145330" y="5482"/>
-                  <a:pt x="2387864" y="0"/>
-                </a:cubicBezTo>
-                <a:cubicBezTo>
-                  <a:pt x="2630398" y="-5482"/>
-                  <a:pt x="2793207" y="18487"/>
-                  <a:pt x="2957695" y="0"/>
-                </a:cubicBezTo>
-                <a:cubicBezTo>
-                  <a:pt x="3122183" y="-18487"/>
-                  <a:pt x="3579141" y="19003"/>
-                  <a:pt x="3853144" y="0"/>
-                </a:cubicBezTo>
-                <a:cubicBezTo>
-                  <a:pt x="4127147" y="-19003"/>
-                  <a:pt x="4209857" y="12211"/>
-                  <a:pt x="4314436" y="0"/>
-                </a:cubicBezTo>
-                <a:cubicBezTo>
-                  <a:pt x="4419015" y="-12211"/>
-                  <a:pt x="4762459" y="-17220"/>
-                  <a:pt x="5209885" y="0"/>
-                </a:cubicBezTo>
-                <a:cubicBezTo>
-                  <a:pt x="5657311" y="17220"/>
-                  <a:pt x="5692663" y="-3290"/>
-                  <a:pt x="6105335" y="0"/>
-                </a:cubicBezTo>
-                <a:cubicBezTo>
-                  <a:pt x="6518007" y="3290"/>
-                  <a:pt x="6455516" y="-5124"/>
-                  <a:pt x="6783705" y="0"/>
-                </a:cubicBezTo>
-                <a:cubicBezTo>
-                  <a:pt x="7111894" y="5124"/>
-                  <a:pt x="7441941" y="-17829"/>
-                  <a:pt x="7679154" y="0"/>
-                </a:cubicBezTo>
-                <a:cubicBezTo>
-                  <a:pt x="7916367" y="17829"/>
-                  <a:pt x="8102967" y="-24363"/>
-                  <a:pt x="8248985" y="0"/>
-                </a:cubicBezTo>
-                <a:cubicBezTo>
-                  <a:pt x="8395003" y="24363"/>
-                  <a:pt x="8552393" y="25505"/>
-                  <a:pt x="8818817" y="0"/>
-                </a:cubicBezTo>
-                <a:cubicBezTo>
-                  <a:pt x="9085241" y="-25505"/>
-                  <a:pt x="9411308" y="38000"/>
-                  <a:pt x="9605726" y="0"/>
-                </a:cubicBezTo>
-                <a:cubicBezTo>
-                  <a:pt x="9800144" y="-38000"/>
-                  <a:pt x="10006468" y="-25741"/>
-                  <a:pt x="10175558" y="0"/>
-                </a:cubicBezTo>
-                <a:cubicBezTo>
-                  <a:pt x="10344648" y="25741"/>
-                  <a:pt x="10696282" y="695"/>
-                  <a:pt x="10853928" y="0"/>
-                </a:cubicBezTo>
-                <a:cubicBezTo>
-                  <a:pt x="10853521" y="8690"/>
-                  <a:pt x="10853774" y="14141"/>
-                  <a:pt x="10853928" y="18288"/>
-                </a:cubicBezTo>
-                <a:cubicBezTo>
-                  <a:pt x="10608124" y="24255"/>
-                  <a:pt x="10343415" y="22307"/>
-                  <a:pt x="10067018" y="18288"/>
-                </a:cubicBezTo>
-                <a:cubicBezTo>
-                  <a:pt x="9790621" y="14270"/>
-                  <a:pt x="9843266" y="3564"/>
-                  <a:pt x="9714266" y="18288"/>
-                </a:cubicBezTo>
-                <a:cubicBezTo>
-                  <a:pt x="9585266" y="33012"/>
-                  <a:pt x="9379484" y="1875"/>
-                  <a:pt x="9252974" y="18288"/>
-                </a:cubicBezTo>
-                <a:cubicBezTo>
-                  <a:pt x="9126464" y="34701"/>
-                  <a:pt x="8580678" y="-4904"/>
-                  <a:pt x="8357525" y="18288"/>
-                </a:cubicBezTo>
-                <a:cubicBezTo>
-                  <a:pt x="8134372" y="41480"/>
-                  <a:pt x="7903199" y="26458"/>
-                  <a:pt x="7679154" y="18288"/>
-                </a:cubicBezTo>
-                <a:cubicBezTo>
-                  <a:pt x="7455109" y="10118"/>
-                  <a:pt x="7435944" y="27109"/>
-                  <a:pt x="7217862" y="18288"/>
-                </a:cubicBezTo>
-                <a:cubicBezTo>
-                  <a:pt x="6999780" y="9467"/>
-                  <a:pt x="6680409" y="18985"/>
-                  <a:pt x="6539492" y="18288"/>
-                </a:cubicBezTo>
-                <a:cubicBezTo>
-                  <a:pt x="6398575" y="17592"/>
-                  <a:pt x="6312077" y="33018"/>
-                  <a:pt x="6186739" y="18288"/>
-                </a:cubicBezTo>
-                <a:cubicBezTo>
-                  <a:pt x="6061401" y="3558"/>
-                  <a:pt x="5947033" y="12075"/>
-                  <a:pt x="5833986" y="18288"/>
-                </a:cubicBezTo>
-                <a:cubicBezTo>
-                  <a:pt x="5720939" y="24501"/>
-                  <a:pt x="5482226" y="8586"/>
-                  <a:pt x="5155616" y="18288"/>
-                </a:cubicBezTo>
-                <a:cubicBezTo>
-                  <a:pt x="4829006" y="27991"/>
-                  <a:pt x="4841274" y="29316"/>
-                  <a:pt x="4694324" y="18288"/>
-                </a:cubicBezTo>
-                <a:cubicBezTo>
-                  <a:pt x="4547374" y="7260"/>
-                  <a:pt x="4077675" y="7013"/>
-                  <a:pt x="3907414" y="18288"/>
-                </a:cubicBezTo>
-                <a:cubicBezTo>
-                  <a:pt x="3737153" y="29564"/>
-                  <a:pt x="3538393" y="21630"/>
-                  <a:pt x="3446122" y="18288"/>
-                </a:cubicBezTo>
-                <a:cubicBezTo>
-                  <a:pt x="3353851" y="14946"/>
-                  <a:pt x="2990320" y="-8091"/>
-                  <a:pt x="2659212" y="18288"/>
-                </a:cubicBezTo>
-                <a:cubicBezTo>
-                  <a:pt x="2328104" y="44667"/>
-                  <a:pt x="2427653" y="9607"/>
-                  <a:pt x="2306460" y="18288"/>
-                </a:cubicBezTo>
-                <a:cubicBezTo>
-                  <a:pt x="2185267" y="26969"/>
-                  <a:pt x="1719763" y="3717"/>
-                  <a:pt x="1519550" y="18288"/>
-                </a:cubicBezTo>
-                <a:cubicBezTo>
-                  <a:pt x="1319337" y="32860"/>
-                  <a:pt x="1167371" y="17040"/>
-                  <a:pt x="1058258" y="18288"/>
-                </a:cubicBezTo>
-                <a:cubicBezTo>
-                  <a:pt x="949145" y="19536"/>
-                  <a:pt x="780234" y="31447"/>
-                  <a:pt x="705505" y="18288"/>
-                </a:cubicBezTo>
-                <a:cubicBezTo>
-                  <a:pt x="630776" y="5129"/>
-                  <a:pt x="215796" y="30056"/>
-                  <a:pt x="0" y="18288"/>
-                </a:cubicBezTo>
-                <a:cubicBezTo>
-                  <a:pt x="-53" y="11301"/>
-                  <a:pt x="-649" y="7756"/>
-                  <a:pt x="0" y="0"/>
-                </a:cubicBezTo>
-                <a:close/>
-              </a:path>
-            </a:pathLst>
-          </a:custGeom>
-          <a:solidFill>
-            <a:schemeClr val="accent2"/>
-          </a:solidFill>
-          <a:ln w="41275" cap="rnd">
-            <a:solidFill>
-              <a:schemeClr val="accent2"/>
-            </a:solidFill>
-            <a:round/>
-            <a:extLst>
-              <a:ext uri="{C807C97D-BFC1-408E-A445-0C87EB9F89A2}">
-                <ask:lineSketchStyleProps xmlns:ask="http://schemas.microsoft.com/office/drawing/2018/sketchyshapes" sd="1219033472">
-                  <a:prstGeom prst="rect">
-                    <a:avLst/>
-                  </a:prstGeom>
-                  <ask:type>
-                    <ask:lineSketchFreehand/>
-                  </ask:type>
-                </ask:lineSketchStyleProps>
-              </a:ext>
-            </a:extLst>
-          </a:ln>
-        </p:spPr>
-        <p:style>
-          <a:lnRef idx="2">
-            <a:schemeClr val="accent1">
-              <a:shade val="50000"/>
-            </a:schemeClr>
-          </a:lnRef>
-          <a:fillRef idx="1">
-            <a:schemeClr val="accent1"/>
-          </a:fillRef>
-          <a:effectRef idx="0">
-            <a:schemeClr val="accent1"/>
-          </a:effectRef>
-          <a:fontRef idx="minor">
-            <a:schemeClr val="lt1"/>
-          </a:fontRef>
-        </p:style>
-        <p:txBody>
-          <a:bodyPr rtlCol="0" anchor="ctr"/>
-          <a:lstStyle/>
-          <a:p>
-            <a:pPr algn="ctr"/>
-            <a:endParaRPr lang="en-US"/>
-          </a:p>
-        </p:txBody>
-      </p:sp>
-      <p:pic>
-        <p:nvPicPr>
-          <p:cNvPr id="3" name="Segnaposto contenuto 2">
-            <a:extLst>
-              <a:ext uri="{FF2B5EF4-FFF2-40B4-BE49-F238E27FC236}">
-                <a16:creationId xmlns:a16="http://schemas.microsoft.com/office/drawing/2014/main" id="{DF52D774-0AF5-3D21-AF89-908B316763E3}"/>
-              </a:ext>
-            </a:extLst>
-          </p:cNvPr>
-          <p:cNvPicPr>
-            <a:picLocks noGrp="1" noChangeAspect="1"/>
-          </p:cNvPicPr>
-          <p:nvPr>
-            <p:ph idx="1"/>
-          </p:nvPr>
-        </p:nvPicPr>
-        <p:blipFill>
-          <a:blip r:embed="rId3"/>
-          <a:stretch>
-            <a:fillRect/>
-          </a:stretch>
-        </p:blipFill>
-        <p:spPr>
-          <a:xfrm>
-            <a:off x="474306" y="3242258"/>
-            <a:ext cx="4200525" cy="1714500"/>
-          </a:xfrm>
-          <a:prstGeom prst="rect">
-            <a:avLst/>
-          </a:prstGeom>
-        </p:spPr>
-      </p:pic>
-      <p:sp>
-        <p:nvSpPr>
-          <p:cNvPr id="82" name="Segnaposto numero diapositiva 81">
-            <a:extLst>
-              <a:ext uri="{FF2B5EF4-FFF2-40B4-BE49-F238E27FC236}">
-                <a16:creationId xmlns:a16="http://schemas.microsoft.com/office/drawing/2014/main" id="{CE36A058-BEC2-4BC5-A467-F2EB2A365051}"/>
-              </a:ext>
-            </a:extLst>
-          </p:cNvPr>
-          <p:cNvSpPr>
-            <a:spLocks noGrp="1"/>
-          </p:cNvSpPr>
-          <p:nvPr>
-            <p:ph type="sldNum" sz="quarter" idx="12"/>
-          </p:nvPr>
-        </p:nvSpPr>
-        <p:spPr>
-          <a:xfrm>
-            <a:off x="8610600" y="6356350"/>
-            <a:ext cx="2743200" cy="365125"/>
-          </a:xfrm>
-        </p:spPr>
-        <p:txBody>
-          <a:bodyPr rtlCol="0">
-            <a:noAutofit/>
-          </a:bodyPr>
-          <a:lstStyle/>
-          <a:p>
-            <a:pPr rtl="0">
-              <a:spcAft>
-                <a:spcPts val="600"/>
-              </a:spcAft>
-            </a:pPr>
-            <a:fld id="{B5CEABB6-07DC-46E8-9B57-56EC44A396E5}" type="slidenum">
-              <a:rPr lang="it-IT" sz="1800" b="1" smtClean="0"/>
-              <a:pPr rtl="0">
-                <a:spcAft>
-                  <a:spcPts val="600"/>
-                </a:spcAft>
-              </a:pPr>
-              <a:t>9</a:t>
-            </a:fld>
-            <a:endParaRPr lang="it-IT" sz="1800" b="1"/>
-          </a:p>
-        </p:txBody>
-      </p:sp>
-      <p:sp>
-        <p:nvSpPr>
-          <p:cNvPr id="19" name="CasellaDiTesto 18">
-            <a:extLst>
-              <a:ext uri="{FF2B5EF4-FFF2-40B4-BE49-F238E27FC236}">
-                <a16:creationId xmlns:a16="http://schemas.microsoft.com/office/drawing/2014/main" id="{8B9F0681-6C98-C87F-B39F-F7A05657163C}"/>
-              </a:ext>
-            </a:extLst>
-          </p:cNvPr>
-          <p:cNvSpPr txBox="1"/>
-          <p:nvPr/>
-        </p:nvSpPr>
-        <p:spPr>
-          <a:xfrm>
-            <a:off x="801751" y="2194286"/>
-            <a:ext cx="3061122" cy="369332"/>
-          </a:xfrm>
-          <a:prstGeom prst="rect">
-            <a:avLst/>
-          </a:prstGeom>
-          <a:noFill/>
-        </p:spPr>
-        <p:txBody>
-          <a:bodyPr wrap="square" rtlCol="0">
-            <a:spAutoFit/>
-          </a:bodyPr>
-          <a:lstStyle/>
-          <a:p>
-            <a:r>
-              <a:rPr lang="it-IT" dirty="0"/>
-              <a:t>Architettura Client-Server</a:t>
-            </a:r>
-          </a:p>
-        </p:txBody>
-      </p:sp>
-      <p:sp>
-        <p:nvSpPr>
-          <p:cNvPr id="20" name="CasellaDiTesto 19">
-            <a:extLst>
-              <a:ext uri="{FF2B5EF4-FFF2-40B4-BE49-F238E27FC236}">
-                <a16:creationId xmlns:a16="http://schemas.microsoft.com/office/drawing/2014/main" id="{81FF93F6-1ED9-0763-AF79-4C131175232A}"/>
-              </a:ext>
-            </a:extLst>
-          </p:cNvPr>
-          <p:cNvSpPr txBox="1"/>
-          <p:nvPr/>
-        </p:nvSpPr>
-        <p:spPr>
-          <a:xfrm>
-            <a:off x="7007288" y="2096027"/>
-            <a:ext cx="4346511" cy="646331"/>
-          </a:xfrm>
-          <a:prstGeom prst="rect">
-            <a:avLst/>
-          </a:prstGeom>
-          <a:noFill/>
-        </p:spPr>
-        <p:txBody>
-          <a:bodyPr wrap="square" rtlCol="0">
-            <a:spAutoFit/>
-          </a:bodyPr>
-          <a:lstStyle/>
-          <a:p>
-            <a:r>
-              <a:rPr lang="it-IT" dirty="0"/>
-              <a:t>Stile Architetturale Model-</a:t>
-            </a:r>
-            <a:r>
-              <a:rPr lang="it-IT" dirty="0" err="1"/>
-              <a:t>View</a:t>
-            </a:r>
-            <a:r>
-              <a:rPr lang="it-IT" dirty="0"/>
-              <a:t>-Controller (MVC)</a:t>
-            </a:r>
-          </a:p>
-        </p:txBody>
-      </p:sp>
-      <p:pic>
-        <p:nvPicPr>
-          <p:cNvPr id="21" name="Immagine 20">
-            <a:extLst>
-              <a:ext uri="{FF2B5EF4-FFF2-40B4-BE49-F238E27FC236}">
-                <a16:creationId xmlns:a16="http://schemas.microsoft.com/office/drawing/2014/main" id="{17F74E82-9D2D-6343-03F7-F245968CDF1E}"/>
-              </a:ext>
-            </a:extLst>
-          </p:cNvPr>
-          <p:cNvPicPr>
-            <a:picLocks noChangeAspect="1"/>
-          </p:cNvPicPr>
-          <p:nvPr/>
-        </p:nvPicPr>
-        <p:blipFill>
-          <a:blip r:embed="rId4"/>
-          <a:stretch>
-            <a:fillRect/>
-          </a:stretch>
-        </p:blipFill>
-        <p:spPr>
-          <a:xfrm>
-            <a:off x="6986586" y="2810487"/>
-            <a:ext cx="4367213" cy="2700000"/>
-          </a:xfrm>
-          <a:prstGeom prst="rect">
-            <a:avLst/>
-          </a:prstGeom>
-        </p:spPr>
-      </p:pic>
-    </p:spTree>
-    <p:extLst>
-      <p:ext uri="{BB962C8B-B14F-4D97-AF65-F5344CB8AC3E}">
-        <p14:creationId xmlns:p14="http://schemas.microsoft.com/office/powerpoint/2010/main" val="141201089"/>
       </p:ext>
     </p:extLst>
   </p:cSld>
@@ -32716,15 +32275,6 @@
 </file>
 
 <file path=customXml/item1.xml><?xml version="1.0" encoding="utf-8"?>
-<?mso-contentType ?>
-<FormTemplates xmlns="http://schemas.microsoft.com/sharepoint/v3/contenttype/forms">
-  <Display>DocumentLibraryForm</Display>
-  <Edit>DocumentLibraryForm</Edit>
-  <New>DocumentLibraryForm</New>
-</FormTemplates>
-</file>
-
-<file path=customXml/item2.xml><?xml version="1.0" encoding="utf-8"?>
 <ct:contentTypeSchema xmlns:ct="http://schemas.microsoft.com/office/2006/metadata/contentType" xmlns:ma="http://schemas.microsoft.com/office/2006/metadata/properties/metaAttributes" ct:_="" ma:_="" ma:contentTypeName="Documento" ma:contentTypeID="0x0101007CE6213B20D2F945B0D1473923EE410F" ma:contentTypeVersion="7" ma:contentTypeDescription="Creare un nuovo documento." ma:contentTypeScope="" ma:versionID="dc8ac43e96b461727accd63cf925a5cf">
   <xsd:schema xmlns:xsd="http://www.w3.org/2001/XMLSchema" xmlns:xs="http://www.w3.org/2001/XMLSchema" xmlns:p="http://schemas.microsoft.com/office/2006/metadata/properties" xmlns:ns2="243f3390-b919-40e8-8195-3613e8527352" targetNamespace="http://schemas.microsoft.com/office/2006/metadata/properties" ma:root="true" ma:fieldsID="1987007e621e1b24d40e437f012b913d" ns2:_="">
     <xsd:import namespace="243f3390-b919-40e8-8195-3613e8527352"/>
@@ -32886,6 +32436,15 @@
 </ct:contentTypeSchema>
 </file>
 
+<file path=customXml/item2.xml><?xml version="1.0" encoding="utf-8"?>
+<?mso-contentType ?>
+<FormTemplates xmlns="http://schemas.microsoft.com/sharepoint/v3/contenttype/forms">
+  <Display>DocumentLibraryForm</Display>
+  <Edit>DocumentLibraryForm</Edit>
+  <New>DocumentLibraryForm</New>
+</FormTemplates>
+</file>
+
 <file path=customXml/item3.xml><?xml version="1.0" encoding="utf-8"?>
 <p:properties xmlns:p="http://schemas.microsoft.com/office/2006/metadata/properties" xmlns:xsi="http://www.w3.org/2001/XMLSchema-instance" xmlns:pc="http://schemas.microsoft.com/office/infopath/2007/PartnerControls">
   <documentManagement/>
@@ -32893,14 +32452,6 @@
 </file>
 
 <file path=customXml/itemProps1.xml><?xml version="1.0" encoding="utf-8"?>
-<ds:datastoreItem xmlns:ds="http://schemas.openxmlformats.org/officeDocument/2006/customXml" ds:itemID="{42BC90D6-94CF-42F7-AAC4-9CF6824C54D5}">
-  <ds:schemaRefs>
-    <ds:schemaRef ds:uri="http://schemas.microsoft.com/sharepoint/v3/contenttype/forms"/>
-  </ds:schemaRefs>
-</ds:datastoreItem>
-</file>
-
-<file path=customXml/itemProps2.xml><?xml version="1.0" encoding="utf-8"?>
 <ds:datastoreItem xmlns:ds="http://schemas.openxmlformats.org/officeDocument/2006/customXml" ds:itemID="{1A503E23-9696-4358-8F00-F7F66AC755EB}">
   <ds:schemaRefs>
     <ds:schemaRef ds:uri="http://schemas.microsoft.com/office/2006/metadata/contentType"/>
@@ -32914,6 +32465,14 @@
     <ds:schemaRef ds:uri="http://purl.org/dc/elements/1.1/"/>
     <ds:schemaRef ds:uri="http://purl.org/dc/terms/"/>
     <ds:schemaRef ds:uri="http://schemas.microsoft.com/internal/obd"/>
+  </ds:schemaRefs>
+</ds:datastoreItem>
+</file>
+
+<file path=customXml/itemProps2.xml><?xml version="1.0" encoding="utf-8"?>
+<ds:datastoreItem xmlns:ds="http://schemas.openxmlformats.org/officeDocument/2006/customXml" ds:itemID="{42BC90D6-94CF-42F7-AAC4-9CF6824C54D5}">
+  <ds:schemaRefs>
+    <ds:schemaRef ds:uri="http://schemas.microsoft.com/sharepoint/v3/contenttype/forms"/>
   </ds:schemaRefs>
 </ds:datastoreItem>
 </file>
